--- a/Death Slides - West Sussex V1 12 May.pptx
+++ b/Death Slides - West Sussex V1 12 May.pptx
@@ -3718,7 +3718,7 @@
           <p:nvPr>
             <p:extLst>
               <p:ext uri="{D42A27DB-BD31-4B8C-83A1-F6EECF244321}">
-                <p14:modId xmlns:p14="http://schemas.microsoft.com/office/powerpoint/2010/main" val="1534227997"/>
+                <p14:modId xmlns:p14="http://schemas.microsoft.com/office/powerpoint/2010/main" val="2957922686"/>
               </p:ext>
             </p:extLst>
           </p:nvPr>
@@ -3874,7 +3874,7 @@
                     <a:p>
                       <a:pPr algn="l" fontAlgn="ctr"/>
                       <a:r>
-                        <a:rPr lang="en-GB" sz="1000" b="0" i="0" u="none" strike="noStrike">
+                        <a:rPr lang="en-GB" sz="1050" b="0" i="0" u="none" strike="noStrike" dirty="0">
                           <a:solidFill>
                             <a:srgbClr val="000000"/>
                           </a:solidFill>
@@ -4175,7 +4175,7 @@
                     <a:p>
                       <a:pPr algn="ctr" fontAlgn="t"/>
                       <a:r>
-                        <a:rPr lang="en-GB" sz="1000" b="0" i="0" u="none" strike="noStrike" dirty="0">
+                        <a:rPr lang="en-GB" sz="1050" b="0" i="0" u="none" strike="noStrike" dirty="0">
                           <a:solidFill>
                             <a:srgbClr val="000000"/>
                           </a:solidFill>
@@ -4232,7 +4232,7 @@
                     <a:p>
                       <a:pPr algn="ctr" fontAlgn="t"/>
                       <a:r>
-                        <a:rPr lang="en-GB" sz="1000" b="0" i="0" u="none" strike="noStrike" dirty="0">
+                        <a:rPr lang="en-GB" sz="1050" b="0" i="0" u="none" strike="noStrike" dirty="0">
                           <a:solidFill>
                             <a:srgbClr val="000000"/>
                           </a:solidFill>
@@ -4289,7 +4289,7 @@
                     <a:p>
                       <a:pPr algn="ctr" fontAlgn="t"/>
                       <a:r>
-                        <a:rPr lang="en-GB" sz="1000" b="0" i="0" u="none" strike="noStrike" dirty="0">
+                        <a:rPr lang="en-GB" sz="1050" b="0" i="0" u="none" strike="noStrike" dirty="0">
                           <a:solidFill>
                             <a:srgbClr val="000000"/>
                           </a:solidFill>
@@ -4346,7 +4346,7 @@
                     <a:p>
                       <a:pPr algn="ctr" fontAlgn="t"/>
                       <a:r>
-                        <a:rPr lang="en-GB" sz="1000" b="0" i="0" u="none" strike="noStrike" dirty="0">
+                        <a:rPr lang="en-GB" sz="1050" b="0" i="0" u="none" strike="noStrike" dirty="0">
                           <a:solidFill>
                             <a:srgbClr val="000000"/>
                           </a:solidFill>
@@ -4403,7 +4403,7 @@
                     <a:p>
                       <a:pPr algn="ctr" fontAlgn="t"/>
                       <a:r>
-                        <a:rPr lang="en-GB" sz="1000" b="0" i="0" u="none" strike="noStrike" dirty="0">
+                        <a:rPr lang="en-GB" sz="1050" b="0" i="0" u="none" strike="noStrike" dirty="0">
                           <a:solidFill>
                             <a:srgbClr val="000000"/>
                           </a:solidFill>
@@ -4460,7 +4460,7 @@
                     <a:p>
                       <a:pPr algn="ctr" fontAlgn="t"/>
                       <a:r>
-                        <a:rPr lang="en-GB" sz="1000" b="0" i="0" u="none" strike="noStrike" dirty="0">
+                        <a:rPr lang="en-GB" sz="1050" b="0" i="0" u="none" strike="noStrike" dirty="0">
                           <a:solidFill>
                             <a:srgbClr val="000000"/>
                           </a:solidFill>
@@ -4517,7 +4517,7 @@
                     <a:p>
                       <a:pPr algn="ctr" fontAlgn="t"/>
                       <a:r>
-                        <a:rPr lang="en-GB" sz="1000" b="0" i="0" u="none" strike="noStrike" dirty="0">
+                        <a:rPr lang="en-GB" sz="1050" b="0" i="0" u="none" strike="noStrike" dirty="0">
                           <a:solidFill>
                             <a:srgbClr val="000000"/>
                           </a:solidFill>
@@ -4574,7 +4574,7 @@
                     <a:p>
                       <a:pPr algn="ctr" fontAlgn="t"/>
                       <a:r>
-                        <a:rPr lang="en-GB" sz="1000" b="0" i="0" u="none" strike="noStrike">
+                        <a:rPr lang="en-GB" sz="1050" b="0" i="0" u="none" strike="noStrike">
                           <a:solidFill>
                             <a:srgbClr val="000000"/>
                           </a:solidFill>
@@ -4631,7 +4631,7 @@
                     <a:p>
                       <a:pPr algn="ctr" fontAlgn="t"/>
                       <a:r>
-                        <a:rPr lang="en-GB" sz="1000" b="0" i="0" u="none" strike="noStrike" dirty="0">
+                        <a:rPr lang="en-GB" sz="1050" b="0" i="0" u="none" strike="noStrike" dirty="0">
                           <a:solidFill>
                             <a:srgbClr val="000000"/>
                           </a:solidFill>
@@ -4688,7 +4688,7 @@
                     <a:p>
                       <a:pPr algn="ctr" fontAlgn="t"/>
                       <a:r>
-                        <a:rPr lang="en-GB" sz="1000" b="0" i="0" u="none" strike="noStrike">
+                        <a:rPr lang="en-GB" sz="1050" b="0" i="0" u="none" strike="noStrike">
                           <a:solidFill>
                             <a:srgbClr val="000000"/>
                           </a:solidFill>
@@ -4745,7 +4745,7 @@
                     <a:p>
                       <a:pPr algn="ctr" fontAlgn="t"/>
                       <a:r>
-                        <a:rPr lang="en-GB" sz="1000" b="0" i="0" u="none" strike="noStrike">
+                        <a:rPr lang="en-GB" sz="1050" b="0" i="0" u="none" strike="noStrike">
                           <a:solidFill>
                             <a:srgbClr val="000000"/>
                           </a:solidFill>
@@ -4802,7 +4802,7 @@
                     <a:p>
                       <a:pPr algn="ctr" fontAlgn="t"/>
                       <a:r>
-                        <a:rPr lang="en-GB" sz="1000" b="0" i="0" u="none" strike="noStrike" dirty="0">
+                        <a:rPr lang="en-GB" sz="1050" b="0" i="0" u="none" strike="noStrike" dirty="0">
                           <a:solidFill>
                             <a:srgbClr val="000000"/>
                           </a:solidFill>
@@ -4859,7 +4859,7 @@
                     <a:p>
                       <a:pPr algn="ctr" fontAlgn="t"/>
                       <a:r>
-                        <a:rPr lang="en-GB" sz="1000" b="0" i="0" u="none" strike="noStrike" dirty="0">
+                        <a:rPr lang="en-GB" sz="1050" b="0" i="0" u="none" strike="noStrike" dirty="0">
                           <a:solidFill>
                             <a:srgbClr val="000000"/>
                           </a:solidFill>
@@ -4916,7 +4916,7 @@
                     <a:p>
                       <a:pPr algn="ctr" fontAlgn="t"/>
                       <a:r>
-                        <a:rPr lang="en-GB" sz="1000" b="0" i="0" u="none" strike="noStrike" dirty="0">
+                        <a:rPr lang="en-GB" sz="1050" b="0" i="0" u="none" strike="noStrike" dirty="0">
                           <a:solidFill>
                             <a:srgbClr val="000000"/>
                           </a:solidFill>
@@ -4973,7 +4973,7 @@
                     <a:p>
                       <a:pPr algn="ctr" fontAlgn="t"/>
                       <a:r>
-                        <a:rPr lang="en-GB" sz="1000" b="0" i="0" u="none" strike="noStrike">
+                        <a:rPr lang="en-GB" sz="1050" b="0" i="0" u="none" strike="noStrike">
                           <a:solidFill>
                             <a:srgbClr val="000000"/>
                           </a:solidFill>
@@ -5030,7 +5030,7 @@
                     <a:p>
                       <a:pPr algn="ctr" fontAlgn="t"/>
                       <a:r>
-                        <a:rPr lang="en-GB" sz="1000" b="0" i="0" u="none" strike="noStrike">
+                        <a:rPr lang="en-GB" sz="1050" b="0" i="0" u="none" strike="noStrike">
                           <a:solidFill>
                             <a:srgbClr val="000000"/>
                           </a:solidFill>
@@ -5087,7 +5087,7 @@
                     <a:p>
                       <a:pPr algn="ctr" fontAlgn="t"/>
                       <a:r>
-                        <a:rPr lang="en-GB" sz="1000" b="0" i="0" u="none" strike="noStrike">
+                        <a:rPr lang="en-GB" sz="1050" b="0" i="0" u="none" strike="noStrike">
                           <a:solidFill>
                             <a:srgbClr val="000000"/>
                           </a:solidFill>
@@ -5144,7 +5144,7 @@
                     <a:p>
                       <a:pPr algn="ctr" fontAlgn="t"/>
                       <a:r>
-                        <a:rPr lang="en-GB" sz="1000" b="0" i="0" u="none" strike="noStrike" dirty="0">
+                        <a:rPr lang="en-GB" sz="1050" b="0" i="0" u="none" strike="noStrike" dirty="0">
                           <a:solidFill>
                             <a:srgbClr val="000000"/>
                           </a:solidFill>
@@ -5208,7 +5208,7 @@
                     <a:p>
                       <a:pPr algn="l" fontAlgn="ctr"/>
                       <a:r>
-                        <a:rPr lang="en-GB" sz="1000" b="0" i="0" u="none" strike="noStrike">
+                        <a:rPr lang="en-GB" sz="1050" b="0" i="0" u="none" strike="noStrike" dirty="0">
                           <a:solidFill>
                             <a:srgbClr val="000000"/>
                           </a:solidFill>
@@ -5265,7 +5265,7 @@
                     <a:p>
                       <a:pPr algn="r" fontAlgn="b"/>
                       <a:r>
-                        <a:rPr lang="en-GB" sz="1000" b="0" i="0" u="none" strike="noStrike">
+                        <a:rPr lang="en-GB" sz="1050" b="0" i="0" u="none" strike="noStrike" dirty="0">
                           <a:solidFill>
                             <a:srgbClr val="000000"/>
                           </a:solidFill>
@@ -5276,7 +5276,7 @@
                       </a:r>
                     </a:p>
                   </a:txBody>
-                  <a:tcPr marL="8703" marR="8703" marT="8703" marB="0">
+                  <a:tcPr marL="9525" marR="9525" marT="9525" marB="0">
                     <a:lnL w="6350" cap="flat" cmpd="sng" algn="ctr">
                       <a:solidFill>
                         <a:srgbClr val="000000"/>
@@ -5322,7 +5322,7 @@
                     <a:p>
                       <a:pPr algn="r" fontAlgn="b"/>
                       <a:r>
-                        <a:rPr lang="en-GB" sz="1000" b="0" i="0" u="none" strike="noStrike">
+                        <a:rPr lang="en-GB" sz="1050" b="0" i="0" u="none" strike="noStrike">
                           <a:solidFill>
                             <a:srgbClr val="000000"/>
                           </a:solidFill>
@@ -5333,7 +5333,7 @@
                       </a:r>
                     </a:p>
                   </a:txBody>
-                  <a:tcPr marL="8703" marR="8703" marT="8703" marB="0">
+                  <a:tcPr marL="9525" marR="9525" marT="9525" marB="0">
                     <a:lnL w="6350" cap="flat" cmpd="sng" algn="ctr">
                       <a:solidFill>
                         <a:srgbClr val="000000"/>
@@ -5379,7 +5379,7 @@
                     <a:p>
                       <a:pPr algn="r" fontAlgn="b"/>
                       <a:r>
-                        <a:rPr lang="en-GB" sz="1000" b="0" i="0" u="none" strike="noStrike">
+                        <a:rPr lang="en-GB" sz="1050" b="0" i="0" u="none" strike="noStrike">
                           <a:solidFill>
                             <a:srgbClr val="000000"/>
                           </a:solidFill>
@@ -5390,7 +5390,7 @@
                       </a:r>
                     </a:p>
                   </a:txBody>
-                  <a:tcPr marL="8703" marR="8703" marT="8703" marB="0">
+                  <a:tcPr marL="9525" marR="9525" marT="9525" marB="0">
                     <a:lnL w="6350" cap="flat" cmpd="sng" algn="ctr">
                       <a:solidFill>
                         <a:srgbClr val="000000"/>
@@ -5436,7 +5436,7 @@
                     <a:p>
                       <a:pPr algn="r" fontAlgn="b"/>
                       <a:r>
-                        <a:rPr lang="en-GB" sz="1000" b="0" i="0" u="none" strike="noStrike">
+                        <a:rPr lang="en-GB" sz="1050" b="0" i="0" u="none" strike="noStrike">
                           <a:solidFill>
                             <a:srgbClr val="000000"/>
                           </a:solidFill>
@@ -5447,7 +5447,7 @@
                       </a:r>
                     </a:p>
                   </a:txBody>
-                  <a:tcPr marL="8703" marR="8703" marT="8703" marB="0">
+                  <a:tcPr marL="9525" marR="9525" marT="9525" marB="0">
                     <a:lnL w="6350" cap="flat" cmpd="sng" algn="ctr">
                       <a:solidFill>
                         <a:srgbClr val="000000"/>
@@ -5493,7 +5493,7 @@
                     <a:p>
                       <a:pPr algn="r" fontAlgn="b"/>
                       <a:r>
-                        <a:rPr lang="en-GB" sz="1000" b="0" i="0" u="none" strike="noStrike">
+                        <a:rPr lang="en-GB" sz="1050" b="0" i="0" u="none" strike="noStrike">
                           <a:solidFill>
                             <a:srgbClr val="000000"/>
                           </a:solidFill>
@@ -5504,7 +5504,7 @@
                       </a:r>
                     </a:p>
                   </a:txBody>
-                  <a:tcPr marL="8703" marR="8703" marT="8703" marB="0">
+                  <a:tcPr marL="9525" marR="9525" marT="9525" marB="0">
                     <a:lnL w="6350" cap="flat" cmpd="sng" algn="ctr">
                       <a:solidFill>
                         <a:srgbClr val="000000"/>
@@ -5550,7 +5550,7 @@
                     <a:p>
                       <a:pPr algn="r" fontAlgn="b"/>
                       <a:r>
-                        <a:rPr lang="en-GB" sz="1000" b="0" i="0" u="none" strike="noStrike">
+                        <a:rPr lang="en-GB" sz="1050" b="0" i="0" u="none" strike="noStrike">
                           <a:solidFill>
                             <a:srgbClr val="000000"/>
                           </a:solidFill>
@@ -5561,7 +5561,7 @@
                       </a:r>
                     </a:p>
                   </a:txBody>
-                  <a:tcPr marL="8703" marR="8703" marT="8703" marB="0">
+                  <a:tcPr marL="9525" marR="9525" marT="9525" marB="0">
                     <a:lnL w="6350" cap="flat" cmpd="sng" algn="ctr">
                       <a:solidFill>
                         <a:srgbClr val="000000"/>
@@ -5607,7 +5607,7 @@
                     <a:p>
                       <a:pPr algn="r" fontAlgn="b"/>
                       <a:r>
-                        <a:rPr lang="en-GB" sz="1000" b="0" i="0" u="none" strike="noStrike">
+                        <a:rPr lang="en-GB" sz="1050" b="0" i="0" u="none" strike="noStrike">
                           <a:solidFill>
                             <a:srgbClr val="000000"/>
                           </a:solidFill>
@@ -5618,7 +5618,7 @@
                       </a:r>
                     </a:p>
                   </a:txBody>
-                  <a:tcPr marL="8703" marR="8703" marT="8703" marB="0">
+                  <a:tcPr marL="9525" marR="9525" marT="9525" marB="0">
                     <a:lnL w="6350" cap="flat" cmpd="sng" algn="ctr">
                       <a:solidFill>
                         <a:srgbClr val="000000"/>
@@ -5664,7 +5664,7 @@
                     <a:p>
                       <a:pPr algn="r" fontAlgn="b"/>
                       <a:r>
-                        <a:rPr lang="en-GB" sz="1000" b="0" i="0" u="none" strike="noStrike">
+                        <a:rPr lang="en-GB" sz="1050" b="0" i="0" u="none" strike="noStrike">
                           <a:solidFill>
                             <a:srgbClr val="000000"/>
                           </a:solidFill>
@@ -5675,7 +5675,7 @@
                       </a:r>
                     </a:p>
                   </a:txBody>
-                  <a:tcPr marL="8703" marR="8703" marT="8703" marB="0">
+                  <a:tcPr marL="9525" marR="9525" marT="9525" marB="0">
                     <a:lnL w="6350" cap="flat" cmpd="sng" algn="ctr">
                       <a:solidFill>
                         <a:srgbClr val="000000"/>
@@ -5721,7 +5721,7 @@
                     <a:p>
                       <a:pPr algn="r" fontAlgn="b"/>
                       <a:r>
-                        <a:rPr lang="en-GB" sz="1000" b="0" i="0" u="none" strike="noStrike">
+                        <a:rPr lang="en-GB" sz="1050" b="0" i="0" u="none" strike="noStrike">
                           <a:solidFill>
                             <a:srgbClr val="000000"/>
                           </a:solidFill>
@@ -5732,7 +5732,7 @@
                       </a:r>
                     </a:p>
                   </a:txBody>
-                  <a:tcPr marL="8703" marR="8703" marT="8703" marB="0">
+                  <a:tcPr marL="9525" marR="9525" marT="9525" marB="0">
                     <a:lnL w="6350" cap="flat" cmpd="sng" algn="ctr">
                       <a:solidFill>
                         <a:srgbClr val="000000"/>
@@ -5778,7 +5778,7 @@
                     <a:p>
                       <a:pPr algn="r" fontAlgn="b"/>
                       <a:r>
-                        <a:rPr lang="en-GB" sz="1000" b="0" i="0" u="none" strike="noStrike">
+                        <a:rPr lang="en-GB" sz="1050" b="0" i="0" u="none" strike="noStrike">
                           <a:solidFill>
                             <a:srgbClr val="000000"/>
                           </a:solidFill>
@@ -5789,7 +5789,7 @@
                       </a:r>
                     </a:p>
                   </a:txBody>
-                  <a:tcPr marL="8703" marR="8703" marT="8703" marB="0">
+                  <a:tcPr marL="9525" marR="9525" marT="9525" marB="0">
                     <a:lnL w="6350" cap="flat" cmpd="sng" algn="ctr">
                       <a:solidFill>
                         <a:srgbClr val="000000"/>
@@ -5835,7 +5835,7 @@
                     <a:p>
                       <a:pPr algn="r" fontAlgn="b"/>
                       <a:r>
-                        <a:rPr lang="en-GB" sz="1000" b="0" i="0" u="none" strike="noStrike">
+                        <a:rPr lang="en-GB" sz="1050" b="0" i="0" u="none" strike="noStrike">
                           <a:solidFill>
                             <a:srgbClr val="000000"/>
                           </a:solidFill>
@@ -5846,7 +5846,7 @@
                       </a:r>
                     </a:p>
                   </a:txBody>
-                  <a:tcPr marL="8703" marR="8703" marT="8703" marB="0">
+                  <a:tcPr marL="9525" marR="9525" marT="9525" marB="0">
                     <a:lnL w="6350" cap="flat" cmpd="sng" algn="ctr">
                       <a:solidFill>
                         <a:srgbClr val="000000"/>
@@ -5892,7 +5892,7 @@
                     <a:p>
                       <a:pPr algn="r" fontAlgn="b"/>
                       <a:r>
-                        <a:rPr lang="en-GB" sz="1000" b="0" i="0" u="none" strike="noStrike">
+                        <a:rPr lang="en-GB" sz="1050" b="0" i="0" u="none" strike="noStrike">
                           <a:solidFill>
                             <a:srgbClr val="000000"/>
                           </a:solidFill>
@@ -5903,7 +5903,7 @@
                       </a:r>
                     </a:p>
                   </a:txBody>
-                  <a:tcPr marL="8703" marR="8703" marT="8703" marB="0">
+                  <a:tcPr marL="9525" marR="9525" marT="9525" marB="0">
                     <a:lnL w="6350" cap="flat" cmpd="sng" algn="ctr">
                       <a:solidFill>
                         <a:srgbClr val="000000"/>
@@ -5949,7 +5949,7 @@
                     <a:p>
                       <a:pPr algn="r" fontAlgn="b"/>
                       <a:r>
-                        <a:rPr lang="en-GB" sz="1000" b="0" i="0" u="none" strike="noStrike">
+                        <a:rPr lang="en-GB" sz="1050" b="0" i="0" u="none" strike="noStrike">
                           <a:solidFill>
                             <a:srgbClr val="000000"/>
                           </a:solidFill>
@@ -5960,7 +5960,7 @@
                       </a:r>
                     </a:p>
                   </a:txBody>
-                  <a:tcPr marL="8703" marR="8703" marT="8703" marB="0">
+                  <a:tcPr marL="9525" marR="9525" marT="9525" marB="0">
                     <a:lnL w="6350" cap="flat" cmpd="sng" algn="ctr">
                       <a:solidFill>
                         <a:srgbClr val="000000"/>
@@ -6006,7 +6006,7 @@
                     <a:p>
                       <a:pPr algn="r" fontAlgn="b"/>
                       <a:r>
-                        <a:rPr lang="en-GB" sz="1000" b="0" i="0" u="none" strike="noStrike">
+                        <a:rPr lang="en-GB" sz="1050" b="0" i="0" u="none" strike="noStrike">
                           <a:solidFill>
                             <a:srgbClr val="000000"/>
                           </a:solidFill>
@@ -6017,7 +6017,7 @@
                       </a:r>
                     </a:p>
                   </a:txBody>
-                  <a:tcPr marL="8703" marR="8703" marT="8703" marB="0">
+                  <a:tcPr marL="9525" marR="9525" marT="9525" marB="0">
                     <a:lnL w="6350" cap="flat" cmpd="sng" algn="ctr">
                       <a:solidFill>
                         <a:srgbClr val="000000"/>
@@ -6063,18 +6063,18 @@
                     <a:p>
                       <a:pPr algn="r" fontAlgn="b"/>
                       <a:r>
-                        <a:rPr lang="en-GB" sz="1000" b="0" i="0" u="none" strike="noStrike">
-                          <a:solidFill>
-                            <a:srgbClr val="000000"/>
-                          </a:solidFill>
-                          <a:effectLst/>
-                          <a:latin typeface="Calibri" panose="020F0502020204030204" pitchFamily="34" charset="0"/>
-                        </a:rPr>
-                        <a:t>64</a:t>
-                      </a:r>
-                    </a:p>
-                  </a:txBody>
-                  <a:tcPr marL="8703" marR="8703" marT="8703" marB="0">
+                        <a:rPr lang="en-GB" sz="1050" b="0" i="0" u="none" strike="noStrike">
+                          <a:solidFill>
+                            <a:srgbClr val="000000"/>
+                          </a:solidFill>
+                          <a:effectLst/>
+                          <a:latin typeface="Calibri" panose="020F0502020204030204" pitchFamily="34" charset="0"/>
+                        </a:rPr>
+                        <a:t>63</a:t>
+                      </a:r>
+                    </a:p>
+                  </a:txBody>
+                  <a:tcPr marL="9525" marR="9525" marT="9525" marB="0">
                     <a:lnL w="6350" cap="flat" cmpd="sng" algn="ctr">
                       <a:solidFill>
                         <a:srgbClr val="000000"/>
@@ -6120,18 +6120,18 @@
                     <a:p>
                       <a:pPr algn="r" fontAlgn="b"/>
                       <a:r>
-                        <a:rPr lang="en-GB" sz="1000" b="0" i="0" u="none" strike="noStrike" dirty="0">
-                          <a:solidFill>
-                            <a:srgbClr val="000000"/>
-                          </a:solidFill>
-                          <a:effectLst/>
-                          <a:latin typeface="Calibri" panose="020F0502020204030204" pitchFamily="34" charset="0"/>
-                        </a:rPr>
-                        <a:t>65</a:t>
-                      </a:r>
-                    </a:p>
-                  </a:txBody>
-                  <a:tcPr marL="8703" marR="8703" marT="8703" marB="0">
+                        <a:rPr lang="en-GB" sz="1050" b="0" i="0" u="none" strike="noStrike">
+                          <a:solidFill>
+                            <a:srgbClr val="000000"/>
+                          </a:solidFill>
+                          <a:effectLst/>
+                          <a:latin typeface="Calibri" panose="020F0502020204030204" pitchFamily="34" charset="0"/>
+                        </a:rPr>
+                        <a:t>69</a:t>
+                      </a:r>
+                    </a:p>
+                  </a:txBody>
+                  <a:tcPr marL="9525" marR="9525" marT="9525" marB="0">
                     <a:lnL w="6350" cap="flat" cmpd="sng" algn="ctr">
                       <a:solidFill>
                         <a:srgbClr val="000000"/>
@@ -6177,75 +6177,75 @@
                     <a:p>
                       <a:pPr algn="r" fontAlgn="b"/>
                       <a:r>
-                        <a:rPr lang="en-GB" sz="1000" b="0" i="0" u="none" strike="noStrike">
-                          <a:solidFill>
-                            <a:srgbClr val="000000"/>
-                          </a:solidFill>
-                          <a:effectLst/>
-                          <a:latin typeface="Calibri" panose="020F0502020204030204" pitchFamily="34" charset="0"/>
-                        </a:rPr>
-                        <a:t>59</a:t>
-                      </a:r>
-                    </a:p>
-                  </a:txBody>
-                  <a:tcPr marL="8703" marR="8703" marT="8703" marB="0">
-                    <a:lnL w="6350" cap="flat" cmpd="sng" algn="ctr">
-                      <a:solidFill>
-                        <a:srgbClr val="000000"/>
-                      </a:solidFill>
-                      <a:prstDash val="solid"/>
-                      <a:round/>
-                      <a:headEnd type="none" w="med" len="med"/>
-                      <a:tailEnd type="none" w="med" len="med"/>
-                    </a:lnL>
-                    <a:lnR w="6350" cap="flat" cmpd="sng" algn="ctr">
-                      <a:solidFill>
-                        <a:srgbClr val="000000"/>
-                      </a:solidFill>
-                      <a:prstDash val="solid"/>
-                      <a:round/>
-                      <a:headEnd type="none" w="med" len="med"/>
-                      <a:tailEnd type="none" w="med" len="med"/>
-                    </a:lnR>
-                    <a:lnT w="6350" cap="flat" cmpd="sng" algn="ctr">
-                      <a:solidFill>
-                        <a:srgbClr val="000000"/>
-                      </a:solidFill>
-                      <a:prstDash val="solid"/>
-                      <a:round/>
-                      <a:headEnd type="none" w="med" len="med"/>
-                      <a:tailEnd type="none" w="med" len="med"/>
-                    </a:lnT>
-                    <a:lnB w="6350" cap="flat" cmpd="sng" algn="ctr">
-                      <a:solidFill>
-                        <a:srgbClr val="000000"/>
-                      </a:solidFill>
-                      <a:prstDash val="solid"/>
-                      <a:round/>
-                      <a:headEnd type="none" w="med" len="med"/>
-                      <a:tailEnd type="none" w="med" len="med"/>
-                    </a:lnB>
-                  </a:tcPr>
-                </a:tc>
-                <a:tc>
-                  <a:txBody>
-                    <a:bodyPr/>
-                    <a:lstStyle/>
-                    <a:p>
-                      <a:pPr algn="l" fontAlgn="b"/>
-                      <a:r>
-                        <a:rPr lang="en-GB" sz="1000" b="0" i="0" u="none" strike="noStrike" dirty="0">
-                          <a:solidFill>
-                            <a:srgbClr val="000000"/>
-                          </a:solidFill>
-                          <a:effectLst/>
-                          <a:latin typeface="Calibri" panose="020F0502020204030204" pitchFamily="34" charset="0"/>
-                        </a:rPr>
-                        <a:t> </a:t>
-                      </a:r>
-                    </a:p>
-                  </a:txBody>
-                  <a:tcPr marL="8703" marR="8703" marT="8703" marB="0">
+                        <a:rPr lang="en-GB" sz="1050" b="0" i="0" u="none" strike="noStrike">
+                          <a:solidFill>
+                            <a:srgbClr val="000000"/>
+                          </a:solidFill>
+                          <a:effectLst/>
+                          <a:latin typeface="Calibri" panose="020F0502020204030204" pitchFamily="34" charset="0"/>
+                        </a:rPr>
+                        <a:t>61</a:t>
+                      </a:r>
+                    </a:p>
+                  </a:txBody>
+                  <a:tcPr marL="9525" marR="9525" marT="9525" marB="0">
+                    <a:lnL w="6350" cap="flat" cmpd="sng" algn="ctr">
+                      <a:solidFill>
+                        <a:srgbClr val="000000"/>
+                      </a:solidFill>
+                      <a:prstDash val="solid"/>
+                      <a:round/>
+                      <a:headEnd type="none" w="med" len="med"/>
+                      <a:tailEnd type="none" w="med" len="med"/>
+                    </a:lnL>
+                    <a:lnR w="6350" cap="flat" cmpd="sng" algn="ctr">
+                      <a:solidFill>
+                        <a:srgbClr val="000000"/>
+                      </a:solidFill>
+                      <a:prstDash val="solid"/>
+                      <a:round/>
+                      <a:headEnd type="none" w="med" len="med"/>
+                      <a:tailEnd type="none" w="med" len="med"/>
+                    </a:lnR>
+                    <a:lnT w="6350" cap="flat" cmpd="sng" algn="ctr">
+                      <a:solidFill>
+                        <a:srgbClr val="000000"/>
+                      </a:solidFill>
+                      <a:prstDash val="solid"/>
+                      <a:round/>
+                      <a:headEnd type="none" w="med" len="med"/>
+                      <a:tailEnd type="none" w="med" len="med"/>
+                    </a:lnT>
+                    <a:lnB w="6350" cap="flat" cmpd="sng" algn="ctr">
+                      <a:solidFill>
+                        <a:srgbClr val="000000"/>
+                      </a:solidFill>
+                      <a:prstDash val="solid"/>
+                      <a:round/>
+                      <a:headEnd type="none" w="med" len="med"/>
+                      <a:tailEnd type="none" w="med" len="med"/>
+                    </a:lnB>
+                  </a:tcPr>
+                </a:tc>
+                <a:tc>
+                  <a:txBody>
+                    <a:bodyPr/>
+                    <a:lstStyle/>
+                    <a:p>
+                      <a:pPr algn="r" fontAlgn="b"/>
+                      <a:r>
+                        <a:rPr lang="en-GB" sz="1050" b="0" i="0" u="none" strike="noStrike">
+                          <a:solidFill>
+                            <a:srgbClr val="000000"/>
+                          </a:solidFill>
+                          <a:effectLst/>
+                          <a:latin typeface="Calibri" panose="020F0502020204030204" pitchFamily="34" charset="0"/>
+                        </a:rPr>
+                        <a:t>36</a:t>
+                      </a:r>
+                    </a:p>
+                  </a:txBody>
+                  <a:tcPr marL="9525" marR="9525" marT="9525" marB="0">
                     <a:lnL w="6350" cap="flat" cmpd="sng" algn="ctr">
                       <a:solidFill>
                         <a:srgbClr val="000000"/>
@@ -6298,7 +6298,7 @@
                     <a:p>
                       <a:pPr algn="l" fontAlgn="ctr"/>
                       <a:r>
-                        <a:rPr lang="en-GB" sz="1000" b="0" i="0" u="none" strike="noStrike">
+                        <a:rPr lang="en-GB" sz="1050" b="0" i="0" u="none" strike="noStrike">
                           <a:solidFill>
                             <a:srgbClr val="000000"/>
                           </a:solidFill>
@@ -6355,7 +6355,7 @@
                     <a:p>
                       <a:pPr algn="r" fontAlgn="b"/>
                       <a:r>
-                        <a:rPr lang="en-GB" sz="1000" b="0" i="0" u="none" strike="noStrike">
+                        <a:rPr lang="en-GB" sz="1050" b="0" i="0" u="none" strike="noStrike" dirty="0">
                           <a:solidFill>
                             <a:srgbClr val="000000"/>
                           </a:solidFill>
@@ -6366,7 +6366,7 @@
                       </a:r>
                     </a:p>
                   </a:txBody>
-                  <a:tcPr marL="8703" marR="8703" marT="8703" marB="0">
+                  <a:tcPr marL="9525" marR="9525" marT="9525" marB="0">
                     <a:lnL w="6350" cap="flat" cmpd="sng" algn="ctr">
                       <a:solidFill>
                         <a:srgbClr val="000000"/>
@@ -6412,7 +6412,7 @@
                     <a:p>
                       <a:pPr algn="r" fontAlgn="b"/>
                       <a:r>
-                        <a:rPr lang="en-GB" sz="1000" b="0" i="0" u="none" strike="noStrike">
+                        <a:rPr lang="en-GB" sz="1050" b="0" i="0" u="none" strike="noStrike" dirty="0">
                           <a:solidFill>
                             <a:srgbClr val="000000"/>
                           </a:solidFill>
@@ -6423,7 +6423,7 @@
                       </a:r>
                     </a:p>
                   </a:txBody>
-                  <a:tcPr marL="8703" marR="8703" marT="8703" marB="0">
+                  <a:tcPr marL="9525" marR="9525" marT="9525" marB="0">
                     <a:lnL w="6350" cap="flat" cmpd="sng" algn="ctr">
                       <a:solidFill>
                         <a:srgbClr val="000000"/>
@@ -6469,7 +6469,7 @@
                     <a:p>
                       <a:pPr algn="r" fontAlgn="b"/>
                       <a:r>
-                        <a:rPr lang="en-GB" sz="1000" b="0" i="0" u="none" strike="noStrike">
+                        <a:rPr lang="en-GB" sz="1050" b="0" i="0" u="none" strike="noStrike">
                           <a:solidFill>
                             <a:srgbClr val="000000"/>
                           </a:solidFill>
@@ -6480,7 +6480,7 @@
                       </a:r>
                     </a:p>
                   </a:txBody>
-                  <a:tcPr marL="8703" marR="8703" marT="8703" marB="0">
+                  <a:tcPr marL="9525" marR="9525" marT="9525" marB="0">
                     <a:lnL w="6350" cap="flat" cmpd="sng" algn="ctr">
                       <a:solidFill>
                         <a:srgbClr val="000000"/>
@@ -6526,7 +6526,7 @@
                     <a:p>
                       <a:pPr algn="r" fontAlgn="b"/>
                       <a:r>
-                        <a:rPr lang="en-GB" sz="1000" b="0" i="0" u="none" strike="noStrike">
+                        <a:rPr lang="en-GB" sz="1050" b="0" i="0" u="none" strike="noStrike">
                           <a:solidFill>
                             <a:srgbClr val="000000"/>
                           </a:solidFill>
@@ -6537,7 +6537,7 @@
                       </a:r>
                     </a:p>
                   </a:txBody>
-                  <a:tcPr marL="8703" marR="8703" marT="8703" marB="0">
+                  <a:tcPr marL="9525" marR="9525" marT="9525" marB="0">
                     <a:lnL w="6350" cap="flat" cmpd="sng" algn="ctr">
                       <a:solidFill>
                         <a:srgbClr val="000000"/>
@@ -6583,7 +6583,7 @@
                     <a:p>
                       <a:pPr algn="r" fontAlgn="b"/>
                       <a:r>
-                        <a:rPr lang="en-GB" sz="1000" b="0" i="0" u="none" strike="noStrike">
+                        <a:rPr lang="en-GB" sz="1050" b="0" i="0" u="none" strike="noStrike">
                           <a:solidFill>
                             <a:srgbClr val="000000"/>
                           </a:solidFill>
@@ -6594,7 +6594,7 @@
                       </a:r>
                     </a:p>
                   </a:txBody>
-                  <a:tcPr marL="8703" marR="8703" marT="8703" marB="0">
+                  <a:tcPr marL="9525" marR="9525" marT="9525" marB="0">
                     <a:lnL w="6350" cap="flat" cmpd="sng" algn="ctr">
                       <a:solidFill>
                         <a:srgbClr val="000000"/>
@@ -6640,7 +6640,7 @@
                     <a:p>
                       <a:pPr algn="r" fontAlgn="b"/>
                       <a:r>
-                        <a:rPr lang="en-GB" sz="1000" b="0" i="0" u="none" strike="noStrike">
+                        <a:rPr lang="en-GB" sz="1050" b="0" i="0" u="none" strike="noStrike">
                           <a:solidFill>
                             <a:srgbClr val="000000"/>
                           </a:solidFill>
@@ -6651,7 +6651,7 @@
                       </a:r>
                     </a:p>
                   </a:txBody>
-                  <a:tcPr marL="8703" marR="8703" marT="8703" marB="0">
+                  <a:tcPr marL="9525" marR="9525" marT="9525" marB="0">
                     <a:lnL w="6350" cap="flat" cmpd="sng" algn="ctr">
                       <a:solidFill>
                         <a:srgbClr val="000000"/>
@@ -6697,7 +6697,7 @@
                     <a:p>
                       <a:pPr algn="r" fontAlgn="b"/>
                       <a:r>
-                        <a:rPr lang="en-GB" sz="1000" b="0" i="0" u="none" strike="noStrike">
+                        <a:rPr lang="en-GB" sz="1050" b="0" i="0" u="none" strike="noStrike">
                           <a:solidFill>
                             <a:srgbClr val="000000"/>
                           </a:solidFill>
@@ -6708,7 +6708,7 @@
                       </a:r>
                     </a:p>
                   </a:txBody>
-                  <a:tcPr marL="8703" marR="8703" marT="8703" marB="0">
+                  <a:tcPr marL="9525" marR="9525" marT="9525" marB="0">
                     <a:lnL w="6350" cap="flat" cmpd="sng" algn="ctr">
                       <a:solidFill>
                         <a:srgbClr val="000000"/>
@@ -6754,7 +6754,7 @@
                     <a:p>
                       <a:pPr algn="r" fontAlgn="b"/>
                       <a:r>
-                        <a:rPr lang="en-GB" sz="1000" b="0" i="0" u="none" strike="noStrike">
+                        <a:rPr lang="en-GB" sz="1050" b="0" i="0" u="none" strike="noStrike">
                           <a:solidFill>
                             <a:srgbClr val="000000"/>
                           </a:solidFill>
@@ -6765,7 +6765,7 @@
                       </a:r>
                     </a:p>
                   </a:txBody>
-                  <a:tcPr marL="8703" marR="8703" marT="8703" marB="0">
+                  <a:tcPr marL="9525" marR="9525" marT="9525" marB="0">
                     <a:lnL w="6350" cap="flat" cmpd="sng" algn="ctr">
                       <a:solidFill>
                         <a:srgbClr val="000000"/>
@@ -6811,7 +6811,7 @@
                     <a:p>
                       <a:pPr algn="r" fontAlgn="b"/>
                       <a:r>
-                        <a:rPr lang="en-GB" sz="1000" b="0" i="0" u="none" strike="noStrike">
+                        <a:rPr lang="en-GB" sz="1050" b="0" i="0" u="none" strike="noStrike">
                           <a:solidFill>
                             <a:srgbClr val="000000"/>
                           </a:solidFill>
@@ -6822,7 +6822,7 @@
                       </a:r>
                     </a:p>
                   </a:txBody>
-                  <a:tcPr marL="8703" marR="8703" marT="8703" marB="0">
+                  <a:tcPr marL="9525" marR="9525" marT="9525" marB="0">
                     <a:lnL w="6350" cap="flat" cmpd="sng" algn="ctr">
                       <a:solidFill>
                         <a:srgbClr val="000000"/>
@@ -6868,7 +6868,7 @@
                     <a:p>
                       <a:pPr algn="r" fontAlgn="b"/>
                       <a:r>
-                        <a:rPr lang="en-GB" sz="1000" b="0" i="0" u="none" strike="noStrike">
+                        <a:rPr lang="en-GB" sz="1050" b="0" i="0" u="none" strike="noStrike">
                           <a:solidFill>
                             <a:srgbClr val="000000"/>
                           </a:solidFill>
@@ -6879,7 +6879,7 @@
                       </a:r>
                     </a:p>
                   </a:txBody>
-                  <a:tcPr marL="8703" marR="8703" marT="8703" marB="0">
+                  <a:tcPr marL="9525" marR="9525" marT="9525" marB="0">
                     <a:lnL w="6350" cap="flat" cmpd="sng" algn="ctr">
                       <a:solidFill>
                         <a:srgbClr val="000000"/>
@@ -6925,7 +6925,7 @@
                     <a:p>
                       <a:pPr algn="r" fontAlgn="b"/>
                       <a:r>
-                        <a:rPr lang="en-GB" sz="1000" b="0" i="0" u="none" strike="noStrike">
+                        <a:rPr lang="en-GB" sz="1050" b="0" i="0" u="none" strike="noStrike">
                           <a:solidFill>
                             <a:srgbClr val="000000"/>
                           </a:solidFill>
@@ -6936,7 +6936,7 @@
                       </a:r>
                     </a:p>
                   </a:txBody>
-                  <a:tcPr marL="8703" marR="8703" marT="8703" marB="0">
+                  <a:tcPr marL="9525" marR="9525" marT="9525" marB="0">
                     <a:lnL w="6350" cap="flat" cmpd="sng" algn="ctr">
                       <a:solidFill>
                         <a:srgbClr val="000000"/>
@@ -6982,7 +6982,7 @@
                     <a:p>
                       <a:pPr algn="r" fontAlgn="b"/>
                       <a:r>
-                        <a:rPr lang="en-GB" sz="1000" b="0" i="0" u="none" strike="noStrike">
+                        <a:rPr lang="en-GB" sz="1050" b="0" i="0" u="none" strike="noStrike">
                           <a:solidFill>
                             <a:srgbClr val="000000"/>
                           </a:solidFill>
@@ -6993,7 +6993,7 @@
                       </a:r>
                     </a:p>
                   </a:txBody>
-                  <a:tcPr marL="8703" marR="8703" marT="8703" marB="0">
+                  <a:tcPr marL="9525" marR="9525" marT="9525" marB="0">
                     <a:lnL w="6350" cap="flat" cmpd="sng" algn="ctr">
                       <a:solidFill>
                         <a:srgbClr val="000000"/>
@@ -7039,7 +7039,7 @@
                     <a:p>
                       <a:pPr algn="r" fontAlgn="b"/>
                       <a:r>
-                        <a:rPr lang="en-GB" sz="1000" b="0" i="0" u="none" strike="noStrike">
+                        <a:rPr lang="en-GB" sz="1050" b="0" i="0" u="none" strike="noStrike">
                           <a:solidFill>
                             <a:srgbClr val="000000"/>
                           </a:solidFill>
@@ -7050,7 +7050,7 @@
                       </a:r>
                     </a:p>
                   </a:txBody>
-                  <a:tcPr marL="8703" marR="8703" marT="8703" marB="0">
+                  <a:tcPr marL="9525" marR="9525" marT="9525" marB="0">
                     <a:lnL w="6350" cap="flat" cmpd="sng" algn="ctr">
                       <a:solidFill>
                         <a:srgbClr val="000000"/>
@@ -7096,18 +7096,18 @@
                     <a:p>
                       <a:pPr algn="r" fontAlgn="b"/>
                       <a:r>
-                        <a:rPr lang="en-GB" sz="1000" b="0" i="0" u="none" strike="noStrike">
-                          <a:solidFill>
-                            <a:srgbClr val="000000"/>
-                          </a:solidFill>
-                          <a:effectLst/>
-                          <a:latin typeface="Calibri" panose="020F0502020204030204" pitchFamily="34" charset="0"/>
-                        </a:rPr>
-                        <a:t>132</a:t>
-                      </a:r>
-                    </a:p>
-                  </a:txBody>
-                  <a:tcPr marL="8703" marR="8703" marT="8703" marB="0">
+                        <a:rPr lang="en-GB" sz="1050" b="0" i="0" u="none" strike="noStrike">
+                          <a:solidFill>
+                            <a:srgbClr val="000000"/>
+                          </a:solidFill>
+                          <a:effectLst/>
+                          <a:latin typeface="Calibri" panose="020F0502020204030204" pitchFamily="34" charset="0"/>
+                        </a:rPr>
+                        <a:t>133</a:t>
+                      </a:r>
+                    </a:p>
+                  </a:txBody>
+                  <a:tcPr marL="9525" marR="9525" marT="9525" marB="0">
                     <a:lnL w="6350" cap="flat" cmpd="sng" algn="ctr">
                       <a:solidFill>
                         <a:srgbClr val="000000"/>
@@ -7153,7 +7153,7 @@
                     <a:p>
                       <a:pPr algn="r" fontAlgn="b"/>
                       <a:r>
-                        <a:rPr lang="en-GB" sz="1000" b="0" i="0" u="none" strike="noStrike">
+                        <a:rPr lang="en-GB" sz="1050" b="0" i="0" u="none" strike="noStrike">
                           <a:solidFill>
                             <a:srgbClr val="000000"/>
                           </a:solidFill>
@@ -7164,7 +7164,7 @@
                       </a:r>
                     </a:p>
                   </a:txBody>
-                  <a:tcPr marL="8703" marR="8703" marT="8703" marB="0">
+                  <a:tcPr marL="9525" marR="9525" marT="9525" marB="0">
                     <a:lnL w="6350" cap="flat" cmpd="sng" algn="ctr">
                       <a:solidFill>
                         <a:srgbClr val="000000"/>
@@ -7210,18 +7210,18 @@
                     <a:p>
                       <a:pPr algn="r" fontAlgn="b"/>
                       <a:r>
-                        <a:rPr lang="en-GB" sz="1000" b="0" i="0" u="none" strike="noStrike">
-                          <a:solidFill>
-                            <a:srgbClr val="000000"/>
-                          </a:solidFill>
-                          <a:effectLst/>
-                          <a:latin typeface="Calibri" panose="020F0502020204030204" pitchFamily="34" charset="0"/>
-                        </a:rPr>
-                        <a:t>180</a:t>
-                      </a:r>
-                    </a:p>
-                  </a:txBody>
-                  <a:tcPr marL="8703" marR="8703" marT="8703" marB="0">
+                        <a:rPr lang="en-GB" sz="1050" b="0" i="0" u="none" strike="noStrike">
+                          <a:solidFill>
+                            <a:srgbClr val="000000"/>
+                          </a:solidFill>
+                          <a:effectLst/>
+                          <a:latin typeface="Calibri" panose="020F0502020204030204" pitchFamily="34" charset="0"/>
+                        </a:rPr>
+                        <a:t>182</a:t>
+                      </a:r>
+                    </a:p>
+                  </a:txBody>
+                  <a:tcPr marL="9525" marR="9525" marT="9525" marB="0">
                     <a:lnL w="6350" cap="flat" cmpd="sng" algn="ctr">
                       <a:solidFill>
                         <a:srgbClr val="000000"/>
@@ -7267,75 +7267,75 @@
                     <a:p>
                       <a:pPr algn="r" fontAlgn="b"/>
                       <a:r>
-                        <a:rPr lang="en-GB" sz="1000" b="0" i="0" u="none" strike="noStrike">
-                          <a:solidFill>
-                            <a:srgbClr val="000000"/>
-                          </a:solidFill>
-                          <a:effectLst/>
-                          <a:latin typeface="Calibri" panose="020F0502020204030204" pitchFamily="34" charset="0"/>
-                        </a:rPr>
-                        <a:t>194</a:t>
-                      </a:r>
-                    </a:p>
-                  </a:txBody>
-                  <a:tcPr marL="8703" marR="8703" marT="8703" marB="0">
-                    <a:lnL w="6350" cap="flat" cmpd="sng" algn="ctr">
-                      <a:solidFill>
-                        <a:srgbClr val="000000"/>
-                      </a:solidFill>
-                      <a:prstDash val="solid"/>
-                      <a:round/>
-                      <a:headEnd type="none" w="med" len="med"/>
-                      <a:tailEnd type="none" w="med" len="med"/>
-                    </a:lnL>
-                    <a:lnR w="6350" cap="flat" cmpd="sng" algn="ctr">
-                      <a:solidFill>
-                        <a:srgbClr val="000000"/>
-                      </a:solidFill>
-                      <a:prstDash val="solid"/>
-                      <a:round/>
-                      <a:headEnd type="none" w="med" len="med"/>
-                      <a:tailEnd type="none" w="med" len="med"/>
-                    </a:lnR>
-                    <a:lnT w="6350" cap="flat" cmpd="sng" algn="ctr">
-                      <a:solidFill>
-                        <a:srgbClr val="000000"/>
-                      </a:solidFill>
-                      <a:prstDash val="solid"/>
-                      <a:round/>
-                      <a:headEnd type="none" w="med" len="med"/>
-                      <a:tailEnd type="none" w="med" len="med"/>
-                    </a:lnT>
-                    <a:lnB w="6350" cap="flat" cmpd="sng" algn="ctr">
-                      <a:solidFill>
-                        <a:srgbClr val="000000"/>
-                      </a:solidFill>
-                      <a:prstDash val="solid"/>
-                      <a:round/>
-                      <a:headEnd type="none" w="med" len="med"/>
-                      <a:tailEnd type="none" w="med" len="med"/>
-                    </a:lnB>
-                  </a:tcPr>
-                </a:tc>
-                <a:tc>
-                  <a:txBody>
-                    <a:bodyPr/>
-                    <a:lstStyle/>
-                    <a:p>
-                      <a:pPr algn="l" fontAlgn="b"/>
-                      <a:r>
-                        <a:rPr lang="en-GB" sz="1000" b="0" i="0" u="none" strike="noStrike">
-                          <a:solidFill>
-                            <a:srgbClr val="000000"/>
-                          </a:solidFill>
-                          <a:effectLst/>
-                          <a:latin typeface="Calibri" panose="020F0502020204030204" pitchFamily="34" charset="0"/>
-                        </a:rPr>
-                        <a:t> </a:t>
-                      </a:r>
-                    </a:p>
-                  </a:txBody>
-                  <a:tcPr marL="8703" marR="8703" marT="8703" marB="0">
+                        <a:rPr lang="en-GB" sz="1050" b="0" i="0" u="none" strike="noStrike">
+                          <a:solidFill>
+                            <a:srgbClr val="000000"/>
+                          </a:solidFill>
+                          <a:effectLst/>
+                          <a:latin typeface="Calibri" panose="020F0502020204030204" pitchFamily="34" charset="0"/>
+                        </a:rPr>
+                        <a:t>198</a:t>
+                      </a:r>
+                    </a:p>
+                  </a:txBody>
+                  <a:tcPr marL="9525" marR="9525" marT="9525" marB="0">
+                    <a:lnL w="6350" cap="flat" cmpd="sng" algn="ctr">
+                      <a:solidFill>
+                        <a:srgbClr val="000000"/>
+                      </a:solidFill>
+                      <a:prstDash val="solid"/>
+                      <a:round/>
+                      <a:headEnd type="none" w="med" len="med"/>
+                      <a:tailEnd type="none" w="med" len="med"/>
+                    </a:lnL>
+                    <a:lnR w="6350" cap="flat" cmpd="sng" algn="ctr">
+                      <a:solidFill>
+                        <a:srgbClr val="000000"/>
+                      </a:solidFill>
+                      <a:prstDash val="solid"/>
+                      <a:round/>
+                      <a:headEnd type="none" w="med" len="med"/>
+                      <a:tailEnd type="none" w="med" len="med"/>
+                    </a:lnR>
+                    <a:lnT w="6350" cap="flat" cmpd="sng" algn="ctr">
+                      <a:solidFill>
+                        <a:srgbClr val="000000"/>
+                      </a:solidFill>
+                      <a:prstDash val="solid"/>
+                      <a:round/>
+                      <a:headEnd type="none" w="med" len="med"/>
+                      <a:tailEnd type="none" w="med" len="med"/>
+                    </a:lnT>
+                    <a:lnB w="6350" cap="flat" cmpd="sng" algn="ctr">
+                      <a:solidFill>
+                        <a:srgbClr val="000000"/>
+                      </a:solidFill>
+                      <a:prstDash val="solid"/>
+                      <a:round/>
+                      <a:headEnd type="none" w="med" len="med"/>
+                      <a:tailEnd type="none" w="med" len="med"/>
+                    </a:lnB>
+                  </a:tcPr>
+                </a:tc>
+                <a:tc>
+                  <a:txBody>
+                    <a:bodyPr/>
+                    <a:lstStyle/>
+                    <a:p>
+                      <a:pPr algn="r" fontAlgn="b"/>
+                      <a:r>
+                        <a:rPr lang="en-GB" sz="1050" b="0" i="0" u="none" strike="noStrike">
+                          <a:solidFill>
+                            <a:srgbClr val="000000"/>
+                          </a:solidFill>
+                          <a:effectLst/>
+                          <a:latin typeface="Calibri" panose="020F0502020204030204" pitchFamily="34" charset="0"/>
+                        </a:rPr>
+                        <a:t>168</a:t>
+                      </a:r>
+                    </a:p>
+                  </a:txBody>
+                  <a:tcPr marL="9525" marR="9525" marT="9525" marB="0">
                     <a:lnL w="6350" cap="flat" cmpd="sng" algn="ctr">
                       <a:solidFill>
                         <a:srgbClr val="000000"/>
@@ -7388,7 +7388,7 @@
                     <a:p>
                       <a:pPr algn="l" fontAlgn="ctr"/>
                       <a:r>
-                        <a:rPr lang="en-GB" sz="1000" b="1" i="0" u="none" strike="noStrike">
+                        <a:rPr lang="en-GB" sz="1050" b="1" i="0" u="none" strike="noStrike" dirty="0">
                           <a:solidFill>
                             <a:srgbClr val="000000"/>
                           </a:solidFill>
@@ -7445,18 +7445,18 @@
                     <a:p>
                       <a:pPr algn="r" fontAlgn="b"/>
                       <a:r>
-                        <a:rPr lang="en-GB" sz="1000" b="1" i="0" u="none" strike="noStrike">
-                          <a:solidFill>
-                            <a:srgbClr val="000000"/>
-                          </a:solidFill>
-                          <a:effectLst/>
-                          <a:latin typeface="Calibri" panose="020F0502020204030204" pitchFamily="34" charset="0"/>
-                        </a:rPr>
-                        <a:t>211</a:t>
-                      </a:r>
-                    </a:p>
-                  </a:txBody>
-                  <a:tcPr marL="8703" marR="8703" marT="8703" marB="0">
+                        <a:rPr lang="en-GB" sz="1050" b="1" i="0" u="none" strike="noStrike" dirty="0">
+                          <a:solidFill>
+                            <a:srgbClr val="000000"/>
+                          </a:solidFill>
+                          <a:effectLst/>
+                          <a:latin typeface="Calibri" panose="020F0502020204030204" pitchFamily="34" charset="0"/>
+                        </a:rPr>
+                        <a:t>212</a:t>
+                      </a:r>
+                    </a:p>
+                  </a:txBody>
+                  <a:tcPr marL="9525" marR="9525" marT="9525" marB="0">
                     <a:lnL w="6350" cap="flat" cmpd="sng" algn="ctr">
                       <a:solidFill>
                         <a:srgbClr val="000000"/>
@@ -7502,7 +7502,7 @@
                     <a:p>
                       <a:pPr algn="r" fontAlgn="b"/>
                       <a:r>
-                        <a:rPr lang="en-GB" sz="1000" b="1" i="0" u="none" strike="noStrike">
+                        <a:rPr lang="en-GB" sz="1050" b="1" i="0" u="none" strike="noStrike">
                           <a:solidFill>
                             <a:srgbClr val="000000"/>
                           </a:solidFill>
@@ -7513,7 +7513,7 @@
                       </a:r>
                     </a:p>
                   </a:txBody>
-                  <a:tcPr marL="8703" marR="8703" marT="8703" marB="0">
+                  <a:tcPr marL="9525" marR="9525" marT="9525" marB="0">
                     <a:lnL w="6350" cap="flat" cmpd="sng" algn="ctr">
                       <a:solidFill>
                         <a:srgbClr val="000000"/>
@@ -7559,7 +7559,520 @@
                     <a:p>
                       <a:pPr algn="r" fontAlgn="b"/>
                       <a:r>
-                        <a:rPr lang="en-GB" sz="1000" b="1" i="0" u="none" strike="noStrike">
+                        <a:rPr lang="en-GB" sz="1050" b="1" i="0" u="none" strike="noStrike" dirty="0">
+                          <a:solidFill>
+                            <a:srgbClr val="000000"/>
+                          </a:solidFill>
+                          <a:effectLst/>
+                          <a:latin typeface="Calibri" panose="020F0502020204030204" pitchFamily="34" charset="0"/>
+                        </a:rPr>
+                        <a:t>183</a:t>
+                      </a:r>
+                    </a:p>
+                  </a:txBody>
+                  <a:tcPr marL="9525" marR="9525" marT="9525" marB="0">
+                    <a:lnL w="6350" cap="flat" cmpd="sng" algn="ctr">
+                      <a:solidFill>
+                        <a:srgbClr val="000000"/>
+                      </a:solidFill>
+                      <a:prstDash val="solid"/>
+                      <a:round/>
+                      <a:headEnd type="none" w="med" len="med"/>
+                      <a:tailEnd type="none" w="med" len="med"/>
+                    </a:lnL>
+                    <a:lnR w="6350" cap="flat" cmpd="sng" algn="ctr">
+                      <a:solidFill>
+                        <a:srgbClr val="000000"/>
+                      </a:solidFill>
+                      <a:prstDash val="solid"/>
+                      <a:round/>
+                      <a:headEnd type="none" w="med" len="med"/>
+                      <a:tailEnd type="none" w="med" len="med"/>
+                    </a:lnR>
+                    <a:lnT w="6350" cap="flat" cmpd="sng" algn="ctr">
+                      <a:solidFill>
+                        <a:srgbClr val="000000"/>
+                      </a:solidFill>
+                      <a:prstDash val="solid"/>
+                      <a:round/>
+                      <a:headEnd type="none" w="med" len="med"/>
+                      <a:tailEnd type="none" w="med" len="med"/>
+                    </a:lnT>
+                    <a:lnB w="6350" cap="flat" cmpd="sng" algn="ctr">
+                      <a:solidFill>
+                        <a:srgbClr val="000000"/>
+                      </a:solidFill>
+                      <a:prstDash val="solid"/>
+                      <a:round/>
+                      <a:headEnd type="none" w="med" len="med"/>
+                      <a:tailEnd type="none" w="med" len="med"/>
+                    </a:lnB>
+                  </a:tcPr>
+                </a:tc>
+                <a:tc>
+                  <a:txBody>
+                    <a:bodyPr/>
+                    <a:lstStyle/>
+                    <a:p>
+                      <a:pPr algn="r" fontAlgn="b"/>
+                      <a:r>
+                        <a:rPr lang="en-GB" sz="1050" b="1" i="0" u="none" strike="noStrike" dirty="0">
+                          <a:solidFill>
+                            <a:srgbClr val="000000"/>
+                          </a:solidFill>
+                          <a:effectLst/>
+                          <a:latin typeface="Calibri" panose="020F0502020204030204" pitchFamily="34" charset="0"/>
+                        </a:rPr>
+                        <a:t>194</a:t>
+                      </a:r>
+                    </a:p>
+                  </a:txBody>
+                  <a:tcPr marL="9525" marR="9525" marT="9525" marB="0">
+                    <a:lnL w="6350" cap="flat" cmpd="sng" algn="ctr">
+                      <a:solidFill>
+                        <a:srgbClr val="000000"/>
+                      </a:solidFill>
+                      <a:prstDash val="solid"/>
+                      <a:round/>
+                      <a:headEnd type="none" w="med" len="med"/>
+                      <a:tailEnd type="none" w="med" len="med"/>
+                    </a:lnL>
+                    <a:lnR w="6350" cap="flat" cmpd="sng" algn="ctr">
+                      <a:solidFill>
+                        <a:srgbClr val="000000"/>
+                      </a:solidFill>
+                      <a:prstDash val="solid"/>
+                      <a:round/>
+                      <a:headEnd type="none" w="med" len="med"/>
+                      <a:tailEnd type="none" w="med" len="med"/>
+                    </a:lnR>
+                    <a:lnT w="6350" cap="flat" cmpd="sng" algn="ctr">
+                      <a:solidFill>
+                        <a:srgbClr val="000000"/>
+                      </a:solidFill>
+                      <a:prstDash val="solid"/>
+                      <a:round/>
+                      <a:headEnd type="none" w="med" len="med"/>
+                      <a:tailEnd type="none" w="med" len="med"/>
+                    </a:lnT>
+                    <a:lnB w="6350" cap="flat" cmpd="sng" algn="ctr">
+                      <a:solidFill>
+                        <a:srgbClr val="000000"/>
+                      </a:solidFill>
+                      <a:prstDash val="solid"/>
+                      <a:round/>
+                      <a:headEnd type="none" w="med" len="med"/>
+                      <a:tailEnd type="none" w="med" len="med"/>
+                    </a:lnB>
+                  </a:tcPr>
+                </a:tc>
+                <a:tc>
+                  <a:txBody>
+                    <a:bodyPr/>
+                    <a:lstStyle/>
+                    <a:p>
+                      <a:pPr algn="r" fontAlgn="b"/>
+                      <a:r>
+                        <a:rPr lang="en-GB" sz="1050" b="1" i="0" u="none" strike="noStrike">
+                          <a:solidFill>
+                            <a:srgbClr val="000000"/>
+                          </a:solidFill>
+                          <a:effectLst/>
+                          <a:latin typeface="Calibri" panose="020F0502020204030204" pitchFamily="34" charset="0"/>
+                        </a:rPr>
+                        <a:t>200</a:t>
+                      </a:r>
+                    </a:p>
+                  </a:txBody>
+                  <a:tcPr marL="9525" marR="9525" marT="9525" marB="0">
+                    <a:lnL w="6350" cap="flat" cmpd="sng" algn="ctr">
+                      <a:solidFill>
+                        <a:srgbClr val="000000"/>
+                      </a:solidFill>
+                      <a:prstDash val="solid"/>
+                      <a:round/>
+                      <a:headEnd type="none" w="med" len="med"/>
+                      <a:tailEnd type="none" w="med" len="med"/>
+                    </a:lnL>
+                    <a:lnR w="6350" cap="flat" cmpd="sng" algn="ctr">
+                      <a:solidFill>
+                        <a:srgbClr val="000000"/>
+                      </a:solidFill>
+                      <a:prstDash val="solid"/>
+                      <a:round/>
+                      <a:headEnd type="none" w="med" len="med"/>
+                      <a:tailEnd type="none" w="med" len="med"/>
+                    </a:lnR>
+                    <a:lnT w="6350" cap="flat" cmpd="sng" algn="ctr">
+                      <a:solidFill>
+                        <a:srgbClr val="000000"/>
+                      </a:solidFill>
+                      <a:prstDash val="solid"/>
+                      <a:round/>
+                      <a:headEnd type="none" w="med" len="med"/>
+                      <a:tailEnd type="none" w="med" len="med"/>
+                    </a:lnT>
+                    <a:lnB w="6350" cap="flat" cmpd="sng" algn="ctr">
+                      <a:solidFill>
+                        <a:srgbClr val="000000"/>
+                      </a:solidFill>
+                      <a:prstDash val="solid"/>
+                      <a:round/>
+                      <a:headEnd type="none" w="med" len="med"/>
+                      <a:tailEnd type="none" w="med" len="med"/>
+                    </a:lnB>
+                  </a:tcPr>
+                </a:tc>
+                <a:tc>
+                  <a:txBody>
+                    <a:bodyPr/>
+                    <a:lstStyle/>
+                    <a:p>
+                      <a:pPr algn="r" fontAlgn="b"/>
+                      <a:r>
+                        <a:rPr lang="en-GB" sz="1050" b="1" i="0" u="none" strike="noStrike">
+                          <a:solidFill>
+                            <a:srgbClr val="000000"/>
+                          </a:solidFill>
+                          <a:effectLst/>
+                          <a:latin typeface="Calibri" panose="020F0502020204030204" pitchFamily="34" charset="0"/>
+                        </a:rPr>
+                        <a:t>182</a:t>
+                      </a:r>
+                    </a:p>
+                  </a:txBody>
+                  <a:tcPr marL="9525" marR="9525" marT="9525" marB="0">
+                    <a:lnL w="6350" cap="flat" cmpd="sng" algn="ctr">
+                      <a:solidFill>
+                        <a:srgbClr val="000000"/>
+                      </a:solidFill>
+                      <a:prstDash val="solid"/>
+                      <a:round/>
+                      <a:headEnd type="none" w="med" len="med"/>
+                      <a:tailEnd type="none" w="med" len="med"/>
+                    </a:lnL>
+                    <a:lnR w="6350" cap="flat" cmpd="sng" algn="ctr">
+                      <a:solidFill>
+                        <a:srgbClr val="000000"/>
+                      </a:solidFill>
+                      <a:prstDash val="solid"/>
+                      <a:round/>
+                      <a:headEnd type="none" w="med" len="med"/>
+                      <a:tailEnd type="none" w="med" len="med"/>
+                    </a:lnR>
+                    <a:lnT w="6350" cap="flat" cmpd="sng" algn="ctr">
+                      <a:solidFill>
+                        <a:srgbClr val="000000"/>
+                      </a:solidFill>
+                      <a:prstDash val="solid"/>
+                      <a:round/>
+                      <a:headEnd type="none" w="med" len="med"/>
+                      <a:tailEnd type="none" w="med" len="med"/>
+                    </a:lnT>
+                    <a:lnB w="6350" cap="flat" cmpd="sng" algn="ctr">
+                      <a:solidFill>
+                        <a:srgbClr val="000000"/>
+                      </a:solidFill>
+                      <a:prstDash val="solid"/>
+                      <a:round/>
+                      <a:headEnd type="none" w="med" len="med"/>
+                      <a:tailEnd type="none" w="med" len="med"/>
+                    </a:lnB>
+                  </a:tcPr>
+                </a:tc>
+                <a:tc>
+                  <a:txBody>
+                    <a:bodyPr/>
+                    <a:lstStyle/>
+                    <a:p>
+                      <a:pPr algn="r" fontAlgn="b"/>
+                      <a:r>
+                        <a:rPr lang="en-GB" sz="1050" b="1" i="0" u="none" strike="noStrike">
+                          <a:solidFill>
+                            <a:srgbClr val="000000"/>
+                          </a:solidFill>
+                          <a:effectLst/>
+                          <a:latin typeface="Calibri" panose="020F0502020204030204" pitchFamily="34" charset="0"/>
+                        </a:rPr>
+                        <a:t>193</a:t>
+                      </a:r>
+                    </a:p>
+                  </a:txBody>
+                  <a:tcPr marL="9525" marR="9525" marT="9525" marB="0">
+                    <a:lnL w="6350" cap="flat" cmpd="sng" algn="ctr">
+                      <a:solidFill>
+                        <a:srgbClr val="000000"/>
+                      </a:solidFill>
+                      <a:prstDash val="solid"/>
+                      <a:round/>
+                      <a:headEnd type="none" w="med" len="med"/>
+                      <a:tailEnd type="none" w="med" len="med"/>
+                    </a:lnL>
+                    <a:lnR w="6350" cap="flat" cmpd="sng" algn="ctr">
+                      <a:solidFill>
+                        <a:srgbClr val="000000"/>
+                      </a:solidFill>
+                      <a:prstDash val="solid"/>
+                      <a:round/>
+                      <a:headEnd type="none" w="med" len="med"/>
+                      <a:tailEnd type="none" w="med" len="med"/>
+                    </a:lnR>
+                    <a:lnT w="6350" cap="flat" cmpd="sng" algn="ctr">
+                      <a:solidFill>
+                        <a:srgbClr val="000000"/>
+                      </a:solidFill>
+                      <a:prstDash val="solid"/>
+                      <a:round/>
+                      <a:headEnd type="none" w="med" len="med"/>
+                      <a:tailEnd type="none" w="med" len="med"/>
+                    </a:lnT>
+                    <a:lnB w="6350" cap="flat" cmpd="sng" algn="ctr">
+                      <a:solidFill>
+                        <a:srgbClr val="000000"/>
+                      </a:solidFill>
+                      <a:prstDash val="solid"/>
+                      <a:round/>
+                      <a:headEnd type="none" w="med" len="med"/>
+                      <a:tailEnd type="none" w="med" len="med"/>
+                    </a:lnB>
+                  </a:tcPr>
+                </a:tc>
+                <a:tc>
+                  <a:txBody>
+                    <a:bodyPr/>
+                    <a:lstStyle/>
+                    <a:p>
+                      <a:pPr algn="r" fontAlgn="b"/>
+                      <a:r>
+                        <a:rPr lang="en-GB" sz="1050" b="1" i="0" u="none" strike="noStrike">
+                          <a:solidFill>
+                            <a:srgbClr val="000000"/>
+                          </a:solidFill>
+                          <a:effectLst/>
+                          <a:latin typeface="Calibri" panose="020F0502020204030204" pitchFamily="34" charset="0"/>
+                        </a:rPr>
+                        <a:t>201</a:t>
+                      </a:r>
+                    </a:p>
+                  </a:txBody>
+                  <a:tcPr marL="9525" marR="9525" marT="9525" marB="0">
+                    <a:lnL w="6350" cap="flat" cmpd="sng" algn="ctr">
+                      <a:solidFill>
+                        <a:srgbClr val="000000"/>
+                      </a:solidFill>
+                      <a:prstDash val="solid"/>
+                      <a:round/>
+                      <a:headEnd type="none" w="med" len="med"/>
+                      <a:tailEnd type="none" w="med" len="med"/>
+                    </a:lnL>
+                    <a:lnR w="6350" cap="flat" cmpd="sng" algn="ctr">
+                      <a:solidFill>
+                        <a:srgbClr val="000000"/>
+                      </a:solidFill>
+                      <a:prstDash val="solid"/>
+                      <a:round/>
+                      <a:headEnd type="none" w="med" len="med"/>
+                      <a:tailEnd type="none" w="med" len="med"/>
+                    </a:lnR>
+                    <a:lnT w="6350" cap="flat" cmpd="sng" algn="ctr">
+                      <a:solidFill>
+                        <a:srgbClr val="000000"/>
+                      </a:solidFill>
+                      <a:prstDash val="solid"/>
+                      <a:round/>
+                      <a:headEnd type="none" w="med" len="med"/>
+                      <a:tailEnd type="none" w="med" len="med"/>
+                    </a:lnT>
+                    <a:lnB w="6350" cap="flat" cmpd="sng" algn="ctr">
+                      <a:solidFill>
+                        <a:srgbClr val="000000"/>
+                      </a:solidFill>
+                      <a:prstDash val="solid"/>
+                      <a:round/>
+                      <a:headEnd type="none" w="med" len="med"/>
+                      <a:tailEnd type="none" w="med" len="med"/>
+                    </a:lnB>
+                  </a:tcPr>
+                </a:tc>
+                <a:tc>
+                  <a:txBody>
+                    <a:bodyPr/>
+                    <a:lstStyle/>
+                    <a:p>
+                      <a:pPr algn="r" fontAlgn="b"/>
+                      <a:r>
+                        <a:rPr lang="en-GB" sz="1050" b="1" i="0" u="none" strike="noStrike">
+                          <a:solidFill>
+                            <a:srgbClr val="000000"/>
+                          </a:solidFill>
+                          <a:effectLst/>
+                          <a:latin typeface="Calibri" panose="020F0502020204030204" pitchFamily="34" charset="0"/>
+                        </a:rPr>
+                        <a:t>194</a:t>
+                      </a:r>
+                    </a:p>
+                  </a:txBody>
+                  <a:tcPr marL="9525" marR="9525" marT="9525" marB="0">
+                    <a:lnL w="6350" cap="flat" cmpd="sng" algn="ctr">
+                      <a:solidFill>
+                        <a:srgbClr val="000000"/>
+                      </a:solidFill>
+                      <a:prstDash val="solid"/>
+                      <a:round/>
+                      <a:headEnd type="none" w="med" len="med"/>
+                      <a:tailEnd type="none" w="med" len="med"/>
+                    </a:lnL>
+                    <a:lnR w="6350" cap="flat" cmpd="sng" algn="ctr">
+                      <a:solidFill>
+                        <a:srgbClr val="000000"/>
+                      </a:solidFill>
+                      <a:prstDash val="solid"/>
+                      <a:round/>
+                      <a:headEnd type="none" w="med" len="med"/>
+                      <a:tailEnd type="none" w="med" len="med"/>
+                    </a:lnR>
+                    <a:lnT w="6350" cap="flat" cmpd="sng" algn="ctr">
+                      <a:solidFill>
+                        <a:srgbClr val="000000"/>
+                      </a:solidFill>
+                      <a:prstDash val="solid"/>
+                      <a:round/>
+                      <a:headEnd type="none" w="med" len="med"/>
+                      <a:tailEnd type="none" w="med" len="med"/>
+                    </a:lnT>
+                    <a:lnB w="6350" cap="flat" cmpd="sng" algn="ctr">
+                      <a:solidFill>
+                        <a:srgbClr val="000000"/>
+                      </a:solidFill>
+                      <a:prstDash val="solid"/>
+                      <a:round/>
+                      <a:headEnd type="none" w="med" len="med"/>
+                      <a:tailEnd type="none" w="med" len="med"/>
+                    </a:lnB>
+                  </a:tcPr>
+                </a:tc>
+                <a:tc>
+                  <a:txBody>
+                    <a:bodyPr/>
+                    <a:lstStyle/>
+                    <a:p>
+                      <a:pPr algn="r" fontAlgn="b"/>
+                      <a:r>
+                        <a:rPr lang="en-GB" sz="1050" b="1" i="0" u="none" strike="noStrike">
+                          <a:solidFill>
+                            <a:srgbClr val="000000"/>
+                          </a:solidFill>
+                          <a:effectLst/>
+                          <a:latin typeface="Calibri" panose="020F0502020204030204" pitchFamily="34" charset="0"/>
+                        </a:rPr>
+                        <a:t>200</a:t>
+                      </a:r>
+                    </a:p>
+                  </a:txBody>
+                  <a:tcPr marL="9525" marR="9525" marT="9525" marB="0">
+                    <a:lnL w="6350" cap="flat" cmpd="sng" algn="ctr">
+                      <a:solidFill>
+                        <a:srgbClr val="000000"/>
+                      </a:solidFill>
+                      <a:prstDash val="solid"/>
+                      <a:round/>
+                      <a:headEnd type="none" w="med" len="med"/>
+                      <a:tailEnd type="none" w="med" len="med"/>
+                    </a:lnL>
+                    <a:lnR w="6350" cap="flat" cmpd="sng" algn="ctr">
+                      <a:solidFill>
+                        <a:srgbClr val="000000"/>
+                      </a:solidFill>
+                      <a:prstDash val="solid"/>
+                      <a:round/>
+                      <a:headEnd type="none" w="med" len="med"/>
+                      <a:tailEnd type="none" w="med" len="med"/>
+                    </a:lnR>
+                    <a:lnT w="6350" cap="flat" cmpd="sng" algn="ctr">
+                      <a:solidFill>
+                        <a:srgbClr val="000000"/>
+                      </a:solidFill>
+                      <a:prstDash val="solid"/>
+                      <a:round/>
+                      <a:headEnd type="none" w="med" len="med"/>
+                      <a:tailEnd type="none" w="med" len="med"/>
+                    </a:lnT>
+                    <a:lnB w="6350" cap="flat" cmpd="sng" algn="ctr">
+                      <a:solidFill>
+                        <a:srgbClr val="000000"/>
+                      </a:solidFill>
+                      <a:prstDash val="solid"/>
+                      <a:round/>
+                      <a:headEnd type="none" w="med" len="med"/>
+                      <a:tailEnd type="none" w="med" len="med"/>
+                    </a:lnB>
+                  </a:tcPr>
+                </a:tc>
+                <a:tc>
+                  <a:txBody>
+                    <a:bodyPr/>
+                    <a:lstStyle/>
+                    <a:p>
+                      <a:pPr algn="r" fontAlgn="b"/>
+                      <a:r>
+                        <a:rPr lang="en-GB" sz="1050" b="1" i="0" u="none" strike="noStrike">
+                          <a:solidFill>
+                            <a:srgbClr val="000000"/>
+                          </a:solidFill>
+                          <a:effectLst/>
+                          <a:latin typeface="Calibri" panose="020F0502020204030204" pitchFamily="34" charset="0"/>
+                        </a:rPr>
+                        <a:t>176</a:t>
+                      </a:r>
+                    </a:p>
+                  </a:txBody>
+                  <a:tcPr marL="9525" marR="9525" marT="9525" marB="0">
+                    <a:lnL w="6350" cap="flat" cmpd="sng" algn="ctr">
+                      <a:solidFill>
+                        <a:srgbClr val="000000"/>
+                      </a:solidFill>
+                      <a:prstDash val="solid"/>
+                      <a:round/>
+                      <a:headEnd type="none" w="med" len="med"/>
+                      <a:tailEnd type="none" w="med" len="med"/>
+                    </a:lnL>
+                    <a:lnR w="6350" cap="flat" cmpd="sng" algn="ctr">
+                      <a:solidFill>
+                        <a:srgbClr val="000000"/>
+                      </a:solidFill>
+                      <a:prstDash val="solid"/>
+                      <a:round/>
+                      <a:headEnd type="none" w="med" len="med"/>
+                      <a:tailEnd type="none" w="med" len="med"/>
+                    </a:lnR>
+                    <a:lnT w="6350" cap="flat" cmpd="sng" algn="ctr">
+                      <a:solidFill>
+                        <a:srgbClr val="000000"/>
+                      </a:solidFill>
+                      <a:prstDash val="solid"/>
+                      <a:round/>
+                      <a:headEnd type="none" w="med" len="med"/>
+                      <a:tailEnd type="none" w="med" len="med"/>
+                    </a:lnT>
+                    <a:lnB w="6350" cap="flat" cmpd="sng" algn="ctr">
+                      <a:solidFill>
+                        <a:srgbClr val="000000"/>
+                      </a:solidFill>
+                      <a:prstDash val="solid"/>
+                      <a:round/>
+                      <a:headEnd type="none" w="med" len="med"/>
+                      <a:tailEnd type="none" w="med" len="med"/>
+                    </a:lnB>
+                  </a:tcPr>
+                </a:tc>
+                <a:tc>
+                  <a:txBody>
+                    <a:bodyPr/>
+                    <a:lstStyle/>
+                    <a:p>
+                      <a:pPr algn="r" fontAlgn="b"/>
+                      <a:r>
+                        <a:rPr lang="en-GB" sz="1050" b="1" i="0" u="none" strike="noStrike">
                           <a:solidFill>
                             <a:srgbClr val="000000"/>
                           </a:solidFill>
@@ -7570,7 +8083,7 @@
                       </a:r>
                     </a:p>
                   </a:txBody>
-                  <a:tcPr marL="8703" marR="8703" marT="8703" marB="0">
+                  <a:tcPr marL="9525" marR="9525" marT="9525" marB="0">
                     <a:lnL w="6350" cap="flat" cmpd="sng" algn="ctr">
                       <a:solidFill>
                         <a:srgbClr val="000000"/>
@@ -7616,18 +8129,18 @@
                     <a:p>
                       <a:pPr algn="r" fontAlgn="b"/>
                       <a:r>
-                        <a:rPr lang="en-GB" sz="1000" b="1" i="0" u="none" strike="noStrike">
-                          <a:solidFill>
-                            <a:srgbClr val="000000"/>
-                          </a:solidFill>
-                          <a:effectLst/>
-                          <a:latin typeface="Calibri" panose="020F0502020204030204" pitchFamily="34" charset="0"/>
-                        </a:rPr>
-                        <a:t>194</a:t>
-                      </a:r>
-                    </a:p>
-                  </a:txBody>
-                  <a:tcPr marL="8703" marR="8703" marT="8703" marB="0">
+                        <a:rPr lang="en-GB" sz="1050" b="1" i="0" u="none" strike="noStrike">
+                          <a:solidFill>
+                            <a:srgbClr val="000000"/>
+                          </a:solidFill>
+                          <a:effectLst/>
+                          <a:latin typeface="Calibri" panose="020F0502020204030204" pitchFamily="34" charset="0"/>
+                        </a:rPr>
+                        <a:t>200</a:t>
+                      </a:r>
+                    </a:p>
+                  </a:txBody>
+                  <a:tcPr marL="9525" marR="9525" marT="9525" marB="0">
                     <a:lnL w="6350" cap="flat" cmpd="sng" algn="ctr">
                       <a:solidFill>
                         <a:srgbClr val="000000"/>
@@ -7673,18 +8186,18 @@
                     <a:p>
                       <a:pPr algn="r" fontAlgn="b"/>
                       <a:r>
-                        <a:rPr lang="en-GB" sz="1000" b="1" i="0" u="none" strike="noStrike">
-                          <a:solidFill>
-                            <a:srgbClr val="000000"/>
-                          </a:solidFill>
-                          <a:effectLst/>
-                          <a:latin typeface="Calibri" panose="020F0502020204030204" pitchFamily="34" charset="0"/>
-                        </a:rPr>
-                        <a:t>199</a:t>
-                      </a:r>
-                    </a:p>
-                  </a:txBody>
-                  <a:tcPr marL="8703" marR="8703" marT="8703" marB="0">
+                        <a:rPr lang="en-GB" sz="1050" b="1" i="0" u="none" strike="noStrike">
+                          <a:solidFill>
+                            <a:srgbClr val="000000"/>
+                          </a:solidFill>
+                          <a:effectLst/>
+                          <a:latin typeface="Calibri" panose="020F0502020204030204" pitchFamily="34" charset="0"/>
+                        </a:rPr>
+                        <a:t>242</a:t>
+                      </a:r>
+                    </a:p>
+                  </a:txBody>
+                  <a:tcPr marL="9525" marR="9525" marT="9525" marB="0">
                     <a:lnL w="6350" cap="flat" cmpd="sng" algn="ctr">
                       <a:solidFill>
                         <a:srgbClr val="000000"/>
@@ -7730,18 +8243,18 @@
                     <a:p>
                       <a:pPr algn="r" fontAlgn="b"/>
                       <a:r>
-                        <a:rPr lang="en-GB" sz="1000" b="1" i="0" u="none" strike="noStrike">
-                          <a:solidFill>
-                            <a:srgbClr val="000000"/>
-                          </a:solidFill>
-                          <a:effectLst/>
-                          <a:latin typeface="Calibri" panose="020F0502020204030204" pitchFamily="34" charset="0"/>
-                        </a:rPr>
-                        <a:t>182</a:t>
-                      </a:r>
-                    </a:p>
-                  </a:txBody>
-                  <a:tcPr marL="8703" marR="8703" marT="8703" marB="0">
+                        <a:rPr lang="en-GB" sz="1050" b="1" i="0" u="none" strike="noStrike" dirty="0">
+                          <a:solidFill>
+                            <a:srgbClr val="000000"/>
+                          </a:solidFill>
+                          <a:effectLst/>
+                          <a:latin typeface="Calibri" panose="020F0502020204030204" pitchFamily="34" charset="0"/>
+                        </a:rPr>
+                        <a:t>299</a:t>
+                      </a:r>
+                    </a:p>
+                  </a:txBody>
+                  <a:tcPr marL="9525" marR="9525" marT="9525" marB="0">
                     <a:lnL w="6350" cap="flat" cmpd="sng" algn="ctr">
                       <a:solidFill>
                         <a:srgbClr val="000000"/>
@@ -7787,18 +8300,18 @@
                     <a:p>
                       <a:pPr algn="r" fontAlgn="b"/>
                       <a:r>
-                        <a:rPr lang="en-GB" sz="1000" b="1" i="0" u="none" strike="noStrike">
-                          <a:solidFill>
-                            <a:srgbClr val="000000"/>
-                          </a:solidFill>
-                          <a:effectLst/>
-                          <a:latin typeface="Calibri" panose="020F0502020204030204" pitchFamily="34" charset="0"/>
-                        </a:rPr>
-                        <a:t>192</a:t>
-                      </a:r>
-                    </a:p>
-                  </a:txBody>
-                  <a:tcPr marL="8703" marR="8703" marT="8703" marB="0">
+                        <a:rPr lang="en-GB" sz="1050" b="1" i="0" u="none" strike="noStrike" dirty="0">
+                          <a:solidFill>
+                            <a:srgbClr val="000000"/>
+                          </a:solidFill>
+                          <a:effectLst/>
+                          <a:latin typeface="Calibri" panose="020F0502020204030204" pitchFamily="34" charset="0"/>
+                        </a:rPr>
+                        <a:t>304</a:t>
+                      </a:r>
+                    </a:p>
+                  </a:txBody>
+                  <a:tcPr marL="9525" marR="9525" marT="9525" marB="0">
                     <a:lnL w="6350" cap="flat" cmpd="sng" algn="ctr">
                       <a:solidFill>
                         <a:srgbClr val="000000"/>
@@ -7844,18 +8357,18 @@
                     <a:p>
                       <a:pPr algn="r" fontAlgn="b"/>
                       <a:r>
-                        <a:rPr lang="en-GB" sz="1000" b="1" i="0" u="none" strike="noStrike">
-                          <a:solidFill>
-                            <a:srgbClr val="000000"/>
-                          </a:solidFill>
-                          <a:effectLst/>
-                          <a:latin typeface="Calibri" panose="020F0502020204030204" pitchFamily="34" charset="0"/>
-                        </a:rPr>
-                        <a:t>200</a:t>
-                      </a:r>
-                    </a:p>
-                  </a:txBody>
-                  <a:tcPr marL="8703" marR="8703" marT="8703" marB="0">
+                        <a:rPr lang="en-GB" sz="1050" b="1" i="0" u="none" strike="noStrike" dirty="0">
+                          <a:solidFill>
+                            <a:srgbClr val="000000"/>
+                          </a:solidFill>
+                          <a:effectLst/>
+                          <a:latin typeface="Calibri" panose="020F0502020204030204" pitchFamily="34" charset="0"/>
+                        </a:rPr>
+                        <a:t>315</a:t>
+                      </a:r>
+                    </a:p>
+                  </a:txBody>
+                  <a:tcPr marL="9525" marR="9525" marT="9525" marB="0">
                     <a:lnL w="6350" cap="flat" cmpd="sng" algn="ctr">
                       <a:solidFill>
                         <a:srgbClr val="000000"/>
@@ -7901,531 +8414,18 @@
                     <a:p>
                       <a:pPr algn="r" fontAlgn="b"/>
                       <a:r>
-                        <a:rPr lang="en-GB" sz="1000" b="1" i="0" u="none" strike="noStrike">
-                          <a:solidFill>
-                            <a:srgbClr val="000000"/>
-                          </a:solidFill>
-                          <a:effectLst/>
-                          <a:latin typeface="Calibri" panose="020F0502020204030204" pitchFamily="34" charset="0"/>
-                        </a:rPr>
-                        <a:t>193</a:t>
-                      </a:r>
-                    </a:p>
-                  </a:txBody>
-                  <a:tcPr marL="8703" marR="8703" marT="8703" marB="0">
-                    <a:lnL w="6350" cap="flat" cmpd="sng" algn="ctr">
-                      <a:solidFill>
-                        <a:srgbClr val="000000"/>
-                      </a:solidFill>
-                      <a:prstDash val="solid"/>
-                      <a:round/>
-                      <a:headEnd type="none" w="med" len="med"/>
-                      <a:tailEnd type="none" w="med" len="med"/>
-                    </a:lnL>
-                    <a:lnR w="6350" cap="flat" cmpd="sng" algn="ctr">
-                      <a:solidFill>
-                        <a:srgbClr val="000000"/>
-                      </a:solidFill>
-                      <a:prstDash val="solid"/>
-                      <a:round/>
-                      <a:headEnd type="none" w="med" len="med"/>
-                      <a:tailEnd type="none" w="med" len="med"/>
-                    </a:lnR>
-                    <a:lnT w="6350" cap="flat" cmpd="sng" algn="ctr">
-                      <a:solidFill>
-                        <a:srgbClr val="000000"/>
-                      </a:solidFill>
-                      <a:prstDash val="solid"/>
-                      <a:round/>
-                      <a:headEnd type="none" w="med" len="med"/>
-                      <a:tailEnd type="none" w="med" len="med"/>
-                    </a:lnT>
-                    <a:lnB w="6350" cap="flat" cmpd="sng" algn="ctr">
-                      <a:solidFill>
-                        <a:srgbClr val="000000"/>
-                      </a:solidFill>
-                      <a:prstDash val="solid"/>
-                      <a:round/>
-                      <a:headEnd type="none" w="med" len="med"/>
-                      <a:tailEnd type="none" w="med" len="med"/>
-                    </a:lnB>
-                  </a:tcPr>
-                </a:tc>
-                <a:tc>
-                  <a:txBody>
-                    <a:bodyPr/>
-                    <a:lstStyle/>
-                    <a:p>
-                      <a:pPr algn="r" fontAlgn="b"/>
-                      <a:r>
-                        <a:rPr lang="en-GB" sz="1000" b="1" i="0" u="none" strike="noStrike">
-                          <a:solidFill>
-                            <a:srgbClr val="000000"/>
-                          </a:solidFill>
-                          <a:effectLst/>
-                          <a:latin typeface="Calibri" panose="020F0502020204030204" pitchFamily="34" charset="0"/>
-                        </a:rPr>
-                        <a:t>200</a:t>
-                      </a:r>
-                    </a:p>
-                  </a:txBody>
-                  <a:tcPr marL="8703" marR="8703" marT="8703" marB="0">
-                    <a:lnL w="6350" cap="flat" cmpd="sng" algn="ctr">
-                      <a:solidFill>
-                        <a:srgbClr val="000000"/>
-                      </a:solidFill>
-                      <a:prstDash val="solid"/>
-                      <a:round/>
-                      <a:headEnd type="none" w="med" len="med"/>
-                      <a:tailEnd type="none" w="med" len="med"/>
-                    </a:lnL>
-                    <a:lnR w="6350" cap="flat" cmpd="sng" algn="ctr">
-                      <a:solidFill>
-                        <a:srgbClr val="000000"/>
-                      </a:solidFill>
-                      <a:prstDash val="solid"/>
-                      <a:round/>
-                      <a:headEnd type="none" w="med" len="med"/>
-                      <a:tailEnd type="none" w="med" len="med"/>
-                    </a:lnR>
-                    <a:lnT w="6350" cap="flat" cmpd="sng" algn="ctr">
-                      <a:solidFill>
-                        <a:srgbClr val="000000"/>
-                      </a:solidFill>
-                      <a:prstDash val="solid"/>
-                      <a:round/>
-                      <a:headEnd type="none" w="med" len="med"/>
-                      <a:tailEnd type="none" w="med" len="med"/>
-                    </a:lnT>
-                    <a:lnB w="6350" cap="flat" cmpd="sng" algn="ctr">
-                      <a:solidFill>
-                        <a:srgbClr val="000000"/>
-                      </a:solidFill>
-                      <a:prstDash val="solid"/>
-                      <a:round/>
-                      <a:headEnd type="none" w="med" len="med"/>
-                      <a:tailEnd type="none" w="med" len="med"/>
-                    </a:lnB>
-                  </a:tcPr>
-                </a:tc>
-                <a:tc>
-                  <a:txBody>
-                    <a:bodyPr/>
-                    <a:lstStyle/>
-                    <a:p>
-                      <a:pPr algn="r" fontAlgn="b"/>
-                      <a:r>
-                        <a:rPr lang="en-GB" sz="1000" b="1" i="0" u="none" strike="noStrike">
-                          <a:solidFill>
-                            <a:srgbClr val="000000"/>
-                          </a:solidFill>
-                          <a:effectLst/>
-                          <a:latin typeface="Calibri" panose="020F0502020204030204" pitchFamily="34" charset="0"/>
-                        </a:rPr>
-                        <a:t>174</a:t>
-                      </a:r>
-                    </a:p>
-                  </a:txBody>
-                  <a:tcPr marL="8703" marR="8703" marT="8703" marB="0">
-                    <a:lnL w="6350" cap="flat" cmpd="sng" algn="ctr">
-                      <a:solidFill>
-                        <a:srgbClr val="000000"/>
-                      </a:solidFill>
-                      <a:prstDash val="solid"/>
-                      <a:round/>
-                      <a:headEnd type="none" w="med" len="med"/>
-                      <a:tailEnd type="none" w="med" len="med"/>
-                    </a:lnL>
-                    <a:lnR w="6350" cap="flat" cmpd="sng" algn="ctr">
-                      <a:solidFill>
-                        <a:srgbClr val="000000"/>
-                      </a:solidFill>
-                      <a:prstDash val="solid"/>
-                      <a:round/>
-                      <a:headEnd type="none" w="med" len="med"/>
-                      <a:tailEnd type="none" w="med" len="med"/>
-                    </a:lnR>
-                    <a:lnT w="6350" cap="flat" cmpd="sng" algn="ctr">
-                      <a:solidFill>
-                        <a:srgbClr val="000000"/>
-                      </a:solidFill>
-                      <a:prstDash val="solid"/>
-                      <a:round/>
-                      <a:headEnd type="none" w="med" len="med"/>
-                      <a:tailEnd type="none" w="med" len="med"/>
-                    </a:lnT>
-                    <a:lnB w="6350" cap="flat" cmpd="sng" algn="ctr">
-                      <a:solidFill>
-                        <a:srgbClr val="000000"/>
-                      </a:solidFill>
-                      <a:prstDash val="solid"/>
-                      <a:round/>
-                      <a:headEnd type="none" w="med" len="med"/>
-                      <a:tailEnd type="none" w="med" len="med"/>
-                    </a:lnB>
-                  </a:tcPr>
-                </a:tc>
-                <a:tc>
-                  <a:txBody>
-                    <a:bodyPr/>
-                    <a:lstStyle/>
-                    <a:p>
-                      <a:pPr algn="r" fontAlgn="b"/>
-                      <a:r>
-                        <a:rPr lang="en-GB" sz="1000" b="1" i="0" u="none" strike="noStrike">
-                          <a:solidFill>
-                            <a:srgbClr val="000000"/>
-                          </a:solidFill>
-                          <a:effectLst/>
-                          <a:latin typeface="Calibri" panose="020F0502020204030204" pitchFamily="34" charset="0"/>
-                        </a:rPr>
-                        <a:t>181</a:t>
-                      </a:r>
-                    </a:p>
-                  </a:txBody>
-                  <a:tcPr marL="8703" marR="8703" marT="8703" marB="0">
-                    <a:lnL w="6350" cap="flat" cmpd="sng" algn="ctr">
-                      <a:solidFill>
-                        <a:srgbClr val="000000"/>
-                      </a:solidFill>
-                      <a:prstDash val="solid"/>
-                      <a:round/>
-                      <a:headEnd type="none" w="med" len="med"/>
-                      <a:tailEnd type="none" w="med" len="med"/>
-                    </a:lnL>
-                    <a:lnR w="6350" cap="flat" cmpd="sng" algn="ctr">
-                      <a:solidFill>
-                        <a:srgbClr val="000000"/>
-                      </a:solidFill>
-                      <a:prstDash val="solid"/>
-                      <a:round/>
-                      <a:headEnd type="none" w="med" len="med"/>
-                      <a:tailEnd type="none" w="med" len="med"/>
-                    </a:lnR>
-                    <a:lnT w="6350" cap="flat" cmpd="sng" algn="ctr">
-                      <a:solidFill>
-                        <a:srgbClr val="000000"/>
-                      </a:solidFill>
-                      <a:prstDash val="solid"/>
-                      <a:round/>
-                      <a:headEnd type="none" w="med" len="med"/>
-                      <a:tailEnd type="none" w="med" len="med"/>
-                    </a:lnT>
-                    <a:lnB w="6350" cap="flat" cmpd="sng" algn="ctr">
-                      <a:solidFill>
-                        <a:srgbClr val="000000"/>
-                      </a:solidFill>
-                      <a:prstDash val="solid"/>
-                      <a:round/>
-                      <a:headEnd type="none" w="med" len="med"/>
-                      <a:tailEnd type="none" w="med" len="med"/>
-                    </a:lnB>
-                  </a:tcPr>
-                </a:tc>
-                <a:tc>
-                  <a:txBody>
-                    <a:bodyPr/>
-                    <a:lstStyle/>
-                    <a:p>
-                      <a:pPr algn="r" fontAlgn="b"/>
-                      <a:r>
-                        <a:rPr lang="en-GB" sz="1000" b="1" i="0" u="none" strike="noStrike">
-                          <a:solidFill>
-                            <a:srgbClr val="000000"/>
-                          </a:solidFill>
-                          <a:effectLst/>
-                          <a:latin typeface="Calibri" panose="020F0502020204030204" pitchFamily="34" charset="0"/>
-                        </a:rPr>
-                        <a:t>199</a:t>
-                      </a:r>
-                    </a:p>
-                  </a:txBody>
-                  <a:tcPr marL="8703" marR="8703" marT="8703" marB="0">
-                    <a:lnL w="6350" cap="flat" cmpd="sng" algn="ctr">
-                      <a:solidFill>
-                        <a:srgbClr val="000000"/>
-                      </a:solidFill>
-                      <a:prstDash val="solid"/>
-                      <a:round/>
-                      <a:headEnd type="none" w="med" len="med"/>
-                      <a:tailEnd type="none" w="med" len="med"/>
-                    </a:lnL>
-                    <a:lnR w="6350" cap="flat" cmpd="sng" algn="ctr">
-                      <a:solidFill>
-                        <a:srgbClr val="000000"/>
-                      </a:solidFill>
-                      <a:prstDash val="solid"/>
-                      <a:round/>
-                      <a:headEnd type="none" w="med" len="med"/>
-                      <a:tailEnd type="none" w="med" len="med"/>
-                    </a:lnR>
-                    <a:lnT w="6350" cap="flat" cmpd="sng" algn="ctr">
-                      <a:solidFill>
-                        <a:srgbClr val="000000"/>
-                      </a:solidFill>
-                      <a:prstDash val="solid"/>
-                      <a:round/>
-                      <a:headEnd type="none" w="med" len="med"/>
-                      <a:tailEnd type="none" w="med" len="med"/>
-                    </a:lnT>
-                    <a:lnB w="6350" cap="flat" cmpd="sng" algn="ctr">
-                      <a:solidFill>
-                        <a:srgbClr val="000000"/>
-                      </a:solidFill>
-                      <a:prstDash val="solid"/>
-                      <a:round/>
-                      <a:headEnd type="none" w="med" len="med"/>
-                      <a:tailEnd type="none" w="med" len="med"/>
-                    </a:lnB>
-                  </a:tcPr>
-                </a:tc>
-                <a:tc>
-                  <a:txBody>
-                    <a:bodyPr/>
-                    <a:lstStyle/>
-                    <a:p>
-                      <a:pPr algn="r" fontAlgn="b"/>
-                      <a:r>
-                        <a:rPr lang="en-GB" sz="1000" b="1" i="0" u="none" strike="noStrike">
-                          <a:solidFill>
-                            <a:srgbClr val="000000"/>
-                          </a:solidFill>
-                          <a:effectLst/>
-                          <a:latin typeface="Calibri" panose="020F0502020204030204" pitchFamily="34" charset="0"/>
-                        </a:rPr>
-                        <a:t>242</a:t>
-                      </a:r>
-                    </a:p>
-                  </a:txBody>
-                  <a:tcPr marL="8703" marR="8703" marT="8703" marB="0">
-                    <a:lnL w="6350" cap="flat" cmpd="sng" algn="ctr">
-                      <a:solidFill>
-                        <a:srgbClr val="000000"/>
-                      </a:solidFill>
-                      <a:prstDash val="solid"/>
-                      <a:round/>
-                      <a:headEnd type="none" w="med" len="med"/>
-                      <a:tailEnd type="none" w="med" len="med"/>
-                    </a:lnL>
-                    <a:lnR w="6350" cap="flat" cmpd="sng" algn="ctr">
-                      <a:solidFill>
-                        <a:srgbClr val="000000"/>
-                      </a:solidFill>
-                      <a:prstDash val="solid"/>
-                      <a:round/>
-                      <a:headEnd type="none" w="med" len="med"/>
-                      <a:tailEnd type="none" w="med" len="med"/>
-                    </a:lnR>
-                    <a:lnT w="6350" cap="flat" cmpd="sng" algn="ctr">
-                      <a:solidFill>
-                        <a:srgbClr val="000000"/>
-                      </a:solidFill>
-                      <a:prstDash val="solid"/>
-                      <a:round/>
-                      <a:headEnd type="none" w="med" len="med"/>
-                      <a:tailEnd type="none" w="med" len="med"/>
-                    </a:lnT>
-                    <a:lnB w="6350" cap="flat" cmpd="sng" algn="ctr">
-                      <a:solidFill>
-                        <a:srgbClr val="000000"/>
-                      </a:solidFill>
-                      <a:prstDash val="solid"/>
-                      <a:round/>
-                      <a:headEnd type="none" w="med" len="med"/>
-                      <a:tailEnd type="none" w="med" len="med"/>
-                    </a:lnB>
-                  </a:tcPr>
-                </a:tc>
-                <a:tc>
-                  <a:txBody>
-                    <a:bodyPr/>
-                    <a:lstStyle/>
-                    <a:p>
-                      <a:pPr algn="r" fontAlgn="b"/>
-                      <a:r>
-                        <a:rPr lang="en-GB" sz="1000" b="1" i="0" u="none" strike="noStrike">
-                          <a:solidFill>
-                            <a:srgbClr val="000000"/>
-                          </a:solidFill>
-                          <a:effectLst/>
-                          <a:latin typeface="Calibri" panose="020F0502020204030204" pitchFamily="34" charset="0"/>
-                        </a:rPr>
-                        <a:t>298</a:t>
-                      </a:r>
-                    </a:p>
-                  </a:txBody>
-                  <a:tcPr marL="8703" marR="8703" marT="8703" marB="0">
-                    <a:lnL w="6350" cap="flat" cmpd="sng" algn="ctr">
-                      <a:solidFill>
-                        <a:srgbClr val="000000"/>
-                      </a:solidFill>
-                      <a:prstDash val="solid"/>
-                      <a:round/>
-                      <a:headEnd type="none" w="med" len="med"/>
-                      <a:tailEnd type="none" w="med" len="med"/>
-                    </a:lnL>
-                    <a:lnR w="6350" cap="flat" cmpd="sng" algn="ctr">
-                      <a:solidFill>
-                        <a:srgbClr val="000000"/>
-                      </a:solidFill>
-                      <a:prstDash val="solid"/>
-                      <a:round/>
-                      <a:headEnd type="none" w="med" len="med"/>
-                      <a:tailEnd type="none" w="med" len="med"/>
-                    </a:lnR>
-                    <a:lnT w="6350" cap="flat" cmpd="sng" algn="ctr">
-                      <a:solidFill>
-                        <a:srgbClr val="000000"/>
-                      </a:solidFill>
-                      <a:prstDash val="solid"/>
-                      <a:round/>
-                      <a:headEnd type="none" w="med" len="med"/>
-                      <a:tailEnd type="none" w="med" len="med"/>
-                    </a:lnT>
-                    <a:lnB w="6350" cap="flat" cmpd="sng" algn="ctr">
-                      <a:solidFill>
-                        <a:srgbClr val="000000"/>
-                      </a:solidFill>
-                      <a:prstDash val="solid"/>
-                      <a:round/>
-                      <a:headEnd type="none" w="med" len="med"/>
-                      <a:tailEnd type="none" w="med" len="med"/>
-                    </a:lnB>
-                  </a:tcPr>
-                </a:tc>
-                <a:tc>
-                  <a:txBody>
-                    <a:bodyPr/>
-                    <a:lstStyle/>
-                    <a:p>
-                      <a:pPr algn="r" fontAlgn="b"/>
-                      <a:r>
-                        <a:rPr lang="en-GB" sz="1000" b="1" i="0" u="none" strike="noStrike">
-                          <a:solidFill>
-                            <a:srgbClr val="000000"/>
-                          </a:solidFill>
-                          <a:effectLst/>
-                          <a:latin typeface="Calibri" panose="020F0502020204030204" pitchFamily="34" charset="0"/>
-                        </a:rPr>
-                        <a:t>303</a:t>
-                      </a:r>
-                    </a:p>
-                  </a:txBody>
-                  <a:tcPr marL="8703" marR="8703" marT="8703" marB="0">
-                    <a:lnL w="6350" cap="flat" cmpd="sng" algn="ctr">
-                      <a:solidFill>
-                        <a:srgbClr val="000000"/>
-                      </a:solidFill>
-                      <a:prstDash val="solid"/>
-                      <a:round/>
-                      <a:headEnd type="none" w="med" len="med"/>
-                      <a:tailEnd type="none" w="med" len="med"/>
-                    </a:lnL>
-                    <a:lnR w="6350" cap="flat" cmpd="sng" algn="ctr">
-                      <a:solidFill>
-                        <a:srgbClr val="000000"/>
-                      </a:solidFill>
-                      <a:prstDash val="solid"/>
-                      <a:round/>
-                      <a:headEnd type="none" w="med" len="med"/>
-                      <a:tailEnd type="none" w="med" len="med"/>
-                    </a:lnR>
-                    <a:lnT w="6350" cap="flat" cmpd="sng" algn="ctr">
-                      <a:solidFill>
-                        <a:srgbClr val="000000"/>
-                      </a:solidFill>
-                      <a:prstDash val="solid"/>
-                      <a:round/>
-                      <a:headEnd type="none" w="med" len="med"/>
-                      <a:tailEnd type="none" w="med" len="med"/>
-                    </a:lnT>
-                    <a:lnB w="6350" cap="flat" cmpd="sng" algn="ctr">
-                      <a:solidFill>
-                        <a:srgbClr val="000000"/>
-                      </a:solidFill>
-                      <a:prstDash val="solid"/>
-                      <a:round/>
-                      <a:headEnd type="none" w="med" len="med"/>
-                      <a:tailEnd type="none" w="med" len="med"/>
-                    </a:lnB>
-                  </a:tcPr>
-                </a:tc>
-                <a:tc>
-                  <a:txBody>
-                    <a:bodyPr/>
-                    <a:lstStyle/>
-                    <a:p>
-                      <a:pPr algn="r" fontAlgn="b"/>
-                      <a:r>
-                        <a:rPr lang="en-GB" sz="1000" b="1" i="0" u="none" strike="noStrike">
-                          <a:solidFill>
-                            <a:srgbClr val="000000"/>
-                          </a:solidFill>
-                          <a:effectLst/>
-                          <a:latin typeface="Calibri" panose="020F0502020204030204" pitchFamily="34" charset="0"/>
-                        </a:rPr>
-                        <a:t>299</a:t>
-                      </a:r>
-                    </a:p>
-                  </a:txBody>
-                  <a:tcPr marL="8703" marR="8703" marT="8703" marB="0">
-                    <a:lnL w="6350" cap="flat" cmpd="sng" algn="ctr">
-                      <a:solidFill>
-                        <a:srgbClr val="000000"/>
-                      </a:solidFill>
-                      <a:prstDash val="solid"/>
-                      <a:round/>
-                      <a:headEnd type="none" w="med" len="med"/>
-                      <a:tailEnd type="none" w="med" len="med"/>
-                    </a:lnL>
-                    <a:lnR w="6350" cap="flat" cmpd="sng" algn="ctr">
-                      <a:solidFill>
-                        <a:srgbClr val="000000"/>
-                      </a:solidFill>
-                      <a:prstDash val="solid"/>
-                      <a:round/>
-                      <a:headEnd type="none" w="med" len="med"/>
-                      <a:tailEnd type="none" w="med" len="med"/>
-                    </a:lnR>
-                    <a:lnT w="6350" cap="flat" cmpd="sng" algn="ctr">
-                      <a:solidFill>
-                        <a:srgbClr val="000000"/>
-                      </a:solidFill>
-                      <a:prstDash val="solid"/>
-                      <a:round/>
-                      <a:headEnd type="none" w="med" len="med"/>
-                      <a:tailEnd type="none" w="med" len="med"/>
-                    </a:lnT>
-                    <a:lnB w="6350" cap="flat" cmpd="sng" algn="ctr">
-                      <a:solidFill>
-                        <a:srgbClr val="000000"/>
-                      </a:solidFill>
-                      <a:prstDash val="solid"/>
-                      <a:round/>
-                      <a:headEnd type="none" w="med" len="med"/>
-                      <a:tailEnd type="none" w="med" len="med"/>
-                    </a:lnB>
-                  </a:tcPr>
-                </a:tc>
-                <a:tc>
-                  <a:txBody>
-                    <a:bodyPr/>
-                    <a:lstStyle/>
-                    <a:p>
-                      <a:pPr algn="l" fontAlgn="b"/>
-                      <a:r>
-                        <a:rPr lang="en-GB" sz="1000" b="1" i="0" u="none" strike="noStrike">
-                          <a:solidFill>
-                            <a:srgbClr val="000000"/>
-                          </a:solidFill>
-                          <a:effectLst/>
-                          <a:latin typeface="Calibri" panose="020F0502020204030204" pitchFamily="34" charset="0"/>
-                        </a:rPr>
-                        <a:t> </a:t>
-                      </a:r>
-                    </a:p>
-                  </a:txBody>
-                  <a:tcPr marL="8703" marR="8703" marT="8703" marB="0">
+                        <a:rPr lang="en-GB" sz="1050" b="1" i="0" u="none" strike="noStrike" dirty="0">
+                          <a:solidFill>
+                            <a:srgbClr val="000000"/>
+                          </a:solidFill>
+                          <a:effectLst/>
+                          <a:latin typeface="Calibri" panose="020F0502020204030204" pitchFamily="34" charset="0"/>
+                        </a:rPr>
+                        <a:t>258</a:t>
+                      </a:r>
+                    </a:p>
+                  </a:txBody>
+                  <a:tcPr marL="9525" marR="9525" marT="9525" marB="0">
                     <a:lnL w="6350" cap="flat" cmpd="sng" algn="ctr">
                       <a:solidFill>
                         <a:srgbClr val="000000"/>
@@ -8478,7 +8478,7 @@
                     <a:p>
                       <a:pPr algn="l" fontAlgn="ctr"/>
                       <a:r>
-                        <a:rPr lang="en-GB" sz="1000" b="0" i="0" u="none" strike="noStrike">
+                        <a:rPr lang="en-GB" sz="1050" b="0" i="0" u="none" strike="noStrike">
                           <a:solidFill>
                             <a:srgbClr val="000000"/>
                           </a:solidFill>
@@ -8535,18 +8535,18 @@
                     <a:p>
                       <a:pPr algn="r" fontAlgn="b"/>
                       <a:r>
-                        <a:rPr lang="en-GB" sz="1000" b="0" i="0" u="none" strike="noStrike">
-                          <a:solidFill>
-                            <a:srgbClr val="000000"/>
-                          </a:solidFill>
-                          <a:effectLst/>
-                          <a:latin typeface="Calibri" panose="020F0502020204030204" pitchFamily="34" charset="0"/>
-                        </a:rPr>
-                        <a:t>421</a:t>
-                      </a:r>
-                    </a:p>
-                  </a:txBody>
-                  <a:tcPr marL="8703" marR="8703" marT="8703" marB="0">
+                        <a:rPr lang="en-GB" sz="1050" b="0" i="0" u="none" strike="noStrike">
+                          <a:solidFill>
+                            <a:srgbClr val="000000"/>
+                          </a:solidFill>
+                          <a:effectLst/>
+                          <a:latin typeface="Calibri" panose="020F0502020204030204" pitchFamily="34" charset="0"/>
+                        </a:rPr>
+                        <a:t>422</a:t>
+                      </a:r>
+                    </a:p>
+                  </a:txBody>
+                  <a:tcPr marL="9525" marR="9525" marT="9525" marB="0">
                     <a:lnL w="6350" cap="flat" cmpd="sng" algn="ctr">
                       <a:solidFill>
                         <a:srgbClr val="000000"/>
@@ -8592,7 +8592,7 @@
                     <a:p>
                       <a:pPr algn="r" fontAlgn="b"/>
                       <a:r>
-                        <a:rPr lang="en-GB" sz="1000" b="0" i="0" u="none" strike="noStrike">
+                        <a:rPr lang="en-GB" sz="1050" b="0" i="0" u="none" strike="noStrike">
                           <a:solidFill>
                             <a:srgbClr val="000000"/>
                           </a:solidFill>
@@ -8603,7 +8603,7 @@
                       </a:r>
                     </a:p>
                   </a:txBody>
-                  <a:tcPr marL="8703" marR="8703" marT="8703" marB="0">
+                  <a:tcPr marL="9525" marR="9525" marT="9525" marB="0">
                     <a:lnL w="6350" cap="flat" cmpd="sng" algn="ctr">
                       <a:solidFill>
                         <a:srgbClr val="000000"/>
@@ -8649,18 +8649,18 @@
                     <a:p>
                       <a:pPr algn="r" fontAlgn="b"/>
                       <a:r>
-                        <a:rPr lang="en-GB" sz="1000" b="0" i="0" u="none" strike="noStrike">
-                          <a:solidFill>
-                            <a:srgbClr val="000000"/>
-                          </a:solidFill>
-                          <a:effectLst/>
-                          <a:latin typeface="Calibri" panose="020F0502020204030204" pitchFamily="34" charset="0"/>
-                        </a:rPr>
-                        <a:t>372</a:t>
-                      </a:r>
-                    </a:p>
-                  </a:txBody>
-                  <a:tcPr marL="8703" marR="8703" marT="8703" marB="0">
+                        <a:rPr lang="en-GB" sz="1050" b="0" i="0" u="none" strike="noStrike">
+                          <a:solidFill>
+                            <a:srgbClr val="000000"/>
+                          </a:solidFill>
+                          <a:effectLst/>
+                          <a:latin typeface="Calibri" panose="020F0502020204030204" pitchFamily="34" charset="0"/>
+                        </a:rPr>
+                        <a:t>374</a:t>
+                      </a:r>
+                    </a:p>
+                  </a:txBody>
+                  <a:tcPr marL="9525" marR="9525" marT="9525" marB="0">
                     <a:lnL w="6350" cap="flat" cmpd="sng" algn="ctr">
                       <a:solidFill>
                         <a:srgbClr val="000000"/>
@@ -8706,7 +8706,7 @@
                     <a:p>
                       <a:pPr algn="r" fontAlgn="b"/>
                       <a:r>
-                        <a:rPr lang="en-GB" sz="1000" b="0" i="0" u="none" strike="noStrike">
+                        <a:rPr lang="en-GB" sz="1050" b="0" i="0" u="none" strike="noStrike">
                           <a:solidFill>
                             <a:srgbClr val="000000"/>
                           </a:solidFill>
@@ -8717,7 +8717,7 @@
                       </a:r>
                     </a:p>
                   </a:txBody>
-                  <a:tcPr marL="8703" marR="8703" marT="8703" marB="0">
+                  <a:tcPr marL="9525" marR="9525" marT="9525" marB="0">
                     <a:lnL w="6350" cap="flat" cmpd="sng" algn="ctr">
                       <a:solidFill>
                         <a:srgbClr val="000000"/>
@@ -8763,18 +8763,18 @@
                     <a:p>
                       <a:pPr algn="r" fontAlgn="b"/>
                       <a:r>
-                        <a:rPr lang="en-GB" sz="1000" b="0" i="0" u="none" strike="noStrike">
-                          <a:solidFill>
-                            <a:srgbClr val="000000"/>
-                          </a:solidFill>
-                          <a:effectLst/>
-                          <a:latin typeface="Calibri" panose="020F0502020204030204" pitchFamily="34" charset="0"/>
-                        </a:rPr>
-                        <a:t>381</a:t>
-                      </a:r>
-                    </a:p>
-                  </a:txBody>
-                  <a:tcPr marL="8703" marR="8703" marT="8703" marB="0">
+                        <a:rPr lang="en-GB" sz="1050" b="0" i="0" u="none" strike="noStrike">
+                          <a:solidFill>
+                            <a:srgbClr val="000000"/>
+                          </a:solidFill>
+                          <a:effectLst/>
+                          <a:latin typeface="Calibri" panose="020F0502020204030204" pitchFamily="34" charset="0"/>
+                        </a:rPr>
+                        <a:t>382</a:t>
+                      </a:r>
+                    </a:p>
+                  </a:txBody>
+                  <a:tcPr marL="9525" marR="9525" marT="9525" marB="0">
                     <a:lnL w="6350" cap="flat" cmpd="sng" algn="ctr">
                       <a:solidFill>
                         <a:srgbClr val="000000"/>
@@ -8820,7 +8820,7 @@
                     <a:p>
                       <a:pPr algn="r" fontAlgn="b"/>
                       <a:r>
-                        <a:rPr lang="en-GB" sz="1000" b="0" i="0" u="none" strike="noStrike">
+                        <a:rPr lang="en-GB" sz="1050" b="0" i="0" u="none" strike="noStrike">
                           <a:solidFill>
                             <a:srgbClr val="000000"/>
                           </a:solidFill>
@@ -8831,7 +8831,7 @@
                       </a:r>
                     </a:p>
                   </a:txBody>
-                  <a:tcPr marL="8703" marR="8703" marT="8703" marB="0">
+                  <a:tcPr marL="9525" marR="9525" marT="9525" marB="0">
                     <a:lnL w="6350" cap="flat" cmpd="sng" algn="ctr">
                       <a:solidFill>
                         <a:srgbClr val="000000"/>
@@ -8877,18 +8877,18 @@
                     <a:p>
                       <a:pPr algn="r" fontAlgn="b"/>
                       <a:r>
-                        <a:rPr lang="en-GB" sz="1000" b="0" i="0" u="none" strike="noStrike">
-                          <a:solidFill>
-                            <a:srgbClr val="000000"/>
-                          </a:solidFill>
-                          <a:effectLst/>
-                          <a:latin typeface="Calibri" panose="020F0502020204030204" pitchFamily="34" charset="0"/>
-                        </a:rPr>
-                        <a:t>362</a:t>
-                      </a:r>
-                    </a:p>
-                  </a:txBody>
-                  <a:tcPr marL="8703" marR="8703" marT="8703" marB="0">
+                        <a:rPr lang="en-GB" sz="1050" b="0" i="0" u="none" strike="noStrike">
+                          <a:solidFill>
+                            <a:srgbClr val="000000"/>
+                          </a:solidFill>
+                          <a:effectLst/>
+                          <a:latin typeface="Calibri" panose="020F0502020204030204" pitchFamily="34" charset="0"/>
+                        </a:rPr>
+                        <a:t>363</a:t>
+                      </a:r>
+                    </a:p>
+                  </a:txBody>
+                  <a:tcPr marL="9525" marR="9525" marT="9525" marB="0">
                     <a:lnL w="6350" cap="flat" cmpd="sng" algn="ctr">
                       <a:solidFill>
                         <a:srgbClr val="000000"/>
@@ -8934,18 +8934,18 @@
                     <a:p>
                       <a:pPr algn="r" fontAlgn="b"/>
                       <a:r>
-                        <a:rPr lang="en-GB" sz="1000" b="0" i="0" u="none" strike="noStrike">
-                          <a:solidFill>
-                            <a:srgbClr val="000000"/>
-                          </a:solidFill>
-                          <a:effectLst/>
-                          <a:latin typeface="Calibri" panose="020F0502020204030204" pitchFamily="34" charset="0"/>
-                        </a:rPr>
-                        <a:t>358</a:t>
-                      </a:r>
-                    </a:p>
-                  </a:txBody>
-                  <a:tcPr marL="8703" marR="8703" marT="8703" marB="0">
+                        <a:rPr lang="en-GB" sz="1050" b="0" i="0" u="none" strike="noStrike">
+                          <a:solidFill>
+                            <a:srgbClr val="000000"/>
+                          </a:solidFill>
+                          <a:effectLst/>
+                          <a:latin typeface="Calibri" panose="020F0502020204030204" pitchFamily="34" charset="0"/>
+                        </a:rPr>
+                        <a:t>359</a:t>
+                      </a:r>
+                    </a:p>
+                  </a:txBody>
+                  <a:tcPr marL="9525" marR="9525" marT="9525" marB="0">
                     <a:lnL w="6350" cap="flat" cmpd="sng" algn="ctr">
                       <a:solidFill>
                         <a:srgbClr val="000000"/>
@@ -8991,18 +8991,18 @@
                     <a:p>
                       <a:pPr algn="r" fontAlgn="b"/>
                       <a:r>
-                        <a:rPr lang="en-GB" sz="1000" b="0" i="0" u="none" strike="noStrike">
-                          <a:solidFill>
-                            <a:srgbClr val="000000"/>
-                          </a:solidFill>
-                          <a:effectLst/>
-                          <a:latin typeface="Calibri" panose="020F0502020204030204" pitchFamily="34" charset="0"/>
-                        </a:rPr>
-                        <a:t>338</a:t>
-                      </a:r>
-                    </a:p>
-                  </a:txBody>
-                  <a:tcPr marL="8703" marR="8703" marT="8703" marB="0">
+                        <a:rPr lang="en-GB" sz="1050" b="0" i="0" u="none" strike="noStrike">
+                          <a:solidFill>
+                            <a:srgbClr val="000000"/>
+                          </a:solidFill>
+                          <a:effectLst/>
+                          <a:latin typeface="Calibri" panose="020F0502020204030204" pitchFamily="34" charset="0"/>
+                        </a:rPr>
+                        <a:t>339</a:t>
+                      </a:r>
+                    </a:p>
+                  </a:txBody>
+                  <a:tcPr marL="9525" marR="9525" marT="9525" marB="0">
                     <a:lnL w="6350" cap="flat" cmpd="sng" algn="ctr">
                       <a:solidFill>
                         <a:srgbClr val="000000"/>
@@ -9048,7 +9048,7 @@
                     <a:p>
                       <a:pPr algn="r" fontAlgn="b"/>
                       <a:r>
-                        <a:rPr lang="en-GB" sz="1000" b="0" i="0" u="none" strike="noStrike">
+                        <a:rPr lang="en-GB" sz="1050" b="0" i="0" u="none" strike="noStrike">
                           <a:solidFill>
                             <a:srgbClr val="000000"/>
                           </a:solidFill>
@@ -9059,7 +9059,7 @@
                       </a:r>
                     </a:p>
                   </a:txBody>
-                  <a:tcPr marL="8703" marR="8703" marT="8703" marB="0">
+                  <a:tcPr marL="9525" marR="9525" marT="9525" marB="0">
                     <a:lnL w="6350" cap="flat" cmpd="sng" algn="ctr">
                       <a:solidFill>
                         <a:srgbClr val="000000"/>
@@ -9105,18 +9105,18 @@
                     <a:p>
                       <a:pPr algn="r" fontAlgn="b"/>
                       <a:r>
-                        <a:rPr lang="en-GB" sz="1000" b="0" i="0" u="none" strike="noStrike">
-                          <a:solidFill>
-                            <a:srgbClr val="000000"/>
-                          </a:solidFill>
-                          <a:effectLst/>
-                          <a:latin typeface="Calibri" panose="020F0502020204030204" pitchFamily="34" charset="0"/>
-                        </a:rPr>
-                        <a:t>320</a:t>
-                      </a:r>
-                    </a:p>
-                  </a:txBody>
-                  <a:tcPr marL="8703" marR="8703" marT="8703" marB="0">
+                        <a:rPr lang="en-GB" sz="1050" b="0" i="0" u="none" strike="noStrike">
+                          <a:solidFill>
+                            <a:srgbClr val="000000"/>
+                          </a:solidFill>
+                          <a:effectLst/>
+                          <a:latin typeface="Calibri" panose="020F0502020204030204" pitchFamily="34" charset="0"/>
+                        </a:rPr>
+                        <a:t>322</a:t>
+                      </a:r>
+                    </a:p>
+                  </a:txBody>
+                  <a:tcPr marL="9525" marR="9525" marT="9525" marB="0">
                     <a:lnL w="6350" cap="flat" cmpd="sng" algn="ctr">
                       <a:solidFill>
                         <a:srgbClr val="000000"/>
@@ -9162,7 +9162,7 @@
                     <a:p>
                       <a:pPr algn="r" fontAlgn="b"/>
                       <a:r>
-                        <a:rPr lang="en-GB" sz="1000" b="0" i="0" u="none" strike="noStrike">
+                        <a:rPr lang="en-GB" sz="1050" b="0" i="0" u="none" strike="noStrike">
                           <a:solidFill>
                             <a:srgbClr val="000000"/>
                           </a:solidFill>
@@ -9173,7 +9173,7 @@
                       </a:r>
                     </a:p>
                   </a:txBody>
-                  <a:tcPr marL="8703" marR="8703" marT="8703" marB="0">
+                  <a:tcPr marL="9525" marR="9525" marT="9525" marB="0">
                     <a:lnL w="6350" cap="flat" cmpd="sng" algn="ctr">
                       <a:solidFill>
                         <a:srgbClr val="000000"/>
@@ -9219,18 +9219,18 @@
                     <a:p>
                       <a:pPr algn="r" fontAlgn="b"/>
                       <a:r>
-                        <a:rPr lang="en-GB" sz="1000" b="0" i="0" u="none" strike="noStrike">
-                          <a:solidFill>
-                            <a:srgbClr val="000000"/>
-                          </a:solidFill>
-                          <a:effectLst/>
-                          <a:latin typeface="Calibri" panose="020F0502020204030204" pitchFamily="34" charset="0"/>
-                        </a:rPr>
-                        <a:t>392</a:t>
-                      </a:r>
-                    </a:p>
-                  </a:txBody>
-                  <a:tcPr marL="8703" marR="8703" marT="8703" marB="0">
+                        <a:rPr lang="en-GB" sz="1050" b="0" i="0" u="none" strike="noStrike">
+                          <a:solidFill>
+                            <a:srgbClr val="000000"/>
+                          </a:solidFill>
+                          <a:effectLst/>
+                          <a:latin typeface="Calibri" panose="020F0502020204030204" pitchFamily="34" charset="0"/>
+                        </a:rPr>
+                        <a:t>393</a:t>
+                      </a:r>
+                    </a:p>
+                  </a:txBody>
+                  <a:tcPr marL="9525" marR="9525" marT="9525" marB="0">
                     <a:lnL w="6350" cap="flat" cmpd="sng" algn="ctr">
                       <a:solidFill>
                         <a:srgbClr val="000000"/>
@@ -9276,18 +9276,18 @@
                     <a:p>
                       <a:pPr algn="r" fontAlgn="b"/>
                       <a:r>
-                        <a:rPr lang="en-GB" sz="1000" b="0" i="0" u="none" strike="noStrike">
-                          <a:solidFill>
-                            <a:srgbClr val="000000"/>
-                          </a:solidFill>
-                          <a:effectLst/>
-                          <a:latin typeface="Calibri" panose="020F0502020204030204" pitchFamily="34" charset="0"/>
-                        </a:rPr>
-                        <a:t>436</a:t>
-                      </a:r>
-                    </a:p>
-                  </a:txBody>
-                  <a:tcPr marL="8703" marR="8703" marT="8703" marB="0">
+                        <a:rPr lang="en-GB" sz="1050" b="0" i="0" u="none" strike="noStrike" dirty="0">
+                          <a:solidFill>
+                            <a:srgbClr val="000000"/>
+                          </a:solidFill>
+                          <a:effectLst/>
+                          <a:latin typeface="Calibri" panose="020F0502020204030204" pitchFamily="34" charset="0"/>
+                        </a:rPr>
+                        <a:t>437</a:t>
+                      </a:r>
+                    </a:p>
+                  </a:txBody>
+                  <a:tcPr marL="9525" marR="9525" marT="9525" marB="0">
                     <a:lnL w="6350" cap="flat" cmpd="sng" algn="ctr">
                       <a:solidFill>
                         <a:srgbClr val="000000"/>
@@ -9333,7 +9333,7 @@
                     <a:p>
                       <a:pPr algn="r" fontAlgn="b"/>
                       <a:r>
-                        <a:rPr lang="en-GB" sz="1000" b="0" i="0" u="none" strike="noStrike">
+                        <a:rPr lang="en-GB" sz="1050" b="0" i="0" u="none" strike="noStrike">
                           <a:solidFill>
                             <a:srgbClr val="000000"/>
                           </a:solidFill>
@@ -9344,7 +9344,7 @@
                       </a:r>
                     </a:p>
                   </a:txBody>
-                  <a:tcPr marL="8703" marR="8703" marT="8703" marB="0">
+                  <a:tcPr marL="9525" marR="9525" marT="9525" marB="0">
                     <a:lnL w="6350" cap="flat" cmpd="sng" algn="ctr">
                       <a:solidFill>
                         <a:srgbClr val="000000"/>
@@ -9390,18 +9390,18 @@
                     <a:p>
                       <a:pPr algn="r" fontAlgn="b"/>
                       <a:r>
-                        <a:rPr lang="en-GB" sz="1000" b="0" i="0" u="none" strike="noStrike">
-                          <a:solidFill>
-                            <a:srgbClr val="000000"/>
-                          </a:solidFill>
-                          <a:effectLst/>
-                          <a:latin typeface="Calibri" panose="020F0502020204030204" pitchFamily="34" charset="0"/>
-                        </a:rPr>
-                        <a:t>548</a:t>
-                      </a:r>
-                    </a:p>
-                  </a:txBody>
-                  <a:tcPr marL="8703" marR="8703" marT="8703" marB="0">
+                        <a:rPr lang="en-GB" sz="1050" b="0" i="0" u="none" strike="noStrike">
+                          <a:solidFill>
+                            <a:srgbClr val="000000"/>
+                          </a:solidFill>
+                          <a:effectLst/>
+                          <a:latin typeface="Calibri" panose="020F0502020204030204" pitchFamily="34" charset="0"/>
+                        </a:rPr>
+                        <a:t>555</a:t>
+                      </a:r>
+                    </a:p>
+                  </a:txBody>
+                  <a:tcPr marL="9525" marR="9525" marT="9525" marB="0">
                     <a:lnL w="6350" cap="flat" cmpd="sng" algn="ctr">
                       <a:solidFill>
                         <a:srgbClr val="000000"/>
@@ -9447,75 +9447,75 @@
                     <a:p>
                       <a:pPr algn="r" fontAlgn="b"/>
                       <a:r>
-                        <a:rPr lang="en-GB" sz="1000" b="0" i="0" u="none" strike="noStrike">
-                          <a:solidFill>
-                            <a:srgbClr val="000000"/>
-                          </a:solidFill>
-                          <a:effectLst/>
-                          <a:latin typeface="Calibri" panose="020F0502020204030204" pitchFamily="34" charset="0"/>
-                        </a:rPr>
-                        <a:t>552</a:t>
-                      </a:r>
-                    </a:p>
-                  </a:txBody>
-                  <a:tcPr marL="8703" marR="8703" marT="8703" marB="0">
-                    <a:lnL w="6350" cap="flat" cmpd="sng" algn="ctr">
-                      <a:solidFill>
-                        <a:srgbClr val="000000"/>
-                      </a:solidFill>
-                      <a:prstDash val="solid"/>
-                      <a:round/>
-                      <a:headEnd type="none" w="med" len="med"/>
-                      <a:tailEnd type="none" w="med" len="med"/>
-                    </a:lnL>
-                    <a:lnR w="6350" cap="flat" cmpd="sng" algn="ctr">
-                      <a:solidFill>
-                        <a:srgbClr val="000000"/>
-                      </a:solidFill>
-                      <a:prstDash val="solid"/>
-                      <a:round/>
-                      <a:headEnd type="none" w="med" len="med"/>
-                      <a:tailEnd type="none" w="med" len="med"/>
-                    </a:lnR>
-                    <a:lnT w="6350" cap="flat" cmpd="sng" algn="ctr">
-                      <a:solidFill>
-                        <a:srgbClr val="000000"/>
-                      </a:solidFill>
-                      <a:prstDash val="solid"/>
-                      <a:round/>
-                      <a:headEnd type="none" w="med" len="med"/>
-                      <a:tailEnd type="none" w="med" len="med"/>
-                    </a:lnT>
-                    <a:lnB w="6350" cap="flat" cmpd="sng" algn="ctr">
-                      <a:solidFill>
-                        <a:srgbClr val="000000"/>
-                      </a:solidFill>
-                      <a:prstDash val="solid"/>
-                      <a:round/>
-                      <a:headEnd type="none" w="med" len="med"/>
-                      <a:tailEnd type="none" w="med" len="med"/>
-                    </a:lnB>
-                  </a:tcPr>
-                </a:tc>
-                <a:tc>
-                  <a:txBody>
-                    <a:bodyPr/>
-                    <a:lstStyle/>
-                    <a:p>
-                      <a:pPr algn="l" fontAlgn="b"/>
-                      <a:r>
-                        <a:rPr lang="en-GB" sz="1000" b="0" i="0" u="none" strike="noStrike">
-                          <a:solidFill>
-                            <a:srgbClr val="000000"/>
-                          </a:solidFill>
-                          <a:effectLst/>
-                          <a:latin typeface="Calibri" panose="020F0502020204030204" pitchFamily="34" charset="0"/>
-                        </a:rPr>
-                        <a:t> </a:t>
-                      </a:r>
-                    </a:p>
-                  </a:txBody>
-                  <a:tcPr marL="8703" marR="8703" marT="8703" marB="0">
+                        <a:rPr lang="en-GB" sz="1050" b="0" i="0" u="none" strike="noStrike">
+                          <a:solidFill>
+                            <a:srgbClr val="000000"/>
+                          </a:solidFill>
+                          <a:effectLst/>
+                          <a:latin typeface="Calibri" panose="020F0502020204030204" pitchFamily="34" charset="0"/>
+                        </a:rPr>
+                        <a:t>574</a:t>
+                      </a:r>
+                    </a:p>
+                  </a:txBody>
+                  <a:tcPr marL="9525" marR="9525" marT="9525" marB="0">
+                    <a:lnL w="6350" cap="flat" cmpd="sng" algn="ctr">
+                      <a:solidFill>
+                        <a:srgbClr val="000000"/>
+                      </a:solidFill>
+                      <a:prstDash val="solid"/>
+                      <a:round/>
+                      <a:headEnd type="none" w="med" len="med"/>
+                      <a:tailEnd type="none" w="med" len="med"/>
+                    </a:lnL>
+                    <a:lnR w="6350" cap="flat" cmpd="sng" algn="ctr">
+                      <a:solidFill>
+                        <a:srgbClr val="000000"/>
+                      </a:solidFill>
+                      <a:prstDash val="solid"/>
+                      <a:round/>
+                      <a:headEnd type="none" w="med" len="med"/>
+                      <a:tailEnd type="none" w="med" len="med"/>
+                    </a:lnR>
+                    <a:lnT w="6350" cap="flat" cmpd="sng" algn="ctr">
+                      <a:solidFill>
+                        <a:srgbClr val="000000"/>
+                      </a:solidFill>
+                      <a:prstDash val="solid"/>
+                      <a:round/>
+                      <a:headEnd type="none" w="med" len="med"/>
+                      <a:tailEnd type="none" w="med" len="med"/>
+                    </a:lnT>
+                    <a:lnB w="6350" cap="flat" cmpd="sng" algn="ctr">
+                      <a:solidFill>
+                        <a:srgbClr val="000000"/>
+                      </a:solidFill>
+                      <a:prstDash val="solid"/>
+                      <a:round/>
+                      <a:headEnd type="none" w="med" len="med"/>
+                      <a:tailEnd type="none" w="med" len="med"/>
+                    </a:lnB>
+                  </a:tcPr>
+                </a:tc>
+                <a:tc>
+                  <a:txBody>
+                    <a:bodyPr/>
+                    <a:lstStyle/>
+                    <a:p>
+                      <a:pPr algn="r" fontAlgn="b"/>
+                      <a:r>
+                        <a:rPr lang="en-GB" sz="1050" b="0" i="0" u="none" strike="noStrike" dirty="0">
+                          <a:solidFill>
+                            <a:srgbClr val="000000"/>
+                          </a:solidFill>
+                          <a:effectLst/>
+                          <a:latin typeface="Calibri" panose="020F0502020204030204" pitchFamily="34" charset="0"/>
+                        </a:rPr>
+                        <a:t>462</a:t>
+                      </a:r>
+                    </a:p>
+                  </a:txBody>
+                  <a:tcPr marL="9525" marR="9525" marT="9525" marB="0">
                     <a:lnL w="6350" cap="flat" cmpd="sng" algn="ctr">
                       <a:solidFill>
                         <a:srgbClr val="000000"/>
@@ -9568,7 +9568,7 @@
                     <a:p>
                       <a:pPr algn="l" fontAlgn="ctr"/>
                       <a:r>
-                        <a:rPr lang="en-GB" sz="1000" b="0" i="0" u="none" strike="noStrike" dirty="0">
+                        <a:rPr lang="en-GB" sz="1050" b="0" i="0" u="none" strike="noStrike" dirty="0">
                           <a:solidFill>
                             <a:srgbClr val="000000"/>
                           </a:solidFill>
@@ -9628,7 +9628,7 @@
                     <a:p>
                       <a:pPr algn="ctr" fontAlgn="b"/>
                       <a:r>
-                        <a:rPr lang="en-GB" sz="1000" b="0" i="0" u="none" strike="noStrike">
+                        <a:rPr lang="en-GB" sz="1050" b="0" i="0" u="none" strike="noStrike" dirty="0">
                           <a:solidFill>
                             <a:srgbClr val="000000"/>
                           </a:solidFill>
@@ -9875,7 +9875,7 @@
                     <a:p>
                       <a:pPr algn="ctr" fontAlgn="t"/>
                       <a:r>
-                        <a:rPr lang="en-GB" sz="1000" b="0" i="0" u="none" strike="noStrike" dirty="0">
+                        <a:rPr lang="en-GB" sz="1050" b="0" i="0" u="none" strike="noStrike" dirty="0">
                           <a:solidFill>
                             <a:srgbClr val="000000"/>
                           </a:solidFill>
@@ -9935,7 +9935,7 @@
                     <a:p>
                       <a:pPr algn="ctr" fontAlgn="t"/>
                       <a:r>
-                        <a:rPr lang="en-GB" sz="1000" b="0" i="0" u="none" strike="noStrike" dirty="0">
+                        <a:rPr lang="en-GB" sz="1050" b="0" i="0" u="none" strike="noStrike" dirty="0">
                           <a:solidFill>
                             <a:srgbClr val="000000"/>
                           </a:solidFill>
@@ -9995,7 +9995,7 @@
                     <a:p>
                       <a:pPr algn="ctr" fontAlgn="t"/>
                       <a:r>
-                        <a:rPr lang="en-GB" sz="1000" b="0" i="0" u="none" strike="noStrike" dirty="0">
+                        <a:rPr lang="en-GB" sz="1050" b="0" i="0" u="none" strike="noStrike" dirty="0">
                           <a:solidFill>
                             <a:srgbClr val="000000"/>
                           </a:solidFill>
@@ -10055,7 +10055,7 @@
                     <a:p>
                       <a:pPr algn="ctr" fontAlgn="t"/>
                       <a:r>
-                        <a:rPr lang="en-GB" sz="1000" b="0" i="0" u="none" strike="noStrike">
+                        <a:rPr lang="en-GB" sz="1050" b="0" i="0" u="none" strike="noStrike">
                           <a:solidFill>
                             <a:srgbClr val="000000"/>
                           </a:solidFill>
@@ -10115,7 +10115,7 @@
                     <a:p>
                       <a:pPr algn="ctr" fontAlgn="t"/>
                       <a:r>
-                        <a:rPr lang="en-GB" sz="1000" b="0" i="0" u="none" strike="noStrike" dirty="0">
+                        <a:rPr lang="en-GB" sz="1050" b="0" i="0" u="none" strike="noStrike" dirty="0">
                           <a:solidFill>
                             <a:srgbClr val="000000"/>
                           </a:solidFill>
@@ -10175,7 +10175,7 @@
                     <a:p>
                       <a:pPr algn="ctr" fontAlgn="t"/>
                       <a:r>
-                        <a:rPr lang="en-GB" sz="1000" b="0" i="0" u="none" strike="noStrike" dirty="0">
+                        <a:rPr lang="en-GB" sz="1050" b="0" i="0" u="none" strike="noStrike" dirty="0">
                           <a:solidFill>
                             <a:srgbClr val="000000"/>
                           </a:solidFill>
@@ -10235,7 +10235,7 @@
                     <a:p>
                       <a:pPr algn="ctr" fontAlgn="t"/>
                       <a:r>
-                        <a:rPr lang="en-GB" sz="1000" b="0" i="0" u="none" strike="noStrike">
+                        <a:rPr lang="en-GB" sz="1050" b="0" i="0" u="none" strike="noStrike">
                           <a:solidFill>
                             <a:srgbClr val="000000"/>
                           </a:solidFill>
@@ -10295,7 +10295,7 @@
                     <a:p>
                       <a:pPr algn="ctr" fontAlgn="t"/>
                       <a:r>
-                        <a:rPr lang="en-GB" sz="1000" b="0" i="0" u="none" strike="noStrike" dirty="0">
+                        <a:rPr lang="en-GB" sz="1050" b="0" i="0" u="none" strike="noStrike" dirty="0">
                           <a:solidFill>
                             <a:srgbClr val="000000"/>
                           </a:solidFill>
@@ -10355,7 +10355,7 @@
                     <a:p>
                       <a:pPr algn="ctr" fontAlgn="t"/>
                       <a:r>
-                        <a:rPr lang="en-GB" sz="1000" b="0" i="0" u="none" strike="noStrike" dirty="0">
+                        <a:rPr lang="en-GB" sz="1050" b="0" i="0" u="none" strike="noStrike" dirty="0">
                           <a:solidFill>
                             <a:srgbClr val="000000"/>
                           </a:solidFill>
@@ -10415,7 +10415,7 @@
                     <a:p>
                       <a:pPr algn="ctr" fontAlgn="t"/>
                       <a:r>
-                        <a:rPr lang="en-GB" sz="1000" b="0" i="0" u="none" strike="noStrike" dirty="0">
+                        <a:rPr lang="en-GB" sz="1050" b="0" i="0" u="none" strike="noStrike" dirty="0">
                           <a:solidFill>
                             <a:srgbClr val="000000"/>
                           </a:solidFill>
@@ -10475,7 +10475,7 @@
                     <a:p>
                       <a:pPr algn="ctr" fontAlgn="t"/>
                       <a:r>
-                        <a:rPr lang="en-GB" sz="1000" b="0" i="0" u="none" strike="noStrike" dirty="0">
+                        <a:rPr lang="en-GB" sz="1050" b="0" i="0" u="none" strike="noStrike" dirty="0">
                           <a:solidFill>
                             <a:srgbClr val="000000"/>
                           </a:solidFill>
@@ -10535,7 +10535,7 @@
                     <a:p>
                       <a:pPr algn="ctr" fontAlgn="t"/>
                       <a:r>
-                        <a:rPr lang="en-GB" sz="1000" b="0" i="0" u="none" strike="noStrike">
+                        <a:rPr lang="en-GB" sz="1050" b="0" i="0" u="none" strike="noStrike">
                           <a:solidFill>
                             <a:srgbClr val="000000"/>
                           </a:solidFill>
@@ -10595,7 +10595,7 @@
                     <a:p>
                       <a:pPr algn="ctr" fontAlgn="t"/>
                       <a:r>
-                        <a:rPr lang="en-GB" sz="1000" b="0" i="0" u="none" strike="noStrike" dirty="0">
+                        <a:rPr lang="en-GB" sz="1050" b="0" i="0" u="none" strike="noStrike" dirty="0">
                           <a:solidFill>
                             <a:srgbClr val="000000"/>
                           </a:solidFill>
@@ -10655,7 +10655,7 @@
                     <a:p>
                       <a:pPr algn="ctr" fontAlgn="t"/>
                       <a:r>
-                        <a:rPr lang="en-GB" sz="1000" b="0" i="0" u="none" strike="noStrike">
+                        <a:rPr lang="en-GB" sz="1050" b="0" i="0" u="none" strike="noStrike">
                           <a:solidFill>
                             <a:srgbClr val="000000"/>
                           </a:solidFill>
@@ -10715,7 +10715,7 @@
                     <a:p>
                       <a:pPr algn="ctr" fontAlgn="t"/>
                       <a:r>
-                        <a:rPr lang="en-GB" sz="1000" b="0" i="0" u="none" strike="noStrike" dirty="0">
+                        <a:rPr lang="en-GB" sz="1050" b="0" i="0" u="none" strike="noStrike" dirty="0">
                           <a:solidFill>
                             <a:srgbClr val="000000"/>
                           </a:solidFill>
@@ -10775,7 +10775,7 @@
                     <a:p>
                       <a:pPr algn="ctr" fontAlgn="t"/>
                       <a:r>
-                        <a:rPr lang="en-GB" sz="1000" b="0" i="0" u="none" strike="noStrike" dirty="0">
+                        <a:rPr lang="en-GB" sz="1050" b="0" i="0" u="none" strike="noStrike" dirty="0">
                           <a:solidFill>
                             <a:srgbClr val="000000"/>
                           </a:solidFill>
@@ -10835,7 +10835,7 @@
                     <a:p>
                       <a:pPr algn="ctr" fontAlgn="t"/>
                       <a:r>
-                        <a:rPr lang="en-GB" sz="1000" b="0" i="0" u="none" strike="noStrike" dirty="0">
+                        <a:rPr lang="en-GB" sz="1050" b="0" i="0" u="none" strike="noStrike" dirty="0">
                           <a:solidFill>
                             <a:srgbClr val="000000"/>
                           </a:solidFill>
@@ -10895,7 +10895,7 @@
                     <a:p>
                       <a:pPr algn="ctr" fontAlgn="t"/>
                       <a:r>
-                        <a:rPr lang="en-GB" sz="1000" b="0" i="0" u="none" strike="noStrike" dirty="0">
+                        <a:rPr lang="en-GB" sz="1050" b="0" i="0" u="none" strike="noStrike" dirty="0">
                           <a:solidFill>
                             <a:srgbClr val="000000"/>
                           </a:solidFill>
@@ -10962,7 +10962,7 @@
                     <a:p>
                       <a:pPr algn="l" fontAlgn="ctr"/>
                       <a:r>
-                        <a:rPr lang="en-GB" sz="1000" b="0" i="0" u="none" strike="noStrike">
+                        <a:rPr lang="en-GB" sz="1050" b="0" i="0" u="none" strike="noStrike">
                           <a:solidFill>
                             <a:srgbClr val="000000"/>
                           </a:solidFill>
@@ -11022,7 +11022,7 @@
                     <a:p>
                       <a:pPr algn="l" fontAlgn="b"/>
                       <a:r>
-                        <a:rPr lang="en-GB" sz="1000" b="0" i="0" u="none" strike="noStrike">
+                        <a:rPr lang="en-GB" sz="1050" b="0" i="0" u="none" strike="noStrike">
                           <a:solidFill>
                             <a:srgbClr val="000000"/>
                           </a:solidFill>
@@ -11082,7 +11082,7 @@
                     <a:p>
                       <a:pPr algn="l" fontAlgn="b"/>
                       <a:r>
-                        <a:rPr lang="en-GB" sz="1000" b="0" i="0" u="none" strike="noStrike">
+                        <a:rPr lang="en-GB" sz="1050" b="0" i="0" u="none" strike="noStrike">
                           <a:solidFill>
                             <a:srgbClr val="000000"/>
                           </a:solidFill>
@@ -11142,7 +11142,7 @@
                     <a:p>
                       <a:pPr algn="l" fontAlgn="b"/>
                       <a:r>
-                        <a:rPr lang="en-GB" sz="1000" b="0" i="0" u="none" strike="noStrike">
+                        <a:rPr lang="en-GB" sz="1050" b="0" i="0" u="none" strike="noStrike">
                           <a:solidFill>
                             <a:srgbClr val="000000"/>
                           </a:solidFill>
@@ -11202,7 +11202,7 @@
                     <a:p>
                       <a:pPr algn="l" fontAlgn="b"/>
                       <a:r>
-                        <a:rPr lang="en-GB" sz="1000" b="0" i="0" u="none" strike="noStrike">
+                        <a:rPr lang="en-GB" sz="1050" b="0" i="0" u="none" strike="noStrike">
                           <a:solidFill>
                             <a:srgbClr val="000000"/>
                           </a:solidFill>
@@ -11262,7 +11262,7 @@
                     <a:p>
                       <a:pPr algn="l" fontAlgn="b"/>
                       <a:r>
-                        <a:rPr lang="en-GB" sz="1000" b="0" i="0" u="none" strike="noStrike">
+                        <a:rPr lang="en-GB" sz="1050" b="0" i="0" u="none" strike="noStrike">
                           <a:solidFill>
                             <a:srgbClr val="000000"/>
                           </a:solidFill>
@@ -11322,7 +11322,7 @@
                     <a:p>
                       <a:pPr algn="l" fontAlgn="b"/>
                       <a:r>
-                        <a:rPr lang="en-GB" sz="1000" b="0" i="0" u="none" strike="noStrike">
+                        <a:rPr lang="en-GB" sz="1050" b="0" i="0" u="none" strike="noStrike">
                           <a:solidFill>
                             <a:srgbClr val="000000"/>
                           </a:solidFill>
@@ -11382,7 +11382,7 @@
                     <a:p>
                       <a:pPr algn="l" fontAlgn="b"/>
                       <a:r>
-                        <a:rPr lang="en-GB" sz="1000" b="0" i="0" u="none" strike="noStrike">
+                        <a:rPr lang="en-GB" sz="1050" b="0" i="0" u="none" strike="noStrike">
                           <a:solidFill>
                             <a:srgbClr val="000000"/>
                           </a:solidFill>
@@ -11442,7 +11442,7 @@
                     <a:p>
                       <a:pPr algn="l" fontAlgn="b"/>
                       <a:r>
-                        <a:rPr lang="en-GB" sz="1000" b="0" i="0" u="none" strike="noStrike">
+                        <a:rPr lang="en-GB" sz="1050" b="0" i="0" u="none" strike="noStrike">
                           <a:solidFill>
                             <a:srgbClr val="000000"/>
                           </a:solidFill>
@@ -11502,7 +11502,7 @@
                     <a:p>
                       <a:pPr algn="l" fontAlgn="b"/>
                       <a:r>
-                        <a:rPr lang="en-GB" sz="1000" b="0" i="0" u="none" strike="noStrike">
+                        <a:rPr lang="en-GB" sz="1050" b="0" i="0" u="none" strike="noStrike">
                           <a:solidFill>
                             <a:srgbClr val="000000"/>
                           </a:solidFill>
@@ -11562,7 +11562,7 @@
                     <a:p>
                       <a:pPr algn="l" fontAlgn="b"/>
                       <a:r>
-                        <a:rPr lang="en-GB" sz="1000" b="0" i="0" u="none" strike="noStrike">
+                        <a:rPr lang="en-GB" sz="1050" b="0" i="0" u="none" strike="noStrike">
                           <a:solidFill>
                             <a:srgbClr val="000000"/>
                           </a:solidFill>
@@ -11622,7 +11622,7 @@
                     <a:p>
                       <a:pPr algn="l" fontAlgn="b"/>
                       <a:r>
-                        <a:rPr lang="en-GB" sz="1000" b="0" i="0" u="none" strike="noStrike">
+                        <a:rPr lang="en-GB" sz="1050" b="0" i="0" u="none" strike="noStrike">
                           <a:solidFill>
                             <a:srgbClr val="000000"/>
                           </a:solidFill>
@@ -11682,7 +11682,7 @@
                     <a:p>
                       <a:pPr algn="r" fontAlgn="b"/>
                       <a:r>
-                        <a:rPr lang="en-GB" sz="1000" b="0" i="0" u="none" strike="noStrike">
+                        <a:rPr lang="en-GB" sz="1050" b="0" i="0" u="none" strike="noStrike">
                           <a:solidFill>
                             <a:srgbClr val="000000"/>
                           </a:solidFill>
@@ -11693,7 +11693,7 @@
                       </a:r>
                     </a:p>
                   </a:txBody>
-                  <a:tcPr marL="8703" marR="8703" marT="8703" marB="0">
+                  <a:tcPr marL="9525" marR="9525" marT="9525" marB="0">
                     <a:lnL w="6350" cap="flat" cmpd="sng" algn="ctr">
                       <a:solidFill>
                         <a:srgbClr val="000000"/>
@@ -11742,7 +11742,7 @@
                     <a:p>
                       <a:pPr algn="r" fontAlgn="b"/>
                       <a:r>
-                        <a:rPr lang="en-GB" sz="1000" b="0" i="0" u="none" strike="noStrike">
+                        <a:rPr lang="en-GB" sz="1050" b="0" i="0" u="none" strike="noStrike">
                           <a:solidFill>
                             <a:srgbClr val="000000"/>
                           </a:solidFill>
@@ -11753,7 +11753,7 @@
                       </a:r>
                     </a:p>
                   </a:txBody>
-                  <a:tcPr marL="8703" marR="8703" marT="8703" marB="0">
+                  <a:tcPr marL="9525" marR="9525" marT="9525" marB="0">
                     <a:lnL w="6350" cap="flat" cmpd="sng" algn="ctr">
                       <a:solidFill>
                         <a:srgbClr val="000000"/>
@@ -11802,7 +11802,7 @@
                     <a:p>
                       <a:pPr algn="r" fontAlgn="b"/>
                       <a:r>
-                        <a:rPr lang="en-GB" sz="1000" b="0" i="0" u="none" strike="noStrike">
+                        <a:rPr lang="en-GB" sz="1050" b="0" i="0" u="none" strike="noStrike">
                           <a:solidFill>
                             <a:srgbClr val="000000"/>
                           </a:solidFill>
@@ -11813,7 +11813,7 @@
                       </a:r>
                     </a:p>
                   </a:txBody>
-                  <a:tcPr marL="8703" marR="8703" marT="8703" marB="0">
+                  <a:tcPr marL="9525" marR="9525" marT="9525" marB="0">
                     <a:lnL w="6350" cap="flat" cmpd="sng" algn="ctr">
                       <a:solidFill>
                         <a:srgbClr val="000000"/>
@@ -11862,18 +11862,18 @@
                     <a:p>
                       <a:pPr algn="r" fontAlgn="b"/>
                       <a:r>
-                        <a:rPr lang="en-GB" sz="1000" b="0" i="0" u="none" strike="noStrike">
-                          <a:solidFill>
-                            <a:srgbClr val="000000"/>
-                          </a:solidFill>
-                          <a:effectLst/>
-                          <a:latin typeface="Calibri" panose="020F0502020204030204" pitchFamily="34" charset="0"/>
-                        </a:rPr>
-                        <a:t>22</a:t>
-                      </a:r>
-                    </a:p>
-                  </a:txBody>
-                  <a:tcPr marL="8703" marR="8703" marT="8703" marB="0">
+                        <a:rPr lang="en-GB" sz="1050" b="0" i="0" u="none" strike="noStrike">
+                          <a:solidFill>
+                            <a:srgbClr val="000000"/>
+                          </a:solidFill>
+                          <a:effectLst/>
+                          <a:latin typeface="Calibri" panose="020F0502020204030204" pitchFamily="34" charset="0"/>
+                        </a:rPr>
+                        <a:t>21</a:t>
+                      </a:r>
+                    </a:p>
+                  </a:txBody>
+                  <a:tcPr marL="9525" marR="9525" marT="9525" marB="0">
                     <a:lnL w="6350" cap="flat" cmpd="sng" algn="ctr">
                       <a:solidFill>
                         <a:srgbClr val="000000"/>
@@ -11922,18 +11922,18 @@
                     <a:p>
                       <a:pPr algn="r" fontAlgn="b"/>
                       <a:r>
-                        <a:rPr lang="en-GB" sz="1000" b="0" i="0" u="none" strike="noStrike">
-                          <a:solidFill>
-                            <a:srgbClr val="000000"/>
-                          </a:solidFill>
-                          <a:effectLst/>
-                          <a:latin typeface="Calibri" panose="020F0502020204030204" pitchFamily="34" charset="0"/>
-                        </a:rPr>
-                        <a:t>24</a:t>
-                      </a:r>
-                    </a:p>
-                  </a:txBody>
-                  <a:tcPr marL="8703" marR="8703" marT="8703" marB="0">
+                        <a:rPr lang="en-GB" sz="1050" b="0" i="0" u="none" strike="noStrike">
+                          <a:solidFill>
+                            <a:srgbClr val="000000"/>
+                          </a:solidFill>
+                          <a:effectLst/>
+                          <a:latin typeface="Calibri" panose="020F0502020204030204" pitchFamily="34" charset="0"/>
+                        </a:rPr>
+                        <a:t>25</a:t>
+                      </a:r>
+                    </a:p>
+                  </a:txBody>
+                  <a:tcPr marL="9525" marR="9525" marT="9525" marB="0">
                     <a:lnL w="6350" cap="flat" cmpd="sng" algn="ctr">
                       <a:solidFill>
                         <a:srgbClr val="000000"/>
@@ -11982,18 +11982,18 @@
                     <a:p>
                       <a:pPr algn="r" fontAlgn="b"/>
                       <a:r>
-                        <a:rPr lang="en-GB" sz="1000" b="0" i="0" u="none" strike="noStrike">
-                          <a:solidFill>
-                            <a:srgbClr val="000000"/>
-                          </a:solidFill>
-                          <a:effectLst/>
-                          <a:latin typeface="Calibri" panose="020F0502020204030204" pitchFamily="34" charset="0"/>
-                        </a:rPr>
-                        <a:t>17</a:t>
-                      </a:r>
-                    </a:p>
-                  </a:txBody>
-                  <a:tcPr marL="8703" marR="8703" marT="8703" marB="0">
+                        <a:rPr lang="en-GB" sz="1050" b="0" i="0" u="none" strike="noStrike">
+                          <a:solidFill>
+                            <a:srgbClr val="000000"/>
+                          </a:solidFill>
+                          <a:effectLst/>
+                          <a:latin typeface="Calibri" panose="020F0502020204030204" pitchFamily="34" charset="0"/>
+                        </a:rPr>
+                        <a:t>19</a:t>
+                      </a:r>
+                    </a:p>
+                  </a:txBody>
+                  <a:tcPr marL="9525" marR="9525" marT="9525" marB="0">
                     <a:lnL w="6350" cap="flat" cmpd="sng" algn="ctr">
                       <a:solidFill>
                         <a:srgbClr val="000000"/>
@@ -12040,20 +12040,20 @@
                     <a:bodyPr/>
                     <a:lstStyle/>
                     <a:p>
-                      <a:pPr algn="l" fontAlgn="b"/>
-                      <a:r>
-                        <a:rPr lang="en-GB" sz="1000" b="0" i="0" u="none" strike="noStrike">
-                          <a:solidFill>
-                            <a:srgbClr val="000000"/>
-                          </a:solidFill>
-                          <a:effectLst/>
-                          <a:latin typeface="Calibri" panose="020F0502020204030204" pitchFamily="34" charset="0"/>
-                        </a:rPr>
-                        <a:t> </a:t>
-                      </a:r>
-                    </a:p>
-                  </a:txBody>
-                  <a:tcPr marL="8703" marR="8703" marT="8703" marB="0">
+                      <a:pPr algn="r" fontAlgn="b"/>
+                      <a:r>
+                        <a:rPr lang="en-GB" sz="1050" b="0" i="0" u="none" strike="noStrike">
+                          <a:solidFill>
+                            <a:srgbClr val="000000"/>
+                          </a:solidFill>
+                          <a:effectLst/>
+                          <a:latin typeface="Calibri" panose="020F0502020204030204" pitchFamily="34" charset="0"/>
+                        </a:rPr>
+                        <a:t>14</a:t>
+                      </a:r>
+                    </a:p>
+                  </a:txBody>
+                  <a:tcPr marL="9525" marR="9525" marT="9525" marB="0">
                     <a:lnL w="6350" cap="flat" cmpd="sng" algn="ctr">
                       <a:solidFill>
                         <a:srgbClr val="000000"/>
@@ -12109,7 +12109,7 @@
                     <a:p>
                       <a:pPr algn="l" fontAlgn="ctr"/>
                       <a:r>
-                        <a:rPr lang="en-GB" sz="1000" b="0" i="0" u="none" strike="noStrike">
+                        <a:rPr lang="en-GB" sz="1050" b="0" i="0" u="none" strike="noStrike">
                           <a:solidFill>
                             <a:srgbClr val="000000"/>
                           </a:solidFill>
@@ -12169,7 +12169,7 @@
                     <a:p>
                       <a:pPr algn="l" fontAlgn="b"/>
                       <a:r>
-                        <a:rPr lang="en-GB" sz="1000" b="0" i="0" u="none" strike="noStrike">
+                        <a:rPr lang="en-GB" sz="1050" b="0" i="0" u="none" strike="noStrike">
                           <a:solidFill>
                             <a:srgbClr val="000000"/>
                           </a:solidFill>
@@ -12229,7 +12229,7 @@
                     <a:p>
                       <a:pPr algn="l" fontAlgn="b"/>
                       <a:r>
-                        <a:rPr lang="en-GB" sz="1000" b="0" i="0" u="none" strike="noStrike">
+                        <a:rPr lang="en-GB" sz="1050" b="0" i="0" u="none" strike="noStrike">
                           <a:solidFill>
                             <a:srgbClr val="000000"/>
                           </a:solidFill>
@@ -12289,7 +12289,7 @@
                     <a:p>
                       <a:pPr algn="l" fontAlgn="b"/>
                       <a:r>
-                        <a:rPr lang="en-GB" sz="1000" b="0" i="0" u="none" strike="noStrike">
+                        <a:rPr lang="en-GB" sz="1050" b="0" i="0" u="none" strike="noStrike">
                           <a:solidFill>
                             <a:srgbClr val="000000"/>
                           </a:solidFill>
@@ -12349,7 +12349,7 @@
                     <a:p>
                       <a:pPr algn="l" fontAlgn="b"/>
                       <a:r>
-                        <a:rPr lang="en-GB" sz="1000" b="0" i="0" u="none" strike="noStrike">
+                        <a:rPr lang="en-GB" sz="1050" b="0" i="0" u="none" strike="noStrike">
                           <a:solidFill>
                             <a:srgbClr val="000000"/>
                           </a:solidFill>
@@ -12409,7 +12409,7 @@
                     <a:p>
                       <a:pPr algn="l" fontAlgn="b"/>
                       <a:r>
-                        <a:rPr lang="en-GB" sz="1000" b="0" i="0" u="none" strike="noStrike" dirty="0">
+                        <a:rPr lang="en-GB" sz="1050" b="0" i="0" u="none" strike="noStrike" dirty="0">
                           <a:solidFill>
                             <a:srgbClr val="000000"/>
                           </a:solidFill>
@@ -12469,7 +12469,7 @@
                     <a:p>
                       <a:pPr algn="l" fontAlgn="b"/>
                       <a:r>
-                        <a:rPr lang="en-GB" sz="1000" b="0" i="0" u="none" strike="noStrike">
+                        <a:rPr lang="en-GB" sz="1050" b="0" i="0" u="none" strike="noStrike">
                           <a:solidFill>
                             <a:srgbClr val="000000"/>
                           </a:solidFill>
@@ -12529,7 +12529,7 @@
                     <a:p>
                       <a:pPr algn="l" fontAlgn="b"/>
                       <a:r>
-                        <a:rPr lang="en-GB" sz="1000" b="0" i="0" u="none" strike="noStrike">
+                        <a:rPr lang="en-GB" sz="1050" b="0" i="0" u="none" strike="noStrike">
                           <a:solidFill>
                             <a:srgbClr val="000000"/>
                           </a:solidFill>
@@ -12589,7 +12589,7 @@
                     <a:p>
                       <a:pPr algn="l" fontAlgn="b"/>
                       <a:r>
-                        <a:rPr lang="en-GB" sz="1000" b="0" i="0" u="none" strike="noStrike">
+                        <a:rPr lang="en-GB" sz="1050" b="0" i="0" u="none" strike="noStrike">
                           <a:solidFill>
                             <a:srgbClr val="000000"/>
                           </a:solidFill>
@@ -12649,7 +12649,7 @@
                     <a:p>
                       <a:pPr algn="l" fontAlgn="b"/>
                       <a:r>
-                        <a:rPr lang="en-GB" sz="1000" b="0" i="0" u="none" strike="noStrike">
+                        <a:rPr lang="en-GB" sz="1050" b="0" i="0" u="none" strike="noStrike">
                           <a:solidFill>
                             <a:srgbClr val="000000"/>
                           </a:solidFill>
@@ -12709,7 +12709,7 @@
                     <a:p>
                       <a:pPr algn="l" fontAlgn="b"/>
                       <a:r>
-                        <a:rPr lang="en-GB" sz="1000" b="0" i="0" u="none" strike="noStrike">
+                        <a:rPr lang="en-GB" sz="1050" b="0" i="0" u="none" strike="noStrike">
                           <a:solidFill>
                             <a:srgbClr val="000000"/>
                           </a:solidFill>
@@ -12769,7 +12769,7 @@
                     <a:p>
                       <a:pPr algn="l" fontAlgn="b"/>
                       <a:r>
-                        <a:rPr lang="en-GB" sz="1000" b="0" i="0" u="none" strike="noStrike">
+                        <a:rPr lang="en-GB" sz="1050" b="0" i="0" u="none" strike="noStrike">
                           <a:solidFill>
                             <a:srgbClr val="000000"/>
                           </a:solidFill>
@@ -12829,7 +12829,7 @@
                     <a:p>
                       <a:pPr algn="r" fontAlgn="b"/>
                       <a:r>
-                        <a:rPr lang="en-GB" sz="1000" b="0" i="0" u="none" strike="noStrike">
+                        <a:rPr lang="en-GB" sz="1050" b="0" i="0" u="none" strike="noStrike">
                           <a:solidFill>
                             <a:srgbClr val="000000"/>
                           </a:solidFill>
@@ -12840,7 +12840,7 @@
                       </a:r>
                     </a:p>
                   </a:txBody>
-                  <a:tcPr marL="8703" marR="8703" marT="8703" marB="0">
+                  <a:tcPr marL="9525" marR="9525" marT="9525" marB="0">
                     <a:lnL w="6350" cap="flat" cmpd="sng" algn="ctr">
                       <a:solidFill>
                         <a:srgbClr val="000000"/>
@@ -12889,7 +12889,7 @@
                     <a:p>
                       <a:pPr algn="r" fontAlgn="b"/>
                       <a:r>
-                        <a:rPr lang="en-GB" sz="1000" b="0" i="0" u="none" strike="noStrike">
+                        <a:rPr lang="en-GB" sz="1050" b="0" i="0" u="none" strike="noStrike">
                           <a:solidFill>
                             <a:srgbClr val="000000"/>
                           </a:solidFill>
@@ -12900,7 +12900,7 @@
                       </a:r>
                     </a:p>
                   </a:txBody>
-                  <a:tcPr marL="8703" marR="8703" marT="8703" marB="0">
+                  <a:tcPr marL="9525" marR="9525" marT="9525" marB="0">
                     <a:lnL w="6350" cap="flat" cmpd="sng" algn="ctr">
                       <a:solidFill>
                         <a:srgbClr val="000000"/>
@@ -12949,7 +12949,7 @@
                     <a:p>
                       <a:pPr algn="r" fontAlgn="b"/>
                       <a:r>
-                        <a:rPr lang="en-GB" sz="1000" b="0" i="0" u="none" strike="noStrike">
+                        <a:rPr lang="en-GB" sz="1050" b="0" i="0" u="none" strike="noStrike">
                           <a:solidFill>
                             <a:srgbClr val="000000"/>
                           </a:solidFill>
@@ -12960,7 +12960,7 @@
                       </a:r>
                     </a:p>
                   </a:txBody>
-                  <a:tcPr marL="8703" marR="8703" marT="8703" marB="0">
+                  <a:tcPr marL="9525" marR="9525" marT="9525" marB="0">
                     <a:lnL w="6350" cap="flat" cmpd="sng" algn="ctr">
                       <a:solidFill>
                         <a:srgbClr val="000000"/>
@@ -13009,7 +13009,7 @@
                     <a:p>
                       <a:pPr algn="r" fontAlgn="b"/>
                       <a:r>
-                        <a:rPr lang="en-GB" sz="1000" b="0" i="0" u="none" strike="noStrike">
+                        <a:rPr lang="en-GB" sz="1050" b="0" i="0" u="none" strike="noStrike">
                           <a:solidFill>
                             <a:srgbClr val="000000"/>
                           </a:solidFill>
@@ -13020,7 +13020,7 @@
                       </a:r>
                     </a:p>
                   </a:txBody>
-                  <a:tcPr marL="8703" marR="8703" marT="8703" marB="0">
+                  <a:tcPr marL="9525" marR="9525" marT="9525" marB="0">
                     <a:lnL w="6350" cap="flat" cmpd="sng" algn="ctr">
                       <a:solidFill>
                         <a:srgbClr val="000000"/>
@@ -13069,7 +13069,7 @@
                     <a:p>
                       <a:pPr algn="r" fontAlgn="b"/>
                       <a:r>
-                        <a:rPr lang="en-GB" sz="1000" b="0" i="0" u="none" strike="noStrike">
+                        <a:rPr lang="en-GB" sz="1050" b="0" i="0" u="none" strike="noStrike">
                           <a:solidFill>
                             <a:srgbClr val="000000"/>
                           </a:solidFill>
@@ -13080,7 +13080,7 @@
                       </a:r>
                     </a:p>
                   </a:txBody>
-                  <a:tcPr marL="8703" marR="8703" marT="8703" marB="0">
+                  <a:tcPr marL="9525" marR="9525" marT="9525" marB="0">
                     <a:lnL w="6350" cap="flat" cmpd="sng" algn="ctr">
                       <a:solidFill>
                         <a:srgbClr val="000000"/>
@@ -13129,18 +13129,18 @@
                     <a:p>
                       <a:pPr algn="r" fontAlgn="b"/>
                       <a:r>
-                        <a:rPr lang="en-GB" sz="1000" b="0" i="0" u="none" strike="noStrike">
-                          <a:solidFill>
-                            <a:srgbClr val="000000"/>
-                          </a:solidFill>
-                          <a:effectLst/>
-                          <a:latin typeface="Calibri" panose="020F0502020204030204" pitchFamily="34" charset="0"/>
-                        </a:rPr>
-                        <a:t>51</a:t>
-                      </a:r>
-                    </a:p>
-                  </a:txBody>
-                  <a:tcPr marL="8703" marR="8703" marT="8703" marB="0">
+                        <a:rPr lang="en-GB" sz="1050" b="0" i="0" u="none" strike="noStrike">
+                          <a:solidFill>
+                            <a:srgbClr val="000000"/>
+                          </a:solidFill>
+                          <a:effectLst/>
+                          <a:latin typeface="Calibri" panose="020F0502020204030204" pitchFamily="34" charset="0"/>
+                        </a:rPr>
+                        <a:t>53</a:t>
+                      </a:r>
+                    </a:p>
+                  </a:txBody>
+                  <a:tcPr marL="9525" marR="9525" marT="9525" marB="0">
                     <a:lnL w="6350" cap="flat" cmpd="sng" algn="ctr">
                       <a:solidFill>
                         <a:srgbClr val="000000"/>
@@ -13187,20 +13187,20 @@
                     <a:bodyPr/>
                     <a:lstStyle/>
                     <a:p>
-                      <a:pPr algn="l" fontAlgn="b"/>
-                      <a:r>
-                        <a:rPr lang="en-GB" sz="1000" b="0" i="0" u="none" strike="noStrike">
-                          <a:solidFill>
-                            <a:srgbClr val="000000"/>
-                          </a:solidFill>
-                          <a:effectLst/>
-                          <a:latin typeface="Calibri" panose="020F0502020204030204" pitchFamily="34" charset="0"/>
-                        </a:rPr>
-                        <a:t> </a:t>
-                      </a:r>
-                    </a:p>
-                  </a:txBody>
-                  <a:tcPr marL="8703" marR="8703" marT="8703" marB="0">
+                      <a:pPr algn="r" fontAlgn="b"/>
+                      <a:r>
+                        <a:rPr lang="en-GB" sz="1050" b="0" i="0" u="none" strike="noStrike">
+                          <a:solidFill>
+                            <a:srgbClr val="000000"/>
+                          </a:solidFill>
+                          <a:effectLst/>
+                          <a:latin typeface="Calibri" panose="020F0502020204030204" pitchFamily="34" charset="0"/>
+                        </a:rPr>
+                        <a:t>36</a:t>
+                      </a:r>
+                    </a:p>
+                  </a:txBody>
+                  <a:tcPr marL="9525" marR="9525" marT="9525" marB="0">
                     <a:lnL w="6350" cap="flat" cmpd="sng" algn="ctr">
                       <a:solidFill>
                         <a:srgbClr val="000000"/>
@@ -13256,7 +13256,7 @@
                     <a:p>
                       <a:pPr algn="l" fontAlgn="ctr"/>
                       <a:r>
-                        <a:rPr lang="en-GB" sz="1000" b="1" i="0" u="none" strike="noStrike">
+                        <a:rPr lang="en-GB" sz="1050" b="1" i="0" u="none" strike="noStrike" dirty="0">
                           <a:solidFill>
                             <a:srgbClr val="000000"/>
                           </a:solidFill>
@@ -13316,7 +13316,7 @@
                     <a:p>
                       <a:pPr algn="l" fontAlgn="b"/>
                       <a:r>
-                        <a:rPr lang="en-GB" sz="1000" b="1" i="0" u="none" strike="noStrike">
+                        <a:rPr lang="en-GB" sz="1050" b="1" i="0" u="none" strike="noStrike">
                           <a:solidFill>
                             <a:srgbClr val="000000"/>
                           </a:solidFill>
@@ -13376,7 +13376,7 @@
                     <a:p>
                       <a:pPr algn="l" fontAlgn="b"/>
                       <a:r>
-                        <a:rPr lang="en-GB" sz="1000" b="1" i="0" u="none" strike="noStrike">
+                        <a:rPr lang="en-GB" sz="1050" b="1" i="0" u="none" strike="noStrike">
                           <a:solidFill>
                             <a:srgbClr val="000000"/>
                           </a:solidFill>
@@ -13436,7 +13436,7 @@
                     <a:p>
                       <a:pPr algn="l" fontAlgn="b"/>
                       <a:r>
-                        <a:rPr lang="en-GB" sz="1000" b="1" i="0" u="none" strike="noStrike">
+                        <a:rPr lang="en-GB" sz="1050" b="1" i="0" u="none" strike="noStrike" dirty="0">
                           <a:solidFill>
                             <a:srgbClr val="000000"/>
                           </a:solidFill>
@@ -13496,7 +13496,7 @@
                     <a:p>
                       <a:pPr algn="l" fontAlgn="b"/>
                       <a:r>
-                        <a:rPr lang="en-GB" sz="1000" b="1" i="0" u="none" strike="noStrike">
+                        <a:rPr lang="en-GB" sz="1050" b="1" i="0" u="none" strike="noStrike">
                           <a:solidFill>
                             <a:srgbClr val="000000"/>
                           </a:solidFill>
@@ -13556,7 +13556,7 @@
                     <a:p>
                       <a:pPr algn="l" fontAlgn="b"/>
                       <a:r>
-                        <a:rPr lang="en-GB" sz="1000" b="1" i="0" u="none" strike="noStrike">
+                        <a:rPr lang="en-GB" sz="1050" b="1" i="0" u="none" strike="noStrike" dirty="0">
                           <a:solidFill>
                             <a:srgbClr val="000000"/>
                           </a:solidFill>
@@ -13616,7 +13616,7 @@
                     <a:p>
                       <a:pPr algn="l" fontAlgn="b"/>
                       <a:r>
-                        <a:rPr lang="en-GB" sz="1000" b="1" i="0" u="none" strike="noStrike">
+                        <a:rPr lang="en-GB" sz="1050" b="1" i="0" u="none" strike="noStrike">
                           <a:solidFill>
                             <a:srgbClr val="000000"/>
                           </a:solidFill>
@@ -13676,7 +13676,7 @@
                     <a:p>
                       <a:pPr algn="l" fontAlgn="b"/>
                       <a:r>
-                        <a:rPr lang="en-GB" sz="1000" b="1" i="0" u="none" strike="noStrike">
+                        <a:rPr lang="en-GB" sz="1050" b="1" i="0" u="none" strike="noStrike" dirty="0">
                           <a:solidFill>
                             <a:srgbClr val="000000"/>
                           </a:solidFill>
@@ -13736,7 +13736,7 @@
                     <a:p>
                       <a:pPr algn="l" fontAlgn="b"/>
                       <a:r>
-                        <a:rPr lang="en-GB" sz="1000" b="1" i="0" u="none" strike="noStrike">
+                        <a:rPr lang="en-GB" sz="1050" b="1" i="0" u="none" strike="noStrike" dirty="0">
                           <a:solidFill>
                             <a:srgbClr val="000000"/>
                           </a:solidFill>
@@ -13796,7 +13796,7 @@
                     <a:p>
                       <a:pPr algn="l" fontAlgn="b"/>
                       <a:r>
-                        <a:rPr lang="en-GB" sz="1000" b="1" i="0" u="none" strike="noStrike">
+                        <a:rPr lang="en-GB" sz="1050" b="1" i="0" u="none" strike="noStrike">
                           <a:solidFill>
                             <a:srgbClr val="000000"/>
                           </a:solidFill>
@@ -13856,7 +13856,7 @@
                     <a:p>
                       <a:pPr algn="l" fontAlgn="b"/>
                       <a:r>
-                        <a:rPr lang="en-GB" sz="1000" b="1" i="0" u="none" strike="noStrike">
+                        <a:rPr lang="en-GB" sz="1050" b="1" i="0" u="none" strike="noStrike" dirty="0">
                           <a:solidFill>
                             <a:srgbClr val="000000"/>
                           </a:solidFill>
@@ -13916,7 +13916,7 @@
                     <a:p>
                       <a:pPr algn="l" fontAlgn="b"/>
                       <a:r>
-                        <a:rPr lang="en-GB" sz="1000" b="1" i="0" u="none" strike="noStrike">
+                        <a:rPr lang="en-GB" sz="1050" b="1" i="0" u="none" strike="noStrike" dirty="0">
                           <a:solidFill>
                             <a:srgbClr val="000000"/>
                           </a:solidFill>
@@ -13976,7 +13976,7 @@
                     <a:p>
                       <a:pPr algn="r" fontAlgn="b"/>
                       <a:r>
-                        <a:rPr lang="en-GB" sz="1000" b="1" i="0" u="none" strike="noStrike">
+                        <a:rPr lang="en-GB" sz="1050" b="1" i="0" u="none" strike="noStrike">
                           <a:solidFill>
                             <a:srgbClr val="000000"/>
                           </a:solidFill>
@@ -13987,7 +13987,7 @@
                       </a:r>
                     </a:p>
                   </a:txBody>
-                  <a:tcPr marL="8703" marR="8703" marT="8703" marB="0">
+                  <a:tcPr marL="9525" marR="9525" marT="9525" marB="0">
                     <a:lnL w="6350" cap="flat" cmpd="sng" algn="ctr">
                       <a:solidFill>
                         <a:srgbClr val="000000"/>
@@ -14036,7 +14036,7 @@
                     <a:p>
                       <a:pPr algn="r" fontAlgn="b"/>
                       <a:r>
-                        <a:rPr lang="en-GB" sz="1000" b="1" i="0" u="none" strike="noStrike">
+                        <a:rPr lang="en-GB" sz="1050" b="1" i="0" u="none" strike="noStrike">
                           <a:solidFill>
                             <a:srgbClr val="000000"/>
                           </a:solidFill>
@@ -14047,7 +14047,7 @@
                       </a:r>
                     </a:p>
                   </a:txBody>
-                  <a:tcPr marL="8703" marR="8703" marT="8703" marB="0">
+                  <a:tcPr marL="9525" marR="9525" marT="9525" marB="0">
                     <a:lnL w="6350" cap="flat" cmpd="sng" algn="ctr">
                       <a:solidFill>
                         <a:srgbClr val="000000"/>
@@ -14096,7 +14096,7 @@
                     <a:p>
                       <a:pPr algn="r" fontAlgn="b"/>
                       <a:r>
-                        <a:rPr lang="en-GB" sz="1000" b="1" i="0" u="none" strike="noStrike">
+                        <a:rPr lang="en-GB" sz="1050" b="1" i="0" u="none" strike="noStrike" dirty="0">
                           <a:solidFill>
                             <a:srgbClr val="000000"/>
                           </a:solidFill>
@@ -14107,7 +14107,7 @@
                       </a:r>
                     </a:p>
                   </a:txBody>
-                  <a:tcPr marL="8703" marR="8703" marT="8703" marB="0">
+                  <a:tcPr marL="9525" marR="9525" marT="9525" marB="0">
                     <a:lnL w="6350" cap="flat" cmpd="sng" algn="ctr">
                       <a:solidFill>
                         <a:srgbClr val="000000"/>
@@ -14156,7 +14156,7 @@
                     <a:p>
                       <a:pPr algn="r" fontAlgn="b"/>
                       <a:r>
-                        <a:rPr lang="en-GB" sz="1000" b="1" i="0" u="none" strike="noStrike">
+                        <a:rPr lang="en-GB" sz="1050" b="1" i="0" u="none" strike="noStrike" dirty="0">
                           <a:solidFill>
                             <a:srgbClr val="000000"/>
                           </a:solidFill>
@@ -14167,7 +14167,7 @@
                       </a:r>
                     </a:p>
                   </a:txBody>
-                  <a:tcPr marL="8703" marR="8703" marT="8703" marB="0">
+                  <a:tcPr marL="9525" marR="9525" marT="9525" marB="0">
                     <a:lnL w="6350" cap="flat" cmpd="sng" algn="ctr">
                       <a:solidFill>
                         <a:srgbClr val="000000"/>
@@ -14216,18 +14216,18 @@
                     <a:p>
                       <a:pPr algn="r" fontAlgn="b"/>
                       <a:r>
-                        <a:rPr lang="en-GB" sz="1000" b="1" i="0" u="none" strike="noStrike">
-                          <a:solidFill>
-                            <a:srgbClr val="000000"/>
-                          </a:solidFill>
-                          <a:effectLst/>
-                          <a:latin typeface="Calibri" panose="020F0502020204030204" pitchFamily="34" charset="0"/>
-                        </a:rPr>
-                        <a:t>87</a:t>
-                      </a:r>
-                    </a:p>
-                  </a:txBody>
-                  <a:tcPr marL="8703" marR="8703" marT="8703" marB="0">
+                        <a:rPr lang="en-GB" sz="1050" b="1" i="0" u="none" strike="noStrike" dirty="0">
+                          <a:solidFill>
+                            <a:srgbClr val="000000"/>
+                          </a:solidFill>
+                          <a:effectLst/>
+                          <a:latin typeface="Calibri" panose="020F0502020204030204" pitchFamily="34" charset="0"/>
+                        </a:rPr>
+                        <a:t>88</a:t>
+                      </a:r>
+                    </a:p>
+                  </a:txBody>
+                  <a:tcPr marL="9525" marR="9525" marT="9525" marB="0">
                     <a:lnL w="6350" cap="flat" cmpd="sng" algn="ctr">
                       <a:solidFill>
                         <a:srgbClr val="000000"/>
@@ -14276,18 +14276,18 @@
                     <a:p>
                       <a:pPr algn="r" fontAlgn="b"/>
                       <a:r>
-                        <a:rPr lang="en-GB" sz="1000" b="1" i="0" u="none" strike="noStrike">
-                          <a:solidFill>
-                            <a:srgbClr val="000000"/>
-                          </a:solidFill>
-                          <a:effectLst/>
-                          <a:latin typeface="Calibri" panose="020F0502020204030204" pitchFamily="34" charset="0"/>
-                        </a:rPr>
-                        <a:t>97</a:t>
-                      </a:r>
-                    </a:p>
-                  </a:txBody>
-                  <a:tcPr marL="8703" marR="8703" marT="8703" marB="0">
+                        <a:rPr lang="en-GB" sz="1050" b="1" i="0" u="none" strike="noStrike" dirty="0">
+                          <a:solidFill>
+                            <a:srgbClr val="000000"/>
+                          </a:solidFill>
+                          <a:effectLst/>
+                          <a:latin typeface="Calibri" panose="020F0502020204030204" pitchFamily="34" charset="0"/>
+                        </a:rPr>
+                        <a:t>110</a:t>
+                      </a:r>
+                    </a:p>
+                  </a:txBody>
+                  <a:tcPr marL="9525" marR="9525" marT="9525" marB="0">
                     <a:lnL w="6350" cap="flat" cmpd="sng" algn="ctr">
                       <a:solidFill>
                         <a:srgbClr val="000000"/>
@@ -14334,20 +14334,20 @@
                     <a:bodyPr/>
                     <a:lstStyle/>
                     <a:p>
-                      <a:pPr algn="l" fontAlgn="b"/>
-                      <a:r>
-                        <a:rPr lang="en-GB" sz="1000" b="1" i="0" u="none" strike="noStrike">
-                          <a:solidFill>
-                            <a:srgbClr val="000000"/>
-                          </a:solidFill>
-                          <a:effectLst/>
-                          <a:latin typeface="Calibri" panose="020F0502020204030204" pitchFamily="34" charset="0"/>
-                        </a:rPr>
-                        <a:t> </a:t>
-                      </a:r>
-                    </a:p>
-                  </a:txBody>
-                  <a:tcPr marL="8703" marR="8703" marT="8703" marB="0">
+                      <a:pPr algn="r" fontAlgn="b"/>
+                      <a:r>
+                        <a:rPr lang="en-GB" sz="1050" b="1" i="0" u="none" strike="noStrike" dirty="0">
+                          <a:solidFill>
+                            <a:srgbClr val="000000"/>
+                          </a:solidFill>
+                          <a:effectLst/>
+                          <a:latin typeface="Calibri" panose="020F0502020204030204" pitchFamily="34" charset="0"/>
+                        </a:rPr>
+                        <a:t>68</a:t>
+                      </a:r>
+                    </a:p>
+                  </a:txBody>
+                  <a:tcPr marL="9525" marR="9525" marT="9525" marB="0">
                     <a:lnL w="6350" cap="flat" cmpd="sng" algn="ctr">
                       <a:solidFill>
                         <a:srgbClr val="000000"/>
@@ -14403,7 +14403,7 @@
                     <a:p>
                       <a:pPr algn="l" fontAlgn="ctr"/>
                       <a:r>
-                        <a:rPr lang="en-GB" sz="1000" b="0" i="0" u="none" strike="noStrike">
+                        <a:rPr lang="en-GB" sz="1050" b="0" i="0" u="none" strike="noStrike">
                           <a:solidFill>
                             <a:srgbClr val="000000"/>
                           </a:solidFill>
@@ -14463,7 +14463,7 @@
                     <a:p>
                       <a:pPr algn="l" fontAlgn="b"/>
                       <a:r>
-                        <a:rPr lang="en-GB" sz="1000" b="0" i="0" u="none" strike="noStrike">
+                        <a:rPr lang="en-GB" sz="1050" b="0" i="0" u="none" strike="noStrike">
                           <a:solidFill>
                             <a:srgbClr val="000000"/>
                           </a:solidFill>
@@ -14523,7 +14523,7 @@
                     <a:p>
                       <a:pPr algn="l" fontAlgn="b"/>
                       <a:r>
-                        <a:rPr lang="en-GB" sz="1000" b="0" i="0" u="none" strike="noStrike">
+                        <a:rPr lang="en-GB" sz="1050" b="0" i="0" u="none" strike="noStrike">
                           <a:solidFill>
                             <a:srgbClr val="000000"/>
                           </a:solidFill>
@@ -14583,7 +14583,7 @@
                     <a:p>
                       <a:pPr algn="l" fontAlgn="b"/>
                       <a:r>
-                        <a:rPr lang="en-GB" sz="1000" b="0" i="0" u="none" strike="noStrike">
+                        <a:rPr lang="en-GB" sz="1050" b="0" i="0" u="none" strike="noStrike">
                           <a:solidFill>
                             <a:srgbClr val="000000"/>
                           </a:solidFill>
@@ -14643,7 +14643,7 @@
                     <a:p>
                       <a:pPr algn="l" fontAlgn="b"/>
                       <a:r>
-                        <a:rPr lang="en-GB" sz="1000" b="0" i="0" u="none" strike="noStrike">
+                        <a:rPr lang="en-GB" sz="1050" b="0" i="0" u="none" strike="noStrike" dirty="0">
                           <a:solidFill>
                             <a:srgbClr val="000000"/>
                           </a:solidFill>
@@ -14703,7 +14703,7 @@
                     <a:p>
                       <a:pPr algn="l" fontAlgn="b"/>
                       <a:r>
-                        <a:rPr lang="en-GB" sz="1000" b="0" i="0" u="none" strike="noStrike">
+                        <a:rPr lang="en-GB" sz="1050" b="0" i="0" u="none" strike="noStrike">
                           <a:solidFill>
                             <a:srgbClr val="000000"/>
                           </a:solidFill>
@@ -14763,7 +14763,7 @@
                     <a:p>
                       <a:pPr algn="l" fontAlgn="b"/>
                       <a:r>
-                        <a:rPr lang="en-GB" sz="1000" b="0" i="0" u="none" strike="noStrike">
+                        <a:rPr lang="en-GB" sz="1050" b="0" i="0" u="none" strike="noStrike">
                           <a:solidFill>
                             <a:srgbClr val="000000"/>
                           </a:solidFill>
@@ -14823,7 +14823,7 @@
                     <a:p>
                       <a:pPr algn="l" fontAlgn="b"/>
                       <a:r>
-                        <a:rPr lang="en-GB" sz="1000" b="0" i="0" u="none" strike="noStrike">
+                        <a:rPr lang="en-GB" sz="1050" b="0" i="0" u="none" strike="noStrike">
                           <a:solidFill>
                             <a:srgbClr val="000000"/>
                           </a:solidFill>
@@ -14883,7 +14883,7 @@
                     <a:p>
                       <a:pPr algn="l" fontAlgn="b"/>
                       <a:r>
-                        <a:rPr lang="en-GB" sz="1000" b="0" i="0" u="none" strike="noStrike">
+                        <a:rPr lang="en-GB" sz="1050" b="0" i="0" u="none" strike="noStrike">
                           <a:solidFill>
                             <a:srgbClr val="000000"/>
                           </a:solidFill>
@@ -14943,7 +14943,7 @@
                     <a:p>
                       <a:pPr algn="l" fontAlgn="b"/>
                       <a:r>
-                        <a:rPr lang="en-GB" sz="1000" b="0" i="0" u="none" strike="noStrike">
+                        <a:rPr lang="en-GB" sz="1050" b="0" i="0" u="none" strike="noStrike">
                           <a:solidFill>
                             <a:srgbClr val="000000"/>
                           </a:solidFill>
@@ -15003,7 +15003,7 @@
                     <a:p>
                       <a:pPr algn="l" fontAlgn="b"/>
                       <a:r>
-                        <a:rPr lang="en-GB" sz="1000" b="0" i="0" u="none" strike="noStrike">
+                        <a:rPr lang="en-GB" sz="1050" b="0" i="0" u="none" strike="noStrike">
                           <a:solidFill>
                             <a:srgbClr val="000000"/>
                           </a:solidFill>
@@ -15063,7 +15063,7 @@
                     <a:p>
                       <a:pPr algn="l" fontAlgn="b"/>
                       <a:r>
-                        <a:rPr lang="en-GB" sz="1000" b="0" i="0" u="none" strike="noStrike">
+                        <a:rPr lang="en-GB" sz="1050" b="0" i="0" u="none" strike="noStrike">
                           <a:solidFill>
                             <a:srgbClr val="000000"/>
                           </a:solidFill>
@@ -15123,7 +15123,7 @@
                     <a:p>
                       <a:pPr algn="r" fontAlgn="b"/>
                       <a:r>
-                        <a:rPr lang="en-GB" sz="1000" b="0" i="0" u="none" strike="noStrike">
+                        <a:rPr lang="en-GB" sz="1050" b="0" i="0" u="none" strike="noStrike">
                           <a:solidFill>
                             <a:srgbClr val="000000"/>
                           </a:solidFill>
@@ -15134,7 +15134,7 @@
                       </a:r>
                     </a:p>
                   </a:txBody>
-                  <a:tcPr marL="8703" marR="8703" marT="8703" marB="0">
+                  <a:tcPr marL="9525" marR="9525" marT="9525" marB="0">
                     <a:lnL w="6350" cap="flat" cmpd="sng" algn="ctr">
                       <a:solidFill>
                         <a:srgbClr val="000000"/>
@@ -15183,7 +15183,7 @@
                     <a:p>
                       <a:pPr algn="r" fontAlgn="b"/>
                       <a:r>
-                        <a:rPr lang="en-GB" sz="1000" b="0" i="0" u="none" strike="noStrike">
+                        <a:rPr lang="en-GB" sz="1050" b="0" i="0" u="none" strike="noStrike">
                           <a:solidFill>
                             <a:srgbClr val="000000"/>
                           </a:solidFill>
@@ -15194,7 +15194,7 @@
                       </a:r>
                     </a:p>
                   </a:txBody>
-                  <a:tcPr marL="8703" marR="8703" marT="8703" marB="0">
+                  <a:tcPr marL="9525" marR="9525" marT="9525" marB="0">
                     <a:lnL w="6350" cap="flat" cmpd="sng" algn="ctr">
                       <a:solidFill>
                         <a:srgbClr val="000000"/>
@@ -15243,7 +15243,7 @@
                     <a:p>
                       <a:pPr algn="r" fontAlgn="b"/>
                       <a:r>
-                        <a:rPr lang="en-GB" sz="1000" b="0" i="0" u="none" strike="noStrike">
+                        <a:rPr lang="en-GB" sz="1050" b="0" i="0" u="none" strike="noStrike">
                           <a:solidFill>
                             <a:srgbClr val="000000"/>
                           </a:solidFill>
@@ -15254,7 +15254,7 @@
                       </a:r>
                     </a:p>
                   </a:txBody>
-                  <a:tcPr marL="8703" marR="8703" marT="8703" marB="0">
+                  <a:tcPr marL="9525" marR="9525" marT="9525" marB="0">
                     <a:lnL w="6350" cap="flat" cmpd="sng" algn="ctr">
                       <a:solidFill>
                         <a:srgbClr val="000000"/>
@@ -15303,18 +15303,18 @@
                     <a:p>
                       <a:pPr algn="r" fontAlgn="b"/>
                       <a:r>
-                        <a:rPr lang="en-GB" sz="1000" b="0" i="0" u="none" strike="noStrike">
-                          <a:solidFill>
-                            <a:srgbClr val="000000"/>
-                          </a:solidFill>
-                          <a:effectLst/>
-                          <a:latin typeface="Calibri" panose="020F0502020204030204" pitchFamily="34" charset="0"/>
-                        </a:rPr>
-                        <a:t>143</a:t>
-                      </a:r>
-                    </a:p>
-                  </a:txBody>
-                  <a:tcPr marL="8703" marR="8703" marT="8703" marB="0">
+                        <a:rPr lang="en-GB" sz="1050" b="0" i="0" u="none" strike="noStrike">
+                          <a:solidFill>
+                            <a:srgbClr val="000000"/>
+                          </a:solidFill>
+                          <a:effectLst/>
+                          <a:latin typeface="Calibri" panose="020F0502020204030204" pitchFamily="34" charset="0"/>
+                        </a:rPr>
+                        <a:t>142</a:t>
+                      </a:r>
+                    </a:p>
+                  </a:txBody>
+                  <a:tcPr marL="9525" marR="9525" marT="9525" marB="0">
                     <a:lnL w="6350" cap="flat" cmpd="sng" algn="ctr">
                       <a:solidFill>
                         <a:srgbClr val="000000"/>
@@ -15363,18 +15363,18 @@
                     <a:p>
                       <a:pPr algn="r" fontAlgn="b"/>
                       <a:r>
-                        <a:rPr lang="en-GB" sz="1000" b="0" i="0" u="none" strike="noStrike">
-                          <a:solidFill>
-                            <a:srgbClr val="000000"/>
-                          </a:solidFill>
-                          <a:effectLst/>
-                          <a:latin typeface="Calibri" panose="020F0502020204030204" pitchFamily="34" charset="0"/>
-                        </a:rPr>
-                        <a:t>158</a:t>
-                      </a:r>
-                    </a:p>
-                  </a:txBody>
-                  <a:tcPr marL="8703" marR="8703" marT="8703" marB="0">
+                        <a:rPr lang="en-GB" sz="1050" b="0" i="0" u="none" strike="noStrike">
+                          <a:solidFill>
+                            <a:srgbClr val="000000"/>
+                          </a:solidFill>
+                          <a:effectLst/>
+                          <a:latin typeface="Calibri" panose="020F0502020204030204" pitchFamily="34" charset="0"/>
+                        </a:rPr>
+                        <a:t>160</a:t>
+                      </a:r>
+                    </a:p>
+                  </a:txBody>
+                  <a:tcPr marL="9525" marR="9525" marT="9525" marB="0">
                     <a:lnL w="6350" cap="flat" cmpd="sng" algn="ctr">
                       <a:solidFill>
                         <a:srgbClr val="000000"/>
@@ -15423,18 +15423,18 @@
                     <a:p>
                       <a:pPr algn="r" fontAlgn="b"/>
                       <a:r>
-                        <a:rPr lang="en-GB" sz="1000" b="0" i="0" u="none" strike="noStrike">
-                          <a:solidFill>
-                            <a:srgbClr val="000000"/>
-                          </a:solidFill>
-                          <a:effectLst/>
-                          <a:latin typeface="Calibri" panose="020F0502020204030204" pitchFamily="34" charset="0"/>
-                        </a:rPr>
-                        <a:t>165</a:t>
-                      </a:r>
-                    </a:p>
-                  </a:txBody>
-                  <a:tcPr marL="8703" marR="8703" marT="8703" marB="0">
+                        <a:rPr lang="en-GB" sz="1050" b="0" i="0" u="none" strike="noStrike">
+                          <a:solidFill>
+                            <a:srgbClr val="000000"/>
+                          </a:solidFill>
+                          <a:effectLst/>
+                          <a:latin typeface="Calibri" panose="020F0502020204030204" pitchFamily="34" charset="0"/>
+                        </a:rPr>
+                        <a:t>182</a:t>
+                      </a:r>
+                    </a:p>
+                  </a:txBody>
+                  <a:tcPr marL="9525" marR="9525" marT="9525" marB="0">
                     <a:lnL w="6350" cap="flat" cmpd="sng" algn="ctr">
                       <a:solidFill>
                         <a:srgbClr val="000000"/>
@@ -15481,20 +15481,20 @@
                     <a:bodyPr/>
                     <a:lstStyle/>
                     <a:p>
-                      <a:pPr algn="l" fontAlgn="b"/>
-                      <a:r>
-                        <a:rPr lang="en-GB" sz="1000" b="0" i="0" u="none" strike="noStrike">
-                          <a:solidFill>
-                            <a:srgbClr val="000000"/>
-                          </a:solidFill>
-                          <a:effectLst/>
-                          <a:latin typeface="Calibri" panose="020F0502020204030204" pitchFamily="34" charset="0"/>
-                        </a:rPr>
-                        <a:t> </a:t>
-                      </a:r>
-                    </a:p>
-                  </a:txBody>
-                  <a:tcPr marL="8703" marR="8703" marT="8703" marB="0">
+                      <a:pPr algn="r" fontAlgn="b"/>
+                      <a:r>
+                        <a:rPr lang="en-GB" sz="1050" b="0" i="0" u="none" strike="noStrike" dirty="0">
+                          <a:solidFill>
+                            <a:srgbClr val="000000"/>
+                          </a:solidFill>
+                          <a:effectLst/>
+                          <a:latin typeface="Calibri" panose="020F0502020204030204" pitchFamily="34" charset="0"/>
+                        </a:rPr>
+                        <a:t>118</a:t>
+                      </a:r>
+                    </a:p>
+                  </a:txBody>
+                  <a:tcPr marL="9525" marR="9525" marT="9525" marB="0">
                     <a:lnL w="6350" cap="flat" cmpd="sng" algn="ctr">
                       <a:solidFill>
                         <a:srgbClr val="000000"/>
@@ -15550,7 +15550,7 @@
                     <a:p>
                       <a:pPr algn="l" fontAlgn="ctr"/>
                       <a:r>
-                        <a:rPr lang="en-GB" sz="1000" b="0" i="0" u="none" strike="noStrike">
+                        <a:rPr lang="en-GB" sz="1050" b="0" i="0" u="none" strike="noStrike">
                           <a:solidFill>
                             <a:srgbClr val="000000"/>
                           </a:solidFill>
@@ -15610,7 +15610,7 @@
                     <a:p>
                       <a:pPr algn="ctr" fontAlgn="b"/>
                       <a:r>
-                        <a:rPr lang="en-GB" sz="1000" b="0" i="0" u="none" strike="noStrike">
+                        <a:rPr lang="en-GB" sz="1050" b="0" i="0" u="none" strike="noStrike">
                           <a:solidFill>
                             <a:srgbClr val="000000"/>
                           </a:solidFill>
@@ -15857,7 +15857,7 @@
                     <a:p>
                       <a:pPr algn="ctr" fontAlgn="t"/>
                       <a:r>
-                        <a:rPr lang="en-GB" sz="1000" b="0" i="0" u="none" strike="noStrike" dirty="0">
+                        <a:rPr lang="en-GB" sz="1050" b="0" i="0" u="none" strike="noStrike" dirty="0">
                           <a:solidFill>
                             <a:srgbClr val="000000"/>
                           </a:solidFill>
@@ -15917,7 +15917,7 @@
                     <a:p>
                       <a:pPr algn="ctr" fontAlgn="t"/>
                       <a:r>
-                        <a:rPr lang="en-GB" sz="1000" b="0" i="0" u="none" strike="noStrike">
+                        <a:rPr lang="en-GB" sz="1050" b="0" i="0" u="none" strike="noStrike">
                           <a:solidFill>
                             <a:srgbClr val="000000"/>
                           </a:solidFill>
@@ -15977,7 +15977,7 @@
                     <a:p>
                       <a:pPr algn="ctr" fontAlgn="t"/>
                       <a:r>
-                        <a:rPr lang="en-GB" sz="1000" b="0" i="0" u="none" strike="noStrike" dirty="0">
+                        <a:rPr lang="en-GB" sz="1050" b="0" i="0" u="none" strike="noStrike" dirty="0">
                           <a:solidFill>
                             <a:srgbClr val="000000"/>
                           </a:solidFill>
@@ -16037,7 +16037,7 @@
                     <a:p>
                       <a:pPr algn="ctr" fontAlgn="t"/>
                       <a:r>
-                        <a:rPr lang="en-GB" sz="1000" b="0" i="0" u="none" strike="noStrike" dirty="0">
+                        <a:rPr lang="en-GB" sz="1050" b="0" i="0" u="none" strike="noStrike" dirty="0">
                           <a:solidFill>
                             <a:srgbClr val="000000"/>
                           </a:solidFill>
@@ -16097,7 +16097,7 @@
                     <a:p>
                       <a:pPr algn="ctr" fontAlgn="t"/>
                       <a:r>
-                        <a:rPr lang="en-GB" sz="1000" b="0" i="0" u="none" strike="noStrike">
+                        <a:rPr lang="en-GB" sz="1050" b="0" i="0" u="none" strike="noStrike">
                           <a:solidFill>
                             <a:srgbClr val="000000"/>
                           </a:solidFill>
@@ -16157,7 +16157,7 @@
                     <a:p>
                       <a:pPr algn="ctr" fontAlgn="t"/>
                       <a:r>
-                        <a:rPr lang="en-GB" sz="1000" b="0" i="0" u="none" strike="noStrike">
+                        <a:rPr lang="en-GB" sz="1050" b="0" i="0" u="none" strike="noStrike">
                           <a:solidFill>
                             <a:srgbClr val="000000"/>
                           </a:solidFill>
@@ -16217,7 +16217,7 @@
                     <a:p>
                       <a:pPr algn="ctr" fontAlgn="t"/>
                       <a:r>
-                        <a:rPr lang="en-GB" sz="1000" b="0" i="0" u="none" strike="noStrike" dirty="0">
+                        <a:rPr lang="en-GB" sz="1050" b="0" i="0" u="none" strike="noStrike" dirty="0">
                           <a:solidFill>
                             <a:srgbClr val="000000"/>
                           </a:solidFill>
@@ -16277,7 +16277,7 @@
                     <a:p>
                       <a:pPr algn="ctr" fontAlgn="t"/>
                       <a:r>
-                        <a:rPr lang="en-GB" sz="1000" b="0" i="0" u="none" strike="noStrike">
+                        <a:rPr lang="en-GB" sz="1050" b="0" i="0" u="none" strike="noStrike" dirty="0">
                           <a:solidFill>
                             <a:srgbClr val="000000"/>
                           </a:solidFill>
@@ -16337,7 +16337,7 @@
                     <a:p>
                       <a:pPr algn="ctr" fontAlgn="t"/>
                       <a:r>
-                        <a:rPr lang="en-GB" sz="1000" b="0" i="0" u="none" strike="noStrike">
+                        <a:rPr lang="en-GB" sz="1050" b="0" i="0" u="none" strike="noStrike" dirty="0">
                           <a:solidFill>
                             <a:srgbClr val="000000"/>
                           </a:solidFill>
@@ -16397,7 +16397,7 @@
                     <a:p>
                       <a:pPr algn="ctr" fontAlgn="t"/>
                       <a:r>
-                        <a:rPr lang="en-GB" sz="1000" b="0" i="0" u="none" strike="noStrike" dirty="0">
+                        <a:rPr lang="en-GB" sz="1050" b="0" i="0" u="none" strike="noStrike" dirty="0">
                           <a:solidFill>
                             <a:srgbClr val="000000"/>
                           </a:solidFill>
@@ -16457,7 +16457,7 @@
                     <a:p>
                       <a:pPr algn="ctr" fontAlgn="t"/>
                       <a:r>
-                        <a:rPr lang="en-GB" sz="1000" b="0" i="0" u="none" strike="noStrike">
+                        <a:rPr lang="en-GB" sz="1050" b="0" i="0" u="none" strike="noStrike">
                           <a:solidFill>
                             <a:srgbClr val="000000"/>
                           </a:solidFill>
@@ -16517,7 +16517,7 @@
                     <a:p>
                       <a:pPr algn="ctr" fontAlgn="t"/>
                       <a:r>
-                        <a:rPr lang="en-GB" sz="1000" b="0" i="0" u="none" strike="noStrike" dirty="0">
+                        <a:rPr lang="en-GB" sz="1050" b="0" i="0" u="none" strike="noStrike" dirty="0">
                           <a:solidFill>
                             <a:srgbClr val="000000"/>
                           </a:solidFill>
@@ -16577,7 +16577,7 @@
                     <a:p>
                       <a:pPr algn="ctr" fontAlgn="t"/>
                       <a:r>
-                        <a:rPr lang="en-GB" sz="1000" b="0" i="0" u="none" strike="noStrike" dirty="0">
+                        <a:rPr lang="en-GB" sz="1050" b="0" i="0" u="none" strike="noStrike" dirty="0">
                           <a:solidFill>
                             <a:srgbClr val="000000"/>
                           </a:solidFill>
@@ -16637,7 +16637,7 @@
                     <a:p>
                       <a:pPr algn="ctr" fontAlgn="t"/>
                       <a:r>
-                        <a:rPr lang="en-GB" sz="1000" b="0" i="0" u="none" strike="noStrike">
+                        <a:rPr lang="en-GB" sz="1050" b="0" i="0" u="none" strike="noStrike">
                           <a:solidFill>
                             <a:srgbClr val="000000"/>
                           </a:solidFill>
@@ -16697,7 +16697,7 @@
                     <a:p>
                       <a:pPr algn="ctr" fontAlgn="t"/>
                       <a:r>
-                        <a:rPr lang="en-GB" sz="1000" b="0" i="0" u="none" strike="noStrike" dirty="0">
+                        <a:rPr lang="en-GB" sz="1050" b="0" i="0" u="none" strike="noStrike" dirty="0">
                           <a:solidFill>
                             <a:srgbClr val="000000"/>
                           </a:solidFill>
@@ -16757,7 +16757,7 @@
                     <a:p>
                       <a:pPr algn="ctr" fontAlgn="t"/>
                       <a:r>
-                        <a:rPr lang="en-GB" sz="1000" b="0" i="0" u="none" strike="noStrike" dirty="0">
+                        <a:rPr lang="en-GB" sz="1050" b="0" i="0" u="none" strike="noStrike" dirty="0">
                           <a:solidFill>
                             <a:srgbClr val="000000"/>
                           </a:solidFill>
@@ -16817,7 +16817,7 @@
                     <a:p>
                       <a:pPr algn="ctr" fontAlgn="t"/>
                       <a:r>
-                        <a:rPr lang="en-GB" sz="1000" b="0" i="0" u="none" strike="noStrike" dirty="0">
+                        <a:rPr lang="en-GB" sz="1050" b="0" i="0" u="none" strike="noStrike" dirty="0">
                           <a:solidFill>
                             <a:srgbClr val="000000"/>
                           </a:solidFill>
@@ -16877,7 +16877,7 @@
                     <a:p>
                       <a:pPr algn="ctr" fontAlgn="t"/>
                       <a:r>
-                        <a:rPr lang="en-GB" sz="1000" b="0" i="0" u="none" strike="noStrike" dirty="0">
+                        <a:rPr lang="en-GB" sz="1050" b="0" i="0" u="none" strike="noStrike" dirty="0">
                           <a:solidFill>
                             <a:srgbClr val="000000"/>
                           </a:solidFill>
@@ -16944,7 +16944,7 @@
                     <a:p>
                       <a:pPr algn="l" fontAlgn="ctr"/>
                       <a:r>
-                        <a:rPr lang="en-GB" sz="1000" b="0" i="0" u="none" strike="noStrike">
+                        <a:rPr lang="en-GB" sz="1050" b="0" i="0" u="none" strike="noStrike">
                           <a:solidFill>
                             <a:srgbClr val="000000"/>
                           </a:solidFill>
@@ -17004,7 +17004,7 @@
                     <a:p>
                       <a:pPr algn="r" fontAlgn="b"/>
                       <a:r>
-                        <a:rPr lang="en-GB" sz="1000" b="0" i="0" u="none" strike="noStrike">
+                        <a:rPr lang="en-GB" sz="1050" b="0" i="0" u="none" strike="noStrike">
                           <a:solidFill>
                             <a:srgbClr val="000000"/>
                           </a:solidFill>
@@ -17015,7 +17015,7 @@
                       </a:r>
                     </a:p>
                   </a:txBody>
-                  <a:tcPr marL="8703" marR="8703" marT="8703" marB="0">
+                  <a:tcPr marL="9525" marR="9525" marT="9525" marB="0">
                     <a:lnL w="6350" cap="flat" cmpd="sng" algn="ctr">
                       <a:solidFill>
                         <a:srgbClr val="000000"/>
@@ -17064,7 +17064,7 @@
                     <a:p>
                       <a:pPr algn="r" fontAlgn="b"/>
                       <a:r>
-                        <a:rPr lang="en-GB" sz="1000" b="0" i="0" u="none" strike="noStrike">
+                        <a:rPr lang="en-GB" sz="1050" b="0" i="0" u="none" strike="noStrike">
                           <a:solidFill>
                             <a:srgbClr val="000000"/>
                           </a:solidFill>
@@ -17075,7 +17075,7 @@
                       </a:r>
                     </a:p>
                   </a:txBody>
-                  <a:tcPr marL="8703" marR="8703" marT="8703" marB="0">
+                  <a:tcPr marL="9525" marR="9525" marT="9525" marB="0">
                     <a:lnL w="6350" cap="flat" cmpd="sng" algn="ctr">
                       <a:solidFill>
                         <a:srgbClr val="000000"/>
@@ -17124,7 +17124,7 @@
                     <a:p>
                       <a:pPr algn="r" fontAlgn="b"/>
                       <a:r>
-                        <a:rPr lang="en-GB" sz="1000" b="0" i="0" u="none" strike="noStrike">
+                        <a:rPr lang="en-GB" sz="1050" b="0" i="0" u="none" strike="noStrike">
                           <a:solidFill>
                             <a:srgbClr val="000000"/>
                           </a:solidFill>
@@ -17135,7 +17135,7 @@
                       </a:r>
                     </a:p>
                   </a:txBody>
-                  <a:tcPr marL="8703" marR="8703" marT="8703" marB="0">
+                  <a:tcPr marL="9525" marR="9525" marT="9525" marB="0">
                     <a:lnL w="6350" cap="flat" cmpd="sng" algn="ctr">
                       <a:solidFill>
                         <a:srgbClr val="000000"/>
@@ -17184,7 +17184,7 @@
                     <a:p>
                       <a:pPr algn="r" fontAlgn="b"/>
                       <a:r>
-                        <a:rPr lang="en-GB" sz="1000" b="0" i="0" u="none" strike="noStrike">
+                        <a:rPr lang="en-GB" sz="1050" b="0" i="0" u="none" strike="noStrike">
                           <a:solidFill>
                             <a:srgbClr val="000000"/>
                           </a:solidFill>
@@ -17195,7 +17195,7 @@
                       </a:r>
                     </a:p>
                   </a:txBody>
-                  <a:tcPr marL="8703" marR="8703" marT="8703" marB="0">
+                  <a:tcPr marL="9525" marR="9525" marT="9525" marB="0">
                     <a:lnL w="6350" cap="flat" cmpd="sng" algn="ctr">
                       <a:solidFill>
                         <a:srgbClr val="000000"/>
@@ -17244,7 +17244,7 @@
                     <a:p>
                       <a:pPr algn="r" fontAlgn="b"/>
                       <a:r>
-                        <a:rPr lang="en-GB" sz="1000" b="0" i="0" u="none" strike="noStrike">
+                        <a:rPr lang="en-GB" sz="1050" b="0" i="0" u="none" strike="noStrike">
                           <a:solidFill>
                             <a:srgbClr val="000000"/>
                           </a:solidFill>
@@ -17255,7 +17255,7 @@
                       </a:r>
                     </a:p>
                   </a:txBody>
-                  <a:tcPr marL="8703" marR="8703" marT="8703" marB="0">
+                  <a:tcPr marL="9525" marR="9525" marT="9525" marB="0">
                     <a:lnL w="6350" cap="flat" cmpd="sng" algn="ctr">
                       <a:solidFill>
                         <a:srgbClr val="000000"/>
@@ -17304,7 +17304,7 @@
                     <a:p>
                       <a:pPr algn="r" fontAlgn="b"/>
                       <a:r>
-                        <a:rPr lang="en-GB" sz="1000" b="0" i="0" u="none" strike="noStrike">
+                        <a:rPr lang="en-GB" sz="1050" b="0" i="0" u="none" strike="noStrike">
                           <a:solidFill>
                             <a:srgbClr val="000000"/>
                           </a:solidFill>
@@ -17315,7 +17315,7 @@
                       </a:r>
                     </a:p>
                   </a:txBody>
-                  <a:tcPr marL="8703" marR="8703" marT="8703" marB="0">
+                  <a:tcPr marL="9525" marR="9525" marT="9525" marB="0">
                     <a:lnL w="6350" cap="flat" cmpd="sng" algn="ctr">
                       <a:solidFill>
                         <a:srgbClr val="000000"/>
@@ -17364,7 +17364,7 @@
                     <a:p>
                       <a:pPr algn="r" fontAlgn="b"/>
                       <a:r>
-                        <a:rPr lang="en-GB" sz="1000" b="0" i="0" u="none" strike="noStrike">
+                        <a:rPr lang="en-GB" sz="1050" b="0" i="0" u="none" strike="noStrike">
                           <a:solidFill>
                             <a:srgbClr val="000000"/>
                           </a:solidFill>
@@ -17375,7 +17375,7 @@
                       </a:r>
                     </a:p>
                   </a:txBody>
-                  <a:tcPr marL="8703" marR="8703" marT="8703" marB="0">
+                  <a:tcPr marL="9525" marR="9525" marT="9525" marB="0">
                     <a:lnL w="6350" cap="flat" cmpd="sng" algn="ctr">
                       <a:solidFill>
                         <a:srgbClr val="000000"/>
@@ -17424,7 +17424,7 @@
                     <a:p>
                       <a:pPr algn="r" fontAlgn="b"/>
                       <a:r>
-                        <a:rPr lang="en-GB" sz="1000" b="0" i="0" u="none" strike="noStrike">
+                        <a:rPr lang="en-GB" sz="1050" b="0" i="0" u="none" strike="noStrike">
                           <a:solidFill>
                             <a:srgbClr val="000000"/>
                           </a:solidFill>
@@ -17435,7 +17435,7 @@
                       </a:r>
                     </a:p>
                   </a:txBody>
-                  <a:tcPr marL="8703" marR="8703" marT="8703" marB="0">
+                  <a:tcPr marL="9525" marR="9525" marT="9525" marB="0">
                     <a:lnL w="6350" cap="flat" cmpd="sng" algn="ctr">
                       <a:solidFill>
                         <a:srgbClr val="000000"/>
@@ -17484,7 +17484,7 @@
                     <a:p>
                       <a:pPr algn="r" fontAlgn="b"/>
                       <a:r>
-                        <a:rPr lang="en-GB" sz="1000" b="0" i="0" u="none" strike="noStrike">
+                        <a:rPr lang="en-GB" sz="1050" b="0" i="0" u="none" strike="noStrike">
                           <a:solidFill>
                             <a:srgbClr val="000000"/>
                           </a:solidFill>
@@ -17495,7 +17495,7 @@
                       </a:r>
                     </a:p>
                   </a:txBody>
-                  <a:tcPr marL="8703" marR="8703" marT="8703" marB="0">
+                  <a:tcPr marL="9525" marR="9525" marT="9525" marB="0">
                     <a:lnL w="6350" cap="flat" cmpd="sng" algn="ctr">
                       <a:solidFill>
                         <a:srgbClr val="000000"/>
@@ -17544,7 +17544,7 @@
                     <a:p>
                       <a:pPr algn="r" fontAlgn="b"/>
                       <a:r>
-                        <a:rPr lang="en-GB" sz="1000" b="0" i="0" u="none" strike="noStrike">
+                        <a:rPr lang="en-GB" sz="1050" b="0" i="0" u="none" strike="noStrike">
                           <a:solidFill>
                             <a:srgbClr val="000000"/>
                           </a:solidFill>
@@ -17555,7 +17555,7 @@
                       </a:r>
                     </a:p>
                   </a:txBody>
-                  <a:tcPr marL="8703" marR="8703" marT="8703" marB="0">
+                  <a:tcPr marL="9525" marR="9525" marT="9525" marB="0">
                     <a:lnL w="6350" cap="flat" cmpd="sng" algn="ctr">
                       <a:solidFill>
                         <a:srgbClr val="000000"/>
@@ -17604,7 +17604,7 @@
                     <a:p>
                       <a:pPr algn="r" fontAlgn="b"/>
                       <a:r>
-                        <a:rPr lang="en-GB" sz="1000" b="0" i="0" u="none" strike="noStrike">
+                        <a:rPr lang="en-GB" sz="1050" b="0" i="0" u="none" strike="noStrike">
                           <a:solidFill>
                             <a:srgbClr val="000000"/>
                           </a:solidFill>
@@ -17615,7 +17615,7 @@
                       </a:r>
                     </a:p>
                   </a:txBody>
-                  <a:tcPr marL="8703" marR="8703" marT="8703" marB="0">
+                  <a:tcPr marL="9525" marR="9525" marT="9525" marB="0">
                     <a:lnL w="6350" cap="flat" cmpd="sng" algn="ctr">
                       <a:solidFill>
                         <a:srgbClr val="000000"/>
@@ -17664,7 +17664,7 @@
                     <a:p>
                       <a:pPr algn="r" fontAlgn="b"/>
                       <a:r>
-                        <a:rPr lang="en-GB" sz="1000" b="0" i="0" u="none" strike="noStrike">
+                        <a:rPr lang="en-GB" sz="1050" b="0" i="0" u="none" strike="noStrike">
                           <a:solidFill>
                             <a:srgbClr val="000000"/>
                           </a:solidFill>
@@ -17675,7 +17675,7 @@
                       </a:r>
                     </a:p>
                   </a:txBody>
-                  <a:tcPr marL="8703" marR="8703" marT="8703" marB="0">
+                  <a:tcPr marL="9525" marR="9525" marT="9525" marB="0">
                     <a:lnL w="6350" cap="flat" cmpd="sng" algn="ctr">
                       <a:solidFill>
                         <a:srgbClr val="000000"/>
@@ -17724,7 +17724,7 @@
                     <a:p>
                       <a:pPr algn="r" fontAlgn="b"/>
                       <a:r>
-                        <a:rPr lang="en-GB" sz="1000" b="0" i="0" u="none" strike="noStrike">
+                        <a:rPr lang="en-GB" sz="1050" b="0" i="0" u="none" strike="noStrike">
                           <a:solidFill>
                             <a:srgbClr val="000000"/>
                           </a:solidFill>
@@ -17735,7 +17735,7 @@
                       </a:r>
                     </a:p>
                   </a:txBody>
-                  <a:tcPr marL="8703" marR="8703" marT="8703" marB="0">
+                  <a:tcPr marL="9525" marR="9525" marT="9525" marB="0">
                     <a:lnL w="6350" cap="flat" cmpd="sng" algn="ctr">
                       <a:solidFill>
                         <a:srgbClr val="000000"/>
@@ -17784,7 +17784,7 @@
                     <a:p>
                       <a:pPr algn="r" fontAlgn="b"/>
                       <a:r>
-                        <a:rPr lang="en-GB" sz="1000" b="0" i="0" u="none" strike="noStrike">
+                        <a:rPr lang="en-GB" sz="1050" b="0" i="0" u="none" strike="noStrike">
                           <a:solidFill>
                             <a:srgbClr val="000000"/>
                           </a:solidFill>
@@ -17795,7 +17795,7 @@
                       </a:r>
                     </a:p>
                   </a:txBody>
-                  <a:tcPr marL="8703" marR="8703" marT="8703" marB="0">
+                  <a:tcPr marL="9525" marR="9525" marT="9525" marB="0">
                     <a:lnL w="6350" cap="flat" cmpd="sng" algn="ctr">
                       <a:solidFill>
                         <a:srgbClr val="000000"/>
@@ -17844,7 +17844,7 @@
                     <a:p>
                       <a:pPr algn="r" fontAlgn="b"/>
                       <a:r>
-                        <a:rPr lang="en-GB" sz="1000" b="0" i="0" u="none" strike="noStrike">
+                        <a:rPr lang="en-GB" sz="1050" b="0" i="0" u="none" strike="noStrike">
                           <a:solidFill>
                             <a:srgbClr val="000000"/>
                           </a:solidFill>
@@ -17855,7 +17855,7 @@
                       </a:r>
                     </a:p>
                   </a:txBody>
-                  <a:tcPr marL="8703" marR="8703" marT="8703" marB="0">
+                  <a:tcPr marL="9525" marR="9525" marT="9525" marB="0">
                     <a:lnL w="6350" cap="flat" cmpd="sng" algn="ctr">
                       <a:solidFill>
                         <a:srgbClr val="000000"/>
@@ -17904,18 +17904,18 @@
                     <a:p>
                       <a:pPr algn="r" fontAlgn="b"/>
                       <a:r>
-                        <a:rPr lang="en-GB" sz="1000" b="0" i="0" u="none" strike="noStrike">
-                          <a:solidFill>
-                            <a:srgbClr val="000000"/>
-                          </a:solidFill>
-                          <a:effectLst/>
-                          <a:latin typeface="Calibri" panose="020F0502020204030204" pitchFamily="34" charset="0"/>
-                        </a:rPr>
-                        <a:t>41</a:t>
-                      </a:r>
-                    </a:p>
-                  </a:txBody>
-                  <a:tcPr marL="8703" marR="8703" marT="8703" marB="0">
+                        <a:rPr lang="en-GB" sz="1050" b="0" i="0" u="none" strike="noStrike">
+                          <a:solidFill>
+                            <a:srgbClr val="000000"/>
+                          </a:solidFill>
+                          <a:effectLst/>
+                          <a:latin typeface="Calibri" panose="020F0502020204030204" pitchFamily="34" charset="0"/>
+                        </a:rPr>
+                        <a:t>44</a:t>
+                      </a:r>
+                    </a:p>
+                  </a:txBody>
+                  <a:tcPr marL="9525" marR="9525" marT="9525" marB="0">
                     <a:lnL w="6350" cap="flat" cmpd="sng" algn="ctr">
                       <a:solidFill>
                         <a:srgbClr val="000000"/>
@@ -17964,7 +17964,7 @@
                     <a:p>
                       <a:pPr algn="r" fontAlgn="b"/>
                       <a:r>
-                        <a:rPr lang="en-GB" sz="1000" b="0" i="0" u="none" strike="noStrike">
+                        <a:rPr lang="en-GB" sz="1050" b="0" i="0" u="none" strike="noStrike">
                           <a:solidFill>
                             <a:srgbClr val="000000"/>
                           </a:solidFill>
@@ -17975,7 +17975,7 @@
                       </a:r>
                     </a:p>
                   </a:txBody>
-                  <a:tcPr marL="8703" marR="8703" marT="8703" marB="0">
+                  <a:tcPr marL="9525" marR="9525" marT="9525" marB="0">
                     <a:lnL w="6350" cap="flat" cmpd="sng" algn="ctr">
                       <a:solidFill>
                         <a:srgbClr val="000000"/>
@@ -18022,20 +18022,20 @@
                     <a:bodyPr/>
                     <a:lstStyle/>
                     <a:p>
-                      <a:pPr algn="l" fontAlgn="b"/>
-                      <a:r>
-                        <a:rPr lang="en-GB" sz="1000" b="0" i="0" u="none" strike="noStrike">
-                          <a:solidFill>
-                            <a:srgbClr val="000000"/>
-                          </a:solidFill>
-                          <a:effectLst/>
-                          <a:latin typeface="Calibri" panose="020F0502020204030204" pitchFamily="34" charset="0"/>
-                        </a:rPr>
-                        <a:t> </a:t>
-                      </a:r>
-                    </a:p>
-                  </a:txBody>
-                  <a:tcPr marL="8703" marR="8703" marT="8703" marB="0">
+                      <a:pPr algn="r" fontAlgn="b"/>
+                      <a:r>
+                        <a:rPr lang="en-GB" sz="1050" b="0" i="0" u="none" strike="noStrike">
+                          <a:solidFill>
+                            <a:srgbClr val="000000"/>
+                          </a:solidFill>
+                          <a:effectLst/>
+                          <a:latin typeface="Calibri" panose="020F0502020204030204" pitchFamily="34" charset="0"/>
+                        </a:rPr>
+                        <a:t>22</a:t>
+                      </a:r>
+                    </a:p>
+                  </a:txBody>
+                  <a:tcPr marL="9525" marR="9525" marT="9525" marB="0">
                     <a:lnL w="6350" cap="flat" cmpd="sng" algn="ctr">
                       <a:solidFill>
                         <a:srgbClr val="000000"/>
@@ -18091,7 +18091,7 @@
                     <a:p>
                       <a:pPr algn="l" fontAlgn="ctr"/>
                       <a:r>
-                        <a:rPr lang="en-GB" sz="1000" b="0" i="0" u="none" strike="noStrike">
+                        <a:rPr lang="en-GB" sz="1050" b="0" i="0" u="none" strike="noStrike">
                           <a:solidFill>
                             <a:srgbClr val="000000"/>
                           </a:solidFill>
@@ -18151,7 +18151,7 @@
                     <a:p>
                       <a:pPr algn="r" fontAlgn="b"/>
                       <a:r>
-                        <a:rPr lang="en-GB" sz="1000" b="0" i="0" u="none" strike="noStrike">
+                        <a:rPr lang="en-GB" sz="1050" b="0" i="0" u="none" strike="noStrike">
                           <a:solidFill>
                             <a:srgbClr val="000000"/>
                           </a:solidFill>
@@ -18162,7 +18162,7 @@
                       </a:r>
                     </a:p>
                   </a:txBody>
-                  <a:tcPr marL="8703" marR="8703" marT="8703" marB="0">
+                  <a:tcPr marL="9525" marR="9525" marT="9525" marB="0">
                     <a:lnL w="6350" cap="flat" cmpd="sng" algn="ctr">
                       <a:solidFill>
                         <a:srgbClr val="000000"/>
@@ -18211,7 +18211,7 @@
                     <a:p>
                       <a:pPr algn="r" fontAlgn="b"/>
                       <a:r>
-                        <a:rPr lang="en-GB" sz="1000" b="0" i="0" u="none" strike="noStrike">
+                        <a:rPr lang="en-GB" sz="1050" b="0" i="0" u="none" strike="noStrike">
                           <a:solidFill>
                             <a:srgbClr val="000000"/>
                           </a:solidFill>
@@ -18222,7 +18222,7 @@
                       </a:r>
                     </a:p>
                   </a:txBody>
-                  <a:tcPr marL="8703" marR="8703" marT="8703" marB="0">
+                  <a:tcPr marL="9525" marR="9525" marT="9525" marB="0">
                     <a:lnL w="6350" cap="flat" cmpd="sng" algn="ctr">
                       <a:solidFill>
                         <a:srgbClr val="000000"/>
@@ -18271,7 +18271,7 @@
                     <a:p>
                       <a:pPr algn="r" fontAlgn="b"/>
                       <a:r>
-                        <a:rPr lang="en-GB" sz="1000" b="0" i="0" u="none" strike="noStrike">
+                        <a:rPr lang="en-GB" sz="1050" b="0" i="0" u="none" strike="noStrike">
                           <a:solidFill>
                             <a:srgbClr val="000000"/>
                           </a:solidFill>
@@ -18282,7 +18282,7 @@
                       </a:r>
                     </a:p>
                   </a:txBody>
-                  <a:tcPr marL="8703" marR="8703" marT="8703" marB="0">
+                  <a:tcPr marL="9525" marR="9525" marT="9525" marB="0">
                     <a:lnL w="6350" cap="flat" cmpd="sng" algn="ctr">
                       <a:solidFill>
                         <a:srgbClr val="000000"/>
@@ -18331,7 +18331,7 @@
                     <a:p>
                       <a:pPr algn="r" fontAlgn="b"/>
                       <a:r>
-                        <a:rPr lang="en-GB" sz="1000" b="0" i="0" u="none" strike="noStrike">
+                        <a:rPr lang="en-GB" sz="1050" b="0" i="0" u="none" strike="noStrike">
                           <a:solidFill>
                             <a:srgbClr val="000000"/>
                           </a:solidFill>
@@ -18342,7 +18342,7 @@
                       </a:r>
                     </a:p>
                   </a:txBody>
-                  <a:tcPr marL="8703" marR="8703" marT="8703" marB="0">
+                  <a:tcPr marL="9525" marR="9525" marT="9525" marB="0">
                     <a:lnL w="6350" cap="flat" cmpd="sng" algn="ctr">
                       <a:solidFill>
                         <a:srgbClr val="000000"/>
@@ -18391,7 +18391,7 @@
                     <a:p>
                       <a:pPr algn="r" fontAlgn="b"/>
                       <a:r>
-                        <a:rPr lang="en-GB" sz="1000" b="0" i="0" u="none" strike="noStrike">
+                        <a:rPr lang="en-GB" sz="1050" b="0" i="0" u="none" strike="noStrike">
                           <a:solidFill>
                             <a:srgbClr val="000000"/>
                           </a:solidFill>
@@ -18402,7 +18402,7 @@
                       </a:r>
                     </a:p>
                   </a:txBody>
-                  <a:tcPr marL="8703" marR="8703" marT="8703" marB="0">
+                  <a:tcPr marL="9525" marR="9525" marT="9525" marB="0">
                     <a:lnL w="6350" cap="flat" cmpd="sng" algn="ctr">
                       <a:solidFill>
                         <a:srgbClr val="000000"/>
@@ -18451,7 +18451,7 @@
                     <a:p>
                       <a:pPr algn="r" fontAlgn="b"/>
                       <a:r>
-                        <a:rPr lang="en-GB" sz="1000" b="0" i="0" u="none" strike="noStrike">
+                        <a:rPr lang="en-GB" sz="1050" b="0" i="0" u="none" strike="noStrike">
                           <a:solidFill>
                             <a:srgbClr val="000000"/>
                           </a:solidFill>
@@ -18462,7 +18462,7 @@
                       </a:r>
                     </a:p>
                   </a:txBody>
-                  <a:tcPr marL="8703" marR="8703" marT="8703" marB="0">
+                  <a:tcPr marL="9525" marR="9525" marT="9525" marB="0">
                     <a:lnL w="6350" cap="flat" cmpd="sng" algn="ctr">
                       <a:solidFill>
                         <a:srgbClr val="000000"/>
@@ -18511,7 +18511,7 @@
                     <a:p>
                       <a:pPr algn="r" fontAlgn="b"/>
                       <a:r>
-                        <a:rPr lang="en-GB" sz="1000" b="0" i="0" u="none" strike="noStrike">
+                        <a:rPr lang="en-GB" sz="1050" b="0" i="0" u="none" strike="noStrike">
                           <a:solidFill>
                             <a:srgbClr val="000000"/>
                           </a:solidFill>
@@ -18522,7 +18522,7 @@
                       </a:r>
                     </a:p>
                   </a:txBody>
-                  <a:tcPr marL="8703" marR="8703" marT="8703" marB="0">
+                  <a:tcPr marL="9525" marR="9525" marT="9525" marB="0">
                     <a:lnL w="6350" cap="flat" cmpd="sng" algn="ctr">
                       <a:solidFill>
                         <a:srgbClr val="000000"/>
@@ -18571,7 +18571,7 @@
                     <a:p>
                       <a:pPr algn="r" fontAlgn="b"/>
                       <a:r>
-                        <a:rPr lang="en-GB" sz="1000" b="0" i="0" u="none" strike="noStrike">
+                        <a:rPr lang="en-GB" sz="1050" b="0" i="0" u="none" strike="noStrike">
                           <a:solidFill>
                             <a:srgbClr val="000000"/>
                           </a:solidFill>
@@ -18582,7 +18582,7 @@
                       </a:r>
                     </a:p>
                   </a:txBody>
-                  <a:tcPr marL="8703" marR="8703" marT="8703" marB="0">
+                  <a:tcPr marL="9525" marR="9525" marT="9525" marB="0">
                     <a:lnL w="6350" cap="flat" cmpd="sng" algn="ctr">
                       <a:solidFill>
                         <a:srgbClr val="000000"/>
@@ -18631,7 +18631,7 @@
                     <a:p>
                       <a:pPr algn="r" fontAlgn="b"/>
                       <a:r>
-                        <a:rPr lang="en-GB" sz="1000" b="0" i="0" u="none" strike="noStrike">
+                        <a:rPr lang="en-GB" sz="1050" b="0" i="0" u="none" strike="noStrike">
                           <a:solidFill>
                             <a:srgbClr val="000000"/>
                           </a:solidFill>
@@ -18642,7 +18642,7 @@
                       </a:r>
                     </a:p>
                   </a:txBody>
-                  <a:tcPr marL="8703" marR="8703" marT="8703" marB="0">
+                  <a:tcPr marL="9525" marR="9525" marT="9525" marB="0">
                     <a:lnL w="6350" cap="flat" cmpd="sng" algn="ctr">
                       <a:solidFill>
                         <a:srgbClr val="000000"/>
@@ -18691,7 +18691,7 @@
                     <a:p>
                       <a:pPr algn="r" fontAlgn="b"/>
                       <a:r>
-                        <a:rPr lang="en-GB" sz="1000" b="0" i="0" u="none" strike="noStrike">
+                        <a:rPr lang="en-GB" sz="1050" b="0" i="0" u="none" strike="noStrike">
                           <a:solidFill>
                             <a:srgbClr val="000000"/>
                           </a:solidFill>
@@ -18702,7 +18702,7 @@
                       </a:r>
                     </a:p>
                   </a:txBody>
-                  <a:tcPr marL="8703" marR="8703" marT="8703" marB="0">
+                  <a:tcPr marL="9525" marR="9525" marT="9525" marB="0">
                     <a:lnL w="6350" cap="flat" cmpd="sng" algn="ctr">
                       <a:solidFill>
                         <a:srgbClr val="000000"/>
@@ -18751,7 +18751,7 @@
                     <a:p>
                       <a:pPr algn="r" fontAlgn="b"/>
                       <a:r>
-                        <a:rPr lang="en-GB" sz="1000" b="0" i="0" u="none" strike="noStrike">
+                        <a:rPr lang="en-GB" sz="1050" b="0" i="0" u="none" strike="noStrike">
                           <a:solidFill>
                             <a:srgbClr val="000000"/>
                           </a:solidFill>
@@ -18762,7 +18762,7 @@
                       </a:r>
                     </a:p>
                   </a:txBody>
-                  <a:tcPr marL="8703" marR="8703" marT="8703" marB="0">
+                  <a:tcPr marL="9525" marR="9525" marT="9525" marB="0">
                     <a:lnL w="6350" cap="flat" cmpd="sng" algn="ctr">
                       <a:solidFill>
                         <a:srgbClr val="000000"/>
@@ -18811,7 +18811,7 @@
                     <a:p>
                       <a:pPr algn="r" fontAlgn="b"/>
                       <a:r>
-                        <a:rPr lang="en-GB" sz="1000" b="0" i="0" u="none" strike="noStrike">
+                        <a:rPr lang="en-GB" sz="1050" b="0" i="0" u="none" strike="noStrike">
                           <a:solidFill>
                             <a:srgbClr val="000000"/>
                           </a:solidFill>
@@ -18822,7 +18822,7 @@
                       </a:r>
                     </a:p>
                   </a:txBody>
-                  <a:tcPr marL="8703" marR="8703" marT="8703" marB="0">
+                  <a:tcPr marL="9525" marR="9525" marT="9525" marB="0">
                     <a:lnL w="6350" cap="flat" cmpd="sng" algn="ctr">
                       <a:solidFill>
                         <a:srgbClr val="000000"/>
@@ -18871,7 +18871,7 @@
                     <a:p>
                       <a:pPr algn="r" fontAlgn="b"/>
                       <a:r>
-                        <a:rPr lang="en-GB" sz="1000" b="0" i="0" u="none" strike="noStrike">
+                        <a:rPr lang="en-GB" sz="1050" b="0" i="0" u="none" strike="noStrike">
                           <a:solidFill>
                             <a:srgbClr val="000000"/>
                           </a:solidFill>
@@ -18882,7 +18882,7 @@
                       </a:r>
                     </a:p>
                   </a:txBody>
-                  <a:tcPr marL="8703" marR="8703" marT="8703" marB="0">
+                  <a:tcPr marL="9525" marR="9525" marT="9525" marB="0">
                     <a:lnL w="6350" cap="flat" cmpd="sng" algn="ctr">
                       <a:solidFill>
                         <a:srgbClr val="000000"/>
@@ -18931,18 +18931,18 @@
                     <a:p>
                       <a:pPr algn="r" fontAlgn="b"/>
                       <a:r>
-                        <a:rPr lang="en-GB" sz="1000" b="0" i="0" u="none" strike="noStrike">
-                          <a:solidFill>
-                            <a:srgbClr val="000000"/>
-                          </a:solidFill>
-                          <a:effectLst/>
-                          <a:latin typeface="Calibri" panose="020F0502020204030204" pitchFamily="34" charset="0"/>
-                        </a:rPr>
-                        <a:t>110</a:t>
-                      </a:r>
-                    </a:p>
-                  </a:txBody>
-                  <a:tcPr marL="8703" marR="8703" marT="8703" marB="0">
+                        <a:rPr lang="en-GB" sz="1050" b="0" i="0" u="none" strike="noStrike">
+                          <a:solidFill>
+                            <a:srgbClr val="000000"/>
+                          </a:solidFill>
+                          <a:effectLst/>
+                          <a:latin typeface="Calibri" panose="020F0502020204030204" pitchFamily="34" charset="0"/>
+                        </a:rPr>
+                        <a:t>111</a:t>
+                      </a:r>
+                    </a:p>
+                  </a:txBody>
+                  <a:tcPr marL="9525" marR="9525" marT="9525" marB="0">
                     <a:lnL w="6350" cap="flat" cmpd="sng" algn="ctr">
                       <a:solidFill>
                         <a:srgbClr val="000000"/>
@@ -18991,7 +18991,7 @@
                     <a:p>
                       <a:pPr algn="r" fontAlgn="b"/>
                       <a:r>
-                        <a:rPr lang="en-GB" sz="1000" b="0" i="0" u="none" strike="noStrike">
+                        <a:rPr lang="en-GB" sz="1050" b="0" i="0" u="none" strike="noStrike">
                           <a:solidFill>
                             <a:srgbClr val="000000"/>
                           </a:solidFill>
@@ -19002,7 +19002,7 @@
                       </a:r>
                     </a:p>
                   </a:txBody>
-                  <a:tcPr marL="8703" marR="8703" marT="8703" marB="0">
+                  <a:tcPr marL="9525" marR="9525" marT="9525" marB="0">
                     <a:lnL w="6350" cap="flat" cmpd="sng" algn="ctr">
                       <a:solidFill>
                         <a:srgbClr val="000000"/>
@@ -19051,18 +19051,18 @@
                     <a:p>
                       <a:pPr algn="r" fontAlgn="b"/>
                       <a:r>
-                        <a:rPr lang="en-GB" sz="1000" b="0" i="0" u="none" strike="noStrike">
-                          <a:solidFill>
-                            <a:srgbClr val="000000"/>
-                          </a:solidFill>
-                          <a:effectLst/>
-                          <a:latin typeface="Calibri" panose="020F0502020204030204" pitchFamily="34" charset="0"/>
-                        </a:rPr>
-                        <a:t>133</a:t>
-                      </a:r>
-                    </a:p>
-                  </a:txBody>
-                  <a:tcPr marL="8703" marR="8703" marT="8703" marB="0">
+                        <a:rPr lang="en-GB" sz="1050" b="0" i="0" u="none" strike="noStrike">
+                          <a:solidFill>
+                            <a:srgbClr val="000000"/>
+                          </a:solidFill>
+                          <a:effectLst/>
+                          <a:latin typeface="Calibri" panose="020F0502020204030204" pitchFamily="34" charset="0"/>
+                        </a:rPr>
+                        <a:t>135</a:t>
+                      </a:r>
+                    </a:p>
+                  </a:txBody>
+                  <a:tcPr marL="9525" marR="9525" marT="9525" marB="0">
                     <a:lnL w="6350" cap="flat" cmpd="sng" algn="ctr">
                       <a:solidFill>
                         <a:srgbClr val="000000"/>
@@ -19111,18 +19111,18 @@
                     <a:p>
                       <a:pPr algn="r" fontAlgn="b"/>
                       <a:r>
-                        <a:rPr lang="en-GB" sz="1000" b="0" i="0" u="none" strike="noStrike">
-                          <a:solidFill>
-                            <a:srgbClr val="000000"/>
-                          </a:solidFill>
-                          <a:effectLst/>
-                          <a:latin typeface="Calibri" panose="020F0502020204030204" pitchFamily="34" charset="0"/>
-                        </a:rPr>
-                        <a:t>143</a:t>
-                      </a:r>
-                    </a:p>
-                  </a:txBody>
-                  <a:tcPr marL="8703" marR="8703" marT="8703" marB="0">
+                        <a:rPr lang="en-GB" sz="1050" b="0" i="0" u="none" strike="noStrike">
+                          <a:solidFill>
+                            <a:srgbClr val="000000"/>
+                          </a:solidFill>
+                          <a:effectLst/>
+                          <a:latin typeface="Calibri" panose="020F0502020204030204" pitchFamily="34" charset="0"/>
+                        </a:rPr>
+                        <a:t>145</a:t>
+                      </a:r>
+                    </a:p>
+                  </a:txBody>
+                  <a:tcPr marL="9525" marR="9525" marT="9525" marB="0">
                     <a:lnL w="6350" cap="flat" cmpd="sng" algn="ctr">
                       <a:solidFill>
                         <a:srgbClr val="000000"/>
@@ -19169,20 +19169,20 @@
                     <a:bodyPr/>
                     <a:lstStyle/>
                     <a:p>
-                      <a:pPr algn="l" fontAlgn="b"/>
-                      <a:r>
-                        <a:rPr lang="en-GB" sz="1000" b="0" i="0" u="none" strike="noStrike">
-                          <a:solidFill>
-                            <a:srgbClr val="000000"/>
-                          </a:solidFill>
-                          <a:effectLst/>
-                          <a:latin typeface="Calibri" panose="020F0502020204030204" pitchFamily="34" charset="0"/>
-                        </a:rPr>
-                        <a:t> </a:t>
-                      </a:r>
-                    </a:p>
-                  </a:txBody>
-                  <a:tcPr marL="8703" marR="8703" marT="8703" marB="0">
+                      <a:pPr algn="r" fontAlgn="b"/>
+                      <a:r>
+                        <a:rPr lang="en-GB" sz="1050" b="0" i="0" u="none" strike="noStrike">
+                          <a:solidFill>
+                            <a:srgbClr val="000000"/>
+                          </a:solidFill>
+                          <a:effectLst/>
+                          <a:latin typeface="Calibri" panose="020F0502020204030204" pitchFamily="34" charset="0"/>
+                        </a:rPr>
+                        <a:t>132</a:t>
+                      </a:r>
+                    </a:p>
+                  </a:txBody>
+                  <a:tcPr marL="9525" marR="9525" marT="9525" marB="0">
                     <a:lnL w="6350" cap="flat" cmpd="sng" algn="ctr">
                       <a:solidFill>
                         <a:srgbClr val="000000"/>
@@ -19238,7 +19238,7 @@
                     <a:p>
                       <a:pPr algn="l" fontAlgn="ctr"/>
                       <a:r>
-                        <a:rPr lang="en-GB" sz="1000" b="1" i="0" u="none" strike="noStrike">
+                        <a:rPr lang="en-GB" sz="1050" b="1" i="0" u="none" strike="noStrike" dirty="0">
                           <a:solidFill>
                             <a:srgbClr val="000000"/>
                           </a:solidFill>
@@ -19298,18 +19298,18 @@
                     <a:p>
                       <a:pPr algn="r" fontAlgn="b"/>
                       <a:r>
-                        <a:rPr lang="en-GB" sz="1000" b="1" i="0" u="none" strike="noStrike">
-                          <a:solidFill>
-                            <a:srgbClr val="000000"/>
-                          </a:solidFill>
-                          <a:effectLst/>
-                          <a:latin typeface="Calibri" panose="020F0502020204030204" pitchFamily="34" charset="0"/>
-                        </a:rPr>
-                        <a:t>211</a:t>
-                      </a:r>
-                    </a:p>
-                  </a:txBody>
-                  <a:tcPr marL="8703" marR="8703" marT="8703" marB="0">
+                        <a:rPr lang="en-GB" sz="1050" b="1" i="0" u="none" strike="noStrike">
+                          <a:solidFill>
+                            <a:srgbClr val="000000"/>
+                          </a:solidFill>
+                          <a:effectLst/>
+                          <a:latin typeface="Calibri" panose="020F0502020204030204" pitchFamily="34" charset="0"/>
+                        </a:rPr>
+                        <a:t>212</a:t>
+                      </a:r>
+                    </a:p>
+                  </a:txBody>
+                  <a:tcPr marL="9525" marR="9525" marT="9525" marB="0">
                     <a:lnL w="6350" cap="flat" cmpd="sng" algn="ctr">
                       <a:solidFill>
                         <a:srgbClr val="000000"/>
@@ -19358,7 +19358,7 @@
                     <a:p>
                       <a:pPr algn="r" fontAlgn="b"/>
                       <a:r>
-                        <a:rPr lang="en-GB" sz="1000" b="1" i="0" u="none" strike="noStrike">
+                        <a:rPr lang="en-GB" sz="1050" b="1" i="0" u="none" strike="noStrike" dirty="0">
                           <a:solidFill>
                             <a:srgbClr val="000000"/>
                           </a:solidFill>
@@ -19369,7 +19369,7 @@
                       </a:r>
                     </a:p>
                   </a:txBody>
-                  <a:tcPr marL="8703" marR="8703" marT="8703" marB="0">
+                  <a:tcPr marL="9525" marR="9525" marT="9525" marB="0">
                     <a:lnL w="6350" cap="flat" cmpd="sng" algn="ctr">
                       <a:solidFill>
                         <a:srgbClr val="000000"/>
@@ -19418,18 +19418,18 @@
                     <a:p>
                       <a:pPr algn="r" fontAlgn="b"/>
                       <a:r>
-                        <a:rPr lang="en-GB" sz="1000" b="1" i="0" u="none" strike="noStrike">
-                          <a:solidFill>
-                            <a:srgbClr val="000000"/>
-                          </a:solidFill>
-                          <a:effectLst/>
-                          <a:latin typeface="Calibri" panose="020F0502020204030204" pitchFamily="34" charset="0"/>
-                        </a:rPr>
-                        <a:t>181</a:t>
-                      </a:r>
-                    </a:p>
-                  </a:txBody>
-                  <a:tcPr marL="8703" marR="8703" marT="8703" marB="0">
+                        <a:rPr lang="en-GB" sz="1050" b="1" i="0" u="none" strike="noStrike">
+                          <a:solidFill>
+                            <a:srgbClr val="000000"/>
+                          </a:solidFill>
+                          <a:effectLst/>
+                          <a:latin typeface="Calibri" panose="020F0502020204030204" pitchFamily="34" charset="0"/>
+                        </a:rPr>
+                        <a:t>183</a:t>
+                      </a:r>
+                    </a:p>
+                  </a:txBody>
+                  <a:tcPr marL="9525" marR="9525" marT="9525" marB="0">
                     <a:lnL w="6350" cap="flat" cmpd="sng" algn="ctr">
                       <a:solidFill>
                         <a:srgbClr val="000000"/>
@@ -19478,7 +19478,7 @@
                     <a:p>
                       <a:pPr algn="r" fontAlgn="b"/>
                       <a:r>
-                        <a:rPr lang="en-GB" sz="1000" b="1" i="0" u="none" strike="noStrike">
+                        <a:rPr lang="en-GB" sz="1050" b="1" i="0" u="none" strike="noStrike" dirty="0">
                           <a:solidFill>
                             <a:srgbClr val="000000"/>
                           </a:solidFill>
@@ -19489,7 +19489,7 @@
                       </a:r>
                     </a:p>
                   </a:txBody>
-                  <a:tcPr marL="8703" marR="8703" marT="8703" marB="0">
+                  <a:tcPr marL="9525" marR="9525" marT="9525" marB="0">
                     <a:lnL w="6350" cap="flat" cmpd="sng" algn="ctr">
                       <a:solidFill>
                         <a:srgbClr val="000000"/>
@@ -19538,18 +19538,18 @@
                     <a:p>
                       <a:pPr algn="r" fontAlgn="b"/>
                       <a:r>
-                        <a:rPr lang="en-GB" sz="1000" b="1" i="0" u="none" strike="noStrike">
-                          <a:solidFill>
-                            <a:srgbClr val="000000"/>
-                          </a:solidFill>
-                          <a:effectLst/>
-                          <a:latin typeface="Calibri" panose="020F0502020204030204" pitchFamily="34" charset="0"/>
-                        </a:rPr>
-                        <a:t>199</a:t>
-                      </a:r>
-                    </a:p>
-                  </a:txBody>
-                  <a:tcPr marL="8703" marR="8703" marT="8703" marB="0">
+                        <a:rPr lang="en-GB" sz="1050" b="1" i="0" u="none" strike="noStrike" dirty="0">
+                          <a:solidFill>
+                            <a:srgbClr val="000000"/>
+                          </a:solidFill>
+                          <a:effectLst/>
+                          <a:latin typeface="Calibri" panose="020F0502020204030204" pitchFamily="34" charset="0"/>
+                        </a:rPr>
+                        <a:t>200</a:t>
+                      </a:r>
+                    </a:p>
+                  </a:txBody>
+                  <a:tcPr marL="9525" marR="9525" marT="9525" marB="0">
                     <a:lnL w="6350" cap="flat" cmpd="sng" algn="ctr">
                       <a:solidFill>
                         <a:srgbClr val="000000"/>
@@ -19598,7 +19598,7 @@
                     <a:p>
                       <a:pPr algn="r" fontAlgn="b"/>
                       <a:r>
-                        <a:rPr lang="en-GB" sz="1000" b="1" i="0" u="none" strike="noStrike">
+                        <a:rPr lang="en-GB" sz="1050" b="1" i="0" u="none" strike="noStrike">
                           <a:solidFill>
                             <a:srgbClr val="000000"/>
                           </a:solidFill>
@@ -19609,7 +19609,7 @@
                       </a:r>
                     </a:p>
                   </a:txBody>
-                  <a:tcPr marL="8703" marR="8703" marT="8703" marB="0">
+                  <a:tcPr marL="9525" marR="9525" marT="9525" marB="0">
                     <a:lnL w="6350" cap="flat" cmpd="sng" algn="ctr">
                       <a:solidFill>
                         <a:srgbClr val="000000"/>
@@ -19658,18 +19658,18 @@
                     <a:p>
                       <a:pPr algn="r" fontAlgn="b"/>
                       <a:r>
-                        <a:rPr lang="en-GB" sz="1000" b="1" i="0" u="none" strike="noStrike">
-                          <a:solidFill>
-                            <a:srgbClr val="000000"/>
-                          </a:solidFill>
-                          <a:effectLst/>
-                          <a:latin typeface="Calibri" panose="020F0502020204030204" pitchFamily="34" charset="0"/>
-                        </a:rPr>
-                        <a:t>192</a:t>
-                      </a:r>
-                    </a:p>
-                  </a:txBody>
-                  <a:tcPr marL="8703" marR="8703" marT="8703" marB="0">
+                        <a:rPr lang="en-GB" sz="1050" b="1" i="0" u="none" strike="noStrike">
+                          <a:solidFill>
+                            <a:srgbClr val="000000"/>
+                          </a:solidFill>
+                          <a:effectLst/>
+                          <a:latin typeface="Calibri" panose="020F0502020204030204" pitchFamily="34" charset="0"/>
+                        </a:rPr>
+                        <a:t>193</a:t>
+                      </a:r>
+                    </a:p>
+                  </a:txBody>
+                  <a:tcPr marL="9525" marR="9525" marT="9525" marB="0">
                     <a:lnL w="6350" cap="flat" cmpd="sng" algn="ctr">
                       <a:solidFill>
                         <a:srgbClr val="000000"/>
@@ -19718,18 +19718,18 @@
                     <a:p>
                       <a:pPr algn="r" fontAlgn="b"/>
                       <a:r>
-                        <a:rPr lang="en-GB" sz="1000" b="1" i="0" u="none" strike="noStrike">
-                          <a:solidFill>
-                            <a:srgbClr val="000000"/>
-                          </a:solidFill>
-                          <a:effectLst/>
-                          <a:latin typeface="Calibri" panose="020F0502020204030204" pitchFamily="34" charset="0"/>
-                        </a:rPr>
-                        <a:t>200</a:t>
-                      </a:r>
-                    </a:p>
-                  </a:txBody>
-                  <a:tcPr marL="8703" marR="8703" marT="8703" marB="0">
+                        <a:rPr lang="en-GB" sz="1050" b="1" i="0" u="none" strike="noStrike" dirty="0">
+                          <a:solidFill>
+                            <a:srgbClr val="000000"/>
+                          </a:solidFill>
+                          <a:effectLst/>
+                          <a:latin typeface="Calibri" panose="020F0502020204030204" pitchFamily="34" charset="0"/>
+                        </a:rPr>
+                        <a:t>201</a:t>
+                      </a:r>
+                    </a:p>
+                  </a:txBody>
+                  <a:tcPr marL="9525" marR="9525" marT="9525" marB="0">
                     <a:lnL w="6350" cap="flat" cmpd="sng" algn="ctr">
                       <a:solidFill>
                         <a:srgbClr val="000000"/>
@@ -19778,18 +19778,18 @@
                     <a:p>
                       <a:pPr algn="r" fontAlgn="b"/>
                       <a:r>
-                        <a:rPr lang="en-GB" sz="1000" b="1" i="0" u="none" strike="noStrike">
-                          <a:solidFill>
-                            <a:srgbClr val="000000"/>
-                          </a:solidFill>
-                          <a:effectLst/>
-                          <a:latin typeface="Calibri" panose="020F0502020204030204" pitchFamily="34" charset="0"/>
-                        </a:rPr>
-                        <a:t>193</a:t>
-                      </a:r>
-                    </a:p>
-                  </a:txBody>
-                  <a:tcPr marL="8703" marR="8703" marT="8703" marB="0">
+                        <a:rPr lang="en-GB" sz="1050" b="1" i="0" u="none" strike="noStrike">
+                          <a:solidFill>
+                            <a:srgbClr val="000000"/>
+                          </a:solidFill>
+                          <a:effectLst/>
+                          <a:latin typeface="Calibri" panose="020F0502020204030204" pitchFamily="34" charset="0"/>
+                        </a:rPr>
+                        <a:t>194</a:t>
+                      </a:r>
+                    </a:p>
+                  </a:txBody>
+                  <a:tcPr marL="9525" marR="9525" marT="9525" marB="0">
                     <a:lnL w="6350" cap="flat" cmpd="sng" algn="ctr">
                       <a:solidFill>
                         <a:srgbClr val="000000"/>
@@ -19838,7 +19838,7 @@
                     <a:p>
                       <a:pPr algn="r" fontAlgn="b"/>
                       <a:r>
-                        <a:rPr lang="en-GB" sz="1000" b="1" i="0" u="none" strike="noStrike">
+                        <a:rPr lang="en-GB" sz="1050" b="1" i="0" u="none" strike="noStrike" dirty="0">
                           <a:solidFill>
                             <a:srgbClr val="000000"/>
                           </a:solidFill>
@@ -19849,7 +19849,7 @@
                       </a:r>
                     </a:p>
                   </a:txBody>
-                  <a:tcPr marL="8703" marR="8703" marT="8703" marB="0">
+                  <a:tcPr marL="9525" marR="9525" marT="9525" marB="0">
                     <a:lnL w="6350" cap="flat" cmpd="sng" algn="ctr">
                       <a:solidFill>
                         <a:srgbClr val="000000"/>
@@ -19898,18 +19898,18 @@
                     <a:p>
                       <a:pPr algn="r" fontAlgn="b"/>
                       <a:r>
-                        <a:rPr lang="en-GB" sz="1000" b="1" i="0" u="none" strike="noStrike">
-                          <a:solidFill>
-                            <a:srgbClr val="000000"/>
-                          </a:solidFill>
-                          <a:effectLst/>
-                          <a:latin typeface="Calibri" panose="020F0502020204030204" pitchFamily="34" charset="0"/>
-                        </a:rPr>
-                        <a:t>174</a:t>
-                      </a:r>
-                    </a:p>
-                  </a:txBody>
-                  <a:tcPr marL="8703" marR="8703" marT="8703" marB="0">
+                        <a:rPr lang="en-GB" sz="1050" b="1" i="0" u="none" strike="noStrike" dirty="0">
+                          <a:solidFill>
+                            <a:srgbClr val="000000"/>
+                          </a:solidFill>
+                          <a:effectLst/>
+                          <a:latin typeface="Calibri" panose="020F0502020204030204" pitchFamily="34" charset="0"/>
+                        </a:rPr>
+                        <a:t>176</a:t>
+                      </a:r>
+                    </a:p>
+                  </a:txBody>
+                  <a:tcPr marL="9525" marR="9525" marT="9525" marB="0">
                     <a:lnL w="6350" cap="flat" cmpd="sng" algn="ctr">
                       <a:solidFill>
                         <a:srgbClr val="000000"/>
@@ -19958,7 +19958,7 @@
                     <a:p>
                       <a:pPr algn="r" fontAlgn="b"/>
                       <a:r>
-                        <a:rPr lang="en-GB" sz="1000" b="1" i="0" u="none" strike="noStrike">
+                        <a:rPr lang="en-GB" sz="1050" b="1" i="0" u="none" strike="noStrike">
                           <a:solidFill>
                             <a:srgbClr val="000000"/>
                           </a:solidFill>
@@ -19969,7 +19969,7 @@
                       </a:r>
                     </a:p>
                   </a:txBody>
-                  <a:tcPr marL="8703" marR="8703" marT="8703" marB="0">
+                  <a:tcPr marL="9525" marR="9525" marT="9525" marB="0">
                     <a:lnL w="6350" cap="flat" cmpd="sng" algn="ctr">
                       <a:solidFill>
                         <a:srgbClr val="000000"/>
@@ -20018,18 +20018,18 @@
                     <a:p>
                       <a:pPr algn="r" fontAlgn="b"/>
                       <a:r>
-                        <a:rPr lang="en-GB" sz="1000" b="1" i="0" u="none" strike="noStrike">
-                          <a:solidFill>
-                            <a:srgbClr val="000000"/>
-                          </a:solidFill>
-                          <a:effectLst/>
-                          <a:latin typeface="Calibri" panose="020F0502020204030204" pitchFamily="34" charset="0"/>
-                        </a:rPr>
-                        <a:t>180</a:t>
-                      </a:r>
-                    </a:p>
-                  </a:txBody>
-                  <a:tcPr marL="8703" marR="8703" marT="8703" marB="0">
+                        <a:rPr lang="en-GB" sz="1050" b="1" i="0" u="none" strike="noStrike">
+                          <a:solidFill>
+                            <a:srgbClr val="000000"/>
+                          </a:solidFill>
+                          <a:effectLst/>
+                          <a:latin typeface="Calibri" panose="020F0502020204030204" pitchFamily="34" charset="0"/>
+                        </a:rPr>
+                        <a:t>181</a:t>
+                      </a:r>
+                    </a:p>
+                  </a:txBody>
+                  <a:tcPr marL="9525" marR="9525" marT="9525" marB="0">
                     <a:lnL w="6350" cap="flat" cmpd="sng" algn="ctr">
                       <a:solidFill>
                         <a:srgbClr val="000000"/>
@@ -20078,7 +20078,7 @@
                     <a:p>
                       <a:pPr algn="r" fontAlgn="b"/>
                       <a:r>
-                        <a:rPr lang="en-GB" sz="1000" b="1" i="0" u="none" strike="noStrike">
+                        <a:rPr lang="en-GB" sz="1050" b="1" i="0" u="none" strike="noStrike" dirty="0">
                           <a:solidFill>
                             <a:srgbClr val="000000"/>
                           </a:solidFill>
@@ -20089,7 +20089,7 @@
                       </a:r>
                     </a:p>
                   </a:txBody>
-                  <a:tcPr marL="8703" marR="8703" marT="8703" marB="0">
+                  <a:tcPr marL="9525" marR="9525" marT="9525" marB="0">
                     <a:lnL w="6350" cap="flat" cmpd="sng" algn="ctr">
                       <a:solidFill>
                         <a:srgbClr val="000000"/>
@@ -20138,18 +20138,18 @@
                     <a:p>
                       <a:pPr algn="r" fontAlgn="b"/>
                       <a:r>
-                        <a:rPr lang="en-GB" sz="1000" b="1" i="0" u="none" strike="noStrike">
-                          <a:solidFill>
-                            <a:srgbClr val="000000"/>
-                          </a:solidFill>
-                          <a:effectLst/>
-                          <a:latin typeface="Calibri" panose="020F0502020204030204" pitchFamily="34" charset="0"/>
-                        </a:rPr>
-                        <a:t>218</a:t>
-                      </a:r>
-                    </a:p>
-                  </a:txBody>
-                  <a:tcPr marL="8703" marR="8703" marT="8703" marB="0">
+                        <a:rPr lang="en-GB" sz="1050" b="1" i="0" u="none" strike="noStrike">
+                          <a:solidFill>
+                            <a:srgbClr val="000000"/>
+                          </a:solidFill>
+                          <a:effectLst/>
+                          <a:latin typeface="Calibri" panose="020F0502020204030204" pitchFamily="34" charset="0"/>
+                        </a:rPr>
+                        <a:t>219</a:t>
+                      </a:r>
+                    </a:p>
+                  </a:txBody>
+                  <a:tcPr marL="9525" marR="9525" marT="9525" marB="0">
                     <a:lnL w="6350" cap="flat" cmpd="sng" algn="ctr">
                       <a:solidFill>
                         <a:srgbClr val="000000"/>
@@ -20198,7 +20198,7 @@
                     <a:p>
                       <a:pPr algn="r" fontAlgn="b"/>
                       <a:r>
-                        <a:rPr lang="en-GB" sz="1000" b="1" i="0" u="none" strike="noStrike">
+                        <a:rPr lang="en-GB" sz="1050" b="1" i="0" u="none" strike="noStrike" dirty="0">
                           <a:solidFill>
                             <a:srgbClr val="000000"/>
                           </a:solidFill>
@@ -20209,7 +20209,7 @@
                       </a:r>
                     </a:p>
                   </a:txBody>
-                  <a:tcPr marL="8703" marR="8703" marT="8703" marB="0">
+                  <a:tcPr marL="9525" marR="9525" marT="9525" marB="0">
                     <a:lnL w="6350" cap="flat" cmpd="sng" algn="ctr">
                       <a:solidFill>
                         <a:srgbClr val="000000"/>
@@ -20258,18 +20258,18 @@
                     <a:p>
                       <a:pPr algn="r" fontAlgn="b"/>
                       <a:r>
-                        <a:rPr lang="en-GB" sz="1000" b="1" i="0" u="none" strike="noStrike">
-                          <a:solidFill>
-                            <a:srgbClr val="000000"/>
-                          </a:solidFill>
-                          <a:effectLst/>
-                          <a:latin typeface="Calibri" panose="020F0502020204030204" pitchFamily="34" charset="0"/>
-                        </a:rPr>
-                        <a:t>202</a:t>
-                      </a:r>
-                    </a:p>
-                  </a:txBody>
-                  <a:tcPr marL="8703" marR="8703" marT="8703" marB="0">
+                        <a:rPr lang="en-GB" sz="1050" b="1" i="0" u="none" strike="noStrike" dirty="0">
+                          <a:solidFill>
+                            <a:srgbClr val="000000"/>
+                          </a:solidFill>
+                          <a:effectLst/>
+                          <a:latin typeface="Calibri" panose="020F0502020204030204" pitchFamily="34" charset="0"/>
+                        </a:rPr>
+                        <a:t>205</a:t>
+                      </a:r>
+                    </a:p>
+                  </a:txBody>
+                  <a:tcPr marL="9525" marR="9525" marT="9525" marB="0">
                     <a:lnL w="6350" cap="flat" cmpd="sng" algn="ctr">
                       <a:solidFill>
                         <a:srgbClr val="000000"/>
@@ -20316,20 +20316,20 @@
                     <a:bodyPr/>
                     <a:lstStyle/>
                     <a:p>
-                      <a:pPr algn="l" fontAlgn="b"/>
-                      <a:r>
-                        <a:rPr lang="en-GB" sz="1000" b="1" i="0" u="none" strike="noStrike">
-                          <a:solidFill>
-                            <a:srgbClr val="000000"/>
-                          </a:solidFill>
-                          <a:effectLst/>
-                          <a:latin typeface="Calibri" panose="020F0502020204030204" pitchFamily="34" charset="0"/>
-                        </a:rPr>
-                        <a:t> </a:t>
-                      </a:r>
-                    </a:p>
-                  </a:txBody>
-                  <a:tcPr marL="8703" marR="8703" marT="8703" marB="0">
+                      <a:pPr algn="r" fontAlgn="b"/>
+                      <a:r>
+                        <a:rPr lang="en-GB" sz="1050" b="1" i="0" u="none" strike="noStrike" dirty="0">
+                          <a:solidFill>
+                            <a:srgbClr val="000000"/>
+                          </a:solidFill>
+                          <a:effectLst/>
+                          <a:latin typeface="Calibri" panose="020F0502020204030204" pitchFamily="34" charset="0"/>
+                        </a:rPr>
+                        <a:t>190</a:t>
+                      </a:r>
+                    </a:p>
+                  </a:txBody>
+                  <a:tcPr marL="9525" marR="9525" marT="9525" marB="0">
                     <a:lnL w="6350" cap="flat" cmpd="sng" algn="ctr">
                       <a:solidFill>
                         <a:srgbClr val="000000"/>
@@ -20385,7 +20385,7 @@
                     <a:p>
                       <a:pPr algn="l" fontAlgn="ctr"/>
                       <a:r>
-                        <a:rPr lang="en-GB" sz="1000" b="0" i="0" u="none" strike="noStrike">
+                        <a:rPr lang="en-GB" sz="1050" b="0" i="0" u="none" strike="noStrike">
                           <a:solidFill>
                             <a:srgbClr val="000000"/>
                           </a:solidFill>
@@ -20445,18 +20445,18 @@
                     <a:p>
                       <a:pPr algn="r" fontAlgn="b"/>
                       <a:r>
-                        <a:rPr lang="en-GB" sz="1000" b="0" i="0" u="none" strike="noStrike">
-                          <a:solidFill>
-                            <a:srgbClr val="000000"/>
-                          </a:solidFill>
-                          <a:effectLst/>
-                          <a:latin typeface="Calibri" panose="020F0502020204030204" pitchFamily="34" charset="0"/>
-                        </a:rPr>
-                        <a:t>421</a:t>
-                      </a:r>
-                    </a:p>
-                  </a:txBody>
-                  <a:tcPr marL="8703" marR="8703" marT="8703" marB="0">
+                        <a:rPr lang="en-GB" sz="1050" b="0" i="0" u="none" strike="noStrike">
+                          <a:solidFill>
+                            <a:srgbClr val="000000"/>
+                          </a:solidFill>
+                          <a:effectLst/>
+                          <a:latin typeface="Calibri" panose="020F0502020204030204" pitchFamily="34" charset="0"/>
+                        </a:rPr>
+                        <a:t>422</a:t>
+                      </a:r>
+                    </a:p>
+                  </a:txBody>
+                  <a:tcPr marL="9525" marR="9525" marT="9525" marB="0">
                     <a:lnL w="6350" cap="flat" cmpd="sng" algn="ctr">
                       <a:solidFill>
                         <a:srgbClr val="000000"/>
@@ -20505,7 +20505,7 @@
                     <a:p>
                       <a:pPr algn="r" fontAlgn="b"/>
                       <a:r>
-                        <a:rPr lang="en-GB" sz="1000" b="0" i="0" u="none" strike="noStrike">
+                        <a:rPr lang="en-GB" sz="1050" b="0" i="0" u="none" strike="noStrike">
                           <a:solidFill>
                             <a:srgbClr val="000000"/>
                           </a:solidFill>
@@ -20516,7 +20516,7 @@
                       </a:r>
                     </a:p>
                   </a:txBody>
-                  <a:tcPr marL="8703" marR="8703" marT="8703" marB="0">
+                  <a:tcPr marL="9525" marR="9525" marT="9525" marB="0">
                     <a:lnL w="6350" cap="flat" cmpd="sng" algn="ctr">
                       <a:solidFill>
                         <a:srgbClr val="000000"/>
@@ -20565,18 +20565,18 @@
                     <a:p>
                       <a:pPr algn="r" fontAlgn="b"/>
                       <a:r>
-                        <a:rPr lang="en-GB" sz="1000" b="0" i="0" u="none" strike="noStrike">
-                          <a:solidFill>
-                            <a:srgbClr val="000000"/>
-                          </a:solidFill>
-                          <a:effectLst/>
-                          <a:latin typeface="Calibri" panose="020F0502020204030204" pitchFamily="34" charset="0"/>
-                        </a:rPr>
-                        <a:t>372</a:t>
-                      </a:r>
-                    </a:p>
-                  </a:txBody>
-                  <a:tcPr marL="8703" marR="8703" marT="8703" marB="0">
+                        <a:rPr lang="en-GB" sz="1050" b="0" i="0" u="none" strike="noStrike">
+                          <a:solidFill>
+                            <a:srgbClr val="000000"/>
+                          </a:solidFill>
+                          <a:effectLst/>
+                          <a:latin typeface="Calibri" panose="020F0502020204030204" pitchFamily="34" charset="0"/>
+                        </a:rPr>
+                        <a:t>374</a:t>
+                      </a:r>
+                    </a:p>
+                  </a:txBody>
+                  <a:tcPr marL="9525" marR="9525" marT="9525" marB="0">
                     <a:lnL w="6350" cap="flat" cmpd="sng" algn="ctr">
                       <a:solidFill>
                         <a:srgbClr val="000000"/>
@@ -20625,7 +20625,7 @@
                     <a:p>
                       <a:pPr algn="r" fontAlgn="b"/>
                       <a:r>
-                        <a:rPr lang="en-GB" sz="1000" b="0" i="0" u="none" strike="noStrike">
+                        <a:rPr lang="en-GB" sz="1050" b="0" i="0" u="none" strike="noStrike">
                           <a:solidFill>
                             <a:srgbClr val="000000"/>
                           </a:solidFill>
@@ -20636,7 +20636,7 @@
                       </a:r>
                     </a:p>
                   </a:txBody>
-                  <a:tcPr marL="8703" marR="8703" marT="8703" marB="0">
+                  <a:tcPr marL="9525" marR="9525" marT="9525" marB="0">
                     <a:lnL w="6350" cap="flat" cmpd="sng" algn="ctr">
                       <a:solidFill>
                         <a:srgbClr val="000000"/>
@@ -20685,18 +20685,18 @@
                     <a:p>
                       <a:pPr algn="r" fontAlgn="b"/>
                       <a:r>
-                        <a:rPr lang="en-GB" sz="1000" b="0" i="0" u="none" strike="noStrike">
-                          <a:solidFill>
-                            <a:srgbClr val="000000"/>
-                          </a:solidFill>
-                          <a:effectLst/>
-                          <a:latin typeface="Calibri" panose="020F0502020204030204" pitchFamily="34" charset="0"/>
-                        </a:rPr>
-                        <a:t>381</a:t>
-                      </a:r>
-                    </a:p>
-                  </a:txBody>
-                  <a:tcPr marL="8703" marR="8703" marT="8703" marB="0">
+                        <a:rPr lang="en-GB" sz="1050" b="0" i="0" u="none" strike="noStrike">
+                          <a:solidFill>
+                            <a:srgbClr val="000000"/>
+                          </a:solidFill>
+                          <a:effectLst/>
+                          <a:latin typeface="Calibri" panose="020F0502020204030204" pitchFamily="34" charset="0"/>
+                        </a:rPr>
+                        <a:t>382</a:t>
+                      </a:r>
+                    </a:p>
+                  </a:txBody>
+                  <a:tcPr marL="9525" marR="9525" marT="9525" marB="0">
                     <a:lnL w="6350" cap="flat" cmpd="sng" algn="ctr">
                       <a:solidFill>
                         <a:srgbClr val="000000"/>
@@ -20745,7 +20745,7 @@
                     <a:p>
                       <a:pPr algn="r" fontAlgn="b"/>
                       <a:r>
-                        <a:rPr lang="en-GB" sz="1000" b="0" i="0" u="none" strike="noStrike">
+                        <a:rPr lang="en-GB" sz="1050" b="0" i="0" u="none" strike="noStrike">
                           <a:solidFill>
                             <a:srgbClr val="000000"/>
                           </a:solidFill>
@@ -20756,7 +20756,7 @@
                       </a:r>
                     </a:p>
                   </a:txBody>
-                  <a:tcPr marL="8703" marR="8703" marT="8703" marB="0">
+                  <a:tcPr marL="9525" marR="9525" marT="9525" marB="0">
                     <a:lnL w="6350" cap="flat" cmpd="sng" algn="ctr">
                       <a:solidFill>
                         <a:srgbClr val="000000"/>
@@ -20805,18 +20805,18 @@
                     <a:p>
                       <a:pPr algn="r" fontAlgn="b"/>
                       <a:r>
-                        <a:rPr lang="en-GB" sz="1000" b="0" i="0" u="none" strike="noStrike">
-                          <a:solidFill>
-                            <a:srgbClr val="000000"/>
-                          </a:solidFill>
-                          <a:effectLst/>
-                          <a:latin typeface="Calibri" panose="020F0502020204030204" pitchFamily="34" charset="0"/>
-                        </a:rPr>
-                        <a:t>362</a:t>
-                      </a:r>
-                    </a:p>
-                  </a:txBody>
-                  <a:tcPr marL="8703" marR="8703" marT="8703" marB="0">
+                        <a:rPr lang="en-GB" sz="1050" b="0" i="0" u="none" strike="noStrike">
+                          <a:solidFill>
+                            <a:srgbClr val="000000"/>
+                          </a:solidFill>
+                          <a:effectLst/>
+                          <a:latin typeface="Calibri" panose="020F0502020204030204" pitchFamily="34" charset="0"/>
+                        </a:rPr>
+                        <a:t>363</a:t>
+                      </a:r>
+                    </a:p>
+                  </a:txBody>
+                  <a:tcPr marL="9525" marR="9525" marT="9525" marB="0">
                     <a:lnL w="6350" cap="flat" cmpd="sng" algn="ctr">
                       <a:solidFill>
                         <a:srgbClr val="000000"/>
@@ -20865,18 +20865,18 @@
                     <a:p>
                       <a:pPr algn="r" fontAlgn="b"/>
                       <a:r>
-                        <a:rPr lang="en-GB" sz="1000" b="0" i="0" u="none" strike="noStrike">
-                          <a:solidFill>
-                            <a:srgbClr val="000000"/>
-                          </a:solidFill>
-                          <a:effectLst/>
-                          <a:latin typeface="Calibri" panose="020F0502020204030204" pitchFamily="34" charset="0"/>
-                        </a:rPr>
-                        <a:t>358</a:t>
-                      </a:r>
-                    </a:p>
-                  </a:txBody>
-                  <a:tcPr marL="8703" marR="8703" marT="8703" marB="0">
+                        <a:rPr lang="en-GB" sz="1050" b="0" i="0" u="none" strike="noStrike">
+                          <a:solidFill>
+                            <a:srgbClr val="000000"/>
+                          </a:solidFill>
+                          <a:effectLst/>
+                          <a:latin typeface="Calibri" panose="020F0502020204030204" pitchFamily="34" charset="0"/>
+                        </a:rPr>
+                        <a:t>359</a:t>
+                      </a:r>
+                    </a:p>
+                  </a:txBody>
+                  <a:tcPr marL="9525" marR="9525" marT="9525" marB="0">
                     <a:lnL w="6350" cap="flat" cmpd="sng" algn="ctr">
                       <a:solidFill>
                         <a:srgbClr val="000000"/>
@@ -20925,18 +20925,18 @@
                     <a:p>
                       <a:pPr algn="r" fontAlgn="b"/>
                       <a:r>
-                        <a:rPr lang="en-GB" sz="1000" b="0" i="0" u="none" strike="noStrike">
-                          <a:solidFill>
-                            <a:srgbClr val="000000"/>
-                          </a:solidFill>
-                          <a:effectLst/>
-                          <a:latin typeface="Calibri" panose="020F0502020204030204" pitchFamily="34" charset="0"/>
-                        </a:rPr>
-                        <a:t>338</a:t>
-                      </a:r>
-                    </a:p>
-                  </a:txBody>
-                  <a:tcPr marL="8703" marR="8703" marT="8703" marB="0">
+                        <a:rPr lang="en-GB" sz="1050" b="0" i="0" u="none" strike="noStrike">
+                          <a:solidFill>
+                            <a:srgbClr val="000000"/>
+                          </a:solidFill>
+                          <a:effectLst/>
+                          <a:latin typeface="Calibri" panose="020F0502020204030204" pitchFamily="34" charset="0"/>
+                        </a:rPr>
+                        <a:t>339</a:t>
+                      </a:r>
+                    </a:p>
+                  </a:txBody>
+                  <a:tcPr marL="9525" marR="9525" marT="9525" marB="0">
                     <a:lnL w="6350" cap="flat" cmpd="sng" algn="ctr">
                       <a:solidFill>
                         <a:srgbClr val="000000"/>
@@ -20985,7 +20985,7 @@
                     <a:p>
                       <a:pPr algn="r" fontAlgn="b"/>
                       <a:r>
-                        <a:rPr lang="en-GB" sz="1000" b="0" i="0" u="none" strike="noStrike">
+                        <a:rPr lang="en-GB" sz="1050" b="0" i="0" u="none" strike="noStrike">
                           <a:solidFill>
                             <a:srgbClr val="000000"/>
                           </a:solidFill>
@@ -20996,7 +20996,7 @@
                       </a:r>
                     </a:p>
                   </a:txBody>
-                  <a:tcPr marL="8703" marR="8703" marT="8703" marB="0">
+                  <a:tcPr marL="9525" marR="9525" marT="9525" marB="0">
                     <a:lnL w="6350" cap="flat" cmpd="sng" algn="ctr">
                       <a:solidFill>
                         <a:srgbClr val="000000"/>
@@ -21045,18 +21045,18 @@
                     <a:p>
                       <a:pPr algn="r" fontAlgn="b"/>
                       <a:r>
-                        <a:rPr lang="en-GB" sz="1000" b="0" i="0" u="none" strike="noStrike">
-                          <a:solidFill>
-                            <a:srgbClr val="000000"/>
-                          </a:solidFill>
-                          <a:effectLst/>
-                          <a:latin typeface="Calibri" panose="020F0502020204030204" pitchFamily="34" charset="0"/>
-                        </a:rPr>
-                        <a:t>320</a:t>
-                      </a:r>
-                    </a:p>
-                  </a:txBody>
-                  <a:tcPr marL="8703" marR="8703" marT="8703" marB="0">
+                        <a:rPr lang="en-GB" sz="1050" b="0" i="0" u="none" strike="noStrike">
+                          <a:solidFill>
+                            <a:srgbClr val="000000"/>
+                          </a:solidFill>
+                          <a:effectLst/>
+                          <a:latin typeface="Calibri" panose="020F0502020204030204" pitchFamily="34" charset="0"/>
+                        </a:rPr>
+                        <a:t>322</a:t>
+                      </a:r>
+                    </a:p>
+                  </a:txBody>
+                  <a:tcPr marL="9525" marR="9525" marT="9525" marB="0">
                     <a:lnL w="6350" cap="flat" cmpd="sng" algn="ctr">
                       <a:solidFill>
                         <a:srgbClr val="000000"/>
@@ -21105,7 +21105,7 @@
                     <a:p>
                       <a:pPr algn="r" fontAlgn="b"/>
                       <a:r>
-                        <a:rPr lang="en-GB" sz="1000" b="0" i="0" u="none" strike="noStrike">
+                        <a:rPr lang="en-GB" sz="1050" b="0" i="0" u="none" strike="noStrike">
                           <a:solidFill>
                             <a:srgbClr val="000000"/>
                           </a:solidFill>
@@ -21116,7 +21116,7 @@
                       </a:r>
                     </a:p>
                   </a:txBody>
-                  <a:tcPr marL="8703" marR="8703" marT="8703" marB="0">
+                  <a:tcPr marL="9525" marR="9525" marT="9525" marB="0">
                     <a:lnL w="6350" cap="flat" cmpd="sng" algn="ctr">
                       <a:solidFill>
                         <a:srgbClr val="000000"/>
@@ -21165,18 +21165,18 @@
                     <a:p>
                       <a:pPr algn="r" fontAlgn="b"/>
                       <a:r>
-                        <a:rPr lang="en-GB" sz="1000" b="0" i="0" u="none" strike="noStrike">
-                          <a:solidFill>
-                            <a:srgbClr val="000000"/>
-                          </a:solidFill>
-                          <a:effectLst/>
-                          <a:latin typeface="Calibri" panose="020F0502020204030204" pitchFamily="34" charset="0"/>
-                        </a:rPr>
-                        <a:t>357</a:t>
-                      </a:r>
-                    </a:p>
-                  </a:txBody>
-                  <a:tcPr marL="8703" marR="8703" marT="8703" marB="0">
+                        <a:rPr lang="en-GB" sz="1050" b="0" i="0" u="none" strike="noStrike">
+                          <a:solidFill>
+                            <a:srgbClr val="000000"/>
+                          </a:solidFill>
+                          <a:effectLst/>
+                          <a:latin typeface="Calibri" panose="020F0502020204030204" pitchFamily="34" charset="0"/>
+                        </a:rPr>
+                        <a:t>358</a:t>
+                      </a:r>
+                    </a:p>
+                  </a:txBody>
+                  <a:tcPr marL="9525" marR="9525" marT="9525" marB="0">
                     <a:lnL w="6350" cap="flat" cmpd="sng" algn="ctr">
                       <a:solidFill>
                         <a:srgbClr val="000000"/>
@@ -21225,18 +21225,18 @@
                     <a:p>
                       <a:pPr algn="r" fontAlgn="b"/>
                       <a:r>
-                        <a:rPr lang="en-GB" sz="1000" b="0" i="0" u="none" strike="noStrike">
-                          <a:solidFill>
-                            <a:srgbClr val="000000"/>
-                          </a:solidFill>
-                          <a:effectLst/>
-                          <a:latin typeface="Calibri" panose="020F0502020204030204" pitchFamily="34" charset="0"/>
-                        </a:rPr>
-                        <a:t>361</a:t>
-                      </a:r>
-                    </a:p>
-                  </a:txBody>
-                  <a:tcPr marL="8703" marR="8703" marT="8703" marB="0">
+                        <a:rPr lang="en-GB" sz="1050" b="0" i="0" u="none" strike="noStrike" dirty="0">
+                          <a:solidFill>
+                            <a:srgbClr val="000000"/>
+                          </a:solidFill>
+                          <a:effectLst/>
+                          <a:latin typeface="Calibri" panose="020F0502020204030204" pitchFamily="34" charset="0"/>
+                        </a:rPr>
+                        <a:t>362</a:t>
+                      </a:r>
+                    </a:p>
+                  </a:txBody>
+                  <a:tcPr marL="9525" marR="9525" marT="9525" marB="0">
                     <a:lnL w="6350" cap="flat" cmpd="sng" algn="ctr">
                       <a:solidFill>
                         <a:srgbClr val="000000"/>
@@ -21285,18 +21285,18 @@
                     <a:p>
                       <a:pPr algn="r" fontAlgn="b"/>
                       <a:r>
-                        <a:rPr lang="en-GB" sz="1000" b="0" i="0" u="none" strike="noStrike">
-                          <a:solidFill>
-                            <a:srgbClr val="000000"/>
-                          </a:solidFill>
-                          <a:effectLst/>
-                          <a:latin typeface="Calibri" panose="020F0502020204030204" pitchFamily="34" charset="0"/>
-                        </a:rPr>
-                        <a:t>387</a:t>
-                      </a:r>
-                    </a:p>
-                  </a:txBody>
-                  <a:tcPr marL="8703" marR="8703" marT="8703" marB="0">
+                        <a:rPr lang="en-GB" sz="1050" b="0" i="0" u="none" strike="noStrike" dirty="0">
+                          <a:solidFill>
+                            <a:srgbClr val="000000"/>
+                          </a:solidFill>
+                          <a:effectLst/>
+                          <a:latin typeface="Calibri" panose="020F0502020204030204" pitchFamily="34" charset="0"/>
+                        </a:rPr>
+                        <a:t>388</a:t>
+                      </a:r>
+                    </a:p>
+                  </a:txBody>
+                  <a:tcPr marL="9525" marR="9525" marT="9525" marB="0">
                     <a:lnL w="6350" cap="flat" cmpd="sng" algn="ctr">
                       <a:solidFill>
                         <a:srgbClr val="000000"/>
@@ -21345,18 +21345,18 @@
                     <a:p>
                       <a:pPr algn="r" fontAlgn="b"/>
                       <a:r>
-                        <a:rPr lang="en-GB" sz="1000" b="0" i="0" u="none" strike="noStrike">
-                          <a:solidFill>
-                            <a:srgbClr val="000000"/>
-                          </a:solidFill>
-                          <a:effectLst/>
-                          <a:latin typeface="Calibri" panose="020F0502020204030204" pitchFamily="34" charset="0"/>
-                        </a:rPr>
-                        <a:t>390</a:t>
-                      </a:r>
-                    </a:p>
-                  </a:txBody>
-                  <a:tcPr marL="8703" marR="8703" marT="8703" marB="0">
+                        <a:rPr lang="en-GB" sz="1050" b="0" i="0" u="none" strike="noStrike" dirty="0">
+                          <a:solidFill>
+                            <a:srgbClr val="000000"/>
+                          </a:solidFill>
+                          <a:effectLst/>
+                          <a:latin typeface="Calibri" panose="020F0502020204030204" pitchFamily="34" charset="0"/>
+                        </a:rPr>
+                        <a:t>395</a:t>
+                      </a:r>
+                    </a:p>
+                  </a:txBody>
+                  <a:tcPr marL="9525" marR="9525" marT="9525" marB="0">
                     <a:lnL w="6350" cap="flat" cmpd="sng" algn="ctr">
                       <a:solidFill>
                         <a:srgbClr val="000000"/>
@@ -21405,18 +21405,18 @@
                     <a:p>
                       <a:pPr algn="r" fontAlgn="b"/>
                       <a:r>
-                        <a:rPr lang="en-GB" sz="1000" b="0" i="0" u="none" strike="noStrike">
-                          <a:solidFill>
-                            <a:srgbClr val="000000"/>
-                          </a:solidFill>
-                          <a:effectLst/>
-                          <a:latin typeface="Calibri" panose="020F0502020204030204" pitchFamily="34" charset="0"/>
-                        </a:rPr>
-                        <a:t>387</a:t>
-                      </a:r>
-                    </a:p>
-                  </a:txBody>
-                  <a:tcPr marL="8703" marR="8703" marT="8703" marB="0">
+                        <a:rPr lang="en-GB" sz="1050" b="0" i="0" u="none" strike="noStrike" dirty="0">
+                          <a:solidFill>
+                            <a:srgbClr val="000000"/>
+                          </a:solidFill>
+                          <a:effectLst/>
+                          <a:latin typeface="Calibri" panose="020F0502020204030204" pitchFamily="34" charset="0"/>
+                        </a:rPr>
+                        <a:t>392</a:t>
+                      </a:r>
+                    </a:p>
+                  </a:txBody>
+                  <a:tcPr marL="9525" marR="9525" marT="9525" marB="0">
                     <a:lnL w="6350" cap="flat" cmpd="sng" algn="ctr">
                       <a:solidFill>
                         <a:srgbClr val="000000"/>
@@ -21463,20 +21463,20 @@
                     <a:bodyPr/>
                     <a:lstStyle/>
                     <a:p>
-                      <a:pPr algn="l" fontAlgn="b"/>
-                      <a:r>
-                        <a:rPr lang="en-GB" sz="1000" b="0" i="0" u="none" strike="noStrike" dirty="0">
-                          <a:solidFill>
-                            <a:srgbClr val="000000"/>
-                          </a:solidFill>
-                          <a:effectLst/>
-                          <a:latin typeface="Calibri" panose="020F0502020204030204" pitchFamily="34" charset="0"/>
-                        </a:rPr>
-                        <a:t> </a:t>
-                      </a:r>
-                    </a:p>
-                  </a:txBody>
-                  <a:tcPr marL="8703" marR="8703" marT="8703" marB="0">
+                      <a:pPr algn="r" fontAlgn="b"/>
+                      <a:r>
+                        <a:rPr lang="en-GB" sz="1050" b="0" i="0" u="none" strike="noStrike" dirty="0">
+                          <a:solidFill>
+                            <a:srgbClr val="000000"/>
+                          </a:solidFill>
+                          <a:effectLst/>
+                          <a:latin typeface="Calibri" panose="020F0502020204030204" pitchFamily="34" charset="0"/>
+                        </a:rPr>
+                        <a:t>344</a:t>
+                      </a:r>
+                    </a:p>
+                  </a:txBody>
+                  <a:tcPr marL="9525" marR="9525" marT="9525" marB="0">
                     <a:lnL w="6350" cap="flat" cmpd="sng" algn="ctr">
                       <a:solidFill>
                         <a:srgbClr val="000000"/>
@@ -21580,9 +21580,8 @@
               </a:ext>
             </a:extLst>
           </a:blip>
-          <a:stretch>
-            <a:fillRect/>
-          </a:stretch>
+          <a:srcRect/>
+          <a:stretch/>
         </p:blipFill>
         <p:spPr>
           <a:xfrm>

--- a/Death Slides - West Sussex V1 12 May.pptx
+++ b/Death Slides - West Sussex V1 12 May.pptx
@@ -8,6 +8,11 @@
     <p:sldId id="262" r:id="rId5"/>
     <p:sldId id="264" r:id="rId6"/>
     <p:sldId id="265" r:id="rId7"/>
+    <p:sldId id="266" r:id="rId8"/>
+    <p:sldId id="267" r:id="rId9"/>
+    <p:sldId id="269" r:id="rId10"/>
+    <p:sldId id="268" r:id="rId11"/>
+    <p:sldId id="270" r:id="rId12"/>
   </p:sldIdLst>
   <p:sldSz cx="12192000" cy="6858000"/>
   <p:notesSz cx="6858000" cy="9144000"/>
@@ -21746,6 +21751,3428 @@
 </p:sld>
 </file>
 
+<file path=ppt/slides/slide4.xml><?xml version="1.0" encoding="utf-8"?>
+<p:sld xmlns:a="http://schemas.openxmlformats.org/drawingml/2006/main" xmlns:r="http://schemas.openxmlformats.org/officeDocument/2006/relationships" xmlns:p="http://schemas.openxmlformats.org/presentationml/2006/main">
+  <p:cSld>
+    <p:spTree>
+      <p:nvGrpSpPr>
+        <p:cNvPr id="1" name=""/>
+        <p:cNvGrpSpPr/>
+        <p:nvPr/>
+      </p:nvGrpSpPr>
+      <p:grpSpPr>
+        <a:xfrm>
+          <a:off x="0" y="0"/>
+          <a:ext cx="0" cy="0"/>
+          <a:chOff x="0" y="0"/>
+          <a:chExt cx="0" cy="0"/>
+        </a:xfrm>
+      </p:grpSpPr>
+      <p:pic>
+        <p:nvPicPr>
+          <p:cNvPr id="47" name="Content Placeholder 46">
+            <a:extLst>
+              <a:ext uri="{FF2B5EF4-FFF2-40B4-BE49-F238E27FC236}">
+                <a16:creationId xmlns:a16="http://schemas.microsoft.com/office/drawing/2014/main" id="{1FA19F78-C50B-054C-8494-C993A4DAF74A}"/>
+              </a:ext>
+            </a:extLst>
+          </p:cNvPr>
+          <p:cNvPicPr>
+            <a:picLocks noGrp="1" noChangeAspect="1"/>
+          </p:cNvPicPr>
+          <p:nvPr>
+            <p:ph idx="1"/>
+          </p:nvPr>
+        </p:nvPicPr>
+        <p:blipFill>
+          <a:blip r:embed="rId2">
+            <a:extLst>
+              <a:ext uri="{28A0092B-C50C-407E-A947-70E740481C1C}">
+                <a14:useLocalDpi xmlns:a14="http://schemas.microsoft.com/office/drawing/2010/main" val="0"/>
+              </a:ext>
+            </a:extLst>
+          </a:blip>
+          <a:srcRect/>
+          <a:stretch/>
+        </p:blipFill>
+        <p:spPr>
+          <a:xfrm>
+            <a:off x="147918" y="462429"/>
+            <a:ext cx="6546914" cy="5933140"/>
+          </a:xfrm>
+        </p:spPr>
+      </p:pic>
+      <p:sp>
+        <p:nvSpPr>
+          <p:cNvPr id="48" name="TextBox 47">
+            <a:extLst>
+              <a:ext uri="{FF2B5EF4-FFF2-40B4-BE49-F238E27FC236}">
+                <a16:creationId xmlns:a16="http://schemas.microsoft.com/office/drawing/2014/main" id="{EED96548-A15B-CE45-BDBD-463529C1FB40}"/>
+              </a:ext>
+            </a:extLst>
+          </p:cNvPr>
+          <p:cNvSpPr txBox="1"/>
+          <p:nvPr/>
+        </p:nvSpPr>
+        <p:spPr>
+          <a:xfrm>
+            <a:off x="7274859" y="1134258"/>
+            <a:ext cx="4531121" cy="4401205"/>
+          </a:xfrm>
+          <a:prstGeom prst="rect">
+            <a:avLst/>
+          </a:prstGeom>
+          <a:noFill/>
+        </p:spPr>
+        <p:txBody>
+          <a:bodyPr wrap="square" rtlCol="0">
+            <a:spAutoFit/>
+          </a:bodyPr>
+          <a:lstStyle/>
+          <a:p>
+            <a:pPr marL="285750" indent="-285750">
+              <a:buFont typeface="Arial" panose="020B0604020202020204" pitchFamily="34" charset="0"/>
+              <a:buChar char="•"/>
+            </a:pPr>
+            <a:r>
+              <a:rPr lang="en-GB" sz="1400" i="1" dirty="0">
+                <a:solidFill>
+                  <a:schemeClr val="accent5"/>
+                </a:solidFill>
+              </a:rPr>
+              <a:t>A crude rate is calculated using the mid-2018 population estimates (all ages) for each area. Note that</a:t>
+            </a:r>
+            <a:r>
+              <a:rPr lang="en-GB" sz="1400" b="1" i="1" dirty="0">
+                <a:solidFill>
+                  <a:schemeClr val="accent5"/>
+                </a:solidFill>
+              </a:rPr>
+              <a:t> </a:t>
+            </a:r>
+            <a:r>
+              <a:rPr lang="en-GB" sz="1400" i="1" dirty="0">
+                <a:solidFill>
+                  <a:schemeClr val="accent5"/>
+                </a:solidFill>
+              </a:rPr>
+              <a:t>West Sussex has an older population compared with England and so the rate is usually, and expectedly, above the national rate. </a:t>
+            </a:r>
+          </a:p>
+          <a:p>
+            <a:pPr marL="285750" indent="-285750">
+              <a:buFont typeface="Arial" panose="020B0604020202020204" pitchFamily="34" charset="0"/>
+              <a:buChar char="•"/>
+            </a:pPr>
+            <a:endParaRPr lang="en-GB" sz="1400" i="1" dirty="0">
+              <a:solidFill>
+                <a:srgbClr val="FF0000"/>
+              </a:solidFill>
+            </a:endParaRPr>
+          </a:p>
+          <a:p>
+            <a:pPr marL="285750" indent="-285750">
+              <a:buFont typeface="Arial" panose="020B0604020202020204" pitchFamily="34" charset="0"/>
+              <a:buChar char="•"/>
+            </a:pPr>
+            <a:r>
+              <a:rPr lang="en-GB" sz="1400" i="1" dirty="0">
+                <a:solidFill>
+                  <a:srgbClr val="FF0000"/>
+                </a:solidFill>
+              </a:rPr>
+              <a:t>An age/sex standardised rate is not currently available for the weekly ONS release, although cumulative data for a shorter time period are available on the next slide.</a:t>
+            </a:r>
+          </a:p>
+          <a:p>
+            <a:endParaRPr lang="en-GB" sz="1400" dirty="0"/>
+          </a:p>
+          <a:p>
+            <a:pPr marL="285750" indent="-285750">
+              <a:buFont typeface="Arial" panose="020B0604020202020204" pitchFamily="34" charset="0"/>
+              <a:buChar char="•"/>
+            </a:pPr>
+            <a:r>
+              <a:rPr lang="en-GB" sz="1400" dirty="0"/>
+              <a:t>The crude rate of death has risen considerably nationally and locally.</a:t>
+            </a:r>
+          </a:p>
+          <a:p>
+            <a:endParaRPr lang="en-GB" sz="1400" dirty="0"/>
+          </a:p>
+          <a:p>
+            <a:pPr marL="285750" indent="-285750">
+              <a:buFont typeface="Arial" panose="020B0604020202020204" pitchFamily="34" charset="0"/>
+              <a:buChar char="•"/>
+            </a:pPr>
+            <a:r>
+              <a:rPr lang="en-GB" sz="1400" dirty="0"/>
+              <a:t>This increase started towards the end of March but appears to be declining in some areas. </a:t>
+            </a:r>
+          </a:p>
+          <a:p>
+            <a:endParaRPr lang="en-GB" sz="1400" dirty="0"/>
+          </a:p>
+          <a:p>
+            <a:pPr marL="285750" indent="-285750">
+              <a:buFont typeface="Arial" panose="020B0604020202020204" pitchFamily="34" charset="0"/>
+              <a:buChar char="•"/>
+            </a:pPr>
+            <a:r>
+              <a:rPr lang="en-GB" sz="1400" dirty="0"/>
+              <a:t>This graph shows the considerable increase at a national level, so that local and national crude rates are similar.</a:t>
+            </a:r>
+          </a:p>
+          <a:p>
+            <a:pPr marL="285750" indent="-285750">
+              <a:buFont typeface="Arial" panose="020B0604020202020204" pitchFamily="34" charset="0"/>
+              <a:buChar char="•"/>
+            </a:pPr>
+            <a:endParaRPr lang="en-GB" sz="1400" i="1" dirty="0">
+              <a:solidFill>
+                <a:schemeClr val="accent1"/>
+              </a:solidFill>
+            </a:endParaRPr>
+          </a:p>
+        </p:txBody>
+      </p:sp>
+      <p:sp>
+        <p:nvSpPr>
+          <p:cNvPr id="49" name="TextBox 48">
+            <a:extLst>
+              <a:ext uri="{FF2B5EF4-FFF2-40B4-BE49-F238E27FC236}">
+                <a16:creationId xmlns:a16="http://schemas.microsoft.com/office/drawing/2014/main" id="{2356CB90-A20C-4B4D-B6FF-5B49748B52E5}"/>
+              </a:ext>
+            </a:extLst>
+          </p:cNvPr>
+          <p:cNvSpPr txBox="1"/>
+          <p:nvPr/>
+        </p:nvSpPr>
+        <p:spPr>
+          <a:xfrm>
+            <a:off x="192062" y="103363"/>
+            <a:ext cx="5265865" cy="338554"/>
+          </a:xfrm>
+          <a:prstGeom prst="rect">
+            <a:avLst/>
+          </a:prstGeom>
+          <a:noFill/>
+        </p:spPr>
+        <p:txBody>
+          <a:bodyPr wrap="none" rtlCol="0">
+            <a:spAutoFit/>
+          </a:bodyPr>
+          <a:lstStyle/>
+          <a:p>
+            <a:r>
+              <a:rPr lang="en-US" sz="1600" dirty="0"/>
+              <a:t>Crude rate of all cause mortality; to week ending 01/05/2020</a:t>
+            </a:r>
+          </a:p>
+        </p:txBody>
+      </p:sp>
+    </p:spTree>
+    <p:extLst>
+      <p:ext uri="{BB962C8B-B14F-4D97-AF65-F5344CB8AC3E}">
+        <p14:creationId xmlns:p14="http://schemas.microsoft.com/office/powerpoint/2010/main" val="4032891330"/>
+      </p:ext>
+    </p:extLst>
+  </p:cSld>
+  <p:clrMapOvr>
+    <a:masterClrMapping/>
+  </p:clrMapOvr>
+</p:sld>
+</file>
+
+<file path=ppt/slides/slide5.xml><?xml version="1.0" encoding="utf-8"?>
+<p:sld xmlns:a="http://schemas.openxmlformats.org/drawingml/2006/main" xmlns:r="http://schemas.openxmlformats.org/officeDocument/2006/relationships" xmlns:p="http://schemas.openxmlformats.org/presentationml/2006/main">
+  <p:cSld>
+    <p:spTree>
+      <p:nvGrpSpPr>
+        <p:cNvPr id="1" name=""/>
+        <p:cNvGrpSpPr/>
+        <p:nvPr/>
+      </p:nvGrpSpPr>
+      <p:grpSpPr>
+        <a:xfrm>
+          <a:off x="0" y="0"/>
+          <a:ext cx="0" cy="0"/>
+          <a:chOff x="0" y="0"/>
+          <a:chExt cx="0" cy="0"/>
+        </a:xfrm>
+      </p:grpSpPr>
+      <p:pic>
+        <p:nvPicPr>
+          <p:cNvPr id="5" name="Content Placeholder 4">
+            <a:extLst>
+              <a:ext uri="{FF2B5EF4-FFF2-40B4-BE49-F238E27FC236}">
+                <a16:creationId xmlns:a16="http://schemas.microsoft.com/office/drawing/2014/main" id="{1DCC3F51-97F7-9F4B-BDE5-432DF1984869}"/>
+              </a:ext>
+            </a:extLst>
+          </p:cNvPr>
+          <p:cNvPicPr>
+            <a:picLocks noGrp="1" noChangeAspect="1"/>
+          </p:cNvPicPr>
+          <p:nvPr>
+            <p:ph idx="1"/>
+          </p:nvPr>
+        </p:nvPicPr>
+        <p:blipFill>
+          <a:blip r:embed="rId2">
+            <a:extLst>
+              <a:ext uri="{28A0092B-C50C-407E-A947-70E740481C1C}">
+                <a14:useLocalDpi xmlns:a14="http://schemas.microsoft.com/office/drawing/2010/main" val="0"/>
+              </a:ext>
+            </a:extLst>
+          </a:blip>
+          <a:srcRect/>
+          <a:stretch/>
+        </p:blipFill>
+        <p:spPr>
+          <a:xfrm>
+            <a:off x="192062" y="2906617"/>
+            <a:ext cx="11807874" cy="4058957"/>
+          </a:xfrm>
+        </p:spPr>
+      </p:pic>
+      <p:graphicFrame>
+        <p:nvGraphicFramePr>
+          <p:cNvPr id="6" name="Table 5">
+            <a:extLst>
+              <a:ext uri="{FF2B5EF4-FFF2-40B4-BE49-F238E27FC236}">
+                <a16:creationId xmlns:a16="http://schemas.microsoft.com/office/drawing/2014/main" id="{DC266D77-F31B-1D4A-9839-2D76D1F9C9E3}"/>
+              </a:ext>
+            </a:extLst>
+          </p:cNvPr>
+          <p:cNvGraphicFramePr>
+            <a:graphicFrameLocks noGrp="1"/>
+          </p:cNvGraphicFramePr>
+          <p:nvPr>
+            <p:extLst>
+              <p:ext uri="{D42A27DB-BD31-4B8C-83A1-F6EECF244321}">
+                <p14:modId xmlns:p14="http://schemas.microsoft.com/office/powerpoint/2010/main" val="2746702104"/>
+              </p:ext>
+            </p:extLst>
+          </p:nvPr>
+        </p:nvGraphicFramePr>
+        <p:xfrm>
+          <a:off x="393768" y="547852"/>
+          <a:ext cx="3888598" cy="2208451"/>
+        </p:xfrm>
+        <a:graphic>
+          <a:graphicData uri="http://schemas.openxmlformats.org/drawingml/2006/table">
+            <a:tbl>
+              <a:tblPr/>
+              <a:tblGrid>
+                <a:gridCol w="686620">
+                  <a:extLst>
+                    <a:ext uri="{9D8B030D-6E8A-4147-A177-3AD203B41FA5}">
+                      <a16:colId xmlns:a16="http://schemas.microsoft.com/office/drawing/2014/main" val="1468088811"/>
+                    </a:ext>
+                  </a:extLst>
+                </a:gridCol>
+                <a:gridCol w="3201978">
+                  <a:extLst>
+                    <a:ext uri="{9D8B030D-6E8A-4147-A177-3AD203B41FA5}">
+                      <a16:colId xmlns:a16="http://schemas.microsoft.com/office/drawing/2014/main" val="152304066"/>
+                    </a:ext>
+                  </a:extLst>
+                </a:gridCol>
+              </a:tblGrid>
+              <a:tr h="129851">
+                <a:tc>
+                  <a:txBody>
+                    <a:bodyPr/>
+                    <a:lstStyle/>
+                    <a:p>
+                      <a:pPr algn="l" fontAlgn="b"/>
+                      <a:r>
+                        <a:rPr lang="en-GB" sz="1000" b="1" i="0" u="none" strike="noStrike" dirty="0">
+                          <a:solidFill>
+                            <a:srgbClr val="000000"/>
+                          </a:solidFill>
+                          <a:effectLst/>
+                          <a:latin typeface="Calibri" panose="020F0502020204030204" pitchFamily="34" charset="0"/>
+                        </a:rPr>
+                        <a:t>Area</a:t>
+                      </a:r>
+                    </a:p>
+                  </a:txBody>
+                  <a:tcPr marL="9141" marR="9141" marT="9141" marB="0" anchor="b">
+                    <a:lnL w="12700" cap="flat" cmpd="sng" algn="ctr">
+                      <a:solidFill>
+                        <a:schemeClr val="tx1"/>
+                      </a:solidFill>
+                      <a:prstDash val="solid"/>
+                      <a:round/>
+                      <a:headEnd type="none" w="med" len="med"/>
+                      <a:tailEnd type="none" w="med" len="med"/>
+                    </a:lnL>
+                    <a:lnR w="12700" cap="flat" cmpd="sng" algn="ctr">
+                      <a:solidFill>
+                        <a:schemeClr val="tx1"/>
+                      </a:solidFill>
+                      <a:prstDash val="solid"/>
+                      <a:round/>
+                      <a:headEnd type="none" w="med" len="med"/>
+                      <a:tailEnd type="none" w="med" len="med"/>
+                    </a:lnR>
+                    <a:lnT w="12700" cap="flat" cmpd="sng" algn="ctr">
+                      <a:solidFill>
+                        <a:schemeClr val="tx1"/>
+                      </a:solidFill>
+                      <a:prstDash val="solid"/>
+                      <a:round/>
+                      <a:headEnd type="none" w="med" len="med"/>
+                      <a:tailEnd type="none" w="med" len="med"/>
+                    </a:lnT>
+                    <a:lnB w="12700" cap="flat" cmpd="sng" algn="ctr">
+                      <a:solidFill>
+                        <a:schemeClr val="tx1"/>
+                      </a:solidFill>
+                      <a:prstDash val="solid"/>
+                      <a:round/>
+                      <a:headEnd type="none" w="med" len="med"/>
+                      <a:tailEnd type="none" w="med" len="med"/>
+                    </a:lnB>
+                  </a:tcPr>
+                </a:tc>
+                <a:tc>
+                  <a:txBody>
+                    <a:bodyPr/>
+                    <a:lstStyle/>
+                    <a:p>
+                      <a:pPr algn="r" fontAlgn="b"/>
+                      <a:r>
+                        <a:rPr lang="en-GB" sz="1000" b="1" i="0" u="none" strike="noStrike" dirty="0">
+                          <a:solidFill>
+                            <a:srgbClr val="000000"/>
+                          </a:solidFill>
+                          <a:effectLst/>
+                          <a:latin typeface="Calibri" panose="020F0502020204030204" pitchFamily="34" charset="0"/>
+                        </a:rPr>
+                        <a:t>Deaths (persons)</a:t>
+                      </a:r>
+                    </a:p>
+                  </a:txBody>
+                  <a:tcPr marL="9141" marR="9141" marT="9141" marB="0" anchor="b">
+                    <a:lnL w="12700" cap="flat" cmpd="sng" algn="ctr">
+                      <a:solidFill>
+                        <a:schemeClr val="tx1"/>
+                      </a:solidFill>
+                      <a:prstDash val="solid"/>
+                      <a:round/>
+                      <a:headEnd type="none" w="med" len="med"/>
+                      <a:tailEnd type="none" w="med" len="med"/>
+                    </a:lnL>
+                    <a:lnR w="12700" cap="flat" cmpd="sng" algn="ctr">
+                      <a:solidFill>
+                        <a:schemeClr val="tx1"/>
+                      </a:solidFill>
+                      <a:prstDash val="solid"/>
+                      <a:round/>
+                      <a:headEnd type="none" w="med" len="med"/>
+                      <a:tailEnd type="none" w="med" len="med"/>
+                    </a:lnR>
+                    <a:lnT w="12700" cap="flat" cmpd="sng" algn="ctr">
+                      <a:solidFill>
+                        <a:schemeClr val="tx1"/>
+                      </a:solidFill>
+                      <a:prstDash val="solid"/>
+                      <a:round/>
+                      <a:headEnd type="none" w="med" len="med"/>
+                      <a:tailEnd type="none" w="med" len="med"/>
+                    </a:lnT>
+                    <a:lnB w="12700" cap="flat" cmpd="sng" algn="ctr">
+                      <a:solidFill>
+                        <a:schemeClr val="tx1"/>
+                      </a:solidFill>
+                      <a:prstDash val="solid"/>
+                      <a:round/>
+                      <a:headEnd type="none" w="med" len="med"/>
+                      <a:tailEnd type="none" w="med" len="med"/>
+                    </a:lnB>
+                  </a:tcPr>
+                </a:tc>
+                <a:extLst>
+                  <a:ext uri="{0D108BD9-81ED-4DB2-BD59-A6C34878D82A}">
+                    <a16:rowId xmlns:a16="http://schemas.microsoft.com/office/drawing/2014/main" val="4004222910"/>
+                  </a:ext>
+                </a:extLst>
+              </a:tr>
+              <a:tr h="204691">
+                <a:tc>
+                  <a:txBody>
+                    <a:bodyPr/>
+                    <a:lstStyle/>
+                    <a:p>
+                      <a:pPr algn="l" fontAlgn="b"/>
+                      <a:r>
+                        <a:rPr lang="en-GB" sz="1000" b="0" i="0" u="none" strike="noStrike">
+                          <a:solidFill>
+                            <a:srgbClr val="000000"/>
+                          </a:solidFill>
+                          <a:effectLst/>
+                          <a:latin typeface="Calibri" panose="020F0502020204030204" pitchFamily="34" charset="0"/>
+                        </a:rPr>
+                        <a:t>Adur</a:t>
+                      </a:r>
+                    </a:p>
+                  </a:txBody>
+                  <a:tcPr marL="9141" marR="9141" marT="9141" marB="0" anchor="b">
+                    <a:lnL w="12700" cap="flat" cmpd="sng" algn="ctr">
+                      <a:solidFill>
+                        <a:schemeClr val="tx1"/>
+                      </a:solidFill>
+                      <a:prstDash val="solid"/>
+                      <a:round/>
+                      <a:headEnd type="none" w="med" len="med"/>
+                      <a:tailEnd type="none" w="med" len="med"/>
+                    </a:lnL>
+                    <a:lnR w="12700" cap="flat" cmpd="sng" algn="ctr">
+                      <a:solidFill>
+                        <a:schemeClr val="tx1"/>
+                      </a:solidFill>
+                      <a:prstDash val="solid"/>
+                      <a:round/>
+                      <a:headEnd type="none" w="med" len="med"/>
+                      <a:tailEnd type="none" w="med" len="med"/>
+                    </a:lnR>
+                    <a:lnT w="12700" cap="flat" cmpd="sng" algn="ctr">
+                      <a:solidFill>
+                        <a:schemeClr val="tx1"/>
+                      </a:solidFill>
+                      <a:prstDash val="solid"/>
+                      <a:round/>
+                      <a:headEnd type="none" w="med" len="med"/>
+                      <a:tailEnd type="none" w="med" len="med"/>
+                    </a:lnT>
+                    <a:lnB w="12700" cap="flat" cmpd="sng" algn="ctr">
+                      <a:solidFill>
+                        <a:schemeClr val="tx1"/>
+                      </a:solidFill>
+                      <a:prstDash val="solid"/>
+                      <a:round/>
+                      <a:headEnd type="none" w="med" len="med"/>
+                      <a:tailEnd type="none" w="med" len="med"/>
+                    </a:lnB>
+                  </a:tcPr>
+                </a:tc>
+                <a:tc>
+                  <a:txBody>
+                    <a:bodyPr/>
+                    <a:lstStyle/>
+                    <a:p>
+                      <a:pPr algn="r" fontAlgn="b"/>
+                      <a:r>
+                        <a:rPr lang="en-GB" sz="1000" b="0" i="0" u="none" strike="noStrike" dirty="0">
+                          <a:solidFill>
+                            <a:srgbClr val="000000"/>
+                          </a:solidFill>
+                          <a:effectLst/>
+                          <a:latin typeface="Calibri" panose="020F0502020204030204" pitchFamily="34" charset="0"/>
+                        </a:rPr>
+                        <a:t>110 deaths (144.3 per 100,000 ESP, 95% CI: 117.2-171.4)</a:t>
+                      </a:r>
+                    </a:p>
+                  </a:txBody>
+                  <a:tcPr marL="9141" marR="9141" marT="9141" marB="0" anchor="b">
+                    <a:lnL w="12700" cap="flat" cmpd="sng" algn="ctr">
+                      <a:solidFill>
+                        <a:schemeClr val="tx1"/>
+                      </a:solidFill>
+                      <a:prstDash val="solid"/>
+                      <a:round/>
+                      <a:headEnd type="none" w="med" len="med"/>
+                      <a:tailEnd type="none" w="med" len="med"/>
+                    </a:lnL>
+                    <a:lnR w="12700" cap="flat" cmpd="sng" algn="ctr">
+                      <a:solidFill>
+                        <a:schemeClr val="tx1"/>
+                      </a:solidFill>
+                      <a:prstDash val="solid"/>
+                      <a:round/>
+                      <a:headEnd type="none" w="med" len="med"/>
+                      <a:tailEnd type="none" w="med" len="med"/>
+                    </a:lnR>
+                    <a:lnT w="12700" cap="flat" cmpd="sng" algn="ctr">
+                      <a:solidFill>
+                        <a:schemeClr val="tx1"/>
+                      </a:solidFill>
+                      <a:prstDash val="solid"/>
+                      <a:round/>
+                      <a:headEnd type="none" w="med" len="med"/>
+                      <a:tailEnd type="none" w="med" len="med"/>
+                    </a:lnT>
+                    <a:lnB w="12700" cap="flat" cmpd="sng" algn="ctr">
+                      <a:solidFill>
+                        <a:schemeClr val="tx1"/>
+                      </a:solidFill>
+                      <a:prstDash val="solid"/>
+                      <a:round/>
+                      <a:headEnd type="none" w="med" len="med"/>
+                      <a:tailEnd type="none" w="med" len="med"/>
+                    </a:lnB>
+                  </a:tcPr>
+                </a:tc>
+                <a:extLst>
+                  <a:ext uri="{0D108BD9-81ED-4DB2-BD59-A6C34878D82A}">
+                    <a16:rowId xmlns:a16="http://schemas.microsoft.com/office/drawing/2014/main" val="3860862708"/>
+                  </a:ext>
+                </a:extLst>
+              </a:tr>
+              <a:tr h="204691">
+                <a:tc>
+                  <a:txBody>
+                    <a:bodyPr/>
+                    <a:lstStyle/>
+                    <a:p>
+                      <a:pPr algn="l" fontAlgn="b"/>
+                      <a:r>
+                        <a:rPr lang="en-GB" sz="1000" b="0" i="0" u="none" strike="noStrike">
+                          <a:solidFill>
+                            <a:srgbClr val="000000"/>
+                          </a:solidFill>
+                          <a:effectLst/>
+                          <a:latin typeface="Calibri" panose="020F0502020204030204" pitchFamily="34" charset="0"/>
+                        </a:rPr>
+                        <a:t>Arun</a:t>
+                      </a:r>
+                    </a:p>
+                  </a:txBody>
+                  <a:tcPr marL="9141" marR="9141" marT="9141" marB="0" anchor="b">
+                    <a:lnL w="12700" cap="flat" cmpd="sng" algn="ctr">
+                      <a:solidFill>
+                        <a:schemeClr val="tx1"/>
+                      </a:solidFill>
+                      <a:prstDash val="solid"/>
+                      <a:round/>
+                      <a:headEnd type="none" w="med" len="med"/>
+                      <a:tailEnd type="none" w="med" len="med"/>
+                    </a:lnL>
+                    <a:lnR w="12700" cap="flat" cmpd="sng" algn="ctr">
+                      <a:solidFill>
+                        <a:schemeClr val="tx1"/>
+                      </a:solidFill>
+                      <a:prstDash val="solid"/>
+                      <a:round/>
+                      <a:headEnd type="none" w="med" len="med"/>
+                      <a:tailEnd type="none" w="med" len="med"/>
+                    </a:lnR>
+                    <a:lnT w="12700" cap="flat" cmpd="sng" algn="ctr">
+                      <a:solidFill>
+                        <a:schemeClr val="tx1"/>
+                      </a:solidFill>
+                      <a:prstDash val="solid"/>
+                      <a:round/>
+                      <a:headEnd type="none" w="med" len="med"/>
+                      <a:tailEnd type="none" w="med" len="med"/>
+                    </a:lnT>
+                    <a:lnB w="12700" cap="flat" cmpd="sng" algn="ctr">
+                      <a:solidFill>
+                        <a:schemeClr val="tx1"/>
+                      </a:solidFill>
+                      <a:prstDash val="solid"/>
+                      <a:round/>
+                      <a:headEnd type="none" w="med" len="med"/>
+                      <a:tailEnd type="none" w="med" len="med"/>
+                    </a:lnB>
+                  </a:tcPr>
+                </a:tc>
+                <a:tc>
+                  <a:txBody>
+                    <a:bodyPr/>
+                    <a:lstStyle/>
+                    <a:p>
+                      <a:pPr algn="r" fontAlgn="b"/>
+                      <a:r>
+                        <a:rPr lang="en-GB" sz="1000" b="0" i="0" u="none" strike="noStrike" dirty="0">
+                          <a:solidFill>
+                            <a:srgbClr val="000000"/>
+                          </a:solidFill>
+                          <a:effectLst/>
+                          <a:latin typeface="Calibri" panose="020F0502020204030204" pitchFamily="34" charset="0"/>
+                        </a:rPr>
+                        <a:t>285 deaths (119.1 per 100,000 ESP, 95% CI: 105.1-133.2)</a:t>
+                      </a:r>
+                    </a:p>
+                  </a:txBody>
+                  <a:tcPr marL="9141" marR="9141" marT="9141" marB="0" anchor="b">
+                    <a:lnL w="12700" cap="flat" cmpd="sng" algn="ctr">
+                      <a:solidFill>
+                        <a:schemeClr val="tx1"/>
+                      </a:solidFill>
+                      <a:prstDash val="solid"/>
+                      <a:round/>
+                      <a:headEnd type="none" w="med" len="med"/>
+                      <a:tailEnd type="none" w="med" len="med"/>
+                    </a:lnL>
+                    <a:lnR w="12700" cap="flat" cmpd="sng" algn="ctr">
+                      <a:solidFill>
+                        <a:schemeClr val="tx1"/>
+                      </a:solidFill>
+                      <a:prstDash val="solid"/>
+                      <a:round/>
+                      <a:headEnd type="none" w="med" len="med"/>
+                      <a:tailEnd type="none" w="med" len="med"/>
+                    </a:lnR>
+                    <a:lnT w="12700" cap="flat" cmpd="sng" algn="ctr">
+                      <a:solidFill>
+                        <a:schemeClr val="tx1"/>
+                      </a:solidFill>
+                      <a:prstDash val="solid"/>
+                      <a:round/>
+                      <a:headEnd type="none" w="med" len="med"/>
+                      <a:tailEnd type="none" w="med" len="med"/>
+                    </a:lnT>
+                    <a:lnB w="12700" cap="flat" cmpd="sng" algn="ctr">
+                      <a:solidFill>
+                        <a:schemeClr val="tx1"/>
+                      </a:solidFill>
+                      <a:prstDash val="solid"/>
+                      <a:round/>
+                      <a:headEnd type="none" w="med" len="med"/>
+                      <a:tailEnd type="none" w="med" len="med"/>
+                    </a:lnB>
+                  </a:tcPr>
+                </a:tc>
+                <a:extLst>
+                  <a:ext uri="{0D108BD9-81ED-4DB2-BD59-A6C34878D82A}">
+                    <a16:rowId xmlns:a16="http://schemas.microsoft.com/office/drawing/2014/main" val="2881769172"/>
+                  </a:ext>
+                </a:extLst>
+              </a:tr>
+              <a:tr h="204691">
+                <a:tc>
+                  <a:txBody>
+                    <a:bodyPr/>
+                    <a:lstStyle/>
+                    <a:p>
+                      <a:pPr algn="l" fontAlgn="b"/>
+                      <a:r>
+                        <a:rPr lang="en-GB" sz="1000" b="0" i="0" u="none" strike="noStrike">
+                          <a:solidFill>
+                            <a:srgbClr val="000000"/>
+                          </a:solidFill>
+                          <a:effectLst/>
+                          <a:latin typeface="Calibri" panose="020F0502020204030204" pitchFamily="34" charset="0"/>
+                        </a:rPr>
+                        <a:t>Chichester</a:t>
+                      </a:r>
+                    </a:p>
+                  </a:txBody>
+                  <a:tcPr marL="9141" marR="9141" marT="9141" marB="0" anchor="b">
+                    <a:lnL w="12700" cap="flat" cmpd="sng" algn="ctr">
+                      <a:solidFill>
+                        <a:schemeClr val="tx1"/>
+                      </a:solidFill>
+                      <a:prstDash val="solid"/>
+                      <a:round/>
+                      <a:headEnd type="none" w="med" len="med"/>
+                      <a:tailEnd type="none" w="med" len="med"/>
+                    </a:lnL>
+                    <a:lnR w="12700" cap="flat" cmpd="sng" algn="ctr">
+                      <a:solidFill>
+                        <a:schemeClr val="tx1"/>
+                      </a:solidFill>
+                      <a:prstDash val="solid"/>
+                      <a:round/>
+                      <a:headEnd type="none" w="med" len="med"/>
+                      <a:tailEnd type="none" w="med" len="med"/>
+                    </a:lnR>
+                    <a:lnT w="12700" cap="flat" cmpd="sng" algn="ctr">
+                      <a:solidFill>
+                        <a:schemeClr val="tx1"/>
+                      </a:solidFill>
+                      <a:prstDash val="solid"/>
+                      <a:round/>
+                      <a:headEnd type="none" w="med" len="med"/>
+                      <a:tailEnd type="none" w="med" len="med"/>
+                    </a:lnT>
+                    <a:lnB w="12700" cap="flat" cmpd="sng" algn="ctr">
+                      <a:solidFill>
+                        <a:schemeClr val="tx1"/>
+                      </a:solidFill>
+                      <a:prstDash val="solid"/>
+                      <a:round/>
+                      <a:headEnd type="none" w="med" len="med"/>
+                      <a:tailEnd type="none" w="med" len="med"/>
+                    </a:lnB>
+                  </a:tcPr>
+                </a:tc>
+                <a:tc>
+                  <a:txBody>
+                    <a:bodyPr/>
+                    <a:lstStyle/>
+                    <a:p>
+                      <a:pPr algn="r" fontAlgn="b"/>
+                      <a:r>
+                        <a:rPr lang="en-GB" sz="1000" b="0" i="0" u="none" strike="noStrike" dirty="0">
+                          <a:solidFill>
+                            <a:srgbClr val="000000"/>
+                          </a:solidFill>
+                          <a:effectLst/>
+                          <a:latin typeface="Calibri" panose="020F0502020204030204" pitchFamily="34" charset="0"/>
+                        </a:rPr>
+                        <a:t>227 deaths (130.9 per 100,000 ESP, 95% CI: 113.6-148.3)</a:t>
+                      </a:r>
+                    </a:p>
+                  </a:txBody>
+                  <a:tcPr marL="9141" marR="9141" marT="9141" marB="0" anchor="b">
+                    <a:lnL w="12700" cap="flat" cmpd="sng" algn="ctr">
+                      <a:solidFill>
+                        <a:schemeClr val="tx1"/>
+                      </a:solidFill>
+                      <a:prstDash val="solid"/>
+                      <a:round/>
+                      <a:headEnd type="none" w="med" len="med"/>
+                      <a:tailEnd type="none" w="med" len="med"/>
+                    </a:lnL>
+                    <a:lnR w="12700" cap="flat" cmpd="sng" algn="ctr">
+                      <a:solidFill>
+                        <a:schemeClr val="tx1"/>
+                      </a:solidFill>
+                      <a:prstDash val="solid"/>
+                      <a:round/>
+                      <a:headEnd type="none" w="med" len="med"/>
+                      <a:tailEnd type="none" w="med" len="med"/>
+                    </a:lnR>
+                    <a:lnT w="12700" cap="flat" cmpd="sng" algn="ctr">
+                      <a:solidFill>
+                        <a:schemeClr val="tx1"/>
+                      </a:solidFill>
+                      <a:prstDash val="solid"/>
+                      <a:round/>
+                      <a:headEnd type="none" w="med" len="med"/>
+                      <a:tailEnd type="none" w="med" len="med"/>
+                    </a:lnT>
+                    <a:lnB w="12700" cap="flat" cmpd="sng" algn="ctr">
+                      <a:solidFill>
+                        <a:schemeClr val="tx1"/>
+                      </a:solidFill>
+                      <a:prstDash val="solid"/>
+                      <a:round/>
+                      <a:headEnd type="none" w="med" len="med"/>
+                      <a:tailEnd type="none" w="med" len="med"/>
+                    </a:lnB>
+                  </a:tcPr>
+                </a:tc>
+                <a:extLst>
+                  <a:ext uri="{0D108BD9-81ED-4DB2-BD59-A6C34878D82A}">
+                    <a16:rowId xmlns:a16="http://schemas.microsoft.com/office/drawing/2014/main" val="2132150186"/>
+                  </a:ext>
+                </a:extLst>
+              </a:tr>
+              <a:tr h="204691">
+                <a:tc>
+                  <a:txBody>
+                    <a:bodyPr/>
+                    <a:lstStyle/>
+                    <a:p>
+                      <a:pPr algn="l" fontAlgn="b"/>
+                      <a:r>
+                        <a:rPr lang="en-GB" sz="1000" b="0" i="0" u="none" strike="noStrike">
+                          <a:solidFill>
+                            <a:srgbClr val="000000"/>
+                          </a:solidFill>
+                          <a:effectLst/>
+                          <a:latin typeface="Calibri" panose="020F0502020204030204" pitchFamily="34" charset="0"/>
+                        </a:rPr>
+                        <a:t>Crawley</a:t>
+                      </a:r>
+                    </a:p>
+                  </a:txBody>
+                  <a:tcPr marL="9141" marR="9141" marT="9141" marB="0" anchor="b">
+                    <a:lnL w="12700" cap="flat" cmpd="sng" algn="ctr">
+                      <a:solidFill>
+                        <a:schemeClr val="tx1"/>
+                      </a:solidFill>
+                      <a:prstDash val="solid"/>
+                      <a:round/>
+                      <a:headEnd type="none" w="med" len="med"/>
+                      <a:tailEnd type="none" w="med" len="med"/>
+                    </a:lnL>
+                    <a:lnR w="12700" cap="flat" cmpd="sng" algn="ctr">
+                      <a:solidFill>
+                        <a:schemeClr val="tx1"/>
+                      </a:solidFill>
+                      <a:prstDash val="solid"/>
+                      <a:round/>
+                      <a:headEnd type="none" w="med" len="med"/>
+                      <a:tailEnd type="none" w="med" len="med"/>
+                    </a:lnR>
+                    <a:lnT w="12700" cap="flat" cmpd="sng" algn="ctr">
+                      <a:solidFill>
+                        <a:schemeClr val="tx1"/>
+                      </a:solidFill>
+                      <a:prstDash val="solid"/>
+                      <a:round/>
+                      <a:headEnd type="none" w="med" len="med"/>
+                      <a:tailEnd type="none" w="med" len="med"/>
+                    </a:lnT>
+                    <a:lnB w="12700" cap="flat" cmpd="sng" algn="ctr">
+                      <a:solidFill>
+                        <a:schemeClr val="tx1"/>
+                      </a:solidFill>
+                      <a:prstDash val="solid"/>
+                      <a:round/>
+                      <a:headEnd type="none" w="med" len="med"/>
+                      <a:tailEnd type="none" w="med" len="med"/>
+                    </a:lnB>
+                  </a:tcPr>
+                </a:tc>
+                <a:tc>
+                  <a:txBody>
+                    <a:bodyPr/>
+                    <a:lstStyle/>
+                    <a:p>
+                      <a:pPr algn="r" fontAlgn="b"/>
+                      <a:r>
+                        <a:rPr lang="en-GB" sz="1000" b="0" i="0" u="none" strike="noStrike" dirty="0">
+                          <a:solidFill>
+                            <a:srgbClr val="000000"/>
+                          </a:solidFill>
+                          <a:effectLst/>
+                          <a:latin typeface="Calibri" panose="020F0502020204030204" pitchFamily="34" charset="0"/>
+                        </a:rPr>
+                        <a:t>123 deaths (143.3 per 100,000 ESP, 95% CI: 117.6-168.9)</a:t>
+                      </a:r>
+                    </a:p>
+                  </a:txBody>
+                  <a:tcPr marL="9141" marR="9141" marT="9141" marB="0" anchor="b">
+                    <a:lnL w="12700" cap="flat" cmpd="sng" algn="ctr">
+                      <a:solidFill>
+                        <a:schemeClr val="tx1"/>
+                      </a:solidFill>
+                      <a:prstDash val="solid"/>
+                      <a:round/>
+                      <a:headEnd type="none" w="med" len="med"/>
+                      <a:tailEnd type="none" w="med" len="med"/>
+                    </a:lnL>
+                    <a:lnR w="12700" cap="flat" cmpd="sng" algn="ctr">
+                      <a:solidFill>
+                        <a:schemeClr val="tx1"/>
+                      </a:solidFill>
+                      <a:prstDash val="solid"/>
+                      <a:round/>
+                      <a:headEnd type="none" w="med" len="med"/>
+                      <a:tailEnd type="none" w="med" len="med"/>
+                    </a:lnR>
+                    <a:lnT w="12700" cap="flat" cmpd="sng" algn="ctr">
+                      <a:solidFill>
+                        <a:schemeClr val="tx1"/>
+                      </a:solidFill>
+                      <a:prstDash val="solid"/>
+                      <a:round/>
+                      <a:headEnd type="none" w="med" len="med"/>
+                      <a:tailEnd type="none" w="med" len="med"/>
+                    </a:lnT>
+                    <a:lnB w="12700" cap="flat" cmpd="sng" algn="ctr">
+                      <a:solidFill>
+                        <a:schemeClr val="tx1"/>
+                      </a:solidFill>
+                      <a:prstDash val="solid"/>
+                      <a:round/>
+                      <a:headEnd type="none" w="med" len="med"/>
+                      <a:tailEnd type="none" w="med" len="med"/>
+                    </a:lnB>
+                  </a:tcPr>
+                </a:tc>
+                <a:extLst>
+                  <a:ext uri="{0D108BD9-81ED-4DB2-BD59-A6C34878D82A}">
+                    <a16:rowId xmlns:a16="http://schemas.microsoft.com/office/drawing/2014/main" val="4100084925"/>
+                  </a:ext>
+                </a:extLst>
+              </a:tr>
+              <a:tr h="204691">
+                <a:tc>
+                  <a:txBody>
+                    <a:bodyPr/>
+                    <a:lstStyle/>
+                    <a:p>
+                      <a:pPr algn="l" fontAlgn="b"/>
+                      <a:r>
+                        <a:rPr lang="en-GB" sz="1000" b="0" i="0" u="none" strike="noStrike">
+                          <a:solidFill>
+                            <a:srgbClr val="000000"/>
+                          </a:solidFill>
+                          <a:effectLst/>
+                          <a:latin typeface="Calibri" panose="020F0502020204030204" pitchFamily="34" charset="0"/>
+                        </a:rPr>
+                        <a:t>Horsham</a:t>
+                      </a:r>
+                    </a:p>
+                  </a:txBody>
+                  <a:tcPr marL="9141" marR="9141" marT="9141" marB="0" anchor="b">
+                    <a:lnL w="12700" cap="flat" cmpd="sng" algn="ctr">
+                      <a:solidFill>
+                        <a:schemeClr val="tx1"/>
+                      </a:solidFill>
+                      <a:prstDash val="solid"/>
+                      <a:round/>
+                      <a:headEnd type="none" w="med" len="med"/>
+                      <a:tailEnd type="none" w="med" len="med"/>
+                    </a:lnL>
+                    <a:lnR w="12700" cap="flat" cmpd="sng" algn="ctr">
+                      <a:solidFill>
+                        <a:schemeClr val="tx1"/>
+                      </a:solidFill>
+                      <a:prstDash val="solid"/>
+                      <a:round/>
+                      <a:headEnd type="none" w="med" len="med"/>
+                      <a:tailEnd type="none" w="med" len="med"/>
+                    </a:lnR>
+                    <a:lnT w="12700" cap="flat" cmpd="sng" algn="ctr">
+                      <a:solidFill>
+                        <a:schemeClr val="tx1"/>
+                      </a:solidFill>
+                      <a:prstDash val="solid"/>
+                      <a:round/>
+                      <a:headEnd type="none" w="med" len="med"/>
+                      <a:tailEnd type="none" w="med" len="med"/>
+                    </a:lnT>
+                    <a:lnB w="12700" cap="flat" cmpd="sng" algn="ctr">
+                      <a:solidFill>
+                        <a:schemeClr val="tx1"/>
+                      </a:solidFill>
+                      <a:prstDash val="solid"/>
+                      <a:round/>
+                      <a:headEnd type="none" w="med" len="med"/>
+                      <a:tailEnd type="none" w="med" len="med"/>
+                    </a:lnB>
+                  </a:tcPr>
+                </a:tc>
+                <a:tc>
+                  <a:txBody>
+                    <a:bodyPr/>
+                    <a:lstStyle/>
+                    <a:p>
+                      <a:pPr algn="r" fontAlgn="b"/>
+                      <a:r>
+                        <a:rPr lang="en-GB" sz="1000" b="0" i="0" u="none" strike="noStrike" dirty="0">
+                          <a:solidFill>
+                            <a:srgbClr val="000000"/>
+                          </a:solidFill>
+                          <a:effectLst/>
+                          <a:latin typeface="Calibri" panose="020F0502020204030204" pitchFamily="34" charset="0"/>
+                        </a:rPr>
+                        <a:t>212 deaths (124.4 per 100,000 ESP, 95% CI: 107.5-141.2)</a:t>
+                      </a:r>
+                    </a:p>
+                  </a:txBody>
+                  <a:tcPr marL="9141" marR="9141" marT="9141" marB="0" anchor="b">
+                    <a:lnL w="12700" cap="flat" cmpd="sng" algn="ctr">
+                      <a:solidFill>
+                        <a:schemeClr val="tx1"/>
+                      </a:solidFill>
+                      <a:prstDash val="solid"/>
+                      <a:round/>
+                      <a:headEnd type="none" w="med" len="med"/>
+                      <a:tailEnd type="none" w="med" len="med"/>
+                    </a:lnL>
+                    <a:lnR w="12700" cap="flat" cmpd="sng" algn="ctr">
+                      <a:solidFill>
+                        <a:schemeClr val="tx1"/>
+                      </a:solidFill>
+                      <a:prstDash val="solid"/>
+                      <a:round/>
+                      <a:headEnd type="none" w="med" len="med"/>
+                      <a:tailEnd type="none" w="med" len="med"/>
+                    </a:lnR>
+                    <a:lnT w="12700" cap="flat" cmpd="sng" algn="ctr">
+                      <a:solidFill>
+                        <a:schemeClr val="tx1"/>
+                      </a:solidFill>
+                      <a:prstDash val="solid"/>
+                      <a:round/>
+                      <a:headEnd type="none" w="med" len="med"/>
+                      <a:tailEnd type="none" w="med" len="med"/>
+                    </a:lnT>
+                    <a:lnB w="12700" cap="flat" cmpd="sng" algn="ctr">
+                      <a:solidFill>
+                        <a:schemeClr val="tx1"/>
+                      </a:solidFill>
+                      <a:prstDash val="solid"/>
+                      <a:round/>
+                      <a:headEnd type="none" w="med" len="med"/>
+                      <a:tailEnd type="none" w="med" len="med"/>
+                    </a:lnB>
+                  </a:tcPr>
+                </a:tc>
+                <a:extLst>
+                  <a:ext uri="{0D108BD9-81ED-4DB2-BD59-A6C34878D82A}">
+                    <a16:rowId xmlns:a16="http://schemas.microsoft.com/office/drawing/2014/main" val="4195764038"/>
+                  </a:ext>
+                </a:extLst>
+              </a:tr>
+              <a:tr h="204691">
+                <a:tc>
+                  <a:txBody>
+                    <a:bodyPr/>
+                    <a:lstStyle/>
+                    <a:p>
+                      <a:pPr algn="l" fontAlgn="b"/>
+                      <a:r>
+                        <a:rPr lang="en-GB" sz="1000" b="0" i="0" u="none" strike="noStrike">
+                          <a:solidFill>
+                            <a:srgbClr val="000000"/>
+                          </a:solidFill>
+                          <a:effectLst/>
+                          <a:latin typeface="Calibri" panose="020F0502020204030204" pitchFamily="34" charset="0"/>
+                        </a:rPr>
+                        <a:t>Mid Sussex</a:t>
+                      </a:r>
+                    </a:p>
+                  </a:txBody>
+                  <a:tcPr marL="9141" marR="9141" marT="9141" marB="0" anchor="b">
+                    <a:lnL w="12700" cap="flat" cmpd="sng" algn="ctr">
+                      <a:solidFill>
+                        <a:schemeClr val="tx1"/>
+                      </a:solidFill>
+                      <a:prstDash val="solid"/>
+                      <a:round/>
+                      <a:headEnd type="none" w="med" len="med"/>
+                      <a:tailEnd type="none" w="med" len="med"/>
+                    </a:lnL>
+                    <a:lnR w="12700" cap="flat" cmpd="sng" algn="ctr">
+                      <a:solidFill>
+                        <a:schemeClr val="tx1"/>
+                      </a:solidFill>
+                      <a:prstDash val="solid"/>
+                      <a:round/>
+                      <a:headEnd type="none" w="med" len="med"/>
+                      <a:tailEnd type="none" w="med" len="med"/>
+                    </a:lnR>
+                    <a:lnT w="12700" cap="flat" cmpd="sng" algn="ctr">
+                      <a:solidFill>
+                        <a:schemeClr val="tx1"/>
+                      </a:solidFill>
+                      <a:prstDash val="solid"/>
+                      <a:round/>
+                      <a:headEnd type="none" w="med" len="med"/>
+                      <a:tailEnd type="none" w="med" len="med"/>
+                    </a:lnT>
+                    <a:lnB w="12700" cap="flat" cmpd="sng" algn="ctr">
+                      <a:solidFill>
+                        <a:schemeClr val="tx1"/>
+                      </a:solidFill>
+                      <a:prstDash val="solid"/>
+                      <a:round/>
+                      <a:headEnd type="none" w="med" len="med"/>
+                      <a:tailEnd type="none" w="med" len="med"/>
+                    </a:lnB>
+                  </a:tcPr>
+                </a:tc>
+                <a:tc>
+                  <a:txBody>
+                    <a:bodyPr/>
+                    <a:lstStyle/>
+                    <a:p>
+                      <a:pPr algn="r" fontAlgn="b"/>
+                      <a:r>
+                        <a:rPr lang="en-GB" sz="1000" b="0" i="0" u="none" strike="noStrike" dirty="0">
+                          <a:solidFill>
+                            <a:srgbClr val="000000"/>
+                          </a:solidFill>
+                          <a:effectLst/>
+                          <a:latin typeface="Calibri" panose="020F0502020204030204" pitchFamily="34" charset="0"/>
+                        </a:rPr>
+                        <a:t>258 deaths (157 per 100,000 ESP, 95% CI: 137.7-176.3)</a:t>
+                      </a:r>
+                    </a:p>
+                  </a:txBody>
+                  <a:tcPr marL="9141" marR="9141" marT="9141" marB="0" anchor="b">
+                    <a:lnL w="12700" cap="flat" cmpd="sng" algn="ctr">
+                      <a:solidFill>
+                        <a:schemeClr val="tx1"/>
+                      </a:solidFill>
+                      <a:prstDash val="solid"/>
+                      <a:round/>
+                      <a:headEnd type="none" w="med" len="med"/>
+                      <a:tailEnd type="none" w="med" len="med"/>
+                    </a:lnL>
+                    <a:lnR w="12700" cap="flat" cmpd="sng" algn="ctr">
+                      <a:solidFill>
+                        <a:schemeClr val="tx1"/>
+                      </a:solidFill>
+                      <a:prstDash val="solid"/>
+                      <a:round/>
+                      <a:headEnd type="none" w="med" len="med"/>
+                      <a:tailEnd type="none" w="med" len="med"/>
+                    </a:lnR>
+                    <a:lnT w="12700" cap="flat" cmpd="sng" algn="ctr">
+                      <a:solidFill>
+                        <a:schemeClr val="tx1"/>
+                      </a:solidFill>
+                      <a:prstDash val="solid"/>
+                      <a:round/>
+                      <a:headEnd type="none" w="med" len="med"/>
+                      <a:tailEnd type="none" w="med" len="med"/>
+                    </a:lnT>
+                    <a:lnB w="12700" cap="flat" cmpd="sng" algn="ctr">
+                      <a:solidFill>
+                        <a:schemeClr val="tx1"/>
+                      </a:solidFill>
+                      <a:prstDash val="solid"/>
+                      <a:round/>
+                      <a:headEnd type="none" w="med" len="med"/>
+                      <a:tailEnd type="none" w="med" len="med"/>
+                    </a:lnB>
+                  </a:tcPr>
+                </a:tc>
+                <a:extLst>
+                  <a:ext uri="{0D108BD9-81ED-4DB2-BD59-A6C34878D82A}">
+                    <a16:rowId xmlns:a16="http://schemas.microsoft.com/office/drawing/2014/main" val="1544312381"/>
+                  </a:ext>
+                </a:extLst>
+              </a:tr>
+              <a:tr h="204691">
+                <a:tc>
+                  <a:txBody>
+                    <a:bodyPr/>
+                    <a:lstStyle/>
+                    <a:p>
+                      <a:pPr algn="l" fontAlgn="b"/>
+                      <a:r>
+                        <a:rPr lang="en-GB" sz="1000" b="0" i="0" u="none" strike="noStrike">
+                          <a:solidFill>
+                            <a:srgbClr val="000000"/>
+                          </a:solidFill>
+                          <a:effectLst/>
+                          <a:latin typeface="Calibri" panose="020F0502020204030204" pitchFamily="34" charset="0"/>
+                        </a:rPr>
+                        <a:t>Worthing</a:t>
+                      </a:r>
+                    </a:p>
+                  </a:txBody>
+                  <a:tcPr marL="9141" marR="9141" marT="9141" marB="0" anchor="b">
+                    <a:lnL w="12700" cap="flat" cmpd="sng" algn="ctr">
+                      <a:solidFill>
+                        <a:schemeClr val="tx1"/>
+                      </a:solidFill>
+                      <a:prstDash val="solid"/>
+                      <a:round/>
+                      <a:headEnd type="none" w="med" len="med"/>
+                      <a:tailEnd type="none" w="med" len="med"/>
+                    </a:lnL>
+                    <a:lnR w="12700" cap="flat" cmpd="sng" algn="ctr">
+                      <a:solidFill>
+                        <a:schemeClr val="tx1"/>
+                      </a:solidFill>
+                      <a:prstDash val="solid"/>
+                      <a:round/>
+                      <a:headEnd type="none" w="med" len="med"/>
+                      <a:tailEnd type="none" w="med" len="med"/>
+                    </a:lnR>
+                    <a:lnT w="12700" cap="flat" cmpd="sng" algn="ctr">
+                      <a:solidFill>
+                        <a:schemeClr val="tx1"/>
+                      </a:solidFill>
+                      <a:prstDash val="solid"/>
+                      <a:round/>
+                      <a:headEnd type="none" w="med" len="med"/>
+                      <a:tailEnd type="none" w="med" len="med"/>
+                    </a:lnT>
+                    <a:lnB w="12700" cap="flat" cmpd="sng" algn="ctr">
+                      <a:solidFill>
+                        <a:schemeClr val="tx1"/>
+                      </a:solidFill>
+                      <a:prstDash val="solid"/>
+                      <a:round/>
+                      <a:headEnd type="none" w="med" len="med"/>
+                      <a:tailEnd type="none" w="med" len="med"/>
+                    </a:lnB>
+                  </a:tcPr>
+                </a:tc>
+                <a:tc>
+                  <a:txBody>
+                    <a:bodyPr/>
+                    <a:lstStyle/>
+                    <a:p>
+                      <a:pPr algn="r" fontAlgn="b"/>
+                      <a:r>
+                        <a:rPr lang="en-GB" sz="1000" b="0" i="0" u="none" strike="noStrike" dirty="0">
+                          <a:solidFill>
+                            <a:srgbClr val="000000"/>
+                          </a:solidFill>
+                          <a:effectLst/>
+                          <a:latin typeface="Calibri" panose="020F0502020204030204" pitchFamily="34" charset="0"/>
+                        </a:rPr>
+                        <a:t>194 deaths (139.3 per 100,000 ESP, 95% CI: 119.4-159.2)</a:t>
+                      </a:r>
+                    </a:p>
+                  </a:txBody>
+                  <a:tcPr marL="9141" marR="9141" marT="9141" marB="0" anchor="b">
+                    <a:lnL w="12700" cap="flat" cmpd="sng" algn="ctr">
+                      <a:solidFill>
+                        <a:schemeClr val="tx1"/>
+                      </a:solidFill>
+                      <a:prstDash val="solid"/>
+                      <a:round/>
+                      <a:headEnd type="none" w="med" len="med"/>
+                      <a:tailEnd type="none" w="med" len="med"/>
+                    </a:lnL>
+                    <a:lnR w="12700" cap="flat" cmpd="sng" algn="ctr">
+                      <a:solidFill>
+                        <a:schemeClr val="tx1"/>
+                      </a:solidFill>
+                      <a:prstDash val="solid"/>
+                      <a:round/>
+                      <a:headEnd type="none" w="med" len="med"/>
+                      <a:tailEnd type="none" w="med" len="med"/>
+                    </a:lnR>
+                    <a:lnT w="12700" cap="flat" cmpd="sng" algn="ctr">
+                      <a:solidFill>
+                        <a:schemeClr val="tx1"/>
+                      </a:solidFill>
+                      <a:prstDash val="solid"/>
+                      <a:round/>
+                      <a:headEnd type="none" w="med" len="med"/>
+                      <a:tailEnd type="none" w="med" len="med"/>
+                    </a:lnT>
+                    <a:lnB w="12700" cap="flat" cmpd="sng" algn="ctr">
+                      <a:solidFill>
+                        <a:schemeClr val="tx1"/>
+                      </a:solidFill>
+                      <a:prstDash val="solid"/>
+                      <a:round/>
+                      <a:headEnd type="none" w="med" len="med"/>
+                      <a:tailEnd type="none" w="med" len="med"/>
+                    </a:lnB>
+                  </a:tcPr>
+                </a:tc>
+                <a:extLst>
+                  <a:ext uri="{0D108BD9-81ED-4DB2-BD59-A6C34878D82A}">
+                    <a16:rowId xmlns:a16="http://schemas.microsoft.com/office/drawing/2014/main" val="1003309935"/>
+                  </a:ext>
+                </a:extLst>
+              </a:tr>
+              <a:tr h="204691">
+                <a:tc>
+                  <a:txBody>
+                    <a:bodyPr/>
+                    <a:lstStyle/>
+                    <a:p>
+                      <a:pPr algn="l" fontAlgn="b"/>
+                      <a:r>
+                        <a:rPr lang="en-GB" sz="1000" b="0" i="0" u="none" strike="noStrike">
+                          <a:solidFill>
+                            <a:srgbClr val="000000"/>
+                          </a:solidFill>
+                          <a:effectLst/>
+                          <a:latin typeface="Calibri" panose="020F0502020204030204" pitchFamily="34" charset="0"/>
+                        </a:rPr>
+                        <a:t>West Sussex</a:t>
+                      </a:r>
+                    </a:p>
+                  </a:txBody>
+                  <a:tcPr marL="9141" marR="9141" marT="9141" marB="0" anchor="b">
+                    <a:lnL w="12700" cap="flat" cmpd="sng" algn="ctr">
+                      <a:solidFill>
+                        <a:schemeClr val="tx1"/>
+                      </a:solidFill>
+                      <a:prstDash val="solid"/>
+                      <a:round/>
+                      <a:headEnd type="none" w="med" len="med"/>
+                      <a:tailEnd type="none" w="med" len="med"/>
+                    </a:lnL>
+                    <a:lnR w="12700" cap="flat" cmpd="sng" algn="ctr">
+                      <a:solidFill>
+                        <a:schemeClr val="tx1"/>
+                      </a:solidFill>
+                      <a:prstDash val="solid"/>
+                      <a:round/>
+                      <a:headEnd type="none" w="med" len="med"/>
+                      <a:tailEnd type="none" w="med" len="med"/>
+                    </a:lnR>
+                    <a:lnT w="12700" cap="flat" cmpd="sng" algn="ctr">
+                      <a:solidFill>
+                        <a:schemeClr val="tx1"/>
+                      </a:solidFill>
+                      <a:prstDash val="solid"/>
+                      <a:round/>
+                      <a:headEnd type="none" w="med" len="med"/>
+                      <a:tailEnd type="none" w="med" len="med"/>
+                    </a:lnT>
+                    <a:lnB w="12700" cap="flat" cmpd="sng" algn="ctr">
+                      <a:solidFill>
+                        <a:schemeClr val="tx1"/>
+                      </a:solidFill>
+                      <a:prstDash val="solid"/>
+                      <a:round/>
+                      <a:headEnd type="none" w="med" len="med"/>
+                      <a:tailEnd type="none" w="med" len="med"/>
+                    </a:lnB>
+                  </a:tcPr>
+                </a:tc>
+                <a:tc>
+                  <a:txBody>
+                    <a:bodyPr/>
+                    <a:lstStyle/>
+                    <a:p>
+                      <a:pPr algn="r" fontAlgn="b"/>
+                      <a:r>
+                        <a:rPr lang="en-GB" sz="1000" b="0" i="0" u="none" strike="noStrike" dirty="0">
+                          <a:solidFill>
+                            <a:srgbClr val="000000"/>
+                          </a:solidFill>
+                          <a:effectLst/>
+                          <a:latin typeface="Calibri" panose="020F0502020204030204" pitchFamily="34" charset="0"/>
+                        </a:rPr>
+                        <a:t>1,409 deaths (133.7 per 100,000 ESP, 95% CI: 126.7-140.8)</a:t>
+                      </a:r>
+                    </a:p>
+                  </a:txBody>
+                  <a:tcPr marL="9141" marR="9141" marT="9141" marB="0" anchor="b">
+                    <a:lnL w="12700" cap="flat" cmpd="sng" algn="ctr">
+                      <a:solidFill>
+                        <a:schemeClr val="tx1"/>
+                      </a:solidFill>
+                      <a:prstDash val="solid"/>
+                      <a:round/>
+                      <a:headEnd type="none" w="med" len="med"/>
+                      <a:tailEnd type="none" w="med" len="med"/>
+                    </a:lnL>
+                    <a:lnR w="12700" cap="flat" cmpd="sng" algn="ctr">
+                      <a:solidFill>
+                        <a:schemeClr val="tx1"/>
+                      </a:solidFill>
+                      <a:prstDash val="solid"/>
+                      <a:round/>
+                      <a:headEnd type="none" w="med" len="med"/>
+                      <a:tailEnd type="none" w="med" len="med"/>
+                    </a:lnR>
+                    <a:lnT w="12700" cap="flat" cmpd="sng" algn="ctr">
+                      <a:solidFill>
+                        <a:schemeClr val="tx1"/>
+                      </a:solidFill>
+                      <a:prstDash val="solid"/>
+                      <a:round/>
+                      <a:headEnd type="none" w="med" len="med"/>
+                      <a:tailEnd type="none" w="med" len="med"/>
+                    </a:lnT>
+                    <a:lnB w="12700" cap="flat" cmpd="sng" algn="ctr">
+                      <a:solidFill>
+                        <a:schemeClr val="tx1"/>
+                      </a:solidFill>
+                      <a:prstDash val="solid"/>
+                      <a:round/>
+                      <a:headEnd type="none" w="med" len="med"/>
+                      <a:tailEnd type="none" w="med" len="med"/>
+                    </a:lnB>
+                  </a:tcPr>
+                </a:tc>
+                <a:extLst>
+                  <a:ext uri="{0D108BD9-81ED-4DB2-BD59-A6C34878D82A}">
+                    <a16:rowId xmlns:a16="http://schemas.microsoft.com/office/drawing/2014/main" val="336817654"/>
+                  </a:ext>
+                </a:extLst>
+              </a:tr>
+              <a:tr h="204691">
+                <a:tc>
+                  <a:txBody>
+                    <a:bodyPr/>
+                    <a:lstStyle/>
+                    <a:p>
+                      <a:pPr algn="l" fontAlgn="b"/>
+                      <a:r>
+                        <a:rPr lang="en-GB" sz="1000" b="0" i="0" u="none" strike="noStrike">
+                          <a:solidFill>
+                            <a:srgbClr val="000000"/>
+                          </a:solidFill>
+                          <a:effectLst/>
+                          <a:latin typeface="Calibri" panose="020F0502020204030204" pitchFamily="34" charset="0"/>
+                        </a:rPr>
+                        <a:t>South East</a:t>
+                      </a:r>
+                    </a:p>
+                  </a:txBody>
+                  <a:tcPr marL="9141" marR="9141" marT="9141" marB="0" anchor="b">
+                    <a:lnL w="12700" cap="flat" cmpd="sng" algn="ctr">
+                      <a:solidFill>
+                        <a:schemeClr val="tx1"/>
+                      </a:solidFill>
+                      <a:prstDash val="solid"/>
+                      <a:round/>
+                      <a:headEnd type="none" w="med" len="med"/>
+                      <a:tailEnd type="none" w="med" len="med"/>
+                    </a:lnL>
+                    <a:lnR w="12700" cap="flat" cmpd="sng" algn="ctr">
+                      <a:solidFill>
+                        <a:schemeClr val="tx1"/>
+                      </a:solidFill>
+                      <a:prstDash val="solid"/>
+                      <a:round/>
+                      <a:headEnd type="none" w="med" len="med"/>
+                      <a:tailEnd type="none" w="med" len="med"/>
+                    </a:lnR>
+                    <a:lnT w="12700" cap="flat" cmpd="sng" algn="ctr">
+                      <a:solidFill>
+                        <a:schemeClr val="tx1"/>
+                      </a:solidFill>
+                      <a:prstDash val="solid"/>
+                      <a:round/>
+                      <a:headEnd type="none" w="med" len="med"/>
+                      <a:tailEnd type="none" w="med" len="med"/>
+                    </a:lnT>
+                    <a:lnB w="12700" cap="flat" cmpd="sng" algn="ctr">
+                      <a:solidFill>
+                        <a:schemeClr val="tx1"/>
+                      </a:solidFill>
+                      <a:prstDash val="solid"/>
+                      <a:round/>
+                      <a:headEnd type="none" w="med" len="med"/>
+                      <a:tailEnd type="none" w="med" len="med"/>
+                    </a:lnB>
+                  </a:tcPr>
+                </a:tc>
+                <a:tc>
+                  <a:txBody>
+                    <a:bodyPr/>
+                    <a:lstStyle/>
+                    <a:p>
+                      <a:pPr algn="r" fontAlgn="b"/>
+                      <a:r>
+                        <a:rPr lang="en-GB" sz="1000" b="0" i="0" u="none" strike="noStrike" dirty="0">
+                          <a:solidFill>
+                            <a:srgbClr val="000000"/>
+                          </a:solidFill>
+                          <a:effectLst/>
+                          <a:latin typeface="Calibri" panose="020F0502020204030204" pitchFamily="34" charset="0"/>
+                        </a:rPr>
+                        <a:t>13,024 deaths (138.5 per 100,000 ESP, 95% CI: 136.1-140.9)</a:t>
+                      </a:r>
+                    </a:p>
+                  </a:txBody>
+                  <a:tcPr marL="9141" marR="9141" marT="9141" marB="0" anchor="b">
+                    <a:lnL w="12700" cap="flat" cmpd="sng" algn="ctr">
+                      <a:solidFill>
+                        <a:schemeClr val="tx1"/>
+                      </a:solidFill>
+                      <a:prstDash val="solid"/>
+                      <a:round/>
+                      <a:headEnd type="none" w="med" len="med"/>
+                      <a:tailEnd type="none" w="med" len="med"/>
+                    </a:lnL>
+                    <a:lnR w="12700" cap="flat" cmpd="sng" algn="ctr">
+                      <a:solidFill>
+                        <a:schemeClr val="tx1"/>
+                      </a:solidFill>
+                      <a:prstDash val="solid"/>
+                      <a:round/>
+                      <a:headEnd type="none" w="med" len="med"/>
+                      <a:tailEnd type="none" w="med" len="med"/>
+                    </a:lnR>
+                    <a:lnT w="12700" cap="flat" cmpd="sng" algn="ctr">
+                      <a:solidFill>
+                        <a:schemeClr val="tx1"/>
+                      </a:solidFill>
+                      <a:prstDash val="solid"/>
+                      <a:round/>
+                      <a:headEnd type="none" w="med" len="med"/>
+                      <a:tailEnd type="none" w="med" len="med"/>
+                    </a:lnT>
+                    <a:lnB w="12700" cap="flat" cmpd="sng" algn="ctr">
+                      <a:solidFill>
+                        <a:schemeClr val="tx1"/>
+                      </a:solidFill>
+                      <a:prstDash val="solid"/>
+                      <a:round/>
+                      <a:headEnd type="none" w="med" len="med"/>
+                      <a:tailEnd type="none" w="med" len="med"/>
+                    </a:lnB>
+                  </a:tcPr>
+                </a:tc>
+                <a:extLst>
+                  <a:ext uri="{0D108BD9-81ED-4DB2-BD59-A6C34878D82A}">
+                    <a16:rowId xmlns:a16="http://schemas.microsoft.com/office/drawing/2014/main" val="3400064576"/>
+                  </a:ext>
+                </a:extLst>
+              </a:tr>
+              <a:tr h="204691">
+                <a:tc>
+                  <a:txBody>
+                    <a:bodyPr/>
+                    <a:lstStyle/>
+                    <a:p>
+                      <a:pPr algn="l" fontAlgn="b"/>
+                      <a:r>
+                        <a:rPr lang="en-GB" sz="1000" b="0" i="0" u="none" strike="noStrike">
+                          <a:solidFill>
+                            <a:srgbClr val="000000"/>
+                          </a:solidFill>
+                          <a:effectLst/>
+                          <a:latin typeface="Calibri" panose="020F0502020204030204" pitchFamily="34" charset="0"/>
+                        </a:rPr>
+                        <a:t>England</a:t>
+                      </a:r>
+                    </a:p>
+                  </a:txBody>
+                  <a:tcPr marL="9141" marR="9141" marT="9141" marB="0" anchor="b">
+                    <a:lnL w="12700" cap="flat" cmpd="sng" algn="ctr">
+                      <a:solidFill>
+                        <a:schemeClr val="tx1"/>
+                      </a:solidFill>
+                      <a:prstDash val="solid"/>
+                      <a:round/>
+                      <a:headEnd type="none" w="med" len="med"/>
+                      <a:tailEnd type="none" w="med" len="med"/>
+                    </a:lnL>
+                    <a:lnR w="12700" cap="flat" cmpd="sng" algn="ctr">
+                      <a:solidFill>
+                        <a:schemeClr val="tx1"/>
+                      </a:solidFill>
+                      <a:prstDash val="solid"/>
+                      <a:round/>
+                      <a:headEnd type="none" w="med" len="med"/>
+                      <a:tailEnd type="none" w="med" len="med"/>
+                    </a:lnR>
+                    <a:lnT w="12700" cap="flat" cmpd="sng" algn="ctr">
+                      <a:solidFill>
+                        <a:schemeClr val="tx1"/>
+                      </a:solidFill>
+                      <a:prstDash val="solid"/>
+                      <a:round/>
+                      <a:headEnd type="none" w="med" len="med"/>
+                      <a:tailEnd type="none" w="med" len="med"/>
+                    </a:lnT>
+                    <a:lnB w="12700" cap="flat" cmpd="sng" algn="ctr">
+                      <a:solidFill>
+                        <a:schemeClr val="tx1"/>
+                      </a:solidFill>
+                      <a:prstDash val="solid"/>
+                      <a:round/>
+                      <a:headEnd type="none" w="med" len="med"/>
+                      <a:tailEnd type="none" w="med" len="med"/>
+                    </a:lnB>
+                  </a:tcPr>
+                </a:tc>
+                <a:tc>
+                  <a:txBody>
+                    <a:bodyPr/>
+                    <a:lstStyle/>
+                    <a:p>
+                      <a:pPr algn="r" fontAlgn="b"/>
+                      <a:r>
+                        <a:rPr lang="en-GB" sz="1000" b="0" i="0" u="none" strike="noStrike" dirty="0">
+                          <a:solidFill>
+                            <a:srgbClr val="000000"/>
+                          </a:solidFill>
+                          <a:effectLst/>
+                          <a:latin typeface="Calibri" panose="020F0502020204030204" pitchFamily="34" charset="0"/>
+                        </a:rPr>
+                        <a:t>84,908 deaths (161 per 100,000 ESP, 95% CI: 159.9-162.1)</a:t>
+                      </a:r>
+                    </a:p>
+                  </a:txBody>
+                  <a:tcPr marL="9141" marR="9141" marT="9141" marB="0" anchor="b">
+                    <a:lnL w="12700" cap="flat" cmpd="sng" algn="ctr">
+                      <a:solidFill>
+                        <a:schemeClr val="tx1"/>
+                      </a:solidFill>
+                      <a:prstDash val="solid"/>
+                      <a:round/>
+                      <a:headEnd type="none" w="med" len="med"/>
+                      <a:tailEnd type="none" w="med" len="med"/>
+                    </a:lnL>
+                    <a:lnR w="12700" cap="flat" cmpd="sng" algn="ctr">
+                      <a:solidFill>
+                        <a:schemeClr val="tx1"/>
+                      </a:solidFill>
+                      <a:prstDash val="solid"/>
+                      <a:round/>
+                      <a:headEnd type="none" w="med" len="med"/>
+                      <a:tailEnd type="none" w="med" len="med"/>
+                    </a:lnR>
+                    <a:lnT w="12700" cap="flat" cmpd="sng" algn="ctr">
+                      <a:solidFill>
+                        <a:schemeClr val="tx1"/>
+                      </a:solidFill>
+                      <a:prstDash val="solid"/>
+                      <a:round/>
+                      <a:headEnd type="none" w="med" len="med"/>
+                      <a:tailEnd type="none" w="med" len="med"/>
+                    </a:lnT>
+                    <a:lnB w="12700" cap="flat" cmpd="sng" algn="ctr">
+                      <a:solidFill>
+                        <a:schemeClr val="tx1"/>
+                      </a:solidFill>
+                      <a:prstDash val="solid"/>
+                      <a:round/>
+                      <a:headEnd type="none" w="med" len="med"/>
+                      <a:tailEnd type="none" w="med" len="med"/>
+                    </a:lnB>
+                  </a:tcPr>
+                </a:tc>
+                <a:extLst>
+                  <a:ext uri="{0D108BD9-81ED-4DB2-BD59-A6C34878D82A}">
+                    <a16:rowId xmlns:a16="http://schemas.microsoft.com/office/drawing/2014/main" val="475269007"/>
+                  </a:ext>
+                </a:extLst>
+              </a:tr>
+            </a:tbl>
+          </a:graphicData>
+        </a:graphic>
+      </p:graphicFrame>
+      <p:pic>
+        <p:nvPicPr>
+          <p:cNvPr id="10" name="Picture 9">
+            <a:extLst>
+              <a:ext uri="{FF2B5EF4-FFF2-40B4-BE49-F238E27FC236}">
+                <a16:creationId xmlns:a16="http://schemas.microsoft.com/office/drawing/2014/main" id="{4452CEB0-5D79-B64B-B842-08E7A9CBD3BB}"/>
+              </a:ext>
+            </a:extLst>
+          </p:cNvPr>
+          <p:cNvPicPr>
+            <a:picLocks noChangeAspect="1"/>
+          </p:cNvPicPr>
+          <p:nvPr/>
+        </p:nvPicPr>
+        <p:blipFill>
+          <a:blip r:embed="rId3">
+            <a:extLst>
+              <a:ext uri="{28A0092B-C50C-407E-A947-70E740481C1C}">
+                <a14:useLocalDpi xmlns:a14="http://schemas.microsoft.com/office/drawing/2010/main" val="0"/>
+              </a:ext>
+            </a:extLst>
+          </a:blip>
+          <a:srcRect/>
+          <a:stretch/>
+        </p:blipFill>
+        <p:spPr>
+          <a:xfrm>
+            <a:off x="5214380" y="198311"/>
+            <a:ext cx="6906579" cy="2557992"/>
+          </a:xfrm>
+          <a:prstGeom prst="rect">
+            <a:avLst/>
+          </a:prstGeom>
+        </p:spPr>
+      </p:pic>
+      <p:sp>
+        <p:nvSpPr>
+          <p:cNvPr id="11" name="TextBox 10">
+            <a:extLst>
+              <a:ext uri="{FF2B5EF4-FFF2-40B4-BE49-F238E27FC236}">
+                <a16:creationId xmlns:a16="http://schemas.microsoft.com/office/drawing/2014/main" id="{8F9E5FCE-541C-E34E-8770-D2C5929DDAD4}"/>
+              </a:ext>
+            </a:extLst>
+          </p:cNvPr>
+          <p:cNvSpPr txBox="1"/>
+          <p:nvPr/>
+        </p:nvSpPr>
+        <p:spPr>
+          <a:xfrm>
+            <a:off x="192062" y="103363"/>
+            <a:ext cx="4833952" cy="338554"/>
+          </a:xfrm>
+          <a:prstGeom prst="rect">
+            <a:avLst/>
+          </a:prstGeom>
+          <a:noFill/>
+        </p:spPr>
+        <p:txBody>
+          <a:bodyPr wrap="none" rtlCol="0">
+            <a:spAutoFit/>
+          </a:bodyPr>
+          <a:lstStyle/>
+          <a:p>
+            <a:r>
+              <a:rPr lang="en-US" sz="1600" dirty="0"/>
+              <a:t>All cause mortality; occurring 01/03/2020 – 17/04/2020</a:t>
+            </a:r>
+          </a:p>
+        </p:txBody>
+      </p:sp>
+    </p:spTree>
+    <p:extLst>
+      <p:ext uri="{BB962C8B-B14F-4D97-AF65-F5344CB8AC3E}">
+        <p14:creationId xmlns:p14="http://schemas.microsoft.com/office/powerpoint/2010/main" val="4107738629"/>
+      </p:ext>
+    </p:extLst>
+  </p:cSld>
+  <p:clrMapOvr>
+    <a:masterClrMapping/>
+  </p:clrMapOvr>
+</p:sld>
+</file>
+
+<file path=ppt/slides/slide6.xml><?xml version="1.0" encoding="utf-8"?>
+<p:sld xmlns:a="http://schemas.openxmlformats.org/drawingml/2006/main" xmlns:r="http://schemas.openxmlformats.org/officeDocument/2006/relationships" xmlns:p="http://schemas.openxmlformats.org/presentationml/2006/main">
+  <p:cSld>
+    <p:spTree>
+      <p:nvGrpSpPr>
+        <p:cNvPr id="1" name=""/>
+        <p:cNvGrpSpPr/>
+        <p:nvPr/>
+      </p:nvGrpSpPr>
+      <p:grpSpPr>
+        <a:xfrm>
+          <a:off x="0" y="0"/>
+          <a:ext cx="0" cy="0"/>
+          <a:chOff x="0" y="0"/>
+          <a:chExt cx="0" cy="0"/>
+        </a:xfrm>
+      </p:grpSpPr>
+      <p:pic>
+        <p:nvPicPr>
+          <p:cNvPr id="5" name="Content Placeholder 4">
+            <a:extLst>
+              <a:ext uri="{FF2B5EF4-FFF2-40B4-BE49-F238E27FC236}">
+                <a16:creationId xmlns:a16="http://schemas.microsoft.com/office/drawing/2014/main" id="{1DCC3F51-97F7-9F4B-BDE5-432DF1984869}"/>
+              </a:ext>
+            </a:extLst>
+          </p:cNvPr>
+          <p:cNvPicPr>
+            <a:picLocks noGrp="1" noChangeAspect="1"/>
+          </p:cNvPicPr>
+          <p:nvPr>
+            <p:ph idx="1"/>
+          </p:nvPr>
+        </p:nvPicPr>
+        <p:blipFill>
+          <a:blip r:embed="rId2">
+            <a:extLst>
+              <a:ext uri="{28A0092B-C50C-407E-A947-70E740481C1C}">
+                <a14:useLocalDpi xmlns:a14="http://schemas.microsoft.com/office/drawing/2010/main" val="0"/>
+              </a:ext>
+            </a:extLst>
+          </a:blip>
+          <a:srcRect/>
+          <a:stretch/>
+        </p:blipFill>
+        <p:spPr>
+          <a:xfrm>
+            <a:off x="192062" y="2906617"/>
+            <a:ext cx="11807874" cy="4058956"/>
+          </a:xfrm>
+        </p:spPr>
+      </p:pic>
+      <p:graphicFrame>
+        <p:nvGraphicFramePr>
+          <p:cNvPr id="6" name="Table 5">
+            <a:extLst>
+              <a:ext uri="{FF2B5EF4-FFF2-40B4-BE49-F238E27FC236}">
+                <a16:creationId xmlns:a16="http://schemas.microsoft.com/office/drawing/2014/main" id="{DC266D77-F31B-1D4A-9839-2D76D1F9C9E3}"/>
+              </a:ext>
+            </a:extLst>
+          </p:cNvPr>
+          <p:cNvGraphicFramePr>
+            <a:graphicFrameLocks noGrp="1"/>
+          </p:cNvGraphicFramePr>
+          <p:nvPr>
+            <p:extLst>
+              <p:ext uri="{D42A27DB-BD31-4B8C-83A1-F6EECF244321}">
+                <p14:modId xmlns:p14="http://schemas.microsoft.com/office/powerpoint/2010/main" val="2631414187"/>
+              </p:ext>
+            </p:extLst>
+          </p:nvPr>
+        </p:nvGraphicFramePr>
+        <p:xfrm>
+          <a:off x="393768" y="547852"/>
+          <a:ext cx="3888598" cy="2208451"/>
+        </p:xfrm>
+        <a:graphic>
+          <a:graphicData uri="http://schemas.openxmlformats.org/drawingml/2006/table">
+            <a:tbl>
+              <a:tblPr/>
+              <a:tblGrid>
+                <a:gridCol w="686620">
+                  <a:extLst>
+                    <a:ext uri="{9D8B030D-6E8A-4147-A177-3AD203B41FA5}">
+                      <a16:colId xmlns:a16="http://schemas.microsoft.com/office/drawing/2014/main" val="1468088811"/>
+                    </a:ext>
+                  </a:extLst>
+                </a:gridCol>
+                <a:gridCol w="3201978">
+                  <a:extLst>
+                    <a:ext uri="{9D8B030D-6E8A-4147-A177-3AD203B41FA5}">
+                      <a16:colId xmlns:a16="http://schemas.microsoft.com/office/drawing/2014/main" val="152304066"/>
+                    </a:ext>
+                  </a:extLst>
+                </a:gridCol>
+              </a:tblGrid>
+              <a:tr h="129851">
+                <a:tc>
+                  <a:txBody>
+                    <a:bodyPr/>
+                    <a:lstStyle/>
+                    <a:p>
+                      <a:pPr algn="l" fontAlgn="b"/>
+                      <a:r>
+                        <a:rPr lang="en-GB" sz="1000" b="1" i="0" u="none" strike="noStrike" dirty="0">
+                          <a:solidFill>
+                            <a:srgbClr val="000000"/>
+                          </a:solidFill>
+                          <a:effectLst/>
+                          <a:latin typeface="Calibri" panose="020F0502020204030204" pitchFamily="34" charset="0"/>
+                        </a:rPr>
+                        <a:t>Area</a:t>
+                      </a:r>
+                    </a:p>
+                  </a:txBody>
+                  <a:tcPr marL="9141" marR="9141" marT="9141" marB="0" anchor="b">
+                    <a:lnL w="12700" cap="flat" cmpd="sng" algn="ctr">
+                      <a:solidFill>
+                        <a:schemeClr val="tx1"/>
+                      </a:solidFill>
+                      <a:prstDash val="solid"/>
+                      <a:round/>
+                      <a:headEnd type="none" w="med" len="med"/>
+                      <a:tailEnd type="none" w="med" len="med"/>
+                    </a:lnL>
+                    <a:lnR w="12700" cap="flat" cmpd="sng" algn="ctr">
+                      <a:solidFill>
+                        <a:schemeClr val="tx1"/>
+                      </a:solidFill>
+                      <a:prstDash val="solid"/>
+                      <a:round/>
+                      <a:headEnd type="none" w="med" len="med"/>
+                      <a:tailEnd type="none" w="med" len="med"/>
+                    </a:lnR>
+                    <a:lnT w="12700" cap="flat" cmpd="sng" algn="ctr">
+                      <a:solidFill>
+                        <a:schemeClr val="tx1"/>
+                      </a:solidFill>
+                      <a:prstDash val="solid"/>
+                      <a:round/>
+                      <a:headEnd type="none" w="med" len="med"/>
+                      <a:tailEnd type="none" w="med" len="med"/>
+                    </a:lnT>
+                    <a:lnB w="12700" cap="flat" cmpd="sng" algn="ctr">
+                      <a:solidFill>
+                        <a:schemeClr val="tx1"/>
+                      </a:solidFill>
+                      <a:prstDash val="solid"/>
+                      <a:round/>
+                      <a:headEnd type="none" w="med" len="med"/>
+                      <a:tailEnd type="none" w="med" len="med"/>
+                    </a:lnB>
+                  </a:tcPr>
+                </a:tc>
+                <a:tc>
+                  <a:txBody>
+                    <a:bodyPr/>
+                    <a:lstStyle/>
+                    <a:p>
+                      <a:pPr algn="r" fontAlgn="b"/>
+                      <a:r>
+                        <a:rPr lang="en-GB" sz="1000" b="1" i="0" u="none" strike="noStrike" dirty="0">
+                          <a:solidFill>
+                            <a:srgbClr val="000000"/>
+                          </a:solidFill>
+                          <a:effectLst/>
+                          <a:latin typeface="Calibri" panose="020F0502020204030204" pitchFamily="34" charset="0"/>
+                        </a:rPr>
+                        <a:t>Deaths (persons)</a:t>
+                      </a:r>
+                    </a:p>
+                  </a:txBody>
+                  <a:tcPr marL="9141" marR="9141" marT="9141" marB="0" anchor="b">
+                    <a:lnL w="12700" cap="flat" cmpd="sng" algn="ctr">
+                      <a:solidFill>
+                        <a:schemeClr val="tx1"/>
+                      </a:solidFill>
+                      <a:prstDash val="solid"/>
+                      <a:round/>
+                      <a:headEnd type="none" w="med" len="med"/>
+                      <a:tailEnd type="none" w="med" len="med"/>
+                    </a:lnL>
+                    <a:lnR w="12700" cap="flat" cmpd="sng" algn="ctr">
+                      <a:solidFill>
+                        <a:schemeClr val="tx1"/>
+                      </a:solidFill>
+                      <a:prstDash val="solid"/>
+                      <a:round/>
+                      <a:headEnd type="none" w="med" len="med"/>
+                      <a:tailEnd type="none" w="med" len="med"/>
+                    </a:lnR>
+                    <a:lnT w="12700" cap="flat" cmpd="sng" algn="ctr">
+                      <a:solidFill>
+                        <a:schemeClr val="tx1"/>
+                      </a:solidFill>
+                      <a:prstDash val="solid"/>
+                      <a:round/>
+                      <a:headEnd type="none" w="med" len="med"/>
+                      <a:tailEnd type="none" w="med" len="med"/>
+                    </a:lnT>
+                    <a:lnB w="12700" cap="flat" cmpd="sng" algn="ctr">
+                      <a:solidFill>
+                        <a:schemeClr val="tx1"/>
+                      </a:solidFill>
+                      <a:prstDash val="solid"/>
+                      <a:round/>
+                      <a:headEnd type="none" w="med" len="med"/>
+                      <a:tailEnd type="none" w="med" len="med"/>
+                    </a:lnB>
+                  </a:tcPr>
+                </a:tc>
+                <a:extLst>
+                  <a:ext uri="{0D108BD9-81ED-4DB2-BD59-A6C34878D82A}">
+                    <a16:rowId xmlns:a16="http://schemas.microsoft.com/office/drawing/2014/main" val="4004222910"/>
+                  </a:ext>
+                </a:extLst>
+              </a:tr>
+              <a:tr h="204691">
+                <a:tc>
+                  <a:txBody>
+                    <a:bodyPr/>
+                    <a:lstStyle/>
+                    <a:p>
+                      <a:pPr algn="l" fontAlgn="b"/>
+                      <a:r>
+                        <a:rPr lang="en-GB" sz="1000" b="0" i="0" u="none" strike="noStrike">
+                          <a:solidFill>
+                            <a:srgbClr val="000000"/>
+                          </a:solidFill>
+                          <a:effectLst/>
+                          <a:latin typeface="Calibri" panose="020F0502020204030204" pitchFamily="34" charset="0"/>
+                        </a:rPr>
+                        <a:t>Adur</a:t>
+                      </a:r>
+                    </a:p>
+                  </a:txBody>
+                  <a:tcPr marL="9141" marR="9141" marT="9141" marB="0" anchor="b">
+                    <a:lnL w="12700" cap="flat" cmpd="sng" algn="ctr">
+                      <a:solidFill>
+                        <a:schemeClr val="tx1"/>
+                      </a:solidFill>
+                      <a:prstDash val="solid"/>
+                      <a:round/>
+                      <a:headEnd type="none" w="med" len="med"/>
+                      <a:tailEnd type="none" w="med" len="med"/>
+                    </a:lnL>
+                    <a:lnR w="12700" cap="flat" cmpd="sng" algn="ctr">
+                      <a:solidFill>
+                        <a:schemeClr val="tx1"/>
+                      </a:solidFill>
+                      <a:prstDash val="solid"/>
+                      <a:round/>
+                      <a:headEnd type="none" w="med" len="med"/>
+                      <a:tailEnd type="none" w="med" len="med"/>
+                    </a:lnR>
+                    <a:lnT w="12700" cap="flat" cmpd="sng" algn="ctr">
+                      <a:solidFill>
+                        <a:schemeClr val="tx1"/>
+                      </a:solidFill>
+                      <a:prstDash val="solid"/>
+                      <a:round/>
+                      <a:headEnd type="none" w="med" len="med"/>
+                      <a:tailEnd type="none" w="med" len="med"/>
+                    </a:lnT>
+                    <a:lnB w="12700" cap="flat" cmpd="sng" algn="ctr">
+                      <a:solidFill>
+                        <a:schemeClr val="tx1"/>
+                      </a:solidFill>
+                      <a:prstDash val="solid"/>
+                      <a:round/>
+                      <a:headEnd type="none" w="med" len="med"/>
+                      <a:tailEnd type="none" w="med" len="med"/>
+                    </a:lnB>
+                  </a:tcPr>
+                </a:tc>
+                <a:tc>
+                  <a:txBody>
+                    <a:bodyPr/>
+                    <a:lstStyle/>
+                    <a:p>
+                      <a:pPr algn="r" fontAlgn="b"/>
+                      <a:r>
+                        <a:rPr lang="en-GB" sz="1000" b="0" i="0" u="none" strike="noStrike">
+                          <a:solidFill>
+                            <a:srgbClr val="000000"/>
+                          </a:solidFill>
+                          <a:effectLst/>
+                          <a:latin typeface="Calibri" panose="020F0502020204030204" pitchFamily="34" charset="0"/>
+                        </a:rPr>
+                        <a:t>9 deaths (12.1 per 100,000 ESP, 95% CI: 5.5-23)</a:t>
+                      </a:r>
+                    </a:p>
+                  </a:txBody>
+                  <a:tcPr marL="9525" marR="9525" marT="9525" marB="0" anchor="b">
+                    <a:lnL w="12700" cap="flat" cmpd="sng" algn="ctr">
+                      <a:solidFill>
+                        <a:schemeClr val="tx1"/>
+                      </a:solidFill>
+                      <a:prstDash val="solid"/>
+                      <a:round/>
+                      <a:headEnd type="none" w="med" len="med"/>
+                      <a:tailEnd type="none" w="med" len="med"/>
+                    </a:lnL>
+                    <a:lnR w="12700" cap="flat" cmpd="sng" algn="ctr">
+                      <a:solidFill>
+                        <a:schemeClr val="tx1"/>
+                      </a:solidFill>
+                      <a:prstDash val="solid"/>
+                      <a:round/>
+                      <a:headEnd type="none" w="med" len="med"/>
+                      <a:tailEnd type="none" w="med" len="med"/>
+                    </a:lnR>
+                    <a:lnT w="12700" cap="flat" cmpd="sng" algn="ctr">
+                      <a:solidFill>
+                        <a:schemeClr val="tx1"/>
+                      </a:solidFill>
+                      <a:prstDash val="solid"/>
+                      <a:round/>
+                      <a:headEnd type="none" w="med" len="med"/>
+                      <a:tailEnd type="none" w="med" len="med"/>
+                    </a:lnT>
+                    <a:lnB w="12700" cap="flat" cmpd="sng" algn="ctr">
+                      <a:solidFill>
+                        <a:schemeClr val="tx1"/>
+                      </a:solidFill>
+                      <a:prstDash val="solid"/>
+                      <a:round/>
+                      <a:headEnd type="none" w="med" len="med"/>
+                      <a:tailEnd type="none" w="med" len="med"/>
+                    </a:lnB>
+                  </a:tcPr>
+                </a:tc>
+                <a:extLst>
+                  <a:ext uri="{0D108BD9-81ED-4DB2-BD59-A6C34878D82A}">
+                    <a16:rowId xmlns:a16="http://schemas.microsoft.com/office/drawing/2014/main" val="3860862708"/>
+                  </a:ext>
+                </a:extLst>
+              </a:tr>
+              <a:tr h="204691">
+                <a:tc>
+                  <a:txBody>
+                    <a:bodyPr/>
+                    <a:lstStyle/>
+                    <a:p>
+                      <a:pPr algn="l" fontAlgn="b"/>
+                      <a:r>
+                        <a:rPr lang="en-GB" sz="1000" b="0" i="0" u="none" strike="noStrike">
+                          <a:solidFill>
+                            <a:srgbClr val="000000"/>
+                          </a:solidFill>
+                          <a:effectLst/>
+                          <a:latin typeface="Calibri" panose="020F0502020204030204" pitchFamily="34" charset="0"/>
+                        </a:rPr>
+                        <a:t>Arun</a:t>
+                      </a:r>
+                    </a:p>
+                  </a:txBody>
+                  <a:tcPr marL="9141" marR="9141" marT="9141" marB="0" anchor="b">
+                    <a:lnL w="12700" cap="flat" cmpd="sng" algn="ctr">
+                      <a:solidFill>
+                        <a:schemeClr val="tx1"/>
+                      </a:solidFill>
+                      <a:prstDash val="solid"/>
+                      <a:round/>
+                      <a:headEnd type="none" w="med" len="med"/>
+                      <a:tailEnd type="none" w="med" len="med"/>
+                    </a:lnL>
+                    <a:lnR w="12700" cap="flat" cmpd="sng" algn="ctr">
+                      <a:solidFill>
+                        <a:schemeClr val="tx1"/>
+                      </a:solidFill>
+                      <a:prstDash val="solid"/>
+                      <a:round/>
+                      <a:headEnd type="none" w="med" len="med"/>
+                      <a:tailEnd type="none" w="med" len="med"/>
+                    </a:lnR>
+                    <a:lnT w="12700" cap="flat" cmpd="sng" algn="ctr">
+                      <a:solidFill>
+                        <a:schemeClr val="tx1"/>
+                      </a:solidFill>
+                      <a:prstDash val="solid"/>
+                      <a:round/>
+                      <a:headEnd type="none" w="med" len="med"/>
+                      <a:tailEnd type="none" w="med" len="med"/>
+                    </a:lnT>
+                    <a:lnB w="12700" cap="flat" cmpd="sng" algn="ctr">
+                      <a:solidFill>
+                        <a:schemeClr val="tx1"/>
+                      </a:solidFill>
+                      <a:prstDash val="solid"/>
+                      <a:round/>
+                      <a:headEnd type="none" w="med" len="med"/>
+                      <a:tailEnd type="none" w="med" len="med"/>
+                    </a:lnB>
+                  </a:tcPr>
+                </a:tc>
+                <a:tc>
+                  <a:txBody>
+                    <a:bodyPr/>
+                    <a:lstStyle/>
+                    <a:p>
+                      <a:pPr algn="r" fontAlgn="b"/>
+                      <a:r>
+                        <a:rPr lang="en-GB" sz="1000" b="0" i="0" u="none" strike="noStrike">
+                          <a:solidFill>
+                            <a:srgbClr val="000000"/>
+                          </a:solidFill>
+                          <a:effectLst/>
+                          <a:latin typeface="Calibri" panose="020F0502020204030204" pitchFamily="34" charset="0"/>
+                        </a:rPr>
+                        <a:t>20 deaths (8.5 per 100,000 ESP, 95% CI: 5.1-13.1)</a:t>
+                      </a:r>
+                    </a:p>
+                  </a:txBody>
+                  <a:tcPr marL="9525" marR="9525" marT="9525" marB="0" anchor="b">
+                    <a:lnL w="12700" cap="flat" cmpd="sng" algn="ctr">
+                      <a:solidFill>
+                        <a:schemeClr val="tx1"/>
+                      </a:solidFill>
+                      <a:prstDash val="solid"/>
+                      <a:round/>
+                      <a:headEnd type="none" w="med" len="med"/>
+                      <a:tailEnd type="none" w="med" len="med"/>
+                    </a:lnL>
+                    <a:lnR w="12700" cap="flat" cmpd="sng" algn="ctr">
+                      <a:solidFill>
+                        <a:schemeClr val="tx1"/>
+                      </a:solidFill>
+                      <a:prstDash val="solid"/>
+                      <a:round/>
+                      <a:headEnd type="none" w="med" len="med"/>
+                      <a:tailEnd type="none" w="med" len="med"/>
+                    </a:lnR>
+                    <a:lnT w="12700" cap="flat" cmpd="sng" algn="ctr">
+                      <a:solidFill>
+                        <a:schemeClr val="tx1"/>
+                      </a:solidFill>
+                      <a:prstDash val="solid"/>
+                      <a:round/>
+                      <a:headEnd type="none" w="med" len="med"/>
+                      <a:tailEnd type="none" w="med" len="med"/>
+                    </a:lnT>
+                    <a:lnB w="12700" cap="flat" cmpd="sng" algn="ctr">
+                      <a:solidFill>
+                        <a:schemeClr val="tx1"/>
+                      </a:solidFill>
+                      <a:prstDash val="solid"/>
+                      <a:round/>
+                      <a:headEnd type="none" w="med" len="med"/>
+                      <a:tailEnd type="none" w="med" len="med"/>
+                    </a:lnB>
+                  </a:tcPr>
+                </a:tc>
+                <a:extLst>
+                  <a:ext uri="{0D108BD9-81ED-4DB2-BD59-A6C34878D82A}">
+                    <a16:rowId xmlns:a16="http://schemas.microsoft.com/office/drawing/2014/main" val="2881769172"/>
+                  </a:ext>
+                </a:extLst>
+              </a:tr>
+              <a:tr h="204691">
+                <a:tc>
+                  <a:txBody>
+                    <a:bodyPr/>
+                    <a:lstStyle/>
+                    <a:p>
+                      <a:pPr algn="l" fontAlgn="b"/>
+                      <a:r>
+                        <a:rPr lang="en-GB" sz="1000" b="0" i="0" u="none" strike="noStrike" dirty="0">
+                          <a:solidFill>
+                            <a:srgbClr val="000000"/>
+                          </a:solidFill>
+                          <a:effectLst/>
+                          <a:latin typeface="Calibri" panose="020F0502020204030204" pitchFamily="34" charset="0"/>
+                        </a:rPr>
+                        <a:t>Chichester</a:t>
+                      </a:r>
+                    </a:p>
+                  </a:txBody>
+                  <a:tcPr marL="9141" marR="9141" marT="9141" marB="0" anchor="b">
+                    <a:lnL w="12700" cap="flat" cmpd="sng" algn="ctr">
+                      <a:solidFill>
+                        <a:schemeClr val="tx1"/>
+                      </a:solidFill>
+                      <a:prstDash val="solid"/>
+                      <a:round/>
+                      <a:headEnd type="none" w="med" len="med"/>
+                      <a:tailEnd type="none" w="med" len="med"/>
+                    </a:lnL>
+                    <a:lnR w="12700" cap="flat" cmpd="sng" algn="ctr">
+                      <a:solidFill>
+                        <a:schemeClr val="tx1"/>
+                      </a:solidFill>
+                      <a:prstDash val="solid"/>
+                      <a:round/>
+                      <a:headEnd type="none" w="med" len="med"/>
+                      <a:tailEnd type="none" w="med" len="med"/>
+                    </a:lnR>
+                    <a:lnT w="12700" cap="flat" cmpd="sng" algn="ctr">
+                      <a:solidFill>
+                        <a:schemeClr val="tx1"/>
+                      </a:solidFill>
+                      <a:prstDash val="solid"/>
+                      <a:round/>
+                      <a:headEnd type="none" w="med" len="med"/>
+                      <a:tailEnd type="none" w="med" len="med"/>
+                    </a:lnT>
+                    <a:lnB w="12700" cap="flat" cmpd="sng" algn="ctr">
+                      <a:solidFill>
+                        <a:schemeClr val="tx1"/>
+                      </a:solidFill>
+                      <a:prstDash val="solid"/>
+                      <a:round/>
+                      <a:headEnd type="none" w="med" len="med"/>
+                      <a:tailEnd type="none" w="med" len="med"/>
+                    </a:lnB>
+                  </a:tcPr>
+                </a:tc>
+                <a:tc>
+                  <a:txBody>
+                    <a:bodyPr/>
+                    <a:lstStyle/>
+                    <a:p>
+                      <a:pPr algn="r" fontAlgn="b"/>
+                      <a:r>
+                        <a:rPr lang="en-GB" sz="1000" b="0" i="0" u="none" strike="noStrike" dirty="0">
+                          <a:solidFill>
+                            <a:srgbClr val="000000"/>
+                          </a:solidFill>
+                          <a:effectLst/>
+                          <a:latin typeface="Calibri" panose="020F0502020204030204" pitchFamily="34" charset="0"/>
+                        </a:rPr>
+                        <a:t>28 deaths (15.8 per 100,000 ESP, 95% CI: 10.5-23)</a:t>
+                      </a:r>
+                    </a:p>
+                  </a:txBody>
+                  <a:tcPr marL="9525" marR="9525" marT="9525" marB="0" anchor="b">
+                    <a:lnL w="12700" cap="flat" cmpd="sng" algn="ctr">
+                      <a:solidFill>
+                        <a:schemeClr val="tx1"/>
+                      </a:solidFill>
+                      <a:prstDash val="solid"/>
+                      <a:round/>
+                      <a:headEnd type="none" w="med" len="med"/>
+                      <a:tailEnd type="none" w="med" len="med"/>
+                    </a:lnL>
+                    <a:lnR w="12700" cap="flat" cmpd="sng" algn="ctr">
+                      <a:solidFill>
+                        <a:schemeClr val="tx1"/>
+                      </a:solidFill>
+                      <a:prstDash val="solid"/>
+                      <a:round/>
+                      <a:headEnd type="none" w="med" len="med"/>
+                      <a:tailEnd type="none" w="med" len="med"/>
+                    </a:lnR>
+                    <a:lnT w="12700" cap="flat" cmpd="sng" algn="ctr">
+                      <a:solidFill>
+                        <a:schemeClr val="tx1"/>
+                      </a:solidFill>
+                      <a:prstDash val="solid"/>
+                      <a:round/>
+                      <a:headEnd type="none" w="med" len="med"/>
+                      <a:tailEnd type="none" w="med" len="med"/>
+                    </a:lnT>
+                    <a:lnB w="12700" cap="flat" cmpd="sng" algn="ctr">
+                      <a:solidFill>
+                        <a:schemeClr val="tx1"/>
+                      </a:solidFill>
+                      <a:prstDash val="solid"/>
+                      <a:round/>
+                      <a:headEnd type="none" w="med" len="med"/>
+                      <a:tailEnd type="none" w="med" len="med"/>
+                    </a:lnB>
+                  </a:tcPr>
+                </a:tc>
+                <a:extLst>
+                  <a:ext uri="{0D108BD9-81ED-4DB2-BD59-A6C34878D82A}">
+                    <a16:rowId xmlns:a16="http://schemas.microsoft.com/office/drawing/2014/main" val="2132150186"/>
+                  </a:ext>
+                </a:extLst>
+              </a:tr>
+              <a:tr h="204691">
+                <a:tc>
+                  <a:txBody>
+                    <a:bodyPr/>
+                    <a:lstStyle/>
+                    <a:p>
+                      <a:pPr algn="l" fontAlgn="b"/>
+                      <a:r>
+                        <a:rPr lang="en-GB" sz="1000" b="0" i="0" u="none" strike="noStrike">
+                          <a:solidFill>
+                            <a:srgbClr val="000000"/>
+                          </a:solidFill>
+                          <a:effectLst/>
+                          <a:latin typeface="Calibri" panose="020F0502020204030204" pitchFamily="34" charset="0"/>
+                        </a:rPr>
+                        <a:t>Crawley</a:t>
+                      </a:r>
+                    </a:p>
+                  </a:txBody>
+                  <a:tcPr marL="9141" marR="9141" marT="9141" marB="0" anchor="b">
+                    <a:lnL w="12700" cap="flat" cmpd="sng" algn="ctr">
+                      <a:solidFill>
+                        <a:schemeClr val="tx1"/>
+                      </a:solidFill>
+                      <a:prstDash val="solid"/>
+                      <a:round/>
+                      <a:headEnd type="none" w="med" len="med"/>
+                      <a:tailEnd type="none" w="med" len="med"/>
+                    </a:lnL>
+                    <a:lnR w="12700" cap="flat" cmpd="sng" algn="ctr">
+                      <a:solidFill>
+                        <a:schemeClr val="tx1"/>
+                      </a:solidFill>
+                      <a:prstDash val="solid"/>
+                      <a:round/>
+                      <a:headEnd type="none" w="med" len="med"/>
+                      <a:tailEnd type="none" w="med" len="med"/>
+                    </a:lnR>
+                    <a:lnT w="12700" cap="flat" cmpd="sng" algn="ctr">
+                      <a:solidFill>
+                        <a:schemeClr val="tx1"/>
+                      </a:solidFill>
+                      <a:prstDash val="solid"/>
+                      <a:round/>
+                      <a:headEnd type="none" w="med" len="med"/>
+                      <a:tailEnd type="none" w="med" len="med"/>
+                    </a:lnT>
+                    <a:lnB w="12700" cap="flat" cmpd="sng" algn="ctr">
+                      <a:solidFill>
+                        <a:schemeClr val="tx1"/>
+                      </a:solidFill>
+                      <a:prstDash val="solid"/>
+                      <a:round/>
+                      <a:headEnd type="none" w="med" len="med"/>
+                      <a:tailEnd type="none" w="med" len="med"/>
+                    </a:lnB>
+                  </a:tcPr>
+                </a:tc>
+                <a:tc>
+                  <a:txBody>
+                    <a:bodyPr/>
+                    <a:lstStyle/>
+                    <a:p>
+                      <a:pPr algn="r" fontAlgn="b"/>
+                      <a:r>
+                        <a:rPr lang="en-GB" sz="1000" b="0" i="0" u="none" strike="noStrike">
+                          <a:solidFill>
+                            <a:srgbClr val="000000"/>
+                          </a:solidFill>
+                          <a:effectLst/>
+                          <a:latin typeface="Calibri" panose="020F0502020204030204" pitchFamily="34" charset="0"/>
+                        </a:rPr>
+                        <a:t>30 deaths (33.3 per 100,000 ESP, 95% CI: 22.4-47.6)</a:t>
+                      </a:r>
+                    </a:p>
+                  </a:txBody>
+                  <a:tcPr marL="9525" marR="9525" marT="9525" marB="0" anchor="b">
+                    <a:lnL w="12700" cap="flat" cmpd="sng" algn="ctr">
+                      <a:solidFill>
+                        <a:schemeClr val="tx1"/>
+                      </a:solidFill>
+                      <a:prstDash val="solid"/>
+                      <a:round/>
+                      <a:headEnd type="none" w="med" len="med"/>
+                      <a:tailEnd type="none" w="med" len="med"/>
+                    </a:lnL>
+                    <a:lnR w="12700" cap="flat" cmpd="sng" algn="ctr">
+                      <a:solidFill>
+                        <a:schemeClr val="tx1"/>
+                      </a:solidFill>
+                      <a:prstDash val="solid"/>
+                      <a:round/>
+                      <a:headEnd type="none" w="med" len="med"/>
+                      <a:tailEnd type="none" w="med" len="med"/>
+                    </a:lnR>
+                    <a:lnT w="12700" cap="flat" cmpd="sng" algn="ctr">
+                      <a:solidFill>
+                        <a:schemeClr val="tx1"/>
+                      </a:solidFill>
+                      <a:prstDash val="solid"/>
+                      <a:round/>
+                      <a:headEnd type="none" w="med" len="med"/>
+                      <a:tailEnd type="none" w="med" len="med"/>
+                    </a:lnT>
+                    <a:lnB w="12700" cap="flat" cmpd="sng" algn="ctr">
+                      <a:solidFill>
+                        <a:schemeClr val="tx1"/>
+                      </a:solidFill>
+                      <a:prstDash val="solid"/>
+                      <a:round/>
+                      <a:headEnd type="none" w="med" len="med"/>
+                      <a:tailEnd type="none" w="med" len="med"/>
+                    </a:lnB>
+                  </a:tcPr>
+                </a:tc>
+                <a:extLst>
+                  <a:ext uri="{0D108BD9-81ED-4DB2-BD59-A6C34878D82A}">
+                    <a16:rowId xmlns:a16="http://schemas.microsoft.com/office/drawing/2014/main" val="4100084925"/>
+                  </a:ext>
+                </a:extLst>
+              </a:tr>
+              <a:tr h="204691">
+                <a:tc>
+                  <a:txBody>
+                    <a:bodyPr/>
+                    <a:lstStyle/>
+                    <a:p>
+                      <a:pPr algn="l" fontAlgn="b"/>
+                      <a:r>
+                        <a:rPr lang="en-GB" sz="1000" b="0" i="0" u="none" strike="noStrike">
+                          <a:solidFill>
+                            <a:srgbClr val="000000"/>
+                          </a:solidFill>
+                          <a:effectLst/>
+                          <a:latin typeface="Calibri" panose="020F0502020204030204" pitchFamily="34" charset="0"/>
+                        </a:rPr>
+                        <a:t>Horsham</a:t>
+                      </a:r>
+                    </a:p>
+                  </a:txBody>
+                  <a:tcPr marL="9141" marR="9141" marT="9141" marB="0" anchor="b">
+                    <a:lnL w="12700" cap="flat" cmpd="sng" algn="ctr">
+                      <a:solidFill>
+                        <a:schemeClr val="tx1"/>
+                      </a:solidFill>
+                      <a:prstDash val="solid"/>
+                      <a:round/>
+                      <a:headEnd type="none" w="med" len="med"/>
+                      <a:tailEnd type="none" w="med" len="med"/>
+                    </a:lnL>
+                    <a:lnR w="12700" cap="flat" cmpd="sng" algn="ctr">
+                      <a:solidFill>
+                        <a:schemeClr val="tx1"/>
+                      </a:solidFill>
+                      <a:prstDash val="solid"/>
+                      <a:round/>
+                      <a:headEnd type="none" w="med" len="med"/>
+                      <a:tailEnd type="none" w="med" len="med"/>
+                    </a:lnR>
+                    <a:lnT w="12700" cap="flat" cmpd="sng" algn="ctr">
+                      <a:solidFill>
+                        <a:schemeClr val="tx1"/>
+                      </a:solidFill>
+                      <a:prstDash val="solid"/>
+                      <a:round/>
+                      <a:headEnd type="none" w="med" len="med"/>
+                      <a:tailEnd type="none" w="med" len="med"/>
+                    </a:lnT>
+                    <a:lnB w="12700" cap="flat" cmpd="sng" algn="ctr">
+                      <a:solidFill>
+                        <a:schemeClr val="tx1"/>
+                      </a:solidFill>
+                      <a:prstDash val="solid"/>
+                      <a:round/>
+                      <a:headEnd type="none" w="med" len="med"/>
+                      <a:tailEnd type="none" w="med" len="med"/>
+                    </a:lnB>
+                  </a:tcPr>
+                </a:tc>
+                <a:tc>
+                  <a:txBody>
+                    <a:bodyPr/>
+                    <a:lstStyle/>
+                    <a:p>
+                      <a:pPr algn="r" fontAlgn="b"/>
+                      <a:r>
+                        <a:rPr lang="en-GB" sz="1000" b="0" i="0" u="none" strike="noStrike">
+                          <a:solidFill>
+                            <a:srgbClr val="000000"/>
+                          </a:solidFill>
+                          <a:effectLst/>
+                          <a:latin typeface="Calibri" panose="020F0502020204030204" pitchFamily="34" charset="0"/>
+                        </a:rPr>
+                        <a:t>31 deaths (18.2 per 100,000 ESP, 95% CI: 12.3-25.8)</a:t>
+                      </a:r>
+                    </a:p>
+                  </a:txBody>
+                  <a:tcPr marL="9525" marR="9525" marT="9525" marB="0" anchor="b">
+                    <a:lnL w="12700" cap="flat" cmpd="sng" algn="ctr">
+                      <a:solidFill>
+                        <a:schemeClr val="tx1"/>
+                      </a:solidFill>
+                      <a:prstDash val="solid"/>
+                      <a:round/>
+                      <a:headEnd type="none" w="med" len="med"/>
+                      <a:tailEnd type="none" w="med" len="med"/>
+                    </a:lnL>
+                    <a:lnR w="12700" cap="flat" cmpd="sng" algn="ctr">
+                      <a:solidFill>
+                        <a:schemeClr val="tx1"/>
+                      </a:solidFill>
+                      <a:prstDash val="solid"/>
+                      <a:round/>
+                      <a:headEnd type="none" w="med" len="med"/>
+                      <a:tailEnd type="none" w="med" len="med"/>
+                    </a:lnR>
+                    <a:lnT w="12700" cap="flat" cmpd="sng" algn="ctr">
+                      <a:solidFill>
+                        <a:schemeClr val="tx1"/>
+                      </a:solidFill>
+                      <a:prstDash val="solid"/>
+                      <a:round/>
+                      <a:headEnd type="none" w="med" len="med"/>
+                      <a:tailEnd type="none" w="med" len="med"/>
+                    </a:lnT>
+                    <a:lnB w="12700" cap="flat" cmpd="sng" algn="ctr">
+                      <a:solidFill>
+                        <a:schemeClr val="tx1"/>
+                      </a:solidFill>
+                      <a:prstDash val="solid"/>
+                      <a:round/>
+                      <a:headEnd type="none" w="med" len="med"/>
+                      <a:tailEnd type="none" w="med" len="med"/>
+                    </a:lnB>
+                  </a:tcPr>
+                </a:tc>
+                <a:extLst>
+                  <a:ext uri="{0D108BD9-81ED-4DB2-BD59-A6C34878D82A}">
+                    <a16:rowId xmlns:a16="http://schemas.microsoft.com/office/drawing/2014/main" val="4195764038"/>
+                  </a:ext>
+                </a:extLst>
+              </a:tr>
+              <a:tr h="204691">
+                <a:tc>
+                  <a:txBody>
+                    <a:bodyPr/>
+                    <a:lstStyle/>
+                    <a:p>
+                      <a:pPr algn="l" fontAlgn="b"/>
+                      <a:r>
+                        <a:rPr lang="en-GB" sz="1000" b="0" i="0" u="none" strike="noStrike">
+                          <a:solidFill>
+                            <a:srgbClr val="000000"/>
+                          </a:solidFill>
+                          <a:effectLst/>
+                          <a:latin typeface="Calibri" panose="020F0502020204030204" pitchFamily="34" charset="0"/>
+                        </a:rPr>
+                        <a:t>Mid Sussex</a:t>
+                      </a:r>
+                    </a:p>
+                  </a:txBody>
+                  <a:tcPr marL="9141" marR="9141" marT="9141" marB="0" anchor="b">
+                    <a:lnL w="12700" cap="flat" cmpd="sng" algn="ctr">
+                      <a:solidFill>
+                        <a:schemeClr val="tx1"/>
+                      </a:solidFill>
+                      <a:prstDash val="solid"/>
+                      <a:round/>
+                      <a:headEnd type="none" w="med" len="med"/>
+                      <a:tailEnd type="none" w="med" len="med"/>
+                    </a:lnL>
+                    <a:lnR w="12700" cap="flat" cmpd="sng" algn="ctr">
+                      <a:solidFill>
+                        <a:schemeClr val="tx1"/>
+                      </a:solidFill>
+                      <a:prstDash val="solid"/>
+                      <a:round/>
+                      <a:headEnd type="none" w="med" len="med"/>
+                      <a:tailEnd type="none" w="med" len="med"/>
+                    </a:lnR>
+                    <a:lnT w="12700" cap="flat" cmpd="sng" algn="ctr">
+                      <a:solidFill>
+                        <a:schemeClr val="tx1"/>
+                      </a:solidFill>
+                      <a:prstDash val="solid"/>
+                      <a:round/>
+                      <a:headEnd type="none" w="med" len="med"/>
+                      <a:tailEnd type="none" w="med" len="med"/>
+                    </a:lnT>
+                    <a:lnB w="12700" cap="flat" cmpd="sng" algn="ctr">
+                      <a:solidFill>
+                        <a:schemeClr val="tx1"/>
+                      </a:solidFill>
+                      <a:prstDash val="solid"/>
+                      <a:round/>
+                      <a:headEnd type="none" w="med" len="med"/>
+                      <a:tailEnd type="none" w="med" len="med"/>
+                    </a:lnB>
+                  </a:tcPr>
+                </a:tc>
+                <a:tc>
+                  <a:txBody>
+                    <a:bodyPr/>
+                    <a:lstStyle/>
+                    <a:p>
+                      <a:pPr algn="r" fontAlgn="b"/>
+                      <a:r>
+                        <a:rPr lang="en-GB" sz="1000" b="0" i="0" u="none" strike="noStrike">
+                          <a:solidFill>
+                            <a:srgbClr val="000000"/>
+                          </a:solidFill>
+                          <a:effectLst/>
+                          <a:latin typeface="Calibri" panose="020F0502020204030204" pitchFamily="34" charset="0"/>
+                        </a:rPr>
+                        <a:t>59 deaths (36.2 per 100,000 ESP, 95% CI: 27.5-46.8)</a:t>
+                      </a:r>
+                    </a:p>
+                  </a:txBody>
+                  <a:tcPr marL="9525" marR="9525" marT="9525" marB="0" anchor="b">
+                    <a:lnL w="12700" cap="flat" cmpd="sng" algn="ctr">
+                      <a:solidFill>
+                        <a:schemeClr val="tx1"/>
+                      </a:solidFill>
+                      <a:prstDash val="solid"/>
+                      <a:round/>
+                      <a:headEnd type="none" w="med" len="med"/>
+                      <a:tailEnd type="none" w="med" len="med"/>
+                    </a:lnL>
+                    <a:lnR w="12700" cap="flat" cmpd="sng" algn="ctr">
+                      <a:solidFill>
+                        <a:schemeClr val="tx1"/>
+                      </a:solidFill>
+                      <a:prstDash val="solid"/>
+                      <a:round/>
+                      <a:headEnd type="none" w="med" len="med"/>
+                      <a:tailEnd type="none" w="med" len="med"/>
+                    </a:lnR>
+                    <a:lnT w="12700" cap="flat" cmpd="sng" algn="ctr">
+                      <a:solidFill>
+                        <a:schemeClr val="tx1"/>
+                      </a:solidFill>
+                      <a:prstDash val="solid"/>
+                      <a:round/>
+                      <a:headEnd type="none" w="med" len="med"/>
+                      <a:tailEnd type="none" w="med" len="med"/>
+                    </a:lnT>
+                    <a:lnB w="12700" cap="flat" cmpd="sng" algn="ctr">
+                      <a:solidFill>
+                        <a:schemeClr val="tx1"/>
+                      </a:solidFill>
+                      <a:prstDash val="solid"/>
+                      <a:round/>
+                      <a:headEnd type="none" w="med" len="med"/>
+                      <a:tailEnd type="none" w="med" len="med"/>
+                    </a:lnB>
+                  </a:tcPr>
+                </a:tc>
+                <a:extLst>
+                  <a:ext uri="{0D108BD9-81ED-4DB2-BD59-A6C34878D82A}">
+                    <a16:rowId xmlns:a16="http://schemas.microsoft.com/office/drawing/2014/main" val="1544312381"/>
+                  </a:ext>
+                </a:extLst>
+              </a:tr>
+              <a:tr h="204691">
+                <a:tc>
+                  <a:txBody>
+                    <a:bodyPr/>
+                    <a:lstStyle/>
+                    <a:p>
+                      <a:pPr algn="l" fontAlgn="b"/>
+                      <a:r>
+                        <a:rPr lang="en-GB" sz="1000" b="0" i="0" u="none" strike="noStrike">
+                          <a:solidFill>
+                            <a:srgbClr val="000000"/>
+                          </a:solidFill>
+                          <a:effectLst/>
+                          <a:latin typeface="Calibri" panose="020F0502020204030204" pitchFamily="34" charset="0"/>
+                        </a:rPr>
+                        <a:t>Worthing</a:t>
+                      </a:r>
+                    </a:p>
+                  </a:txBody>
+                  <a:tcPr marL="9141" marR="9141" marT="9141" marB="0" anchor="b">
+                    <a:lnL w="12700" cap="flat" cmpd="sng" algn="ctr">
+                      <a:solidFill>
+                        <a:schemeClr val="tx1"/>
+                      </a:solidFill>
+                      <a:prstDash val="solid"/>
+                      <a:round/>
+                      <a:headEnd type="none" w="med" len="med"/>
+                      <a:tailEnd type="none" w="med" len="med"/>
+                    </a:lnL>
+                    <a:lnR w="12700" cap="flat" cmpd="sng" algn="ctr">
+                      <a:solidFill>
+                        <a:schemeClr val="tx1"/>
+                      </a:solidFill>
+                      <a:prstDash val="solid"/>
+                      <a:round/>
+                      <a:headEnd type="none" w="med" len="med"/>
+                      <a:tailEnd type="none" w="med" len="med"/>
+                    </a:lnR>
+                    <a:lnT w="12700" cap="flat" cmpd="sng" algn="ctr">
+                      <a:solidFill>
+                        <a:schemeClr val="tx1"/>
+                      </a:solidFill>
+                      <a:prstDash val="solid"/>
+                      <a:round/>
+                      <a:headEnd type="none" w="med" len="med"/>
+                      <a:tailEnd type="none" w="med" len="med"/>
+                    </a:lnT>
+                    <a:lnB w="12700" cap="flat" cmpd="sng" algn="ctr">
+                      <a:solidFill>
+                        <a:schemeClr val="tx1"/>
+                      </a:solidFill>
+                      <a:prstDash val="solid"/>
+                      <a:round/>
+                      <a:headEnd type="none" w="med" len="med"/>
+                      <a:tailEnd type="none" w="med" len="med"/>
+                    </a:lnB>
+                  </a:tcPr>
+                </a:tc>
+                <a:tc>
+                  <a:txBody>
+                    <a:bodyPr/>
+                    <a:lstStyle/>
+                    <a:p>
+                      <a:pPr algn="r" fontAlgn="b"/>
+                      <a:r>
+                        <a:rPr lang="en-GB" sz="1000" b="0" i="0" u="none" strike="noStrike">
+                          <a:solidFill>
+                            <a:srgbClr val="000000"/>
+                          </a:solidFill>
+                          <a:effectLst/>
+                          <a:latin typeface="Calibri" panose="020F0502020204030204" pitchFamily="34" charset="0"/>
+                        </a:rPr>
+                        <a:t>16 deaths (11.7 per 100,000 ESP, 95% CI: 6.6-19.2)</a:t>
+                      </a:r>
+                    </a:p>
+                  </a:txBody>
+                  <a:tcPr marL="9525" marR="9525" marT="9525" marB="0" anchor="b">
+                    <a:lnL w="12700" cap="flat" cmpd="sng" algn="ctr">
+                      <a:solidFill>
+                        <a:schemeClr val="tx1"/>
+                      </a:solidFill>
+                      <a:prstDash val="solid"/>
+                      <a:round/>
+                      <a:headEnd type="none" w="med" len="med"/>
+                      <a:tailEnd type="none" w="med" len="med"/>
+                    </a:lnL>
+                    <a:lnR w="12700" cap="flat" cmpd="sng" algn="ctr">
+                      <a:solidFill>
+                        <a:schemeClr val="tx1"/>
+                      </a:solidFill>
+                      <a:prstDash val="solid"/>
+                      <a:round/>
+                      <a:headEnd type="none" w="med" len="med"/>
+                      <a:tailEnd type="none" w="med" len="med"/>
+                    </a:lnR>
+                    <a:lnT w="12700" cap="flat" cmpd="sng" algn="ctr">
+                      <a:solidFill>
+                        <a:schemeClr val="tx1"/>
+                      </a:solidFill>
+                      <a:prstDash val="solid"/>
+                      <a:round/>
+                      <a:headEnd type="none" w="med" len="med"/>
+                      <a:tailEnd type="none" w="med" len="med"/>
+                    </a:lnT>
+                    <a:lnB w="12700" cap="flat" cmpd="sng" algn="ctr">
+                      <a:solidFill>
+                        <a:schemeClr val="tx1"/>
+                      </a:solidFill>
+                      <a:prstDash val="solid"/>
+                      <a:round/>
+                      <a:headEnd type="none" w="med" len="med"/>
+                      <a:tailEnd type="none" w="med" len="med"/>
+                    </a:lnB>
+                  </a:tcPr>
+                </a:tc>
+                <a:extLst>
+                  <a:ext uri="{0D108BD9-81ED-4DB2-BD59-A6C34878D82A}">
+                    <a16:rowId xmlns:a16="http://schemas.microsoft.com/office/drawing/2014/main" val="1003309935"/>
+                  </a:ext>
+                </a:extLst>
+              </a:tr>
+              <a:tr h="204691">
+                <a:tc>
+                  <a:txBody>
+                    <a:bodyPr/>
+                    <a:lstStyle/>
+                    <a:p>
+                      <a:pPr algn="l" fontAlgn="b"/>
+                      <a:r>
+                        <a:rPr lang="en-GB" sz="1000" b="0" i="0" u="none" strike="noStrike">
+                          <a:solidFill>
+                            <a:srgbClr val="000000"/>
+                          </a:solidFill>
+                          <a:effectLst/>
+                          <a:latin typeface="Calibri" panose="020F0502020204030204" pitchFamily="34" charset="0"/>
+                        </a:rPr>
+                        <a:t>West Sussex</a:t>
+                      </a:r>
+                    </a:p>
+                  </a:txBody>
+                  <a:tcPr marL="9141" marR="9141" marT="9141" marB="0" anchor="b">
+                    <a:lnL w="12700" cap="flat" cmpd="sng" algn="ctr">
+                      <a:solidFill>
+                        <a:schemeClr val="tx1"/>
+                      </a:solidFill>
+                      <a:prstDash val="solid"/>
+                      <a:round/>
+                      <a:headEnd type="none" w="med" len="med"/>
+                      <a:tailEnd type="none" w="med" len="med"/>
+                    </a:lnL>
+                    <a:lnR w="12700" cap="flat" cmpd="sng" algn="ctr">
+                      <a:solidFill>
+                        <a:schemeClr val="tx1"/>
+                      </a:solidFill>
+                      <a:prstDash val="solid"/>
+                      <a:round/>
+                      <a:headEnd type="none" w="med" len="med"/>
+                      <a:tailEnd type="none" w="med" len="med"/>
+                    </a:lnR>
+                    <a:lnT w="12700" cap="flat" cmpd="sng" algn="ctr">
+                      <a:solidFill>
+                        <a:schemeClr val="tx1"/>
+                      </a:solidFill>
+                      <a:prstDash val="solid"/>
+                      <a:round/>
+                      <a:headEnd type="none" w="med" len="med"/>
+                      <a:tailEnd type="none" w="med" len="med"/>
+                    </a:lnT>
+                    <a:lnB w="12700" cap="flat" cmpd="sng" algn="ctr">
+                      <a:solidFill>
+                        <a:schemeClr val="tx1"/>
+                      </a:solidFill>
+                      <a:prstDash val="solid"/>
+                      <a:round/>
+                      <a:headEnd type="none" w="med" len="med"/>
+                      <a:tailEnd type="none" w="med" len="med"/>
+                    </a:lnB>
+                  </a:tcPr>
+                </a:tc>
+                <a:tc>
+                  <a:txBody>
+                    <a:bodyPr/>
+                    <a:lstStyle/>
+                    <a:p>
+                      <a:pPr algn="r" fontAlgn="b"/>
+                      <a:r>
+                        <a:rPr lang="en-GB" sz="1000" b="0" i="0" u="none" strike="noStrike">
+                          <a:solidFill>
+                            <a:srgbClr val="000000"/>
+                          </a:solidFill>
+                          <a:effectLst/>
+                          <a:latin typeface="Calibri" panose="020F0502020204030204" pitchFamily="34" charset="0"/>
+                        </a:rPr>
+                        <a:t>193 deaths (18.4 per 100,000 ESP, 95% CI: 15.8-21.1)</a:t>
+                      </a:r>
+                    </a:p>
+                  </a:txBody>
+                  <a:tcPr marL="9525" marR="9525" marT="9525" marB="0" anchor="b">
+                    <a:lnL w="12700" cap="flat" cmpd="sng" algn="ctr">
+                      <a:solidFill>
+                        <a:schemeClr val="tx1"/>
+                      </a:solidFill>
+                      <a:prstDash val="solid"/>
+                      <a:round/>
+                      <a:headEnd type="none" w="med" len="med"/>
+                      <a:tailEnd type="none" w="med" len="med"/>
+                    </a:lnL>
+                    <a:lnR w="12700" cap="flat" cmpd="sng" algn="ctr">
+                      <a:solidFill>
+                        <a:schemeClr val="tx1"/>
+                      </a:solidFill>
+                      <a:prstDash val="solid"/>
+                      <a:round/>
+                      <a:headEnd type="none" w="med" len="med"/>
+                      <a:tailEnd type="none" w="med" len="med"/>
+                    </a:lnR>
+                    <a:lnT w="12700" cap="flat" cmpd="sng" algn="ctr">
+                      <a:solidFill>
+                        <a:schemeClr val="tx1"/>
+                      </a:solidFill>
+                      <a:prstDash val="solid"/>
+                      <a:round/>
+                      <a:headEnd type="none" w="med" len="med"/>
+                      <a:tailEnd type="none" w="med" len="med"/>
+                    </a:lnT>
+                    <a:lnB w="12700" cap="flat" cmpd="sng" algn="ctr">
+                      <a:solidFill>
+                        <a:schemeClr val="tx1"/>
+                      </a:solidFill>
+                      <a:prstDash val="solid"/>
+                      <a:round/>
+                      <a:headEnd type="none" w="med" len="med"/>
+                      <a:tailEnd type="none" w="med" len="med"/>
+                    </a:lnB>
+                  </a:tcPr>
+                </a:tc>
+                <a:extLst>
+                  <a:ext uri="{0D108BD9-81ED-4DB2-BD59-A6C34878D82A}">
+                    <a16:rowId xmlns:a16="http://schemas.microsoft.com/office/drawing/2014/main" val="336817654"/>
+                  </a:ext>
+                </a:extLst>
+              </a:tr>
+              <a:tr h="204691">
+                <a:tc>
+                  <a:txBody>
+                    <a:bodyPr/>
+                    <a:lstStyle/>
+                    <a:p>
+                      <a:pPr algn="l" fontAlgn="b"/>
+                      <a:r>
+                        <a:rPr lang="en-GB" sz="1000" b="0" i="0" u="none" strike="noStrike">
+                          <a:solidFill>
+                            <a:srgbClr val="000000"/>
+                          </a:solidFill>
+                          <a:effectLst/>
+                          <a:latin typeface="Calibri" panose="020F0502020204030204" pitchFamily="34" charset="0"/>
+                        </a:rPr>
+                        <a:t>South East</a:t>
+                      </a:r>
+                    </a:p>
+                  </a:txBody>
+                  <a:tcPr marL="9141" marR="9141" marT="9141" marB="0" anchor="b">
+                    <a:lnL w="12700" cap="flat" cmpd="sng" algn="ctr">
+                      <a:solidFill>
+                        <a:schemeClr val="tx1"/>
+                      </a:solidFill>
+                      <a:prstDash val="solid"/>
+                      <a:round/>
+                      <a:headEnd type="none" w="med" len="med"/>
+                      <a:tailEnd type="none" w="med" len="med"/>
+                    </a:lnL>
+                    <a:lnR w="12700" cap="flat" cmpd="sng" algn="ctr">
+                      <a:solidFill>
+                        <a:schemeClr val="tx1"/>
+                      </a:solidFill>
+                      <a:prstDash val="solid"/>
+                      <a:round/>
+                      <a:headEnd type="none" w="med" len="med"/>
+                      <a:tailEnd type="none" w="med" len="med"/>
+                    </a:lnR>
+                    <a:lnT w="12700" cap="flat" cmpd="sng" algn="ctr">
+                      <a:solidFill>
+                        <a:schemeClr val="tx1"/>
+                      </a:solidFill>
+                      <a:prstDash val="solid"/>
+                      <a:round/>
+                      <a:headEnd type="none" w="med" len="med"/>
+                      <a:tailEnd type="none" w="med" len="med"/>
+                    </a:lnT>
+                    <a:lnB w="12700" cap="flat" cmpd="sng" algn="ctr">
+                      <a:solidFill>
+                        <a:schemeClr val="tx1"/>
+                      </a:solidFill>
+                      <a:prstDash val="solid"/>
+                      <a:round/>
+                      <a:headEnd type="none" w="med" len="med"/>
+                      <a:tailEnd type="none" w="med" len="med"/>
+                    </a:lnB>
+                  </a:tcPr>
+                </a:tc>
+                <a:tc>
+                  <a:txBody>
+                    <a:bodyPr/>
+                    <a:lstStyle/>
+                    <a:p>
+                      <a:pPr algn="r" fontAlgn="b"/>
+                      <a:r>
+                        <a:rPr lang="en-GB" sz="1000" b="0" i="0" u="none" strike="noStrike">
+                          <a:solidFill>
+                            <a:srgbClr val="000000"/>
+                          </a:solidFill>
+                          <a:effectLst/>
+                          <a:latin typeface="Calibri" panose="020F0502020204030204" pitchFamily="34" charset="0"/>
+                        </a:rPr>
+                        <a:t>2,508 deaths (26.8 per 100,000 ESP, 95% CI: 25.7-27.8)</a:t>
+                      </a:r>
+                    </a:p>
+                  </a:txBody>
+                  <a:tcPr marL="9525" marR="9525" marT="9525" marB="0" anchor="b">
+                    <a:lnL w="12700" cap="flat" cmpd="sng" algn="ctr">
+                      <a:solidFill>
+                        <a:schemeClr val="tx1"/>
+                      </a:solidFill>
+                      <a:prstDash val="solid"/>
+                      <a:round/>
+                      <a:headEnd type="none" w="med" len="med"/>
+                      <a:tailEnd type="none" w="med" len="med"/>
+                    </a:lnL>
+                    <a:lnR w="12700" cap="flat" cmpd="sng" algn="ctr">
+                      <a:solidFill>
+                        <a:schemeClr val="tx1"/>
+                      </a:solidFill>
+                      <a:prstDash val="solid"/>
+                      <a:round/>
+                      <a:headEnd type="none" w="med" len="med"/>
+                      <a:tailEnd type="none" w="med" len="med"/>
+                    </a:lnR>
+                    <a:lnT w="12700" cap="flat" cmpd="sng" algn="ctr">
+                      <a:solidFill>
+                        <a:schemeClr val="tx1"/>
+                      </a:solidFill>
+                      <a:prstDash val="solid"/>
+                      <a:round/>
+                      <a:headEnd type="none" w="med" len="med"/>
+                      <a:tailEnd type="none" w="med" len="med"/>
+                    </a:lnT>
+                    <a:lnB w="12700" cap="flat" cmpd="sng" algn="ctr">
+                      <a:solidFill>
+                        <a:schemeClr val="tx1"/>
+                      </a:solidFill>
+                      <a:prstDash val="solid"/>
+                      <a:round/>
+                      <a:headEnd type="none" w="med" len="med"/>
+                      <a:tailEnd type="none" w="med" len="med"/>
+                    </a:lnB>
+                  </a:tcPr>
+                </a:tc>
+                <a:extLst>
+                  <a:ext uri="{0D108BD9-81ED-4DB2-BD59-A6C34878D82A}">
+                    <a16:rowId xmlns:a16="http://schemas.microsoft.com/office/drawing/2014/main" val="3400064576"/>
+                  </a:ext>
+                </a:extLst>
+              </a:tr>
+              <a:tr h="204691">
+                <a:tc>
+                  <a:txBody>
+                    <a:bodyPr/>
+                    <a:lstStyle/>
+                    <a:p>
+                      <a:pPr algn="l" fontAlgn="b"/>
+                      <a:r>
+                        <a:rPr lang="en-GB" sz="1000" b="0" i="0" u="none" strike="noStrike">
+                          <a:solidFill>
+                            <a:srgbClr val="000000"/>
+                          </a:solidFill>
+                          <a:effectLst/>
+                          <a:latin typeface="Calibri" panose="020F0502020204030204" pitchFamily="34" charset="0"/>
+                        </a:rPr>
+                        <a:t>England</a:t>
+                      </a:r>
+                    </a:p>
+                  </a:txBody>
+                  <a:tcPr marL="9141" marR="9141" marT="9141" marB="0" anchor="b">
+                    <a:lnL w="12700" cap="flat" cmpd="sng" algn="ctr">
+                      <a:solidFill>
+                        <a:schemeClr val="tx1"/>
+                      </a:solidFill>
+                      <a:prstDash val="solid"/>
+                      <a:round/>
+                      <a:headEnd type="none" w="med" len="med"/>
+                      <a:tailEnd type="none" w="med" len="med"/>
+                    </a:lnL>
+                    <a:lnR w="12700" cap="flat" cmpd="sng" algn="ctr">
+                      <a:solidFill>
+                        <a:schemeClr val="tx1"/>
+                      </a:solidFill>
+                      <a:prstDash val="solid"/>
+                      <a:round/>
+                      <a:headEnd type="none" w="med" len="med"/>
+                      <a:tailEnd type="none" w="med" len="med"/>
+                    </a:lnR>
+                    <a:lnT w="12700" cap="flat" cmpd="sng" algn="ctr">
+                      <a:solidFill>
+                        <a:schemeClr val="tx1"/>
+                      </a:solidFill>
+                      <a:prstDash val="solid"/>
+                      <a:round/>
+                      <a:headEnd type="none" w="med" len="med"/>
+                      <a:tailEnd type="none" w="med" len="med"/>
+                    </a:lnT>
+                    <a:lnB w="12700" cap="flat" cmpd="sng" algn="ctr">
+                      <a:solidFill>
+                        <a:schemeClr val="tx1"/>
+                      </a:solidFill>
+                      <a:prstDash val="solid"/>
+                      <a:round/>
+                      <a:headEnd type="none" w="med" len="med"/>
+                      <a:tailEnd type="none" w="med" len="med"/>
+                    </a:lnB>
+                  </a:tcPr>
+                </a:tc>
+                <a:tc>
+                  <a:txBody>
+                    <a:bodyPr/>
+                    <a:lstStyle/>
+                    <a:p>
+                      <a:pPr algn="r" fontAlgn="b"/>
+                      <a:r>
+                        <a:rPr lang="en-GB" sz="1000" b="0" i="0" u="none" strike="noStrike" dirty="0">
+                          <a:solidFill>
+                            <a:srgbClr val="000000"/>
+                          </a:solidFill>
+                          <a:effectLst/>
+                          <a:latin typeface="Calibri" panose="020F0502020204030204" pitchFamily="34" charset="0"/>
+                        </a:rPr>
+                        <a:t>19,315 deaths (36.6 per 100,000 ESP, 95% CI: 36.1-37.1)</a:t>
+                      </a:r>
+                    </a:p>
+                  </a:txBody>
+                  <a:tcPr marL="9525" marR="9525" marT="9525" marB="0" anchor="b">
+                    <a:lnL w="12700" cap="flat" cmpd="sng" algn="ctr">
+                      <a:solidFill>
+                        <a:schemeClr val="tx1"/>
+                      </a:solidFill>
+                      <a:prstDash val="solid"/>
+                      <a:round/>
+                      <a:headEnd type="none" w="med" len="med"/>
+                      <a:tailEnd type="none" w="med" len="med"/>
+                    </a:lnL>
+                    <a:lnR w="12700" cap="flat" cmpd="sng" algn="ctr">
+                      <a:solidFill>
+                        <a:schemeClr val="tx1"/>
+                      </a:solidFill>
+                      <a:prstDash val="solid"/>
+                      <a:round/>
+                      <a:headEnd type="none" w="med" len="med"/>
+                      <a:tailEnd type="none" w="med" len="med"/>
+                    </a:lnR>
+                    <a:lnT w="12700" cap="flat" cmpd="sng" algn="ctr">
+                      <a:solidFill>
+                        <a:schemeClr val="tx1"/>
+                      </a:solidFill>
+                      <a:prstDash val="solid"/>
+                      <a:round/>
+                      <a:headEnd type="none" w="med" len="med"/>
+                      <a:tailEnd type="none" w="med" len="med"/>
+                    </a:lnT>
+                    <a:lnB w="12700" cap="flat" cmpd="sng" algn="ctr">
+                      <a:solidFill>
+                        <a:schemeClr val="tx1"/>
+                      </a:solidFill>
+                      <a:prstDash val="solid"/>
+                      <a:round/>
+                      <a:headEnd type="none" w="med" len="med"/>
+                      <a:tailEnd type="none" w="med" len="med"/>
+                    </a:lnB>
+                  </a:tcPr>
+                </a:tc>
+                <a:extLst>
+                  <a:ext uri="{0D108BD9-81ED-4DB2-BD59-A6C34878D82A}">
+                    <a16:rowId xmlns:a16="http://schemas.microsoft.com/office/drawing/2014/main" val="475269007"/>
+                  </a:ext>
+                </a:extLst>
+              </a:tr>
+            </a:tbl>
+          </a:graphicData>
+        </a:graphic>
+      </p:graphicFrame>
+      <p:pic>
+        <p:nvPicPr>
+          <p:cNvPr id="10" name="Picture 9">
+            <a:extLst>
+              <a:ext uri="{FF2B5EF4-FFF2-40B4-BE49-F238E27FC236}">
+                <a16:creationId xmlns:a16="http://schemas.microsoft.com/office/drawing/2014/main" id="{4452CEB0-5D79-B64B-B842-08E7A9CBD3BB}"/>
+              </a:ext>
+            </a:extLst>
+          </p:cNvPr>
+          <p:cNvPicPr>
+            <a:picLocks noChangeAspect="1"/>
+          </p:cNvPicPr>
+          <p:nvPr/>
+        </p:nvPicPr>
+        <p:blipFill>
+          <a:blip r:embed="rId3">
+            <a:extLst>
+              <a:ext uri="{28A0092B-C50C-407E-A947-70E740481C1C}">
+                <a14:useLocalDpi xmlns:a14="http://schemas.microsoft.com/office/drawing/2010/main" val="0"/>
+              </a:ext>
+            </a:extLst>
+          </a:blip>
+          <a:srcRect/>
+          <a:stretch/>
+        </p:blipFill>
+        <p:spPr>
+          <a:xfrm>
+            <a:off x="5214380" y="198311"/>
+            <a:ext cx="6906578" cy="2557992"/>
+          </a:xfrm>
+          <a:prstGeom prst="rect">
+            <a:avLst/>
+          </a:prstGeom>
+        </p:spPr>
+      </p:pic>
+      <p:sp>
+        <p:nvSpPr>
+          <p:cNvPr id="11" name="TextBox 10">
+            <a:extLst>
+              <a:ext uri="{FF2B5EF4-FFF2-40B4-BE49-F238E27FC236}">
+                <a16:creationId xmlns:a16="http://schemas.microsoft.com/office/drawing/2014/main" id="{8F9E5FCE-541C-E34E-8770-D2C5929DDAD4}"/>
+              </a:ext>
+            </a:extLst>
+          </p:cNvPr>
+          <p:cNvSpPr txBox="1"/>
+          <p:nvPr/>
+        </p:nvSpPr>
+        <p:spPr>
+          <a:xfrm>
+            <a:off x="192062" y="103363"/>
+            <a:ext cx="4791505" cy="338554"/>
+          </a:xfrm>
+          <a:prstGeom prst="rect">
+            <a:avLst/>
+          </a:prstGeom>
+          <a:noFill/>
+        </p:spPr>
+        <p:txBody>
+          <a:bodyPr wrap="none" rtlCol="0">
+            <a:spAutoFit/>
+          </a:bodyPr>
+          <a:lstStyle/>
+          <a:p>
+            <a:r>
+              <a:rPr lang="en-US" sz="1600" dirty="0"/>
+              <a:t>Covid-19 mortality; occurring 01/03/2020 – 17/04/2020</a:t>
+            </a:r>
+          </a:p>
+        </p:txBody>
+      </p:sp>
+    </p:spTree>
+    <p:extLst>
+      <p:ext uri="{BB962C8B-B14F-4D97-AF65-F5344CB8AC3E}">
+        <p14:creationId xmlns:p14="http://schemas.microsoft.com/office/powerpoint/2010/main" val="3128284130"/>
+      </p:ext>
+    </p:extLst>
+  </p:cSld>
+  <p:clrMapOvr>
+    <a:masterClrMapping/>
+  </p:clrMapOvr>
+</p:sld>
+</file>
+
+<file path=ppt/slides/slide7.xml><?xml version="1.0" encoding="utf-8"?>
+<p:sld xmlns:a="http://schemas.openxmlformats.org/drawingml/2006/main" xmlns:r="http://schemas.openxmlformats.org/officeDocument/2006/relationships" xmlns:p="http://schemas.openxmlformats.org/presentationml/2006/main">
+  <p:cSld>
+    <p:spTree>
+      <p:nvGrpSpPr>
+        <p:cNvPr id="1" name=""/>
+        <p:cNvGrpSpPr/>
+        <p:nvPr/>
+      </p:nvGrpSpPr>
+      <p:grpSpPr>
+        <a:xfrm>
+          <a:off x="0" y="0"/>
+          <a:ext cx="0" cy="0"/>
+          <a:chOff x="0" y="0"/>
+          <a:chExt cx="0" cy="0"/>
+        </a:xfrm>
+      </p:grpSpPr>
+      <p:sp>
+        <p:nvSpPr>
+          <p:cNvPr id="2" name="Title 1">
+            <a:extLst>
+              <a:ext uri="{FF2B5EF4-FFF2-40B4-BE49-F238E27FC236}">
+                <a16:creationId xmlns:a16="http://schemas.microsoft.com/office/drawing/2014/main" id="{47235925-E199-9D45-B88C-02AC33253F36}"/>
+              </a:ext>
+            </a:extLst>
+          </p:cNvPr>
+          <p:cNvSpPr>
+            <a:spLocks noGrp="1"/>
+          </p:cNvSpPr>
+          <p:nvPr>
+            <p:ph type="title"/>
+          </p:nvPr>
+        </p:nvSpPr>
+        <p:spPr/>
+        <p:txBody>
+          <a:bodyPr/>
+          <a:lstStyle/>
+          <a:p>
+            <a:endParaRPr lang="en-US"/>
+          </a:p>
+        </p:txBody>
+      </p:sp>
+      <p:sp>
+        <p:nvSpPr>
+          <p:cNvPr id="3" name="Content Placeholder 2">
+            <a:extLst>
+              <a:ext uri="{FF2B5EF4-FFF2-40B4-BE49-F238E27FC236}">
+                <a16:creationId xmlns:a16="http://schemas.microsoft.com/office/drawing/2014/main" id="{64215ADF-7F92-384C-9003-31D7717170E4}"/>
+              </a:ext>
+            </a:extLst>
+          </p:cNvPr>
+          <p:cNvSpPr>
+            <a:spLocks noGrp="1"/>
+          </p:cNvSpPr>
+          <p:nvPr>
+            <p:ph idx="1"/>
+          </p:nvPr>
+        </p:nvSpPr>
+        <p:spPr/>
+        <p:txBody>
+          <a:bodyPr/>
+          <a:lstStyle/>
+          <a:p>
+            <a:endParaRPr lang="en-US"/>
+          </a:p>
+        </p:txBody>
+      </p:sp>
+    </p:spTree>
+    <p:extLst>
+      <p:ext uri="{BB962C8B-B14F-4D97-AF65-F5344CB8AC3E}">
+        <p14:creationId xmlns:p14="http://schemas.microsoft.com/office/powerpoint/2010/main" val="2107338438"/>
+      </p:ext>
+    </p:extLst>
+  </p:cSld>
+  <p:clrMapOvr>
+    <a:masterClrMapping/>
+  </p:clrMapOvr>
+</p:sld>
+</file>
+
+<file path=ppt/slides/slide8.xml><?xml version="1.0" encoding="utf-8"?>
+<p:sld xmlns:a="http://schemas.openxmlformats.org/drawingml/2006/main" xmlns:r="http://schemas.openxmlformats.org/officeDocument/2006/relationships" xmlns:p="http://schemas.openxmlformats.org/presentationml/2006/main">
+  <p:cSld>
+    <p:spTree>
+      <p:nvGrpSpPr>
+        <p:cNvPr id="1" name=""/>
+        <p:cNvGrpSpPr/>
+        <p:nvPr/>
+      </p:nvGrpSpPr>
+      <p:grpSpPr>
+        <a:xfrm>
+          <a:off x="0" y="0"/>
+          <a:ext cx="0" cy="0"/>
+          <a:chOff x="0" y="0"/>
+          <a:chExt cx="0" cy="0"/>
+        </a:xfrm>
+      </p:grpSpPr>
+      <p:sp>
+        <p:nvSpPr>
+          <p:cNvPr id="2" name="Title 1">
+            <a:extLst>
+              <a:ext uri="{FF2B5EF4-FFF2-40B4-BE49-F238E27FC236}">
+                <a16:creationId xmlns:a16="http://schemas.microsoft.com/office/drawing/2014/main" id="{F927E3CD-0C2E-2B4A-B79F-6CE4DD69EB8C}"/>
+              </a:ext>
+            </a:extLst>
+          </p:cNvPr>
+          <p:cNvSpPr>
+            <a:spLocks noGrp="1"/>
+          </p:cNvSpPr>
+          <p:nvPr>
+            <p:ph type="title"/>
+          </p:nvPr>
+        </p:nvSpPr>
+        <p:spPr/>
+        <p:txBody>
+          <a:bodyPr/>
+          <a:lstStyle/>
+          <a:p>
+            <a:r>
+              <a:rPr lang="en-US" dirty="0"/>
+              <a:t>Care homes</a:t>
+            </a:r>
+          </a:p>
+        </p:txBody>
+      </p:sp>
+      <p:sp>
+        <p:nvSpPr>
+          <p:cNvPr id="3" name="Content Placeholder 2">
+            <a:extLst>
+              <a:ext uri="{FF2B5EF4-FFF2-40B4-BE49-F238E27FC236}">
+                <a16:creationId xmlns:a16="http://schemas.microsoft.com/office/drawing/2014/main" id="{3D1C0A0D-DBB2-3948-8796-01DA98B5DFFE}"/>
+              </a:ext>
+            </a:extLst>
+          </p:cNvPr>
+          <p:cNvSpPr>
+            <a:spLocks noGrp="1"/>
+          </p:cNvSpPr>
+          <p:nvPr>
+            <p:ph idx="1"/>
+          </p:nvPr>
+        </p:nvSpPr>
+        <p:spPr/>
+        <p:txBody>
+          <a:bodyPr/>
+          <a:lstStyle/>
+          <a:p>
+            <a:endParaRPr lang="en-US"/>
+          </a:p>
+        </p:txBody>
+      </p:sp>
+    </p:spTree>
+    <p:extLst>
+      <p:ext uri="{BB962C8B-B14F-4D97-AF65-F5344CB8AC3E}">
+        <p14:creationId xmlns:p14="http://schemas.microsoft.com/office/powerpoint/2010/main" val="4200131781"/>
+      </p:ext>
+    </p:extLst>
+  </p:cSld>
+  <p:clrMapOvr>
+    <a:masterClrMapping/>
+  </p:clrMapOvr>
+</p:sld>
+</file>
+
 <file path=ppt/theme/theme1.xml><?xml version="1.0" encoding="utf-8"?>
 <a:theme xmlns:a="http://schemas.openxmlformats.org/drawingml/2006/main" name="Office Theme">
   <a:themeElements>

--- a/Death Slides - West Sussex V1 12 May.pptx
+++ b/Death Slides - West Sussex V1 12 May.pptx
@@ -10,9 +10,11 @@
     <p:sldId id="265" r:id="rId7"/>
     <p:sldId id="266" r:id="rId8"/>
     <p:sldId id="267" r:id="rId9"/>
-    <p:sldId id="269" r:id="rId10"/>
-    <p:sldId id="268" r:id="rId11"/>
-    <p:sldId id="270" r:id="rId12"/>
+    <p:sldId id="268" r:id="rId10"/>
+    <p:sldId id="269" r:id="rId11"/>
+    <p:sldId id="271" r:id="rId12"/>
+    <p:sldId id="272" r:id="rId13"/>
+    <p:sldId id="270" r:id="rId14"/>
   </p:sldIdLst>
   <p:sldSz cx="12192000" cy="6858000"/>
   <p:notesSz cx="6858000" cy="9144000"/>
@@ -3492,7 +3494,11 @@
             </a:pPr>
             <a:r>
               <a:rPr lang="en-GB" sz="1400" dirty="0"/>
-              <a:t>Two sets of tables are presented, one set based on the date of registration and one set based on date of occurrence of death. Two sets have been provided as there can be a time lag between a death taking place and the subsequent registration. The tables include deaths that occurred up to 17 April but were registered up to 25 April. </a:t>
+              <a:t>Two sets of tables are presented, one set based on the date of registration and one set based on date of occurrence of death. Two sets have been provided as there can be a time lag between a death taking place and the subsequent registration. The tables include deaths that occurred up to 1 May but were registered </a:t>
+            </a:r>
+            <a:r>
+              <a:rPr lang="en-GB" sz="1400"/>
+              <a:t>up to 9 May. </a:t>
             </a:r>
             <a:r>
               <a:rPr lang="en-GB" sz="1400" dirty="0">
@@ -3571,7 +3577,7 @@
                   <a:schemeClr val="accent1"/>
                 </a:solidFill>
               </a:rPr>
-              <a:t>Cumulative data on deaths occurring between 01/03/2020 and 24/04/2020 are available by sex at local level and these will be published as soon as possible.</a:t>
+              <a:t>Cumulative data on deaths occurring between 01/03/2020 and 17/04/2020 are available by sex at local level and these will be published as soon as possible.</a:t>
             </a:r>
           </a:p>
           <a:p>
@@ -3618,6 +3624,89 @@
     <p:extLst>
       <p:ext uri="{BB962C8B-B14F-4D97-AF65-F5344CB8AC3E}">
         <p14:creationId xmlns:p14="http://schemas.microsoft.com/office/powerpoint/2010/main" val="4225585468"/>
+      </p:ext>
+    </p:extLst>
+  </p:cSld>
+  <p:clrMapOvr>
+    <a:masterClrMapping/>
+  </p:clrMapOvr>
+</p:sld>
+</file>
+
+<file path=ppt/slides/slide10.xml><?xml version="1.0" encoding="utf-8"?>
+<p:sld xmlns:a="http://schemas.openxmlformats.org/drawingml/2006/main" xmlns:r="http://schemas.openxmlformats.org/officeDocument/2006/relationships" xmlns:p="http://schemas.openxmlformats.org/presentationml/2006/main">
+  <p:cSld>
+    <p:spTree>
+      <p:nvGrpSpPr>
+        <p:cNvPr id="1" name=""/>
+        <p:cNvGrpSpPr/>
+        <p:nvPr/>
+      </p:nvGrpSpPr>
+      <p:grpSpPr>
+        <a:xfrm>
+          <a:off x="0" y="0"/>
+          <a:ext cx="0" cy="0"/>
+          <a:chOff x="0" y="0"/>
+          <a:chExt cx="0" cy="0"/>
+        </a:xfrm>
+      </p:grpSpPr>
+      <p:sp>
+        <p:nvSpPr>
+          <p:cNvPr id="2" name="Title 1">
+            <a:extLst>
+              <a:ext uri="{FF2B5EF4-FFF2-40B4-BE49-F238E27FC236}">
+                <a16:creationId xmlns:a16="http://schemas.microsoft.com/office/drawing/2014/main" id="{F927E3CD-0C2E-2B4A-B79F-6CE4DD69EB8C}"/>
+              </a:ext>
+            </a:extLst>
+          </p:cNvPr>
+          <p:cNvSpPr>
+            <a:spLocks noGrp="1"/>
+          </p:cNvSpPr>
+          <p:nvPr>
+            <p:ph type="title"/>
+          </p:nvPr>
+        </p:nvSpPr>
+        <p:spPr/>
+        <p:txBody>
+          <a:bodyPr/>
+          <a:lstStyle/>
+          <a:p>
+            <a:r>
+              <a:rPr lang="en-US" dirty="0"/>
+              <a:t>Care homes</a:t>
+            </a:r>
+          </a:p>
+        </p:txBody>
+      </p:sp>
+      <p:sp>
+        <p:nvSpPr>
+          <p:cNvPr id="3" name="Content Placeholder 2">
+            <a:extLst>
+              <a:ext uri="{FF2B5EF4-FFF2-40B4-BE49-F238E27FC236}">
+                <a16:creationId xmlns:a16="http://schemas.microsoft.com/office/drawing/2014/main" id="{3D1C0A0D-DBB2-3948-8796-01DA98B5DFFE}"/>
+              </a:ext>
+            </a:extLst>
+          </p:cNvPr>
+          <p:cNvSpPr>
+            <a:spLocks noGrp="1"/>
+          </p:cNvSpPr>
+          <p:nvPr>
+            <p:ph idx="1"/>
+          </p:nvPr>
+        </p:nvSpPr>
+        <p:spPr/>
+        <p:txBody>
+          <a:bodyPr/>
+          <a:lstStyle/>
+          <a:p>
+            <a:endParaRPr lang="en-US"/>
+          </a:p>
+        </p:txBody>
+      </p:sp>
+    </p:spTree>
+    <p:extLst>
+      <p:ext uri="{BB962C8B-B14F-4D97-AF65-F5344CB8AC3E}">
+        <p14:creationId xmlns:p14="http://schemas.microsoft.com/office/powerpoint/2010/main" val="4200131781"/>
       </p:ext>
     </p:extLst>
   </p:cSld>
@@ -23519,6 +23608,106 @@
           <p:cNvPr id="5" name="Content Placeholder 4">
             <a:extLst>
               <a:ext uri="{FF2B5EF4-FFF2-40B4-BE49-F238E27FC236}">
+                <a16:creationId xmlns:a16="http://schemas.microsoft.com/office/drawing/2014/main" id="{A40F5990-07D7-614F-B3C6-954900348894}"/>
+              </a:ext>
+            </a:extLst>
+          </p:cNvPr>
+          <p:cNvPicPr>
+            <a:picLocks noGrp="1" noChangeAspect="1"/>
+          </p:cNvPicPr>
+          <p:nvPr>
+            <p:ph idx="1"/>
+          </p:nvPr>
+        </p:nvPicPr>
+        <p:blipFill>
+          <a:blip r:embed="rId2">
+            <a:extLst>
+              <a:ext uri="{28A0092B-C50C-407E-A947-70E740481C1C}">
+                <a14:useLocalDpi xmlns:a14="http://schemas.microsoft.com/office/drawing/2010/main" val="0"/>
+              </a:ext>
+            </a:extLst>
+          </a:blip>
+          <a:stretch>
+            <a:fillRect/>
+          </a:stretch>
+        </p:blipFill>
+        <p:spPr>
+          <a:xfrm>
+            <a:off x="235865" y="295835"/>
+            <a:ext cx="11236176" cy="6266329"/>
+          </a:xfrm>
+        </p:spPr>
+      </p:pic>
+      <p:sp>
+        <p:nvSpPr>
+          <p:cNvPr id="6" name="TextBox 5">
+            <a:extLst>
+              <a:ext uri="{FF2B5EF4-FFF2-40B4-BE49-F238E27FC236}">
+                <a16:creationId xmlns:a16="http://schemas.microsoft.com/office/drawing/2014/main" id="{74EC441D-1E27-F849-AA9E-59E20F72E2BD}"/>
+              </a:ext>
+            </a:extLst>
+          </p:cNvPr>
+          <p:cNvSpPr txBox="1"/>
+          <p:nvPr/>
+        </p:nvSpPr>
+        <p:spPr>
+          <a:xfrm>
+            <a:off x="192062" y="103363"/>
+            <a:ext cx="4811638" cy="338554"/>
+          </a:xfrm>
+          <a:prstGeom prst="rect">
+            <a:avLst/>
+          </a:prstGeom>
+          <a:noFill/>
+        </p:spPr>
+        <p:txBody>
+          <a:bodyPr wrap="none" rtlCol="0">
+            <a:spAutoFit/>
+          </a:bodyPr>
+          <a:lstStyle/>
+          <a:p>
+            <a:r>
+              <a:rPr lang="en-US" sz="1600" dirty="0"/>
+              <a:t>All cause mortality; occurring 01/03/2020 – 17/04/2020</a:t>
+            </a:r>
+          </a:p>
+        </p:txBody>
+      </p:sp>
+    </p:spTree>
+    <p:extLst>
+      <p:ext uri="{BB962C8B-B14F-4D97-AF65-F5344CB8AC3E}">
+        <p14:creationId xmlns:p14="http://schemas.microsoft.com/office/powerpoint/2010/main" val="2107338438"/>
+      </p:ext>
+    </p:extLst>
+  </p:cSld>
+  <p:clrMapOvr>
+    <a:masterClrMapping/>
+  </p:clrMapOvr>
+</p:sld>
+</file>
+
+<file path=ppt/slides/slide7.xml><?xml version="1.0" encoding="utf-8"?>
+<p:sld xmlns:a="http://schemas.openxmlformats.org/drawingml/2006/main" xmlns:r="http://schemas.openxmlformats.org/officeDocument/2006/relationships" xmlns:p="http://schemas.openxmlformats.org/presentationml/2006/main">
+  <p:cSld>
+    <p:spTree>
+      <p:nvGrpSpPr>
+        <p:cNvPr id="1" name=""/>
+        <p:cNvGrpSpPr/>
+        <p:nvPr/>
+      </p:nvGrpSpPr>
+      <p:grpSpPr>
+        <a:xfrm>
+          <a:off x="0" y="0"/>
+          <a:ext cx="0" cy="0"/>
+          <a:chOff x="0" y="0"/>
+          <a:chExt cx="0" cy="0"/>
+        </a:xfrm>
+      </p:grpSpPr>
+      <p:pic>
+        <p:nvPicPr>
+          <p:cNvPr id="5" name="Content Placeholder 4">
+            <a:extLst>
+              <a:ext uri="{FF2B5EF4-FFF2-40B4-BE49-F238E27FC236}">
                 <a16:creationId xmlns:a16="http://schemas.microsoft.com/office/drawing/2014/main" id="{1DCC3F51-97F7-9F4B-BDE5-432DF1984869}"/>
               </a:ext>
             </a:extLst>
@@ -25010,86 +25199,6 @@
 </p:sld>
 </file>
 
-<file path=ppt/slides/slide7.xml><?xml version="1.0" encoding="utf-8"?>
-<p:sld xmlns:a="http://schemas.openxmlformats.org/drawingml/2006/main" xmlns:r="http://schemas.openxmlformats.org/officeDocument/2006/relationships" xmlns:p="http://schemas.openxmlformats.org/presentationml/2006/main">
-  <p:cSld>
-    <p:spTree>
-      <p:nvGrpSpPr>
-        <p:cNvPr id="1" name=""/>
-        <p:cNvGrpSpPr/>
-        <p:nvPr/>
-      </p:nvGrpSpPr>
-      <p:grpSpPr>
-        <a:xfrm>
-          <a:off x="0" y="0"/>
-          <a:ext cx="0" cy="0"/>
-          <a:chOff x="0" y="0"/>
-          <a:chExt cx="0" cy="0"/>
-        </a:xfrm>
-      </p:grpSpPr>
-      <p:sp>
-        <p:nvSpPr>
-          <p:cNvPr id="2" name="Title 1">
-            <a:extLst>
-              <a:ext uri="{FF2B5EF4-FFF2-40B4-BE49-F238E27FC236}">
-                <a16:creationId xmlns:a16="http://schemas.microsoft.com/office/drawing/2014/main" id="{47235925-E199-9D45-B88C-02AC33253F36}"/>
-              </a:ext>
-            </a:extLst>
-          </p:cNvPr>
-          <p:cNvSpPr>
-            <a:spLocks noGrp="1"/>
-          </p:cNvSpPr>
-          <p:nvPr>
-            <p:ph type="title"/>
-          </p:nvPr>
-        </p:nvSpPr>
-        <p:spPr/>
-        <p:txBody>
-          <a:bodyPr/>
-          <a:lstStyle/>
-          <a:p>
-            <a:endParaRPr lang="en-US"/>
-          </a:p>
-        </p:txBody>
-      </p:sp>
-      <p:sp>
-        <p:nvSpPr>
-          <p:cNvPr id="3" name="Content Placeholder 2">
-            <a:extLst>
-              <a:ext uri="{FF2B5EF4-FFF2-40B4-BE49-F238E27FC236}">
-                <a16:creationId xmlns:a16="http://schemas.microsoft.com/office/drawing/2014/main" id="{64215ADF-7F92-384C-9003-31D7717170E4}"/>
-              </a:ext>
-            </a:extLst>
-          </p:cNvPr>
-          <p:cNvSpPr>
-            <a:spLocks noGrp="1"/>
-          </p:cNvSpPr>
-          <p:nvPr>
-            <p:ph idx="1"/>
-          </p:nvPr>
-        </p:nvSpPr>
-        <p:spPr/>
-        <p:txBody>
-          <a:bodyPr/>
-          <a:lstStyle/>
-          <a:p>
-            <a:endParaRPr lang="en-US"/>
-          </a:p>
-        </p:txBody>
-      </p:sp>
-    </p:spTree>
-    <p:extLst>
-      <p:ext uri="{BB962C8B-B14F-4D97-AF65-F5344CB8AC3E}">
-        <p14:creationId xmlns:p14="http://schemas.microsoft.com/office/powerpoint/2010/main" val="2107338438"/>
-      </p:ext>
-    </p:extLst>
-  </p:cSld>
-  <p:clrMapOvr>
-    <a:masterClrMapping/>
-  </p:clrMapOvr>
-</p:sld>
-</file>
-
 <file path=ppt/slides/slide8.xml><?xml version="1.0" encoding="utf-8"?>
 <p:sld xmlns:a="http://schemas.openxmlformats.org/drawingml/2006/main" xmlns:r="http://schemas.openxmlformats.org/officeDocument/2006/relationships" xmlns:p="http://schemas.openxmlformats.org/presentationml/2006/main">
   <p:cSld>
@@ -25107,63 +25216,178 @@
           <a:chExt cx="0" cy="0"/>
         </a:xfrm>
       </p:grpSpPr>
-      <p:sp>
-        <p:nvSpPr>
-          <p:cNvPr id="2" name="Title 1">
+      <p:pic>
+        <p:nvPicPr>
+          <p:cNvPr id="5" name="Content Placeholder 4">
             <a:extLst>
               <a:ext uri="{FF2B5EF4-FFF2-40B4-BE49-F238E27FC236}">
-                <a16:creationId xmlns:a16="http://schemas.microsoft.com/office/drawing/2014/main" id="{F927E3CD-0C2E-2B4A-B79F-6CE4DD69EB8C}"/>
+                <a16:creationId xmlns:a16="http://schemas.microsoft.com/office/drawing/2014/main" id="{A40F5990-07D7-614F-B3C6-954900348894}"/>
               </a:ext>
             </a:extLst>
           </p:cNvPr>
-          <p:cNvSpPr>
-            <a:spLocks noGrp="1"/>
-          </p:cNvSpPr>
+          <p:cNvPicPr>
+            <a:picLocks noGrp="1" noChangeAspect="1"/>
+          </p:cNvPicPr>
           <p:nvPr>
-            <p:ph type="title"/>
+            <p:ph idx="1"/>
           </p:nvPr>
+        </p:nvPicPr>
+        <p:blipFill>
+          <a:blip r:embed="rId2">
+            <a:extLst>
+              <a:ext uri="{28A0092B-C50C-407E-A947-70E740481C1C}">
+                <a14:useLocalDpi xmlns:a14="http://schemas.microsoft.com/office/drawing/2010/main" val="0"/>
+              </a:ext>
+            </a:extLst>
+          </a:blip>
+          <a:srcRect/>
+          <a:stretch/>
+        </p:blipFill>
+        <p:spPr>
+          <a:xfrm>
+            <a:off x="235865" y="295835"/>
+            <a:ext cx="11236176" cy="6266328"/>
+          </a:xfrm>
+        </p:spPr>
+      </p:pic>
+      <p:sp>
+        <p:nvSpPr>
+          <p:cNvPr id="3" name="TextBox 2">
+            <a:extLst>
+              <a:ext uri="{FF2B5EF4-FFF2-40B4-BE49-F238E27FC236}">
+                <a16:creationId xmlns:a16="http://schemas.microsoft.com/office/drawing/2014/main" id="{1B04373D-5534-8140-856E-837D5C704AEF}"/>
+              </a:ext>
+            </a:extLst>
+          </p:cNvPr>
+          <p:cNvSpPr txBox="1"/>
+          <p:nvPr/>
         </p:nvSpPr>
-        <p:spPr/>
+        <p:spPr>
+          <a:xfrm>
+            <a:off x="192062" y="103363"/>
+            <a:ext cx="4791505" cy="338554"/>
+          </a:xfrm>
+          <a:prstGeom prst="rect">
+            <a:avLst/>
+          </a:prstGeom>
+          <a:noFill/>
+        </p:spPr>
         <p:txBody>
-          <a:bodyPr/>
+          <a:bodyPr wrap="none" rtlCol="0">
+            <a:spAutoFit/>
+          </a:bodyPr>
           <a:lstStyle/>
           <a:p>
             <a:r>
-              <a:rPr lang="en-US" dirty="0"/>
-              <a:t>Care homes</a:t>
+              <a:rPr lang="en-US" sz="1600" dirty="0"/>
+              <a:t>Covid-19 mortality; occurring 01/03/2020 – 17/04/2020</a:t>
             </a:r>
-          </a:p>
-        </p:txBody>
-      </p:sp>
-      <p:sp>
-        <p:nvSpPr>
-          <p:cNvPr id="3" name="Content Placeholder 2">
-            <a:extLst>
-              <a:ext uri="{FF2B5EF4-FFF2-40B4-BE49-F238E27FC236}">
-                <a16:creationId xmlns:a16="http://schemas.microsoft.com/office/drawing/2014/main" id="{3D1C0A0D-DBB2-3948-8796-01DA98B5DFFE}"/>
-              </a:ext>
-            </a:extLst>
-          </p:cNvPr>
-          <p:cNvSpPr>
-            <a:spLocks noGrp="1"/>
-          </p:cNvSpPr>
-          <p:nvPr>
-            <p:ph idx="1"/>
-          </p:nvPr>
-        </p:nvSpPr>
-        <p:spPr/>
-        <p:txBody>
-          <a:bodyPr/>
-          <a:lstStyle/>
-          <a:p>
-            <a:endParaRPr lang="en-US"/>
           </a:p>
         </p:txBody>
       </p:sp>
     </p:spTree>
     <p:extLst>
       <p:ext uri="{BB962C8B-B14F-4D97-AF65-F5344CB8AC3E}">
-        <p14:creationId xmlns:p14="http://schemas.microsoft.com/office/powerpoint/2010/main" val="4200131781"/>
+        <p14:creationId xmlns:p14="http://schemas.microsoft.com/office/powerpoint/2010/main" val="1783523825"/>
+      </p:ext>
+    </p:extLst>
+  </p:cSld>
+  <p:clrMapOvr>
+    <a:masterClrMapping/>
+  </p:clrMapOvr>
+</p:sld>
+</file>
+
+<file path=ppt/slides/slide9.xml><?xml version="1.0" encoding="utf-8"?>
+<p:sld xmlns:a="http://schemas.openxmlformats.org/drawingml/2006/main" xmlns:r="http://schemas.openxmlformats.org/officeDocument/2006/relationships" xmlns:p="http://schemas.openxmlformats.org/presentationml/2006/main">
+  <p:cSld>
+    <p:spTree>
+      <p:nvGrpSpPr>
+        <p:cNvPr id="1" name=""/>
+        <p:cNvGrpSpPr/>
+        <p:nvPr/>
+      </p:nvGrpSpPr>
+      <p:grpSpPr>
+        <a:xfrm>
+          <a:off x="0" y="0"/>
+          <a:ext cx="0" cy="0"/>
+          <a:chOff x="0" y="0"/>
+          <a:chExt cx="0" cy="0"/>
+        </a:xfrm>
+      </p:grpSpPr>
+      <p:pic>
+        <p:nvPicPr>
+          <p:cNvPr id="5" name="Content Placeholder 4">
+            <a:extLst>
+              <a:ext uri="{FF2B5EF4-FFF2-40B4-BE49-F238E27FC236}">
+                <a16:creationId xmlns:a16="http://schemas.microsoft.com/office/drawing/2014/main" id="{A40F5990-07D7-614F-B3C6-954900348894}"/>
+              </a:ext>
+            </a:extLst>
+          </p:cNvPr>
+          <p:cNvPicPr>
+            <a:picLocks noGrp="1" noChangeAspect="1"/>
+          </p:cNvPicPr>
+          <p:nvPr>
+            <p:ph idx="1"/>
+          </p:nvPr>
+        </p:nvPicPr>
+        <p:blipFill>
+          <a:blip r:embed="rId2">
+            <a:extLst>
+              <a:ext uri="{28A0092B-C50C-407E-A947-70E740481C1C}">
+                <a14:useLocalDpi xmlns:a14="http://schemas.microsoft.com/office/drawing/2010/main" val="0"/>
+              </a:ext>
+            </a:extLst>
+          </a:blip>
+          <a:srcRect/>
+          <a:stretch/>
+        </p:blipFill>
+        <p:spPr>
+          <a:xfrm>
+            <a:off x="235866" y="295835"/>
+            <a:ext cx="11236174" cy="6266328"/>
+          </a:xfrm>
+        </p:spPr>
+      </p:pic>
+      <p:sp>
+        <p:nvSpPr>
+          <p:cNvPr id="3" name="TextBox 2">
+            <a:extLst>
+              <a:ext uri="{FF2B5EF4-FFF2-40B4-BE49-F238E27FC236}">
+                <a16:creationId xmlns:a16="http://schemas.microsoft.com/office/drawing/2014/main" id="{1B04373D-5534-8140-856E-837D5C704AEF}"/>
+              </a:ext>
+            </a:extLst>
+          </p:cNvPr>
+          <p:cNvSpPr txBox="1"/>
+          <p:nvPr/>
+        </p:nvSpPr>
+        <p:spPr>
+          <a:xfrm>
+            <a:off x="192062" y="103363"/>
+            <a:ext cx="4791505" cy="338554"/>
+          </a:xfrm>
+          <a:prstGeom prst="rect">
+            <a:avLst/>
+          </a:prstGeom>
+          <a:noFill/>
+        </p:spPr>
+        <p:txBody>
+          <a:bodyPr wrap="none" rtlCol="0">
+            <a:spAutoFit/>
+          </a:bodyPr>
+          <a:lstStyle/>
+          <a:p>
+            <a:r>
+              <a:rPr lang="en-US" sz="1600" dirty="0"/>
+              <a:t>Covid-19 mortality; occurring 01/03/2020 – 17/04/2020</a:t>
+            </a:r>
+          </a:p>
+        </p:txBody>
+      </p:sp>
+    </p:spTree>
+    <p:extLst>
+      <p:ext uri="{BB962C8B-B14F-4D97-AF65-F5344CB8AC3E}">
+        <p14:creationId xmlns:p14="http://schemas.microsoft.com/office/powerpoint/2010/main" val="3752983048"/>
       </p:ext>
     </p:extLst>
   </p:cSld>

--- a/Death Slides - West Sussex V1 12 May.pptx
+++ b/Death Slides - West Sussex V1 12 May.pptx
@@ -5,19 +5,21 @@
     <p:sldMasterId id="2147483648" r:id="rId4"/>
   </p:sldMasterIdLst>
   <p:sldIdLst>
-    <p:sldId id="262" r:id="rId5"/>
-    <p:sldId id="264" r:id="rId6"/>
-    <p:sldId id="265" r:id="rId7"/>
-    <p:sldId id="266" r:id="rId8"/>
-    <p:sldId id="273" r:id="rId9"/>
-    <p:sldId id="267" r:id="rId10"/>
-    <p:sldId id="268" r:id="rId11"/>
-    <p:sldId id="269" r:id="rId12"/>
-    <p:sldId id="271" r:id="rId13"/>
-    <p:sldId id="272" r:id="rId14"/>
-    <p:sldId id="274" r:id="rId15"/>
-    <p:sldId id="275" r:id="rId16"/>
-    <p:sldId id="276" r:id="rId17"/>
+    <p:sldId id="277" r:id="rId5"/>
+    <p:sldId id="279" r:id="rId6"/>
+    <p:sldId id="278" r:id="rId7"/>
+    <p:sldId id="264" r:id="rId8"/>
+    <p:sldId id="265" r:id="rId9"/>
+    <p:sldId id="266" r:id="rId10"/>
+    <p:sldId id="273" r:id="rId11"/>
+    <p:sldId id="267" r:id="rId12"/>
+    <p:sldId id="268" r:id="rId13"/>
+    <p:sldId id="269" r:id="rId14"/>
+    <p:sldId id="271" r:id="rId15"/>
+    <p:sldId id="272" r:id="rId16"/>
+    <p:sldId id="274" r:id="rId17"/>
+    <p:sldId id="275" r:id="rId18"/>
+    <p:sldId id="276" r:id="rId19"/>
   </p:sldIdLst>
   <p:sldSz cx="12192000" cy="6858000"/>
   <p:notesSz cx="6858000" cy="9144000"/>
@@ -3359,12 +3361,5465 @@
           <a:chExt cx="0" cy="0"/>
         </a:xfrm>
       </p:grpSpPr>
+      <p:graphicFrame>
+        <p:nvGraphicFramePr>
+          <p:cNvPr id="6" name="Table 5">
+            <a:extLst>
+              <a:ext uri="{FF2B5EF4-FFF2-40B4-BE49-F238E27FC236}">
+                <a16:creationId xmlns:a16="http://schemas.microsoft.com/office/drawing/2014/main" id="{20C96082-06D1-2040-B129-1946596E00A6}"/>
+              </a:ext>
+            </a:extLst>
+          </p:cNvPr>
+          <p:cNvGraphicFramePr>
+            <a:graphicFrameLocks noGrp="1"/>
+          </p:cNvGraphicFramePr>
+          <p:nvPr>
+            <p:extLst>
+              <p:ext uri="{D42A27DB-BD31-4B8C-83A1-F6EECF244321}">
+                <p14:modId xmlns:p14="http://schemas.microsoft.com/office/powerpoint/2010/main" val="4258484025"/>
+              </p:ext>
+            </p:extLst>
+          </p:nvPr>
+        </p:nvGraphicFramePr>
+        <p:xfrm>
+          <a:off x="216992" y="1526194"/>
+          <a:ext cx="11723996" cy="4216400"/>
+        </p:xfrm>
+        <a:graphic>
+          <a:graphicData uri="http://schemas.openxmlformats.org/drawingml/2006/table">
+            <a:tbl>
+              <a:tblPr/>
+              <a:tblGrid>
+                <a:gridCol w="1165289">
+                  <a:extLst>
+                    <a:ext uri="{9D8B030D-6E8A-4147-A177-3AD203B41FA5}">
+                      <a16:colId xmlns:a16="http://schemas.microsoft.com/office/drawing/2014/main" val="1537918881"/>
+                    </a:ext>
+                  </a:extLst>
+                </a:gridCol>
+                <a:gridCol w="616917">
+                  <a:extLst>
+                    <a:ext uri="{9D8B030D-6E8A-4147-A177-3AD203B41FA5}">
+                      <a16:colId xmlns:a16="http://schemas.microsoft.com/office/drawing/2014/main" val="1769651494"/>
+                    </a:ext>
+                  </a:extLst>
+                </a:gridCol>
+                <a:gridCol w="765435">
+                  <a:extLst>
+                    <a:ext uri="{9D8B030D-6E8A-4147-A177-3AD203B41FA5}">
+                      <a16:colId xmlns:a16="http://schemas.microsoft.com/office/drawing/2014/main" val="2201828720"/>
+                    </a:ext>
+                  </a:extLst>
+                </a:gridCol>
+                <a:gridCol w="882535">
+                  <a:extLst>
+                    <a:ext uri="{9D8B030D-6E8A-4147-A177-3AD203B41FA5}">
+                      <a16:colId xmlns:a16="http://schemas.microsoft.com/office/drawing/2014/main" val="3663550016"/>
+                    </a:ext>
+                  </a:extLst>
+                </a:gridCol>
+                <a:gridCol w="856830">
+                  <a:extLst>
+                    <a:ext uri="{9D8B030D-6E8A-4147-A177-3AD203B41FA5}">
+                      <a16:colId xmlns:a16="http://schemas.microsoft.com/office/drawing/2014/main" val="1067332675"/>
+                    </a:ext>
+                  </a:extLst>
+                </a:gridCol>
+                <a:gridCol w="868255">
+                  <a:extLst>
+                    <a:ext uri="{9D8B030D-6E8A-4147-A177-3AD203B41FA5}">
+                      <a16:colId xmlns:a16="http://schemas.microsoft.com/office/drawing/2014/main" val="3729079987"/>
+                    </a:ext>
+                  </a:extLst>
+                </a:gridCol>
+                <a:gridCol w="759606">
+                  <a:extLst>
+                    <a:ext uri="{9D8B030D-6E8A-4147-A177-3AD203B41FA5}">
+                      <a16:colId xmlns:a16="http://schemas.microsoft.com/office/drawing/2014/main" val="3784545394"/>
+                    </a:ext>
+                  </a:extLst>
+                </a:gridCol>
+                <a:gridCol w="5809129">
+                  <a:extLst>
+                    <a:ext uri="{9D8B030D-6E8A-4147-A177-3AD203B41FA5}">
+                      <a16:colId xmlns:a16="http://schemas.microsoft.com/office/drawing/2014/main" val="1327624547"/>
+                    </a:ext>
+                  </a:extLst>
+                </a:gridCol>
+              </a:tblGrid>
+              <a:tr h="762000">
+                <a:tc>
+                  <a:txBody>
+                    <a:bodyPr/>
+                    <a:lstStyle/>
+                    <a:p>
+                      <a:pPr algn="l" fontAlgn="t"/>
+                      <a:r>
+                        <a:rPr lang="en-GB" sz="1000" b="1" i="0" u="none" strike="noStrike" dirty="0">
+                          <a:solidFill>
+                            <a:srgbClr val="000000"/>
+                          </a:solidFill>
+                          <a:effectLst/>
+                          <a:latin typeface="Calibri" panose="020F0502020204030204" pitchFamily="34" charset="0"/>
+                        </a:rPr>
+                        <a:t>Name</a:t>
+                      </a:r>
+                    </a:p>
+                  </a:txBody>
+                  <a:tcPr marL="9525" marR="9525" marT="9525" marB="0">
+                    <a:lnL>
+                      <a:noFill/>
+                    </a:lnL>
+                    <a:lnR>
+                      <a:noFill/>
+                    </a:lnR>
+                    <a:lnT w="3175" cap="flat" cmpd="sng" algn="ctr">
+                      <a:solidFill>
+                        <a:schemeClr val="tx1"/>
+                      </a:solidFill>
+                      <a:prstDash val="solid"/>
+                      <a:round/>
+                      <a:headEnd type="none" w="med" len="med"/>
+                      <a:tailEnd type="none" w="med" len="med"/>
+                    </a:lnT>
+                    <a:lnB w="6350" cap="flat" cmpd="sng" algn="ctr">
+                      <a:noFill/>
+                      <a:prstDash val="solid"/>
+                      <a:round/>
+                      <a:headEnd type="none" w="med" len="med"/>
+                      <a:tailEnd type="none" w="med" len="med"/>
+                    </a:lnB>
+                    <a:lnTlToBr w="12700" cmpd="sng">
+                      <a:noFill/>
+                      <a:prstDash val="solid"/>
+                    </a:lnTlToBr>
+                    <a:lnBlToTr w="12700" cmpd="sng">
+                      <a:noFill/>
+                      <a:prstDash val="solid"/>
+                    </a:lnBlToTr>
+                  </a:tcPr>
+                </a:tc>
+                <a:tc>
+                  <a:txBody>
+                    <a:bodyPr/>
+                    <a:lstStyle/>
+                    <a:p>
+                      <a:pPr algn="r" fontAlgn="t"/>
+                      <a:r>
+                        <a:rPr lang="en-GB" sz="1000" b="1" i="0" u="none" strike="noStrike" dirty="0">
+                          <a:solidFill>
+                            <a:srgbClr val="000000"/>
+                          </a:solidFill>
+                          <a:effectLst/>
+                          <a:latin typeface="Calibri" panose="020F0502020204030204" pitchFamily="34" charset="0"/>
+                        </a:rPr>
+                        <a:t>Total confirmed cases so far</a:t>
+                      </a:r>
+                    </a:p>
+                  </a:txBody>
+                  <a:tcPr marL="9525" marR="9525" marT="9525" marB="0">
+                    <a:lnL>
+                      <a:noFill/>
+                    </a:lnL>
+                    <a:lnR>
+                      <a:noFill/>
+                    </a:lnR>
+                    <a:lnT w="3175" cap="flat" cmpd="sng" algn="ctr">
+                      <a:solidFill>
+                        <a:schemeClr val="tx1"/>
+                      </a:solidFill>
+                      <a:prstDash val="solid"/>
+                      <a:round/>
+                      <a:headEnd type="none" w="med" len="med"/>
+                      <a:tailEnd type="none" w="med" len="med"/>
+                    </a:lnT>
+                    <a:lnB w="6350" cap="flat" cmpd="sng" algn="ctr">
+                      <a:noFill/>
+                      <a:prstDash val="solid"/>
+                      <a:round/>
+                      <a:headEnd type="none" w="med" len="med"/>
+                      <a:tailEnd type="none" w="med" len="med"/>
+                    </a:lnB>
+                    <a:lnTlToBr w="12700" cmpd="sng">
+                      <a:noFill/>
+                      <a:prstDash val="solid"/>
+                    </a:lnTlToBr>
+                    <a:lnBlToTr w="12700" cmpd="sng">
+                      <a:noFill/>
+                      <a:prstDash val="solid"/>
+                    </a:lnBlToTr>
+                  </a:tcPr>
+                </a:tc>
+                <a:tc>
+                  <a:txBody>
+                    <a:bodyPr/>
+                    <a:lstStyle/>
+                    <a:p>
+                      <a:pPr algn="r" fontAlgn="t"/>
+                      <a:r>
+                        <a:rPr lang="en-GB" sz="1000" b="1" i="0" u="none" strike="noStrike" dirty="0">
+                          <a:solidFill>
+                            <a:srgbClr val="000000"/>
+                          </a:solidFill>
+                          <a:effectLst/>
+                          <a:latin typeface="Calibri" panose="020F0502020204030204" pitchFamily="34" charset="0"/>
+                        </a:rPr>
+                        <a:t>Total cases per 100,000 population</a:t>
+                      </a:r>
+                    </a:p>
+                  </a:txBody>
+                  <a:tcPr marL="9525" marR="9525" marT="9525" marB="0">
+                    <a:lnL>
+                      <a:noFill/>
+                    </a:lnL>
+                    <a:lnR>
+                      <a:noFill/>
+                    </a:lnR>
+                    <a:lnT w="3175" cap="flat" cmpd="sng" algn="ctr">
+                      <a:solidFill>
+                        <a:schemeClr val="tx1"/>
+                      </a:solidFill>
+                      <a:prstDash val="solid"/>
+                      <a:round/>
+                      <a:headEnd type="none" w="med" len="med"/>
+                      <a:tailEnd type="none" w="med" len="med"/>
+                    </a:lnT>
+                    <a:lnB w="6350" cap="flat" cmpd="sng" algn="ctr">
+                      <a:noFill/>
+                      <a:prstDash val="solid"/>
+                      <a:round/>
+                      <a:headEnd type="none" w="med" len="med"/>
+                      <a:tailEnd type="none" w="med" len="med"/>
+                    </a:lnB>
+                    <a:lnTlToBr w="12700" cmpd="sng">
+                      <a:noFill/>
+                      <a:prstDash val="solid"/>
+                    </a:lnTlToBr>
+                    <a:lnBlToTr w="12700" cmpd="sng">
+                      <a:noFill/>
+                      <a:prstDash val="solid"/>
+                    </a:lnBlToTr>
+                  </a:tcPr>
+                </a:tc>
+                <a:tc>
+                  <a:txBody>
+                    <a:bodyPr/>
+                    <a:lstStyle/>
+                    <a:p>
+                      <a:pPr algn="r" fontAlgn="t"/>
+                      <a:r>
+                        <a:rPr lang="en-GB" sz="1000" b="1" i="0" u="none" strike="noStrike" dirty="0">
+                          <a:solidFill>
+                            <a:srgbClr val="000000"/>
+                          </a:solidFill>
+                          <a:effectLst/>
+                          <a:latin typeface="Calibri" panose="020F0502020204030204" pitchFamily="34" charset="0"/>
+                        </a:rPr>
+                        <a:t>Confirmed cases swabbed on most recent complete day</a:t>
+                      </a:r>
+                    </a:p>
+                  </a:txBody>
+                  <a:tcPr marL="9525" marR="9525" marT="9525" marB="0">
+                    <a:lnL>
+                      <a:noFill/>
+                    </a:lnL>
+                    <a:lnR>
+                      <a:noFill/>
+                    </a:lnR>
+                    <a:lnT w="3175" cap="flat" cmpd="sng" algn="ctr">
+                      <a:solidFill>
+                        <a:schemeClr val="tx1"/>
+                      </a:solidFill>
+                      <a:prstDash val="solid"/>
+                      <a:round/>
+                      <a:headEnd type="none" w="med" len="med"/>
+                      <a:tailEnd type="none" w="med" len="med"/>
+                    </a:lnT>
+                    <a:lnB w="6350" cap="flat" cmpd="sng" algn="ctr">
+                      <a:noFill/>
+                      <a:prstDash val="solid"/>
+                      <a:round/>
+                      <a:headEnd type="none" w="med" len="med"/>
+                      <a:tailEnd type="none" w="med" len="med"/>
+                    </a:lnB>
+                    <a:lnTlToBr w="12700" cmpd="sng">
+                      <a:noFill/>
+                      <a:prstDash val="solid"/>
+                    </a:lnTlToBr>
+                    <a:lnBlToTr w="12700" cmpd="sng">
+                      <a:noFill/>
+                      <a:prstDash val="solid"/>
+                    </a:lnBlToTr>
+                  </a:tcPr>
+                </a:tc>
+                <a:tc>
+                  <a:txBody>
+                    <a:bodyPr/>
+                    <a:lstStyle/>
+                    <a:p>
+                      <a:pPr algn="r" fontAlgn="t"/>
+                      <a:r>
+                        <a:rPr lang="en-GB" sz="1000" b="1" i="0" u="none" strike="noStrike" dirty="0">
+                          <a:solidFill>
+                            <a:srgbClr val="000000"/>
+                          </a:solidFill>
+                          <a:effectLst/>
+                          <a:latin typeface="Calibri" panose="020F0502020204030204" pitchFamily="34" charset="0"/>
+                        </a:rPr>
+                        <a:t>most recent complete 5 days (04-May-08-May)</a:t>
+                      </a:r>
+                    </a:p>
+                  </a:txBody>
+                  <a:tcPr marL="9525" marR="9525" marT="9525" marB="0">
+                    <a:lnL>
+                      <a:noFill/>
+                    </a:lnL>
+                    <a:lnR>
+                      <a:noFill/>
+                    </a:lnR>
+                    <a:lnT w="3175" cap="flat" cmpd="sng" algn="ctr">
+                      <a:solidFill>
+                        <a:schemeClr val="tx1"/>
+                      </a:solidFill>
+                      <a:prstDash val="solid"/>
+                      <a:round/>
+                      <a:headEnd type="none" w="med" len="med"/>
+                      <a:tailEnd type="none" w="med" len="med"/>
+                    </a:lnT>
+                    <a:lnB w="6350" cap="flat" cmpd="sng" algn="ctr">
+                      <a:noFill/>
+                      <a:prstDash val="solid"/>
+                      <a:round/>
+                      <a:headEnd type="none" w="med" len="med"/>
+                      <a:tailEnd type="none" w="med" len="med"/>
+                    </a:lnB>
+                    <a:lnTlToBr w="12700" cmpd="sng">
+                      <a:noFill/>
+                      <a:prstDash val="solid"/>
+                    </a:lnTlToBr>
+                    <a:lnBlToTr w="12700" cmpd="sng">
+                      <a:noFill/>
+                      <a:prstDash val="solid"/>
+                    </a:lnBlToTr>
+                  </a:tcPr>
+                </a:tc>
+                <a:tc>
+                  <a:txBody>
+                    <a:bodyPr/>
+                    <a:lstStyle/>
+                    <a:p>
+                      <a:pPr algn="r" fontAlgn="t"/>
+                      <a:r>
+                        <a:rPr lang="en-GB" sz="1000" b="1" i="0" u="none" strike="noStrike" dirty="0">
+                          <a:solidFill>
+                            <a:srgbClr val="000000"/>
+                          </a:solidFill>
+                          <a:effectLst/>
+                          <a:latin typeface="Calibri" panose="020F0502020204030204" pitchFamily="34" charset="0"/>
+                        </a:rPr>
+                        <a:t>previous 5 days (29-April-03-May)</a:t>
+                      </a:r>
+                    </a:p>
+                  </a:txBody>
+                  <a:tcPr marL="9525" marR="9525" marT="9525" marB="0">
+                    <a:lnL>
+                      <a:noFill/>
+                    </a:lnL>
+                    <a:lnR>
+                      <a:noFill/>
+                    </a:lnR>
+                    <a:lnT w="3175" cap="flat" cmpd="sng" algn="ctr">
+                      <a:solidFill>
+                        <a:schemeClr val="tx1"/>
+                      </a:solidFill>
+                      <a:prstDash val="solid"/>
+                      <a:round/>
+                      <a:headEnd type="none" w="med" len="med"/>
+                      <a:tailEnd type="none" w="med" len="med"/>
+                    </a:lnT>
+                    <a:lnB w="6350" cap="flat" cmpd="sng" algn="ctr">
+                      <a:noFill/>
+                      <a:prstDash val="solid"/>
+                      <a:round/>
+                      <a:headEnd type="none" w="med" len="med"/>
+                      <a:tailEnd type="none" w="med" len="med"/>
+                    </a:lnB>
+                    <a:lnTlToBr w="12700" cmpd="sng">
+                      <a:noFill/>
+                      <a:prstDash val="solid"/>
+                    </a:lnTlToBr>
+                    <a:lnBlToTr w="12700" cmpd="sng">
+                      <a:noFill/>
+                      <a:prstDash val="solid"/>
+                    </a:lnBlToTr>
+                  </a:tcPr>
+                </a:tc>
+                <a:tc>
+                  <a:txBody>
+                    <a:bodyPr/>
+                    <a:lstStyle/>
+                    <a:p>
+                      <a:pPr algn="r" fontAlgn="t"/>
+                      <a:r>
+                        <a:rPr lang="en-GB" sz="1000" b="1" i="0" u="none" strike="noStrike" dirty="0">
+                          <a:solidFill>
+                            <a:srgbClr val="000000"/>
+                          </a:solidFill>
+                          <a:effectLst/>
+                          <a:latin typeface="Calibri" panose="020F0502020204030204" pitchFamily="34" charset="0"/>
+                        </a:rPr>
+                        <a:t>Rate of growth in cases</a:t>
+                      </a:r>
+                    </a:p>
+                  </a:txBody>
+                  <a:tcPr marL="9525" marR="9525" marT="9525" marB="0">
+                    <a:lnL>
+                      <a:noFill/>
+                    </a:lnL>
+                    <a:lnR>
+                      <a:noFill/>
+                    </a:lnR>
+                    <a:lnT w="3175" cap="flat" cmpd="sng" algn="ctr">
+                      <a:solidFill>
+                        <a:schemeClr val="tx1"/>
+                      </a:solidFill>
+                      <a:prstDash val="solid"/>
+                      <a:round/>
+                      <a:headEnd type="none" w="med" len="med"/>
+                      <a:tailEnd type="none" w="med" len="med"/>
+                    </a:lnT>
+                    <a:lnB w="6350" cap="flat" cmpd="sng" algn="ctr">
+                      <a:noFill/>
+                      <a:prstDash val="solid"/>
+                      <a:round/>
+                      <a:headEnd type="none" w="med" len="med"/>
+                      <a:tailEnd type="none" w="med" len="med"/>
+                    </a:lnB>
+                    <a:lnTlToBr w="12700" cmpd="sng">
+                      <a:noFill/>
+                      <a:prstDash val="solid"/>
+                    </a:lnTlToBr>
+                    <a:lnBlToTr w="12700" cmpd="sng">
+                      <a:noFill/>
+                      <a:prstDash val="solid"/>
+                    </a:lnBlToTr>
+                  </a:tcPr>
+                </a:tc>
+                <a:tc>
+                  <a:txBody>
+                    <a:bodyPr/>
+                    <a:lstStyle/>
+                    <a:p>
+                      <a:pPr algn="r" fontAlgn="t"/>
+                      <a:r>
+                        <a:rPr lang="en-GB" sz="1000" b="1" i="0" u="none" strike="noStrike" dirty="0">
+                          <a:solidFill>
+                            <a:srgbClr val="000000"/>
+                          </a:solidFill>
+                          <a:effectLst/>
+                          <a:latin typeface="Calibri" panose="020F0502020204030204" pitchFamily="34" charset="0"/>
+                        </a:rPr>
+                        <a:t>New cases per 100,000 population by day</a:t>
+                      </a:r>
+                    </a:p>
+                  </a:txBody>
+                  <a:tcPr marL="9525" marR="9525" marT="9525" marB="0">
+                    <a:lnL>
+                      <a:noFill/>
+                    </a:lnL>
+                    <a:lnR>
+                      <a:noFill/>
+                    </a:lnR>
+                    <a:lnT w="3175" cap="flat" cmpd="sng" algn="ctr">
+                      <a:solidFill>
+                        <a:schemeClr val="tx1"/>
+                      </a:solidFill>
+                      <a:prstDash val="solid"/>
+                      <a:round/>
+                      <a:headEnd type="none" w="med" len="med"/>
+                      <a:tailEnd type="none" w="med" len="med"/>
+                    </a:lnT>
+                    <a:lnB w="6350" cap="flat" cmpd="sng" algn="ctr">
+                      <a:noFill/>
+                      <a:prstDash val="solid"/>
+                      <a:round/>
+                      <a:headEnd type="none" w="med" len="med"/>
+                      <a:tailEnd type="none" w="med" len="med"/>
+                    </a:lnB>
+                    <a:lnTlToBr w="12700" cmpd="sng">
+                      <a:noFill/>
+                      <a:prstDash val="solid"/>
+                    </a:lnTlToBr>
+                    <a:lnBlToTr w="12700" cmpd="sng">
+                      <a:noFill/>
+                      <a:prstDash val="solid"/>
+                    </a:lnBlToTr>
+                  </a:tcPr>
+                </a:tc>
+                <a:extLst>
+                  <a:ext uri="{0D108BD9-81ED-4DB2-BD59-A6C34878D82A}">
+                    <a16:rowId xmlns:a16="http://schemas.microsoft.com/office/drawing/2014/main" val="3989995368"/>
+                  </a:ext>
+                </a:extLst>
+              </a:tr>
+              <a:tr h="203200">
+                <a:tc>
+                  <a:txBody>
+                    <a:bodyPr/>
+                    <a:lstStyle/>
+                    <a:p>
+                      <a:pPr algn="l" fontAlgn="b"/>
+                      <a:r>
+                        <a:rPr lang="en-GB" sz="1000" b="0" i="0" u="none" strike="noStrike">
+                          <a:solidFill>
+                            <a:srgbClr val="000000"/>
+                          </a:solidFill>
+                          <a:effectLst/>
+                          <a:latin typeface="Calibri" panose="020F0502020204030204" pitchFamily="34" charset="0"/>
+                        </a:rPr>
+                        <a:t>Brighton and Hove</a:t>
+                      </a:r>
+                    </a:p>
+                  </a:txBody>
+                  <a:tcPr marL="9525" marR="9525" marT="9525" marB="0" anchor="b">
+                    <a:lnL>
+                      <a:noFill/>
+                    </a:lnL>
+                    <a:lnR>
+                      <a:noFill/>
+                    </a:lnR>
+                    <a:lnT w="6350" cap="flat" cmpd="sng" algn="ctr">
+                      <a:noFill/>
+                      <a:prstDash val="solid"/>
+                      <a:round/>
+                      <a:headEnd type="none" w="med" len="med"/>
+                      <a:tailEnd type="none" w="med" len="med"/>
+                    </a:lnT>
+                    <a:lnB>
+                      <a:noFill/>
+                    </a:lnB>
+                  </a:tcPr>
+                </a:tc>
+                <a:tc>
+                  <a:txBody>
+                    <a:bodyPr/>
+                    <a:lstStyle/>
+                    <a:p>
+                      <a:pPr algn="r" fontAlgn="t"/>
+                      <a:r>
+                        <a:rPr lang="en-GB" sz="1000" b="0" i="0" u="none" strike="noStrike">
+                          <a:solidFill>
+                            <a:srgbClr val="000000"/>
+                          </a:solidFill>
+                          <a:effectLst/>
+                          <a:latin typeface="Calibri" panose="020F0502020204030204" pitchFamily="34" charset="0"/>
+                        </a:rPr>
+                        <a:t>404</a:t>
+                      </a:r>
+                    </a:p>
+                  </a:txBody>
+                  <a:tcPr marL="9525" marR="9525" marT="9525" marB="0">
+                    <a:lnL>
+                      <a:noFill/>
+                    </a:lnL>
+                    <a:lnR>
+                      <a:noFill/>
+                    </a:lnR>
+                    <a:lnT w="6350" cap="flat" cmpd="sng" algn="ctr">
+                      <a:noFill/>
+                      <a:prstDash val="solid"/>
+                      <a:round/>
+                      <a:headEnd type="none" w="med" len="med"/>
+                      <a:tailEnd type="none" w="med" len="med"/>
+                    </a:lnT>
+                    <a:lnB>
+                      <a:noFill/>
+                    </a:lnB>
+                  </a:tcPr>
+                </a:tc>
+                <a:tc>
+                  <a:txBody>
+                    <a:bodyPr/>
+                    <a:lstStyle/>
+                    <a:p>
+                      <a:pPr algn="r" fontAlgn="t"/>
+                      <a:r>
+                        <a:rPr lang="en-GB" sz="1000" b="0" i="0" u="none" strike="noStrike">
+                          <a:solidFill>
+                            <a:srgbClr val="000000"/>
+                          </a:solidFill>
+                          <a:effectLst/>
+                          <a:latin typeface="Calibri" panose="020F0502020204030204" pitchFamily="34" charset="0"/>
+                        </a:rPr>
+                        <a:t>139</a:t>
+                      </a:r>
+                    </a:p>
+                  </a:txBody>
+                  <a:tcPr marL="9525" marR="9525" marT="9525" marB="0">
+                    <a:lnL>
+                      <a:noFill/>
+                    </a:lnL>
+                    <a:lnR>
+                      <a:noFill/>
+                    </a:lnR>
+                    <a:lnT w="6350" cap="flat" cmpd="sng" algn="ctr">
+                      <a:noFill/>
+                      <a:prstDash val="solid"/>
+                      <a:round/>
+                      <a:headEnd type="none" w="med" len="med"/>
+                      <a:tailEnd type="none" w="med" len="med"/>
+                    </a:lnT>
+                    <a:lnB>
+                      <a:noFill/>
+                    </a:lnB>
+                  </a:tcPr>
+                </a:tc>
+                <a:tc>
+                  <a:txBody>
+                    <a:bodyPr/>
+                    <a:lstStyle/>
+                    <a:p>
+                      <a:pPr algn="r" fontAlgn="t"/>
+                      <a:r>
+                        <a:rPr lang="en-GB" sz="1000" b="0" i="0" u="none" strike="noStrike">
+                          <a:solidFill>
+                            <a:srgbClr val="000000"/>
+                          </a:solidFill>
+                          <a:effectLst/>
+                          <a:latin typeface="Calibri" panose="020F0502020204030204" pitchFamily="34" charset="0"/>
+                        </a:rPr>
+                        <a:t>0</a:t>
+                      </a:r>
+                    </a:p>
+                  </a:txBody>
+                  <a:tcPr marL="9525" marR="9525" marT="9525" marB="0">
+                    <a:lnL>
+                      <a:noFill/>
+                    </a:lnL>
+                    <a:lnR>
+                      <a:noFill/>
+                    </a:lnR>
+                    <a:lnT w="6350" cap="flat" cmpd="sng" algn="ctr">
+                      <a:noFill/>
+                      <a:prstDash val="solid"/>
+                      <a:round/>
+                      <a:headEnd type="none" w="med" len="med"/>
+                      <a:tailEnd type="none" w="med" len="med"/>
+                    </a:lnT>
+                    <a:lnB>
+                      <a:noFill/>
+                    </a:lnB>
+                  </a:tcPr>
+                </a:tc>
+                <a:tc>
+                  <a:txBody>
+                    <a:bodyPr/>
+                    <a:lstStyle/>
+                    <a:p>
+                      <a:pPr algn="r" fontAlgn="t"/>
+                      <a:r>
+                        <a:rPr lang="en-GB" sz="1000" b="0" i="0" u="none" strike="noStrike">
+                          <a:solidFill>
+                            <a:srgbClr val="000000"/>
+                          </a:solidFill>
+                          <a:effectLst/>
+                          <a:latin typeface="Calibri" panose="020F0502020204030204" pitchFamily="34" charset="0"/>
+                        </a:rPr>
+                        <a:t>171.1 days</a:t>
+                      </a:r>
+                    </a:p>
+                  </a:txBody>
+                  <a:tcPr marL="9525" marR="9525" marT="9525" marB="0">
+                    <a:lnL>
+                      <a:noFill/>
+                    </a:lnL>
+                    <a:lnR>
+                      <a:noFill/>
+                    </a:lnR>
+                    <a:lnT w="6350" cap="flat" cmpd="sng" algn="ctr">
+                      <a:noFill/>
+                      <a:prstDash val="solid"/>
+                      <a:round/>
+                      <a:headEnd type="none" w="med" len="med"/>
+                      <a:tailEnd type="none" w="med" len="med"/>
+                    </a:lnT>
+                    <a:lnB>
+                      <a:noFill/>
+                    </a:lnB>
+                  </a:tcPr>
+                </a:tc>
+                <a:tc>
+                  <a:txBody>
+                    <a:bodyPr/>
+                    <a:lstStyle/>
+                    <a:p>
+                      <a:pPr algn="r" fontAlgn="t"/>
+                      <a:r>
+                        <a:rPr lang="en-GB" sz="1000" b="0" i="0" u="none" strike="noStrike">
+                          <a:solidFill>
+                            <a:srgbClr val="000000"/>
+                          </a:solidFill>
+                          <a:effectLst/>
+                          <a:latin typeface="Calibri" panose="020F0502020204030204" pitchFamily="34" charset="0"/>
+                        </a:rPr>
+                        <a:t>98.0 days</a:t>
+                      </a:r>
+                    </a:p>
+                  </a:txBody>
+                  <a:tcPr marL="9525" marR="9525" marT="9525" marB="0">
+                    <a:lnL>
+                      <a:noFill/>
+                    </a:lnL>
+                    <a:lnR>
+                      <a:noFill/>
+                    </a:lnR>
+                    <a:lnT w="6350" cap="flat" cmpd="sng" algn="ctr">
+                      <a:noFill/>
+                      <a:prstDash val="solid"/>
+                      <a:round/>
+                      <a:headEnd type="none" w="med" len="med"/>
+                      <a:tailEnd type="none" w="med" len="med"/>
+                    </a:lnT>
+                    <a:lnB>
+                      <a:noFill/>
+                    </a:lnB>
+                  </a:tcPr>
+                </a:tc>
+                <a:tc>
+                  <a:txBody>
+                    <a:bodyPr/>
+                    <a:lstStyle/>
+                    <a:p>
+                      <a:pPr algn="r" fontAlgn="t"/>
+                      <a:r>
+                        <a:rPr lang="en-GB" sz="1000" b="0" i="0" u="none" strike="noStrike">
+                          <a:solidFill>
+                            <a:srgbClr val="000000"/>
+                          </a:solidFill>
+                          <a:effectLst/>
+                          <a:latin typeface="Calibri" panose="020F0502020204030204" pitchFamily="34" charset="0"/>
+                        </a:rPr>
+                        <a:t>Slowing</a:t>
+                      </a:r>
+                    </a:p>
+                  </a:txBody>
+                  <a:tcPr marL="9525" marR="9525" marT="9525" marB="0">
+                    <a:lnL>
+                      <a:noFill/>
+                    </a:lnL>
+                    <a:lnR>
+                      <a:noFill/>
+                    </a:lnR>
+                    <a:lnT w="6350" cap="flat" cmpd="sng" algn="ctr">
+                      <a:noFill/>
+                      <a:prstDash val="solid"/>
+                      <a:round/>
+                      <a:headEnd type="none" w="med" len="med"/>
+                      <a:tailEnd type="none" w="med" len="med"/>
+                    </a:lnT>
+                    <a:lnB>
+                      <a:noFill/>
+                    </a:lnB>
+                  </a:tcPr>
+                </a:tc>
+                <a:tc>
+                  <a:txBody>
+                    <a:bodyPr/>
+                    <a:lstStyle/>
+                    <a:p>
+                      <a:pPr algn="r" fontAlgn="t"/>
+                      <a:endParaRPr lang="en-GB" sz="1000" b="0" i="0" u="none" strike="noStrike">
+                        <a:solidFill>
+                          <a:srgbClr val="000000"/>
+                        </a:solidFill>
+                        <a:effectLst/>
+                        <a:latin typeface="Calibri" panose="020F0502020204030204" pitchFamily="34" charset="0"/>
+                      </a:endParaRPr>
+                    </a:p>
+                  </a:txBody>
+                  <a:tcPr marL="9525" marR="9525" marT="9525" marB="0">
+                    <a:lnL>
+                      <a:noFill/>
+                    </a:lnL>
+                    <a:lnR>
+                      <a:noFill/>
+                    </a:lnR>
+                    <a:lnT w="6350" cap="flat" cmpd="sng" algn="ctr">
+                      <a:noFill/>
+                      <a:prstDash val="solid"/>
+                      <a:round/>
+                      <a:headEnd type="none" w="med" len="med"/>
+                      <a:tailEnd type="none" w="med" len="med"/>
+                    </a:lnT>
+                    <a:lnB>
+                      <a:noFill/>
+                    </a:lnB>
+                  </a:tcPr>
+                </a:tc>
+                <a:extLst>
+                  <a:ext uri="{0D108BD9-81ED-4DB2-BD59-A6C34878D82A}">
+                    <a16:rowId xmlns:a16="http://schemas.microsoft.com/office/drawing/2014/main" val="1861696985"/>
+                  </a:ext>
+                </a:extLst>
+              </a:tr>
+              <a:tr h="203200">
+                <a:tc>
+                  <a:txBody>
+                    <a:bodyPr/>
+                    <a:lstStyle/>
+                    <a:p>
+                      <a:pPr algn="l" fontAlgn="b"/>
+                      <a:r>
+                        <a:rPr lang="en-GB" sz="1000" b="0" i="0" u="none" strike="noStrike">
+                          <a:solidFill>
+                            <a:srgbClr val="000000"/>
+                          </a:solidFill>
+                          <a:effectLst/>
+                          <a:latin typeface="Calibri" panose="020F0502020204030204" pitchFamily="34" charset="0"/>
+                        </a:rPr>
+                        <a:t>East Sussex</a:t>
+                      </a:r>
+                    </a:p>
+                  </a:txBody>
+                  <a:tcPr marL="9525" marR="9525" marT="9525" marB="0" anchor="b">
+                    <a:lnL>
+                      <a:noFill/>
+                    </a:lnL>
+                    <a:lnR>
+                      <a:noFill/>
+                    </a:lnR>
+                    <a:lnT>
+                      <a:noFill/>
+                    </a:lnT>
+                    <a:lnB>
+                      <a:noFill/>
+                    </a:lnB>
+                  </a:tcPr>
+                </a:tc>
+                <a:tc>
+                  <a:txBody>
+                    <a:bodyPr/>
+                    <a:lstStyle/>
+                    <a:p>
+                      <a:pPr algn="r" fontAlgn="t"/>
+                      <a:r>
+                        <a:rPr lang="en-GB" sz="1000" b="0" i="0" u="none" strike="noStrike">
+                          <a:solidFill>
+                            <a:srgbClr val="000000"/>
+                          </a:solidFill>
+                          <a:effectLst/>
+                          <a:latin typeface="Calibri" panose="020F0502020204030204" pitchFamily="34" charset="0"/>
+                        </a:rPr>
+                        <a:t>652</a:t>
+                      </a:r>
+                    </a:p>
+                  </a:txBody>
+                  <a:tcPr marL="9525" marR="9525" marT="9525" marB="0">
+                    <a:lnL>
+                      <a:noFill/>
+                    </a:lnL>
+                    <a:lnR>
+                      <a:noFill/>
+                    </a:lnR>
+                    <a:lnT>
+                      <a:noFill/>
+                    </a:lnT>
+                    <a:lnB>
+                      <a:noFill/>
+                    </a:lnB>
+                  </a:tcPr>
+                </a:tc>
+                <a:tc>
+                  <a:txBody>
+                    <a:bodyPr/>
+                    <a:lstStyle/>
+                    <a:p>
+                      <a:pPr algn="r" fontAlgn="t"/>
+                      <a:r>
+                        <a:rPr lang="en-GB" sz="1000" b="0" i="0" u="none" strike="noStrike">
+                          <a:solidFill>
+                            <a:srgbClr val="000000"/>
+                          </a:solidFill>
+                          <a:effectLst/>
+                          <a:latin typeface="Calibri" panose="020F0502020204030204" pitchFamily="34" charset="0"/>
+                        </a:rPr>
+                        <a:t>118</a:t>
+                      </a:r>
+                    </a:p>
+                  </a:txBody>
+                  <a:tcPr marL="9525" marR="9525" marT="9525" marB="0">
+                    <a:lnL>
+                      <a:noFill/>
+                    </a:lnL>
+                    <a:lnR>
+                      <a:noFill/>
+                    </a:lnR>
+                    <a:lnT>
+                      <a:noFill/>
+                    </a:lnT>
+                    <a:lnB>
+                      <a:noFill/>
+                    </a:lnB>
+                  </a:tcPr>
+                </a:tc>
+                <a:tc>
+                  <a:txBody>
+                    <a:bodyPr/>
+                    <a:lstStyle/>
+                    <a:p>
+                      <a:pPr algn="r" fontAlgn="t"/>
+                      <a:r>
+                        <a:rPr lang="en-GB" sz="1000" b="0" i="0" u="none" strike="noStrike">
+                          <a:solidFill>
+                            <a:srgbClr val="000000"/>
+                          </a:solidFill>
+                          <a:effectLst/>
+                          <a:latin typeface="Calibri" panose="020F0502020204030204" pitchFamily="34" charset="0"/>
+                        </a:rPr>
+                        <a:t>1</a:t>
+                      </a:r>
+                    </a:p>
+                  </a:txBody>
+                  <a:tcPr marL="9525" marR="9525" marT="9525" marB="0">
+                    <a:lnL>
+                      <a:noFill/>
+                    </a:lnL>
+                    <a:lnR>
+                      <a:noFill/>
+                    </a:lnR>
+                    <a:lnT>
+                      <a:noFill/>
+                    </a:lnT>
+                    <a:lnB>
+                      <a:noFill/>
+                    </a:lnB>
+                  </a:tcPr>
+                </a:tc>
+                <a:tc>
+                  <a:txBody>
+                    <a:bodyPr/>
+                    <a:lstStyle/>
+                    <a:p>
+                      <a:pPr algn="r" fontAlgn="t"/>
+                      <a:r>
+                        <a:rPr lang="en-GB" sz="1000" b="0" i="0" u="none" strike="noStrike">
+                          <a:solidFill>
+                            <a:srgbClr val="000000"/>
+                          </a:solidFill>
+                          <a:effectLst/>
+                          <a:latin typeface="Calibri" panose="020F0502020204030204" pitchFamily="34" charset="0"/>
+                        </a:rPr>
+                        <a:t>80.0 days</a:t>
+                      </a:r>
+                    </a:p>
+                  </a:txBody>
+                  <a:tcPr marL="9525" marR="9525" marT="9525" marB="0">
+                    <a:lnL>
+                      <a:noFill/>
+                    </a:lnL>
+                    <a:lnR>
+                      <a:noFill/>
+                    </a:lnR>
+                    <a:lnT>
+                      <a:noFill/>
+                    </a:lnT>
+                    <a:lnB>
+                      <a:noFill/>
+                    </a:lnB>
+                  </a:tcPr>
+                </a:tc>
+                <a:tc>
+                  <a:txBody>
+                    <a:bodyPr/>
+                    <a:lstStyle/>
+                    <a:p>
+                      <a:pPr algn="r" fontAlgn="t"/>
+                      <a:r>
+                        <a:rPr lang="en-GB" sz="1000" b="0" i="0" u="none" strike="noStrike">
+                          <a:solidFill>
+                            <a:srgbClr val="000000"/>
+                          </a:solidFill>
+                          <a:effectLst/>
+                          <a:latin typeface="Calibri" panose="020F0502020204030204" pitchFamily="34" charset="0"/>
+                        </a:rPr>
+                        <a:t>52.5 days</a:t>
+                      </a:r>
+                    </a:p>
+                  </a:txBody>
+                  <a:tcPr marL="9525" marR="9525" marT="9525" marB="0">
+                    <a:lnL>
+                      <a:noFill/>
+                    </a:lnL>
+                    <a:lnR>
+                      <a:noFill/>
+                    </a:lnR>
+                    <a:lnT>
+                      <a:noFill/>
+                    </a:lnT>
+                    <a:lnB>
+                      <a:noFill/>
+                    </a:lnB>
+                  </a:tcPr>
+                </a:tc>
+                <a:tc>
+                  <a:txBody>
+                    <a:bodyPr/>
+                    <a:lstStyle/>
+                    <a:p>
+                      <a:pPr algn="r" fontAlgn="t"/>
+                      <a:r>
+                        <a:rPr lang="en-GB" sz="1000" b="0" i="0" u="none" strike="noStrike">
+                          <a:solidFill>
+                            <a:srgbClr val="000000"/>
+                          </a:solidFill>
+                          <a:effectLst/>
+                          <a:latin typeface="Calibri" panose="020F0502020204030204" pitchFamily="34" charset="0"/>
+                        </a:rPr>
+                        <a:t>Slowing</a:t>
+                      </a:r>
+                    </a:p>
+                  </a:txBody>
+                  <a:tcPr marL="9525" marR="9525" marT="9525" marB="0">
+                    <a:lnL>
+                      <a:noFill/>
+                    </a:lnL>
+                    <a:lnR>
+                      <a:noFill/>
+                    </a:lnR>
+                    <a:lnT>
+                      <a:noFill/>
+                    </a:lnT>
+                    <a:lnB>
+                      <a:noFill/>
+                    </a:lnB>
+                  </a:tcPr>
+                </a:tc>
+                <a:tc>
+                  <a:txBody>
+                    <a:bodyPr/>
+                    <a:lstStyle/>
+                    <a:p>
+                      <a:pPr algn="r" fontAlgn="t"/>
+                      <a:endParaRPr lang="en-GB" sz="1000" b="0" i="0" u="none" strike="noStrike">
+                        <a:solidFill>
+                          <a:srgbClr val="000000"/>
+                        </a:solidFill>
+                        <a:effectLst/>
+                        <a:latin typeface="Calibri" panose="020F0502020204030204" pitchFamily="34" charset="0"/>
+                      </a:endParaRPr>
+                    </a:p>
+                  </a:txBody>
+                  <a:tcPr marL="9525" marR="9525" marT="9525" marB="0">
+                    <a:lnL>
+                      <a:noFill/>
+                    </a:lnL>
+                    <a:lnR>
+                      <a:noFill/>
+                    </a:lnR>
+                    <a:lnT>
+                      <a:noFill/>
+                    </a:lnT>
+                    <a:lnB>
+                      <a:noFill/>
+                    </a:lnB>
+                  </a:tcPr>
+                </a:tc>
+                <a:extLst>
+                  <a:ext uri="{0D108BD9-81ED-4DB2-BD59-A6C34878D82A}">
+                    <a16:rowId xmlns:a16="http://schemas.microsoft.com/office/drawing/2014/main" val="1124419070"/>
+                  </a:ext>
+                </a:extLst>
+              </a:tr>
+              <a:tr h="203200">
+                <a:tc>
+                  <a:txBody>
+                    <a:bodyPr/>
+                    <a:lstStyle/>
+                    <a:p>
+                      <a:pPr algn="l" fontAlgn="b"/>
+                      <a:r>
+                        <a:rPr lang="en-GB" sz="1000" b="0" i="0" u="none" strike="noStrike">
+                          <a:solidFill>
+                            <a:srgbClr val="000000"/>
+                          </a:solidFill>
+                          <a:effectLst/>
+                          <a:latin typeface="Calibri" panose="020F0502020204030204" pitchFamily="34" charset="0"/>
+                        </a:rPr>
+                        <a:t>Eastbourne</a:t>
+                      </a:r>
+                    </a:p>
+                  </a:txBody>
+                  <a:tcPr marL="9525" marR="9525" marT="9525" marB="0" anchor="b">
+                    <a:lnL>
+                      <a:noFill/>
+                    </a:lnL>
+                    <a:lnR>
+                      <a:noFill/>
+                    </a:lnR>
+                    <a:lnT>
+                      <a:noFill/>
+                    </a:lnT>
+                    <a:lnB>
+                      <a:noFill/>
+                    </a:lnB>
+                  </a:tcPr>
+                </a:tc>
+                <a:tc>
+                  <a:txBody>
+                    <a:bodyPr/>
+                    <a:lstStyle/>
+                    <a:p>
+                      <a:pPr algn="r" fontAlgn="t"/>
+                      <a:r>
+                        <a:rPr lang="en-GB" sz="1000" b="0" i="0" u="none" strike="noStrike">
+                          <a:solidFill>
+                            <a:srgbClr val="000000"/>
+                          </a:solidFill>
+                          <a:effectLst/>
+                          <a:latin typeface="Calibri" panose="020F0502020204030204" pitchFamily="34" charset="0"/>
+                        </a:rPr>
+                        <a:t>146</a:t>
+                      </a:r>
+                    </a:p>
+                  </a:txBody>
+                  <a:tcPr marL="9525" marR="9525" marT="9525" marB="0">
+                    <a:lnL>
+                      <a:noFill/>
+                    </a:lnL>
+                    <a:lnR>
+                      <a:noFill/>
+                    </a:lnR>
+                    <a:lnT>
+                      <a:noFill/>
+                    </a:lnT>
+                    <a:lnB>
+                      <a:noFill/>
+                    </a:lnB>
+                  </a:tcPr>
+                </a:tc>
+                <a:tc>
+                  <a:txBody>
+                    <a:bodyPr/>
+                    <a:lstStyle/>
+                    <a:p>
+                      <a:pPr algn="r" fontAlgn="t"/>
+                      <a:r>
+                        <a:rPr lang="en-GB" sz="1000" b="0" i="0" u="none" strike="noStrike">
+                          <a:solidFill>
+                            <a:srgbClr val="000000"/>
+                          </a:solidFill>
+                          <a:effectLst/>
+                          <a:latin typeface="Calibri" panose="020F0502020204030204" pitchFamily="34" charset="0"/>
+                        </a:rPr>
+                        <a:t>142</a:t>
+                      </a:r>
+                    </a:p>
+                  </a:txBody>
+                  <a:tcPr marL="9525" marR="9525" marT="9525" marB="0">
+                    <a:lnL>
+                      <a:noFill/>
+                    </a:lnL>
+                    <a:lnR>
+                      <a:noFill/>
+                    </a:lnR>
+                    <a:lnT>
+                      <a:noFill/>
+                    </a:lnT>
+                    <a:lnB>
+                      <a:noFill/>
+                    </a:lnB>
+                  </a:tcPr>
+                </a:tc>
+                <a:tc>
+                  <a:txBody>
+                    <a:bodyPr/>
+                    <a:lstStyle/>
+                    <a:p>
+                      <a:pPr algn="r" fontAlgn="t"/>
+                      <a:r>
+                        <a:rPr lang="en-GB" sz="1000" b="0" i="0" u="none" strike="noStrike">
+                          <a:solidFill>
+                            <a:srgbClr val="000000"/>
+                          </a:solidFill>
+                          <a:effectLst/>
+                          <a:latin typeface="Calibri" panose="020F0502020204030204" pitchFamily="34" charset="0"/>
+                        </a:rPr>
+                        <a:t>1</a:t>
+                      </a:r>
+                    </a:p>
+                  </a:txBody>
+                  <a:tcPr marL="9525" marR="9525" marT="9525" marB="0">
+                    <a:lnL>
+                      <a:noFill/>
+                    </a:lnL>
+                    <a:lnR>
+                      <a:noFill/>
+                    </a:lnR>
+                    <a:lnT>
+                      <a:noFill/>
+                    </a:lnT>
+                    <a:lnB>
+                      <a:noFill/>
+                    </a:lnB>
+                  </a:tcPr>
+                </a:tc>
+                <a:tc>
+                  <a:txBody>
+                    <a:bodyPr/>
+                    <a:lstStyle/>
+                    <a:p>
+                      <a:pPr algn="r" fontAlgn="t"/>
+                      <a:r>
+                        <a:rPr lang="en-GB" sz="1000" b="0" i="0" u="none" strike="noStrike">
+                          <a:solidFill>
+                            <a:srgbClr val="000000"/>
+                          </a:solidFill>
+                          <a:effectLst/>
+                          <a:latin typeface="Calibri" panose="020F0502020204030204" pitchFamily="34" charset="0"/>
+                        </a:rPr>
+                        <a:t>26.4 days</a:t>
+                      </a:r>
+                    </a:p>
+                  </a:txBody>
+                  <a:tcPr marL="9525" marR="9525" marT="9525" marB="0">
+                    <a:lnL>
+                      <a:noFill/>
+                    </a:lnL>
+                    <a:lnR>
+                      <a:noFill/>
+                    </a:lnR>
+                    <a:lnT>
+                      <a:noFill/>
+                    </a:lnT>
+                    <a:lnB>
+                      <a:noFill/>
+                    </a:lnB>
+                  </a:tcPr>
+                </a:tc>
+                <a:tc>
+                  <a:txBody>
+                    <a:bodyPr/>
+                    <a:lstStyle/>
+                    <a:p>
+                      <a:pPr algn="r" fontAlgn="t"/>
+                      <a:r>
+                        <a:rPr lang="en-GB" sz="1000" b="0" i="0" u="none" strike="noStrike">
+                          <a:solidFill>
+                            <a:srgbClr val="000000"/>
+                          </a:solidFill>
+                          <a:effectLst/>
+                          <a:latin typeface="Calibri" panose="020F0502020204030204" pitchFamily="34" charset="0"/>
+                        </a:rPr>
+                        <a:t>108.8 days</a:t>
+                      </a:r>
+                    </a:p>
+                  </a:txBody>
+                  <a:tcPr marL="9525" marR="9525" marT="9525" marB="0">
+                    <a:lnL>
+                      <a:noFill/>
+                    </a:lnL>
+                    <a:lnR>
+                      <a:noFill/>
+                    </a:lnR>
+                    <a:lnT>
+                      <a:noFill/>
+                    </a:lnT>
+                    <a:lnB>
+                      <a:noFill/>
+                    </a:lnB>
+                  </a:tcPr>
+                </a:tc>
+                <a:tc>
+                  <a:txBody>
+                    <a:bodyPr/>
+                    <a:lstStyle/>
+                    <a:p>
+                      <a:pPr algn="r" fontAlgn="t"/>
+                      <a:r>
+                        <a:rPr lang="en-GB" sz="1000" b="0" i="0" u="none" strike="noStrike">
+                          <a:solidFill>
+                            <a:srgbClr val="000000"/>
+                          </a:solidFill>
+                          <a:effectLst/>
+                          <a:latin typeface="Calibri" panose="020F0502020204030204" pitchFamily="34" charset="0"/>
+                        </a:rPr>
+                        <a:t>Speeding up</a:t>
+                      </a:r>
+                    </a:p>
+                  </a:txBody>
+                  <a:tcPr marL="9525" marR="9525" marT="9525" marB="0">
+                    <a:lnL>
+                      <a:noFill/>
+                    </a:lnL>
+                    <a:lnR>
+                      <a:noFill/>
+                    </a:lnR>
+                    <a:lnT>
+                      <a:noFill/>
+                    </a:lnT>
+                    <a:lnB>
+                      <a:noFill/>
+                    </a:lnB>
+                  </a:tcPr>
+                </a:tc>
+                <a:tc>
+                  <a:txBody>
+                    <a:bodyPr/>
+                    <a:lstStyle/>
+                    <a:p>
+                      <a:pPr algn="r" fontAlgn="t"/>
+                      <a:endParaRPr lang="en-GB" sz="1000" b="0" i="0" u="none" strike="noStrike">
+                        <a:solidFill>
+                          <a:srgbClr val="000000"/>
+                        </a:solidFill>
+                        <a:effectLst/>
+                        <a:latin typeface="Calibri" panose="020F0502020204030204" pitchFamily="34" charset="0"/>
+                      </a:endParaRPr>
+                    </a:p>
+                  </a:txBody>
+                  <a:tcPr marL="9525" marR="9525" marT="9525" marB="0">
+                    <a:lnL>
+                      <a:noFill/>
+                    </a:lnL>
+                    <a:lnR>
+                      <a:noFill/>
+                    </a:lnR>
+                    <a:lnT>
+                      <a:noFill/>
+                    </a:lnT>
+                    <a:lnB>
+                      <a:noFill/>
+                    </a:lnB>
+                  </a:tcPr>
+                </a:tc>
+                <a:extLst>
+                  <a:ext uri="{0D108BD9-81ED-4DB2-BD59-A6C34878D82A}">
+                    <a16:rowId xmlns:a16="http://schemas.microsoft.com/office/drawing/2014/main" val="4127240861"/>
+                  </a:ext>
+                </a:extLst>
+              </a:tr>
+              <a:tr h="203200">
+                <a:tc>
+                  <a:txBody>
+                    <a:bodyPr/>
+                    <a:lstStyle/>
+                    <a:p>
+                      <a:pPr algn="l" fontAlgn="b"/>
+                      <a:r>
+                        <a:rPr lang="en-GB" sz="1000" b="0" i="0" u="none" strike="noStrike">
+                          <a:solidFill>
+                            <a:srgbClr val="000000"/>
+                          </a:solidFill>
+                          <a:effectLst/>
+                          <a:latin typeface="Calibri" panose="020F0502020204030204" pitchFamily="34" charset="0"/>
+                        </a:rPr>
+                        <a:t>Hastings</a:t>
+                      </a:r>
+                    </a:p>
+                  </a:txBody>
+                  <a:tcPr marL="9525" marR="9525" marT="9525" marB="0" anchor="b">
+                    <a:lnL>
+                      <a:noFill/>
+                    </a:lnL>
+                    <a:lnR>
+                      <a:noFill/>
+                    </a:lnR>
+                    <a:lnT>
+                      <a:noFill/>
+                    </a:lnT>
+                    <a:lnB>
+                      <a:noFill/>
+                    </a:lnB>
+                  </a:tcPr>
+                </a:tc>
+                <a:tc>
+                  <a:txBody>
+                    <a:bodyPr/>
+                    <a:lstStyle/>
+                    <a:p>
+                      <a:pPr algn="r" fontAlgn="t"/>
+                      <a:r>
+                        <a:rPr lang="en-GB" sz="1000" b="0" i="0" u="none" strike="noStrike">
+                          <a:solidFill>
+                            <a:srgbClr val="000000"/>
+                          </a:solidFill>
+                          <a:effectLst/>
+                          <a:latin typeface="Calibri" panose="020F0502020204030204" pitchFamily="34" charset="0"/>
+                        </a:rPr>
+                        <a:t>45</a:t>
+                      </a:r>
+                    </a:p>
+                  </a:txBody>
+                  <a:tcPr marL="9525" marR="9525" marT="9525" marB="0">
+                    <a:lnL>
+                      <a:noFill/>
+                    </a:lnL>
+                    <a:lnR>
+                      <a:noFill/>
+                    </a:lnR>
+                    <a:lnT>
+                      <a:noFill/>
+                    </a:lnT>
+                    <a:lnB>
+                      <a:noFill/>
+                    </a:lnB>
+                  </a:tcPr>
+                </a:tc>
+                <a:tc>
+                  <a:txBody>
+                    <a:bodyPr/>
+                    <a:lstStyle/>
+                    <a:p>
+                      <a:pPr algn="r" fontAlgn="t"/>
+                      <a:r>
+                        <a:rPr lang="en-GB" sz="1000" b="0" i="0" u="none" strike="noStrike">
+                          <a:solidFill>
+                            <a:srgbClr val="000000"/>
+                          </a:solidFill>
+                          <a:effectLst/>
+                          <a:latin typeface="Calibri" panose="020F0502020204030204" pitchFamily="34" charset="0"/>
+                        </a:rPr>
+                        <a:t>48</a:t>
+                      </a:r>
+                    </a:p>
+                  </a:txBody>
+                  <a:tcPr marL="9525" marR="9525" marT="9525" marB="0">
+                    <a:lnL>
+                      <a:noFill/>
+                    </a:lnL>
+                    <a:lnR>
+                      <a:noFill/>
+                    </a:lnR>
+                    <a:lnT>
+                      <a:noFill/>
+                    </a:lnT>
+                    <a:lnB>
+                      <a:noFill/>
+                    </a:lnB>
+                  </a:tcPr>
+                </a:tc>
+                <a:tc>
+                  <a:txBody>
+                    <a:bodyPr/>
+                    <a:lstStyle/>
+                    <a:p>
+                      <a:pPr algn="r" fontAlgn="t"/>
+                      <a:r>
+                        <a:rPr lang="en-GB" sz="1000" b="0" i="0" u="none" strike="noStrike">
+                          <a:solidFill>
+                            <a:srgbClr val="000000"/>
+                          </a:solidFill>
+                          <a:effectLst/>
+                          <a:latin typeface="Calibri" panose="020F0502020204030204" pitchFamily="34" charset="0"/>
+                        </a:rPr>
+                        <a:t>0</a:t>
+                      </a:r>
+                    </a:p>
+                  </a:txBody>
+                  <a:tcPr marL="9525" marR="9525" marT="9525" marB="0">
+                    <a:lnL>
+                      <a:noFill/>
+                    </a:lnL>
+                    <a:lnR>
+                      <a:noFill/>
+                    </a:lnR>
+                    <a:lnT>
+                      <a:noFill/>
+                    </a:lnT>
+                    <a:lnB>
+                      <a:noFill/>
+                    </a:lnB>
+                  </a:tcPr>
+                </a:tc>
+                <a:tc>
+                  <a:txBody>
+                    <a:bodyPr/>
+                    <a:lstStyle/>
+                    <a:p>
+                      <a:pPr algn="r" fontAlgn="t"/>
+                      <a:r>
+                        <a:rPr lang="en-GB" sz="1000" b="0" i="0" u="none" strike="noStrike">
+                          <a:solidFill>
+                            <a:srgbClr val="000000"/>
+                          </a:solidFill>
+                          <a:effectLst/>
+                          <a:latin typeface="Calibri" panose="020F0502020204030204" pitchFamily="34" charset="0"/>
+                        </a:rPr>
+                        <a:t>150.8 days</a:t>
+                      </a:r>
+                    </a:p>
+                  </a:txBody>
+                  <a:tcPr marL="9525" marR="9525" marT="9525" marB="0">
+                    <a:lnL>
+                      <a:noFill/>
+                    </a:lnL>
+                    <a:lnR>
+                      <a:noFill/>
+                    </a:lnR>
+                    <a:lnT>
+                      <a:noFill/>
+                    </a:lnT>
+                    <a:lnB>
+                      <a:noFill/>
+                    </a:lnB>
+                  </a:tcPr>
+                </a:tc>
+                <a:tc>
+                  <a:txBody>
+                    <a:bodyPr/>
+                    <a:lstStyle/>
+                    <a:p>
+                      <a:pPr algn="r" fontAlgn="t"/>
+                      <a:r>
+                        <a:rPr lang="en-GB" sz="1000" b="0" i="0" u="none" strike="noStrike">
+                          <a:solidFill>
+                            <a:srgbClr val="000000"/>
+                          </a:solidFill>
+                          <a:effectLst/>
+                          <a:latin typeface="Calibri" panose="020F0502020204030204" pitchFamily="34" charset="0"/>
+                        </a:rPr>
+                        <a:t>140.4 days</a:t>
+                      </a:r>
+                    </a:p>
+                  </a:txBody>
+                  <a:tcPr marL="9525" marR="9525" marT="9525" marB="0">
+                    <a:lnL>
+                      <a:noFill/>
+                    </a:lnL>
+                    <a:lnR>
+                      <a:noFill/>
+                    </a:lnR>
+                    <a:lnT>
+                      <a:noFill/>
+                    </a:lnT>
+                    <a:lnB>
+                      <a:noFill/>
+                    </a:lnB>
+                  </a:tcPr>
+                </a:tc>
+                <a:tc>
+                  <a:txBody>
+                    <a:bodyPr/>
+                    <a:lstStyle/>
+                    <a:p>
+                      <a:pPr algn="r" fontAlgn="t"/>
+                      <a:r>
+                        <a:rPr lang="en-GB" sz="1000" b="0" i="0" u="none" strike="noStrike">
+                          <a:solidFill>
+                            <a:srgbClr val="000000"/>
+                          </a:solidFill>
+                          <a:effectLst/>
+                          <a:latin typeface="Calibri" panose="020F0502020204030204" pitchFamily="34" charset="0"/>
+                        </a:rPr>
+                        <a:t>Slowing</a:t>
+                      </a:r>
+                    </a:p>
+                  </a:txBody>
+                  <a:tcPr marL="9525" marR="9525" marT="9525" marB="0">
+                    <a:lnL>
+                      <a:noFill/>
+                    </a:lnL>
+                    <a:lnR>
+                      <a:noFill/>
+                    </a:lnR>
+                    <a:lnT>
+                      <a:noFill/>
+                    </a:lnT>
+                    <a:lnB>
+                      <a:noFill/>
+                    </a:lnB>
+                  </a:tcPr>
+                </a:tc>
+                <a:tc>
+                  <a:txBody>
+                    <a:bodyPr/>
+                    <a:lstStyle/>
+                    <a:p>
+                      <a:pPr algn="r" fontAlgn="t"/>
+                      <a:endParaRPr lang="en-GB" sz="1000" b="0" i="0" u="none" strike="noStrike">
+                        <a:solidFill>
+                          <a:srgbClr val="000000"/>
+                        </a:solidFill>
+                        <a:effectLst/>
+                        <a:latin typeface="Calibri" panose="020F0502020204030204" pitchFamily="34" charset="0"/>
+                      </a:endParaRPr>
+                    </a:p>
+                  </a:txBody>
+                  <a:tcPr marL="9525" marR="9525" marT="9525" marB="0">
+                    <a:lnL>
+                      <a:noFill/>
+                    </a:lnL>
+                    <a:lnR>
+                      <a:noFill/>
+                    </a:lnR>
+                    <a:lnT>
+                      <a:noFill/>
+                    </a:lnT>
+                    <a:lnB>
+                      <a:noFill/>
+                    </a:lnB>
+                  </a:tcPr>
+                </a:tc>
+                <a:extLst>
+                  <a:ext uri="{0D108BD9-81ED-4DB2-BD59-A6C34878D82A}">
+                    <a16:rowId xmlns:a16="http://schemas.microsoft.com/office/drawing/2014/main" val="1732319122"/>
+                  </a:ext>
+                </a:extLst>
+              </a:tr>
+              <a:tr h="203200">
+                <a:tc>
+                  <a:txBody>
+                    <a:bodyPr/>
+                    <a:lstStyle/>
+                    <a:p>
+                      <a:pPr algn="l" fontAlgn="b"/>
+                      <a:r>
+                        <a:rPr lang="en-GB" sz="1000" b="0" i="0" u="none" strike="noStrike">
+                          <a:solidFill>
+                            <a:srgbClr val="000000"/>
+                          </a:solidFill>
+                          <a:effectLst/>
+                          <a:latin typeface="Calibri" panose="020F0502020204030204" pitchFamily="34" charset="0"/>
+                        </a:rPr>
+                        <a:t>Lewes</a:t>
+                      </a:r>
+                    </a:p>
+                  </a:txBody>
+                  <a:tcPr marL="9525" marR="9525" marT="9525" marB="0" anchor="b">
+                    <a:lnL>
+                      <a:noFill/>
+                    </a:lnL>
+                    <a:lnR>
+                      <a:noFill/>
+                    </a:lnR>
+                    <a:lnT>
+                      <a:noFill/>
+                    </a:lnT>
+                    <a:lnB>
+                      <a:noFill/>
+                    </a:lnB>
+                  </a:tcPr>
+                </a:tc>
+                <a:tc>
+                  <a:txBody>
+                    <a:bodyPr/>
+                    <a:lstStyle/>
+                    <a:p>
+                      <a:pPr algn="r" fontAlgn="t"/>
+                      <a:r>
+                        <a:rPr lang="en-GB" sz="1000" b="0" i="0" u="none" strike="noStrike">
+                          <a:solidFill>
+                            <a:srgbClr val="000000"/>
+                          </a:solidFill>
+                          <a:effectLst/>
+                          <a:latin typeface="Calibri" panose="020F0502020204030204" pitchFamily="34" charset="0"/>
+                        </a:rPr>
+                        <a:t>181</a:t>
+                      </a:r>
+                    </a:p>
+                  </a:txBody>
+                  <a:tcPr marL="9525" marR="9525" marT="9525" marB="0">
+                    <a:lnL>
+                      <a:noFill/>
+                    </a:lnL>
+                    <a:lnR>
+                      <a:noFill/>
+                    </a:lnR>
+                    <a:lnT>
+                      <a:noFill/>
+                    </a:lnT>
+                    <a:lnB>
+                      <a:noFill/>
+                    </a:lnB>
+                  </a:tcPr>
+                </a:tc>
+                <a:tc>
+                  <a:txBody>
+                    <a:bodyPr/>
+                    <a:lstStyle/>
+                    <a:p>
+                      <a:pPr algn="r" fontAlgn="t"/>
+                      <a:r>
+                        <a:rPr lang="en-GB" sz="1000" b="0" i="0" u="none" strike="noStrike">
+                          <a:solidFill>
+                            <a:srgbClr val="000000"/>
+                          </a:solidFill>
+                          <a:effectLst/>
+                          <a:latin typeface="Calibri" panose="020F0502020204030204" pitchFamily="34" charset="0"/>
+                        </a:rPr>
+                        <a:t>176</a:t>
+                      </a:r>
+                    </a:p>
+                  </a:txBody>
+                  <a:tcPr marL="9525" marR="9525" marT="9525" marB="0">
+                    <a:lnL>
+                      <a:noFill/>
+                    </a:lnL>
+                    <a:lnR>
+                      <a:noFill/>
+                    </a:lnR>
+                    <a:lnT>
+                      <a:noFill/>
+                    </a:lnT>
+                    <a:lnB>
+                      <a:noFill/>
+                    </a:lnB>
+                  </a:tcPr>
+                </a:tc>
+                <a:tc>
+                  <a:txBody>
+                    <a:bodyPr/>
+                    <a:lstStyle/>
+                    <a:p>
+                      <a:pPr algn="r" fontAlgn="t"/>
+                      <a:r>
+                        <a:rPr lang="en-GB" sz="1000" b="0" i="0" u="none" strike="noStrike">
+                          <a:solidFill>
+                            <a:srgbClr val="000000"/>
+                          </a:solidFill>
+                          <a:effectLst/>
+                          <a:latin typeface="Calibri" panose="020F0502020204030204" pitchFamily="34" charset="0"/>
+                        </a:rPr>
+                        <a:t>0</a:t>
+                      </a:r>
+                    </a:p>
+                  </a:txBody>
+                  <a:tcPr marL="9525" marR="9525" marT="9525" marB="0">
+                    <a:lnL>
+                      <a:noFill/>
+                    </a:lnL>
+                    <a:lnR>
+                      <a:noFill/>
+                    </a:lnR>
+                    <a:lnT>
+                      <a:noFill/>
+                    </a:lnT>
+                    <a:lnB>
+                      <a:noFill/>
+                    </a:lnB>
+                  </a:tcPr>
+                </a:tc>
+                <a:tc>
+                  <a:txBody>
+                    <a:bodyPr/>
+                    <a:lstStyle/>
+                    <a:p>
+                      <a:pPr algn="r" fontAlgn="t"/>
+                      <a:r>
+                        <a:rPr lang="en-GB" sz="1000" b="0" i="0" u="none" strike="noStrike">
+                          <a:solidFill>
+                            <a:srgbClr val="000000"/>
+                          </a:solidFill>
+                          <a:effectLst/>
+                          <a:latin typeface="Calibri" panose="020F0502020204030204" pitchFamily="34" charset="0"/>
+                        </a:rPr>
+                        <a:t>618.6 days</a:t>
+                      </a:r>
+                    </a:p>
+                  </a:txBody>
+                  <a:tcPr marL="9525" marR="9525" marT="9525" marB="0">
+                    <a:lnL>
+                      <a:noFill/>
+                    </a:lnL>
+                    <a:lnR>
+                      <a:noFill/>
+                    </a:lnR>
+                    <a:lnT>
+                      <a:noFill/>
+                    </a:lnT>
+                    <a:lnB>
+                      <a:noFill/>
+                    </a:lnB>
+                  </a:tcPr>
+                </a:tc>
+                <a:tc>
+                  <a:txBody>
+                    <a:bodyPr/>
+                    <a:lstStyle/>
+                    <a:p>
+                      <a:pPr algn="r" fontAlgn="t"/>
+                      <a:r>
+                        <a:rPr lang="en-GB" sz="1000" b="0" i="0" u="none" strike="noStrike">
+                          <a:solidFill>
+                            <a:srgbClr val="000000"/>
+                          </a:solidFill>
+                          <a:effectLst/>
+                          <a:latin typeface="Calibri" panose="020F0502020204030204" pitchFamily="34" charset="0"/>
+                        </a:rPr>
+                        <a:t>24.2 days</a:t>
+                      </a:r>
+                    </a:p>
+                  </a:txBody>
+                  <a:tcPr marL="9525" marR="9525" marT="9525" marB="0">
+                    <a:lnL>
+                      <a:noFill/>
+                    </a:lnL>
+                    <a:lnR>
+                      <a:noFill/>
+                    </a:lnR>
+                    <a:lnT>
+                      <a:noFill/>
+                    </a:lnT>
+                    <a:lnB>
+                      <a:noFill/>
+                    </a:lnB>
+                  </a:tcPr>
+                </a:tc>
+                <a:tc>
+                  <a:txBody>
+                    <a:bodyPr/>
+                    <a:lstStyle/>
+                    <a:p>
+                      <a:pPr algn="r" fontAlgn="t"/>
+                      <a:r>
+                        <a:rPr lang="en-GB" sz="1000" b="0" i="0" u="none" strike="noStrike">
+                          <a:solidFill>
+                            <a:srgbClr val="000000"/>
+                          </a:solidFill>
+                          <a:effectLst/>
+                          <a:latin typeface="Calibri" panose="020F0502020204030204" pitchFamily="34" charset="0"/>
+                        </a:rPr>
+                        <a:t>Slowing</a:t>
+                      </a:r>
+                    </a:p>
+                  </a:txBody>
+                  <a:tcPr marL="9525" marR="9525" marT="9525" marB="0">
+                    <a:lnL>
+                      <a:noFill/>
+                    </a:lnL>
+                    <a:lnR>
+                      <a:noFill/>
+                    </a:lnR>
+                    <a:lnT>
+                      <a:noFill/>
+                    </a:lnT>
+                    <a:lnB>
+                      <a:noFill/>
+                    </a:lnB>
+                  </a:tcPr>
+                </a:tc>
+                <a:tc>
+                  <a:txBody>
+                    <a:bodyPr/>
+                    <a:lstStyle/>
+                    <a:p>
+                      <a:pPr algn="r" fontAlgn="t"/>
+                      <a:endParaRPr lang="en-GB" sz="1000" b="0" i="0" u="none" strike="noStrike">
+                        <a:solidFill>
+                          <a:srgbClr val="000000"/>
+                        </a:solidFill>
+                        <a:effectLst/>
+                        <a:latin typeface="Calibri" panose="020F0502020204030204" pitchFamily="34" charset="0"/>
+                      </a:endParaRPr>
+                    </a:p>
+                  </a:txBody>
+                  <a:tcPr marL="9525" marR="9525" marT="9525" marB="0">
+                    <a:lnL>
+                      <a:noFill/>
+                    </a:lnL>
+                    <a:lnR>
+                      <a:noFill/>
+                    </a:lnR>
+                    <a:lnT>
+                      <a:noFill/>
+                    </a:lnT>
+                    <a:lnB>
+                      <a:noFill/>
+                    </a:lnB>
+                  </a:tcPr>
+                </a:tc>
+                <a:extLst>
+                  <a:ext uri="{0D108BD9-81ED-4DB2-BD59-A6C34878D82A}">
+                    <a16:rowId xmlns:a16="http://schemas.microsoft.com/office/drawing/2014/main" val="1187057972"/>
+                  </a:ext>
+                </a:extLst>
+              </a:tr>
+              <a:tr h="203200">
+                <a:tc>
+                  <a:txBody>
+                    <a:bodyPr/>
+                    <a:lstStyle/>
+                    <a:p>
+                      <a:pPr algn="l" fontAlgn="b"/>
+                      <a:r>
+                        <a:rPr lang="en-GB" sz="1000" b="0" i="0" u="none" strike="noStrike">
+                          <a:solidFill>
+                            <a:srgbClr val="000000"/>
+                          </a:solidFill>
+                          <a:effectLst/>
+                          <a:latin typeface="Calibri" panose="020F0502020204030204" pitchFamily="34" charset="0"/>
+                        </a:rPr>
+                        <a:t>Rother</a:t>
+                      </a:r>
+                    </a:p>
+                  </a:txBody>
+                  <a:tcPr marL="9525" marR="9525" marT="9525" marB="0" anchor="b">
+                    <a:lnL>
+                      <a:noFill/>
+                    </a:lnL>
+                    <a:lnR>
+                      <a:noFill/>
+                    </a:lnR>
+                    <a:lnT>
+                      <a:noFill/>
+                    </a:lnT>
+                    <a:lnB>
+                      <a:noFill/>
+                    </a:lnB>
+                  </a:tcPr>
+                </a:tc>
+                <a:tc>
+                  <a:txBody>
+                    <a:bodyPr/>
+                    <a:lstStyle/>
+                    <a:p>
+                      <a:pPr algn="r" fontAlgn="t"/>
+                      <a:r>
+                        <a:rPr lang="en-GB" sz="1000" b="0" i="0" u="none" strike="noStrike">
+                          <a:solidFill>
+                            <a:srgbClr val="000000"/>
+                          </a:solidFill>
+                          <a:effectLst/>
+                          <a:latin typeface="Calibri" panose="020F0502020204030204" pitchFamily="34" charset="0"/>
+                        </a:rPr>
+                        <a:t>85</a:t>
+                      </a:r>
+                    </a:p>
+                  </a:txBody>
+                  <a:tcPr marL="9525" marR="9525" marT="9525" marB="0">
+                    <a:lnL>
+                      <a:noFill/>
+                    </a:lnL>
+                    <a:lnR>
+                      <a:noFill/>
+                    </a:lnR>
+                    <a:lnT>
+                      <a:noFill/>
+                    </a:lnT>
+                    <a:lnB>
+                      <a:noFill/>
+                    </a:lnB>
+                  </a:tcPr>
+                </a:tc>
+                <a:tc>
+                  <a:txBody>
+                    <a:bodyPr/>
+                    <a:lstStyle/>
+                    <a:p>
+                      <a:pPr algn="r" fontAlgn="t"/>
+                      <a:r>
+                        <a:rPr lang="en-GB" sz="1000" b="0" i="0" u="none" strike="noStrike">
+                          <a:solidFill>
+                            <a:srgbClr val="000000"/>
+                          </a:solidFill>
+                          <a:effectLst/>
+                          <a:latin typeface="Calibri" panose="020F0502020204030204" pitchFamily="34" charset="0"/>
+                        </a:rPr>
+                        <a:t>89</a:t>
+                      </a:r>
+                    </a:p>
+                  </a:txBody>
+                  <a:tcPr marL="9525" marR="9525" marT="9525" marB="0">
+                    <a:lnL>
+                      <a:noFill/>
+                    </a:lnL>
+                    <a:lnR>
+                      <a:noFill/>
+                    </a:lnR>
+                    <a:lnT>
+                      <a:noFill/>
+                    </a:lnT>
+                    <a:lnB>
+                      <a:noFill/>
+                    </a:lnB>
+                  </a:tcPr>
+                </a:tc>
+                <a:tc>
+                  <a:txBody>
+                    <a:bodyPr/>
+                    <a:lstStyle/>
+                    <a:p>
+                      <a:pPr algn="r" fontAlgn="t"/>
+                      <a:r>
+                        <a:rPr lang="en-GB" sz="1000" b="0" i="0" u="none" strike="noStrike">
+                          <a:solidFill>
+                            <a:srgbClr val="000000"/>
+                          </a:solidFill>
+                          <a:effectLst/>
+                          <a:latin typeface="Calibri" panose="020F0502020204030204" pitchFamily="34" charset="0"/>
+                        </a:rPr>
+                        <a:t>0</a:t>
+                      </a:r>
+                    </a:p>
+                  </a:txBody>
+                  <a:tcPr marL="9525" marR="9525" marT="9525" marB="0">
+                    <a:lnL>
+                      <a:noFill/>
+                    </a:lnL>
+                    <a:lnR>
+                      <a:noFill/>
+                    </a:lnR>
+                    <a:lnT>
+                      <a:noFill/>
+                    </a:lnT>
+                    <a:lnB>
+                      <a:noFill/>
+                    </a:lnB>
+                  </a:tcPr>
+                </a:tc>
+                <a:tc>
+                  <a:txBody>
+                    <a:bodyPr/>
+                    <a:lstStyle/>
+                    <a:p>
+                      <a:pPr algn="r" fontAlgn="t"/>
+                      <a:r>
+                        <a:rPr lang="en-GB" sz="1000" b="0" i="0" u="none" strike="noStrike">
+                          <a:solidFill>
+                            <a:srgbClr val="000000"/>
+                          </a:solidFill>
+                          <a:effectLst/>
+                          <a:latin typeface="Calibri" panose="020F0502020204030204" pitchFamily="34" charset="0"/>
+                        </a:rPr>
+                        <a:t>72.4 days</a:t>
+                      </a:r>
+                    </a:p>
+                  </a:txBody>
+                  <a:tcPr marL="9525" marR="9525" marT="9525" marB="0">
+                    <a:lnL>
+                      <a:noFill/>
+                    </a:lnL>
+                    <a:lnR>
+                      <a:noFill/>
+                    </a:lnR>
+                    <a:lnT>
+                      <a:noFill/>
+                    </a:lnT>
+                    <a:lnB>
+                      <a:noFill/>
+                    </a:lnB>
+                  </a:tcPr>
+                </a:tc>
+                <a:tc>
+                  <a:txBody>
+                    <a:bodyPr/>
+                    <a:lstStyle/>
+                    <a:p>
+                      <a:pPr algn="r" fontAlgn="t"/>
+                      <a:r>
+                        <a:rPr lang="en-GB" sz="1000" b="0" i="0" u="none" strike="noStrike">
+                          <a:solidFill>
+                            <a:srgbClr val="000000"/>
+                          </a:solidFill>
+                          <a:effectLst/>
+                          <a:latin typeface="Calibri" panose="020F0502020204030204" pitchFamily="34" charset="0"/>
+                        </a:rPr>
+                        <a:t>55.1 days</a:t>
+                      </a:r>
+                    </a:p>
+                  </a:txBody>
+                  <a:tcPr marL="9525" marR="9525" marT="9525" marB="0">
+                    <a:lnL>
+                      <a:noFill/>
+                    </a:lnL>
+                    <a:lnR>
+                      <a:noFill/>
+                    </a:lnR>
+                    <a:lnT>
+                      <a:noFill/>
+                    </a:lnT>
+                    <a:lnB>
+                      <a:noFill/>
+                    </a:lnB>
+                  </a:tcPr>
+                </a:tc>
+                <a:tc>
+                  <a:txBody>
+                    <a:bodyPr/>
+                    <a:lstStyle/>
+                    <a:p>
+                      <a:pPr algn="r" fontAlgn="t"/>
+                      <a:r>
+                        <a:rPr lang="en-GB" sz="1000" b="0" i="0" u="none" strike="noStrike">
+                          <a:solidFill>
+                            <a:srgbClr val="000000"/>
+                          </a:solidFill>
+                          <a:effectLst/>
+                          <a:latin typeface="Calibri" panose="020F0502020204030204" pitchFamily="34" charset="0"/>
+                        </a:rPr>
+                        <a:t>Slowing</a:t>
+                      </a:r>
+                    </a:p>
+                  </a:txBody>
+                  <a:tcPr marL="9525" marR="9525" marT="9525" marB="0">
+                    <a:lnL>
+                      <a:noFill/>
+                    </a:lnL>
+                    <a:lnR>
+                      <a:noFill/>
+                    </a:lnR>
+                    <a:lnT>
+                      <a:noFill/>
+                    </a:lnT>
+                    <a:lnB>
+                      <a:noFill/>
+                    </a:lnB>
+                  </a:tcPr>
+                </a:tc>
+                <a:tc>
+                  <a:txBody>
+                    <a:bodyPr/>
+                    <a:lstStyle/>
+                    <a:p>
+                      <a:pPr algn="r" fontAlgn="t"/>
+                      <a:endParaRPr lang="en-GB" sz="1000" b="0" i="0" u="none" strike="noStrike">
+                        <a:solidFill>
+                          <a:srgbClr val="000000"/>
+                        </a:solidFill>
+                        <a:effectLst/>
+                        <a:latin typeface="Calibri" panose="020F0502020204030204" pitchFamily="34" charset="0"/>
+                      </a:endParaRPr>
+                    </a:p>
+                  </a:txBody>
+                  <a:tcPr marL="9525" marR="9525" marT="9525" marB="0">
+                    <a:lnL>
+                      <a:noFill/>
+                    </a:lnL>
+                    <a:lnR>
+                      <a:noFill/>
+                    </a:lnR>
+                    <a:lnT>
+                      <a:noFill/>
+                    </a:lnT>
+                    <a:lnB>
+                      <a:noFill/>
+                    </a:lnB>
+                  </a:tcPr>
+                </a:tc>
+                <a:extLst>
+                  <a:ext uri="{0D108BD9-81ED-4DB2-BD59-A6C34878D82A}">
+                    <a16:rowId xmlns:a16="http://schemas.microsoft.com/office/drawing/2014/main" val="3545580077"/>
+                  </a:ext>
+                </a:extLst>
+              </a:tr>
+              <a:tr h="203200">
+                <a:tc>
+                  <a:txBody>
+                    <a:bodyPr/>
+                    <a:lstStyle/>
+                    <a:p>
+                      <a:pPr algn="l" fontAlgn="b"/>
+                      <a:r>
+                        <a:rPr lang="en-GB" sz="1000" b="0" i="0" u="none" strike="noStrike">
+                          <a:solidFill>
+                            <a:srgbClr val="000000"/>
+                          </a:solidFill>
+                          <a:effectLst/>
+                          <a:latin typeface="Calibri" panose="020F0502020204030204" pitchFamily="34" charset="0"/>
+                        </a:rPr>
+                        <a:t>Wealden</a:t>
+                      </a:r>
+                    </a:p>
+                  </a:txBody>
+                  <a:tcPr marL="9525" marR="9525" marT="9525" marB="0" anchor="b">
+                    <a:lnL>
+                      <a:noFill/>
+                    </a:lnL>
+                    <a:lnR>
+                      <a:noFill/>
+                    </a:lnR>
+                    <a:lnT>
+                      <a:noFill/>
+                    </a:lnT>
+                    <a:lnB>
+                      <a:noFill/>
+                    </a:lnB>
+                  </a:tcPr>
+                </a:tc>
+                <a:tc>
+                  <a:txBody>
+                    <a:bodyPr/>
+                    <a:lstStyle/>
+                    <a:p>
+                      <a:pPr algn="r" fontAlgn="t"/>
+                      <a:r>
+                        <a:rPr lang="en-GB" sz="1000" b="0" i="0" u="none" strike="noStrike">
+                          <a:solidFill>
+                            <a:srgbClr val="000000"/>
+                          </a:solidFill>
+                          <a:effectLst/>
+                          <a:latin typeface="Calibri" panose="020F0502020204030204" pitchFamily="34" charset="0"/>
+                        </a:rPr>
+                        <a:t>195</a:t>
+                      </a:r>
+                    </a:p>
+                  </a:txBody>
+                  <a:tcPr marL="9525" marR="9525" marT="9525" marB="0">
+                    <a:lnL>
+                      <a:noFill/>
+                    </a:lnL>
+                    <a:lnR>
+                      <a:noFill/>
+                    </a:lnR>
+                    <a:lnT>
+                      <a:noFill/>
+                    </a:lnT>
+                    <a:lnB>
+                      <a:noFill/>
+                    </a:lnB>
+                  </a:tcPr>
+                </a:tc>
+                <a:tc>
+                  <a:txBody>
+                    <a:bodyPr/>
+                    <a:lstStyle/>
+                    <a:p>
+                      <a:pPr algn="r" fontAlgn="t"/>
+                      <a:r>
+                        <a:rPr lang="en-GB" sz="1000" b="0" i="0" u="none" strike="noStrike">
+                          <a:solidFill>
+                            <a:srgbClr val="000000"/>
+                          </a:solidFill>
+                          <a:effectLst/>
+                          <a:latin typeface="Calibri" panose="020F0502020204030204" pitchFamily="34" charset="0"/>
+                        </a:rPr>
+                        <a:t>122</a:t>
+                      </a:r>
+                    </a:p>
+                  </a:txBody>
+                  <a:tcPr marL="9525" marR="9525" marT="9525" marB="0">
+                    <a:lnL>
+                      <a:noFill/>
+                    </a:lnL>
+                    <a:lnR>
+                      <a:noFill/>
+                    </a:lnR>
+                    <a:lnT>
+                      <a:noFill/>
+                    </a:lnT>
+                    <a:lnB>
+                      <a:noFill/>
+                    </a:lnB>
+                  </a:tcPr>
+                </a:tc>
+                <a:tc>
+                  <a:txBody>
+                    <a:bodyPr/>
+                    <a:lstStyle/>
+                    <a:p>
+                      <a:pPr algn="r" fontAlgn="t"/>
+                      <a:r>
+                        <a:rPr lang="en-GB" sz="1000" b="0" i="0" u="none" strike="noStrike">
+                          <a:solidFill>
+                            <a:srgbClr val="000000"/>
+                          </a:solidFill>
+                          <a:effectLst/>
+                          <a:latin typeface="Calibri" panose="020F0502020204030204" pitchFamily="34" charset="0"/>
+                        </a:rPr>
+                        <a:t>0</a:t>
+                      </a:r>
+                    </a:p>
+                  </a:txBody>
+                  <a:tcPr marL="9525" marR="9525" marT="9525" marB="0">
+                    <a:lnL>
+                      <a:noFill/>
+                    </a:lnL>
+                    <a:lnR>
+                      <a:noFill/>
+                    </a:lnR>
+                    <a:lnT>
+                      <a:noFill/>
+                    </a:lnT>
+                    <a:lnB>
+                      <a:noFill/>
+                    </a:lnB>
+                  </a:tcPr>
+                </a:tc>
+                <a:tc>
+                  <a:txBody>
+                    <a:bodyPr/>
+                    <a:lstStyle/>
+                    <a:p>
+                      <a:pPr algn="r" fontAlgn="t"/>
+                      <a:r>
+                        <a:rPr lang="en-GB" sz="1000" b="0" i="0" u="none" strike="noStrike">
+                          <a:solidFill>
+                            <a:srgbClr val="000000"/>
+                          </a:solidFill>
+                          <a:effectLst/>
+                          <a:latin typeface="Calibri" panose="020F0502020204030204" pitchFamily="34" charset="0"/>
+                        </a:rPr>
+                        <a:t>189.8 days</a:t>
+                      </a:r>
+                    </a:p>
+                  </a:txBody>
+                  <a:tcPr marL="9525" marR="9525" marT="9525" marB="0">
+                    <a:lnL>
+                      <a:noFill/>
+                    </a:lnL>
+                    <a:lnR>
+                      <a:noFill/>
+                    </a:lnR>
+                    <a:lnT>
+                      <a:noFill/>
+                    </a:lnT>
+                    <a:lnB>
+                      <a:noFill/>
+                    </a:lnB>
+                  </a:tcPr>
+                </a:tc>
+                <a:tc>
+                  <a:txBody>
+                    <a:bodyPr/>
+                    <a:lstStyle/>
+                    <a:p>
+                      <a:pPr algn="r" fontAlgn="t"/>
+                      <a:r>
+                        <a:rPr lang="en-GB" sz="1000" b="0" i="0" u="none" strike="noStrike">
+                          <a:solidFill>
+                            <a:srgbClr val="000000"/>
+                          </a:solidFill>
+                          <a:effectLst/>
+                          <a:latin typeface="Calibri" panose="020F0502020204030204" pitchFamily="34" charset="0"/>
+                        </a:rPr>
+                        <a:t>108.3 days</a:t>
+                      </a:r>
+                    </a:p>
+                  </a:txBody>
+                  <a:tcPr marL="9525" marR="9525" marT="9525" marB="0">
+                    <a:lnL>
+                      <a:noFill/>
+                    </a:lnL>
+                    <a:lnR>
+                      <a:noFill/>
+                    </a:lnR>
+                    <a:lnT>
+                      <a:noFill/>
+                    </a:lnT>
+                    <a:lnB>
+                      <a:noFill/>
+                    </a:lnB>
+                  </a:tcPr>
+                </a:tc>
+                <a:tc>
+                  <a:txBody>
+                    <a:bodyPr/>
+                    <a:lstStyle/>
+                    <a:p>
+                      <a:pPr algn="r" fontAlgn="t"/>
+                      <a:r>
+                        <a:rPr lang="en-GB" sz="1000" b="0" i="0" u="none" strike="noStrike">
+                          <a:solidFill>
+                            <a:srgbClr val="000000"/>
+                          </a:solidFill>
+                          <a:effectLst/>
+                          <a:latin typeface="Calibri" panose="020F0502020204030204" pitchFamily="34" charset="0"/>
+                        </a:rPr>
+                        <a:t>Slowing</a:t>
+                      </a:r>
+                    </a:p>
+                  </a:txBody>
+                  <a:tcPr marL="9525" marR="9525" marT="9525" marB="0">
+                    <a:lnL>
+                      <a:noFill/>
+                    </a:lnL>
+                    <a:lnR>
+                      <a:noFill/>
+                    </a:lnR>
+                    <a:lnT>
+                      <a:noFill/>
+                    </a:lnT>
+                    <a:lnB>
+                      <a:noFill/>
+                    </a:lnB>
+                  </a:tcPr>
+                </a:tc>
+                <a:tc>
+                  <a:txBody>
+                    <a:bodyPr/>
+                    <a:lstStyle/>
+                    <a:p>
+                      <a:pPr algn="r" fontAlgn="t"/>
+                      <a:endParaRPr lang="en-GB" sz="1000" b="0" i="0" u="none" strike="noStrike">
+                        <a:solidFill>
+                          <a:srgbClr val="000000"/>
+                        </a:solidFill>
+                        <a:effectLst/>
+                        <a:latin typeface="Calibri" panose="020F0502020204030204" pitchFamily="34" charset="0"/>
+                      </a:endParaRPr>
+                    </a:p>
+                  </a:txBody>
+                  <a:tcPr marL="9525" marR="9525" marT="9525" marB="0">
+                    <a:lnL>
+                      <a:noFill/>
+                    </a:lnL>
+                    <a:lnR>
+                      <a:noFill/>
+                    </a:lnR>
+                    <a:lnT>
+                      <a:noFill/>
+                    </a:lnT>
+                    <a:lnB>
+                      <a:noFill/>
+                    </a:lnB>
+                  </a:tcPr>
+                </a:tc>
+                <a:extLst>
+                  <a:ext uri="{0D108BD9-81ED-4DB2-BD59-A6C34878D82A}">
+                    <a16:rowId xmlns:a16="http://schemas.microsoft.com/office/drawing/2014/main" val="4281854173"/>
+                  </a:ext>
+                </a:extLst>
+              </a:tr>
+              <a:tr h="203200">
+                <a:tc>
+                  <a:txBody>
+                    <a:bodyPr/>
+                    <a:lstStyle/>
+                    <a:p>
+                      <a:pPr algn="l" fontAlgn="b"/>
+                      <a:r>
+                        <a:rPr lang="en-GB" sz="1000" b="0" i="0" u="none" strike="noStrike">
+                          <a:solidFill>
+                            <a:srgbClr val="000000"/>
+                          </a:solidFill>
+                          <a:effectLst/>
+                          <a:latin typeface="Calibri" panose="020F0502020204030204" pitchFamily="34" charset="0"/>
+                        </a:rPr>
+                        <a:t>West Sussex</a:t>
+                      </a:r>
+                    </a:p>
+                  </a:txBody>
+                  <a:tcPr marL="9525" marR="9525" marT="9525" marB="0" anchor="b">
+                    <a:lnL>
+                      <a:noFill/>
+                    </a:lnL>
+                    <a:lnR>
+                      <a:noFill/>
+                    </a:lnR>
+                    <a:lnT>
+                      <a:noFill/>
+                    </a:lnT>
+                    <a:lnB>
+                      <a:noFill/>
+                    </a:lnB>
+                  </a:tcPr>
+                </a:tc>
+                <a:tc>
+                  <a:txBody>
+                    <a:bodyPr/>
+                    <a:lstStyle/>
+                    <a:p>
+                      <a:pPr algn="r" fontAlgn="t"/>
+                      <a:r>
+                        <a:rPr lang="en-GB" sz="1000" b="0" i="0" u="none" strike="noStrike">
+                          <a:solidFill>
+                            <a:srgbClr val="000000"/>
+                          </a:solidFill>
+                          <a:effectLst/>
+                          <a:latin typeface="Calibri" panose="020F0502020204030204" pitchFamily="34" charset="0"/>
+                        </a:rPr>
+                        <a:t>1,264</a:t>
+                      </a:r>
+                    </a:p>
+                  </a:txBody>
+                  <a:tcPr marL="9525" marR="9525" marT="9525" marB="0">
+                    <a:lnL>
+                      <a:noFill/>
+                    </a:lnL>
+                    <a:lnR>
+                      <a:noFill/>
+                    </a:lnR>
+                    <a:lnT>
+                      <a:noFill/>
+                    </a:lnT>
+                    <a:lnB>
+                      <a:noFill/>
+                    </a:lnB>
+                  </a:tcPr>
+                </a:tc>
+                <a:tc>
+                  <a:txBody>
+                    <a:bodyPr/>
+                    <a:lstStyle/>
+                    <a:p>
+                      <a:pPr algn="r" fontAlgn="t"/>
+                      <a:r>
+                        <a:rPr lang="en-GB" sz="1000" b="0" i="0" u="none" strike="noStrike">
+                          <a:solidFill>
+                            <a:srgbClr val="000000"/>
+                          </a:solidFill>
+                          <a:effectLst/>
+                          <a:latin typeface="Calibri" panose="020F0502020204030204" pitchFamily="34" charset="0"/>
+                        </a:rPr>
+                        <a:t>147</a:t>
+                      </a:r>
+                    </a:p>
+                  </a:txBody>
+                  <a:tcPr marL="9525" marR="9525" marT="9525" marB="0">
+                    <a:lnL>
+                      <a:noFill/>
+                    </a:lnL>
+                    <a:lnR>
+                      <a:noFill/>
+                    </a:lnR>
+                    <a:lnT>
+                      <a:noFill/>
+                    </a:lnT>
+                    <a:lnB>
+                      <a:noFill/>
+                    </a:lnB>
+                  </a:tcPr>
+                </a:tc>
+                <a:tc>
+                  <a:txBody>
+                    <a:bodyPr/>
+                    <a:lstStyle/>
+                    <a:p>
+                      <a:pPr algn="r" fontAlgn="t"/>
+                      <a:r>
+                        <a:rPr lang="en-GB" sz="1000" b="0" i="0" u="none" strike="noStrike">
+                          <a:solidFill>
+                            <a:srgbClr val="000000"/>
+                          </a:solidFill>
+                          <a:effectLst/>
+                          <a:latin typeface="Calibri" panose="020F0502020204030204" pitchFamily="34" charset="0"/>
+                        </a:rPr>
+                        <a:t>3</a:t>
+                      </a:r>
+                    </a:p>
+                  </a:txBody>
+                  <a:tcPr marL="9525" marR="9525" marT="9525" marB="0">
+                    <a:lnL>
+                      <a:noFill/>
+                    </a:lnL>
+                    <a:lnR>
+                      <a:noFill/>
+                    </a:lnR>
+                    <a:lnT>
+                      <a:noFill/>
+                    </a:lnT>
+                    <a:lnB>
+                      <a:noFill/>
+                    </a:lnB>
+                  </a:tcPr>
+                </a:tc>
+                <a:tc>
+                  <a:txBody>
+                    <a:bodyPr/>
+                    <a:lstStyle/>
+                    <a:p>
+                      <a:pPr algn="r" fontAlgn="t"/>
+                      <a:r>
+                        <a:rPr lang="en-GB" sz="1000" b="0" i="0" u="none" strike="noStrike">
+                          <a:solidFill>
+                            <a:srgbClr val="000000"/>
+                          </a:solidFill>
+                          <a:effectLst/>
+                          <a:latin typeface="Calibri" panose="020F0502020204030204" pitchFamily="34" charset="0"/>
+                        </a:rPr>
+                        <a:t>173.7 days</a:t>
+                      </a:r>
+                    </a:p>
+                  </a:txBody>
+                  <a:tcPr marL="9525" marR="9525" marT="9525" marB="0">
+                    <a:lnL>
+                      <a:noFill/>
+                    </a:lnL>
+                    <a:lnR>
+                      <a:noFill/>
+                    </a:lnR>
+                    <a:lnT>
+                      <a:noFill/>
+                    </a:lnT>
+                    <a:lnB>
+                      <a:noFill/>
+                    </a:lnB>
+                  </a:tcPr>
+                </a:tc>
+                <a:tc>
+                  <a:txBody>
+                    <a:bodyPr/>
+                    <a:lstStyle/>
+                    <a:p>
+                      <a:pPr algn="r" fontAlgn="t"/>
+                      <a:r>
+                        <a:rPr lang="en-GB" sz="1000" b="0" i="0" u="none" strike="noStrike">
+                          <a:solidFill>
+                            <a:srgbClr val="000000"/>
+                          </a:solidFill>
+                          <a:effectLst/>
+                          <a:latin typeface="Calibri" panose="020F0502020204030204" pitchFamily="34" charset="0"/>
+                        </a:rPr>
+                        <a:t>61.9 days</a:t>
+                      </a:r>
+                    </a:p>
+                  </a:txBody>
+                  <a:tcPr marL="9525" marR="9525" marT="9525" marB="0">
+                    <a:lnL>
+                      <a:noFill/>
+                    </a:lnL>
+                    <a:lnR>
+                      <a:noFill/>
+                    </a:lnR>
+                    <a:lnT>
+                      <a:noFill/>
+                    </a:lnT>
+                    <a:lnB>
+                      <a:noFill/>
+                    </a:lnB>
+                  </a:tcPr>
+                </a:tc>
+                <a:tc>
+                  <a:txBody>
+                    <a:bodyPr/>
+                    <a:lstStyle/>
+                    <a:p>
+                      <a:pPr algn="r" fontAlgn="t"/>
+                      <a:r>
+                        <a:rPr lang="en-GB" sz="1000" b="0" i="0" u="none" strike="noStrike">
+                          <a:solidFill>
+                            <a:srgbClr val="000000"/>
+                          </a:solidFill>
+                          <a:effectLst/>
+                          <a:latin typeface="Calibri" panose="020F0502020204030204" pitchFamily="34" charset="0"/>
+                        </a:rPr>
+                        <a:t>Slowing</a:t>
+                      </a:r>
+                    </a:p>
+                  </a:txBody>
+                  <a:tcPr marL="9525" marR="9525" marT="9525" marB="0">
+                    <a:lnL>
+                      <a:noFill/>
+                    </a:lnL>
+                    <a:lnR>
+                      <a:noFill/>
+                    </a:lnR>
+                    <a:lnT>
+                      <a:noFill/>
+                    </a:lnT>
+                    <a:lnB>
+                      <a:noFill/>
+                    </a:lnB>
+                  </a:tcPr>
+                </a:tc>
+                <a:tc>
+                  <a:txBody>
+                    <a:bodyPr/>
+                    <a:lstStyle/>
+                    <a:p>
+                      <a:pPr algn="r" fontAlgn="t"/>
+                      <a:endParaRPr lang="en-GB" sz="1000" b="0" i="0" u="none" strike="noStrike">
+                        <a:solidFill>
+                          <a:srgbClr val="000000"/>
+                        </a:solidFill>
+                        <a:effectLst/>
+                        <a:latin typeface="Calibri" panose="020F0502020204030204" pitchFamily="34" charset="0"/>
+                      </a:endParaRPr>
+                    </a:p>
+                  </a:txBody>
+                  <a:tcPr marL="9525" marR="9525" marT="9525" marB="0">
+                    <a:lnL>
+                      <a:noFill/>
+                    </a:lnL>
+                    <a:lnR>
+                      <a:noFill/>
+                    </a:lnR>
+                    <a:lnT>
+                      <a:noFill/>
+                    </a:lnT>
+                    <a:lnB>
+                      <a:noFill/>
+                    </a:lnB>
+                  </a:tcPr>
+                </a:tc>
+                <a:extLst>
+                  <a:ext uri="{0D108BD9-81ED-4DB2-BD59-A6C34878D82A}">
+                    <a16:rowId xmlns:a16="http://schemas.microsoft.com/office/drawing/2014/main" val="3985013407"/>
+                  </a:ext>
+                </a:extLst>
+              </a:tr>
+              <a:tr h="203200">
+                <a:tc>
+                  <a:txBody>
+                    <a:bodyPr/>
+                    <a:lstStyle/>
+                    <a:p>
+                      <a:pPr algn="l" fontAlgn="b"/>
+                      <a:r>
+                        <a:rPr lang="en-GB" sz="1000" b="0" i="0" u="none" strike="noStrike">
+                          <a:solidFill>
+                            <a:srgbClr val="000000"/>
+                          </a:solidFill>
+                          <a:effectLst/>
+                          <a:latin typeface="Calibri" panose="020F0502020204030204" pitchFamily="34" charset="0"/>
+                        </a:rPr>
+                        <a:t>Adur</a:t>
+                      </a:r>
+                    </a:p>
+                  </a:txBody>
+                  <a:tcPr marL="9525" marR="9525" marT="9525" marB="0" anchor="b">
+                    <a:lnL>
+                      <a:noFill/>
+                    </a:lnL>
+                    <a:lnR>
+                      <a:noFill/>
+                    </a:lnR>
+                    <a:lnT>
+                      <a:noFill/>
+                    </a:lnT>
+                    <a:lnB>
+                      <a:noFill/>
+                    </a:lnB>
+                  </a:tcPr>
+                </a:tc>
+                <a:tc>
+                  <a:txBody>
+                    <a:bodyPr/>
+                    <a:lstStyle/>
+                    <a:p>
+                      <a:pPr algn="r" fontAlgn="t"/>
+                      <a:r>
+                        <a:rPr lang="en-GB" sz="1000" b="0" i="0" u="none" strike="noStrike">
+                          <a:solidFill>
+                            <a:srgbClr val="000000"/>
+                          </a:solidFill>
+                          <a:effectLst/>
+                          <a:latin typeface="Calibri" panose="020F0502020204030204" pitchFamily="34" charset="0"/>
+                        </a:rPr>
+                        <a:t>92</a:t>
+                      </a:r>
+                    </a:p>
+                  </a:txBody>
+                  <a:tcPr marL="9525" marR="9525" marT="9525" marB="0">
+                    <a:lnL>
+                      <a:noFill/>
+                    </a:lnL>
+                    <a:lnR>
+                      <a:noFill/>
+                    </a:lnR>
+                    <a:lnT>
+                      <a:noFill/>
+                    </a:lnT>
+                    <a:lnB>
+                      <a:noFill/>
+                    </a:lnB>
+                  </a:tcPr>
+                </a:tc>
+                <a:tc>
+                  <a:txBody>
+                    <a:bodyPr/>
+                    <a:lstStyle/>
+                    <a:p>
+                      <a:pPr algn="r" fontAlgn="t"/>
+                      <a:r>
+                        <a:rPr lang="en-GB" sz="1000" b="0" i="0" u="none" strike="noStrike">
+                          <a:solidFill>
+                            <a:srgbClr val="000000"/>
+                          </a:solidFill>
+                          <a:effectLst/>
+                          <a:latin typeface="Calibri" panose="020F0502020204030204" pitchFamily="34" charset="0"/>
+                        </a:rPr>
+                        <a:t>144</a:t>
+                      </a:r>
+                    </a:p>
+                  </a:txBody>
+                  <a:tcPr marL="9525" marR="9525" marT="9525" marB="0">
+                    <a:lnL>
+                      <a:noFill/>
+                    </a:lnL>
+                    <a:lnR>
+                      <a:noFill/>
+                    </a:lnR>
+                    <a:lnT>
+                      <a:noFill/>
+                    </a:lnT>
+                    <a:lnB>
+                      <a:noFill/>
+                    </a:lnB>
+                  </a:tcPr>
+                </a:tc>
+                <a:tc>
+                  <a:txBody>
+                    <a:bodyPr/>
+                    <a:lstStyle/>
+                    <a:p>
+                      <a:pPr algn="r" fontAlgn="t"/>
+                      <a:r>
+                        <a:rPr lang="en-GB" sz="1000" b="0" i="0" u="none" strike="noStrike">
+                          <a:solidFill>
+                            <a:srgbClr val="000000"/>
+                          </a:solidFill>
+                          <a:effectLst/>
+                          <a:latin typeface="Calibri" panose="020F0502020204030204" pitchFamily="34" charset="0"/>
+                        </a:rPr>
+                        <a:t>0</a:t>
+                      </a:r>
+                    </a:p>
+                  </a:txBody>
+                  <a:tcPr marL="9525" marR="9525" marT="9525" marB="0">
+                    <a:lnL>
+                      <a:noFill/>
+                    </a:lnL>
+                    <a:lnR>
+                      <a:noFill/>
+                    </a:lnR>
+                    <a:lnT>
+                      <a:noFill/>
+                    </a:lnT>
+                    <a:lnB>
+                      <a:noFill/>
+                    </a:lnB>
+                  </a:tcPr>
+                </a:tc>
+                <a:tc>
+                  <a:txBody>
+                    <a:bodyPr/>
+                    <a:lstStyle/>
+                    <a:p>
+                      <a:pPr algn="r" fontAlgn="t"/>
+                      <a:r>
+                        <a:rPr lang="en-GB" sz="1000" b="0" i="0" u="none" strike="noStrike">
+                          <a:solidFill>
+                            <a:srgbClr val="000000"/>
+                          </a:solidFill>
+                          <a:effectLst/>
+                          <a:latin typeface="Calibri" panose="020F0502020204030204" pitchFamily="34" charset="0"/>
+                        </a:rPr>
+                        <a:t>202.2 days</a:t>
+                      </a:r>
+                    </a:p>
+                  </a:txBody>
+                  <a:tcPr marL="9525" marR="9525" marT="9525" marB="0">
+                    <a:lnL>
+                      <a:noFill/>
+                    </a:lnL>
+                    <a:lnR>
+                      <a:noFill/>
+                    </a:lnR>
+                    <a:lnT>
+                      <a:noFill/>
+                    </a:lnT>
+                    <a:lnB>
+                      <a:noFill/>
+                    </a:lnB>
+                  </a:tcPr>
+                </a:tc>
+                <a:tc>
+                  <a:txBody>
+                    <a:bodyPr/>
+                    <a:lstStyle/>
+                    <a:p>
+                      <a:pPr algn="r" fontAlgn="t"/>
+                      <a:r>
+                        <a:rPr lang="en-GB" sz="1000" b="0" i="0" u="none" strike="noStrike">
+                          <a:solidFill>
+                            <a:srgbClr val="000000"/>
+                          </a:solidFill>
+                          <a:effectLst/>
+                          <a:latin typeface="Calibri" panose="020F0502020204030204" pitchFamily="34" charset="0"/>
+                        </a:rPr>
+                        <a:t>38.5 days</a:t>
+                      </a:r>
+                    </a:p>
+                  </a:txBody>
+                  <a:tcPr marL="9525" marR="9525" marT="9525" marB="0">
+                    <a:lnL>
+                      <a:noFill/>
+                    </a:lnL>
+                    <a:lnR>
+                      <a:noFill/>
+                    </a:lnR>
+                    <a:lnT>
+                      <a:noFill/>
+                    </a:lnT>
+                    <a:lnB>
+                      <a:noFill/>
+                    </a:lnB>
+                  </a:tcPr>
+                </a:tc>
+                <a:tc>
+                  <a:txBody>
+                    <a:bodyPr/>
+                    <a:lstStyle/>
+                    <a:p>
+                      <a:pPr algn="r" fontAlgn="t"/>
+                      <a:r>
+                        <a:rPr lang="en-GB" sz="1000" b="0" i="0" u="none" strike="noStrike">
+                          <a:solidFill>
+                            <a:srgbClr val="000000"/>
+                          </a:solidFill>
+                          <a:effectLst/>
+                          <a:latin typeface="Calibri" panose="020F0502020204030204" pitchFamily="34" charset="0"/>
+                        </a:rPr>
+                        <a:t>Slowing</a:t>
+                      </a:r>
+                    </a:p>
+                  </a:txBody>
+                  <a:tcPr marL="9525" marR="9525" marT="9525" marB="0">
+                    <a:lnL>
+                      <a:noFill/>
+                    </a:lnL>
+                    <a:lnR>
+                      <a:noFill/>
+                    </a:lnR>
+                    <a:lnT>
+                      <a:noFill/>
+                    </a:lnT>
+                    <a:lnB>
+                      <a:noFill/>
+                    </a:lnB>
+                  </a:tcPr>
+                </a:tc>
+                <a:tc>
+                  <a:txBody>
+                    <a:bodyPr/>
+                    <a:lstStyle/>
+                    <a:p>
+                      <a:pPr algn="r" fontAlgn="t"/>
+                      <a:endParaRPr lang="en-GB" sz="1000" b="0" i="0" u="none" strike="noStrike">
+                        <a:solidFill>
+                          <a:srgbClr val="000000"/>
+                        </a:solidFill>
+                        <a:effectLst/>
+                        <a:latin typeface="Calibri" panose="020F0502020204030204" pitchFamily="34" charset="0"/>
+                      </a:endParaRPr>
+                    </a:p>
+                  </a:txBody>
+                  <a:tcPr marL="9525" marR="9525" marT="9525" marB="0">
+                    <a:lnL>
+                      <a:noFill/>
+                    </a:lnL>
+                    <a:lnR>
+                      <a:noFill/>
+                    </a:lnR>
+                    <a:lnT>
+                      <a:noFill/>
+                    </a:lnT>
+                    <a:lnB>
+                      <a:noFill/>
+                    </a:lnB>
+                  </a:tcPr>
+                </a:tc>
+                <a:extLst>
+                  <a:ext uri="{0D108BD9-81ED-4DB2-BD59-A6C34878D82A}">
+                    <a16:rowId xmlns:a16="http://schemas.microsoft.com/office/drawing/2014/main" val="1802207202"/>
+                  </a:ext>
+                </a:extLst>
+              </a:tr>
+              <a:tr h="203200">
+                <a:tc>
+                  <a:txBody>
+                    <a:bodyPr/>
+                    <a:lstStyle/>
+                    <a:p>
+                      <a:pPr algn="l" fontAlgn="b"/>
+                      <a:r>
+                        <a:rPr lang="en-GB" sz="1000" b="0" i="0" u="none" strike="noStrike">
+                          <a:solidFill>
+                            <a:srgbClr val="000000"/>
+                          </a:solidFill>
+                          <a:effectLst/>
+                          <a:latin typeface="Calibri" panose="020F0502020204030204" pitchFamily="34" charset="0"/>
+                        </a:rPr>
+                        <a:t>Arun</a:t>
+                      </a:r>
+                    </a:p>
+                  </a:txBody>
+                  <a:tcPr marL="9525" marR="9525" marT="9525" marB="0" anchor="b">
+                    <a:lnL>
+                      <a:noFill/>
+                    </a:lnL>
+                    <a:lnR>
+                      <a:noFill/>
+                    </a:lnR>
+                    <a:lnT>
+                      <a:noFill/>
+                    </a:lnT>
+                    <a:lnB>
+                      <a:noFill/>
+                    </a:lnB>
+                  </a:tcPr>
+                </a:tc>
+                <a:tc>
+                  <a:txBody>
+                    <a:bodyPr/>
+                    <a:lstStyle/>
+                    <a:p>
+                      <a:pPr algn="r" fontAlgn="t"/>
+                      <a:r>
+                        <a:rPr lang="en-GB" sz="1000" b="0" i="0" u="none" strike="noStrike">
+                          <a:solidFill>
+                            <a:srgbClr val="000000"/>
+                          </a:solidFill>
+                          <a:effectLst/>
+                          <a:latin typeface="Calibri" panose="020F0502020204030204" pitchFamily="34" charset="0"/>
+                        </a:rPr>
+                        <a:t>151</a:t>
+                      </a:r>
+                    </a:p>
+                  </a:txBody>
+                  <a:tcPr marL="9525" marR="9525" marT="9525" marB="0">
+                    <a:lnL>
+                      <a:noFill/>
+                    </a:lnL>
+                    <a:lnR>
+                      <a:noFill/>
+                    </a:lnR>
+                    <a:lnT>
+                      <a:noFill/>
+                    </a:lnT>
+                    <a:lnB>
+                      <a:noFill/>
+                    </a:lnB>
+                  </a:tcPr>
+                </a:tc>
+                <a:tc>
+                  <a:txBody>
+                    <a:bodyPr/>
+                    <a:lstStyle/>
+                    <a:p>
+                      <a:pPr algn="r" fontAlgn="t"/>
+                      <a:r>
+                        <a:rPr lang="en-GB" sz="1000" b="0" i="0" u="none" strike="noStrike">
+                          <a:solidFill>
+                            <a:srgbClr val="000000"/>
+                          </a:solidFill>
+                          <a:effectLst/>
+                          <a:latin typeface="Calibri" panose="020F0502020204030204" pitchFamily="34" charset="0"/>
+                        </a:rPr>
+                        <a:t>94</a:t>
+                      </a:r>
+                    </a:p>
+                  </a:txBody>
+                  <a:tcPr marL="9525" marR="9525" marT="9525" marB="0">
+                    <a:lnL>
+                      <a:noFill/>
+                    </a:lnL>
+                    <a:lnR>
+                      <a:noFill/>
+                    </a:lnR>
+                    <a:lnT>
+                      <a:noFill/>
+                    </a:lnT>
+                    <a:lnB>
+                      <a:noFill/>
+                    </a:lnB>
+                  </a:tcPr>
+                </a:tc>
+                <a:tc>
+                  <a:txBody>
+                    <a:bodyPr/>
+                    <a:lstStyle/>
+                    <a:p>
+                      <a:pPr algn="r" fontAlgn="t"/>
+                      <a:r>
+                        <a:rPr lang="en-GB" sz="1000" b="0" i="0" u="none" strike="noStrike">
+                          <a:solidFill>
+                            <a:srgbClr val="000000"/>
+                          </a:solidFill>
+                          <a:effectLst/>
+                          <a:latin typeface="Calibri" panose="020F0502020204030204" pitchFamily="34" charset="0"/>
+                        </a:rPr>
+                        <a:t>0</a:t>
+                      </a:r>
+                    </a:p>
+                  </a:txBody>
+                  <a:tcPr marL="9525" marR="9525" marT="9525" marB="0">
+                    <a:lnL>
+                      <a:noFill/>
+                    </a:lnL>
+                    <a:lnR>
+                      <a:noFill/>
+                    </a:lnR>
+                    <a:lnT>
+                      <a:noFill/>
+                    </a:lnT>
+                    <a:lnB>
+                      <a:noFill/>
+                    </a:lnB>
+                  </a:tcPr>
+                </a:tc>
+                <a:tc>
+                  <a:txBody>
+                    <a:bodyPr/>
+                    <a:lstStyle/>
+                    <a:p>
+                      <a:pPr algn="r" fontAlgn="t"/>
+                      <a:r>
+                        <a:rPr lang="en-GB" sz="1000" b="0" i="0" u="none" strike="noStrike">
+                          <a:solidFill>
+                            <a:srgbClr val="000000"/>
+                          </a:solidFill>
+                          <a:effectLst/>
+                          <a:latin typeface="Calibri" panose="020F0502020204030204" pitchFamily="34" charset="0"/>
+                        </a:rPr>
+                        <a:t>336.2 days</a:t>
+                      </a:r>
+                    </a:p>
+                  </a:txBody>
+                  <a:tcPr marL="9525" marR="9525" marT="9525" marB="0">
+                    <a:lnL>
+                      <a:noFill/>
+                    </a:lnL>
+                    <a:lnR>
+                      <a:noFill/>
+                    </a:lnR>
+                    <a:lnT>
+                      <a:noFill/>
+                    </a:lnT>
+                    <a:lnB>
+                      <a:noFill/>
+                    </a:lnB>
+                  </a:tcPr>
+                </a:tc>
+                <a:tc>
+                  <a:txBody>
+                    <a:bodyPr/>
+                    <a:lstStyle/>
+                    <a:p>
+                      <a:pPr algn="r" fontAlgn="t"/>
+                      <a:r>
+                        <a:rPr lang="en-GB" sz="1000" b="0" i="0" u="none" strike="noStrike">
+                          <a:solidFill>
+                            <a:srgbClr val="000000"/>
+                          </a:solidFill>
+                          <a:effectLst/>
+                          <a:latin typeface="Calibri" panose="020F0502020204030204" pitchFamily="34" charset="0"/>
+                        </a:rPr>
+                        <a:t>32.0 days</a:t>
+                      </a:r>
+                    </a:p>
+                  </a:txBody>
+                  <a:tcPr marL="9525" marR="9525" marT="9525" marB="0">
+                    <a:lnL>
+                      <a:noFill/>
+                    </a:lnL>
+                    <a:lnR>
+                      <a:noFill/>
+                    </a:lnR>
+                    <a:lnT>
+                      <a:noFill/>
+                    </a:lnT>
+                    <a:lnB>
+                      <a:noFill/>
+                    </a:lnB>
+                  </a:tcPr>
+                </a:tc>
+                <a:tc>
+                  <a:txBody>
+                    <a:bodyPr/>
+                    <a:lstStyle/>
+                    <a:p>
+                      <a:pPr algn="r" fontAlgn="t"/>
+                      <a:r>
+                        <a:rPr lang="en-GB" sz="1000" b="0" i="0" u="none" strike="noStrike">
+                          <a:solidFill>
+                            <a:srgbClr val="000000"/>
+                          </a:solidFill>
+                          <a:effectLst/>
+                          <a:latin typeface="Calibri" panose="020F0502020204030204" pitchFamily="34" charset="0"/>
+                        </a:rPr>
+                        <a:t>Slowing</a:t>
+                      </a:r>
+                    </a:p>
+                  </a:txBody>
+                  <a:tcPr marL="9525" marR="9525" marT="9525" marB="0">
+                    <a:lnL>
+                      <a:noFill/>
+                    </a:lnL>
+                    <a:lnR>
+                      <a:noFill/>
+                    </a:lnR>
+                    <a:lnT>
+                      <a:noFill/>
+                    </a:lnT>
+                    <a:lnB>
+                      <a:noFill/>
+                    </a:lnB>
+                  </a:tcPr>
+                </a:tc>
+                <a:tc>
+                  <a:txBody>
+                    <a:bodyPr/>
+                    <a:lstStyle/>
+                    <a:p>
+                      <a:pPr algn="r" fontAlgn="t"/>
+                      <a:endParaRPr lang="en-GB" sz="1000" b="0" i="0" u="none" strike="noStrike">
+                        <a:solidFill>
+                          <a:srgbClr val="000000"/>
+                        </a:solidFill>
+                        <a:effectLst/>
+                        <a:latin typeface="Calibri" panose="020F0502020204030204" pitchFamily="34" charset="0"/>
+                      </a:endParaRPr>
+                    </a:p>
+                  </a:txBody>
+                  <a:tcPr marL="9525" marR="9525" marT="9525" marB="0">
+                    <a:lnL>
+                      <a:noFill/>
+                    </a:lnL>
+                    <a:lnR>
+                      <a:noFill/>
+                    </a:lnR>
+                    <a:lnT>
+                      <a:noFill/>
+                    </a:lnT>
+                    <a:lnB>
+                      <a:noFill/>
+                    </a:lnB>
+                  </a:tcPr>
+                </a:tc>
+                <a:extLst>
+                  <a:ext uri="{0D108BD9-81ED-4DB2-BD59-A6C34878D82A}">
+                    <a16:rowId xmlns:a16="http://schemas.microsoft.com/office/drawing/2014/main" val="3744225662"/>
+                  </a:ext>
+                </a:extLst>
+              </a:tr>
+              <a:tr h="203200">
+                <a:tc>
+                  <a:txBody>
+                    <a:bodyPr/>
+                    <a:lstStyle/>
+                    <a:p>
+                      <a:pPr algn="l" fontAlgn="b"/>
+                      <a:r>
+                        <a:rPr lang="en-GB" sz="1000" b="0" i="0" u="none" strike="noStrike">
+                          <a:solidFill>
+                            <a:srgbClr val="000000"/>
+                          </a:solidFill>
+                          <a:effectLst/>
+                          <a:latin typeface="Calibri" panose="020F0502020204030204" pitchFamily="34" charset="0"/>
+                        </a:rPr>
+                        <a:t>Chichester</a:t>
+                      </a:r>
+                    </a:p>
+                  </a:txBody>
+                  <a:tcPr marL="9525" marR="9525" marT="9525" marB="0" anchor="b">
+                    <a:lnL>
+                      <a:noFill/>
+                    </a:lnL>
+                    <a:lnR>
+                      <a:noFill/>
+                    </a:lnR>
+                    <a:lnT>
+                      <a:noFill/>
+                    </a:lnT>
+                    <a:lnB>
+                      <a:noFill/>
+                    </a:lnB>
+                  </a:tcPr>
+                </a:tc>
+                <a:tc>
+                  <a:txBody>
+                    <a:bodyPr/>
+                    <a:lstStyle/>
+                    <a:p>
+                      <a:pPr algn="r" fontAlgn="t"/>
+                      <a:r>
+                        <a:rPr lang="en-GB" sz="1000" b="0" i="0" u="none" strike="noStrike">
+                          <a:solidFill>
+                            <a:srgbClr val="000000"/>
+                          </a:solidFill>
+                          <a:effectLst/>
+                          <a:latin typeface="Calibri" panose="020F0502020204030204" pitchFamily="34" charset="0"/>
+                        </a:rPr>
+                        <a:t>138</a:t>
+                      </a:r>
+                    </a:p>
+                  </a:txBody>
+                  <a:tcPr marL="9525" marR="9525" marT="9525" marB="0">
+                    <a:lnL>
+                      <a:noFill/>
+                    </a:lnL>
+                    <a:lnR>
+                      <a:noFill/>
+                    </a:lnR>
+                    <a:lnT>
+                      <a:noFill/>
+                    </a:lnT>
+                    <a:lnB>
+                      <a:noFill/>
+                    </a:lnB>
+                  </a:tcPr>
+                </a:tc>
+                <a:tc>
+                  <a:txBody>
+                    <a:bodyPr/>
+                    <a:lstStyle/>
+                    <a:p>
+                      <a:pPr algn="r" fontAlgn="t"/>
+                      <a:r>
+                        <a:rPr lang="en-GB" sz="1000" b="0" i="0" u="none" strike="noStrike">
+                          <a:solidFill>
+                            <a:srgbClr val="000000"/>
+                          </a:solidFill>
+                          <a:effectLst/>
+                          <a:latin typeface="Calibri" panose="020F0502020204030204" pitchFamily="34" charset="0"/>
+                        </a:rPr>
+                        <a:t>114</a:t>
+                      </a:r>
+                    </a:p>
+                  </a:txBody>
+                  <a:tcPr marL="9525" marR="9525" marT="9525" marB="0">
+                    <a:lnL>
+                      <a:noFill/>
+                    </a:lnL>
+                    <a:lnR>
+                      <a:noFill/>
+                    </a:lnR>
+                    <a:lnT>
+                      <a:noFill/>
+                    </a:lnT>
+                    <a:lnB>
+                      <a:noFill/>
+                    </a:lnB>
+                  </a:tcPr>
+                </a:tc>
+                <a:tc>
+                  <a:txBody>
+                    <a:bodyPr/>
+                    <a:lstStyle/>
+                    <a:p>
+                      <a:pPr algn="r" fontAlgn="t"/>
+                      <a:r>
+                        <a:rPr lang="en-GB" sz="1000" b="0" i="0" u="none" strike="noStrike">
+                          <a:solidFill>
+                            <a:srgbClr val="000000"/>
+                          </a:solidFill>
+                          <a:effectLst/>
+                          <a:latin typeface="Calibri" panose="020F0502020204030204" pitchFamily="34" charset="0"/>
+                        </a:rPr>
+                        <a:t>1</a:t>
+                      </a:r>
+                    </a:p>
+                  </a:txBody>
+                  <a:tcPr marL="9525" marR="9525" marT="9525" marB="0">
+                    <a:lnL>
+                      <a:noFill/>
+                    </a:lnL>
+                    <a:lnR>
+                      <a:noFill/>
+                    </a:lnR>
+                    <a:lnT>
+                      <a:noFill/>
+                    </a:lnT>
+                    <a:lnB>
+                      <a:noFill/>
+                    </a:lnB>
+                  </a:tcPr>
+                </a:tc>
+                <a:tc>
+                  <a:txBody>
+                    <a:bodyPr/>
+                    <a:lstStyle/>
+                    <a:p>
+                      <a:pPr algn="r" fontAlgn="t"/>
+                      <a:r>
+                        <a:rPr lang="en-GB" sz="1000" b="0" i="0" u="none" strike="noStrike">
+                          <a:solidFill>
+                            <a:srgbClr val="000000"/>
+                          </a:solidFill>
+                          <a:effectLst/>
+                          <a:latin typeface="Calibri" panose="020F0502020204030204" pitchFamily="34" charset="0"/>
+                        </a:rPr>
+                        <a:t>84.3 days</a:t>
+                      </a:r>
+                    </a:p>
+                  </a:txBody>
+                  <a:tcPr marL="9525" marR="9525" marT="9525" marB="0">
+                    <a:lnL>
+                      <a:noFill/>
+                    </a:lnL>
+                    <a:lnR>
+                      <a:noFill/>
+                    </a:lnR>
+                    <a:lnT>
+                      <a:noFill/>
+                    </a:lnT>
+                    <a:lnB>
+                      <a:noFill/>
+                    </a:lnB>
+                  </a:tcPr>
+                </a:tc>
+                <a:tc>
+                  <a:txBody>
+                    <a:bodyPr/>
+                    <a:lstStyle/>
+                    <a:p>
+                      <a:pPr algn="r" fontAlgn="t"/>
+                      <a:r>
+                        <a:rPr lang="en-GB" sz="1000" b="0" i="0" u="none" strike="noStrike">
+                          <a:solidFill>
+                            <a:srgbClr val="000000"/>
+                          </a:solidFill>
+                          <a:effectLst/>
+                          <a:latin typeface="Calibri" panose="020F0502020204030204" pitchFamily="34" charset="0"/>
+                        </a:rPr>
+                        <a:t>88.4 days</a:t>
+                      </a:r>
+                    </a:p>
+                  </a:txBody>
+                  <a:tcPr marL="9525" marR="9525" marT="9525" marB="0">
+                    <a:lnL>
+                      <a:noFill/>
+                    </a:lnL>
+                    <a:lnR>
+                      <a:noFill/>
+                    </a:lnR>
+                    <a:lnT>
+                      <a:noFill/>
+                    </a:lnT>
+                    <a:lnB>
+                      <a:noFill/>
+                    </a:lnB>
+                  </a:tcPr>
+                </a:tc>
+                <a:tc>
+                  <a:txBody>
+                    <a:bodyPr/>
+                    <a:lstStyle/>
+                    <a:p>
+                      <a:pPr algn="r" fontAlgn="t"/>
+                      <a:r>
+                        <a:rPr lang="en-GB" sz="1000" b="0" i="0" u="none" strike="noStrike">
+                          <a:solidFill>
+                            <a:srgbClr val="000000"/>
+                          </a:solidFill>
+                          <a:effectLst/>
+                          <a:latin typeface="Calibri" panose="020F0502020204030204" pitchFamily="34" charset="0"/>
+                        </a:rPr>
+                        <a:t>Speeding up</a:t>
+                      </a:r>
+                    </a:p>
+                  </a:txBody>
+                  <a:tcPr marL="9525" marR="9525" marT="9525" marB="0">
+                    <a:lnL>
+                      <a:noFill/>
+                    </a:lnL>
+                    <a:lnR>
+                      <a:noFill/>
+                    </a:lnR>
+                    <a:lnT>
+                      <a:noFill/>
+                    </a:lnT>
+                    <a:lnB>
+                      <a:noFill/>
+                    </a:lnB>
+                  </a:tcPr>
+                </a:tc>
+                <a:tc>
+                  <a:txBody>
+                    <a:bodyPr/>
+                    <a:lstStyle/>
+                    <a:p>
+                      <a:pPr algn="r" fontAlgn="t"/>
+                      <a:endParaRPr lang="en-GB" sz="1000" b="0" i="0" u="none" strike="noStrike">
+                        <a:solidFill>
+                          <a:srgbClr val="000000"/>
+                        </a:solidFill>
+                        <a:effectLst/>
+                        <a:latin typeface="Calibri" panose="020F0502020204030204" pitchFamily="34" charset="0"/>
+                      </a:endParaRPr>
+                    </a:p>
+                  </a:txBody>
+                  <a:tcPr marL="9525" marR="9525" marT="9525" marB="0">
+                    <a:lnL>
+                      <a:noFill/>
+                    </a:lnL>
+                    <a:lnR>
+                      <a:noFill/>
+                    </a:lnR>
+                    <a:lnT>
+                      <a:noFill/>
+                    </a:lnT>
+                    <a:lnB>
+                      <a:noFill/>
+                    </a:lnB>
+                  </a:tcPr>
+                </a:tc>
+                <a:extLst>
+                  <a:ext uri="{0D108BD9-81ED-4DB2-BD59-A6C34878D82A}">
+                    <a16:rowId xmlns:a16="http://schemas.microsoft.com/office/drawing/2014/main" val="984994879"/>
+                  </a:ext>
+                </a:extLst>
+              </a:tr>
+              <a:tr h="203200">
+                <a:tc>
+                  <a:txBody>
+                    <a:bodyPr/>
+                    <a:lstStyle/>
+                    <a:p>
+                      <a:pPr algn="l" fontAlgn="b"/>
+                      <a:r>
+                        <a:rPr lang="en-GB" sz="1000" b="0" i="0" u="none" strike="noStrike">
+                          <a:solidFill>
+                            <a:srgbClr val="000000"/>
+                          </a:solidFill>
+                          <a:effectLst/>
+                          <a:latin typeface="Calibri" panose="020F0502020204030204" pitchFamily="34" charset="0"/>
+                        </a:rPr>
+                        <a:t>Crawley</a:t>
+                      </a:r>
+                    </a:p>
+                  </a:txBody>
+                  <a:tcPr marL="9525" marR="9525" marT="9525" marB="0" anchor="b">
+                    <a:lnL>
+                      <a:noFill/>
+                    </a:lnL>
+                    <a:lnR>
+                      <a:noFill/>
+                    </a:lnR>
+                    <a:lnT>
+                      <a:noFill/>
+                    </a:lnT>
+                    <a:lnB>
+                      <a:noFill/>
+                    </a:lnB>
+                  </a:tcPr>
+                </a:tc>
+                <a:tc>
+                  <a:txBody>
+                    <a:bodyPr/>
+                    <a:lstStyle/>
+                    <a:p>
+                      <a:pPr algn="r" fontAlgn="t"/>
+                      <a:r>
+                        <a:rPr lang="en-GB" sz="1000" b="0" i="0" u="none" strike="noStrike">
+                          <a:solidFill>
+                            <a:srgbClr val="000000"/>
+                          </a:solidFill>
+                          <a:effectLst/>
+                          <a:latin typeface="Calibri" panose="020F0502020204030204" pitchFamily="34" charset="0"/>
+                        </a:rPr>
+                        <a:t>197</a:t>
+                      </a:r>
+                    </a:p>
+                  </a:txBody>
+                  <a:tcPr marL="9525" marR="9525" marT="9525" marB="0">
+                    <a:lnL>
+                      <a:noFill/>
+                    </a:lnL>
+                    <a:lnR>
+                      <a:noFill/>
+                    </a:lnR>
+                    <a:lnT>
+                      <a:noFill/>
+                    </a:lnT>
+                    <a:lnB>
+                      <a:noFill/>
+                    </a:lnB>
+                  </a:tcPr>
+                </a:tc>
+                <a:tc>
+                  <a:txBody>
+                    <a:bodyPr/>
+                    <a:lstStyle/>
+                    <a:p>
+                      <a:pPr algn="r" fontAlgn="t"/>
+                      <a:r>
+                        <a:rPr lang="en-GB" sz="1000" b="0" i="0" u="none" strike="noStrike">
+                          <a:solidFill>
+                            <a:srgbClr val="000000"/>
+                          </a:solidFill>
+                          <a:effectLst/>
+                          <a:latin typeface="Calibri" panose="020F0502020204030204" pitchFamily="34" charset="0"/>
+                        </a:rPr>
+                        <a:t>175</a:t>
+                      </a:r>
+                    </a:p>
+                  </a:txBody>
+                  <a:tcPr marL="9525" marR="9525" marT="9525" marB="0">
+                    <a:lnL>
+                      <a:noFill/>
+                    </a:lnL>
+                    <a:lnR>
+                      <a:noFill/>
+                    </a:lnR>
+                    <a:lnT>
+                      <a:noFill/>
+                    </a:lnT>
+                    <a:lnB>
+                      <a:noFill/>
+                    </a:lnB>
+                  </a:tcPr>
+                </a:tc>
+                <a:tc>
+                  <a:txBody>
+                    <a:bodyPr/>
+                    <a:lstStyle/>
+                    <a:p>
+                      <a:pPr algn="r" fontAlgn="t"/>
+                      <a:r>
+                        <a:rPr lang="en-GB" sz="1000" b="0" i="0" u="none" strike="noStrike">
+                          <a:solidFill>
+                            <a:srgbClr val="000000"/>
+                          </a:solidFill>
+                          <a:effectLst/>
+                          <a:latin typeface="Calibri" panose="020F0502020204030204" pitchFamily="34" charset="0"/>
+                        </a:rPr>
+                        <a:t>0</a:t>
+                      </a:r>
+                    </a:p>
+                  </a:txBody>
+                  <a:tcPr marL="9525" marR="9525" marT="9525" marB="0">
+                    <a:lnL>
+                      <a:noFill/>
+                    </a:lnL>
+                    <a:lnR>
+                      <a:noFill/>
+                    </a:lnR>
+                    <a:lnT>
+                      <a:noFill/>
+                    </a:lnT>
+                    <a:lnB>
+                      <a:noFill/>
+                    </a:lnB>
+                  </a:tcPr>
+                </a:tc>
+                <a:tc>
+                  <a:txBody>
+                    <a:bodyPr/>
+                    <a:lstStyle/>
+                    <a:p>
+                      <a:pPr algn="r" fontAlgn="t"/>
+                      <a:r>
+                        <a:rPr lang="en-GB" sz="1000" b="0" i="0" u="none" strike="noStrike">
+                          <a:solidFill>
+                            <a:srgbClr val="000000"/>
+                          </a:solidFill>
+                          <a:effectLst/>
+                          <a:latin typeface="Calibri" panose="020F0502020204030204" pitchFamily="34" charset="0"/>
+                        </a:rPr>
+                        <a:t>189.8 days</a:t>
+                      </a:r>
+                    </a:p>
+                  </a:txBody>
+                  <a:tcPr marL="9525" marR="9525" marT="9525" marB="0">
+                    <a:lnL>
+                      <a:noFill/>
+                    </a:lnL>
+                    <a:lnR>
+                      <a:noFill/>
+                    </a:lnR>
+                    <a:lnT>
+                      <a:noFill/>
+                    </a:lnT>
+                    <a:lnB>
+                      <a:noFill/>
+                    </a:lnB>
+                  </a:tcPr>
+                </a:tc>
+                <a:tc>
+                  <a:txBody>
+                    <a:bodyPr/>
+                    <a:lstStyle/>
+                    <a:p>
+                      <a:pPr algn="r" fontAlgn="t"/>
+                      <a:r>
+                        <a:rPr lang="en-GB" sz="1000" b="0" i="0" u="none" strike="noStrike">
+                          <a:solidFill>
+                            <a:srgbClr val="000000"/>
+                          </a:solidFill>
+                          <a:effectLst/>
+                          <a:latin typeface="Calibri" panose="020F0502020204030204" pitchFamily="34" charset="0"/>
+                        </a:rPr>
+                        <a:t>35.3 days</a:t>
+                      </a:r>
+                    </a:p>
+                  </a:txBody>
+                  <a:tcPr marL="9525" marR="9525" marT="9525" marB="0">
+                    <a:lnL>
+                      <a:noFill/>
+                    </a:lnL>
+                    <a:lnR>
+                      <a:noFill/>
+                    </a:lnR>
+                    <a:lnT>
+                      <a:noFill/>
+                    </a:lnT>
+                    <a:lnB>
+                      <a:noFill/>
+                    </a:lnB>
+                  </a:tcPr>
+                </a:tc>
+                <a:tc>
+                  <a:txBody>
+                    <a:bodyPr/>
+                    <a:lstStyle/>
+                    <a:p>
+                      <a:pPr algn="r" fontAlgn="t"/>
+                      <a:r>
+                        <a:rPr lang="en-GB" sz="1000" b="0" i="0" u="none" strike="noStrike">
+                          <a:solidFill>
+                            <a:srgbClr val="000000"/>
+                          </a:solidFill>
+                          <a:effectLst/>
+                          <a:latin typeface="Calibri" panose="020F0502020204030204" pitchFamily="34" charset="0"/>
+                        </a:rPr>
+                        <a:t>Slowing</a:t>
+                      </a:r>
+                    </a:p>
+                  </a:txBody>
+                  <a:tcPr marL="9525" marR="9525" marT="9525" marB="0">
+                    <a:lnL>
+                      <a:noFill/>
+                    </a:lnL>
+                    <a:lnR>
+                      <a:noFill/>
+                    </a:lnR>
+                    <a:lnT>
+                      <a:noFill/>
+                    </a:lnT>
+                    <a:lnB>
+                      <a:noFill/>
+                    </a:lnB>
+                  </a:tcPr>
+                </a:tc>
+                <a:tc>
+                  <a:txBody>
+                    <a:bodyPr/>
+                    <a:lstStyle/>
+                    <a:p>
+                      <a:pPr algn="r" fontAlgn="t"/>
+                      <a:endParaRPr lang="en-GB" sz="1000" b="0" i="0" u="none" strike="noStrike">
+                        <a:solidFill>
+                          <a:srgbClr val="000000"/>
+                        </a:solidFill>
+                        <a:effectLst/>
+                        <a:latin typeface="Calibri" panose="020F0502020204030204" pitchFamily="34" charset="0"/>
+                      </a:endParaRPr>
+                    </a:p>
+                  </a:txBody>
+                  <a:tcPr marL="9525" marR="9525" marT="9525" marB="0">
+                    <a:lnL>
+                      <a:noFill/>
+                    </a:lnL>
+                    <a:lnR>
+                      <a:noFill/>
+                    </a:lnR>
+                    <a:lnT>
+                      <a:noFill/>
+                    </a:lnT>
+                    <a:lnB>
+                      <a:noFill/>
+                    </a:lnB>
+                  </a:tcPr>
+                </a:tc>
+                <a:extLst>
+                  <a:ext uri="{0D108BD9-81ED-4DB2-BD59-A6C34878D82A}">
+                    <a16:rowId xmlns:a16="http://schemas.microsoft.com/office/drawing/2014/main" val="3922672880"/>
+                  </a:ext>
+                </a:extLst>
+              </a:tr>
+              <a:tr h="203200">
+                <a:tc>
+                  <a:txBody>
+                    <a:bodyPr/>
+                    <a:lstStyle/>
+                    <a:p>
+                      <a:pPr algn="l" fontAlgn="b"/>
+                      <a:r>
+                        <a:rPr lang="en-GB" sz="1000" b="0" i="0" u="none" strike="noStrike">
+                          <a:solidFill>
+                            <a:srgbClr val="000000"/>
+                          </a:solidFill>
+                          <a:effectLst/>
+                          <a:latin typeface="Calibri" panose="020F0502020204030204" pitchFamily="34" charset="0"/>
+                        </a:rPr>
+                        <a:t>Horsham</a:t>
+                      </a:r>
+                    </a:p>
+                  </a:txBody>
+                  <a:tcPr marL="9525" marR="9525" marT="9525" marB="0" anchor="b">
+                    <a:lnL>
+                      <a:noFill/>
+                    </a:lnL>
+                    <a:lnR>
+                      <a:noFill/>
+                    </a:lnR>
+                    <a:lnT>
+                      <a:noFill/>
+                    </a:lnT>
+                    <a:lnB>
+                      <a:noFill/>
+                    </a:lnB>
+                  </a:tcPr>
+                </a:tc>
+                <a:tc>
+                  <a:txBody>
+                    <a:bodyPr/>
+                    <a:lstStyle/>
+                    <a:p>
+                      <a:pPr algn="r" fontAlgn="t"/>
+                      <a:r>
+                        <a:rPr lang="en-GB" sz="1000" b="0" i="0" u="none" strike="noStrike">
+                          <a:solidFill>
+                            <a:srgbClr val="000000"/>
+                          </a:solidFill>
+                          <a:effectLst/>
+                          <a:latin typeface="Calibri" panose="020F0502020204030204" pitchFamily="34" charset="0"/>
+                        </a:rPr>
+                        <a:t>200</a:t>
+                      </a:r>
+                    </a:p>
+                  </a:txBody>
+                  <a:tcPr marL="9525" marR="9525" marT="9525" marB="0">
+                    <a:lnL>
+                      <a:noFill/>
+                    </a:lnL>
+                    <a:lnR>
+                      <a:noFill/>
+                    </a:lnR>
+                    <a:lnT>
+                      <a:noFill/>
+                    </a:lnT>
+                    <a:lnB>
+                      <a:noFill/>
+                    </a:lnB>
+                  </a:tcPr>
+                </a:tc>
+                <a:tc>
+                  <a:txBody>
+                    <a:bodyPr/>
+                    <a:lstStyle/>
+                    <a:p>
+                      <a:pPr algn="r" fontAlgn="t"/>
+                      <a:r>
+                        <a:rPr lang="en-GB" sz="1000" b="0" i="0" u="none" strike="noStrike">
+                          <a:solidFill>
+                            <a:srgbClr val="000000"/>
+                          </a:solidFill>
+                          <a:effectLst/>
+                          <a:latin typeface="Calibri" panose="020F0502020204030204" pitchFamily="34" charset="0"/>
+                        </a:rPr>
+                        <a:t>141</a:t>
+                      </a:r>
+                    </a:p>
+                  </a:txBody>
+                  <a:tcPr marL="9525" marR="9525" marT="9525" marB="0">
+                    <a:lnL>
+                      <a:noFill/>
+                    </a:lnL>
+                    <a:lnR>
+                      <a:noFill/>
+                    </a:lnR>
+                    <a:lnT>
+                      <a:noFill/>
+                    </a:lnT>
+                    <a:lnB>
+                      <a:noFill/>
+                    </a:lnB>
+                  </a:tcPr>
+                </a:tc>
+                <a:tc>
+                  <a:txBody>
+                    <a:bodyPr/>
+                    <a:lstStyle/>
+                    <a:p>
+                      <a:pPr algn="r" fontAlgn="t"/>
+                      <a:r>
+                        <a:rPr lang="en-GB" sz="1000" b="0" i="0" u="none" strike="noStrike">
+                          <a:solidFill>
+                            <a:srgbClr val="000000"/>
+                          </a:solidFill>
+                          <a:effectLst/>
+                          <a:latin typeface="Calibri" panose="020F0502020204030204" pitchFamily="34" charset="0"/>
+                        </a:rPr>
+                        <a:t>0</a:t>
+                      </a:r>
+                    </a:p>
+                  </a:txBody>
+                  <a:tcPr marL="9525" marR="9525" marT="9525" marB="0">
+                    <a:lnL>
+                      <a:noFill/>
+                    </a:lnL>
+                    <a:lnR>
+                      <a:noFill/>
+                    </a:lnR>
+                    <a:lnT>
+                      <a:noFill/>
+                    </a:lnT>
+                    <a:lnB>
+                      <a:noFill/>
+                    </a:lnB>
+                  </a:tcPr>
+                </a:tc>
+                <a:tc>
+                  <a:txBody>
+                    <a:bodyPr/>
+                    <a:lstStyle/>
+                    <a:p>
+                      <a:pPr algn="r" fontAlgn="t"/>
+                      <a:r>
+                        <a:rPr lang="en-GB" sz="1000" b="0" i="0" u="none" strike="noStrike">
+                          <a:solidFill>
+                            <a:srgbClr val="000000"/>
+                          </a:solidFill>
+                          <a:effectLst/>
+                          <a:latin typeface="Calibri" panose="020F0502020204030204" pitchFamily="34" charset="0"/>
+                        </a:rPr>
+                        <a:t>684.5 days</a:t>
+                      </a:r>
+                    </a:p>
+                  </a:txBody>
+                  <a:tcPr marL="9525" marR="9525" marT="9525" marB="0">
+                    <a:lnL>
+                      <a:noFill/>
+                    </a:lnL>
+                    <a:lnR>
+                      <a:noFill/>
+                    </a:lnR>
+                    <a:lnT>
+                      <a:noFill/>
+                    </a:lnT>
+                    <a:lnB>
+                      <a:noFill/>
+                    </a:lnB>
+                  </a:tcPr>
+                </a:tc>
+                <a:tc>
+                  <a:txBody>
+                    <a:bodyPr/>
+                    <a:lstStyle/>
+                    <a:p>
+                      <a:pPr algn="r" fontAlgn="t"/>
+                      <a:r>
+                        <a:rPr lang="en-GB" sz="1000" b="0" i="0" u="none" strike="noStrike">
+                          <a:solidFill>
+                            <a:srgbClr val="000000"/>
+                          </a:solidFill>
+                          <a:effectLst/>
+                          <a:latin typeface="Calibri" panose="020F0502020204030204" pitchFamily="34" charset="0"/>
+                        </a:rPr>
+                        <a:t>224.7 days</a:t>
+                      </a:r>
+                    </a:p>
+                  </a:txBody>
+                  <a:tcPr marL="9525" marR="9525" marT="9525" marB="0">
+                    <a:lnL>
+                      <a:noFill/>
+                    </a:lnL>
+                    <a:lnR>
+                      <a:noFill/>
+                    </a:lnR>
+                    <a:lnT>
+                      <a:noFill/>
+                    </a:lnT>
+                    <a:lnB>
+                      <a:noFill/>
+                    </a:lnB>
+                  </a:tcPr>
+                </a:tc>
+                <a:tc>
+                  <a:txBody>
+                    <a:bodyPr/>
+                    <a:lstStyle/>
+                    <a:p>
+                      <a:pPr algn="r" fontAlgn="t"/>
+                      <a:r>
+                        <a:rPr lang="en-GB" sz="1000" b="0" i="0" u="none" strike="noStrike">
+                          <a:solidFill>
+                            <a:srgbClr val="000000"/>
+                          </a:solidFill>
+                          <a:effectLst/>
+                          <a:latin typeface="Calibri" panose="020F0502020204030204" pitchFamily="34" charset="0"/>
+                        </a:rPr>
+                        <a:t>Slowing</a:t>
+                      </a:r>
+                    </a:p>
+                  </a:txBody>
+                  <a:tcPr marL="9525" marR="9525" marT="9525" marB="0">
+                    <a:lnL>
+                      <a:noFill/>
+                    </a:lnL>
+                    <a:lnR>
+                      <a:noFill/>
+                    </a:lnR>
+                    <a:lnT>
+                      <a:noFill/>
+                    </a:lnT>
+                    <a:lnB>
+                      <a:noFill/>
+                    </a:lnB>
+                  </a:tcPr>
+                </a:tc>
+                <a:tc>
+                  <a:txBody>
+                    <a:bodyPr/>
+                    <a:lstStyle/>
+                    <a:p>
+                      <a:pPr algn="r" fontAlgn="t"/>
+                      <a:endParaRPr lang="en-GB" sz="1000" b="0" i="0" u="none" strike="noStrike">
+                        <a:solidFill>
+                          <a:srgbClr val="000000"/>
+                        </a:solidFill>
+                        <a:effectLst/>
+                        <a:latin typeface="Calibri" panose="020F0502020204030204" pitchFamily="34" charset="0"/>
+                      </a:endParaRPr>
+                    </a:p>
+                  </a:txBody>
+                  <a:tcPr marL="9525" marR="9525" marT="9525" marB="0">
+                    <a:lnL>
+                      <a:noFill/>
+                    </a:lnL>
+                    <a:lnR>
+                      <a:noFill/>
+                    </a:lnR>
+                    <a:lnT>
+                      <a:noFill/>
+                    </a:lnT>
+                    <a:lnB>
+                      <a:noFill/>
+                    </a:lnB>
+                  </a:tcPr>
+                </a:tc>
+                <a:extLst>
+                  <a:ext uri="{0D108BD9-81ED-4DB2-BD59-A6C34878D82A}">
+                    <a16:rowId xmlns:a16="http://schemas.microsoft.com/office/drawing/2014/main" val="2906164965"/>
+                  </a:ext>
+                </a:extLst>
+              </a:tr>
+              <a:tr h="203200">
+                <a:tc>
+                  <a:txBody>
+                    <a:bodyPr/>
+                    <a:lstStyle/>
+                    <a:p>
+                      <a:pPr algn="l" fontAlgn="b"/>
+                      <a:r>
+                        <a:rPr lang="en-GB" sz="1000" b="0" i="0" u="none" strike="noStrike">
+                          <a:solidFill>
+                            <a:srgbClr val="000000"/>
+                          </a:solidFill>
+                          <a:effectLst/>
+                          <a:latin typeface="Calibri" panose="020F0502020204030204" pitchFamily="34" charset="0"/>
+                        </a:rPr>
+                        <a:t>Mid Sussex</a:t>
+                      </a:r>
+                    </a:p>
+                  </a:txBody>
+                  <a:tcPr marL="9525" marR="9525" marT="9525" marB="0" anchor="b">
+                    <a:lnL>
+                      <a:noFill/>
+                    </a:lnL>
+                    <a:lnR>
+                      <a:noFill/>
+                    </a:lnR>
+                    <a:lnT>
+                      <a:noFill/>
+                    </a:lnT>
+                    <a:lnB>
+                      <a:noFill/>
+                    </a:lnB>
+                  </a:tcPr>
+                </a:tc>
+                <a:tc>
+                  <a:txBody>
+                    <a:bodyPr/>
+                    <a:lstStyle/>
+                    <a:p>
+                      <a:pPr algn="r" fontAlgn="t"/>
+                      <a:r>
+                        <a:rPr lang="en-GB" sz="1000" b="0" i="0" u="none" strike="noStrike">
+                          <a:solidFill>
+                            <a:srgbClr val="000000"/>
+                          </a:solidFill>
+                          <a:effectLst/>
+                          <a:latin typeface="Calibri" panose="020F0502020204030204" pitchFamily="34" charset="0"/>
+                        </a:rPr>
+                        <a:t>280</a:t>
+                      </a:r>
+                    </a:p>
+                  </a:txBody>
+                  <a:tcPr marL="9525" marR="9525" marT="9525" marB="0">
+                    <a:lnL>
+                      <a:noFill/>
+                    </a:lnL>
+                    <a:lnR>
+                      <a:noFill/>
+                    </a:lnR>
+                    <a:lnT>
+                      <a:noFill/>
+                    </a:lnT>
+                    <a:lnB>
+                      <a:noFill/>
+                    </a:lnB>
+                  </a:tcPr>
+                </a:tc>
+                <a:tc>
+                  <a:txBody>
+                    <a:bodyPr/>
+                    <a:lstStyle/>
+                    <a:p>
+                      <a:pPr algn="r" fontAlgn="t"/>
+                      <a:r>
+                        <a:rPr lang="en-GB" sz="1000" b="0" i="0" u="none" strike="noStrike">
+                          <a:solidFill>
+                            <a:srgbClr val="000000"/>
+                          </a:solidFill>
+                          <a:effectLst/>
+                          <a:latin typeface="Calibri" panose="020F0502020204030204" pitchFamily="34" charset="0"/>
+                        </a:rPr>
+                        <a:t>187</a:t>
+                      </a:r>
+                    </a:p>
+                  </a:txBody>
+                  <a:tcPr marL="9525" marR="9525" marT="9525" marB="0">
+                    <a:lnL>
+                      <a:noFill/>
+                    </a:lnL>
+                    <a:lnR>
+                      <a:noFill/>
+                    </a:lnR>
+                    <a:lnT>
+                      <a:noFill/>
+                    </a:lnT>
+                    <a:lnB>
+                      <a:noFill/>
+                    </a:lnB>
+                  </a:tcPr>
+                </a:tc>
+                <a:tc>
+                  <a:txBody>
+                    <a:bodyPr/>
+                    <a:lstStyle/>
+                    <a:p>
+                      <a:pPr algn="r" fontAlgn="t"/>
+                      <a:r>
+                        <a:rPr lang="en-GB" sz="1000" b="0" i="0" u="none" strike="noStrike">
+                          <a:solidFill>
+                            <a:srgbClr val="000000"/>
+                          </a:solidFill>
+                          <a:effectLst/>
+                          <a:latin typeface="Calibri" panose="020F0502020204030204" pitchFamily="34" charset="0"/>
+                        </a:rPr>
+                        <a:t>0</a:t>
+                      </a:r>
+                    </a:p>
+                  </a:txBody>
+                  <a:tcPr marL="9525" marR="9525" marT="9525" marB="0">
+                    <a:lnL>
+                      <a:noFill/>
+                    </a:lnL>
+                    <a:lnR>
+                      <a:noFill/>
+                    </a:lnR>
+                    <a:lnT>
+                      <a:noFill/>
+                    </a:lnT>
+                    <a:lnB>
+                      <a:noFill/>
+                    </a:lnB>
+                  </a:tcPr>
+                </a:tc>
+                <a:tc>
+                  <a:txBody>
+                    <a:bodyPr/>
+                    <a:lstStyle/>
+                    <a:p>
+                      <a:pPr algn="r" fontAlgn="t"/>
+                      <a:r>
+                        <a:rPr lang="en-GB" sz="1000" b="0" i="0" u="none" strike="noStrike">
+                          <a:solidFill>
+                            <a:srgbClr val="000000"/>
+                          </a:solidFill>
+                          <a:effectLst/>
+                          <a:latin typeface="Calibri" panose="020F0502020204030204" pitchFamily="34" charset="0"/>
+                        </a:rPr>
+                        <a:t>478.3 days</a:t>
+                      </a:r>
+                    </a:p>
+                  </a:txBody>
+                  <a:tcPr marL="9525" marR="9525" marT="9525" marB="0">
+                    <a:lnL>
+                      <a:noFill/>
+                    </a:lnL>
+                    <a:lnR>
+                      <a:noFill/>
+                    </a:lnR>
+                    <a:lnT>
+                      <a:noFill/>
+                    </a:lnT>
+                    <a:lnB>
+                      <a:noFill/>
+                    </a:lnB>
+                  </a:tcPr>
+                </a:tc>
+                <a:tc>
+                  <a:txBody>
+                    <a:bodyPr/>
+                    <a:lstStyle/>
+                    <a:p>
+                      <a:pPr algn="r" fontAlgn="t"/>
+                      <a:r>
+                        <a:rPr lang="en-GB" sz="1000" b="0" i="0" u="none" strike="noStrike">
+                          <a:solidFill>
+                            <a:srgbClr val="000000"/>
+                          </a:solidFill>
+                          <a:effectLst/>
+                          <a:latin typeface="Calibri" panose="020F0502020204030204" pitchFamily="34" charset="0"/>
+                        </a:rPr>
+                        <a:t>97.9 days</a:t>
+                      </a:r>
+                    </a:p>
+                  </a:txBody>
+                  <a:tcPr marL="9525" marR="9525" marT="9525" marB="0">
+                    <a:lnL>
+                      <a:noFill/>
+                    </a:lnL>
+                    <a:lnR>
+                      <a:noFill/>
+                    </a:lnR>
+                    <a:lnT>
+                      <a:noFill/>
+                    </a:lnT>
+                    <a:lnB>
+                      <a:noFill/>
+                    </a:lnB>
+                  </a:tcPr>
+                </a:tc>
+                <a:tc>
+                  <a:txBody>
+                    <a:bodyPr/>
+                    <a:lstStyle/>
+                    <a:p>
+                      <a:pPr algn="r" fontAlgn="t"/>
+                      <a:r>
+                        <a:rPr lang="en-GB" sz="1000" b="0" i="0" u="none" strike="noStrike">
+                          <a:solidFill>
+                            <a:srgbClr val="000000"/>
+                          </a:solidFill>
+                          <a:effectLst/>
+                          <a:latin typeface="Calibri" panose="020F0502020204030204" pitchFamily="34" charset="0"/>
+                        </a:rPr>
+                        <a:t>Slowing</a:t>
+                      </a:r>
+                    </a:p>
+                  </a:txBody>
+                  <a:tcPr marL="9525" marR="9525" marT="9525" marB="0">
+                    <a:lnL>
+                      <a:noFill/>
+                    </a:lnL>
+                    <a:lnR>
+                      <a:noFill/>
+                    </a:lnR>
+                    <a:lnT>
+                      <a:noFill/>
+                    </a:lnT>
+                    <a:lnB>
+                      <a:noFill/>
+                    </a:lnB>
+                  </a:tcPr>
+                </a:tc>
+                <a:tc>
+                  <a:txBody>
+                    <a:bodyPr/>
+                    <a:lstStyle/>
+                    <a:p>
+                      <a:pPr algn="r" fontAlgn="t"/>
+                      <a:endParaRPr lang="en-GB" sz="1000" b="0" i="0" u="none" strike="noStrike">
+                        <a:solidFill>
+                          <a:srgbClr val="000000"/>
+                        </a:solidFill>
+                        <a:effectLst/>
+                        <a:latin typeface="Calibri" panose="020F0502020204030204" pitchFamily="34" charset="0"/>
+                      </a:endParaRPr>
+                    </a:p>
+                  </a:txBody>
+                  <a:tcPr marL="9525" marR="9525" marT="9525" marB="0">
+                    <a:lnL>
+                      <a:noFill/>
+                    </a:lnL>
+                    <a:lnR>
+                      <a:noFill/>
+                    </a:lnR>
+                    <a:lnT>
+                      <a:noFill/>
+                    </a:lnT>
+                    <a:lnB>
+                      <a:noFill/>
+                    </a:lnB>
+                  </a:tcPr>
+                </a:tc>
+                <a:extLst>
+                  <a:ext uri="{0D108BD9-81ED-4DB2-BD59-A6C34878D82A}">
+                    <a16:rowId xmlns:a16="http://schemas.microsoft.com/office/drawing/2014/main" val="1346907257"/>
+                  </a:ext>
+                </a:extLst>
+              </a:tr>
+              <a:tr h="203200">
+                <a:tc>
+                  <a:txBody>
+                    <a:bodyPr/>
+                    <a:lstStyle/>
+                    <a:p>
+                      <a:pPr algn="l" fontAlgn="b"/>
+                      <a:r>
+                        <a:rPr lang="en-GB" sz="1000" b="0" i="0" u="none" strike="noStrike">
+                          <a:solidFill>
+                            <a:srgbClr val="000000"/>
+                          </a:solidFill>
+                          <a:effectLst/>
+                          <a:latin typeface="Calibri" panose="020F0502020204030204" pitchFamily="34" charset="0"/>
+                        </a:rPr>
+                        <a:t>Worthing</a:t>
+                      </a:r>
+                    </a:p>
+                  </a:txBody>
+                  <a:tcPr marL="9525" marR="9525" marT="9525" marB="0" anchor="b">
+                    <a:lnL>
+                      <a:noFill/>
+                    </a:lnL>
+                    <a:lnR>
+                      <a:noFill/>
+                    </a:lnR>
+                    <a:lnT>
+                      <a:noFill/>
+                    </a:lnT>
+                    <a:lnB>
+                      <a:noFill/>
+                    </a:lnB>
+                  </a:tcPr>
+                </a:tc>
+                <a:tc>
+                  <a:txBody>
+                    <a:bodyPr/>
+                    <a:lstStyle/>
+                    <a:p>
+                      <a:pPr algn="r" fontAlgn="t"/>
+                      <a:r>
+                        <a:rPr lang="en-GB" sz="1000" b="0" i="0" u="none" strike="noStrike">
+                          <a:solidFill>
+                            <a:srgbClr val="000000"/>
+                          </a:solidFill>
+                          <a:effectLst/>
+                          <a:latin typeface="Calibri" panose="020F0502020204030204" pitchFamily="34" charset="0"/>
+                        </a:rPr>
+                        <a:t>206</a:t>
+                      </a:r>
+                    </a:p>
+                  </a:txBody>
+                  <a:tcPr marL="9525" marR="9525" marT="9525" marB="0">
+                    <a:lnL>
+                      <a:noFill/>
+                    </a:lnL>
+                    <a:lnR>
+                      <a:noFill/>
+                    </a:lnR>
+                    <a:lnT>
+                      <a:noFill/>
+                    </a:lnT>
+                    <a:lnB>
+                      <a:noFill/>
+                    </a:lnB>
+                  </a:tcPr>
+                </a:tc>
+                <a:tc>
+                  <a:txBody>
+                    <a:bodyPr/>
+                    <a:lstStyle/>
+                    <a:p>
+                      <a:pPr algn="r" fontAlgn="t"/>
+                      <a:r>
+                        <a:rPr lang="en-GB" sz="1000" b="0" i="0" u="none" strike="noStrike">
+                          <a:solidFill>
+                            <a:srgbClr val="000000"/>
+                          </a:solidFill>
+                          <a:effectLst/>
+                          <a:latin typeface="Calibri" panose="020F0502020204030204" pitchFamily="34" charset="0"/>
+                        </a:rPr>
+                        <a:t>187</a:t>
+                      </a:r>
+                    </a:p>
+                  </a:txBody>
+                  <a:tcPr marL="9525" marR="9525" marT="9525" marB="0">
+                    <a:lnL>
+                      <a:noFill/>
+                    </a:lnL>
+                    <a:lnR>
+                      <a:noFill/>
+                    </a:lnR>
+                    <a:lnT>
+                      <a:noFill/>
+                    </a:lnT>
+                    <a:lnB>
+                      <a:noFill/>
+                    </a:lnB>
+                  </a:tcPr>
+                </a:tc>
+                <a:tc>
+                  <a:txBody>
+                    <a:bodyPr/>
+                    <a:lstStyle/>
+                    <a:p>
+                      <a:pPr algn="r" fontAlgn="t"/>
+                      <a:r>
+                        <a:rPr lang="en-GB" sz="1000" b="0" i="0" u="none" strike="noStrike">
+                          <a:solidFill>
+                            <a:srgbClr val="000000"/>
+                          </a:solidFill>
+                          <a:effectLst/>
+                          <a:latin typeface="Calibri" panose="020F0502020204030204" pitchFamily="34" charset="0"/>
+                        </a:rPr>
+                        <a:t>2</a:t>
+                      </a:r>
+                    </a:p>
+                  </a:txBody>
+                  <a:tcPr marL="9525" marR="9525" marT="9525" marB="0">
+                    <a:lnL>
+                      <a:noFill/>
+                    </a:lnL>
+                    <a:lnR>
+                      <a:noFill/>
+                    </a:lnR>
+                    <a:lnT>
+                      <a:noFill/>
+                    </a:lnT>
+                    <a:lnB>
+                      <a:noFill/>
+                    </a:lnB>
+                  </a:tcPr>
+                </a:tc>
+                <a:tc>
+                  <a:txBody>
+                    <a:bodyPr/>
+                    <a:lstStyle/>
+                    <a:p>
+                      <a:pPr algn="r" fontAlgn="t"/>
+                      <a:r>
+                        <a:rPr lang="en-GB" sz="1000" b="0" i="0" u="none" strike="noStrike">
+                          <a:solidFill>
+                            <a:srgbClr val="000000"/>
+                          </a:solidFill>
+                          <a:effectLst/>
+                          <a:latin typeface="Calibri" panose="020F0502020204030204" pitchFamily="34" charset="0"/>
+                        </a:rPr>
+                        <a:t>71.2 days</a:t>
+                      </a:r>
+                    </a:p>
+                  </a:txBody>
+                  <a:tcPr marL="9525" marR="9525" marT="9525" marB="0">
+                    <a:lnL>
+                      <a:noFill/>
+                    </a:lnL>
+                    <a:lnR>
+                      <a:noFill/>
+                    </a:lnR>
+                    <a:lnT>
+                      <a:noFill/>
+                    </a:lnT>
+                    <a:lnB>
+                      <a:noFill/>
+                    </a:lnB>
+                  </a:tcPr>
+                </a:tc>
+                <a:tc>
+                  <a:txBody>
+                    <a:bodyPr/>
+                    <a:lstStyle/>
+                    <a:p>
+                      <a:pPr algn="r" fontAlgn="t"/>
+                      <a:r>
+                        <a:rPr lang="en-GB" sz="1000" b="0" i="0" u="none" strike="noStrike">
+                          <a:solidFill>
+                            <a:srgbClr val="000000"/>
+                          </a:solidFill>
+                          <a:effectLst/>
+                          <a:latin typeface="Calibri" panose="020F0502020204030204" pitchFamily="34" charset="0"/>
+                        </a:rPr>
+                        <a:t>79.5 days</a:t>
+                      </a:r>
+                    </a:p>
+                  </a:txBody>
+                  <a:tcPr marL="9525" marR="9525" marT="9525" marB="0">
+                    <a:lnL>
+                      <a:noFill/>
+                    </a:lnL>
+                    <a:lnR>
+                      <a:noFill/>
+                    </a:lnR>
+                    <a:lnT>
+                      <a:noFill/>
+                    </a:lnT>
+                    <a:lnB>
+                      <a:noFill/>
+                    </a:lnB>
+                  </a:tcPr>
+                </a:tc>
+                <a:tc>
+                  <a:txBody>
+                    <a:bodyPr/>
+                    <a:lstStyle/>
+                    <a:p>
+                      <a:pPr algn="r" fontAlgn="t"/>
+                      <a:r>
+                        <a:rPr lang="en-GB" sz="1000" b="0" i="0" u="none" strike="noStrike">
+                          <a:solidFill>
+                            <a:srgbClr val="000000"/>
+                          </a:solidFill>
+                          <a:effectLst/>
+                          <a:latin typeface="Calibri" panose="020F0502020204030204" pitchFamily="34" charset="0"/>
+                        </a:rPr>
+                        <a:t>Speeding up</a:t>
+                      </a:r>
+                    </a:p>
+                  </a:txBody>
+                  <a:tcPr marL="9525" marR="9525" marT="9525" marB="0">
+                    <a:lnL>
+                      <a:noFill/>
+                    </a:lnL>
+                    <a:lnR>
+                      <a:noFill/>
+                    </a:lnR>
+                    <a:lnT>
+                      <a:noFill/>
+                    </a:lnT>
+                    <a:lnB>
+                      <a:noFill/>
+                    </a:lnB>
+                  </a:tcPr>
+                </a:tc>
+                <a:tc>
+                  <a:txBody>
+                    <a:bodyPr/>
+                    <a:lstStyle/>
+                    <a:p>
+                      <a:pPr algn="r" fontAlgn="t"/>
+                      <a:endParaRPr lang="en-GB" sz="1000" b="0" i="0" u="none" strike="noStrike">
+                        <a:solidFill>
+                          <a:srgbClr val="000000"/>
+                        </a:solidFill>
+                        <a:effectLst/>
+                        <a:latin typeface="Calibri" panose="020F0502020204030204" pitchFamily="34" charset="0"/>
+                      </a:endParaRPr>
+                    </a:p>
+                  </a:txBody>
+                  <a:tcPr marL="9525" marR="9525" marT="9525" marB="0">
+                    <a:lnL>
+                      <a:noFill/>
+                    </a:lnL>
+                    <a:lnR>
+                      <a:noFill/>
+                    </a:lnR>
+                    <a:lnT>
+                      <a:noFill/>
+                    </a:lnT>
+                    <a:lnB>
+                      <a:noFill/>
+                    </a:lnB>
+                  </a:tcPr>
+                </a:tc>
+                <a:extLst>
+                  <a:ext uri="{0D108BD9-81ED-4DB2-BD59-A6C34878D82A}">
+                    <a16:rowId xmlns:a16="http://schemas.microsoft.com/office/drawing/2014/main" val="1302039250"/>
+                  </a:ext>
+                </a:extLst>
+              </a:tr>
+              <a:tr h="203200">
+                <a:tc>
+                  <a:txBody>
+                    <a:bodyPr/>
+                    <a:lstStyle/>
+                    <a:p>
+                      <a:pPr algn="l" fontAlgn="b"/>
+                      <a:r>
+                        <a:rPr lang="en-GB" sz="1000" b="0" i="0" u="none" strike="noStrike" dirty="0">
+                          <a:solidFill>
+                            <a:srgbClr val="000000"/>
+                          </a:solidFill>
+                          <a:effectLst/>
+                          <a:latin typeface="Calibri" panose="020F0502020204030204" pitchFamily="34" charset="0"/>
+                        </a:rPr>
+                        <a:t>South East region</a:t>
+                      </a:r>
+                    </a:p>
+                  </a:txBody>
+                  <a:tcPr marL="9525" marR="9525" marT="9525" marB="0" anchor="b">
+                    <a:lnL>
+                      <a:noFill/>
+                    </a:lnL>
+                    <a:lnR>
+                      <a:noFill/>
+                    </a:lnR>
+                    <a:lnT>
+                      <a:noFill/>
+                    </a:lnT>
+                    <a:lnB>
+                      <a:noFill/>
+                    </a:lnB>
+                    <a:lnTlToBr w="12700" cmpd="sng">
+                      <a:noFill/>
+                      <a:prstDash val="solid"/>
+                    </a:lnTlToBr>
+                    <a:lnBlToTr w="12700" cmpd="sng">
+                      <a:noFill/>
+                      <a:prstDash val="solid"/>
+                    </a:lnBlToTr>
+                  </a:tcPr>
+                </a:tc>
+                <a:tc>
+                  <a:txBody>
+                    <a:bodyPr/>
+                    <a:lstStyle/>
+                    <a:p>
+                      <a:pPr algn="r" fontAlgn="t"/>
+                      <a:r>
+                        <a:rPr lang="en-GB" sz="1000" b="0" i="0" u="none" strike="noStrike">
+                          <a:solidFill>
+                            <a:srgbClr val="000000"/>
+                          </a:solidFill>
+                          <a:effectLst/>
+                          <a:latin typeface="Calibri" panose="020F0502020204030204" pitchFamily="34" charset="0"/>
+                        </a:rPr>
+                        <a:t>19,776</a:t>
+                      </a:r>
+                    </a:p>
+                  </a:txBody>
+                  <a:tcPr marL="9525" marR="9525" marT="9525" marB="0">
+                    <a:lnL>
+                      <a:noFill/>
+                    </a:lnL>
+                    <a:lnR>
+                      <a:noFill/>
+                    </a:lnR>
+                    <a:lnT>
+                      <a:noFill/>
+                    </a:lnT>
+                    <a:lnB>
+                      <a:noFill/>
+                    </a:lnB>
+                    <a:lnTlToBr w="12700" cmpd="sng">
+                      <a:noFill/>
+                      <a:prstDash val="solid"/>
+                    </a:lnTlToBr>
+                    <a:lnBlToTr w="12700" cmpd="sng">
+                      <a:noFill/>
+                      <a:prstDash val="solid"/>
+                    </a:lnBlToTr>
+                  </a:tcPr>
+                </a:tc>
+                <a:tc>
+                  <a:txBody>
+                    <a:bodyPr/>
+                    <a:lstStyle/>
+                    <a:p>
+                      <a:pPr algn="r" fontAlgn="t"/>
+                      <a:r>
+                        <a:rPr lang="en-GB" sz="1000" b="0" i="0" u="none" strike="noStrike">
+                          <a:solidFill>
+                            <a:srgbClr val="000000"/>
+                          </a:solidFill>
+                          <a:effectLst/>
+                          <a:latin typeface="Calibri" panose="020F0502020204030204" pitchFamily="34" charset="0"/>
+                        </a:rPr>
+                        <a:t>217</a:t>
+                      </a:r>
+                    </a:p>
+                  </a:txBody>
+                  <a:tcPr marL="9525" marR="9525" marT="9525" marB="0">
+                    <a:lnL>
+                      <a:noFill/>
+                    </a:lnL>
+                    <a:lnR>
+                      <a:noFill/>
+                    </a:lnR>
+                    <a:lnT>
+                      <a:noFill/>
+                    </a:lnT>
+                    <a:lnB>
+                      <a:noFill/>
+                    </a:lnB>
+                    <a:lnTlToBr w="12700" cmpd="sng">
+                      <a:noFill/>
+                      <a:prstDash val="solid"/>
+                    </a:lnTlToBr>
+                    <a:lnBlToTr w="12700" cmpd="sng">
+                      <a:noFill/>
+                      <a:prstDash val="solid"/>
+                    </a:lnBlToTr>
+                  </a:tcPr>
+                </a:tc>
+                <a:tc>
+                  <a:txBody>
+                    <a:bodyPr/>
+                    <a:lstStyle/>
+                    <a:p>
+                      <a:pPr algn="r" fontAlgn="t"/>
+                      <a:r>
+                        <a:rPr lang="en-GB" sz="1000" b="0" i="0" u="none" strike="noStrike">
+                          <a:solidFill>
+                            <a:srgbClr val="000000"/>
+                          </a:solidFill>
+                          <a:effectLst/>
+                          <a:latin typeface="Calibri" panose="020F0502020204030204" pitchFamily="34" charset="0"/>
+                        </a:rPr>
+                        <a:t>125</a:t>
+                      </a:r>
+                    </a:p>
+                  </a:txBody>
+                  <a:tcPr marL="9525" marR="9525" marT="9525" marB="0">
+                    <a:lnL>
+                      <a:noFill/>
+                    </a:lnL>
+                    <a:lnR>
+                      <a:noFill/>
+                    </a:lnR>
+                    <a:lnT>
+                      <a:noFill/>
+                    </a:lnT>
+                    <a:lnB>
+                      <a:noFill/>
+                    </a:lnB>
+                    <a:lnTlToBr w="12700" cmpd="sng">
+                      <a:noFill/>
+                      <a:prstDash val="solid"/>
+                    </a:lnTlToBr>
+                    <a:lnBlToTr w="12700" cmpd="sng">
+                      <a:noFill/>
+                      <a:prstDash val="solid"/>
+                    </a:lnBlToTr>
+                  </a:tcPr>
+                </a:tc>
+                <a:tc>
+                  <a:txBody>
+                    <a:bodyPr/>
+                    <a:lstStyle/>
+                    <a:p>
+                      <a:pPr algn="r" fontAlgn="t"/>
+                      <a:r>
+                        <a:rPr lang="en-GB" sz="1000" b="0" i="0" u="none" strike="noStrike">
+                          <a:solidFill>
+                            <a:srgbClr val="000000"/>
+                          </a:solidFill>
+                          <a:effectLst/>
+                          <a:latin typeface="Calibri" panose="020F0502020204030204" pitchFamily="34" charset="0"/>
+                        </a:rPr>
+                        <a:t>77.0 days</a:t>
+                      </a:r>
+                    </a:p>
+                  </a:txBody>
+                  <a:tcPr marL="9525" marR="9525" marT="9525" marB="0">
+                    <a:lnL>
+                      <a:noFill/>
+                    </a:lnL>
+                    <a:lnR>
+                      <a:noFill/>
+                    </a:lnR>
+                    <a:lnT>
+                      <a:noFill/>
+                    </a:lnT>
+                    <a:lnB>
+                      <a:noFill/>
+                    </a:lnB>
+                    <a:lnTlToBr w="12700" cmpd="sng">
+                      <a:noFill/>
+                      <a:prstDash val="solid"/>
+                    </a:lnTlToBr>
+                    <a:lnBlToTr w="12700" cmpd="sng">
+                      <a:noFill/>
+                      <a:prstDash val="solid"/>
+                    </a:lnBlToTr>
+                  </a:tcPr>
+                </a:tc>
+                <a:tc>
+                  <a:txBody>
+                    <a:bodyPr/>
+                    <a:lstStyle/>
+                    <a:p>
+                      <a:pPr algn="r" fontAlgn="t"/>
+                      <a:r>
+                        <a:rPr lang="en-GB" sz="1000" b="0" i="0" u="none" strike="noStrike">
+                          <a:solidFill>
+                            <a:srgbClr val="000000"/>
+                          </a:solidFill>
+                          <a:effectLst/>
+                          <a:latin typeface="Calibri" panose="020F0502020204030204" pitchFamily="34" charset="0"/>
+                        </a:rPr>
+                        <a:t>59.1 days</a:t>
+                      </a:r>
+                    </a:p>
+                  </a:txBody>
+                  <a:tcPr marL="9525" marR="9525" marT="9525" marB="0">
+                    <a:lnL>
+                      <a:noFill/>
+                    </a:lnL>
+                    <a:lnR>
+                      <a:noFill/>
+                    </a:lnR>
+                    <a:lnT>
+                      <a:noFill/>
+                    </a:lnT>
+                    <a:lnB>
+                      <a:noFill/>
+                    </a:lnB>
+                    <a:lnTlToBr w="12700" cmpd="sng">
+                      <a:noFill/>
+                      <a:prstDash val="solid"/>
+                    </a:lnTlToBr>
+                    <a:lnBlToTr w="12700" cmpd="sng">
+                      <a:noFill/>
+                      <a:prstDash val="solid"/>
+                    </a:lnBlToTr>
+                  </a:tcPr>
+                </a:tc>
+                <a:tc>
+                  <a:txBody>
+                    <a:bodyPr/>
+                    <a:lstStyle/>
+                    <a:p>
+                      <a:pPr algn="r" fontAlgn="t"/>
+                      <a:r>
+                        <a:rPr lang="en-GB" sz="1000" b="0" i="0" u="none" strike="noStrike" dirty="0">
+                          <a:solidFill>
+                            <a:srgbClr val="000000"/>
+                          </a:solidFill>
+                          <a:effectLst/>
+                          <a:latin typeface="Calibri" panose="020F0502020204030204" pitchFamily="34" charset="0"/>
+                        </a:rPr>
+                        <a:t>Slowing</a:t>
+                      </a:r>
+                    </a:p>
+                  </a:txBody>
+                  <a:tcPr marL="9525" marR="9525" marT="9525" marB="0">
+                    <a:lnL>
+                      <a:noFill/>
+                    </a:lnL>
+                    <a:lnR>
+                      <a:noFill/>
+                    </a:lnR>
+                    <a:lnT>
+                      <a:noFill/>
+                    </a:lnT>
+                    <a:lnB>
+                      <a:noFill/>
+                    </a:lnB>
+                    <a:lnTlToBr w="12700" cmpd="sng">
+                      <a:noFill/>
+                      <a:prstDash val="solid"/>
+                    </a:lnTlToBr>
+                    <a:lnBlToTr w="12700" cmpd="sng">
+                      <a:noFill/>
+                      <a:prstDash val="solid"/>
+                    </a:lnBlToTr>
+                  </a:tcPr>
+                </a:tc>
+                <a:tc>
+                  <a:txBody>
+                    <a:bodyPr/>
+                    <a:lstStyle/>
+                    <a:p>
+                      <a:pPr algn="r" fontAlgn="t"/>
+                      <a:endParaRPr lang="en-GB" sz="1000" b="0" i="0" u="none" strike="noStrike">
+                        <a:solidFill>
+                          <a:srgbClr val="000000"/>
+                        </a:solidFill>
+                        <a:effectLst/>
+                        <a:latin typeface="Calibri" panose="020F0502020204030204" pitchFamily="34" charset="0"/>
+                      </a:endParaRPr>
+                    </a:p>
+                  </a:txBody>
+                  <a:tcPr marL="9525" marR="9525" marT="9525" marB="0">
+                    <a:lnL>
+                      <a:noFill/>
+                    </a:lnL>
+                    <a:lnR>
+                      <a:noFill/>
+                    </a:lnR>
+                    <a:lnT>
+                      <a:noFill/>
+                    </a:lnT>
+                    <a:lnB>
+                      <a:noFill/>
+                    </a:lnB>
+                    <a:lnTlToBr w="12700" cmpd="sng">
+                      <a:noFill/>
+                      <a:prstDash val="solid"/>
+                    </a:lnTlToBr>
+                    <a:lnBlToTr w="12700" cmpd="sng">
+                      <a:noFill/>
+                      <a:prstDash val="solid"/>
+                    </a:lnBlToTr>
+                  </a:tcPr>
+                </a:tc>
+                <a:extLst>
+                  <a:ext uri="{0D108BD9-81ED-4DB2-BD59-A6C34878D82A}">
+                    <a16:rowId xmlns:a16="http://schemas.microsoft.com/office/drawing/2014/main" val="2336254220"/>
+                  </a:ext>
+                </a:extLst>
+              </a:tr>
+              <a:tr h="203200">
+                <a:tc>
+                  <a:txBody>
+                    <a:bodyPr/>
+                    <a:lstStyle/>
+                    <a:p>
+                      <a:pPr algn="l" fontAlgn="b"/>
+                      <a:r>
+                        <a:rPr lang="en-GB" sz="1000" b="0" i="0" u="none" strike="noStrike" dirty="0">
+                          <a:solidFill>
+                            <a:srgbClr val="000000"/>
+                          </a:solidFill>
+                          <a:effectLst/>
+                          <a:latin typeface="Calibri" panose="020F0502020204030204" pitchFamily="34" charset="0"/>
+                        </a:rPr>
+                        <a:t>England</a:t>
+                      </a:r>
+                    </a:p>
+                  </a:txBody>
+                  <a:tcPr marL="9525" marR="9525" marT="9525" marB="0" anchor="b">
+                    <a:lnL>
+                      <a:noFill/>
+                    </a:lnL>
+                    <a:lnR>
+                      <a:noFill/>
+                    </a:lnR>
+                    <a:lnT>
+                      <a:noFill/>
+                    </a:lnT>
+                    <a:lnB w="6350" cap="flat" cmpd="sng" algn="ctr">
+                      <a:noFill/>
+                      <a:prstDash val="solid"/>
+                      <a:round/>
+                      <a:headEnd type="none" w="med" len="med"/>
+                      <a:tailEnd type="none" w="med" len="med"/>
+                    </a:lnB>
+                    <a:lnTlToBr w="12700" cmpd="sng">
+                      <a:noFill/>
+                      <a:prstDash val="solid"/>
+                    </a:lnTlToBr>
+                    <a:lnBlToTr w="12700" cmpd="sng">
+                      <a:noFill/>
+                      <a:prstDash val="solid"/>
+                    </a:lnBlToTr>
+                  </a:tcPr>
+                </a:tc>
+                <a:tc>
+                  <a:txBody>
+                    <a:bodyPr/>
+                    <a:lstStyle/>
+                    <a:p>
+                      <a:pPr algn="r" fontAlgn="t"/>
+                      <a:r>
+                        <a:rPr lang="en-GB" sz="1000" b="0" i="0" u="none" strike="noStrike">
+                          <a:solidFill>
+                            <a:srgbClr val="000000"/>
+                          </a:solidFill>
+                          <a:effectLst/>
+                          <a:latin typeface="Calibri" panose="020F0502020204030204" pitchFamily="34" charset="0"/>
+                        </a:rPr>
+                        <a:t>140,275</a:t>
+                      </a:r>
+                    </a:p>
+                  </a:txBody>
+                  <a:tcPr marL="9525" marR="9525" marT="9525" marB="0">
+                    <a:lnL>
+                      <a:noFill/>
+                    </a:lnL>
+                    <a:lnR>
+                      <a:noFill/>
+                    </a:lnR>
+                    <a:lnT>
+                      <a:noFill/>
+                    </a:lnT>
+                    <a:lnB w="6350" cap="flat" cmpd="sng" algn="ctr">
+                      <a:noFill/>
+                      <a:prstDash val="solid"/>
+                      <a:round/>
+                      <a:headEnd type="none" w="med" len="med"/>
+                      <a:tailEnd type="none" w="med" len="med"/>
+                    </a:lnB>
+                    <a:lnTlToBr w="12700" cmpd="sng">
+                      <a:noFill/>
+                      <a:prstDash val="solid"/>
+                    </a:lnTlToBr>
+                    <a:lnBlToTr w="12700" cmpd="sng">
+                      <a:noFill/>
+                      <a:prstDash val="solid"/>
+                    </a:lnBlToTr>
+                  </a:tcPr>
+                </a:tc>
+                <a:tc>
+                  <a:txBody>
+                    <a:bodyPr/>
+                    <a:lstStyle/>
+                    <a:p>
+                      <a:pPr algn="r" fontAlgn="t"/>
+                      <a:r>
+                        <a:rPr lang="en-GB" sz="1000" b="0" i="0" u="none" strike="noStrike" dirty="0">
+                          <a:solidFill>
+                            <a:srgbClr val="000000"/>
+                          </a:solidFill>
+                          <a:effectLst/>
+                          <a:latin typeface="Calibri" panose="020F0502020204030204" pitchFamily="34" charset="0"/>
+                        </a:rPr>
+                        <a:t>251</a:t>
+                      </a:r>
+                    </a:p>
+                  </a:txBody>
+                  <a:tcPr marL="9525" marR="9525" marT="9525" marB="0">
+                    <a:lnL>
+                      <a:noFill/>
+                    </a:lnL>
+                    <a:lnR>
+                      <a:noFill/>
+                    </a:lnR>
+                    <a:lnT>
+                      <a:noFill/>
+                    </a:lnT>
+                    <a:lnB w="6350" cap="flat" cmpd="sng" algn="ctr">
+                      <a:noFill/>
+                      <a:prstDash val="solid"/>
+                      <a:round/>
+                      <a:headEnd type="none" w="med" len="med"/>
+                      <a:tailEnd type="none" w="med" len="med"/>
+                    </a:lnB>
+                    <a:lnTlToBr w="12700" cmpd="sng">
+                      <a:noFill/>
+                      <a:prstDash val="solid"/>
+                    </a:lnTlToBr>
+                    <a:lnBlToTr w="12700" cmpd="sng">
+                      <a:noFill/>
+                      <a:prstDash val="solid"/>
+                    </a:lnBlToTr>
+                  </a:tcPr>
+                </a:tc>
+                <a:tc>
+                  <a:txBody>
+                    <a:bodyPr/>
+                    <a:lstStyle/>
+                    <a:p>
+                      <a:pPr algn="r" fontAlgn="t"/>
+                      <a:r>
+                        <a:rPr lang="en-GB" sz="1000" b="0" i="0" u="none" strike="noStrike">
+                          <a:solidFill>
+                            <a:srgbClr val="000000"/>
+                          </a:solidFill>
+                          <a:effectLst/>
+                          <a:latin typeface="Calibri" panose="020F0502020204030204" pitchFamily="34" charset="0"/>
+                        </a:rPr>
+                        <a:t>1,037</a:t>
+                      </a:r>
+                    </a:p>
+                  </a:txBody>
+                  <a:tcPr marL="9525" marR="9525" marT="9525" marB="0">
+                    <a:lnL>
+                      <a:noFill/>
+                    </a:lnL>
+                    <a:lnR>
+                      <a:noFill/>
+                    </a:lnR>
+                    <a:lnT>
+                      <a:noFill/>
+                    </a:lnT>
+                    <a:lnB w="6350" cap="flat" cmpd="sng" algn="ctr">
+                      <a:noFill/>
+                      <a:prstDash val="solid"/>
+                      <a:round/>
+                      <a:headEnd type="none" w="med" len="med"/>
+                      <a:tailEnd type="none" w="med" len="med"/>
+                    </a:lnB>
+                    <a:lnTlToBr w="12700" cmpd="sng">
+                      <a:noFill/>
+                      <a:prstDash val="solid"/>
+                    </a:lnTlToBr>
+                    <a:lnBlToTr w="12700" cmpd="sng">
+                      <a:noFill/>
+                      <a:prstDash val="solid"/>
+                    </a:lnBlToTr>
+                  </a:tcPr>
+                </a:tc>
+                <a:tc>
+                  <a:txBody>
+                    <a:bodyPr/>
+                    <a:lstStyle/>
+                    <a:p>
+                      <a:pPr algn="r" fontAlgn="t"/>
+                      <a:r>
+                        <a:rPr lang="en-GB" sz="1000" b="0" i="0" u="none" strike="noStrike" dirty="0">
+                          <a:solidFill>
+                            <a:srgbClr val="000000"/>
+                          </a:solidFill>
+                          <a:effectLst/>
+                          <a:latin typeface="Calibri" panose="020F0502020204030204" pitchFamily="34" charset="0"/>
+                        </a:rPr>
+                        <a:t>67.4 days</a:t>
+                      </a:r>
+                    </a:p>
+                  </a:txBody>
+                  <a:tcPr marL="9525" marR="9525" marT="9525" marB="0">
+                    <a:lnL>
+                      <a:noFill/>
+                    </a:lnL>
+                    <a:lnR>
+                      <a:noFill/>
+                    </a:lnR>
+                    <a:lnT>
+                      <a:noFill/>
+                    </a:lnT>
+                    <a:lnB w="6350" cap="flat" cmpd="sng" algn="ctr">
+                      <a:noFill/>
+                      <a:prstDash val="solid"/>
+                      <a:round/>
+                      <a:headEnd type="none" w="med" len="med"/>
+                      <a:tailEnd type="none" w="med" len="med"/>
+                    </a:lnB>
+                    <a:lnTlToBr w="12700" cmpd="sng">
+                      <a:noFill/>
+                      <a:prstDash val="solid"/>
+                    </a:lnTlToBr>
+                    <a:lnBlToTr w="12700" cmpd="sng">
+                      <a:noFill/>
+                      <a:prstDash val="solid"/>
+                    </a:lnBlToTr>
+                  </a:tcPr>
+                </a:tc>
+                <a:tc>
+                  <a:txBody>
+                    <a:bodyPr/>
+                    <a:lstStyle/>
+                    <a:p>
+                      <a:pPr algn="r" fontAlgn="t"/>
+                      <a:r>
+                        <a:rPr lang="en-GB" sz="1000" b="0" i="0" u="none" strike="noStrike" dirty="0">
+                          <a:solidFill>
+                            <a:srgbClr val="000000"/>
+                          </a:solidFill>
+                          <a:effectLst/>
+                          <a:latin typeface="Calibri" panose="020F0502020204030204" pitchFamily="34" charset="0"/>
+                        </a:rPr>
+                        <a:t>55.7 days</a:t>
+                      </a:r>
+                    </a:p>
+                  </a:txBody>
+                  <a:tcPr marL="9525" marR="9525" marT="9525" marB="0">
+                    <a:lnL>
+                      <a:noFill/>
+                    </a:lnL>
+                    <a:lnR>
+                      <a:noFill/>
+                    </a:lnR>
+                    <a:lnT>
+                      <a:noFill/>
+                    </a:lnT>
+                    <a:lnB w="6350" cap="flat" cmpd="sng" algn="ctr">
+                      <a:noFill/>
+                      <a:prstDash val="solid"/>
+                      <a:round/>
+                      <a:headEnd type="none" w="med" len="med"/>
+                      <a:tailEnd type="none" w="med" len="med"/>
+                    </a:lnB>
+                    <a:lnTlToBr w="12700" cmpd="sng">
+                      <a:noFill/>
+                      <a:prstDash val="solid"/>
+                    </a:lnTlToBr>
+                    <a:lnBlToTr w="12700" cmpd="sng">
+                      <a:noFill/>
+                      <a:prstDash val="solid"/>
+                    </a:lnBlToTr>
+                  </a:tcPr>
+                </a:tc>
+                <a:tc>
+                  <a:txBody>
+                    <a:bodyPr/>
+                    <a:lstStyle/>
+                    <a:p>
+                      <a:pPr algn="r" fontAlgn="t"/>
+                      <a:r>
+                        <a:rPr lang="en-GB" sz="1000" b="0" i="0" u="none" strike="noStrike" dirty="0">
+                          <a:solidFill>
+                            <a:srgbClr val="000000"/>
+                          </a:solidFill>
+                          <a:effectLst/>
+                          <a:latin typeface="Calibri" panose="020F0502020204030204" pitchFamily="34" charset="0"/>
+                        </a:rPr>
+                        <a:t>Slowing</a:t>
+                      </a:r>
+                    </a:p>
+                  </a:txBody>
+                  <a:tcPr marL="9525" marR="9525" marT="9525" marB="0">
+                    <a:lnL>
+                      <a:noFill/>
+                    </a:lnL>
+                    <a:lnR>
+                      <a:noFill/>
+                    </a:lnR>
+                    <a:lnT>
+                      <a:noFill/>
+                    </a:lnT>
+                    <a:lnB w="6350" cap="flat" cmpd="sng" algn="ctr">
+                      <a:noFill/>
+                      <a:prstDash val="solid"/>
+                      <a:round/>
+                      <a:headEnd type="none" w="med" len="med"/>
+                      <a:tailEnd type="none" w="med" len="med"/>
+                    </a:lnB>
+                    <a:lnTlToBr w="12700" cmpd="sng">
+                      <a:noFill/>
+                      <a:prstDash val="solid"/>
+                    </a:lnTlToBr>
+                    <a:lnBlToTr w="12700" cmpd="sng">
+                      <a:noFill/>
+                      <a:prstDash val="solid"/>
+                    </a:lnBlToTr>
+                  </a:tcPr>
+                </a:tc>
+                <a:tc>
+                  <a:txBody>
+                    <a:bodyPr/>
+                    <a:lstStyle/>
+                    <a:p>
+                      <a:pPr algn="r" fontAlgn="t"/>
+                      <a:endParaRPr lang="en-GB" sz="1000" b="0" i="0" u="none" strike="noStrike" dirty="0">
+                        <a:solidFill>
+                          <a:srgbClr val="000000"/>
+                        </a:solidFill>
+                        <a:effectLst/>
+                        <a:latin typeface="Calibri" panose="020F0502020204030204" pitchFamily="34" charset="0"/>
+                      </a:endParaRPr>
+                    </a:p>
+                  </a:txBody>
+                  <a:tcPr marL="9525" marR="9525" marT="9525" marB="0">
+                    <a:lnL>
+                      <a:noFill/>
+                    </a:lnL>
+                    <a:lnR>
+                      <a:noFill/>
+                    </a:lnR>
+                    <a:lnT>
+                      <a:noFill/>
+                    </a:lnT>
+                    <a:lnB w="6350" cap="flat" cmpd="sng" algn="ctr">
+                      <a:noFill/>
+                      <a:prstDash val="solid"/>
+                      <a:round/>
+                      <a:headEnd type="none" w="med" len="med"/>
+                      <a:tailEnd type="none" w="med" len="med"/>
+                    </a:lnB>
+                    <a:lnTlToBr w="12700" cmpd="sng">
+                      <a:noFill/>
+                      <a:prstDash val="solid"/>
+                    </a:lnTlToBr>
+                    <a:lnBlToTr w="12700" cmpd="sng">
+                      <a:noFill/>
+                      <a:prstDash val="solid"/>
+                    </a:lnBlToTr>
+                  </a:tcPr>
+                </a:tc>
+                <a:extLst>
+                  <a:ext uri="{0D108BD9-81ED-4DB2-BD59-A6C34878D82A}">
+                    <a16:rowId xmlns:a16="http://schemas.microsoft.com/office/drawing/2014/main" val="2285134562"/>
+                  </a:ext>
+                </a:extLst>
+              </a:tr>
+            </a:tbl>
+          </a:graphicData>
+        </a:graphic>
+      </p:graphicFrame>
+      <p:pic>
+        <p:nvPicPr>
+          <p:cNvPr id="8" name="Picture 7">
+            <a:extLst>
+              <a:ext uri="{FF2B5EF4-FFF2-40B4-BE49-F238E27FC236}">
+                <a16:creationId xmlns:a16="http://schemas.microsoft.com/office/drawing/2014/main" id="{8613B75A-ABCB-DE46-ACAF-7689F7EBA2BF}"/>
+              </a:ext>
+            </a:extLst>
+          </p:cNvPr>
+          <p:cNvPicPr>
+            <a:picLocks noChangeAspect="1"/>
+          </p:cNvPicPr>
+          <p:nvPr/>
+        </p:nvPicPr>
+        <p:blipFill>
+          <a:blip r:embed="rId2">
+            <a:extLst>
+              <a:ext uri="{28A0092B-C50C-407E-A947-70E740481C1C}">
+                <a14:useLocalDpi xmlns:a14="http://schemas.microsoft.com/office/drawing/2010/main" val="0"/>
+              </a:ext>
+            </a:extLst>
+          </a:blip>
+          <a:stretch>
+            <a:fillRect/>
+          </a:stretch>
+        </p:blipFill>
+        <p:spPr>
+          <a:xfrm>
+            <a:off x="2159402" y="6288037"/>
+            <a:ext cx="9613900" cy="533400"/>
+          </a:xfrm>
+          <a:prstGeom prst="rect">
+            <a:avLst/>
+          </a:prstGeom>
+        </p:spPr>
+      </p:pic>
+      <p:pic>
+        <p:nvPicPr>
+          <p:cNvPr id="14" name="Picture 13">
+            <a:extLst>
+              <a:ext uri="{FF2B5EF4-FFF2-40B4-BE49-F238E27FC236}">
+                <a16:creationId xmlns:a16="http://schemas.microsoft.com/office/drawing/2014/main" id="{2340BB2B-F657-B94C-938A-A92CCDABCDE3}"/>
+              </a:ext>
+            </a:extLst>
+          </p:cNvPr>
+          <p:cNvPicPr>
+            <a:picLocks noChangeAspect="1"/>
+          </p:cNvPicPr>
+          <p:nvPr/>
+        </p:nvPicPr>
+        <p:blipFill>
+          <a:blip r:embed="rId3">
+            <a:extLst>
+              <a:ext uri="{28A0092B-C50C-407E-A947-70E740481C1C}">
+                <a14:useLocalDpi xmlns:a14="http://schemas.microsoft.com/office/drawing/2010/main" val="0"/>
+              </a:ext>
+            </a:extLst>
+          </a:blip>
+          <a:srcRect/>
+          <a:stretch/>
+        </p:blipFill>
+        <p:spPr>
+          <a:xfrm>
+            <a:off x="6163235" y="2245656"/>
+            <a:ext cx="5879008" cy="4007224"/>
+          </a:xfrm>
+          <a:prstGeom prst="rect">
+            <a:avLst/>
+          </a:prstGeom>
+        </p:spPr>
+      </p:pic>
+      <p:cxnSp>
+        <p:nvCxnSpPr>
+          <p:cNvPr id="16" name="Straight Connector 15">
+            <a:extLst>
+              <a:ext uri="{FF2B5EF4-FFF2-40B4-BE49-F238E27FC236}">
+                <a16:creationId xmlns:a16="http://schemas.microsoft.com/office/drawing/2014/main" id="{5B9E928A-184B-294B-BD8E-3F0F9719F243}"/>
+              </a:ext>
+            </a:extLst>
+          </p:cNvPr>
+          <p:cNvCxnSpPr>
+            <a:cxnSpLocks/>
+          </p:cNvCxnSpPr>
+          <p:nvPr/>
+        </p:nvCxnSpPr>
+        <p:spPr>
+          <a:xfrm>
+            <a:off x="216992" y="2272550"/>
+            <a:ext cx="11723996" cy="0"/>
+          </a:xfrm>
+          <a:prstGeom prst="line">
+            <a:avLst/>
+          </a:prstGeom>
+          <a:ln>
+            <a:solidFill>
+              <a:schemeClr val="tx1"/>
+            </a:solidFill>
+          </a:ln>
+        </p:spPr>
+        <p:style>
+          <a:lnRef idx="1">
+            <a:schemeClr val="accent1"/>
+          </a:lnRef>
+          <a:fillRef idx="0">
+            <a:schemeClr val="accent1"/>
+          </a:fillRef>
+          <a:effectRef idx="0">
+            <a:schemeClr val="accent1"/>
+          </a:effectRef>
+          <a:fontRef idx="minor">
+            <a:schemeClr val="tx1"/>
+          </a:fontRef>
+        </p:style>
+      </p:cxnSp>
+      <p:cxnSp>
+        <p:nvCxnSpPr>
+          <p:cNvPr id="18" name="Straight Connector 17">
+            <a:extLst>
+              <a:ext uri="{FF2B5EF4-FFF2-40B4-BE49-F238E27FC236}">
+                <a16:creationId xmlns:a16="http://schemas.microsoft.com/office/drawing/2014/main" id="{1C716620-9819-FD43-A302-3C4E9613970B}"/>
+              </a:ext>
+            </a:extLst>
+          </p:cNvPr>
+          <p:cNvCxnSpPr>
+            <a:cxnSpLocks/>
+          </p:cNvCxnSpPr>
+          <p:nvPr/>
+        </p:nvCxnSpPr>
+        <p:spPr>
+          <a:xfrm flipV="1">
+            <a:off x="216992" y="5742594"/>
+            <a:ext cx="11723996" cy="4482"/>
+          </a:xfrm>
+          <a:prstGeom prst="line">
+            <a:avLst/>
+          </a:prstGeom>
+          <a:ln>
+            <a:solidFill>
+              <a:schemeClr val="tx1"/>
+            </a:solidFill>
+          </a:ln>
+        </p:spPr>
+        <p:style>
+          <a:lnRef idx="1">
+            <a:schemeClr val="accent1"/>
+          </a:lnRef>
+          <a:fillRef idx="0">
+            <a:schemeClr val="accent1"/>
+          </a:fillRef>
+          <a:effectRef idx="0">
+            <a:schemeClr val="accent1"/>
+          </a:effectRef>
+          <a:fontRef idx="minor">
+            <a:schemeClr val="tx1"/>
+          </a:fontRef>
+        </p:style>
+      </p:cxnSp>
+      <p:cxnSp>
+        <p:nvCxnSpPr>
+          <p:cNvPr id="21" name="Straight Connector 20">
+            <a:extLst>
+              <a:ext uri="{FF2B5EF4-FFF2-40B4-BE49-F238E27FC236}">
+                <a16:creationId xmlns:a16="http://schemas.microsoft.com/office/drawing/2014/main" id="{4693E220-B4D8-9D46-9C79-EBB61FD9FD7F}"/>
+              </a:ext>
+            </a:extLst>
+          </p:cNvPr>
+          <p:cNvCxnSpPr>
+            <a:cxnSpLocks/>
+          </p:cNvCxnSpPr>
+          <p:nvPr/>
+        </p:nvCxnSpPr>
+        <p:spPr>
+          <a:xfrm flipV="1">
+            <a:off x="234002" y="6275292"/>
+            <a:ext cx="11723996" cy="4482"/>
+          </a:xfrm>
+          <a:prstGeom prst="line">
+            <a:avLst/>
+          </a:prstGeom>
+          <a:ln>
+            <a:solidFill>
+              <a:schemeClr val="tx1"/>
+            </a:solidFill>
+          </a:ln>
+        </p:spPr>
+        <p:style>
+          <a:lnRef idx="1">
+            <a:schemeClr val="accent1"/>
+          </a:lnRef>
+          <a:fillRef idx="0">
+            <a:schemeClr val="accent1"/>
+          </a:fillRef>
+          <a:effectRef idx="0">
+            <a:schemeClr val="accent1"/>
+          </a:effectRef>
+          <a:fontRef idx="minor">
+            <a:schemeClr val="tx1"/>
+          </a:fontRef>
+        </p:style>
+      </p:cxnSp>
       <p:sp>
         <p:nvSpPr>
-          <p:cNvPr id="6" name="TextBox 5">
+          <p:cNvPr id="22" name="TextBox 21">
             <a:extLst>
               <a:ext uri="{FF2B5EF4-FFF2-40B4-BE49-F238E27FC236}">
-                <a16:creationId xmlns:a16="http://schemas.microsoft.com/office/drawing/2014/main" id="{0207CA33-98E4-49DA-8766-BEEABBA0F2F6}"/>
+                <a16:creationId xmlns:a16="http://schemas.microsoft.com/office/drawing/2014/main" id="{D2F03214-2E08-FB46-A04D-FFC6472822F3}"/>
               </a:ext>
             </a:extLst>
           </p:cNvPr>
@@ -3373,67 +8828,8 @@
         </p:nvSpPr>
         <p:spPr>
           <a:xfrm>
-            <a:off x="377687" y="159025"/>
-            <a:ext cx="11550610" cy="369332"/>
-          </a:xfrm>
-          <a:prstGeom prst="rect">
-            <a:avLst/>
-          </a:prstGeom>
-          <a:solidFill>
-            <a:schemeClr val="bg1">
-              <a:lumMod val="75000"/>
-            </a:schemeClr>
-          </a:solidFill>
-        </p:spPr>
-        <p:txBody>
-          <a:bodyPr wrap="square" rtlCol="0">
-            <a:spAutoFit/>
-          </a:bodyPr>
-          <a:lstStyle/>
-          <a:p>
-            <a:r>
-              <a:rPr lang="en-GB" b="1" dirty="0"/>
-              <a:t>Deaths – ONS Data –</a:t>
-            </a:r>
-            <a:r>
-              <a:rPr lang="en-GB" dirty="0"/>
-              <a:t> </a:t>
-            </a:r>
-            <a:r>
-              <a:rPr lang="en-GB" dirty="0">
-                <a:solidFill>
-                  <a:srgbClr val="FF0000"/>
-                </a:solidFill>
-              </a:rPr>
-              <a:t>UPDATE</a:t>
-            </a:r>
-            <a:r>
-              <a:rPr lang="en-GB" dirty="0">
-                <a:solidFill>
-                  <a:schemeClr val="bg1"/>
-                </a:solidFill>
-              </a:rPr>
-              <a:t> </a:t>
-            </a:r>
-          </a:p>
-        </p:txBody>
-      </p:sp>
-      <p:sp>
-        <p:nvSpPr>
-          <p:cNvPr id="5" name="TextBox 4">
-            <a:extLst>
-              <a:ext uri="{FF2B5EF4-FFF2-40B4-BE49-F238E27FC236}">
-                <a16:creationId xmlns:a16="http://schemas.microsoft.com/office/drawing/2014/main" id="{EA7670A2-14AA-4A51-BE7B-5098762085B7}"/>
-              </a:ext>
-            </a:extLst>
-          </p:cNvPr>
-          <p:cNvSpPr txBox="1"/>
-          <p:nvPr/>
-        </p:nvSpPr>
-        <p:spPr>
-          <a:xfrm>
-            <a:off x="377687" y="596376"/>
-            <a:ext cx="11482081" cy="5262979"/>
+            <a:off x="115737" y="30879"/>
+            <a:ext cx="6049733" cy="338554"/>
           </a:xfrm>
           <a:prstGeom prst="rect">
             <a:avLst/>
@@ -3441,180 +8837,76 @@
           <a:noFill/>
         </p:spPr>
         <p:txBody>
-          <a:bodyPr wrap="square" rtlCol="0">
+          <a:bodyPr wrap="none" rtlCol="0">
             <a:spAutoFit/>
           </a:bodyPr>
           <a:lstStyle/>
           <a:p>
-            <a:pPr marL="285750" indent="-285750">
-              <a:buFont typeface="Arial" panose="020B0604020202020204" pitchFamily="34" charset="0"/>
-              <a:buChar char="•"/>
-            </a:pPr>
-            <a:endParaRPr lang="en-GB" sz="1400" dirty="0"/>
+            <a:r>
+              <a:rPr lang="en-GB" sz="1600" b="1" dirty="0"/>
+              <a:t>Summary of Covid-19 confirmed cases; Thu 30 January - Wed 13 May</a:t>
+            </a:r>
           </a:p>
+        </p:txBody>
+      </p:sp>
+      <p:sp>
+        <p:nvSpPr>
+          <p:cNvPr id="23" name="Rectangle 22">
+            <a:extLst>
+              <a:ext uri="{FF2B5EF4-FFF2-40B4-BE49-F238E27FC236}">
+                <a16:creationId xmlns:a16="http://schemas.microsoft.com/office/drawing/2014/main" id="{C31FBED2-73EB-2748-B6C2-4FEA1897C27E}"/>
+              </a:ext>
+            </a:extLst>
+          </p:cNvPr>
+          <p:cNvSpPr/>
+          <p:nvPr/>
+        </p:nvSpPr>
+        <p:spPr>
+          <a:xfrm>
+            <a:off x="115737" y="285027"/>
+            <a:ext cx="11723996" cy="1200329"/>
+          </a:xfrm>
+          <a:prstGeom prst="rect">
+            <a:avLst/>
+          </a:prstGeom>
+        </p:spPr>
+        <p:txBody>
+          <a:bodyPr wrap="square">
+            <a:spAutoFit/>
+          </a:bodyPr>
+          <a:lstStyle/>
           <a:p>
-            <a:pPr marL="285750" indent="-285750">
-              <a:buFont typeface="Arial" panose="020B0604020202020204" pitchFamily="34" charset="0"/>
-              <a:buChar char="•"/>
-            </a:pPr>
             <a:r>
-              <a:rPr lang="en-GB" sz="1400" dirty="0"/>
-              <a:t>ONS have released (as of 12/05/2020) weekly deaths broken down to local authority level, of all deaths and COVID-19 deaths. This dataset will be published every week and includes deaths outside of hospital.</a:t>
+              <a:rPr lang="en-GB" sz="1200" dirty="0"/>
+              <a:t>Data are back dated and revised such that every lab-confirmed case is attributed to the date at which the specimen was taken, which means the outbreak starts on different dates for different areas. The first specimens for a confirmed Covid-19 infection were taken on January 30th 2020.</a:t>
             </a:r>
           </a:p>
           <a:p>
-            <a:pPr marL="285750" indent="-285750">
-              <a:buFont typeface="Arial" panose="020B0604020202020204" pitchFamily="34" charset="0"/>
-              <a:buChar char="•"/>
-            </a:pPr>
-            <a:endParaRPr lang="en-GB" sz="1400" dirty="0"/>
-          </a:p>
-          <a:p>
-            <a:pPr marL="285750" indent="-285750">
-              <a:buFont typeface="Arial" panose="020B0604020202020204" pitchFamily="34" charset="0"/>
-              <a:buChar char="•"/>
-            </a:pPr>
-            <a:r>
-              <a:rPr lang="en-GB" sz="1400" dirty="0"/>
-              <a:t>Weekly deaths have been provided for 2020 and from March 31 COVID-19 deaths relate to any death involving coronavirus (COVID-19), </a:t>
-            </a:r>
-            <a:r>
-              <a:rPr lang="en-GB" sz="1400" b="1" dirty="0"/>
-              <a:t>based on any mention of COVID-19 on the death certificate. </a:t>
-            </a:r>
-          </a:p>
-          <a:p>
-            <a:pPr marL="285750" indent="-285750">
-              <a:buFont typeface="Arial" panose="020B0604020202020204" pitchFamily="34" charset="0"/>
-              <a:buChar char="•"/>
-            </a:pPr>
-            <a:endParaRPr lang="en-GB" sz="1400" dirty="0"/>
-          </a:p>
-          <a:p>
-            <a:pPr marL="285750" indent="-285750">
-              <a:buFont typeface="Arial" panose="020B0604020202020204" pitchFamily="34" charset="0"/>
-              <a:buChar char="•"/>
-            </a:pPr>
-            <a:r>
-              <a:rPr lang="en-GB" sz="1400" dirty="0"/>
-              <a:t>Two sets of tables are presented, one set based on the date of registration and one set based on date of occurrence of death. Two sets have been provided as there can be a time lag between a death taking place and the subsequent registration. The tables include deaths that occurred up to 1 May but were registered up to 9 May. </a:t>
-            </a:r>
-            <a:r>
-              <a:rPr lang="en-GB" sz="1400" dirty="0">
-                <a:solidFill>
-                  <a:srgbClr val="FF0000"/>
-                </a:solidFill>
-              </a:rPr>
-              <a:t>This does mean that there may be some revisions to the dataset, notably in relation to deaths by date of occurrence as registrations are subsequently made. These slides relate to date of occurrence not registration</a:t>
-            </a:r>
-          </a:p>
-          <a:p>
-            <a:pPr marL="285750" indent="-285750">
-              <a:buFont typeface="Arial" panose="020B0604020202020204" pitchFamily="34" charset="0"/>
-              <a:buChar char="•"/>
-            </a:pPr>
-            <a:endParaRPr lang="en-GB" sz="1400" dirty="0"/>
-          </a:p>
-          <a:p>
-            <a:pPr marL="285750" indent="-285750">
-              <a:buFont typeface="Arial" panose="020B0604020202020204" pitchFamily="34" charset="0"/>
-              <a:buChar char="•"/>
-            </a:pPr>
-            <a:r>
-              <a:rPr lang="en-GB" sz="1400" dirty="0"/>
-              <a:t>In the main data are provided at West Sussex level (given small numbers, at present, below this in terms of COVID), ONS release data at lower tier authority. </a:t>
-            </a:r>
-          </a:p>
-          <a:p>
-            <a:pPr marL="285750" indent="-285750">
-              <a:buFont typeface="Arial" panose="020B0604020202020204" pitchFamily="34" charset="0"/>
-              <a:buChar char="•"/>
-            </a:pPr>
-            <a:endParaRPr lang="en-GB" sz="1400" dirty="0"/>
-          </a:p>
-          <a:p>
-            <a:pPr marL="285750" indent="-285750">
-              <a:buFont typeface="Arial" panose="020B0604020202020204" pitchFamily="34" charset="0"/>
-              <a:buChar char="•"/>
-            </a:pPr>
-            <a:r>
-              <a:rPr lang="en-GB" sz="1400" b="1" i="1" dirty="0">
-                <a:solidFill>
-                  <a:schemeClr val="accent1"/>
-                </a:solidFill>
-              </a:rPr>
-              <a:t>Note: </a:t>
-            </a:r>
-            <a:r>
-              <a:rPr lang="en-GB" sz="1400" i="1" dirty="0">
-                <a:solidFill>
-                  <a:schemeClr val="accent1"/>
-                </a:solidFill>
-              </a:rPr>
-              <a:t>Only death, COVID/non-COVID and place (setting of death) and local authority of usual residence are published on a weekly basis. We do not currently have data on age, gender, or underlying condition at this geographical level. </a:t>
-            </a:r>
-          </a:p>
-          <a:p>
-            <a:pPr marL="285750" indent="-285750">
-              <a:buFont typeface="Arial" panose="020B0604020202020204" pitchFamily="34" charset="0"/>
-              <a:buChar char="•"/>
-            </a:pPr>
-            <a:endParaRPr lang="en-GB" sz="1400" i="1" dirty="0">
-              <a:solidFill>
-                <a:schemeClr val="accent1"/>
-              </a:solidFill>
-            </a:endParaRPr>
-          </a:p>
-          <a:p>
-            <a:pPr marL="285750" indent="-285750">
-              <a:buFont typeface="Arial" panose="020B0604020202020204" pitchFamily="34" charset="0"/>
-              <a:buChar char="•"/>
-            </a:pPr>
-            <a:r>
-              <a:rPr lang="en-GB" sz="1400" i="1" dirty="0">
-                <a:solidFill>
-                  <a:schemeClr val="accent1"/>
-                </a:solidFill>
-              </a:rPr>
-              <a:t>Cumulative data on deaths occurring between 01/03/2020 and 17/04/2020 are available by sex at local level and these will be published as soon as possible.</a:t>
-            </a:r>
-          </a:p>
-          <a:p>
-            <a:pPr marL="285750" indent="-285750">
-              <a:buFont typeface="Arial" panose="020B0604020202020204" pitchFamily="34" charset="0"/>
-              <a:buChar char="•"/>
-            </a:pPr>
-            <a:endParaRPr lang="en-GB" sz="1400" i="1" dirty="0">
-              <a:solidFill>
-                <a:schemeClr val="accent1"/>
-              </a:solidFill>
-            </a:endParaRPr>
+            <a:endParaRPr lang="en-GB" sz="1200" dirty="0"/>
           </a:p>
           <a:p>
             <a:r>
-              <a:rPr lang="en-GB" sz="1400" dirty="0">
-                <a:hlinkClick r:id="rId2">
-                  <a:extLst>
-                    <a:ext uri="{A12FA001-AC4F-418D-AE19-62706E023703}">
-                      <ahyp:hlinkClr xmlns:ahyp="http://schemas.microsoft.com/office/drawing/2018/hyperlinkcolor" val="tx"/>
-                    </a:ext>
-                  </a:extLst>
-                </a:hlinkClick>
-              </a:rPr>
-              <a:t>Jacqueline.clay@westsussex.gov.uk</a:t>
+              <a:rPr lang="en-GB" sz="1200" dirty="0"/>
+              <a:t>The latest available data in this analysis are for </a:t>
             </a:r>
-            <a:endParaRPr lang="en-GB" sz="1400" dirty="0"/>
+            <a:r>
+              <a:rPr lang="en-GB" sz="1200" b="1" dirty="0"/>
+              <a:t>Wed 13 May</a:t>
+            </a:r>
+            <a:r>
+              <a:rPr lang="en-GB" sz="1200" dirty="0"/>
+              <a:t>. However, as data for recent days are likely to change significantly, </a:t>
+            </a:r>
+            <a:r>
+              <a:rPr lang="en-GB" sz="1200" b="1" dirty="0"/>
+              <a:t>only data up to Fri 08 May should be treated as complete.</a:t>
+            </a:r>
+            <a:endParaRPr lang="en-GB" sz="1200" dirty="0"/>
           </a:p>
           <a:p>
             <a:r>
-              <a:rPr lang="en-GB" sz="1400" dirty="0"/>
-              <a:t>0330 222 8684</a:t>
-            </a:r>
-          </a:p>
-          <a:p>
-            <a:r>
-              <a:rPr lang="en-GB" sz="1400" dirty="0"/>
-              <a:t>Please call if you have queries about the data in the slides</a:t>
+              <a:rPr lang="en-GB" sz="1200" dirty="0"/>
+              <a:t>The cumulative cases are taken from the most recently available date, although number of confirmed cases in a single day (a proxy for new cases) is taken from six days prior (latest complete date).</a:t>
             </a:r>
           </a:p>
         </p:txBody>
@@ -3622,7 +8914,7 @@
     </p:spTree>
     <p:extLst>
       <p:ext uri="{BB962C8B-B14F-4D97-AF65-F5344CB8AC3E}">
-        <p14:creationId xmlns:p14="http://schemas.microsoft.com/office/powerpoint/2010/main" val="4225585468"/>
+        <p14:creationId xmlns:p14="http://schemas.microsoft.com/office/powerpoint/2010/main" val="3024045490"/>
       </p:ext>
     </p:extLst>
   </p:cSld>
@@ -3633,6 +8925,1618 @@
 </file>
 
 <file path=ppt/slides/slide10.xml><?xml version="1.0" encoding="utf-8"?>
+<p:sld xmlns:a="http://schemas.openxmlformats.org/drawingml/2006/main" xmlns:r="http://schemas.openxmlformats.org/officeDocument/2006/relationships" xmlns:p="http://schemas.openxmlformats.org/presentationml/2006/main">
+  <p:cSld>
+    <p:spTree>
+      <p:nvGrpSpPr>
+        <p:cNvPr id="1" name=""/>
+        <p:cNvGrpSpPr/>
+        <p:nvPr/>
+      </p:nvGrpSpPr>
+      <p:grpSpPr>
+        <a:xfrm>
+          <a:off x="0" y="0"/>
+          <a:ext cx="0" cy="0"/>
+          <a:chOff x="0" y="0"/>
+          <a:chExt cx="0" cy="0"/>
+        </a:xfrm>
+      </p:grpSpPr>
+      <p:pic>
+        <p:nvPicPr>
+          <p:cNvPr id="5" name="Content Placeholder 4">
+            <a:extLst>
+              <a:ext uri="{FF2B5EF4-FFF2-40B4-BE49-F238E27FC236}">
+                <a16:creationId xmlns:a16="http://schemas.microsoft.com/office/drawing/2014/main" id="{1DCC3F51-97F7-9F4B-BDE5-432DF1984869}"/>
+              </a:ext>
+            </a:extLst>
+          </p:cNvPr>
+          <p:cNvPicPr>
+            <a:picLocks noGrp="1" noChangeAspect="1"/>
+          </p:cNvPicPr>
+          <p:nvPr>
+            <p:ph idx="1"/>
+          </p:nvPr>
+        </p:nvPicPr>
+        <p:blipFill>
+          <a:blip r:embed="rId2">
+            <a:extLst>
+              <a:ext uri="{28A0092B-C50C-407E-A947-70E740481C1C}">
+                <a14:useLocalDpi xmlns:a14="http://schemas.microsoft.com/office/drawing/2010/main" val="0"/>
+              </a:ext>
+            </a:extLst>
+          </a:blip>
+          <a:srcRect/>
+          <a:stretch/>
+        </p:blipFill>
+        <p:spPr>
+          <a:xfrm>
+            <a:off x="192062" y="2906617"/>
+            <a:ext cx="11807874" cy="4058956"/>
+          </a:xfrm>
+        </p:spPr>
+      </p:pic>
+      <p:graphicFrame>
+        <p:nvGraphicFramePr>
+          <p:cNvPr id="6" name="Table 5">
+            <a:extLst>
+              <a:ext uri="{FF2B5EF4-FFF2-40B4-BE49-F238E27FC236}">
+                <a16:creationId xmlns:a16="http://schemas.microsoft.com/office/drawing/2014/main" id="{DC266D77-F31B-1D4A-9839-2D76D1F9C9E3}"/>
+              </a:ext>
+            </a:extLst>
+          </p:cNvPr>
+          <p:cNvGraphicFramePr>
+            <a:graphicFrameLocks noGrp="1"/>
+          </p:cNvGraphicFramePr>
+          <p:nvPr>
+            <p:extLst>
+              <p:ext uri="{D42A27DB-BD31-4B8C-83A1-F6EECF244321}">
+                <p14:modId xmlns:p14="http://schemas.microsoft.com/office/powerpoint/2010/main" val="2631414187"/>
+              </p:ext>
+            </p:extLst>
+          </p:nvPr>
+        </p:nvGraphicFramePr>
+        <p:xfrm>
+          <a:off x="393768" y="547852"/>
+          <a:ext cx="3888598" cy="2208451"/>
+        </p:xfrm>
+        <a:graphic>
+          <a:graphicData uri="http://schemas.openxmlformats.org/drawingml/2006/table">
+            <a:tbl>
+              <a:tblPr/>
+              <a:tblGrid>
+                <a:gridCol w="686620">
+                  <a:extLst>
+                    <a:ext uri="{9D8B030D-6E8A-4147-A177-3AD203B41FA5}">
+                      <a16:colId xmlns:a16="http://schemas.microsoft.com/office/drawing/2014/main" val="1468088811"/>
+                    </a:ext>
+                  </a:extLst>
+                </a:gridCol>
+                <a:gridCol w="3201978">
+                  <a:extLst>
+                    <a:ext uri="{9D8B030D-6E8A-4147-A177-3AD203B41FA5}">
+                      <a16:colId xmlns:a16="http://schemas.microsoft.com/office/drawing/2014/main" val="152304066"/>
+                    </a:ext>
+                  </a:extLst>
+                </a:gridCol>
+              </a:tblGrid>
+              <a:tr h="129851">
+                <a:tc>
+                  <a:txBody>
+                    <a:bodyPr/>
+                    <a:lstStyle/>
+                    <a:p>
+                      <a:pPr algn="l" fontAlgn="b"/>
+                      <a:r>
+                        <a:rPr lang="en-GB" sz="1000" b="1" i="0" u="none" strike="noStrike" dirty="0">
+                          <a:solidFill>
+                            <a:srgbClr val="000000"/>
+                          </a:solidFill>
+                          <a:effectLst/>
+                          <a:latin typeface="Calibri" panose="020F0502020204030204" pitchFamily="34" charset="0"/>
+                        </a:rPr>
+                        <a:t>Area</a:t>
+                      </a:r>
+                    </a:p>
+                  </a:txBody>
+                  <a:tcPr marL="9141" marR="9141" marT="9141" marB="0" anchor="b">
+                    <a:lnL w="12700" cap="flat" cmpd="sng" algn="ctr">
+                      <a:solidFill>
+                        <a:schemeClr val="tx1"/>
+                      </a:solidFill>
+                      <a:prstDash val="solid"/>
+                      <a:round/>
+                      <a:headEnd type="none" w="med" len="med"/>
+                      <a:tailEnd type="none" w="med" len="med"/>
+                    </a:lnL>
+                    <a:lnR w="12700" cap="flat" cmpd="sng" algn="ctr">
+                      <a:solidFill>
+                        <a:schemeClr val="tx1"/>
+                      </a:solidFill>
+                      <a:prstDash val="solid"/>
+                      <a:round/>
+                      <a:headEnd type="none" w="med" len="med"/>
+                      <a:tailEnd type="none" w="med" len="med"/>
+                    </a:lnR>
+                    <a:lnT w="12700" cap="flat" cmpd="sng" algn="ctr">
+                      <a:solidFill>
+                        <a:schemeClr val="tx1"/>
+                      </a:solidFill>
+                      <a:prstDash val="solid"/>
+                      <a:round/>
+                      <a:headEnd type="none" w="med" len="med"/>
+                      <a:tailEnd type="none" w="med" len="med"/>
+                    </a:lnT>
+                    <a:lnB w="12700" cap="flat" cmpd="sng" algn="ctr">
+                      <a:solidFill>
+                        <a:schemeClr val="tx1"/>
+                      </a:solidFill>
+                      <a:prstDash val="solid"/>
+                      <a:round/>
+                      <a:headEnd type="none" w="med" len="med"/>
+                      <a:tailEnd type="none" w="med" len="med"/>
+                    </a:lnB>
+                  </a:tcPr>
+                </a:tc>
+                <a:tc>
+                  <a:txBody>
+                    <a:bodyPr/>
+                    <a:lstStyle/>
+                    <a:p>
+                      <a:pPr algn="r" fontAlgn="b"/>
+                      <a:r>
+                        <a:rPr lang="en-GB" sz="1000" b="1" i="0" u="none" strike="noStrike" dirty="0">
+                          <a:solidFill>
+                            <a:srgbClr val="000000"/>
+                          </a:solidFill>
+                          <a:effectLst/>
+                          <a:latin typeface="Calibri" panose="020F0502020204030204" pitchFamily="34" charset="0"/>
+                        </a:rPr>
+                        <a:t>Deaths (persons)</a:t>
+                      </a:r>
+                    </a:p>
+                  </a:txBody>
+                  <a:tcPr marL="9141" marR="9141" marT="9141" marB="0" anchor="b">
+                    <a:lnL w="12700" cap="flat" cmpd="sng" algn="ctr">
+                      <a:solidFill>
+                        <a:schemeClr val="tx1"/>
+                      </a:solidFill>
+                      <a:prstDash val="solid"/>
+                      <a:round/>
+                      <a:headEnd type="none" w="med" len="med"/>
+                      <a:tailEnd type="none" w="med" len="med"/>
+                    </a:lnL>
+                    <a:lnR w="12700" cap="flat" cmpd="sng" algn="ctr">
+                      <a:solidFill>
+                        <a:schemeClr val="tx1"/>
+                      </a:solidFill>
+                      <a:prstDash val="solid"/>
+                      <a:round/>
+                      <a:headEnd type="none" w="med" len="med"/>
+                      <a:tailEnd type="none" w="med" len="med"/>
+                    </a:lnR>
+                    <a:lnT w="12700" cap="flat" cmpd="sng" algn="ctr">
+                      <a:solidFill>
+                        <a:schemeClr val="tx1"/>
+                      </a:solidFill>
+                      <a:prstDash val="solid"/>
+                      <a:round/>
+                      <a:headEnd type="none" w="med" len="med"/>
+                      <a:tailEnd type="none" w="med" len="med"/>
+                    </a:lnT>
+                    <a:lnB w="12700" cap="flat" cmpd="sng" algn="ctr">
+                      <a:solidFill>
+                        <a:schemeClr val="tx1"/>
+                      </a:solidFill>
+                      <a:prstDash val="solid"/>
+                      <a:round/>
+                      <a:headEnd type="none" w="med" len="med"/>
+                      <a:tailEnd type="none" w="med" len="med"/>
+                    </a:lnB>
+                  </a:tcPr>
+                </a:tc>
+                <a:extLst>
+                  <a:ext uri="{0D108BD9-81ED-4DB2-BD59-A6C34878D82A}">
+                    <a16:rowId xmlns:a16="http://schemas.microsoft.com/office/drawing/2014/main" val="4004222910"/>
+                  </a:ext>
+                </a:extLst>
+              </a:tr>
+              <a:tr h="204691">
+                <a:tc>
+                  <a:txBody>
+                    <a:bodyPr/>
+                    <a:lstStyle/>
+                    <a:p>
+                      <a:pPr algn="l" fontAlgn="b"/>
+                      <a:r>
+                        <a:rPr lang="en-GB" sz="1000" b="0" i="0" u="none" strike="noStrike">
+                          <a:solidFill>
+                            <a:srgbClr val="000000"/>
+                          </a:solidFill>
+                          <a:effectLst/>
+                          <a:latin typeface="Calibri" panose="020F0502020204030204" pitchFamily="34" charset="0"/>
+                        </a:rPr>
+                        <a:t>Adur</a:t>
+                      </a:r>
+                    </a:p>
+                  </a:txBody>
+                  <a:tcPr marL="9141" marR="9141" marT="9141" marB="0" anchor="b">
+                    <a:lnL w="12700" cap="flat" cmpd="sng" algn="ctr">
+                      <a:solidFill>
+                        <a:schemeClr val="tx1"/>
+                      </a:solidFill>
+                      <a:prstDash val="solid"/>
+                      <a:round/>
+                      <a:headEnd type="none" w="med" len="med"/>
+                      <a:tailEnd type="none" w="med" len="med"/>
+                    </a:lnL>
+                    <a:lnR w="12700" cap="flat" cmpd="sng" algn="ctr">
+                      <a:solidFill>
+                        <a:schemeClr val="tx1"/>
+                      </a:solidFill>
+                      <a:prstDash val="solid"/>
+                      <a:round/>
+                      <a:headEnd type="none" w="med" len="med"/>
+                      <a:tailEnd type="none" w="med" len="med"/>
+                    </a:lnR>
+                    <a:lnT w="12700" cap="flat" cmpd="sng" algn="ctr">
+                      <a:solidFill>
+                        <a:schemeClr val="tx1"/>
+                      </a:solidFill>
+                      <a:prstDash val="solid"/>
+                      <a:round/>
+                      <a:headEnd type="none" w="med" len="med"/>
+                      <a:tailEnd type="none" w="med" len="med"/>
+                    </a:lnT>
+                    <a:lnB w="12700" cap="flat" cmpd="sng" algn="ctr">
+                      <a:solidFill>
+                        <a:schemeClr val="tx1"/>
+                      </a:solidFill>
+                      <a:prstDash val="solid"/>
+                      <a:round/>
+                      <a:headEnd type="none" w="med" len="med"/>
+                      <a:tailEnd type="none" w="med" len="med"/>
+                    </a:lnB>
+                  </a:tcPr>
+                </a:tc>
+                <a:tc>
+                  <a:txBody>
+                    <a:bodyPr/>
+                    <a:lstStyle/>
+                    <a:p>
+                      <a:pPr algn="r" fontAlgn="b"/>
+                      <a:r>
+                        <a:rPr lang="en-GB" sz="1000" b="0" i="0" u="none" strike="noStrike">
+                          <a:solidFill>
+                            <a:srgbClr val="000000"/>
+                          </a:solidFill>
+                          <a:effectLst/>
+                          <a:latin typeface="Calibri" panose="020F0502020204030204" pitchFamily="34" charset="0"/>
+                        </a:rPr>
+                        <a:t>9 deaths (12.1 per 100,000 ESP, 95% CI: 5.5-23)</a:t>
+                      </a:r>
+                    </a:p>
+                  </a:txBody>
+                  <a:tcPr marL="9525" marR="9525" marT="9525" marB="0" anchor="b">
+                    <a:lnL w="12700" cap="flat" cmpd="sng" algn="ctr">
+                      <a:solidFill>
+                        <a:schemeClr val="tx1"/>
+                      </a:solidFill>
+                      <a:prstDash val="solid"/>
+                      <a:round/>
+                      <a:headEnd type="none" w="med" len="med"/>
+                      <a:tailEnd type="none" w="med" len="med"/>
+                    </a:lnL>
+                    <a:lnR w="12700" cap="flat" cmpd="sng" algn="ctr">
+                      <a:solidFill>
+                        <a:schemeClr val="tx1"/>
+                      </a:solidFill>
+                      <a:prstDash val="solid"/>
+                      <a:round/>
+                      <a:headEnd type="none" w="med" len="med"/>
+                      <a:tailEnd type="none" w="med" len="med"/>
+                    </a:lnR>
+                    <a:lnT w="12700" cap="flat" cmpd="sng" algn="ctr">
+                      <a:solidFill>
+                        <a:schemeClr val="tx1"/>
+                      </a:solidFill>
+                      <a:prstDash val="solid"/>
+                      <a:round/>
+                      <a:headEnd type="none" w="med" len="med"/>
+                      <a:tailEnd type="none" w="med" len="med"/>
+                    </a:lnT>
+                    <a:lnB w="12700" cap="flat" cmpd="sng" algn="ctr">
+                      <a:solidFill>
+                        <a:schemeClr val="tx1"/>
+                      </a:solidFill>
+                      <a:prstDash val="solid"/>
+                      <a:round/>
+                      <a:headEnd type="none" w="med" len="med"/>
+                      <a:tailEnd type="none" w="med" len="med"/>
+                    </a:lnB>
+                  </a:tcPr>
+                </a:tc>
+                <a:extLst>
+                  <a:ext uri="{0D108BD9-81ED-4DB2-BD59-A6C34878D82A}">
+                    <a16:rowId xmlns:a16="http://schemas.microsoft.com/office/drawing/2014/main" val="3860862708"/>
+                  </a:ext>
+                </a:extLst>
+              </a:tr>
+              <a:tr h="204691">
+                <a:tc>
+                  <a:txBody>
+                    <a:bodyPr/>
+                    <a:lstStyle/>
+                    <a:p>
+                      <a:pPr algn="l" fontAlgn="b"/>
+                      <a:r>
+                        <a:rPr lang="en-GB" sz="1000" b="0" i="0" u="none" strike="noStrike">
+                          <a:solidFill>
+                            <a:srgbClr val="000000"/>
+                          </a:solidFill>
+                          <a:effectLst/>
+                          <a:latin typeface="Calibri" panose="020F0502020204030204" pitchFamily="34" charset="0"/>
+                        </a:rPr>
+                        <a:t>Arun</a:t>
+                      </a:r>
+                    </a:p>
+                  </a:txBody>
+                  <a:tcPr marL="9141" marR="9141" marT="9141" marB="0" anchor="b">
+                    <a:lnL w="12700" cap="flat" cmpd="sng" algn="ctr">
+                      <a:solidFill>
+                        <a:schemeClr val="tx1"/>
+                      </a:solidFill>
+                      <a:prstDash val="solid"/>
+                      <a:round/>
+                      <a:headEnd type="none" w="med" len="med"/>
+                      <a:tailEnd type="none" w="med" len="med"/>
+                    </a:lnL>
+                    <a:lnR w="12700" cap="flat" cmpd="sng" algn="ctr">
+                      <a:solidFill>
+                        <a:schemeClr val="tx1"/>
+                      </a:solidFill>
+                      <a:prstDash val="solid"/>
+                      <a:round/>
+                      <a:headEnd type="none" w="med" len="med"/>
+                      <a:tailEnd type="none" w="med" len="med"/>
+                    </a:lnR>
+                    <a:lnT w="12700" cap="flat" cmpd="sng" algn="ctr">
+                      <a:solidFill>
+                        <a:schemeClr val="tx1"/>
+                      </a:solidFill>
+                      <a:prstDash val="solid"/>
+                      <a:round/>
+                      <a:headEnd type="none" w="med" len="med"/>
+                      <a:tailEnd type="none" w="med" len="med"/>
+                    </a:lnT>
+                    <a:lnB w="12700" cap="flat" cmpd="sng" algn="ctr">
+                      <a:solidFill>
+                        <a:schemeClr val="tx1"/>
+                      </a:solidFill>
+                      <a:prstDash val="solid"/>
+                      <a:round/>
+                      <a:headEnd type="none" w="med" len="med"/>
+                      <a:tailEnd type="none" w="med" len="med"/>
+                    </a:lnB>
+                  </a:tcPr>
+                </a:tc>
+                <a:tc>
+                  <a:txBody>
+                    <a:bodyPr/>
+                    <a:lstStyle/>
+                    <a:p>
+                      <a:pPr algn="r" fontAlgn="b"/>
+                      <a:r>
+                        <a:rPr lang="en-GB" sz="1000" b="0" i="0" u="none" strike="noStrike">
+                          <a:solidFill>
+                            <a:srgbClr val="000000"/>
+                          </a:solidFill>
+                          <a:effectLst/>
+                          <a:latin typeface="Calibri" panose="020F0502020204030204" pitchFamily="34" charset="0"/>
+                        </a:rPr>
+                        <a:t>20 deaths (8.5 per 100,000 ESP, 95% CI: 5.1-13.1)</a:t>
+                      </a:r>
+                    </a:p>
+                  </a:txBody>
+                  <a:tcPr marL="9525" marR="9525" marT="9525" marB="0" anchor="b">
+                    <a:lnL w="12700" cap="flat" cmpd="sng" algn="ctr">
+                      <a:solidFill>
+                        <a:schemeClr val="tx1"/>
+                      </a:solidFill>
+                      <a:prstDash val="solid"/>
+                      <a:round/>
+                      <a:headEnd type="none" w="med" len="med"/>
+                      <a:tailEnd type="none" w="med" len="med"/>
+                    </a:lnL>
+                    <a:lnR w="12700" cap="flat" cmpd="sng" algn="ctr">
+                      <a:solidFill>
+                        <a:schemeClr val="tx1"/>
+                      </a:solidFill>
+                      <a:prstDash val="solid"/>
+                      <a:round/>
+                      <a:headEnd type="none" w="med" len="med"/>
+                      <a:tailEnd type="none" w="med" len="med"/>
+                    </a:lnR>
+                    <a:lnT w="12700" cap="flat" cmpd="sng" algn="ctr">
+                      <a:solidFill>
+                        <a:schemeClr val="tx1"/>
+                      </a:solidFill>
+                      <a:prstDash val="solid"/>
+                      <a:round/>
+                      <a:headEnd type="none" w="med" len="med"/>
+                      <a:tailEnd type="none" w="med" len="med"/>
+                    </a:lnT>
+                    <a:lnB w="12700" cap="flat" cmpd="sng" algn="ctr">
+                      <a:solidFill>
+                        <a:schemeClr val="tx1"/>
+                      </a:solidFill>
+                      <a:prstDash val="solid"/>
+                      <a:round/>
+                      <a:headEnd type="none" w="med" len="med"/>
+                      <a:tailEnd type="none" w="med" len="med"/>
+                    </a:lnB>
+                  </a:tcPr>
+                </a:tc>
+                <a:extLst>
+                  <a:ext uri="{0D108BD9-81ED-4DB2-BD59-A6C34878D82A}">
+                    <a16:rowId xmlns:a16="http://schemas.microsoft.com/office/drawing/2014/main" val="2881769172"/>
+                  </a:ext>
+                </a:extLst>
+              </a:tr>
+              <a:tr h="204691">
+                <a:tc>
+                  <a:txBody>
+                    <a:bodyPr/>
+                    <a:lstStyle/>
+                    <a:p>
+                      <a:pPr algn="l" fontAlgn="b"/>
+                      <a:r>
+                        <a:rPr lang="en-GB" sz="1000" b="0" i="0" u="none" strike="noStrike" dirty="0">
+                          <a:solidFill>
+                            <a:srgbClr val="000000"/>
+                          </a:solidFill>
+                          <a:effectLst/>
+                          <a:latin typeface="Calibri" panose="020F0502020204030204" pitchFamily="34" charset="0"/>
+                        </a:rPr>
+                        <a:t>Chichester</a:t>
+                      </a:r>
+                    </a:p>
+                  </a:txBody>
+                  <a:tcPr marL="9141" marR="9141" marT="9141" marB="0" anchor="b">
+                    <a:lnL w="12700" cap="flat" cmpd="sng" algn="ctr">
+                      <a:solidFill>
+                        <a:schemeClr val="tx1"/>
+                      </a:solidFill>
+                      <a:prstDash val="solid"/>
+                      <a:round/>
+                      <a:headEnd type="none" w="med" len="med"/>
+                      <a:tailEnd type="none" w="med" len="med"/>
+                    </a:lnL>
+                    <a:lnR w="12700" cap="flat" cmpd="sng" algn="ctr">
+                      <a:solidFill>
+                        <a:schemeClr val="tx1"/>
+                      </a:solidFill>
+                      <a:prstDash val="solid"/>
+                      <a:round/>
+                      <a:headEnd type="none" w="med" len="med"/>
+                      <a:tailEnd type="none" w="med" len="med"/>
+                    </a:lnR>
+                    <a:lnT w="12700" cap="flat" cmpd="sng" algn="ctr">
+                      <a:solidFill>
+                        <a:schemeClr val="tx1"/>
+                      </a:solidFill>
+                      <a:prstDash val="solid"/>
+                      <a:round/>
+                      <a:headEnd type="none" w="med" len="med"/>
+                      <a:tailEnd type="none" w="med" len="med"/>
+                    </a:lnT>
+                    <a:lnB w="12700" cap="flat" cmpd="sng" algn="ctr">
+                      <a:solidFill>
+                        <a:schemeClr val="tx1"/>
+                      </a:solidFill>
+                      <a:prstDash val="solid"/>
+                      <a:round/>
+                      <a:headEnd type="none" w="med" len="med"/>
+                      <a:tailEnd type="none" w="med" len="med"/>
+                    </a:lnB>
+                  </a:tcPr>
+                </a:tc>
+                <a:tc>
+                  <a:txBody>
+                    <a:bodyPr/>
+                    <a:lstStyle/>
+                    <a:p>
+                      <a:pPr algn="r" fontAlgn="b"/>
+                      <a:r>
+                        <a:rPr lang="en-GB" sz="1000" b="0" i="0" u="none" strike="noStrike" dirty="0">
+                          <a:solidFill>
+                            <a:srgbClr val="000000"/>
+                          </a:solidFill>
+                          <a:effectLst/>
+                          <a:latin typeface="Calibri" panose="020F0502020204030204" pitchFamily="34" charset="0"/>
+                        </a:rPr>
+                        <a:t>28 deaths (15.8 per 100,000 ESP, 95% CI: 10.5-23)</a:t>
+                      </a:r>
+                    </a:p>
+                  </a:txBody>
+                  <a:tcPr marL="9525" marR="9525" marT="9525" marB="0" anchor="b">
+                    <a:lnL w="12700" cap="flat" cmpd="sng" algn="ctr">
+                      <a:solidFill>
+                        <a:schemeClr val="tx1"/>
+                      </a:solidFill>
+                      <a:prstDash val="solid"/>
+                      <a:round/>
+                      <a:headEnd type="none" w="med" len="med"/>
+                      <a:tailEnd type="none" w="med" len="med"/>
+                    </a:lnL>
+                    <a:lnR w="12700" cap="flat" cmpd="sng" algn="ctr">
+                      <a:solidFill>
+                        <a:schemeClr val="tx1"/>
+                      </a:solidFill>
+                      <a:prstDash val="solid"/>
+                      <a:round/>
+                      <a:headEnd type="none" w="med" len="med"/>
+                      <a:tailEnd type="none" w="med" len="med"/>
+                    </a:lnR>
+                    <a:lnT w="12700" cap="flat" cmpd="sng" algn="ctr">
+                      <a:solidFill>
+                        <a:schemeClr val="tx1"/>
+                      </a:solidFill>
+                      <a:prstDash val="solid"/>
+                      <a:round/>
+                      <a:headEnd type="none" w="med" len="med"/>
+                      <a:tailEnd type="none" w="med" len="med"/>
+                    </a:lnT>
+                    <a:lnB w="12700" cap="flat" cmpd="sng" algn="ctr">
+                      <a:solidFill>
+                        <a:schemeClr val="tx1"/>
+                      </a:solidFill>
+                      <a:prstDash val="solid"/>
+                      <a:round/>
+                      <a:headEnd type="none" w="med" len="med"/>
+                      <a:tailEnd type="none" w="med" len="med"/>
+                    </a:lnB>
+                  </a:tcPr>
+                </a:tc>
+                <a:extLst>
+                  <a:ext uri="{0D108BD9-81ED-4DB2-BD59-A6C34878D82A}">
+                    <a16:rowId xmlns:a16="http://schemas.microsoft.com/office/drawing/2014/main" val="2132150186"/>
+                  </a:ext>
+                </a:extLst>
+              </a:tr>
+              <a:tr h="204691">
+                <a:tc>
+                  <a:txBody>
+                    <a:bodyPr/>
+                    <a:lstStyle/>
+                    <a:p>
+                      <a:pPr algn="l" fontAlgn="b"/>
+                      <a:r>
+                        <a:rPr lang="en-GB" sz="1000" b="0" i="0" u="none" strike="noStrike">
+                          <a:solidFill>
+                            <a:srgbClr val="000000"/>
+                          </a:solidFill>
+                          <a:effectLst/>
+                          <a:latin typeface="Calibri" panose="020F0502020204030204" pitchFamily="34" charset="0"/>
+                        </a:rPr>
+                        <a:t>Crawley</a:t>
+                      </a:r>
+                    </a:p>
+                  </a:txBody>
+                  <a:tcPr marL="9141" marR="9141" marT="9141" marB="0" anchor="b">
+                    <a:lnL w="12700" cap="flat" cmpd="sng" algn="ctr">
+                      <a:solidFill>
+                        <a:schemeClr val="tx1"/>
+                      </a:solidFill>
+                      <a:prstDash val="solid"/>
+                      <a:round/>
+                      <a:headEnd type="none" w="med" len="med"/>
+                      <a:tailEnd type="none" w="med" len="med"/>
+                    </a:lnL>
+                    <a:lnR w="12700" cap="flat" cmpd="sng" algn="ctr">
+                      <a:solidFill>
+                        <a:schemeClr val="tx1"/>
+                      </a:solidFill>
+                      <a:prstDash val="solid"/>
+                      <a:round/>
+                      <a:headEnd type="none" w="med" len="med"/>
+                      <a:tailEnd type="none" w="med" len="med"/>
+                    </a:lnR>
+                    <a:lnT w="12700" cap="flat" cmpd="sng" algn="ctr">
+                      <a:solidFill>
+                        <a:schemeClr val="tx1"/>
+                      </a:solidFill>
+                      <a:prstDash val="solid"/>
+                      <a:round/>
+                      <a:headEnd type="none" w="med" len="med"/>
+                      <a:tailEnd type="none" w="med" len="med"/>
+                    </a:lnT>
+                    <a:lnB w="12700" cap="flat" cmpd="sng" algn="ctr">
+                      <a:solidFill>
+                        <a:schemeClr val="tx1"/>
+                      </a:solidFill>
+                      <a:prstDash val="solid"/>
+                      <a:round/>
+                      <a:headEnd type="none" w="med" len="med"/>
+                      <a:tailEnd type="none" w="med" len="med"/>
+                    </a:lnB>
+                  </a:tcPr>
+                </a:tc>
+                <a:tc>
+                  <a:txBody>
+                    <a:bodyPr/>
+                    <a:lstStyle/>
+                    <a:p>
+                      <a:pPr algn="r" fontAlgn="b"/>
+                      <a:r>
+                        <a:rPr lang="en-GB" sz="1000" b="0" i="0" u="none" strike="noStrike">
+                          <a:solidFill>
+                            <a:srgbClr val="000000"/>
+                          </a:solidFill>
+                          <a:effectLst/>
+                          <a:latin typeface="Calibri" panose="020F0502020204030204" pitchFamily="34" charset="0"/>
+                        </a:rPr>
+                        <a:t>30 deaths (33.3 per 100,000 ESP, 95% CI: 22.4-47.6)</a:t>
+                      </a:r>
+                    </a:p>
+                  </a:txBody>
+                  <a:tcPr marL="9525" marR="9525" marT="9525" marB="0" anchor="b">
+                    <a:lnL w="12700" cap="flat" cmpd="sng" algn="ctr">
+                      <a:solidFill>
+                        <a:schemeClr val="tx1"/>
+                      </a:solidFill>
+                      <a:prstDash val="solid"/>
+                      <a:round/>
+                      <a:headEnd type="none" w="med" len="med"/>
+                      <a:tailEnd type="none" w="med" len="med"/>
+                    </a:lnL>
+                    <a:lnR w="12700" cap="flat" cmpd="sng" algn="ctr">
+                      <a:solidFill>
+                        <a:schemeClr val="tx1"/>
+                      </a:solidFill>
+                      <a:prstDash val="solid"/>
+                      <a:round/>
+                      <a:headEnd type="none" w="med" len="med"/>
+                      <a:tailEnd type="none" w="med" len="med"/>
+                    </a:lnR>
+                    <a:lnT w="12700" cap="flat" cmpd="sng" algn="ctr">
+                      <a:solidFill>
+                        <a:schemeClr val="tx1"/>
+                      </a:solidFill>
+                      <a:prstDash val="solid"/>
+                      <a:round/>
+                      <a:headEnd type="none" w="med" len="med"/>
+                      <a:tailEnd type="none" w="med" len="med"/>
+                    </a:lnT>
+                    <a:lnB w="12700" cap="flat" cmpd="sng" algn="ctr">
+                      <a:solidFill>
+                        <a:schemeClr val="tx1"/>
+                      </a:solidFill>
+                      <a:prstDash val="solid"/>
+                      <a:round/>
+                      <a:headEnd type="none" w="med" len="med"/>
+                      <a:tailEnd type="none" w="med" len="med"/>
+                    </a:lnB>
+                  </a:tcPr>
+                </a:tc>
+                <a:extLst>
+                  <a:ext uri="{0D108BD9-81ED-4DB2-BD59-A6C34878D82A}">
+                    <a16:rowId xmlns:a16="http://schemas.microsoft.com/office/drawing/2014/main" val="4100084925"/>
+                  </a:ext>
+                </a:extLst>
+              </a:tr>
+              <a:tr h="204691">
+                <a:tc>
+                  <a:txBody>
+                    <a:bodyPr/>
+                    <a:lstStyle/>
+                    <a:p>
+                      <a:pPr algn="l" fontAlgn="b"/>
+                      <a:r>
+                        <a:rPr lang="en-GB" sz="1000" b="0" i="0" u="none" strike="noStrike">
+                          <a:solidFill>
+                            <a:srgbClr val="000000"/>
+                          </a:solidFill>
+                          <a:effectLst/>
+                          <a:latin typeface="Calibri" panose="020F0502020204030204" pitchFamily="34" charset="0"/>
+                        </a:rPr>
+                        <a:t>Horsham</a:t>
+                      </a:r>
+                    </a:p>
+                  </a:txBody>
+                  <a:tcPr marL="9141" marR="9141" marT="9141" marB="0" anchor="b">
+                    <a:lnL w="12700" cap="flat" cmpd="sng" algn="ctr">
+                      <a:solidFill>
+                        <a:schemeClr val="tx1"/>
+                      </a:solidFill>
+                      <a:prstDash val="solid"/>
+                      <a:round/>
+                      <a:headEnd type="none" w="med" len="med"/>
+                      <a:tailEnd type="none" w="med" len="med"/>
+                    </a:lnL>
+                    <a:lnR w="12700" cap="flat" cmpd="sng" algn="ctr">
+                      <a:solidFill>
+                        <a:schemeClr val="tx1"/>
+                      </a:solidFill>
+                      <a:prstDash val="solid"/>
+                      <a:round/>
+                      <a:headEnd type="none" w="med" len="med"/>
+                      <a:tailEnd type="none" w="med" len="med"/>
+                    </a:lnR>
+                    <a:lnT w="12700" cap="flat" cmpd="sng" algn="ctr">
+                      <a:solidFill>
+                        <a:schemeClr val="tx1"/>
+                      </a:solidFill>
+                      <a:prstDash val="solid"/>
+                      <a:round/>
+                      <a:headEnd type="none" w="med" len="med"/>
+                      <a:tailEnd type="none" w="med" len="med"/>
+                    </a:lnT>
+                    <a:lnB w="12700" cap="flat" cmpd="sng" algn="ctr">
+                      <a:solidFill>
+                        <a:schemeClr val="tx1"/>
+                      </a:solidFill>
+                      <a:prstDash val="solid"/>
+                      <a:round/>
+                      <a:headEnd type="none" w="med" len="med"/>
+                      <a:tailEnd type="none" w="med" len="med"/>
+                    </a:lnB>
+                  </a:tcPr>
+                </a:tc>
+                <a:tc>
+                  <a:txBody>
+                    <a:bodyPr/>
+                    <a:lstStyle/>
+                    <a:p>
+                      <a:pPr algn="r" fontAlgn="b"/>
+                      <a:r>
+                        <a:rPr lang="en-GB" sz="1000" b="0" i="0" u="none" strike="noStrike">
+                          <a:solidFill>
+                            <a:srgbClr val="000000"/>
+                          </a:solidFill>
+                          <a:effectLst/>
+                          <a:latin typeface="Calibri" panose="020F0502020204030204" pitchFamily="34" charset="0"/>
+                        </a:rPr>
+                        <a:t>31 deaths (18.2 per 100,000 ESP, 95% CI: 12.3-25.8)</a:t>
+                      </a:r>
+                    </a:p>
+                  </a:txBody>
+                  <a:tcPr marL="9525" marR="9525" marT="9525" marB="0" anchor="b">
+                    <a:lnL w="12700" cap="flat" cmpd="sng" algn="ctr">
+                      <a:solidFill>
+                        <a:schemeClr val="tx1"/>
+                      </a:solidFill>
+                      <a:prstDash val="solid"/>
+                      <a:round/>
+                      <a:headEnd type="none" w="med" len="med"/>
+                      <a:tailEnd type="none" w="med" len="med"/>
+                    </a:lnL>
+                    <a:lnR w="12700" cap="flat" cmpd="sng" algn="ctr">
+                      <a:solidFill>
+                        <a:schemeClr val="tx1"/>
+                      </a:solidFill>
+                      <a:prstDash val="solid"/>
+                      <a:round/>
+                      <a:headEnd type="none" w="med" len="med"/>
+                      <a:tailEnd type="none" w="med" len="med"/>
+                    </a:lnR>
+                    <a:lnT w="12700" cap="flat" cmpd="sng" algn="ctr">
+                      <a:solidFill>
+                        <a:schemeClr val="tx1"/>
+                      </a:solidFill>
+                      <a:prstDash val="solid"/>
+                      <a:round/>
+                      <a:headEnd type="none" w="med" len="med"/>
+                      <a:tailEnd type="none" w="med" len="med"/>
+                    </a:lnT>
+                    <a:lnB w="12700" cap="flat" cmpd="sng" algn="ctr">
+                      <a:solidFill>
+                        <a:schemeClr val="tx1"/>
+                      </a:solidFill>
+                      <a:prstDash val="solid"/>
+                      <a:round/>
+                      <a:headEnd type="none" w="med" len="med"/>
+                      <a:tailEnd type="none" w="med" len="med"/>
+                    </a:lnB>
+                  </a:tcPr>
+                </a:tc>
+                <a:extLst>
+                  <a:ext uri="{0D108BD9-81ED-4DB2-BD59-A6C34878D82A}">
+                    <a16:rowId xmlns:a16="http://schemas.microsoft.com/office/drawing/2014/main" val="4195764038"/>
+                  </a:ext>
+                </a:extLst>
+              </a:tr>
+              <a:tr h="204691">
+                <a:tc>
+                  <a:txBody>
+                    <a:bodyPr/>
+                    <a:lstStyle/>
+                    <a:p>
+                      <a:pPr algn="l" fontAlgn="b"/>
+                      <a:r>
+                        <a:rPr lang="en-GB" sz="1000" b="0" i="0" u="none" strike="noStrike">
+                          <a:solidFill>
+                            <a:srgbClr val="000000"/>
+                          </a:solidFill>
+                          <a:effectLst/>
+                          <a:latin typeface="Calibri" panose="020F0502020204030204" pitchFamily="34" charset="0"/>
+                        </a:rPr>
+                        <a:t>Mid Sussex</a:t>
+                      </a:r>
+                    </a:p>
+                  </a:txBody>
+                  <a:tcPr marL="9141" marR="9141" marT="9141" marB="0" anchor="b">
+                    <a:lnL w="12700" cap="flat" cmpd="sng" algn="ctr">
+                      <a:solidFill>
+                        <a:schemeClr val="tx1"/>
+                      </a:solidFill>
+                      <a:prstDash val="solid"/>
+                      <a:round/>
+                      <a:headEnd type="none" w="med" len="med"/>
+                      <a:tailEnd type="none" w="med" len="med"/>
+                    </a:lnL>
+                    <a:lnR w="12700" cap="flat" cmpd="sng" algn="ctr">
+                      <a:solidFill>
+                        <a:schemeClr val="tx1"/>
+                      </a:solidFill>
+                      <a:prstDash val="solid"/>
+                      <a:round/>
+                      <a:headEnd type="none" w="med" len="med"/>
+                      <a:tailEnd type="none" w="med" len="med"/>
+                    </a:lnR>
+                    <a:lnT w="12700" cap="flat" cmpd="sng" algn="ctr">
+                      <a:solidFill>
+                        <a:schemeClr val="tx1"/>
+                      </a:solidFill>
+                      <a:prstDash val="solid"/>
+                      <a:round/>
+                      <a:headEnd type="none" w="med" len="med"/>
+                      <a:tailEnd type="none" w="med" len="med"/>
+                    </a:lnT>
+                    <a:lnB w="12700" cap="flat" cmpd="sng" algn="ctr">
+                      <a:solidFill>
+                        <a:schemeClr val="tx1"/>
+                      </a:solidFill>
+                      <a:prstDash val="solid"/>
+                      <a:round/>
+                      <a:headEnd type="none" w="med" len="med"/>
+                      <a:tailEnd type="none" w="med" len="med"/>
+                    </a:lnB>
+                  </a:tcPr>
+                </a:tc>
+                <a:tc>
+                  <a:txBody>
+                    <a:bodyPr/>
+                    <a:lstStyle/>
+                    <a:p>
+                      <a:pPr algn="r" fontAlgn="b"/>
+                      <a:r>
+                        <a:rPr lang="en-GB" sz="1000" b="0" i="0" u="none" strike="noStrike">
+                          <a:solidFill>
+                            <a:srgbClr val="000000"/>
+                          </a:solidFill>
+                          <a:effectLst/>
+                          <a:latin typeface="Calibri" panose="020F0502020204030204" pitchFamily="34" charset="0"/>
+                        </a:rPr>
+                        <a:t>59 deaths (36.2 per 100,000 ESP, 95% CI: 27.5-46.8)</a:t>
+                      </a:r>
+                    </a:p>
+                  </a:txBody>
+                  <a:tcPr marL="9525" marR="9525" marT="9525" marB="0" anchor="b">
+                    <a:lnL w="12700" cap="flat" cmpd="sng" algn="ctr">
+                      <a:solidFill>
+                        <a:schemeClr val="tx1"/>
+                      </a:solidFill>
+                      <a:prstDash val="solid"/>
+                      <a:round/>
+                      <a:headEnd type="none" w="med" len="med"/>
+                      <a:tailEnd type="none" w="med" len="med"/>
+                    </a:lnL>
+                    <a:lnR w="12700" cap="flat" cmpd="sng" algn="ctr">
+                      <a:solidFill>
+                        <a:schemeClr val="tx1"/>
+                      </a:solidFill>
+                      <a:prstDash val="solid"/>
+                      <a:round/>
+                      <a:headEnd type="none" w="med" len="med"/>
+                      <a:tailEnd type="none" w="med" len="med"/>
+                    </a:lnR>
+                    <a:lnT w="12700" cap="flat" cmpd="sng" algn="ctr">
+                      <a:solidFill>
+                        <a:schemeClr val="tx1"/>
+                      </a:solidFill>
+                      <a:prstDash val="solid"/>
+                      <a:round/>
+                      <a:headEnd type="none" w="med" len="med"/>
+                      <a:tailEnd type="none" w="med" len="med"/>
+                    </a:lnT>
+                    <a:lnB w="12700" cap="flat" cmpd="sng" algn="ctr">
+                      <a:solidFill>
+                        <a:schemeClr val="tx1"/>
+                      </a:solidFill>
+                      <a:prstDash val="solid"/>
+                      <a:round/>
+                      <a:headEnd type="none" w="med" len="med"/>
+                      <a:tailEnd type="none" w="med" len="med"/>
+                    </a:lnB>
+                  </a:tcPr>
+                </a:tc>
+                <a:extLst>
+                  <a:ext uri="{0D108BD9-81ED-4DB2-BD59-A6C34878D82A}">
+                    <a16:rowId xmlns:a16="http://schemas.microsoft.com/office/drawing/2014/main" val="1544312381"/>
+                  </a:ext>
+                </a:extLst>
+              </a:tr>
+              <a:tr h="204691">
+                <a:tc>
+                  <a:txBody>
+                    <a:bodyPr/>
+                    <a:lstStyle/>
+                    <a:p>
+                      <a:pPr algn="l" fontAlgn="b"/>
+                      <a:r>
+                        <a:rPr lang="en-GB" sz="1000" b="0" i="0" u="none" strike="noStrike">
+                          <a:solidFill>
+                            <a:srgbClr val="000000"/>
+                          </a:solidFill>
+                          <a:effectLst/>
+                          <a:latin typeface="Calibri" panose="020F0502020204030204" pitchFamily="34" charset="0"/>
+                        </a:rPr>
+                        <a:t>Worthing</a:t>
+                      </a:r>
+                    </a:p>
+                  </a:txBody>
+                  <a:tcPr marL="9141" marR="9141" marT="9141" marB="0" anchor="b">
+                    <a:lnL w="12700" cap="flat" cmpd="sng" algn="ctr">
+                      <a:solidFill>
+                        <a:schemeClr val="tx1"/>
+                      </a:solidFill>
+                      <a:prstDash val="solid"/>
+                      <a:round/>
+                      <a:headEnd type="none" w="med" len="med"/>
+                      <a:tailEnd type="none" w="med" len="med"/>
+                    </a:lnL>
+                    <a:lnR w="12700" cap="flat" cmpd="sng" algn="ctr">
+                      <a:solidFill>
+                        <a:schemeClr val="tx1"/>
+                      </a:solidFill>
+                      <a:prstDash val="solid"/>
+                      <a:round/>
+                      <a:headEnd type="none" w="med" len="med"/>
+                      <a:tailEnd type="none" w="med" len="med"/>
+                    </a:lnR>
+                    <a:lnT w="12700" cap="flat" cmpd="sng" algn="ctr">
+                      <a:solidFill>
+                        <a:schemeClr val="tx1"/>
+                      </a:solidFill>
+                      <a:prstDash val="solid"/>
+                      <a:round/>
+                      <a:headEnd type="none" w="med" len="med"/>
+                      <a:tailEnd type="none" w="med" len="med"/>
+                    </a:lnT>
+                    <a:lnB w="12700" cap="flat" cmpd="sng" algn="ctr">
+                      <a:solidFill>
+                        <a:schemeClr val="tx1"/>
+                      </a:solidFill>
+                      <a:prstDash val="solid"/>
+                      <a:round/>
+                      <a:headEnd type="none" w="med" len="med"/>
+                      <a:tailEnd type="none" w="med" len="med"/>
+                    </a:lnB>
+                  </a:tcPr>
+                </a:tc>
+                <a:tc>
+                  <a:txBody>
+                    <a:bodyPr/>
+                    <a:lstStyle/>
+                    <a:p>
+                      <a:pPr algn="r" fontAlgn="b"/>
+                      <a:r>
+                        <a:rPr lang="en-GB" sz="1000" b="0" i="0" u="none" strike="noStrike">
+                          <a:solidFill>
+                            <a:srgbClr val="000000"/>
+                          </a:solidFill>
+                          <a:effectLst/>
+                          <a:latin typeface="Calibri" panose="020F0502020204030204" pitchFamily="34" charset="0"/>
+                        </a:rPr>
+                        <a:t>16 deaths (11.7 per 100,000 ESP, 95% CI: 6.6-19.2)</a:t>
+                      </a:r>
+                    </a:p>
+                  </a:txBody>
+                  <a:tcPr marL="9525" marR="9525" marT="9525" marB="0" anchor="b">
+                    <a:lnL w="12700" cap="flat" cmpd="sng" algn="ctr">
+                      <a:solidFill>
+                        <a:schemeClr val="tx1"/>
+                      </a:solidFill>
+                      <a:prstDash val="solid"/>
+                      <a:round/>
+                      <a:headEnd type="none" w="med" len="med"/>
+                      <a:tailEnd type="none" w="med" len="med"/>
+                    </a:lnL>
+                    <a:lnR w="12700" cap="flat" cmpd="sng" algn="ctr">
+                      <a:solidFill>
+                        <a:schemeClr val="tx1"/>
+                      </a:solidFill>
+                      <a:prstDash val="solid"/>
+                      <a:round/>
+                      <a:headEnd type="none" w="med" len="med"/>
+                      <a:tailEnd type="none" w="med" len="med"/>
+                    </a:lnR>
+                    <a:lnT w="12700" cap="flat" cmpd="sng" algn="ctr">
+                      <a:solidFill>
+                        <a:schemeClr val="tx1"/>
+                      </a:solidFill>
+                      <a:prstDash val="solid"/>
+                      <a:round/>
+                      <a:headEnd type="none" w="med" len="med"/>
+                      <a:tailEnd type="none" w="med" len="med"/>
+                    </a:lnT>
+                    <a:lnB w="12700" cap="flat" cmpd="sng" algn="ctr">
+                      <a:solidFill>
+                        <a:schemeClr val="tx1"/>
+                      </a:solidFill>
+                      <a:prstDash val="solid"/>
+                      <a:round/>
+                      <a:headEnd type="none" w="med" len="med"/>
+                      <a:tailEnd type="none" w="med" len="med"/>
+                    </a:lnB>
+                  </a:tcPr>
+                </a:tc>
+                <a:extLst>
+                  <a:ext uri="{0D108BD9-81ED-4DB2-BD59-A6C34878D82A}">
+                    <a16:rowId xmlns:a16="http://schemas.microsoft.com/office/drawing/2014/main" val="1003309935"/>
+                  </a:ext>
+                </a:extLst>
+              </a:tr>
+              <a:tr h="204691">
+                <a:tc>
+                  <a:txBody>
+                    <a:bodyPr/>
+                    <a:lstStyle/>
+                    <a:p>
+                      <a:pPr algn="l" fontAlgn="b"/>
+                      <a:r>
+                        <a:rPr lang="en-GB" sz="1000" b="0" i="0" u="none" strike="noStrike">
+                          <a:solidFill>
+                            <a:srgbClr val="000000"/>
+                          </a:solidFill>
+                          <a:effectLst/>
+                          <a:latin typeface="Calibri" panose="020F0502020204030204" pitchFamily="34" charset="0"/>
+                        </a:rPr>
+                        <a:t>West Sussex</a:t>
+                      </a:r>
+                    </a:p>
+                  </a:txBody>
+                  <a:tcPr marL="9141" marR="9141" marT="9141" marB="0" anchor="b">
+                    <a:lnL w="12700" cap="flat" cmpd="sng" algn="ctr">
+                      <a:solidFill>
+                        <a:schemeClr val="tx1"/>
+                      </a:solidFill>
+                      <a:prstDash val="solid"/>
+                      <a:round/>
+                      <a:headEnd type="none" w="med" len="med"/>
+                      <a:tailEnd type="none" w="med" len="med"/>
+                    </a:lnL>
+                    <a:lnR w="12700" cap="flat" cmpd="sng" algn="ctr">
+                      <a:solidFill>
+                        <a:schemeClr val="tx1"/>
+                      </a:solidFill>
+                      <a:prstDash val="solid"/>
+                      <a:round/>
+                      <a:headEnd type="none" w="med" len="med"/>
+                      <a:tailEnd type="none" w="med" len="med"/>
+                    </a:lnR>
+                    <a:lnT w="12700" cap="flat" cmpd="sng" algn="ctr">
+                      <a:solidFill>
+                        <a:schemeClr val="tx1"/>
+                      </a:solidFill>
+                      <a:prstDash val="solid"/>
+                      <a:round/>
+                      <a:headEnd type="none" w="med" len="med"/>
+                      <a:tailEnd type="none" w="med" len="med"/>
+                    </a:lnT>
+                    <a:lnB w="12700" cap="flat" cmpd="sng" algn="ctr">
+                      <a:solidFill>
+                        <a:schemeClr val="tx1"/>
+                      </a:solidFill>
+                      <a:prstDash val="solid"/>
+                      <a:round/>
+                      <a:headEnd type="none" w="med" len="med"/>
+                      <a:tailEnd type="none" w="med" len="med"/>
+                    </a:lnB>
+                  </a:tcPr>
+                </a:tc>
+                <a:tc>
+                  <a:txBody>
+                    <a:bodyPr/>
+                    <a:lstStyle/>
+                    <a:p>
+                      <a:pPr algn="r" fontAlgn="b"/>
+                      <a:r>
+                        <a:rPr lang="en-GB" sz="1000" b="0" i="0" u="none" strike="noStrike">
+                          <a:solidFill>
+                            <a:srgbClr val="000000"/>
+                          </a:solidFill>
+                          <a:effectLst/>
+                          <a:latin typeface="Calibri" panose="020F0502020204030204" pitchFamily="34" charset="0"/>
+                        </a:rPr>
+                        <a:t>193 deaths (18.4 per 100,000 ESP, 95% CI: 15.8-21.1)</a:t>
+                      </a:r>
+                    </a:p>
+                  </a:txBody>
+                  <a:tcPr marL="9525" marR="9525" marT="9525" marB="0" anchor="b">
+                    <a:lnL w="12700" cap="flat" cmpd="sng" algn="ctr">
+                      <a:solidFill>
+                        <a:schemeClr val="tx1"/>
+                      </a:solidFill>
+                      <a:prstDash val="solid"/>
+                      <a:round/>
+                      <a:headEnd type="none" w="med" len="med"/>
+                      <a:tailEnd type="none" w="med" len="med"/>
+                    </a:lnL>
+                    <a:lnR w="12700" cap="flat" cmpd="sng" algn="ctr">
+                      <a:solidFill>
+                        <a:schemeClr val="tx1"/>
+                      </a:solidFill>
+                      <a:prstDash val="solid"/>
+                      <a:round/>
+                      <a:headEnd type="none" w="med" len="med"/>
+                      <a:tailEnd type="none" w="med" len="med"/>
+                    </a:lnR>
+                    <a:lnT w="12700" cap="flat" cmpd="sng" algn="ctr">
+                      <a:solidFill>
+                        <a:schemeClr val="tx1"/>
+                      </a:solidFill>
+                      <a:prstDash val="solid"/>
+                      <a:round/>
+                      <a:headEnd type="none" w="med" len="med"/>
+                      <a:tailEnd type="none" w="med" len="med"/>
+                    </a:lnT>
+                    <a:lnB w="12700" cap="flat" cmpd="sng" algn="ctr">
+                      <a:solidFill>
+                        <a:schemeClr val="tx1"/>
+                      </a:solidFill>
+                      <a:prstDash val="solid"/>
+                      <a:round/>
+                      <a:headEnd type="none" w="med" len="med"/>
+                      <a:tailEnd type="none" w="med" len="med"/>
+                    </a:lnB>
+                  </a:tcPr>
+                </a:tc>
+                <a:extLst>
+                  <a:ext uri="{0D108BD9-81ED-4DB2-BD59-A6C34878D82A}">
+                    <a16:rowId xmlns:a16="http://schemas.microsoft.com/office/drawing/2014/main" val="336817654"/>
+                  </a:ext>
+                </a:extLst>
+              </a:tr>
+              <a:tr h="204691">
+                <a:tc>
+                  <a:txBody>
+                    <a:bodyPr/>
+                    <a:lstStyle/>
+                    <a:p>
+                      <a:pPr algn="l" fontAlgn="b"/>
+                      <a:r>
+                        <a:rPr lang="en-GB" sz="1000" b="0" i="0" u="none" strike="noStrike">
+                          <a:solidFill>
+                            <a:srgbClr val="000000"/>
+                          </a:solidFill>
+                          <a:effectLst/>
+                          <a:latin typeface="Calibri" panose="020F0502020204030204" pitchFamily="34" charset="0"/>
+                        </a:rPr>
+                        <a:t>South East</a:t>
+                      </a:r>
+                    </a:p>
+                  </a:txBody>
+                  <a:tcPr marL="9141" marR="9141" marT="9141" marB="0" anchor="b">
+                    <a:lnL w="12700" cap="flat" cmpd="sng" algn="ctr">
+                      <a:solidFill>
+                        <a:schemeClr val="tx1"/>
+                      </a:solidFill>
+                      <a:prstDash val="solid"/>
+                      <a:round/>
+                      <a:headEnd type="none" w="med" len="med"/>
+                      <a:tailEnd type="none" w="med" len="med"/>
+                    </a:lnL>
+                    <a:lnR w="12700" cap="flat" cmpd="sng" algn="ctr">
+                      <a:solidFill>
+                        <a:schemeClr val="tx1"/>
+                      </a:solidFill>
+                      <a:prstDash val="solid"/>
+                      <a:round/>
+                      <a:headEnd type="none" w="med" len="med"/>
+                      <a:tailEnd type="none" w="med" len="med"/>
+                    </a:lnR>
+                    <a:lnT w="12700" cap="flat" cmpd="sng" algn="ctr">
+                      <a:solidFill>
+                        <a:schemeClr val="tx1"/>
+                      </a:solidFill>
+                      <a:prstDash val="solid"/>
+                      <a:round/>
+                      <a:headEnd type="none" w="med" len="med"/>
+                      <a:tailEnd type="none" w="med" len="med"/>
+                    </a:lnT>
+                    <a:lnB w="12700" cap="flat" cmpd="sng" algn="ctr">
+                      <a:solidFill>
+                        <a:schemeClr val="tx1"/>
+                      </a:solidFill>
+                      <a:prstDash val="solid"/>
+                      <a:round/>
+                      <a:headEnd type="none" w="med" len="med"/>
+                      <a:tailEnd type="none" w="med" len="med"/>
+                    </a:lnB>
+                  </a:tcPr>
+                </a:tc>
+                <a:tc>
+                  <a:txBody>
+                    <a:bodyPr/>
+                    <a:lstStyle/>
+                    <a:p>
+                      <a:pPr algn="r" fontAlgn="b"/>
+                      <a:r>
+                        <a:rPr lang="en-GB" sz="1000" b="0" i="0" u="none" strike="noStrike">
+                          <a:solidFill>
+                            <a:srgbClr val="000000"/>
+                          </a:solidFill>
+                          <a:effectLst/>
+                          <a:latin typeface="Calibri" panose="020F0502020204030204" pitchFamily="34" charset="0"/>
+                        </a:rPr>
+                        <a:t>2,508 deaths (26.8 per 100,000 ESP, 95% CI: 25.7-27.8)</a:t>
+                      </a:r>
+                    </a:p>
+                  </a:txBody>
+                  <a:tcPr marL="9525" marR="9525" marT="9525" marB="0" anchor="b">
+                    <a:lnL w="12700" cap="flat" cmpd="sng" algn="ctr">
+                      <a:solidFill>
+                        <a:schemeClr val="tx1"/>
+                      </a:solidFill>
+                      <a:prstDash val="solid"/>
+                      <a:round/>
+                      <a:headEnd type="none" w="med" len="med"/>
+                      <a:tailEnd type="none" w="med" len="med"/>
+                    </a:lnL>
+                    <a:lnR w="12700" cap="flat" cmpd="sng" algn="ctr">
+                      <a:solidFill>
+                        <a:schemeClr val="tx1"/>
+                      </a:solidFill>
+                      <a:prstDash val="solid"/>
+                      <a:round/>
+                      <a:headEnd type="none" w="med" len="med"/>
+                      <a:tailEnd type="none" w="med" len="med"/>
+                    </a:lnR>
+                    <a:lnT w="12700" cap="flat" cmpd="sng" algn="ctr">
+                      <a:solidFill>
+                        <a:schemeClr val="tx1"/>
+                      </a:solidFill>
+                      <a:prstDash val="solid"/>
+                      <a:round/>
+                      <a:headEnd type="none" w="med" len="med"/>
+                      <a:tailEnd type="none" w="med" len="med"/>
+                    </a:lnT>
+                    <a:lnB w="12700" cap="flat" cmpd="sng" algn="ctr">
+                      <a:solidFill>
+                        <a:schemeClr val="tx1"/>
+                      </a:solidFill>
+                      <a:prstDash val="solid"/>
+                      <a:round/>
+                      <a:headEnd type="none" w="med" len="med"/>
+                      <a:tailEnd type="none" w="med" len="med"/>
+                    </a:lnB>
+                  </a:tcPr>
+                </a:tc>
+                <a:extLst>
+                  <a:ext uri="{0D108BD9-81ED-4DB2-BD59-A6C34878D82A}">
+                    <a16:rowId xmlns:a16="http://schemas.microsoft.com/office/drawing/2014/main" val="3400064576"/>
+                  </a:ext>
+                </a:extLst>
+              </a:tr>
+              <a:tr h="204691">
+                <a:tc>
+                  <a:txBody>
+                    <a:bodyPr/>
+                    <a:lstStyle/>
+                    <a:p>
+                      <a:pPr algn="l" fontAlgn="b"/>
+                      <a:r>
+                        <a:rPr lang="en-GB" sz="1000" b="0" i="0" u="none" strike="noStrike">
+                          <a:solidFill>
+                            <a:srgbClr val="000000"/>
+                          </a:solidFill>
+                          <a:effectLst/>
+                          <a:latin typeface="Calibri" panose="020F0502020204030204" pitchFamily="34" charset="0"/>
+                        </a:rPr>
+                        <a:t>England</a:t>
+                      </a:r>
+                    </a:p>
+                  </a:txBody>
+                  <a:tcPr marL="9141" marR="9141" marT="9141" marB="0" anchor="b">
+                    <a:lnL w="12700" cap="flat" cmpd="sng" algn="ctr">
+                      <a:solidFill>
+                        <a:schemeClr val="tx1"/>
+                      </a:solidFill>
+                      <a:prstDash val="solid"/>
+                      <a:round/>
+                      <a:headEnd type="none" w="med" len="med"/>
+                      <a:tailEnd type="none" w="med" len="med"/>
+                    </a:lnL>
+                    <a:lnR w="12700" cap="flat" cmpd="sng" algn="ctr">
+                      <a:solidFill>
+                        <a:schemeClr val="tx1"/>
+                      </a:solidFill>
+                      <a:prstDash val="solid"/>
+                      <a:round/>
+                      <a:headEnd type="none" w="med" len="med"/>
+                      <a:tailEnd type="none" w="med" len="med"/>
+                    </a:lnR>
+                    <a:lnT w="12700" cap="flat" cmpd="sng" algn="ctr">
+                      <a:solidFill>
+                        <a:schemeClr val="tx1"/>
+                      </a:solidFill>
+                      <a:prstDash val="solid"/>
+                      <a:round/>
+                      <a:headEnd type="none" w="med" len="med"/>
+                      <a:tailEnd type="none" w="med" len="med"/>
+                    </a:lnT>
+                    <a:lnB w="12700" cap="flat" cmpd="sng" algn="ctr">
+                      <a:solidFill>
+                        <a:schemeClr val="tx1"/>
+                      </a:solidFill>
+                      <a:prstDash val="solid"/>
+                      <a:round/>
+                      <a:headEnd type="none" w="med" len="med"/>
+                      <a:tailEnd type="none" w="med" len="med"/>
+                    </a:lnB>
+                  </a:tcPr>
+                </a:tc>
+                <a:tc>
+                  <a:txBody>
+                    <a:bodyPr/>
+                    <a:lstStyle/>
+                    <a:p>
+                      <a:pPr algn="r" fontAlgn="b"/>
+                      <a:r>
+                        <a:rPr lang="en-GB" sz="1000" b="0" i="0" u="none" strike="noStrike" dirty="0">
+                          <a:solidFill>
+                            <a:srgbClr val="000000"/>
+                          </a:solidFill>
+                          <a:effectLst/>
+                          <a:latin typeface="Calibri" panose="020F0502020204030204" pitchFamily="34" charset="0"/>
+                        </a:rPr>
+                        <a:t>19,315 deaths (36.6 per 100,000 ESP, 95% CI: 36.1-37.1)</a:t>
+                      </a:r>
+                    </a:p>
+                  </a:txBody>
+                  <a:tcPr marL="9525" marR="9525" marT="9525" marB="0" anchor="b">
+                    <a:lnL w="12700" cap="flat" cmpd="sng" algn="ctr">
+                      <a:solidFill>
+                        <a:schemeClr val="tx1"/>
+                      </a:solidFill>
+                      <a:prstDash val="solid"/>
+                      <a:round/>
+                      <a:headEnd type="none" w="med" len="med"/>
+                      <a:tailEnd type="none" w="med" len="med"/>
+                    </a:lnL>
+                    <a:lnR w="12700" cap="flat" cmpd="sng" algn="ctr">
+                      <a:solidFill>
+                        <a:schemeClr val="tx1"/>
+                      </a:solidFill>
+                      <a:prstDash val="solid"/>
+                      <a:round/>
+                      <a:headEnd type="none" w="med" len="med"/>
+                      <a:tailEnd type="none" w="med" len="med"/>
+                    </a:lnR>
+                    <a:lnT w="12700" cap="flat" cmpd="sng" algn="ctr">
+                      <a:solidFill>
+                        <a:schemeClr val="tx1"/>
+                      </a:solidFill>
+                      <a:prstDash val="solid"/>
+                      <a:round/>
+                      <a:headEnd type="none" w="med" len="med"/>
+                      <a:tailEnd type="none" w="med" len="med"/>
+                    </a:lnT>
+                    <a:lnB w="12700" cap="flat" cmpd="sng" algn="ctr">
+                      <a:solidFill>
+                        <a:schemeClr val="tx1"/>
+                      </a:solidFill>
+                      <a:prstDash val="solid"/>
+                      <a:round/>
+                      <a:headEnd type="none" w="med" len="med"/>
+                      <a:tailEnd type="none" w="med" len="med"/>
+                    </a:lnB>
+                  </a:tcPr>
+                </a:tc>
+                <a:extLst>
+                  <a:ext uri="{0D108BD9-81ED-4DB2-BD59-A6C34878D82A}">
+                    <a16:rowId xmlns:a16="http://schemas.microsoft.com/office/drawing/2014/main" val="475269007"/>
+                  </a:ext>
+                </a:extLst>
+              </a:tr>
+            </a:tbl>
+          </a:graphicData>
+        </a:graphic>
+      </p:graphicFrame>
+      <p:pic>
+        <p:nvPicPr>
+          <p:cNvPr id="10" name="Picture 9">
+            <a:extLst>
+              <a:ext uri="{FF2B5EF4-FFF2-40B4-BE49-F238E27FC236}">
+                <a16:creationId xmlns:a16="http://schemas.microsoft.com/office/drawing/2014/main" id="{4452CEB0-5D79-B64B-B842-08E7A9CBD3BB}"/>
+              </a:ext>
+            </a:extLst>
+          </p:cNvPr>
+          <p:cNvPicPr>
+            <a:picLocks noChangeAspect="1"/>
+          </p:cNvPicPr>
+          <p:nvPr/>
+        </p:nvPicPr>
+        <p:blipFill>
+          <a:blip r:embed="rId3">
+            <a:extLst>
+              <a:ext uri="{28A0092B-C50C-407E-A947-70E740481C1C}">
+                <a14:useLocalDpi xmlns:a14="http://schemas.microsoft.com/office/drawing/2010/main" val="0"/>
+              </a:ext>
+            </a:extLst>
+          </a:blip>
+          <a:srcRect/>
+          <a:stretch/>
+        </p:blipFill>
+        <p:spPr>
+          <a:xfrm>
+            <a:off x="5214380" y="198311"/>
+            <a:ext cx="6906578" cy="2557992"/>
+          </a:xfrm>
+          <a:prstGeom prst="rect">
+            <a:avLst/>
+          </a:prstGeom>
+        </p:spPr>
+      </p:pic>
+      <p:sp>
+        <p:nvSpPr>
+          <p:cNvPr id="11" name="TextBox 10">
+            <a:extLst>
+              <a:ext uri="{FF2B5EF4-FFF2-40B4-BE49-F238E27FC236}">
+                <a16:creationId xmlns:a16="http://schemas.microsoft.com/office/drawing/2014/main" id="{8F9E5FCE-541C-E34E-8770-D2C5929DDAD4}"/>
+              </a:ext>
+            </a:extLst>
+          </p:cNvPr>
+          <p:cNvSpPr txBox="1"/>
+          <p:nvPr/>
+        </p:nvSpPr>
+        <p:spPr>
+          <a:xfrm>
+            <a:off x="192062" y="103363"/>
+            <a:ext cx="4791505" cy="338554"/>
+          </a:xfrm>
+          <a:prstGeom prst="rect">
+            <a:avLst/>
+          </a:prstGeom>
+          <a:noFill/>
+        </p:spPr>
+        <p:txBody>
+          <a:bodyPr wrap="none" rtlCol="0">
+            <a:spAutoFit/>
+          </a:bodyPr>
+          <a:lstStyle/>
+          <a:p>
+            <a:r>
+              <a:rPr lang="en-US" sz="1600" dirty="0"/>
+              <a:t>Covid-19 mortality; occurring 01/03/2020 – 17/04/2020</a:t>
+            </a:r>
+          </a:p>
+        </p:txBody>
+      </p:sp>
+    </p:spTree>
+    <p:extLst>
+      <p:ext uri="{BB962C8B-B14F-4D97-AF65-F5344CB8AC3E}">
+        <p14:creationId xmlns:p14="http://schemas.microsoft.com/office/powerpoint/2010/main" val="3128284130"/>
+      </p:ext>
+    </p:extLst>
+  </p:cSld>
+  <p:clrMapOvr>
+    <a:masterClrMapping/>
+  </p:clrMapOvr>
+</p:sld>
+</file>
+
+<file path=ppt/slides/slide11.xml><?xml version="1.0" encoding="utf-8"?>
+<p:sld xmlns:a="http://schemas.openxmlformats.org/drawingml/2006/main" xmlns:r="http://schemas.openxmlformats.org/officeDocument/2006/relationships" xmlns:p="http://schemas.openxmlformats.org/presentationml/2006/main">
+  <p:cSld>
+    <p:spTree>
+      <p:nvGrpSpPr>
+        <p:cNvPr id="1" name=""/>
+        <p:cNvGrpSpPr/>
+        <p:nvPr/>
+      </p:nvGrpSpPr>
+      <p:grpSpPr>
+        <a:xfrm>
+          <a:off x="0" y="0"/>
+          <a:ext cx="0" cy="0"/>
+          <a:chOff x="0" y="0"/>
+          <a:chExt cx="0" cy="0"/>
+        </a:xfrm>
+      </p:grpSpPr>
+      <p:pic>
+        <p:nvPicPr>
+          <p:cNvPr id="5" name="Content Placeholder 4">
+            <a:extLst>
+              <a:ext uri="{FF2B5EF4-FFF2-40B4-BE49-F238E27FC236}">
+                <a16:creationId xmlns:a16="http://schemas.microsoft.com/office/drawing/2014/main" id="{A40F5990-07D7-614F-B3C6-954900348894}"/>
+              </a:ext>
+            </a:extLst>
+          </p:cNvPr>
+          <p:cNvPicPr>
+            <a:picLocks noGrp="1" noChangeAspect="1"/>
+          </p:cNvPicPr>
+          <p:nvPr>
+            <p:ph idx="1"/>
+          </p:nvPr>
+        </p:nvPicPr>
+        <p:blipFill>
+          <a:blip r:embed="rId2">
+            <a:extLst>
+              <a:ext uri="{28A0092B-C50C-407E-A947-70E740481C1C}">
+                <a14:useLocalDpi xmlns:a14="http://schemas.microsoft.com/office/drawing/2010/main" val="0"/>
+              </a:ext>
+            </a:extLst>
+          </a:blip>
+          <a:srcRect/>
+          <a:stretch/>
+        </p:blipFill>
+        <p:spPr>
+          <a:xfrm>
+            <a:off x="235865" y="295835"/>
+            <a:ext cx="11236176" cy="6266328"/>
+          </a:xfrm>
+        </p:spPr>
+      </p:pic>
+      <p:sp>
+        <p:nvSpPr>
+          <p:cNvPr id="3" name="TextBox 2">
+            <a:extLst>
+              <a:ext uri="{FF2B5EF4-FFF2-40B4-BE49-F238E27FC236}">
+                <a16:creationId xmlns:a16="http://schemas.microsoft.com/office/drawing/2014/main" id="{1B04373D-5534-8140-856E-837D5C704AEF}"/>
+              </a:ext>
+            </a:extLst>
+          </p:cNvPr>
+          <p:cNvSpPr txBox="1"/>
+          <p:nvPr/>
+        </p:nvSpPr>
+        <p:spPr>
+          <a:xfrm>
+            <a:off x="192062" y="103363"/>
+            <a:ext cx="4791505" cy="338554"/>
+          </a:xfrm>
+          <a:prstGeom prst="rect">
+            <a:avLst/>
+          </a:prstGeom>
+          <a:noFill/>
+        </p:spPr>
+        <p:txBody>
+          <a:bodyPr wrap="none" rtlCol="0">
+            <a:spAutoFit/>
+          </a:bodyPr>
+          <a:lstStyle/>
+          <a:p>
+            <a:r>
+              <a:rPr lang="en-US" sz="1600" dirty="0"/>
+              <a:t>Covid-19 mortality; occurring 01/03/2020 – 17/04/2020</a:t>
+            </a:r>
+          </a:p>
+        </p:txBody>
+      </p:sp>
+    </p:spTree>
+    <p:extLst>
+      <p:ext uri="{BB962C8B-B14F-4D97-AF65-F5344CB8AC3E}">
+        <p14:creationId xmlns:p14="http://schemas.microsoft.com/office/powerpoint/2010/main" val="1783523825"/>
+      </p:ext>
+    </p:extLst>
+  </p:cSld>
+  <p:clrMapOvr>
+    <a:masterClrMapping/>
+  </p:clrMapOvr>
+</p:sld>
+</file>
+
+<file path=ppt/slides/slide12.xml><?xml version="1.0" encoding="utf-8"?>
 <p:sld xmlns:a="http://schemas.openxmlformats.org/drawingml/2006/main" xmlns:r="http://schemas.openxmlformats.org/officeDocument/2006/relationships" xmlns:p="http://schemas.openxmlformats.org/presentationml/2006/main">
   <p:cSld>
     <p:spTree>
@@ -3731,7 +10635,7 @@
 </p:sld>
 </file>
 
-<file path=ppt/slides/slide11.xml><?xml version="1.0" encoding="utf-8"?>
+<file path=ppt/slides/slide13.xml><?xml version="1.0" encoding="utf-8"?>
 <p:sld xmlns:a="http://schemas.openxmlformats.org/drawingml/2006/main" xmlns:r="http://schemas.openxmlformats.org/officeDocument/2006/relationships" xmlns:p="http://schemas.openxmlformats.org/presentationml/2006/main">
   <p:cSld>
     <p:spTree>
@@ -8385,7 +15289,7 @@
 </p:sld>
 </file>
 
-<file path=ppt/slides/slide12.xml><?xml version="1.0" encoding="utf-8"?>
+<file path=ppt/slides/slide14.xml><?xml version="1.0" encoding="utf-8"?>
 <p:sld xmlns:a="http://schemas.openxmlformats.org/drawingml/2006/main" xmlns:r="http://schemas.openxmlformats.org/officeDocument/2006/relationships" xmlns:p="http://schemas.openxmlformats.org/presentationml/2006/main">
   <p:cSld>
     <p:spTree>
@@ -11520,7 +18424,7 @@
 </p:sld>
 </file>
 
-<file path=ppt/slides/slide13.xml><?xml version="1.0" encoding="utf-8"?>
+<file path=ppt/slides/slide15.xml><?xml version="1.0" encoding="utf-8"?>
 <p:sld xmlns:a="http://schemas.openxmlformats.org/drawingml/2006/main" xmlns:r="http://schemas.openxmlformats.org/officeDocument/2006/relationships" xmlns:p="http://schemas.openxmlformats.org/presentationml/2006/main">
   <p:cSld>
     <p:spTree>
@@ -11811,6 +18715,528 @@
           <a:chExt cx="0" cy="0"/>
         </a:xfrm>
       </p:grpSpPr>
+      <p:pic>
+        <p:nvPicPr>
+          <p:cNvPr id="4" name="Picture 3">
+            <a:extLst>
+              <a:ext uri="{FF2B5EF4-FFF2-40B4-BE49-F238E27FC236}">
+                <a16:creationId xmlns:a16="http://schemas.microsoft.com/office/drawing/2014/main" id="{24E76FC7-B922-7E4D-9C0A-F6F786E12BF9}"/>
+              </a:ext>
+            </a:extLst>
+          </p:cNvPr>
+          <p:cNvPicPr>
+            <a:picLocks noChangeAspect="1"/>
+          </p:cNvPicPr>
+          <p:nvPr/>
+        </p:nvPicPr>
+        <p:blipFill>
+          <a:blip r:embed="rId2">
+            <a:extLst>
+              <a:ext uri="{28A0092B-C50C-407E-A947-70E740481C1C}">
+                <a14:useLocalDpi xmlns:a14="http://schemas.microsoft.com/office/drawing/2010/main" val="0"/>
+              </a:ext>
+            </a:extLst>
+          </a:blip>
+          <a:srcRect/>
+          <a:stretch/>
+        </p:blipFill>
+        <p:spPr>
+          <a:xfrm>
+            <a:off x="0" y="254000"/>
+            <a:ext cx="6096000" cy="3175000"/>
+          </a:xfrm>
+          <a:prstGeom prst="rect">
+            <a:avLst/>
+          </a:prstGeom>
+        </p:spPr>
+      </p:pic>
+      <p:pic>
+        <p:nvPicPr>
+          <p:cNvPr id="5" name="Picture 4">
+            <a:extLst>
+              <a:ext uri="{FF2B5EF4-FFF2-40B4-BE49-F238E27FC236}">
+                <a16:creationId xmlns:a16="http://schemas.microsoft.com/office/drawing/2014/main" id="{D9F95CFE-9800-F443-B951-40A82116CB4C}"/>
+              </a:ext>
+            </a:extLst>
+          </p:cNvPr>
+          <p:cNvPicPr>
+            <a:picLocks noChangeAspect="1"/>
+          </p:cNvPicPr>
+          <p:nvPr/>
+        </p:nvPicPr>
+        <p:blipFill>
+          <a:blip r:embed="rId3">
+            <a:extLst>
+              <a:ext uri="{28A0092B-C50C-407E-A947-70E740481C1C}">
+                <a14:useLocalDpi xmlns:a14="http://schemas.microsoft.com/office/drawing/2010/main" val="0"/>
+              </a:ext>
+            </a:extLst>
+          </a:blip>
+          <a:srcRect/>
+          <a:stretch/>
+        </p:blipFill>
+        <p:spPr>
+          <a:xfrm>
+            <a:off x="0" y="3429000"/>
+            <a:ext cx="6096000" cy="3175000"/>
+          </a:xfrm>
+          <a:prstGeom prst="rect">
+            <a:avLst/>
+          </a:prstGeom>
+        </p:spPr>
+      </p:pic>
+      <p:sp>
+        <p:nvSpPr>
+          <p:cNvPr id="6" name="TextBox 5">
+            <a:extLst>
+              <a:ext uri="{FF2B5EF4-FFF2-40B4-BE49-F238E27FC236}">
+                <a16:creationId xmlns:a16="http://schemas.microsoft.com/office/drawing/2014/main" id="{2C65CF02-D8C8-AB43-A60B-E069D18B861F}"/>
+              </a:ext>
+            </a:extLst>
+          </p:cNvPr>
+          <p:cNvSpPr txBox="1"/>
+          <p:nvPr/>
+        </p:nvSpPr>
+        <p:spPr>
+          <a:xfrm>
+            <a:off x="6696635" y="302359"/>
+            <a:ext cx="4531121" cy="5047536"/>
+          </a:xfrm>
+          <a:prstGeom prst="rect">
+            <a:avLst/>
+          </a:prstGeom>
+          <a:noFill/>
+        </p:spPr>
+        <p:txBody>
+          <a:bodyPr wrap="square" rtlCol="0">
+            <a:spAutoFit/>
+          </a:bodyPr>
+          <a:lstStyle/>
+          <a:p>
+            <a:pPr marL="285750" indent="-285750">
+              <a:buFont typeface="Arial" panose="020B0604020202020204" pitchFamily="34" charset="0"/>
+              <a:buChar char="•"/>
+            </a:pPr>
+            <a:r>
+              <a:rPr lang="en-GB" sz="1400" dirty="0">
+                <a:solidFill>
+                  <a:schemeClr val="accent1"/>
+                </a:solidFill>
+              </a:rPr>
+              <a:t>As some areas record their first few confirmed cases on different days, the x axis (along the bottom from left to right) has been redrawn to count the number of days since case number 10. </a:t>
+            </a:r>
+          </a:p>
+          <a:p>
+            <a:endParaRPr lang="en-GB" sz="1400" dirty="0">
+              <a:solidFill>
+                <a:schemeClr val="accent1"/>
+              </a:solidFill>
+            </a:endParaRPr>
+          </a:p>
+          <a:p>
+            <a:pPr marL="285750" indent="-285750">
+              <a:buFont typeface="Arial" panose="020B0604020202020204" pitchFamily="34" charset="0"/>
+              <a:buChar char="•"/>
+            </a:pPr>
+            <a:r>
+              <a:rPr lang="en-GB" sz="1400" dirty="0">
+                <a:solidFill>
+                  <a:schemeClr val="accent1"/>
+                </a:solidFill>
+              </a:rPr>
+              <a:t>Starting on case number 10, rather than case number 1, means that the trajectories are more established and potentially showing transmission within an area as opposed to single cases coming into the area.</a:t>
+            </a:r>
+          </a:p>
+          <a:p>
+            <a:endParaRPr lang="en-GB" sz="1400" dirty="0">
+              <a:solidFill>
+                <a:schemeClr val="accent1"/>
+              </a:solidFill>
+            </a:endParaRPr>
+          </a:p>
+          <a:p>
+            <a:pPr marL="285750" indent="-285750">
+              <a:buFont typeface="Arial" panose="020B0604020202020204" pitchFamily="34" charset="0"/>
+              <a:buChar char="•"/>
+            </a:pPr>
+            <a:r>
+              <a:rPr lang="en-GB" sz="1400" dirty="0">
+                <a:solidFill>
+                  <a:schemeClr val="accent1"/>
+                </a:solidFill>
+              </a:rPr>
+              <a:t>In addition, on the bottom plot, the y (vertical) axis has been redrawn to show the cumulative number of confirmed cases on a logarithmic scale to highlight changes in growth (speeding up or slowing down) of infections.</a:t>
+            </a:r>
+          </a:p>
+          <a:p>
+            <a:pPr marL="285750" indent="-285750">
+              <a:buFont typeface="Arial" panose="020B0604020202020204" pitchFamily="34" charset="0"/>
+              <a:buChar char="•"/>
+            </a:pPr>
+            <a:endParaRPr lang="en-GB" sz="1400" i="1" dirty="0">
+              <a:solidFill>
+                <a:schemeClr val="accent1"/>
+              </a:solidFill>
+            </a:endParaRPr>
+          </a:p>
+          <a:p>
+            <a:pPr marL="285750" indent="-285750">
+              <a:buFont typeface="Arial" panose="020B0604020202020204" pitchFamily="34" charset="0"/>
+              <a:buChar char="•"/>
+            </a:pPr>
+            <a:r>
+              <a:rPr lang="en-GB" sz="1400" dirty="0">
+                <a:solidFill>
+                  <a:schemeClr val="accent1"/>
+                </a:solidFill>
+              </a:rPr>
+              <a:t>A straight line with a steep slope indicates that the diagnosed cases will double in a short period of time whereas a line with a flatter slope suggests that the cases are not growing as quickly and will take much longer to double.</a:t>
+            </a:r>
+          </a:p>
+          <a:p>
+            <a:pPr marL="285750" indent="-285750">
+              <a:buFont typeface="Arial" panose="020B0604020202020204" pitchFamily="34" charset="0"/>
+              <a:buChar char="•"/>
+            </a:pPr>
+            <a:endParaRPr lang="en-GB" sz="1400" dirty="0">
+              <a:solidFill>
+                <a:schemeClr val="accent1"/>
+              </a:solidFill>
+            </a:endParaRPr>
+          </a:p>
+          <a:p>
+            <a:pPr marL="285750" indent="-285750">
+              <a:buFont typeface="Arial" panose="020B0604020202020204" pitchFamily="34" charset="0"/>
+              <a:buChar char="•"/>
+            </a:pPr>
+            <a:endParaRPr lang="en-GB" sz="1400" i="1" dirty="0">
+              <a:solidFill>
+                <a:schemeClr val="accent1"/>
+              </a:solidFill>
+            </a:endParaRPr>
+          </a:p>
+        </p:txBody>
+      </p:sp>
+    </p:spTree>
+    <p:extLst>
+      <p:ext uri="{BB962C8B-B14F-4D97-AF65-F5344CB8AC3E}">
+        <p14:creationId xmlns:p14="http://schemas.microsoft.com/office/powerpoint/2010/main" val="2942687033"/>
+      </p:ext>
+    </p:extLst>
+  </p:cSld>
+  <p:clrMapOvr>
+    <a:masterClrMapping/>
+  </p:clrMapOvr>
+</p:sld>
+</file>
+
+<file path=ppt/slides/slide3.xml><?xml version="1.0" encoding="utf-8"?>
+<p:sld xmlns:a="http://schemas.openxmlformats.org/drawingml/2006/main" xmlns:r="http://schemas.openxmlformats.org/officeDocument/2006/relationships" xmlns:p="http://schemas.openxmlformats.org/presentationml/2006/main">
+  <p:cSld>
+    <p:spTree>
+      <p:nvGrpSpPr>
+        <p:cNvPr id="1" name=""/>
+        <p:cNvGrpSpPr/>
+        <p:nvPr/>
+      </p:nvGrpSpPr>
+      <p:grpSpPr>
+        <a:xfrm>
+          <a:off x="0" y="0"/>
+          <a:ext cx="0" cy="0"/>
+          <a:chOff x="0" y="0"/>
+          <a:chExt cx="0" cy="0"/>
+        </a:xfrm>
+      </p:grpSpPr>
+      <p:sp>
+        <p:nvSpPr>
+          <p:cNvPr id="6" name="TextBox 5">
+            <a:extLst>
+              <a:ext uri="{FF2B5EF4-FFF2-40B4-BE49-F238E27FC236}">
+                <a16:creationId xmlns:a16="http://schemas.microsoft.com/office/drawing/2014/main" id="{0207CA33-98E4-49DA-8766-BEEABBA0F2F6}"/>
+              </a:ext>
+            </a:extLst>
+          </p:cNvPr>
+          <p:cNvSpPr txBox="1"/>
+          <p:nvPr/>
+        </p:nvSpPr>
+        <p:spPr>
+          <a:xfrm>
+            <a:off x="377687" y="159025"/>
+            <a:ext cx="11550610" cy="369332"/>
+          </a:xfrm>
+          <a:prstGeom prst="rect">
+            <a:avLst/>
+          </a:prstGeom>
+          <a:solidFill>
+            <a:schemeClr val="bg1">
+              <a:lumMod val="75000"/>
+            </a:schemeClr>
+          </a:solidFill>
+        </p:spPr>
+        <p:txBody>
+          <a:bodyPr wrap="square" rtlCol="0">
+            <a:spAutoFit/>
+          </a:bodyPr>
+          <a:lstStyle/>
+          <a:p>
+            <a:r>
+              <a:rPr lang="en-GB" b="1" dirty="0"/>
+              <a:t>Deaths – ONS Data –</a:t>
+            </a:r>
+            <a:r>
+              <a:rPr lang="en-GB" dirty="0"/>
+              <a:t> </a:t>
+            </a:r>
+            <a:r>
+              <a:rPr lang="en-GB" dirty="0">
+                <a:solidFill>
+                  <a:srgbClr val="FF0000"/>
+                </a:solidFill>
+              </a:rPr>
+              <a:t>UPDATE</a:t>
+            </a:r>
+            <a:r>
+              <a:rPr lang="en-GB" dirty="0">
+                <a:solidFill>
+                  <a:schemeClr val="bg1"/>
+                </a:solidFill>
+              </a:rPr>
+              <a:t> </a:t>
+            </a:r>
+          </a:p>
+        </p:txBody>
+      </p:sp>
+      <p:sp>
+        <p:nvSpPr>
+          <p:cNvPr id="5" name="TextBox 4">
+            <a:extLst>
+              <a:ext uri="{FF2B5EF4-FFF2-40B4-BE49-F238E27FC236}">
+                <a16:creationId xmlns:a16="http://schemas.microsoft.com/office/drawing/2014/main" id="{EA7670A2-14AA-4A51-BE7B-5098762085B7}"/>
+              </a:ext>
+            </a:extLst>
+          </p:cNvPr>
+          <p:cNvSpPr txBox="1"/>
+          <p:nvPr/>
+        </p:nvSpPr>
+        <p:spPr>
+          <a:xfrm>
+            <a:off x="377687" y="596376"/>
+            <a:ext cx="11482081" cy="5262979"/>
+          </a:xfrm>
+          <a:prstGeom prst="rect">
+            <a:avLst/>
+          </a:prstGeom>
+          <a:noFill/>
+        </p:spPr>
+        <p:txBody>
+          <a:bodyPr wrap="square" rtlCol="0">
+            <a:spAutoFit/>
+          </a:bodyPr>
+          <a:lstStyle/>
+          <a:p>
+            <a:pPr marL="285750" indent="-285750">
+              <a:buFont typeface="Arial" panose="020B0604020202020204" pitchFamily="34" charset="0"/>
+              <a:buChar char="•"/>
+            </a:pPr>
+            <a:endParaRPr lang="en-GB" sz="1400" dirty="0"/>
+          </a:p>
+          <a:p>
+            <a:pPr marL="285750" indent="-285750">
+              <a:buFont typeface="Arial" panose="020B0604020202020204" pitchFamily="34" charset="0"/>
+              <a:buChar char="•"/>
+            </a:pPr>
+            <a:r>
+              <a:rPr lang="en-GB" sz="1400" dirty="0"/>
+              <a:t>ONS have released (as of 12/05/2020) weekly deaths broken down to local authority level, of all deaths and COVID-19 deaths. This dataset will be published every week and includes deaths outside of hospital.</a:t>
+            </a:r>
+          </a:p>
+          <a:p>
+            <a:pPr marL="285750" indent="-285750">
+              <a:buFont typeface="Arial" panose="020B0604020202020204" pitchFamily="34" charset="0"/>
+              <a:buChar char="•"/>
+            </a:pPr>
+            <a:endParaRPr lang="en-GB" sz="1400" dirty="0"/>
+          </a:p>
+          <a:p>
+            <a:pPr marL="285750" indent="-285750">
+              <a:buFont typeface="Arial" panose="020B0604020202020204" pitchFamily="34" charset="0"/>
+              <a:buChar char="•"/>
+            </a:pPr>
+            <a:r>
+              <a:rPr lang="en-GB" sz="1400" dirty="0"/>
+              <a:t>Weekly deaths have been provided for 2020 and from March 31 COVID-19 deaths relate to any death involving coronavirus (COVID-19), </a:t>
+            </a:r>
+            <a:r>
+              <a:rPr lang="en-GB" sz="1400" b="1" dirty="0"/>
+              <a:t>based on any mention of COVID-19 on the death certificate. </a:t>
+            </a:r>
+          </a:p>
+          <a:p>
+            <a:pPr marL="285750" indent="-285750">
+              <a:buFont typeface="Arial" panose="020B0604020202020204" pitchFamily="34" charset="0"/>
+              <a:buChar char="•"/>
+            </a:pPr>
+            <a:endParaRPr lang="en-GB" sz="1400" dirty="0"/>
+          </a:p>
+          <a:p>
+            <a:pPr marL="285750" indent="-285750">
+              <a:buFont typeface="Arial" panose="020B0604020202020204" pitchFamily="34" charset="0"/>
+              <a:buChar char="•"/>
+            </a:pPr>
+            <a:r>
+              <a:rPr lang="en-GB" sz="1400" dirty="0"/>
+              <a:t>Two sets of tables are presented, one set based on the date of registration and one set based on date of occurrence of death. Two sets have been provided as there can be a time lag between a death taking place and the subsequent registration. The tables include deaths that occurred up to 1 May but were registered up to 9 May. </a:t>
+            </a:r>
+            <a:r>
+              <a:rPr lang="en-GB" sz="1400" dirty="0">
+                <a:solidFill>
+                  <a:srgbClr val="FF0000"/>
+                </a:solidFill>
+              </a:rPr>
+              <a:t>This does mean that there may be some revisions to the dataset, notably in relation to deaths by date of occurrence as registrations are subsequently made. These slides relate to date of occurrence not registration</a:t>
+            </a:r>
+          </a:p>
+          <a:p>
+            <a:pPr marL="285750" indent="-285750">
+              <a:buFont typeface="Arial" panose="020B0604020202020204" pitchFamily="34" charset="0"/>
+              <a:buChar char="•"/>
+            </a:pPr>
+            <a:endParaRPr lang="en-GB" sz="1400" dirty="0"/>
+          </a:p>
+          <a:p>
+            <a:pPr marL="285750" indent="-285750">
+              <a:buFont typeface="Arial" panose="020B0604020202020204" pitchFamily="34" charset="0"/>
+              <a:buChar char="•"/>
+            </a:pPr>
+            <a:r>
+              <a:rPr lang="en-GB" sz="1400" dirty="0"/>
+              <a:t>In the main data are provided at West Sussex level (given small numbers, at present, below this in terms of COVID), ONS release data at lower tier authority. </a:t>
+            </a:r>
+          </a:p>
+          <a:p>
+            <a:pPr marL="285750" indent="-285750">
+              <a:buFont typeface="Arial" panose="020B0604020202020204" pitchFamily="34" charset="0"/>
+              <a:buChar char="•"/>
+            </a:pPr>
+            <a:endParaRPr lang="en-GB" sz="1400" dirty="0"/>
+          </a:p>
+          <a:p>
+            <a:pPr marL="285750" indent="-285750">
+              <a:buFont typeface="Arial" panose="020B0604020202020204" pitchFamily="34" charset="0"/>
+              <a:buChar char="•"/>
+            </a:pPr>
+            <a:r>
+              <a:rPr lang="en-GB" sz="1400" b="1" i="1" dirty="0">
+                <a:solidFill>
+                  <a:schemeClr val="accent1"/>
+                </a:solidFill>
+              </a:rPr>
+              <a:t>Note: </a:t>
+            </a:r>
+            <a:r>
+              <a:rPr lang="en-GB" sz="1400" i="1" dirty="0">
+                <a:solidFill>
+                  <a:schemeClr val="accent1"/>
+                </a:solidFill>
+              </a:rPr>
+              <a:t>Only death, COVID/non-COVID and place (setting of death) and local authority of usual residence are published on a weekly basis. We do not currently have data on age, gender, or underlying condition at this geographical level. </a:t>
+            </a:r>
+          </a:p>
+          <a:p>
+            <a:pPr marL="285750" indent="-285750">
+              <a:buFont typeface="Arial" panose="020B0604020202020204" pitchFamily="34" charset="0"/>
+              <a:buChar char="•"/>
+            </a:pPr>
+            <a:endParaRPr lang="en-GB" sz="1400" i="1" dirty="0">
+              <a:solidFill>
+                <a:schemeClr val="accent1"/>
+              </a:solidFill>
+            </a:endParaRPr>
+          </a:p>
+          <a:p>
+            <a:pPr marL="285750" indent="-285750">
+              <a:buFont typeface="Arial" panose="020B0604020202020204" pitchFamily="34" charset="0"/>
+              <a:buChar char="•"/>
+            </a:pPr>
+            <a:r>
+              <a:rPr lang="en-GB" sz="1400" i="1" dirty="0">
+                <a:solidFill>
+                  <a:schemeClr val="accent1"/>
+                </a:solidFill>
+              </a:rPr>
+              <a:t>Cumulative data on deaths occurring between 01/03/2020 and 17/04/2020 are available by sex at local level and these will be published as soon as possible.</a:t>
+            </a:r>
+          </a:p>
+          <a:p>
+            <a:pPr marL="285750" indent="-285750">
+              <a:buFont typeface="Arial" panose="020B0604020202020204" pitchFamily="34" charset="0"/>
+              <a:buChar char="•"/>
+            </a:pPr>
+            <a:endParaRPr lang="en-GB" sz="1400" i="1" dirty="0">
+              <a:solidFill>
+                <a:schemeClr val="accent1"/>
+              </a:solidFill>
+            </a:endParaRPr>
+          </a:p>
+          <a:p>
+            <a:r>
+              <a:rPr lang="en-GB" sz="1400" dirty="0">
+                <a:hlinkClick r:id="rId2">
+                  <a:extLst>
+                    <a:ext uri="{A12FA001-AC4F-418D-AE19-62706E023703}">
+                      <ahyp:hlinkClr xmlns:ahyp="http://schemas.microsoft.com/office/drawing/2018/hyperlinkcolor" val="tx"/>
+                    </a:ext>
+                  </a:extLst>
+                </a:hlinkClick>
+              </a:rPr>
+              <a:t>Jacqueline.clay@westsussex.gov.uk</a:t>
+            </a:r>
+            <a:endParaRPr lang="en-GB" sz="1400" dirty="0"/>
+          </a:p>
+          <a:p>
+            <a:r>
+              <a:rPr lang="en-GB" sz="1400" dirty="0"/>
+              <a:t>0330 222 8684</a:t>
+            </a:r>
+          </a:p>
+          <a:p>
+            <a:r>
+              <a:rPr lang="en-GB" sz="1400" dirty="0"/>
+              <a:t>Please call if you have queries about the data in the slides</a:t>
+            </a:r>
+          </a:p>
+        </p:txBody>
+      </p:sp>
+    </p:spTree>
+    <p:extLst>
+      <p:ext uri="{BB962C8B-B14F-4D97-AF65-F5344CB8AC3E}">
+        <p14:creationId xmlns:p14="http://schemas.microsoft.com/office/powerpoint/2010/main" val="799517963"/>
+      </p:ext>
+    </p:extLst>
+  </p:cSld>
+  <p:clrMapOvr>
+    <a:masterClrMapping/>
+  </p:clrMapOvr>
+</p:sld>
+</file>
+
+<file path=ppt/slides/slide4.xml><?xml version="1.0" encoding="utf-8"?>
+<p:sld xmlns:a="http://schemas.openxmlformats.org/drawingml/2006/main" xmlns:r="http://schemas.openxmlformats.org/officeDocument/2006/relationships" xmlns:p="http://schemas.openxmlformats.org/presentationml/2006/main">
+  <p:cSld>
+    <p:spTree>
+      <p:nvGrpSpPr>
+        <p:cNvPr id="1" name=""/>
+        <p:cNvGrpSpPr/>
+        <p:nvPr/>
+      </p:nvGrpSpPr>
+      <p:grpSpPr>
+        <a:xfrm>
+          <a:off x="0" y="0"/>
+          <a:ext cx="0" cy="0"/>
+          <a:chOff x="0" y="0"/>
+          <a:chExt cx="0" cy="0"/>
+        </a:xfrm>
+      </p:grpSpPr>
       <p:sp>
         <p:nvSpPr>
           <p:cNvPr id="6" name="TextBox 5">
@@ -29713,7 +37139,7 @@
 </p:sld>
 </file>
 
-<file path=ppt/slides/slide3.xml><?xml version="1.0" encoding="utf-8"?>
+<file path=ppt/slides/slide5.xml><?xml version="1.0" encoding="utf-8"?>
 <p:sld xmlns:a="http://schemas.openxmlformats.org/drawingml/2006/main" xmlns:r="http://schemas.openxmlformats.org/officeDocument/2006/relationships" xmlns:p="http://schemas.openxmlformats.org/presentationml/2006/main">
   <p:cSld>
     <p:spTree>
@@ -29918,7 +37344,7 @@
 </p:sld>
 </file>
 
-<file path=ppt/slides/slide4.xml><?xml version="1.0" encoding="utf-8"?>
+<file path=ppt/slides/slide6.xml><?xml version="1.0" encoding="utf-8"?>
 <p:sld xmlns:a="http://schemas.openxmlformats.org/drawingml/2006/main" xmlns:r="http://schemas.openxmlformats.org/officeDocument/2006/relationships" xmlns:p="http://schemas.openxmlformats.org/presentationml/2006/main">
   <p:cSld>
     <p:spTree>
@@ -30151,7 +37577,7 @@
 </p:sld>
 </file>
 
-<file path=ppt/slides/slide5.xml><?xml version="1.0" encoding="utf-8"?>
+<file path=ppt/slides/slide7.xml><?xml version="1.0" encoding="utf-8"?>
 <p:sld xmlns:a="http://schemas.openxmlformats.org/drawingml/2006/main" xmlns:r="http://schemas.openxmlformats.org/officeDocument/2006/relationships" xmlns:p="http://schemas.openxmlformats.org/presentationml/2006/main">
   <p:cSld>
     <p:spTree>
@@ -33282,7 +40708,7 @@
 </p:sld>
 </file>
 
-<file path=ppt/slides/slide6.xml><?xml version="1.0" encoding="utf-8"?>
+<file path=ppt/slides/slide8.xml><?xml version="1.0" encoding="utf-8"?>
 <p:sld xmlns:a="http://schemas.openxmlformats.org/drawingml/2006/main" xmlns:r="http://schemas.openxmlformats.org/officeDocument/2006/relationships" xmlns:p="http://schemas.openxmlformats.org/presentationml/2006/main">
   <p:cSld>
     <p:spTree>
@@ -34795,7 +42221,7 @@
 </p:sld>
 </file>
 
-<file path=ppt/slides/slide7.xml><?xml version="1.0" encoding="utf-8"?>
+<file path=ppt/slides/slide9.xml><?xml version="1.0" encoding="utf-8"?>
 <p:sld xmlns:a="http://schemas.openxmlformats.org/drawingml/2006/main" xmlns:r="http://schemas.openxmlformats.org/officeDocument/2006/relationships" xmlns:p="http://schemas.openxmlformats.org/presentationml/2006/main">
   <p:cSld>
     <p:spTree>
@@ -34886,1618 +42312,6 @@
     <p:extLst>
       <p:ext uri="{BB962C8B-B14F-4D97-AF65-F5344CB8AC3E}">
         <p14:creationId xmlns:p14="http://schemas.microsoft.com/office/powerpoint/2010/main" val="2107338438"/>
-      </p:ext>
-    </p:extLst>
-  </p:cSld>
-  <p:clrMapOvr>
-    <a:masterClrMapping/>
-  </p:clrMapOvr>
-</p:sld>
-</file>
-
-<file path=ppt/slides/slide8.xml><?xml version="1.0" encoding="utf-8"?>
-<p:sld xmlns:a="http://schemas.openxmlformats.org/drawingml/2006/main" xmlns:r="http://schemas.openxmlformats.org/officeDocument/2006/relationships" xmlns:p="http://schemas.openxmlformats.org/presentationml/2006/main">
-  <p:cSld>
-    <p:spTree>
-      <p:nvGrpSpPr>
-        <p:cNvPr id="1" name=""/>
-        <p:cNvGrpSpPr/>
-        <p:nvPr/>
-      </p:nvGrpSpPr>
-      <p:grpSpPr>
-        <a:xfrm>
-          <a:off x="0" y="0"/>
-          <a:ext cx="0" cy="0"/>
-          <a:chOff x="0" y="0"/>
-          <a:chExt cx="0" cy="0"/>
-        </a:xfrm>
-      </p:grpSpPr>
-      <p:pic>
-        <p:nvPicPr>
-          <p:cNvPr id="5" name="Content Placeholder 4">
-            <a:extLst>
-              <a:ext uri="{FF2B5EF4-FFF2-40B4-BE49-F238E27FC236}">
-                <a16:creationId xmlns:a16="http://schemas.microsoft.com/office/drawing/2014/main" id="{1DCC3F51-97F7-9F4B-BDE5-432DF1984869}"/>
-              </a:ext>
-            </a:extLst>
-          </p:cNvPr>
-          <p:cNvPicPr>
-            <a:picLocks noGrp="1" noChangeAspect="1"/>
-          </p:cNvPicPr>
-          <p:nvPr>
-            <p:ph idx="1"/>
-          </p:nvPr>
-        </p:nvPicPr>
-        <p:blipFill>
-          <a:blip r:embed="rId2">
-            <a:extLst>
-              <a:ext uri="{28A0092B-C50C-407E-A947-70E740481C1C}">
-                <a14:useLocalDpi xmlns:a14="http://schemas.microsoft.com/office/drawing/2010/main" val="0"/>
-              </a:ext>
-            </a:extLst>
-          </a:blip>
-          <a:srcRect/>
-          <a:stretch/>
-        </p:blipFill>
-        <p:spPr>
-          <a:xfrm>
-            <a:off x="192062" y="2906617"/>
-            <a:ext cx="11807874" cy="4058956"/>
-          </a:xfrm>
-        </p:spPr>
-      </p:pic>
-      <p:graphicFrame>
-        <p:nvGraphicFramePr>
-          <p:cNvPr id="6" name="Table 5">
-            <a:extLst>
-              <a:ext uri="{FF2B5EF4-FFF2-40B4-BE49-F238E27FC236}">
-                <a16:creationId xmlns:a16="http://schemas.microsoft.com/office/drawing/2014/main" id="{DC266D77-F31B-1D4A-9839-2D76D1F9C9E3}"/>
-              </a:ext>
-            </a:extLst>
-          </p:cNvPr>
-          <p:cNvGraphicFramePr>
-            <a:graphicFrameLocks noGrp="1"/>
-          </p:cNvGraphicFramePr>
-          <p:nvPr>
-            <p:extLst>
-              <p:ext uri="{D42A27DB-BD31-4B8C-83A1-F6EECF244321}">
-                <p14:modId xmlns:p14="http://schemas.microsoft.com/office/powerpoint/2010/main" val="2631414187"/>
-              </p:ext>
-            </p:extLst>
-          </p:nvPr>
-        </p:nvGraphicFramePr>
-        <p:xfrm>
-          <a:off x="393768" y="547852"/>
-          <a:ext cx="3888598" cy="2208451"/>
-        </p:xfrm>
-        <a:graphic>
-          <a:graphicData uri="http://schemas.openxmlformats.org/drawingml/2006/table">
-            <a:tbl>
-              <a:tblPr/>
-              <a:tblGrid>
-                <a:gridCol w="686620">
-                  <a:extLst>
-                    <a:ext uri="{9D8B030D-6E8A-4147-A177-3AD203B41FA5}">
-                      <a16:colId xmlns:a16="http://schemas.microsoft.com/office/drawing/2014/main" val="1468088811"/>
-                    </a:ext>
-                  </a:extLst>
-                </a:gridCol>
-                <a:gridCol w="3201978">
-                  <a:extLst>
-                    <a:ext uri="{9D8B030D-6E8A-4147-A177-3AD203B41FA5}">
-                      <a16:colId xmlns:a16="http://schemas.microsoft.com/office/drawing/2014/main" val="152304066"/>
-                    </a:ext>
-                  </a:extLst>
-                </a:gridCol>
-              </a:tblGrid>
-              <a:tr h="129851">
-                <a:tc>
-                  <a:txBody>
-                    <a:bodyPr/>
-                    <a:lstStyle/>
-                    <a:p>
-                      <a:pPr algn="l" fontAlgn="b"/>
-                      <a:r>
-                        <a:rPr lang="en-GB" sz="1000" b="1" i="0" u="none" strike="noStrike" dirty="0">
-                          <a:solidFill>
-                            <a:srgbClr val="000000"/>
-                          </a:solidFill>
-                          <a:effectLst/>
-                          <a:latin typeface="Calibri" panose="020F0502020204030204" pitchFamily="34" charset="0"/>
-                        </a:rPr>
-                        <a:t>Area</a:t>
-                      </a:r>
-                    </a:p>
-                  </a:txBody>
-                  <a:tcPr marL="9141" marR="9141" marT="9141" marB="0" anchor="b">
-                    <a:lnL w="12700" cap="flat" cmpd="sng" algn="ctr">
-                      <a:solidFill>
-                        <a:schemeClr val="tx1"/>
-                      </a:solidFill>
-                      <a:prstDash val="solid"/>
-                      <a:round/>
-                      <a:headEnd type="none" w="med" len="med"/>
-                      <a:tailEnd type="none" w="med" len="med"/>
-                    </a:lnL>
-                    <a:lnR w="12700" cap="flat" cmpd="sng" algn="ctr">
-                      <a:solidFill>
-                        <a:schemeClr val="tx1"/>
-                      </a:solidFill>
-                      <a:prstDash val="solid"/>
-                      <a:round/>
-                      <a:headEnd type="none" w="med" len="med"/>
-                      <a:tailEnd type="none" w="med" len="med"/>
-                    </a:lnR>
-                    <a:lnT w="12700" cap="flat" cmpd="sng" algn="ctr">
-                      <a:solidFill>
-                        <a:schemeClr val="tx1"/>
-                      </a:solidFill>
-                      <a:prstDash val="solid"/>
-                      <a:round/>
-                      <a:headEnd type="none" w="med" len="med"/>
-                      <a:tailEnd type="none" w="med" len="med"/>
-                    </a:lnT>
-                    <a:lnB w="12700" cap="flat" cmpd="sng" algn="ctr">
-                      <a:solidFill>
-                        <a:schemeClr val="tx1"/>
-                      </a:solidFill>
-                      <a:prstDash val="solid"/>
-                      <a:round/>
-                      <a:headEnd type="none" w="med" len="med"/>
-                      <a:tailEnd type="none" w="med" len="med"/>
-                    </a:lnB>
-                  </a:tcPr>
-                </a:tc>
-                <a:tc>
-                  <a:txBody>
-                    <a:bodyPr/>
-                    <a:lstStyle/>
-                    <a:p>
-                      <a:pPr algn="r" fontAlgn="b"/>
-                      <a:r>
-                        <a:rPr lang="en-GB" sz="1000" b="1" i="0" u="none" strike="noStrike" dirty="0">
-                          <a:solidFill>
-                            <a:srgbClr val="000000"/>
-                          </a:solidFill>
-                          <a:effectLst/>
-                          <a:latin typeface="Calibri" panose="020F0502020204030204" pitchFamily="34" charset="0"/>
-                        </a:rPr>
-                        <a:t>Deaths (persons)</a:t>
-                      </a:r>
-                    </a:p>
-                  </a:txBody>
-                  <a:tcPr marL="9141" marR="9141" marT="9141" marB="0" anchor="b">
-                    <a:lnL w="12700" cap="flat" cmpd="sng" algn="ctr">
-                      <a:solidFill>
-                        <a:schemeClr val="tx1"/>
-                      </a:solidFill>
-                      <a:prstDash val="solid"/>
-                      <a:round/>
-                      <a:headEnd type="none" w="med" len="med"/>
-                      <a:tailEnd type="none" w="med" len="med"/>
-                    </a:lnL>
-                    <a:lnR w="12700" cap="flat" cmpd="sng" algn="ctr">
-                      <a:solidFill>
-                        <a:schemeClr val="tx1"/>
-                      </a:solidFill>
-                      <a:prstDash val="solid"/>
-                      <a:round/>
-                      <a:headEnd type="none" w="med" len="med"/>
-                      <a:tailEnd type="none" w="med" len="med"/>
-                    </a:lnR>
-                    <a:lnT w="12700" cap="flat" cmpd="sng" algn="ctr">
-                      <a:solidFill>
-                        <a:schemeClr val="tx1"/>
-                      </a:solidFill>
-                      <a:prstDash val="solid"/>
-                      <a:round/>
-                      <a:headEnd type="none" w="med" len="med"/>
-                      <a:tailEnd type="none" w="med" len="med"/>
-                    </a:lnT>
-                    <a:lnB w="12700" cap="flat" cmpd="sng" algn="ctr">
-                      <a:solidFill>
-                        <a:schemeClr val="tx1"/>
-                      </a:solidFill>
-                      <a:prstDash val="solid"/>
-                      <a:round/>
-                      <a:headEnd type="none" w="med" len="med"/>
-                      <a:tailEnd type="none" w="med" len="med"/>
-                    </a:lnB>
-                  </a:tcPr>
-                </a:tc>
-                <a:extLst>
-                  <a:ext uri="{0D108BD9-81ED-4DB2-BD59-A6C34878D82A}">
-                    <a16:rowId xmlns:a16="http://schemas.microsoft.com/office/drawing/2014/main" val="4004222910"/>
-                  </a:ext>
-                </a:extLst>
-              </a:tr>
-              <a:tr h="204691">
-                <a:tc>
-                  <a:txBody>
-                    <a:bodyPr/>
-                    <a:lstStyle/>
-                    <a:p>
-                      <a:pPr algn="l" fontAlgn="b"/>
-                      <a:r>
-                        <a:rPr lang="en-GB" sz="1000" b="0" i="0" u="none" strike="noStrike">
-                          <a:solidFill>
-                            <a:srgbClr val="000000"/>
-                          </a:solidFill>
-                          <a:effectLst/>
-                          <a:latin typeface="Calibri" panose="020F0502020204030204" pitchFamily="34" charset="0"/>
-                        </a:rPr>
-                        <a:t>Adur</a:t>
-                      </a:r>
-                    </a:p>
-                  </a:txBody>
-                  <a:tcPr marL="9141" marR="9141" marT="9141" marB="0" anchor="b">
-                    <a:lnL w="12700" cap="flat" cmpd="sng" algn="ctr">
-                      <a:solidFill>
-                        <a:schemeClr val="tx1"/>
-                      </a:solidFill>
-                      <a:prstDash val="solid"/>
-                      <a:round/>
-                      <a:headEnd type="none" w="med" len="med"/>
-                      <a:tailEnd type="none" w="med" len="med"/>
-                    </a:lnL>
-                    <a:lnR w="12700" cap="flat" cmpd="sng" algn="ctr">
-                      <a:solidFill>
-                        <a:schemeClr val="tx1"/>
-                      </a:solidFill>
-                      <a:prstDash val="solid"/>
-                      <a:round/>
-                      <a:headEnd type="none" w="med" len="med"/>
-                      <a:tailEnd type="none" w="med" len="med"/>
-                    </a:lnR>
-                    <a:lnT w="12700" cap="flat" cmpd="sng" algn="ctr">
-                      <a:solidFill>
-                        <a:schemeClr val="tx1"/>
-                      </a:solidFill>
-                      <a:prstDash val="solid"/>
-                      <a:round/>
-                      <a:headEnd type="none" w="med" len="med"/>
-                      <a:tailEnd type="none" w="med" len="med"/>
-                    </a:lnT>
-                    <a:lnB w="12700" cap="flat" cmpd="sng" algn="ctr">
-                      <a:solidFill>
-                        <a:schemeClr val="tx1"/>
-                      </a:solidFill>
-                      <a:prstDash val="solid"/>
-                      <a:round/>
-                      <a:headEnd type="none" w="med" len="med"/>
-                      <a:tailEnd type="none" w="med" len="med"/>
-                    </a:lnB>
-                  </a:tcPr>
-                </a:tc>
-                <a:tc>
-                  <a:txBody>
-                    <a:bodyPr/>
-                    <a:lstStyle/>
-                    <a:p>
-                      <a:pPr algn="r" fontAlgn="b"/>
-                      <a:r>
-                        <a:rPr lang="en-GB" sz="1000" b="0" i="0" u="none" strike="noStrike">
-                          <a:solidFill>
-                            <a:srgbClr val="000000"/>
-                          </a:solidFill>
-                          <a:effectLst/>
-                          <a:latin typeface="Calibri" panose="020F0502020204030204" pitchFamily="34" charset="0"/>
-                        </a:rPr>
-                        <a:t>9 deaths (12.1 per 100,000 ESP, 95% CI: 5.5-23)</a:t>
-                      </a:r>
-                    </a:p>
-                  </a:txBody>
-                  <a:tcPr marL="9525" marR="9525" marT="9525" marB="0" anchor="b">
-                    <a:lnL w="12700" cap="flat" cmpd="sng" algn="ctr">
-                      <a:solidFill>
-                        <a:schemeClr val="tx1"/>
-                      </a:solidFill>
-                      <a:prstDash val="solid"/>
-                      <a:round/>
-                      <a:headEnd type="none" w="med" len="med"/>
-                      <a:tailEnd type="none" w="med" len="med"/>
-                    </a:lnL>
-                    <a:lnR w="12700" cap="flat" cmpd="sng" algn="ctr">
-                      <a:solidFill>
-                        <a:schemeClr val="tx1"/>
-                      </a:solidFill>
-                      <a:prstDash val="solid"/>
-                      <a:round/>
-                      <a:headEnd type="none" w="med" len="med"/>
-                      <a:tailEnd type="none" w="med" len="med"/>
-                    </a:lnR>
-                    <a:lnT w="12700" cap="flat" cmpd="sng" algn="ctr">
-                      <a:solidFill>
-                        <a:schemeClr val="tx1"/>
-                      </a:solidFill>
-                      <a:prstDash val="solid"/>
-                      <a:round/>
-                      <a:headEnd type="none" w="med" len="med"/>
-                      <a:tailEnd type="none" w="med" len="med"/>
-                    </a:lnT>
-                    <a:lnB w="12700" cap="flat" cmpd="sng" algn="ctr">
-                      <a:solidFill>
-                        <a:schemeClr val="tx1"/>
-                      </a:solidFill>
-                      <a:prstDash val="solid"/>
-                      <a:round/>
-                      <a:headEnd type="none" w="med" len="med"/>
-                      <a:tailEnd type="none" w="med" len="med"/>
-                    </a:lnB>
-                  </a:tcPr>
-                </a:tc>
-                <a:extLst>
-                  <a:ext uri="{0D108BD9-81ED-4DB2-BD59-A6C34878D82A}">
-                    <a16:rowId xmlns:a16="http://schemas.microsoft.com/office/drawing/2014/main" val="3860862708"/>
-                  </a:ext>
-                </a:extLst>
-              </a:tr>
-              <a:tr h="204691">
-                <a:tc>
-                  <a:txBody>
-                    <a:bodyPr/>
-                    <a:lstStyle/>
-                    <a:p>
-                      <a:pPr algn="l" fontAlgn="b"/>
-                      <a:r>
-                        <a:rPr lang="en-GB" sz="1000" b="0" i="0" u="none" strike="noStrike">
-                          <a:solidFill>
-                            <a:srgbClr val="000000"/>
-                          </a:solidFill>
-                          <a:effectLst/>
-                          <a:latin typeface="Calibri" panose="020F0502020204030204" pitchFamily="34" charset="0"/>
-                        </a:rPr>
-                        <a:t>Arun</a:t>
-                      </a:r>
-                    </a:p>
-                  </a:txBody>
-                  <a:tcPr marL="9141" marR="9141" marT="9141" marB="0" anchor="b">
-                    <a:lnL w="12700" cap="flat" cmpd="sng" algn="ctr">
-                      <a:solidFill>
-                        <a:schemeClr val="tx1"/>
-                      </a:solidFill>
-                      <a:prstDash val="solid"/>
-                      <a:round/>
-                      <a:headEnd type="none" w="med" len="med"/>
-                      <a:tailEnd type="none" w="med" len="med"/>
-                    </a:lnL>
-                    <a:lnR w="12700" cap="flat" cmpd="sng" algn="ctr">
-                      <a:solidFill>
-                        <a:schemeClr val="tx1"/>
-                      </a:solidFill>
-                      <a:prstDash val="solid"/>
-                      <a:round/>
-                      <a:headEnd type="none" w="med" len="med"/>
-                      <a:tailEnd type="none" w="med" len="med"/>
-                    </a:lnR>
-                    <a:lnT w="12700" cap="flat" cmpd="sng" algn="ctr">
-                      <a:solidFill>
-                        <a:schemeClr val="tx1"/>
-                      </a:solidFill>
-                      <a:prstDash val="solid"/>
-                      <a:round/>
-                      <a:headEnd type="none" w="med" len="med"/>
-                      <a:tailEnd type="none" w="med" len="med"/>
-                    </a:lnT>
-                    <a:lnB w="12700" cap="flat" cmpd="sng" algn="ctr">
-                      <a:solidFill>
-                        <a:schemeClr val="tx1"/>
-                      </a:solidFill>
-                      <a:prstDash val="solid"/>
-                      <a:round/>
-                      <a:headEnd type="none" w="med" len="med"/>
-                      <a:tailEnd type="none" w="med" len="med"/>
-                    </a:lnB>
-                  </a:tcPr>
-                </a:tc>
-                <a:tc>
-                  <a:txBody>
-                    <a:bodyPr/>
-                    <a:lstStyle/>
-                    <a:p>
-                      <a:pPr algn="r" fontAlgn="b"/>
-                      <a:r>
-                        <a:rPr lang="en-GB" sz="1000" b="0" i="0" u="none" strike="noStrike">
-                          <a:solidFill>
-                            <a:srgbClr val="000000"/>
-                          </a:solidFill>
-                          <a:effectLst/>
-                          <a:latin typeface="Calibri" panose="020F0502020204030204" pitchFamily="34" charset="0"/>
-                        </a:rPr>
-                        <a:t>20 deaths (8.5 per 100,000 ESP, 95% CI: 5.1-13.1)</a:t>
-                      </a:r>
-                    </a:p>
-                  </a:txBody>
-                  <a:tcPr marL="9525" marR="9525" marT="9525" marB="0" anchor="b">
-                    <a:lnL w="12700" cap="flat" cmpd="sng" algn="ctr">
-                      <a:solidFill>
-                        <a:schemeClr val="tx1"/>
-                      </a:solidFill>
-                      <a:prstDash val="solid"/>
-                      <a:round/>
-                      <a:headEnd type="none" w="med" len="med"/>
-                      <a:tailEnd type="none" w="med" len="med"/>
-                    </a:lnL>
-                    <a:lnR w="12700" cap="flat" cmpd="sng" algn="ctr">
-                      <a:solidFill>
-                        <a:schemeClr val="tx1"/>
-                      </a:solidFill>
-                      <a:prstDash val="solid"/>
-                      <a:round/>
-                      <a:headEnd type="none" w="med" len="med"/>
-                      <a:tailEnd type="none" w="med" len="med"/>
-                    </a:lnR>
-                    <a:lnT w="12700" cap="flat" cmpd="sng" algn="ctr">
-                      <a:solidFill>
-                        <a:schemeClr val="tx1"/>
-                      </a:solidFill>
-                      <a:prstDash val="solid"/>
-                      <a:round/>
-                      <a:headEnd type="none" w="med" len="med"/>
-                      <a:tailEnd type="none" w="med" len="med"/>
-                    </a:lnT>
-                    <a:lnB w="12700" cap="flat" cmpd="sng" algn="ctr">
-                      <a:solidFill>
-                        <a:schemeClr val="tx1"/>
-                      </a:solidFill>
-                      <a:prstDash val="solid"/>
-                      <a:round/>
-                      <a:headEnd type="none" w="med" len="med"/>
-                      <a:tailEnd type="none" w="med" len="med"/>
-                    </a:lnB>
-                  </a:tcPr>
-                </a:tc>
-                <a:extLst>
-                  <a:ext uri="{0D108BD9-81ED-4DB2-BD59-A6C34878D82A}">
-                    <a16:rowId xmlns:a16="http://schemas.microsoft.com/office/drawing/2014/main" val="2881769172"/>
-                  </a:ext>
-                </a:extLst>
-              </a:tr>
-              <a:tr h="204691">
-                <a:tc>
-                  <a:txBody>
-                    <a:bodyPr/>
-                    <a:lstStyle/>
-                    <a:p>
-                      <a:pPr algn="l" fontAlgn="b"/>
-                      <a:r>
-                        <a:rPr lang="en-GB" sz="1000" b="0" i="0" u="none" strike="noStrike" dirty="0">
-                          <a:solidFill>
-                            <a:srgbClr val="000000"/>
-                          </a:solidFill>
-                          <a:effectLst/>
-                          <a:latin typeface="Calibri" panose="020F0502020204030204" pitchFamily="34" charset="0"/>
-                        </a:rPr>
-                        <a:t>Chichester</a:t>
-                      </a:r>
-                    </a:p>
-                  </a:txBody>
-                  <a:tcPr marL="9141" marR="9141" marT="9141" marB="0" anchor="b">
-                    <a:lnL w="12700" cap="flat" cmpd="sng" algn="ctr">
-                      <a:solidFill>
-                        <a:schemeClr val="tx1"/>
-                      </a:solidFill>
-                      <a:prstDash val="solid"/>
-                      <a:round/>
-                      <a:headEnd type="none" w="med" len="med"/>
-                      <a:tailEnd type="none" w="med" len="med"/>
-                    </a:lnL>
-                    <a:lnR w="12700" cap="flat" cmpd="sng" algn="ctr">
-                      <a:solidFill>
-                        <a:schemeClr val="tx1"/>
-                      </a:solidFill>
-                      <a:prstDash val="solid"/>
-                      <a:round/>
-                      <a:headEnd type="none" w="med" len="med"/>
-                      <a:tailEnd type="none" w="med" len="med"/>
-                    </a:lnR>
-                    <a:lnT w="12700" cap="flat" cmpd="sng" algn="ctr">
-                      <a:solidFill>
-                        <a:schemeClr val="tx1"/>
-                      </a:solidFill>
-                      <a:prstDash val="solid"/>
-                      <a:round/>
-                      <a:headEnd type="none" w="med" len="med"/>
-                      <a:tailEnd type="none" w="med" len="med"/>
-                    </a:lnT>
-                    <a:lnB w="12700" cap="flat" cmpd="sng" algn="ctr">
-                      <a:solidFill>
-                        <a:schemeClr val="tx1"/>
-                      </a:solidFill>
-                      <a:prstDash val="solid"/>
-                      <a:round/>
-                      <a:headEnd type="none" w="med" len="med"/>
-                      <a:tailEnd type="none" w="med" len="med"/>
-                    </a:lnB>
-                  </a:tcPr>
-                </a:tc>
-                <a:tc>
-                  <a:txBody>
-                    <a:bodyPr/>
-                    <a:lstStyle/>
-                    <a:p>
-                      <a:pPr algn="r" fontAlgn="b"/>
-                      <a:r>
-                        <a:rPr lang="en-GB" sz="1000" b="0" i="0" u="none" strike="noStrike" dirty="0">
-                          <a:solidFill>
-                            <a:srgbClr val="000000"/>
-                          </a:solidFill>
-                          <a:effectLst/>
-                          <a:latin typeface="Calibri" panose="020F0502020204030204" pitchFamily="34" charset="0"/>
-                        </a:rPr>
-                        <a:t>28 deaths (15.8 per 100,000 ESP, 95% CI: 10.5-23)</a:t>
-                      </a:r>
-                    </a:p>
-                  </a:txBody>
-                  <a:tcPr marL="9525" marR="9525" marT="9525" marB="0" anchor="b">
-                    <a:lnL w="12700" cap="flat" cmpd="sng" algn="ctr">
-                      <a:solidFill>
-                        <a:schemeClr val="tx1"/>
-                      </a:solidFill>
-                      <a:prstDash val="solid"/>
-                      <a:round/>
-                      <a:headEnd type="none" w="med" len="med"/>
-                      <a:tailEnd type="none" w="med" len="med"/>
-                    </a:lnL>
-                    <a:lnR w="12700" cap="flat" cmpd="sng" algn="ctr">
-                      <a:solidFill>
-                        <a:schemeClr val="tx1"/>
-                      </a:solidFill>
-                      <a:prstDash val="solid"/>
-                      <a:round/>
-                      <a:headEnd type="none" w="med" len="med"/>
-                      <a:tailEnd type="none" w="med" len="med"/>
-                    </a:lnR>
-                    <a:lnT w="12700" cap="flat" cmpd="sng" algn="ctr">
-                      <a:solidFill>
-                        <a:schemeClr val="tx1"/>
-                      </a:solidFill>
-                      <a:prstDash val="solid"/>
-                      <a:round/>
-                      <a:headEnd type="none" w="med" len="med"/>
-                      <a:tailEnd type="none" w="med" len="med"/>
-                    </a:lnT>
-                    <a:lnB w="12700" cap="flat" cmpd="sng" algn="ctr">
-                      <a:solidFill>
-                        <a:schemeClr val="tx1"/>
-                      </a:solidFill>
-                      <a:prstDash val="solid"/>
-                      <a:round/>
-                      <a:headEnd type="none" w="med" len="med"/>
-                      <a:tailEnd type="none" w="med" len="med"/>
-                    </a:lnB>
-                  </a:tcPr>
-                </a:tc>
-                <a:extLst>
-                  <a:ext uri="{0D108BD9-81ED-4DB2-BD59-A6C34878D82A}">
-                    <a16:rowId xmlns:a16="http://schemas.microsoft.com/office/drawing/2014/main" val="2132150186"/>
-                  </a:ext>
-                </a:extLst>
-              </a:tr>
-              <a:tr h="204691">
-                <a:tc>
-                  <a:txBody>
-                    <a:bodyPr/>
-                    <a:lstStyle/>
-                    <a:p>
-                      <a:pPr algn="l" fontAlgn="b"/>
-                      <a:r>
-                        <a:rPr lang="en-GB" sz="1000" b="0" i="0" u="none" strike="noStrike">
-                          <a:solidFill>
-                            <a:srgbClr val="000000"/>
-                          </a:solidFill>
-                          <a:effectLst/>
-                          <a:latin typeface="Calibri" panose="020F0502020204030204" pitchFamily="34" charset="0"/>
-                        </a:rPr>
-                        <a:t>Crawley</a:t>
-                      </a:r>
-                    </a:p>
-                  </a:txBody>
-                  <a:tcPr marL="9141" marR="9141" marT="9141" marB="0" anchor="b">
-                    <a:lnL w="12700" cap="flat" cmpd="sng" algn="ctr">
-                      <a:solidFill>
-                        <a:schemeClr val="tx1"/>
-                      </a:solidFill>
-                      <a:prstDash val="solid"/>
-                      <a:round/>
-                      <a:headEnd type="none" w="med" len="med"/>
-                      <a:tailEnd type="none" w="med" len="med"/>
-                    </a:lnL>
-                    <a:lnR w="12700" cap="flat" cmpd="sng" algn="ctr">
-                      <a:solidFill>
-                        <a:schemeClr val="tx1"/>
-                      </a:solidFill>
-                      <a:prstDash val="solid"/>
-                      <a:round/>
-                      <a:headEnd type="none" w="med" len="med"/>
-                      <a:tailEnd type="none" w="med" len="med"/>
-                    </a:lnR>
-                    <a:lnT w="12700" cap="flat" cmpd="sng" algn="ctr">
-                      <a:solidFill>
-                        <a:schemeClr val="tx1"/>
-                      </a:solidFill>
-                      <a:prstDash val="solid"/>
-                      <a:round/>
-                      <a:headEnd type="none" w="med" len="med"/>
-                      <a:tailEnd type="none" w="med" len="med"/>
-                    </a:lnT>
-                    <a:lnB w="12700" cap="flat" cmpd="sng" algn="ctr">
-                      <a:solidFill>
-                        <a:schemeClr val="tx1"/>
-                      </a:solidFill>
-                      <a:prstDash val="solid"/>
-                      <a:round/>
-                      <a:headEnd type="none" w="med" len="med"/>
-                      <a:tailEnd type="none" w="med" len="med"/>
-                    </a:lnB>
-                  </a:tcPr>
-                </a:tc>
-                <a:tc>
-                  <a:txBody>
-                    <a:bodyPr/>
-                    <a:lstStyle/>
-                    <a:p>
-                      <a:pPr algn="r" fontAlgn="b"/>
-                      <a:r>
-                        <a:rPr lang="en-GB" sz="1000" b="0" i="0" u="none" strike="noStrike">
-                          <a:solidFill>
-                            <a:srgbClr val="000000"/>
-                          </a:solidFill>
-                          <a:effectLst/>
-                          <a:latin typeface="Calibri" panose="020F0502020204030204" pitchFamily="34" charset="0"/>
-                        </a:rPr>
-                        <a:t>30 deaths (33.3 per 100,000 ESP, 95% CI: 22.4-47.6)</a:t>
-                      </a:r>
-                    </a:p>
-                  </a:txBody>
-                  <a:tcPr marL="9525" marR="9525" marT="9525" marB="0" anchor="b">
-                    <a:lnL w="12700" cap="flat" cmpd="sng" algn="ctr">
-                      <a:solidFill>
-                        <a:schemeClr val="tx1"/>
-                      </a:solidFill>
-                      <a:prstDash val="solid"/>
-                      <a:round/>
-                      <a:headEnd type="none" w="med" len="med"/>
-                      <a:tailEnd type="none" w="med" len="med"/>
-                    </a:lnL>
-                    <a:lnR w="12700" cap="flat" cmpd="sng" algn="ctr">
-                      <a:solidFill>
-                        <a:schemeClr val="tx1"/>
-                      </a:solidFill>
-                      <a:prstDash val="solid"/>
-                      <a:round/>
-                      <a:headEnd type="none" w="med" len="med"/>
-                      <a:tailEnd type="none" w="med" len="med"/>
-                    </a:lnR>
-                    <a:lnT w="12700" cap="flat" cmpd="sng" algn="ctr">
-                      <a:solidFill>
-                        <a:schemeClr val="tx1"/>
-                      </a:solidFill>
-                      <a:prstDash val="solid"/>
-                      <a:round/>
-                      <a:headEnd type="none" w="med" len="med"/>
-                      <a:tailEnd type="none" w="med" len="med"/>
-                    </a:lnT>
-                    <a:lnB w="12700" cap="flat" cmpd="sng" algn="ctr">
-                      <a:solidFill>
-                        <a:schemeClr val="tx1"/>
-                      </a:solidFill>
-                      <a:prstDash val="solid"/>
-                      <a:round/>
-                      <a:headEnd type="none" w="med" len="med"/>
-                      <a:tailEnd type="none" w="med" len="med"/>
-                    </a:lnB>
-                  </a:tcPr>
-                </a:tc>
-                <a:extLst>
-                  <a:ext uri="{0D108BD9-81ED-4DB2-BD59-A6C34878D82A}">
-                    <a16:rowId xmlns:a16="http://schemas.microsoft.com/office/drawing/2014/main" val="4100084925"/>
-                  </a:ext>
-                </a:extLst>
-              </a:tr>
-              <a:tr h="204691">
-                <a:tc>
-                  <a:txBody>
-                    <a:bodyPr/>
-                    <a:lstStyle/>
-                    <a:p>
-                      <a:pPr algn="l" fontAlgn="b"/>
-                      <a:r>
-                        <a:rPr lang="en-GB" sz="1000" b="0" i="0" u="none" strike="noStrike">
-                          <a:solidFill>
-                            <a:srgbClr val="000000"/>
-                          </a:solidFill>
-                          <a:effectLst/>
-                          <a:latin typeface="Calibri" panose="020F0502020204030204" pitchFamily="34" charset="0"/>
-                        </a:rPr>
-                        <a:t>Horsham</a:t>
-                      </a:r>
-                    </a:p>
-                  </a:txBody>
-                  <a:tcPr marL="9141" marR="9141" marT="9141" marB="0" anchor="b">
-                    <a:lnL w="12700" cap="flat" cmpd="sng" algn="ctr">
-                      <a:solidFill>
-                        <a:schemeClr val="tx1"/>
-                      </a:solidFill>
-                      <a:prstDash val="solid"/>
-                      <a:round/>
-                      <a:headEnd type="none" w="med" len="med"/>
-                      <a:tailEnd type="none" w="med" len="med"/>
-                    </a:lnL>
-                    <a:lnR w="12700" cap="flat" cmpd="sng" algn="ctr">
-                      <a:solidFill>
-                        <a:schemeClr val="tx1"/>
-                      </a:solidFill>
-                      <a:prstDash val="solid"/>
-                      <a:round/>
-                      <a:headEnd type="none" w="med" len="med"/>
-                      <a:tailEnd type="none" w="med" len="med"/>
-                    </a:lnR>
-                    <a:lnT w="12700" cap="flat" cmpd="sng" algn="ctr">
-                      <a:solidFill>
-                        <a:schemeClr val="tx1"/>
-                      </a:solidFill>
-                      <a:prstDash val="solid"/>
-                      <a:round/>
-                      <a:headEnd type="none" w="med" len="med"/>
-                      <a:tailEnd type="none" w="med" len="med"/>
-                    </a:lnT>
-                    <a:lnB w="12700" cap="flat" cmpd="sng" algn="ctr">
-                      <a:solidFill>
-                        <a:schemeClr val="tx1"/>
-                      </a:solidFill>
-                      <a:prstDash val="solid"/>
-                      <a:round/>
-                      <a:headEnd type="none" w="med" len="med"/>
-                      <a:tailEnd type="none" w="med" len="med"/>
-                    </a:lnB>
-                  </a:tcPr>
-                </a:tc>
-                <a:tc>
-                  <a:txBody>
-                    <a:bodyPr/>
-                    <a:lstStyle/>
-                    <a:p>
-                      <a:pPr algn="r" fontAlgn="b"/>
-                      <a:r>
-                        <a:rPr lang="en-GB" sz="1000" b="0" i="0" u="none" strike="noStrike">
-                          <a:solidFill>
-                            <a:srgbClr val="000000"/>
-                          </a:solidFill>
-                          <a:effectLst/>
-                          <a:latin typeface="Calibri" panose="020F0502020204030204" pitchFamily="34" charset="0"/>
-                        </a:rPr>
-                        <a:t>31 deaths (18.2 per 100,000 ESP, 95% CI: 12.3-25.8)</a:t>
-                      </a:r>
-                    </a:p>
-                  </a:txBody>
-                  <a:tcPr marL="9525" marR="9525" marT="9525" marB="0" anchor="b">
-                    <a:lnL w="12700" cap="flat" cmpd="sng" algn="ctr">
-                      <a:solidFill>
-                        <a:schemeClr val="tx1"/>
-                      </a:solidFill>
-                      <a:prstDash val="solid"/>
-                      <a:round/>
-                      <a:headEnd type="none" w="med" len="med"/>
-                      <a:tailEnd type="none" w="med" len="med"/>
-                    </a:lnL>
-                    <a:lnR w="12700" cap="flat" cmpd="sng" algn="ctr">
-                      <a:solidFill>
-                        <a:schemeClr val="tx1"/>
-                      </a:solidFill>
-                      <a:prstDash val="solid"/>
-                      <a:round/>
-                      <a:headEnd type="none" w="med" len="med"/>
-                      <a:tailEnd type="none" w="med" len="med"/>
-                    </a:lnR>
-                    <a:lnT w="12700" cap="flat" cmpd="sng" algn="ctr">
-                      <a:solidFill>
-                        <a:schemeClr val="tx1"/>
-                      </a:solidFill>
-                      <a:prstDash val="solid"/>
-                      <a:round/>
-                      <a:headEnd type="none" w="med" len="med"/>
-                      <a:tailEnd type="none" w="med" len="med"/>
-                    </a:lnT>
-                    <a:lnB w="12700" cap="flat" cmpd="sng" algn="ctr">
-                      <a:solidFill>
-                        <a:schemeClr val="tx1"/>
-                      </a:solidFill>
-                      <a:prstDash val="solid"/>
-                      <a:round/>
-                      <a:headEnd type="none" w="med" len="med"/>
-                      <a:tailEnd type="none" w="med" len="med"/>
-                    </a:lnB>
-                  </a:tcPr>
-                </a:tc>
-                <a:extLst>
-                  <a:ext uri="{0D108BD9-81ED-4DB2-BD59-A6C34878D82A}">
-                    <a16:rowId xmlns:a16="http://schemas.microsoft.com/office/drawing/2014/main" val="4195764038"/>
-                  </a:ext>
-                </a:extLst>
-              </a:tr>
-              <a:tr h="204691">
-                <a:tc>
-                  <a:txBody>
-                    <a:bodyPr/>
-                    <a:lstStyle/>
-                    <a:p>
-                      <a:pPr algn="l" fontAlgn="b"/>
-                      <a:r>
-                        <a:rPr lang="en-GB" sz="1000" b="0" i="0" u="none" strike="noStrike">
-                          <a:solidFill>
-                            <a:srgbClr val="000000"/>
-                          </a:solidFill>
-                          <a:effectLst/>
-                          <a:latin typeface="Calibri" panose="020F0502020204030204" pitchFamily="34" charset="0"/>
-                        </a:rPr>
-                        <a:t>Mid Sussex</a:t>
-                      </a:r>
-                    </a:p>
-                  </a:txBody>
-                  <a:tcPr marL="9141" marR="9141" marT="9141" marB="0" anchor="b">
-                    <a:lnL w="12700" cap="flat" cmpd="sng" algn="ctr">
-                      <a:solidFill>
-                        <a:schemeClr val="tx1"/>
-                      </a:solidFill>
-                      <a:prstDash val="solid"/>
-                      <a:round/>
-                      <a:headEnd type="none" w="med" len="med"/>
-                      <a:tailEnd type="none" w="med" len="med"/>
-                    </a:lnL>
-                    <a:lnR w="12700" cap="flat" cmpd="sng" algn="ctr">
-                      <a:solidFill>
-                        <a:schemeClr val="tx1"/>
-                      </a:solidFill>
-                      <a:prstDash val="solid"/>
-                      <a:round/>
-                      <a:headEnd type="none" w="med" len="med"/>
-                      <a:tailEnd type="none" w="med" len="med"/>
-                    </a:lnR>
-                    <a:lnT w="12700" cap="flat" cmpd="sng" algn="ctr">
-                      <a:solidFill>
-                        <a:schemeClr val="tx1"/>
-                      </a:solidFill>
-                      <a:prstDash val="solid"/>
-                      <a:round/>
-                      <a:headEnd type="none" w="med" len="med"/>
-                      <a:tailEnd type="none" w="med" len="med"/>
-                    </a:lnT>
-                    <a:lnB w="12700" cap="flat" cmpd="sng" algn="ctr">
-                      <a:solidFill>
-                        <a:schemeClr val="tx1"/>
-                      </a:solidFill>
-                      <a:prstDash val="solid"/>
-                      <a:round/>
-                      <a:headEnd type="none" w="med" len="med"/>
-                      <a:tailEnd type="none" w="med" len="med"/>
-                    </a:lnB>
-                  </a:tcPr>
-                </a:tc>
-                <a:tc>
-                  <a:txBody>
-                    <a:bodyPr/>
-                    <a:lstStyle/>
-                    <a:p>
-                      <a:pPr algn="r" fontAlgn="b"/>
-                      <a:r>
-                        <a:rPr lang="en-GB" sz="1000" b="0" i="0" u="none" strike="noStrike">
-                          <a:solidFill>
-                            <a:srgbClr val="000000"/>
-                          </a:solidFill>
-                          <a:effectLst/>
-                          <a:latin typeface="Calibri" panose="020F0502020204030204" pitchFamily="34" charset="0"/>
-                        </a:rPr>
-                        <a:t>59 deaths (36.2 per 100,000 ESP, 95% CI: 27.5-46.8)</a:t>
-                      </a:r>
-                    </a:p>
-                  </a:txBody>
-                  <a:tcPr marL="9525" marR="9525" marT="9525" marB="0" anchor="b">
-                    <a:lnL w="12700" cap="flat" cmpd="sng" algn="ctr">
-                      <a:solidFill>
-                        <a:schemeClr val="tx1"/>
-                      </a:solidFill>
-                      <a:prstDash val="solid"/>
-                      <a:round/>
-                      <a:headEnd type="none" w="med" len="med"/>
-                      <a:tailEnd type="none" w="med" len="med"/>
-                    </a:lnL>
-                    <a:lnR w="12700" cap="flat" cmpd="sng" algn="ctr">
-                      <a:solidFill>
-                        <a:schemeClr val="tx1"/>
-                      </a:solidFill>
-                      <a:prstDash val="solid"/>
-                      <a:round/>
-                      <a:headEnd type="none" w="med" len="med"/>
-                      <a:tailEnd type="none" w="med" len="med"/>
-                    </a:lnR>
-                    <a:lnT w="12700" cap="flat" cmpd="sng" algn="ctr">
-                      <a:solidFill>
-                        <a:schemeClr val="tx1"/>
-                      </a:solidFill>
-                      <a:prstDash val="solid"/>
-                      <a:round/>
-                      <a:headEnd type="none" w="med" len="med"/>
-                      <a:tailEnd type="none" w="med" len="med"/>
-                    </a:lnT>
-                    <a:lnB w="12700" cap="flat" cmpd="sng" algn="ctr">
-                      <a:solidFill>
-                        <a:schemeClr val="tx1"/>
-                      </a:solidFill>
-                      <a:prstDash val="solid"/>
-                      <a:round/>
-                      <a:headEnd type="none" w="med" len="med"/>
-                      <a:tailEnd type="none" w="med" len="med"/>
-                    </a:lnB>
-                  </a:tcPr>
-                </a:tc>
-                <a:extLst>
-                  <a:ext uri="{0D108BD9-81ED-4DB2-BD59-A6C34878D82A}">
-                    <a16:rowId xmlns:a16="http://schemas.microsoft.com/office/drawing/2014/main" val="1544312381"/>
-                  </a:ext>
-                </a:extLst>
-              </a:tr>
-              <a:tr h="204691">
-                <a:tc>
-                  <a:txBody>
-                    <a:bodyPr/>
-                    <a:lstStyle/>
-                    <a:p>
-                      <a:pPr algn="l" fontAlgn="b"/>
-                      <a:r>
-                        <a:rPr lang="en-GB" sz="1000" b="0" i="0" u="none" strike="noStrike">
-                          <a:solidFill>
-                            <a:srgbClr val="000000"/>
-                          </a:solidFill>
-                          <a:effectLst/>
-                          <a:latin typeface="Calibri" panose="020F0502020204030204" pitchFamily="34" charset="0"/>
-                        </a:rPr>
-                        <a:t>Worthing</a:t>
-                      </a:r>
-                    </a:p>
-                  </a:txBody>
-                  <a:tcPr marL="9141" marR="9141" marT="9141" marB="0" anchor="b">
-                    <a:lnL w="12700" cap="flat" cmpd="sng" algn="ctr">
-                      <a:solidFill>
-                        <a:schemeClr val="tx1"/>
-                      </a:solidFill>
-                      <a:prstDash val="solid"/>
-                      <a:round/>
-                      <a:headEnd type="none" w="med" len="med"/>
-                      <a:tailEnd type="none" w="med" len="med"/>
-                    </a:lnL>
-                    <a:lnR w="12700" cap="flat" cmpd="sng" algn="ctr">
-                      <a:solidFill>
-                        <a:schemeClr val="tx1"/>
-                      </a:solidFill>
-                      <a:prstDash val="solid"/>
-                      <a:round/>
-                      <a:headEnd type="none" w="med" len="med"/>
-                      <a:tailEnd type="none" w="med" len="med"/>
-                    </a:lnR>
-                    <a:lnT w="12700" cap="flat" cmpd="sng" algn="ctr">
-                      <a:solidFill>
-                        <a:schemeClr val="tx1"/>
-                      </a:solidFill>
-                      <a:prstDash val="solid"/>
-                      <a:round/>
-                      <a:headEnd type="none" w="med" len="med"/>
-                      <a:tailEnd type="none" w="med" len="med"/>
-                    </a:lnT>
-                    <a:lnB w="12700" cap="flat" cmpd="sng" algn="ctr">
-                      <a:solidFill>
-                        <a:schemeClr val="tx1"/>
-                      </a:solidFill>
-                      <a:prstDash val="solid"/>
-                      <a:round/>
-                      <a:headEnd type="none" w="med" len="med"/>
-                      <a:tailEnd type="none" w="med" len="med"/>
-                    </a:lnB>
-                  </a:tcPr>
-                </a:tc>
-                <a:tc>
-                  <a:txBody>
-                    <a:bodyPr/>
-                    <a:lstStyle/>
-                    <a:p>
-                      <a:pPr algn="r" fontAlgn="b"/>
-                      <a:r>
-                        <a:rPr lang="en-GB" sz="1000" b="0" i="0" u="none" strike="noStrike">
-                          <a:solidFill>
-                            <a:srgbClr val="000000"/>
-                          </a:solidFill>
-                          <a:effectLst/>
-                          <a:latin typeface="Calibri" panose="020F0502020204030204" pitchFamily="34" charset="0"/>
-                        </a:rPr>
-                        <a:t>16 deaths (11.7 per 100,000 ESP, 95% CI: 6.6-19.2)</a:t>
-                      </a:r>
-                    </a:p>
-                  </a:txBody>
-                  <a:tcPr marL="9525" marR="9525" marT="9525" marB="0" anchor="b">
-                    <a:lnL w="12700" cap="flat" cmpd="sng" algn="ctr">
-                      <a:solidFill>
-                        <a:schemeClr val="tx1"/>
-                      </a:solidFill>
-                      <a:prstDash val="solid"/>
-                      <a:round/>
-                      <a:headEnd type="none" w="med" len="med"/>
-                      <a:tailEnd type="none" w="med" len="med"/>
-                    </a:lnL>
-                    <a:lnR w="12700" cap="flat" cmpd="sng" algn="ctr">
-                      <a:solidFill>
-                        <a:schemeClr val="tx1"/>
-                      </a:solidFill>
-                      <a:prstDash val="solid"/>
-                      <a:round/>
-                      <a:headEnd type="none" w="med" len="med"/>
-                      <a:tailEnd type="none" w="med" len="med"/>
-                    </a:lnR>
-                    <a:lnT w="12700" cap="flat" cmpd="sng" algn="ctr">
-                      <a:solidFill>
-                        <a:schemeClr val="tx1"/>
-                      </a:solidFill>
-                      <a:prstDash val="solid"/>
-                      <a:round/>
-                      <a:headEnd type="none" w="med" len="med"/>
-                      <a:tailEnd type="none" w="med" len="med"/>
-                    </a:lnT>
-                    <a:lnB w="12700" cap="flat" cmpd="sng" algn="ctr">
-                      <a:solidFill>
-                        <a:schemeClr val="tx1"/>
-                      </a:solidFill>
-                      <a:prstDash val="solid"/>
-                      <a:round/>
-                      <a:headEnd type="none" w="med" len="med"/>
-                      <a:tailEnd type="none" w="med" len="med"/>
-                    </a:lnB>
-                  </a:tcPr>
-                </a:tc>
-                <a:extLst>
-                  <a:ext uri="{0D108BD9-81ED-4DB2-BD59-A6C34878D82A}">
-                    <a16:rowId xmlns:a16="http://schemas.microsoft.com/office/drawing/2014/main" val="1003309935"/>
-                  </a:ext>
-                </a:extLst>
-              </a:tr>
-              <a:tr h="204691">
-                <a:tc>
-                  <a:txBody>
-                    <a:bodyPr/>
-                    <a:lstStyle/>
-                    <a:p>
-                      <a:pPr algn="l" fontAlgn="b"/>
-                      <a:r>
-                        <a:rPr lang="en-GB" sz="1000" b="0" i="0" u="none" strike="noStrike">
-                          <a:solidFill>
-                            <a:srgbClr val="000000"/>
-                          </a:solidFill>
-                          <a:effectLst/>
-                          <a:latin typeface="Calibri" panose="020F0502020204030204" pitchFamily="34" charset="0"/>
-                        </a:rPr>
-                        <a:t>West Sussex</a:t>
-                      </a:r>
-                    </a:p>
-                  </a:txBody>
-                  <a:tcPr marL="9141" marR="9141" marT="9141" marB="0" anchor="b">
-                    <a:lnL w="12700" cap="flat" cmpd="sng" algn="ctr">
-                      <a:solidFill>
-                        <a:schemeClr val="tx1"/>
-                      </a:solidFill>
-                      <a:prstDash val="solid"/>
-                      <a:round/>
-                      <a:headEnd type="none" w="med" len="med"/>
-                      <a:tailEnd type="none" w="med" len="med"/>
-                    </a:lnL>
-                    <a:lnR w="12700" cap="flat" cmpd="sng" algn="ctr">
-                      <a:solidFill>
-                        <a:schemeClr val="tx1"/>
-                      </a:solidFill>
-                      <a:prstDash val="solid"/>
-                      <a:round/>
-                      <a:headEnd type="none" w="med" len="med"/>
-                      <a:tailEnd type="none" w="med" len="med"/>
-                    </a:lnR>
-                    <a:lnT w="12700" cap="flat" cmpd="sng" algn="ctr">
-                      <a:solidFill>
-                        <a:schemeClr val="tx1"/>
-                      </a:solidFill>
-                      <a:prstDash val="solid"/>
-                      <a:round/>
-                      <a:headEnd type="none" w="med" len="med"/>
-                      <a:tailEnd type="none" w="med" len="med"/>
-                    </a:lnT>
-                    <a:lnB w="12700" cap="flat" cmpd="sng" algn="ctr">
-                      <a:solidFill>
-                        <a:schemeClr val="tx1"/>
-                      </a:solidFill>
-                      <a:prstDash val="solid"/>
-                      <a:round/>
-                      <a:headEnd type="none" w="med" len="med"/>
-                      <a:tailEnd type="none" w="med" len="med"/>
-                    </a:lnB>
-                  </a:tcPr>
-                </a:tc>
-                <a:tc>
-                  <a:txBody>
-                    <a:bodyPr/>
-                    <a:lstStyle/>
-                    <a:p>
-                      <a:pPr algn="r" fontAlgn="b"/>
-                      <a:r>
-                        <a:rPr lang="en-GB" sz="1000" b="0" i="0" u="none" strike="noStrike">
-                          <a:solidFill>
-                            <a:srgbClr val="000000"/>
-                          </a:solidFill>
-                          <a:effectLst/>
-                          <a:latin typeface="Calibri" panose="020F0502020204030204" pitchFamily="34" charset="0"/>
-                        </a:rPr>
-                        <a:t>193 deaths (18.4 per 100,000 ESP, 95% CI: 15.8-21.1)</a:t>
-                      </a:r>
-                    </a:p>
-                  </a:txBody>
-                  <a:tcPr marL="9525" marR="9525" marT="9525" marB="0" anchor="b">
-                    <a:lnL w="12700" cap="flat" cmpd="sng" algn="ctr">
-                      <a:solidFill>
-                        <a:schemeClr val="tx1"/>
-                      </a:solidFill>
-                      <a:prstDash val="solid"/>
-                      <a:round/>
-                      <a:headEnd type="none" w="med" len="med"/>
-                      <a:tailEnd type="none" w="med" len="med"/>
-                    </a:lnL>
-                    <a:lnR w="12700" cap="flat" cmpd="sng" algn="ctr">
-                      <a:solidFill>
-                        <a:schemeClr val="tx1"/>
-                      </a:solidFill>
-                      <a:prstDash val="solid"/>
-                      <a:round/>
-                      <a:headEnd type="none" w="med" len="med"/>
-                      <a:tailEnd type="none" w="med" len="med"/>
-                    </a:lnR>
-                    <a:lnT w="12700" cap="flat" cmpd="sng" algn="ctr">
-                      <a:solidFill>
-                        <a:schemeClr val="tx1"/>
-                      </a:solidFill>
-                      <a:prstDash val="solid"/>
-                      <a:round/>
-                      <a:headEnd type="none" w="med" len="med"/>
-                      <a:tailEnd type="none" w="med" len="med"/>
-                    </a:lnT>
-                    <a:lnB w="12700" cap="flat" cmpd="sng" algn="ctr">
-                      <a:solidFill>
-                        <a:schemeClr val="tx1"/>
-                      </a:solidFill>
-                      <a:prstDash val="solid"/>
-                      <a:round/>
-                      <a:headEnd type="none" w="med" len="med"/>
-                      <a:tailEnd type="none" w="med" len="med"/>
-                    </a:lnB>
-                  </a:tcPr>
-                </a:tc>
-                <a:extLst>
-                  <a:ext uri="{0D108BD9-81ED-4DB2-BD59-A6C34878D82A}">
-                    <a16:rowId xmlns:a16="http://schemas.microsoft.com/office/drawing/2014/main" val="336817654"/>
-                  </a:ext>
-                </a:extLst>
-              </a:tr>
-              <a:tr h="204691">
-                <a:tc>
-                  <a:txBody>
-                    <a:bodyPr/>
-                    <a:lstStyle/>
-                    <a:p>
-                      <a:pPr algn="l" fontAlgn="b"/>
-                      <a:r>
-                        <a:rPr lang="en-GB" sz="1000" b="0" i="0" u="none" strike="noStrike">
-                          <a:solidFill>
-                            <a:srgbClr val="000000"/>
-                          </a:solidFill>
-                          <a:effectLst/>
-                          <a:latin typeface="Calibri" panose="020F0502020204030204" pitchFamily="34" charset="0"/>
-                        </a:rPr>
-                        <a:t>South East</a:t>
-                      </a:r>
-                    </a:p>
-                  </a:txBody>
-                  <a:tcPr marL="9141" marR="9141" marT="9141" marB="0" anchor="b">
-                    <a:lnL w="12700" cap="flat" cmpd="sng" algn="ctr">
-                      <a:solidFill>
-                        <a:schemeClr val="tx1"/>
-                      </a:solidFill>
-                      <a:prstDash val="solid"/>
-                      <a:round/>
-                      <a:headEnd type="none" w="med" len="med"/>
-                      <a:tailEnd type="none" w="med" len="med"/>
-                    </a:lnL>
-                    <a:lnR w="12700" cap="flat" cmpd="sng" algn="ctr">
-                      <a:solidFill>
-                        <a:schemeClr val="tx1"/>
-                      </a:solidFill>
-                      <a:prstDash val="solid"/>
-                      <a:round/>
-                      <a:headEnd type="none" w="med" len="med"/>
-                      <a:tailEnd type="none" w="med" len="med"/>
-                    </a:lnR>
-                    <a:lnT w="12700" cap="flat" cmpd="sng" algn="ctr">
-                      <a:solidFill>
-                        <a:schemeClr val="tx1"/>
-                      </a:solidFill>
-                      <a:prstDash val="solid"/>
-                      <a:round/>
-                      <a:headEnd type="none" w="med" len="med"/>
-                      <a:tailEnd type="none" w="med" len="med"/>
-                    </a:lnT>
-                    <a:lnB w="12700" cap="flat" cmpd="sng" algn="ctr">
-                      <a:solidFill>
-                        <a:schemeClr val="tx1"/>
-                      </a:solidFill>
-                      <a:prstDash val="solid"/>
-                      <a:round/>
-                      <a:headEnd type="none" w="med" len="med"/>
-                      <a:tailEnd type="none" w="med" len="med"/>
-                    </a:lnB>
-                  </a:tcPr>
-                </a:tc>
-                <a:tc>
-                  <a:txBody>
-                    <a:bodyPr/>
-                    <a:lstStyle/>
-                    <a:p>
-                      <a:pPr algn="r" fontAlgn="b"/>
-                      <a:r>
-                        <a:rPr lang="en-GB" sz="1000" b="0" i="0" u="none" strike="noStrike">
-                          <a:solidFill>
-                            <a:srgbClr val="000000"/>
-                          </a:solidFill>
-                          <a:effectLst/>
-                          <a:latin typeface="Calibri" panose="020F0502020204030204" pitchFamily="34" charset="0"/>
-                        </a:rPr>
-                        <a:t>2,508 deaths (26.8 per 100,000 ESP, 95% CI: 25.7-27.8)</a:t>
-                      </a:r>
-                    </a:p>
-                  </a:txBody>
-                  <a:tcPr marL="9525" marR="9525" marT="9525" marB="0" anchor="b">
-                    <a:lnL w="12700" cap="flat" cmpd="sng" algn="ctr">
-                      <a:solidFill>
-                        <a:schemeClr val="tx1"/>
-                      </a:solidFill>
-                      <a:prstDash val="solid"/>
-                      <a:round/>
-                      <a:headEnd type="none" w="med" len="med"/>
-                      <a:tailEnd type="none" w="med" len="med"/>
-                    </a:lnL>
-                    <a:lnR w="12700" cap="flat" cmpd="sng" algn="ctr">
-                      <a:solidFill>
-                        <a:schemeClr val="tx1"/>
-                      </a:solidFill>
-                      <a:prstDash val="solid"/>
-                      <a:round/>
-                      <a:headEnd type="none" w="med" len="med"/>
-                      <a:tailEnd type="none" w="med" len="med"/>
-                    </a:lnR>
-                    <a:lnT w="12700" cap="flat" cmpd="sng" algn="ctr">
-                      <a:solidFill>
-                        <a:schemeClr val="tx1"/>
-                      </a:solidFill>
-                      <a:prstDash val="solid"/>
-                      <a:round/>
-                      <a:headEnd type="none" w="med" len="med"/>
-                      <a:tailEnd type="none" w="med" len="med"/>
-                    </a:lnT>
-                    <a:lnB w="12700" cap="flat" cmpd="sng" algn="ctr">
-                      <a:solidFill>
-                        <a:schemeClr val="tx1"/>
-                      </a:solidFill>
-                      <a:prstDash val="solid"/>
-                      <a:round/>
-                      <a:headEnd type="none" w="med" len="med"/>
-                      <a:tailEnd type="none" w="med" len="med"/>
-                    </a:lnB>
-                  </a:tcPr>
-                </a:tc>
-                <a:extLst>
-                  <a:ext uri="{0D108BD9-81ED-4DB2-BD59-A6C34878D82A}">
-                    <a16:rowId xmlns:a16="http://schemas.microsoft.com/office/drawing/2014/main" val="3400064576"/>
-                  </a:ext>
-                </a:extLst>
-              </a:tr>
-              <a:tr h="204691">
-                <a:tc>
-                  <a:txBody>
-                    <a:bodyPr/>
-                    <a:lstStyle/>
-                    <a:p>
-                      <a:pPr algn="l" fontAlgn="b"/>
-                      <a:r>
-                        <a:rPr lang="en-GB" sz="1000" b="0" i="0" u="none" strike="noStrike">
-                          <a:solidFill>
-                            <a:srgbClr val="000000"/>
-                          </a:solidFill>
-                          <a:effectLst/>
-                          <a:latin typeface="Calibri" panose="020F0502020204030204" pitchFamily="34" charset="0"/>
-                        </a:rPr>
-                        <a:t>England</a:t>
-                      </a:r>
-                    </a:p>
-                  </a:txBody>
-                  <a:tcPr marL="9141" marR="9141" marT="9141" marB="0" anchor="b">
-                    <a:lnL w="12700" cap="flat" cmpd="sng" algn="ctr">
-                      <a:solidFill>
-                        <a:schemeClr val="tx1"/>
-                      </a:solidFill>
-                      <a:prstDash val="solid"/>
-                      <a:round/>
-                      <a:headEnd type="none" w="med" len="med"/>
-                      <a:tailEnd type="none" w="med" len="med"/>
-                    </a:lnL>
-                    <a:lnR w="12700" cap="flat" cmpd="sng" algn="ctr">
-                      <a:solidFill>
-                        <a:schemeClr val="tx1"/>
-                      </a:solidFill>
-                      <a:prstDash val="solid"/>
-                      <a:round/>
-                      <a:headEnd type="none" w="med" len="med"/>
-                      <a:tailEnd type="none" w="med" len="med"/>
-                    </a:lnR>
-                    <a:lnT w="12700" cap="flat" cmpd="sng" algn="ctr">
-                      <a:solidFill>
-                        <a:schemeClr val="tx1"/>
-                      </a:solidFill>
-                      <a:prstDash val="solid"/>
-                      <a:round/>
-                      <a:headEnd type="none" w="med" len="med"/>
-                      <a:tailEnd type="none" w="med" len="med"/>
-                    </a:lnT>
-                    <a:lnB w="12700" cap="flat" cmpd="sng" algn="ctr">
-                      <a:solidFill>
-                        <a:schemeClr val="tx1"/>
-                      </a:solidFill>
-                      <a:prstDash val="solid"/>
-                      <a:round/>
-                      <a:headEnd type="none" w="med" len="med"/>
-                      <a:tailEnd type="none" w="med" len="med"/>
-                    </a:lnB>
-                  </a:tcPr>
-                </a:tc>
-                <a:tc>
-                  <a:txBody>
-                    <a:bodyPr/>
-                    <a:lstStyle/>
-                    <a:p>
-                      <a:pPr algn="r" fontAlgn="b"/>
-                      <a:r>
-                        <a:rPr lang="en-GB" sz="1000" b="0" i="0" u="none" strike="noStrike" dirty="0">
-                          <a:solidFill>
-                            <a:srgbClr val="000000"/>
-                          </a:solidFill>
-                          <a:effectLst/>
-                          <a:latin typeface="Calibri" panose="020F0502020204030204" pitchFamily="34" charset="0"/>
-                        </a:rPr>
-                        <a:t>19,315 deaths (36.6 per 100,000 ESP, 95% CI: 36.1-37.1)</a:t>
-                      </a:r>
-                    </a:p>
-                  </a:txBody>
-                  <a:tcPr marL="9525" marR="9525" marT="9525" marB="0" anchor="b">
-                    <a:lnL w="12700" cap="flat" cmpd="sng" algn="ctr">
-                      <a:solidFill>
-                        <a:schemeClr val="tx1"/>
-                      </a:solidFill>
-                      <a:prstDash val="solid"/>
-                      <a:round/>
-                      <a:headEnd type="none" w="med" len="med"/>
-                      <a:tailEnd type="none" w="med" len="med"/>
-                    </a:lnL>
-                    <a:lnR w="12700" cap="flat" cmpd="sng" algn="ctr">
-                      <a:solidFill>
-                        <a:schemeClr val="tx1"/>
-                      </a:solidFill>
-                      <a:prstDash val="solid"/>
-                      <a:round/>
-                      <a:headEnd type="none" w="med" len="med"/>
-                      <a:tailEnd type="none" w="med" len="med"/>
-                    </a:lnR>
-                    <a:lnT w="12700" cap="flat" cmpd="sng" algn="ctr">
-                      <a:solidFill>
-                        <a:schemeClr val="tx1"/>
-                      </a:solidFill>
-                      <a:prstDash val="solid"/>
-                      <a:round/>
-                      <a:headEnd type="none" w="med" len="med"/>
-                      <a:tailEnd type="none" w="med" len="med"/>
-                    </a:lnT>
-                    <a:lnB w="12700" cap="flat" cmpd="sng" algn="ctr">
-                      <a:solidFill>
-                        <a:schemeClr val="tx1"/>
-                      </a:solidFill>
-                      <a:prstDash val="solid"/>
-                      <a:round/>
-                      <a:headEnd type="none" w="med" len="med"/>
-                      <a:tailEnd type="none" w="med" len="med"/>
-                    </a:lnB>
-                  </a:tcPr>
-                </a:tc>
-                <a:extLst>
-                  <a:ext uri="{0D108BD9-81ED-4DB2-BD59-A6C34878D82A}">
-                    <a16:rowId xmlns:a16="http://schemas.microsoft.com/office/drawing/2014/main" val="475269007"/>
-                  </a:ext>
-                </a:extLst>
-              </a:tr>
-            </a:tbl>
-          </a:graphicData>
-        </a:graphic>
-      </p:graphicFrame>
-      <p:pic>
-        <p:nvPicPr>
-          <p:cNvPr id="10" name="Picture 9">
-            <a:extLst>
-              <a:ext uri="{FF2B5EF4-FFF2-40B4-BE49-F238E27FC236}">
-                <a16:creationId xmlns:a16="http://schemas.microsoft.com/office/drawing/2014/main" id="{4452CEB0-5D79-B64B-B842-08E7A9CBD3BB}"/>
-              </a:ext>
-            </a:extLst>
-          </p:cNvPr>
-          <p:cNvPicPr>
-            <a:picLocks noChangeAspect="1"/>
-          </p:cNvPicPr>
-          <p:nvPr/>
-        </p:nvPicPr>
-        <p:blipFill>
-          <a:blip r:embed="rId3">
-            <a:extLst>
-              <a:ext uri="{28A0092B-C50C-407E-A947-70E740481C1C}">
-                <a14:useLocalDpi xmlns:a14="http://schemas.microsoft.com/office/drawing/2010/main" val="0"/>
-              </a:ext>
-            </a:extLst>
-          </a:blip>
-          <a:srcRect/>
-          <a:stretch/>
-        </p:blipFill>
-        <p:spPr>
-          <a:xfrm>
-            <a:off x="5214380" y="198311"/>
-            <a:ext cx="6906578" cy="2557992"/>
-          </a:xfrm>
-          <a:prstGeom prst="rect">
-            <a:avLst/>
-          </a:prstGeom>
-        </p:spPr>
-      </p:pic>
-      <p:sp>
-        <p:nvSpPr>
-          <p:cNvPr id="11" name="TextBox 10">
-            <a:extLst>
-              <a:ext uri="{FF2B5EF4-FFF2-40B4-BE49-F238E27FC236}">
-                <a16:creationId xmlns:a16="http://schemas.microsoft.com/office/drawing/2014/main" id="{8F9E5FCE-541C-E34E-8770-D2C5929DDAD4}"/>
-              </a:ext>
-            </a:extLst>
-          </p:cNvPr>
-          <p:cNvSpPr txBox="1"/>
-          <p:nvPr/>
-        </p:nvSpPr>
-        <p:spPr>
-          <a:xfrm>
-            <a:off x="192062" y="103363"/>
-            <a:ext cx="4791505" cy="338554"/>
-          </a:xfrm>
-          <a:prstGeom prst="rect">
-            <a:avLst/>
-          </a:prstGeom>
-          <a:noFill/>
-        </p:spPr>
-        <p:txBody>
-          <a:bodyPr wrap="none" rtlCol="0">
-            <a:spAutoFit/>
-          </a:bodyPr>
-          <a:lstStyle/>
-          <a:p>
-            <a:r>
-              <a:rPr lang="en-US" sz="1600" dirty="0"/>
-              <a:t>Covid-19 mortality; occurring 01/03/2020 – 17/04/2020</a:t>
-            </a:r>
-          </a:p>
-        </p:txBody>
-      </p:sp>
-    </p:spTree>
-    <p:extLst>
-      <p:ext uri="{BB962C8B-B14F-4D97-AF65-F5344CB8AC3E}">
-        <p14:creationId xmlns:p14="http://schemas.microsoft.com/office/powerpoint/2010/main" val="3128284130"/>
-      </p:ext>
-    </p:extLst>
-  </p:cSld>
-  <p:clrMapOvr>
-    <a:masterClrMapping/>
-  </p:clrMapOvr>
-</p:sld>
-</file>
-
-<file path=ppt/slides/slide9.xml><?xml version="1.0" encoding="utf-8"?>
-<p:sld xmlns:a="http://schemas.openxmlformats.org/drawingml/2006/main" xmlns:r="http://schemas.openxmlformats.org/officeDocument/2006/relationships" xmlns:p="http://schemas.openxmlformats.org/presentationml/2006/main">
-  <p:cSld>
-    <p:spTree>
-      <p:nvGrpSpPr>
-        <p:cNvPr id="1" name=""/>
-        <p:cNvGrpSpPr/>
-        <p:nvPr/>
-      </p:nvGrpSpPr>
-      <p:grpSpPr>
-        <a:xfrm>
-          <a:off x="0" y="0"/>
-          <a:ext cx="0" cy="0"/>
-          <a:chOff x="0" y="0"/>
-          <a:chExt cx="0" cy="0"/>
-        </a:xfrm>
-      </p:grpSpPr>
-      <p:pic>
-        <p:nvPicPr>
-          <p:cNvPr id="5" name="Content Placeholder 4">
-            <a:extLst>
-              <a:ext uri="{FF2B5EF4-FFF2-40B4-BE49-F238E27FC236}">
-                <a16:creationId xmlns:a16="http://schemas.microsoft.com/office/drawing/2014/main" id="{A40F5990-07D7-614F-B3C6-954900348894}"/>
-              </a:ext>
-            </a:extLst>
-          </p:cNvPr>
-          <p:cNvPicPr>
-            <a:picLocks noGrp="1" noChangeAspect="1"/>
-          </p:cNvPicPr>
-          <p:nvPr>
-            <p:ph idx="1"/>
-          </p:nvPr>
-        </p:nvPicPr>
-        <p:blipFill>
-          <a:blip r:embed="rId2">
-            <a:extLst>
-              <a:ext uri="{28A0092B-C50C-407E-A947-70E740481C1C}">
-                <a14:useLocalDpi xmlns:a14="http://schemas.microsoft.com/office/drawing/2010/main" val="0"/>
-              </a:ext>
-            </a:extLst>
-          </a:blip>
-          <a:srcRect/>
-          <a:stretch/>
-        </p:blipFill>
-        <p:spPr>
-          <a:xfrm>
-            <a:off x="235865" y="295835"/>
-            <a:ext cx="11236176" cy="6266328"/>
-          </a:xfrm>
-        </p:spPr>
-      </p:pic>
-      <p:sp>
-        <p:nvSpPr>
-          <p:cNvPr id="3" name="TextBox 2">
-            <a:extLst>
-              <a:ext uri="{FF2B5EF4-FFF2-40B4-BE49-F238E27FC236}">
-                <a16:creationId xmlns:a16="http://schemas.microsoft.com/office/drawing/2014/main" id="{1B04373D-5534-8140-856E-837D5C704AEF}"/>
-              </a:ext>
-            </a:extLst>
-          </p:cNvPr>
-          <p:cNvSpPr txBox="1"/>
-          <p:nvPr/>
-        </p:nvSpPr>
-        <p:spPr>
-          <a:xfrm>
-            <a:off x="192062" y="103363"/>
-            <a:ext cx="4791505" cy="338554"/>
-          </a:xfrm>
-          <a:prstGeom prst="rect">
-            <a:avLst/>
-          </a:prstGeom>
-          <a:noFill/>
-        </p:spPr>
-        <p:txBody>
-          <a:bodyPr wrap="none" rtlCol="0">
-            <a:spAutoFit/>
-          </a:bodyPr>
-          <a:lstStyle/>
-          <a:p>
-            <a:r>
-              <a:rPr lang="en-US" sz="1600" dirty="0"/>
-              <a:t>Covid-19 mortality; occurring 01/03/2020 – 17/04/2020</a:t>
-            </a:r>
-          </a:p>
-        </p:txBody>
-      </p:sp>
-    </p:spTree>
-    <p:extLst>
-      <p:ext uri="{BB962C8B-B14F-4D97-AF65-F5344CB8AC3E}">
-        <p14:creationId xmlns:p14="http://schemas.microsoft.com/office/powerpoint/2010/main" val="1783523825"/>
       </p:ext>
     </p:extLst>
   </p:cSld>
